--- a/packages/Dependencies.pptx
+++ b/packages/Dependencies.pptx
@@ -6,6 +6,7 @@
   </p:sldMasterIdLst>
   <p:sldIdLst>
     <p:sldId id="256" r:id="rId2"/>
+    <p:sldId id="257" r:id="rId3"/>
   </p:sldIdLst>
   <p:sldSz cx="12192000" cy="6858000"/>
   <p:notesSz cx="6858000" cy="9144000"/>
@@ -261,7 +262,7 @@
           <a:p>
             <a:fld id="{6DD3C254-EB1A-43A9-939A-0227EC6FC929}" type="datetimeFigureOut">
               <a:rPr lang="zh-CN" altLang="en-US" smtClean="0"/>
-              <a:t>2019/10/4</a:t>
+              <a:t>2020/7/9</a:t>
             </a:fld>
             <a:endParaRPr lang="zh-CN" altLang="en-US"/>
           </a:p>
@@ -461,7 +462,7 @@
           <a:p>
             <a:fld id="{6DD3C254-EB1A-43A9-939A-0227EC6FC929}" type="datetimeFigureOut">
               <a:rPr lang="zh-CN" altLang="en-US" smtClean="0"/>
-              <a:t>2019/10/4</a:t>
+              <a:t>2020/7/9</a:t>
             </a:fld>
             <a:endParaRPr lang="zh-CN" altLang="en-US"/>
           </a:p>
@@ -671,7 +672,7 @@
           <a:p>
             <a:fld id="{6DD3C254-EB1A-43A9-939A-0227EC6FC929}" type="datetimeFigureOut">
               <a:rPr lang="zh-CN" altLang="en-US" smtClean="0"/>
-              <a:t>2019/10/4</a:t>
+              <a:t>2020/7/9</a:t>
             </a:fld>
             <a:endParaRPr lang="zh-CN" altLang="en-US"/>
           </a:p>
@@ -871,7 +872,7 @@
           <a:p>
             <a:fld id="{6DD3C254-EB1A-43A9-939A-0227EC6FC929}" type="datetimeFigureOut">
               <a:rPr lang="zh-CN" altLang="en-US" smtClean="0"/>
-              <a:t>2019/10/4</a:t>
+              <a:t>2020/7/9</a:t>
             </a:fld>
             <a:endParaRPr lang="zh-CN" altLang="en-US"/>
           </a:p>
@@ -1147,7 +1148,7 @@
           <a:p>
             <a:fld id="{6DD3C254-EB1A-43A9-939A-0227EC6FC929}" type="datetimeFigureOut">
               <a:rPr lang="zh-CN" altLang="en-US" smtClean="0"/>
-              <a:t>2019/10/4</a:t>
+              <a:t>2020/7/9</a:t>
             </a:fld>
             <a:endParaRPr lang="zh-CN" altLang="en-US"/>
           </a:p>
@@ -1415,7 +1416,7 @@
           <a:p>
             <a:fld id="{6DD3C254-EB1A-43A9-939A-0227EC6FC929}" type="datetimeFigureOut">
               <a:rPr lang="zh-CN" altLang="en-US" smtClean="0"/>
-              <a:t>2019/10/4</a:t>
+              <a:t>2020/7/9</a:t>
             </a:fld>
             <a:endParaRPr lang="zh-CN" altLang="en-US"/>
           </a:p>
@@ -1830,7 +1831,7 @@
           <a:p>
             <a:fld id="{6DD3C254-EB1A-43A9-939A-0227EC6FC929}" type="datetimeFigureOut">
               <a:rPr lang="zh-CN" altLang="en-US" smtClean="0"/>
-              <a:t>2019/10/4</a:t>
+              <a:t>2020/7/9</a:t>
             </a:fld>
             <a:endParaRPr lang="zh-CN" altLang="en-US"/>
           </a:p>
@@ -1972,7 +1973,7 @@
           <a:p>
             <a:fld id="{6DD3C254-EB1A-43A9-939A-0227EC6FC929}" type="datetimeFigureOut">
               <a:rPr lang="zh-CN" altLang="en-US" smtClean="0"/>
-              <a:t>2019/10/4</a:t>
+              <a:t>2020/7/9</a:t>
             </a:fld>
             <a:endParaRPr lang="zh-CN" altLang="en-US"/>
           </a:p>
@@ -2085,7 +2086,7 @@
           <a:p>
             <a:fld id="{6DD3C254-EB1A-43A9-939A-0227EC6FC929}" type="datetimeFigureOut">
               <a:rPr lang="zh-CN" altLang="en-US" smtClean="0"/>
-              <a:t>2019/10/4</a:t>
+              <a:t>2020/7/9</a:t>
             </a:fld>
             <a:endParaRPr lang="zh-CN" altLang="en-US"/>
           </a:p>
@@ -2398,7 +2399,7 @@
           <a:p>
             <a:fld id="{6DD3C254-EB1A-43A9-939A-0227EC6FC929}" type="datetimeFigureOut">
               <a:rPr lang="zh-CN" altLang="en-US" smtClean="0"/>
-              <a:t>2019/10/4</a:t>
+              <a:t>2020/7/9</a:t>
             </a:fld>
             <a:endParaRPr lang="zh-CN" altLang="en-US"/>
           </a:p>
@@ -2687,7 +2688,7 @@
           <a:p>
             <a:fld id="{6DD3C254-EB1A-43A9-939A-0227EC6FC929}" type="datetimeFigureOut">
               <a:rPr lang="zh-CN" altLang="en-US" smtClean="0"/>
-              <a:t>2019/10/4</a:t>
+              <a:t>2020/7/9</a:t>
             </a:fld>
             <a:endParaRPr lang="zh-CN" altLang="en-US"/>
           </a:p>
@@ -2930,7 +2931,7 @@
           <a:p>
             <a:fld id="{6DD3C254-EB1A-43A9-939A-0227EC6FC929}" type="datetimeFigureOut">
               <a:rPr lang="zh-CN" altLang="en-US" smtClean="0"/>
-              <a:t>2019/10/4</a:t>
+              <a:t>2020/7/9</a:t>
             </a:fld>
             <a:endParaRPr lang="zh-CN" altLang="en-US"/>
           </a:p>
@@ -4934,6 +4935,967 @@
 </p:sld>
 </file>
 
+<file path=ppt/slides/slide2.xml><?xml version="1.0" encoding="utf-8"?>
+<p:sld xmlns:a="http://schemas.openxmlformats.org/drawingml/2006/main" xmlns:r="http://schemas.openxmlformats.org/officeDocument/2006/relationships" xmlns:p="http://schemas.openxmlformats.org/presentationml/2006/main">
+  <p:cSld>
+    <p:spTree>
+      <p:nvGrpSpPr>
+        <p:cNvPr id="1" name=""/>
+        <p:cNvGrpSpPr/>
+        <p:nvPr/>
+      </p:nvGrpSpPr>
+      <p:grpSpPr>
+        <a:xfrm>
+          <a:off x="0" y="0"/>
+          <a:ext cx="0" cy="0"/>
+          <a:chOff x="0" y="0"/>
+          <a:chExt cx="0" cy="0"/>
+        </a:xfrm>
+      </p:grpSpPr>
+      <p:sp>
+        <p:nvSpPr>
+          <p:cNvPr id="4" name="TextBox 3">
+            <a:extLst>
+              <a:ext uri="{FF2B5EF4-FFF2-40B4-BE49-F238E27FC236}">
+                <a16:creationId xmlns:a16="http://schemas.microsoft.com/office/drawing/2014/main" id="{92379449-1349-4AB6-BFF3-61F5FE207FA8}"/>
+              </a:ext>
+            </a:extLst>
+          </p:cNvPr>
+          <p:cNvSpPr txBox="1"/>
+          <p:nvPr/>
+        </p:nvSpPr>
+        <p:spPr>
+          <a:xfrm>
+            <a:off x="709127" y="590939"/>
+            <a:ext cx="7371183" cy="1338828"/>
+          </a:xfrm>
+          <a:prstGeom prst="rect">
+            <a:avLst/>
+          </a:prstGeom>
+          <a:solidFill>
+            <a:schemeClr val="bg2">
+              <a:lumMod val="10000"/>
+            </a:schemeClr>
+          </a:solidFill>
+        </p:spPr>
+        <p:txBody>
+          <a:bodyPr wrap="square" rtlCol="0">
+            <a:spAutoFit/>
+          </a:bodyPr>
+          <a:lstStyle/>
+          <a:p>
+            <a:r>
+              <a:rPr lang="en-US" altLang="zh-CN" sz="900" dirty="0">
+                <a:solidFill>
+                  <a:schemeClr val="bg2">
+                    <a:lumMod val="90000"/>
+                  </a:schemeClr>
+                </a:solidFill>
+              </a:rPr>
+              <a:t>&lt;</a:t>
+            </a:r>
+            <a:r>
+              <a:rPr lang="en-US" altLang="zh-CN" sz="900" dirty="0">
+                <a:solidFill>
+                  <a:schemeClr val="accent5">
+                    <a:lumMod val="75000"/>
+                  </a:schemeClr>
+                </a:solidFill>
+              </a:rPr>
+              <a:t>Instance</a:t>
+            </a:r>
+            <a:r>
+              <a:rPr lang="en-US" altLang="zh-CN" sz="900" dirty="0">
+                <a:solidFill>
+                  <a:schemeClr val="bg2">
+                    <a:lumMod val="90000"/>
+                  </a:schemeClr>
+                </a:solidFill>
+              </a:rPr>
+              <a:t> </a:t>
+            </a:r>
+            <a:r>
+              <a:rPr lang="en-US" altLang="zh-CN" sz="900" dirty="0" err="1">
+                <a:solidFill>
+                  <a:schemeClr val="accent5">
+                    <a:lumMod val="40000"/>
+                    <a:lumOff val="60000"/>
+                  </a:schemeClr>
+                </a:solidFill>
+              </a:rPr>
+              <a:t>ref.CodeBehind</a:t>
+            </a:r>
+            <a:r>
+              <a:rPr lang="en-US" altLang="zh-CN" sz="900" dirty="0">
+                <a:solidFill>
+                  <a:schemeClr val="bg2">
+                    <a:lumMod val="90000"/>
+                  </a:schemeClr>
+                </a:solidFill>
+              </a:rPr>
+              <a:t>=</a:t>
+            </a:r>
+            <a:r>
+              <a:rPr lang="en-US" altLang="zh-CN" sz="900" dirty="0">
+                <a:solidFill>
+                  <a:schemeClr val="accent2">
+                    <a:lumMod val="60000"/>
+                    <a:lumOff val="40000"/>
+                  </a:schemeClr>
+                </a:solidFill>
+              </a:rPr>
+              <a:t>"false"</a:t>
+            </a:r>
+            <a:r>
+              <a:rPr lang="en-US" altLang="zh-CN" sz="900" dirty="0">
+                <a:solidFill>
+                  <a:schemeClr val="bg2">
+                    <a:lumMod val="90000"/>
+                  </a:schemeClr>
+                </a:solidFill>
+              </a:rPr>
+              <a:t> </a:t>
+            </a:r>
+            <a:r>
+              <a:rPr lang="en-US" altLang="zh-CN" sz="900" dirty="0" err="1">
+                <a:solidFill>
+                  <a:schemeClr val="accent5">
+                    <a:lumMod val="40000"/>
+                    <a:lumOff val="60000"/>
+                  </a:schemeClr>
+                </a:solidFill>
+              </a:rPr>
+              <a:t>ref.Class</a:t>
+            </a:r>
+            <a:r>
+              <a:rPr lang="en-US" altLang="zh-CN" sz="900" dirty="0">
+                <a:solidFill>
+                  <a:schemeClr val="bg2">
+                    <a:lumMod val="90000"/>
+                  </a:schemeClr>
+                </a:solidFill>
+              </a:rPr>
+              <a:t>=</a:t>
+            </a:r>
+            <a:r>
+              <a:rPr lang="en-US" altLang="zh-CN" sz="900" dirty="0">
+                <a:solidFill>
+                  <a:schemeClr val="accent2">
+                    <a:lumMod val="60000"/>
+                    <a:lumOff val="40000"/>
+                  </a:schemeClr>
+                </a:solidFill>
+              </a:rPr>
+              <a:t>"</a:t>
+            </a:r>
+            <a:r>
+              <a:rPr lang="en-US" altLang="zh-CN" sz="900" dirty="0" err="1">
+                <a:solidFill>
+                  <a:schemeClr val="accent2">
+                    <a:lumMod val="60000"/>
+                    <a:lumOff val="40000"/>
+                  </a:schemeClr>
+                </a:solidFill>
+              </a:rPr>
+              <a:t>helloworld</a:t>
+            </a:r>
+            <a:r>
+              <a:rPr lang="en-US" altLang="zh-CN" sz="900" dirty="0">
+                <a:solidFill>
+                  <a:schemeClr val="accent2">
+                    <a:lumMod val="60000"/>
+                    <a:lumOff val="40000"/>
+                  </a:schemeClr>
+                </a:solidFill>
+              </a:rPr>
+              <a:t>::</a:t>
+            </a:r>
+            <a:r>
+              <a:rPr lang="en-US" altLang="zh-CN" sz="900" dirty="0" err="1">
+                <a:solidFill>
+                  <a:schemeClr val="accent2">
+                    <a:lumMod val="60000"/>
+                    <a:lumOff val="40000"/>
+                  </a:schemeClr>
+                </a:solidFill>
+              </a:rPr>
+              <a:t>MainWindow</a:t>
+            </a:r>
+            <a:r>
+              <a:rPr lang="en-US" altLang="zh-CN" sz="900" dirty="0">
+                <a:solidFill>
+                  <a:schemeClr val="accent2">
+                    <a:lumMod val="60000"/>
+                    <a:lumOff val="40000"/>
+                  </a:schemeClr>
+                </a:solidFill>
+              </a:rPr>
+              <a:t>"</a:t>
+            </a:r>
+            <a:r>
+              <a:rPr lang="en-US" altLang="zh-CN" sz="900" dirty="0">
+                <a:solidFill>
+                  <a:schemeClr val="bg2">
+                    <a:lumMod val="90000"/>
+                  </a:schemeClr>
+                </a:solidFill>
+              </a:rPr>
+              <a:t>&gt;</a:t>
+            </a:r>
+          </a:p>
+          <a:p>
+            <a:r>
+              <a:rPr lang="en-US" altLang="zh-CN" sz="900" dirty="0">
+                <a:solidFill>
+                  <a:schemeClr val="bg2">
+                    <a:lumMod val="90000"/>
+                  </a:schemeClr>
+                </a:solidFill>
+              </a:rPr>
+              <a:t>    &lt;</a:t>
+            </a:r>
+            <a:r>
+              <a:rPr lang="en-US" altLang="zh-CN" sz="900" dirty="0">
+                <a:solidFill>
+                  <a:schemeClr val="accent6">
+                    <a:lumMod val="60000"/>
+                    <a:lumOff val="40000"/>
+                  </a:schemeClr>
+                </a:solidFill>
+              </a:rPr>
+              <a:t>Window</a:t>
+            </a:r>
+            <a:r>
+              <a:rPr lang="en-US" altLang="zh-CN" sz="900" dirty="0">
+                <a:solidFill>
+                  <a:schemeClr val="bg2">
+                    <a:lumMod val="90000"/>
+                  </a:schemeClr>
+                </a:solidFill>
+              </a:rPr>
+              <a:t> </a:t>
+            </a:r>
+            <a:r>
+              <a:rPr lang="en-US" altLang="zh-CN" sz="900" dirty="0">
+                <a:solidFill>
+                  <a:schemeClr val="accent4">
+                    <a:lumMod val="40000"/>
+                    <a:lumOff val="60000"/>
+                  </a:schemeClr>
+                </a:solidFill>
+              </a:rPr>
+              <a:t>Text</a:t>
+            </a:r>
+            <a:r>
+              <a:rPr lang="en-US" altLang="zh-CN" sz="900" dirty="0">
+                <a:solidFill>
+                  <a:schemeClr val="bg2">
+                    <a:lumMod val="90000"/>
+                  </a:schemeClr>
+                </a:solidFill>
+              </a:rPr>
+              <a:t>=</a:t>
+            </a:r>
+            <a:r>
+              <a:rPr lang="en-US" altLang="zh-CN" sz="900" dirty="0">
+                <a:solidFill>
+                  <a:schemeClr val="accent2">
+                    <a:lumMod val="60000"/>
+                    <a:lumOff val="40000"/>
+                  </a:schemeClr>
+                </a:solidFill>
+              </a:rPr>
+              <a:t>"Hello, world!"</a:t>
+            </a:r>
+            <a:r>
+              <a:rPr lang="en-US" altLang="zh-CN" sz="900" dirty="0">
+                <a:solidFill>
+                  <a:schemeClr val="bg2">
+                    <a:lumMod val="90000"/>
+                  </a:schemeClr>
+                </a:solidFill>
+              </a:rPr>
+              <a:t> </a:t>
+            </a:r>
+            <a:r>
+              <a:rPr lang="en-US" altLang="zh-CN" sz="900" dirty="0" err="1">
+                <a:solidFill>
+                  <a:schemeClr val="accent4">
+                    <a:lumMod val="40000"/>
+                    <a:lumOff val="60000"/>
+                  </a:schemeClr>
+                </a:solidFill>
+              </a:rPr>
+              <a:t>ClientSize</a:t>
+            </a:r>
+            <a:r>
+              <a:rPr lang="en-US" altLang="zh-CN" sz="900" dirty="0">
+                <a:solidFill>
+                  <a:schemeClr val="bg2">
+                    <a:lumMod val="90000"/>
+                  </a:schemeClr>
+                </a:solidFill>
+              </a:rPr>
+              <a:t>=</a:t>
+            </a:r>
+            <a:r>
+              <a:rPr lang="en-US" altLang="zh-CN" sz="900" dirty="0">
+                <a:solidFill>
+                  <a:schemeClr val="accent2">
+                    <a:lumMod val="60000"/>
+                    <a:lumOff val="40000"/>
+                  </a:schemeClr>
+                </a:solidFill>
+              </a:rPr>
+              <a:t>"</a:t>
+            </a:r>
+            <a:r>
+              <a:rPr lang="en-US" altLang="zh-CN" sz="900" dirty="0">
+                <a:solidFill>
+                  <a:schemeClr val="accent4">
+                    <a:lumMod val="40000"/>
+                    <a:lumOff val="60000"/>
+                  </a:schemeClr>
+                </a:solidFill>
+              </a:rPr>
+              <a:t>x</a:t>
+            </a:r>
+            <a:r>
+              <a:rPr lang="en-US" altLang="zh-CN" sz="900" dirty="0">
+                <a:solidFill>
+                  <a:schemeClr val="bg2">
+                    <a:lumMod val="90000"/>
+                  </a:schemeClr>
+                </a:solidFill>
+              </a:rPr>
+              <a:t>:</a:t>
+            </a:r>
+            <a:r>
+              <a:rPr lang="en-US" altLang="zh-CN" sz="900" dirty="0">
+                <a:solidFill>
+                  <a:schemeClr val="accent2">
+                    <a:lumMod val="60000"/>
+                    <a:lumOff val="40000"/>
+                  </a:schemeClr>
+                </a:solidFill>
+              </a:rPr>
+              <a:t>480 </a:t>
+            </a:r>
+            <a:r>
+              <a:rPr lang="en-US" altLang="zh-CN" sz="900" dirty="0">
+                <a:solidFill>
+                  <a:schemeClr val="accent4">
+                    <a:lumMod val="40000"/>
+                    <a:lumOff val="60000"/>
+                  </a:schemeClr>
+                </a:solidFill>
+              </a:rPr>
+              <a:t>y</a:t>
+            </a:r>
+            <a:r>
+              <a:rPr lang="en-US" altLang="zh-CN" sz="900" dirty="0">
+                <a:solidFill>
+                  <a:schemeClr val="bg2">
+                    <a:lumMod val="90000"/>
+                  </a:schemeClr>
+                </a:solidFill>
+              </a:rPr>
+              <a:t>:</a:t>
+            </a:r>
+            <a:r>
+              <a:rPr lang="en-US" altLang="zh-CN" sz="900" dirty="0">
+                <a:solidFill>
+                  <a:schemeClr val="accent2">
+                    <a:lumMod val="60000"/>
+                    <a:lumOff val="40000"/>
+                  </a:schemeClr>
+                </a:solidFill>
+              </a:rPr>
+              <a:t>320"</a:t>
+            </a:r>
+            <a:r>
+              <a:rPr lang="en-US" altLang="zh-CN" sz="900" dirty="0">
+                <a:solidFill>
+                  <a:schemeClr val="bg2">
+                    <a:lumMod val="90000"/>
+                  </a:schemeClr>
+                </a:solidFill>
+              </a:rPr>
+              <a:t>&gt;</a:t>
+            </a:r>
+          </a:p>
+          <a:p>
+            <a:r>
+              <a:rPr lang="en-US" altLang="zh-CN" sz="900" dirty="0">
+                <a:solidFill>
+                  <a:schemeClr val="bg2">
+                    <a:lumMod val="90000"/>
+                  </a:schemeClr>
+                </a:solidFill>
+              </a:rPr>
+              <a:t>        &lt;</a:t>
+            </a:r>
+            <a:r>
+              <a:rPr lang="en-US" altLang="zh-CN" sz="900" dirty="0" err="1">
+                <a:solidFill>
+                  <a:schemeClr val="accent5">
+                    <a:lumMod val="75000"/>
+                  </a:schemeClr>
+                </a:solidFill>
+              </a:rPr>
+              <a:t>att.</a:t>
+            </a:r>
+            <a:r>
+              <a:rPr lang="en-US" altLang="zh-CN" sz="900" dirty="0" err="1">
+                <a:solidFill>
+                  <a:schemeClr val="accent4">
+                    <a:lumMod val="40000"/>
+                    <a:lumOff val="60000"/>
+                  </a:schemeClr>
+                </a:solidFill>
+              </a:rPr>
+              <a:t>BoundsComposition</a:t>
+            </a:r>
+            <a:r>
+              <a:rPr lang="en-US" altLang="zh-CN" sz="900" dirty="0">
+                <a:solidFill>
+                  <a:schemeClr val="accent5">
+                    <a:lumMod val="75000"/>
+                  </a:schemeClr>
+                </a:solidFill>
+              </a:rPr>
+              <a:t>-set</a:t>
+            </a:r>
+            <a:r>
+              <a:rPr lang="en-US" altLang="zh-CN" sz="900" dirty="0">
+                <a:solidFill>
+                  <a:schemeClr val="bg2">
+                    <a:lumMod val="90000"/>
+                  </a:schemeClr>
+                </a:solidFill>
+              </a:rPr>
+              <a:t> </a:t>
+            </a:r>
+            <a:r>
+              <a:rPr lang="en-US" altLang="zh-CN" sz="900" dirty="0" err="1">
+                <a:solidFill>
+                  <a:schemeClr val="accent4">
+                    <a:lumMod val="40000"/>
+                    <a:lumOff val="60000"/>
+                  </a:schemeClr>
+                </a:solidFill>
+              </a:rPr>
+              <a:t>PreferredMinSize</a:t>
+            </a:r>
+            <a:r>
+              <a:rPr lang="en-US" altLang="zh-CN" sz="900" dirty="0">
+                <a:solidFill>
+                  <a:schemeClr val="bg2">
+                    <a:lumMod val="90000"/>
+                  </a:schemeClr>
+                </a:solidFill>
+              </a:rPr>
+              <a:t>=</a:t>
+            </a:r>
+            <a:r>
+              <a:rPr lang="en-US" altLang="zh-CN" sz="900" dirty="0">
+                <a:solidFill>
+                  <a:schemeClr val="accent2">
+                    <a:lumMod val="60000"/>
+                    <a:lumOff val="40000"/>
+                  </a:schemeClr>
+                </a:solidFill>
+              </a:rPr>
+              <a:t>"</a:t>
+            </a:r>
+            <a:r>
+              <a:rPr lang="en-US" altLang="zh-CN" sz="900" dirty="0">
+                <a:solidFill>
+                  <a:schemeClr val="accent4">
+                    <a:lumMod val="40000"/>
+                    <a:lumOff val="60000"/>
+                  </a:schemeClr>
+                </a:solidFill>
+              </a:rPr>
+              <a:t>x</a:t>
+            </a:r>
+            <a:r>
+              <a:rPr lang="en-US" altLang="zh-CN" sz="900" dirty="0">
+                <a:solidFill>
+                  <a:schemeClr val="bg2">
+                    <a:lumMod val="90000"/>
+                  </a:schemeClr>
+                </a:solidFill>
+              </a:rPr>
+              <a:t>:</a:t>
+            </a:r>
+            <a:r>
+              <a:rPr lang="en-US" altLang="zh-CN" sz="900" dirty="0">
+                <a:solidFill>
+                  <a:schemeClr val="accent2">
+                    <a:lumMod val="60000"/>
+                    <a:lumOff val="40000"/>
+                  </a:schemeClr>
+                </a:solidFill>
+              </a:rPr>
+              <a:t>480 </a:t>
+            </a:r>
+            <a:r>
+              <a:rPr lang="en-US" altLang="zh-CN" sz="900" dirty="0">
+                <a:solidFill>
+                  <a:schemeClr val="accent4">
+                    <a:lumMod val="40000"/>
+                    <a:lumOff val="60000"/>
+                  </a:schemeClr>
+                </a:solidFill>
+              </a:rPr>
+              <a:t>y</a:t>
+            </a:r>
+            <a:r>
+              <a:rPr lang="en-US" altLang="zh-CN" sz="900" dirty="0">
+                <a:solidFill>
+                  <a:schemeClr val="bg2">
+                    <a:lumMod val="90000"/>
+                  </a:schemeClr>
+                </a:solidFill>
+              </a:rPr>
+              <a:t>:</a:t>
+            </a:r>
+            <a:r>
+              <a:rPr lang="en-US" altLang="zh-CN" sz="900" dirty="0">
+                <a:solidFill>
+                  <a:schemeClr val="accent2">
+                    <a:lumMod val="60000"/>
+                    <a:lumOff val="40000"/>
+                  </a:schemeClr>
+                </a:solidFill>
+              </a:rPr>
+              <a:t>320"</a:t>
+            </a:r>
+            <a:r>
+              <a:rPr lang="en-US" altLang="zh-CN" sz="900" dirty="0">
+                <a:solidFill>
+                  <a:schemeClr val="bg2">
+                    <a:lumMod val="90000"/>
+                  </a:schemeClr>
+                </a:solidFill>
+              </a:rPr>
+              <a:t>/&gt;</a:t>
+            </a:r>
+          </a:p>
+          <a:p>
+            <a:r>
+              <a:rPr lang="en-US" altLang="zh-CN" sz="900" dirty="0">
+                <a:solidFill>
+                  <a:schemeClr val="bg2">
+                    <a:lumMod val="90000"/>
+                  </a:schemeClr>
+                </a:solidFill>
+              </a:rPr>
+              <a:t>        &lt;</a:t>
+            </a:r>
+            <a:r>
+              <a:rPr lang="en-US" altLang="zh-CN" sz="900" dirty="0">
+                <a:solidFill>
+                  <a:schemeClr val="accent6">
+                    <a:lumMod val="60000"/>
+                    <a:lumOff val="40000"/>
+                  </a:schemeClr>
+                </a:solidFill>
+              </a:rPr>
+              <a:t>Label</a:t>
+            </a:r>
+            <a:r>
+              <a:rPr lang="en-US" altLang="zh-CN" sz="900" dirty="0">
+                <a:solidFill>
+                  <a:schemeClr val="bg2">
+                    <a:lumMod val="90000"/>
+                  </a:schemeClr>
+                </a:solidFill>
+              </a:rPr>
+              <a:t> </a:t>
+            </a:r>
+            <a:r>
+              <a:rPr lang="en-US" altLang="zh-CN" sz="900" dirty="0">
+                <a:solidFill>
+                  <a:schemeClr val="accent4">
+                    <a:lumMod val="40000"/>
+                    <a:lumOff val="60000"/>
+                  </a:schemeClr>
+                </a:solidFill>
+              </a:rPr>
+              <a:t>Text</a:t>
+            </a:r>
+            <a:r>
+              <a:rPr lang="en-US" altLang="zh-CN" sz="900" dirty="0">
+                <a:solidFill>
+                  <a:schemeClr val="bg2">
+                    <a:lumMod val="90000"/>
+                  </a:schemeClr>
+                </a:solidFill>
+              </a:rPr>
+              <a:t>=</a:t>
+            </a:r>
+            <a:r>
+              <a:rPr lang="en-US" altLang="zh-CN" sz="900" dirty="0">
+                <a:solidFill>
+                  <a:schemeClr val="accent2">
+                    <a:lumMod val="60000"/>
+                    <a:lumOff val="40000"/>
+                  </a:schemeClr>
+                </a:solidFill>
+              </a:rPr>
+              <a:t>"Welcome to </a:t>
+            </a:r>
+            <a:r>
+              <a:rPr lang="en-US" altLang="zh-CN" sz="900" dirty="0" err="1">
+                <a:solidFill>
+                  <a:schemeClr val="accent2">
+                    <a:lumMod val="60000"/>
+                    <a:lumOff val="40000"/>
+                  </a:schemeClr>
+                </a:solidFill>
+              </a:rPr>
+              <a:t>GacUI</a:t>
+            </a:r>
+            <a:r>
+              <a:rPr lang="en-US" altLang="zh-CN" sz="900" dirty="0">
+                <a:solidFill>
+                  <a:schemeClr val="accent2">
+                    <a:lumMod val="60000"/>
+                    <a:lumOff val="40000"/>
+                  </a:schemeClr>
+                </a:solidFill>
+              </a:rPr>
+              <a:t> Library!"</a:t>
+            </a:r>
+            <a:r>
+              <a:rPr lang="en-US" altLang="zh-CN" sz="900" dirty="0">
+                <a:solidFill>
+                  <a:schemeClr val="bg2">
+                    <a:lumMod val="90000"/>
+                  </a:schemeClr>
+                </a:solidFill>
+              </a:rPr>
+              <a:t>&gt;</a:t>
+            </a:r>
+          </a:p>
+          <a:p>
+            <a:r>
+              <a:rPr lang="en-US" altLang="zh-CN" sz="900" dirty="0">
+                <a:solidFill>
+                  <a:schemeClr val="bg2">
+                    <a:lumMod val="90000"/>
+                  </a:schemeClr>
+                </a:solidFill>
+              </a:rPr>
+              <a:t>            &lt;</a:t>
+            </a:r>
+            <a:r>
+              <a:rPr lang="en-US" altLang="zh-CN" sz="900" dirty="0" err="1">
+                <a:solidFill>
+                  <a:schemeClr val="accent5">
+                    <a:lumMod val="75000"/>
+                  </a:schemeClr>
+                </a:solidFill>
+              </a:rPr>
+              <a:t>att.</a:t>
+            </a:r>
+            <a:r>
+              <a:rPr lang="en-US" altLang="zh-CN" sz="900" dirty="0" err="1">
+                <a:solidFill>
+                  <a:schemeClr val="accent4">
+                    <a:lumMod val="40000"/>
+                    <a:lumOff val="60000"/>
+                  </a:schemeClr>
+                </a:solidFill>
+              </a:rPr>
+              <a:t>Font</a:t>
+            </a:r>
+            <a:r>
+              <a:rPr lang="en-US" altLang="zh-CN" sz="900" dirty="0">
+                <a:solidFill>
+                  <a:schemeClr val="bg2">
+                    <a:lumMod val="90000"/>
+                  </a:schemeClr>
+                </a:solidFill>
+              </a:rPr>
+              <a:t>&gt;</a:t>
+            </a:r>
+            <a:r>
+              <a:rPr lang="en-US" altLang="zh-CN" sz="900" dirty="0" err="1">
+                <a:solidFill>
+                  <a:schemeClr val="accent4">
+                    <a:lumMod val="40000"/>
+                    <a:lumOff val="60000"/>
+                  </a:schemeClr>
+                </a:solidFill>
+              </a:rPr>
+              <a:t>fontFamily</a:t>
+            </a:r>
+            <a:r>
+              <a:rPr lang="en-US" altLang="zh-CN" sz="900" dirty="0">
+                <a:solidFill>
+                  <a:schemeClr val="bg2">
+                    <a:lumMod val="90000"/>
+                  </a:schemeClr>
+                </a:solidFill>
+              </a:rPr>
+              <a:t>:</a:t>
+            </a:r>
+            <a:r>
+              <a:rPr lang="en-US" altLang="zh-CN" sz="900" dirty="0">
+                <a:solidFill>
+                  <a:schemeClr val="accent2">
+                    <a:lumMod val="60000"/>
+                    <a:lumOff val="40000"/>
+                  </a:schemeClr>
+                </a:solidFill>
+              </a:rPr>
+              <a:t>"Segoe UI"</a:t>
+            </a:r>
+            <a:r>
+              <a:rPr lang="en-US" altLang="zh-CN" sz="900" dirty="0">
+                <a:solidFill>
+                  <a:schemeClr val="bg2">
+                    <a:lumMod val="90000"/>
+                  </a:schemeClr>
+                </a:solidFill>
+              </a:rPr>
+              <a:t> </a:t>
+            </a:r>
+            <a:r>
+              <a:rPr lang="en-US" altLang="zh-CN" sz="900" dirty="0">
+                <a:solidFill>
+                  <a:schemeClr val="accent4">
+                    <a:lumMod val="40000"/>
+                    <a:lumOff val="60000"/>
+                  </a:schemeClr>
+                </a:solidFill>
+              </a:rPr>
+              <a:t>size</a:t>
+            </a:r>
+            <a:r>
+              <a:rPr lang="en-US" altLang="zh-CN" sz="900" dirty="0">
+                <a:solidFill>
+                  <a:schemeClr val="bg2">
+                    <a:lumMod val="90000"/>
+                  </a:schemeClr>
+                </a:solidFill>
+              </a:rPr>
+              <a:t>:</a:t>
+            </a:r>
+            <a:r>
+              <a:rPr lang="en-US" altLang="zh-CN" sz="900" dirty="0">
+                <a:solidFill>
+                  <a:schemeClr val="accent2">
+                    <a:lumMod val="60000"/>
+                    <a:lumOff val="40000"/>
+                  </a:schemeClr>
+                </a:solidFill>
+              </a:rPr>
+              <a:t>32</a:t>
+            </a:r>
+            <a:r>
+              <a:rPr lang="en-US" altLang="zh-CN" sz="900" dirty="0">
+                <a:solidFill>
+                  <a:schemeClr val="bg2">
+                    <a:lumMod val="90000"/>
+                  </a:schemeClr>
+                </a:solidFill>
+              </a:rPr>
+              <a:t> </a:t>
+            </a:r>
+            <a:r>
+              <a:rPr lang="en-US" altLang="zh-CN" sz="900" dirty="0" err="1">
+                <a:solidFill>
+                  <a:schemeClr val="accent4">
+                    <a:lumMod val="40000"/>
+                    <a:lumOff val="60000"/>
+                  </a:schemeClr>
+                </a:solidFill>
+              </a:rPr>
+              <a:t>antialias</a:t>
+            </a:r>
+            <a:r>
+              <a:rPr lang="en-US" altLang="zh-CN" sz="900" dirty="0" err="1">
+                <a:solidFill>
+                  <a:schemeClr val="bg2">
+                    <a:lumMod val="90000"/>
+                  </a:schemeClr>
+                </a:solidFill>
+              </a:rPr>
+              <a:t>:</a:t>
+            </a:r>
+            <a:r>
+              <a:rPr lang="en-US" altLang="zh-CN" sz="900" dirty="0" err="1">
+                <a:solidFill>
+                  <a:schemeClr val="accent2">
+                    <a:lumMod val="60000"/>
+                    <a:lumOff val="40000"/>
+                  </a:schemeClr>
+                </a:solidFill>
+              </a:rPr>
+              <a:t>true</a:t>
+            </a:r>
+            <a:r>
+              <a:rPr lang="en-US" altLang="zh-CN" sz="900" dirty="0">
+                <a:solidFill>
+                  <a:schemeClr val="bg2">
+                    <a:lumMod val="90000"/>
+                  </a:schemeClr>
+                </a:solidFill>
+              </a:rPr>
+              <a:t>&lt;/</a:t>
+            </a:r>
+            <a:r>
+              <a:rPr lang="en-US" altLang="zh-CN" sz="900" dirty="0" err="1">
+                <a:solidFill>
+                  <a:schemeClr val="accent5">
+                    <a:lumMod val="75000"/>
+                  </a:schemeClr>
+                </a:solidFill>
+              </a:rPr>
+              <a:t>att.</a:t>
+            </a:r>
+            <a:r>
+              <a:rPr lang="en-US" altLang="zh-CN" sz="900" dirty="0" err="1">
+                <a:solidFill>
+                  <a:schemeClr val="accent4">
+                    <a:lumMod val="40000"/>
+                    <a:lumOff val="60000"/>
+                  </a:schemeClr>
+                </a:solidFill>
+              </a:rPr>
+              <a:t>Font</a:t>
+            </a:r>
+            <a:r>
+              <a:rPr lang="en-US" altLang="zh-CN" sz="900" dirty="0">
+                <a:solidFill>
+                  <a:schemeClr val="bg2">
+                    <a:lumMod val="90000"/>
+                  </a:schemeClr>
+                </a:solidFill>
+              </a:rPr>
+              <a:t>&gt;</a:t>
+            </a:r>
+          </a:p>
+          <a:p>
+            <a:r>
+              <a:rPr lang="en-US" altLang="zh-CN" sz="900" dirty="0">
+                <a:solidFill>
+                  <a:schemeClr val="bg2">
+                    <a:lumMod val="90000"/>
+                  </a:schemeClr>
+                </a:solidFill>
+              </a:rPr>
+              <a:t>        &lt;/</a:t>
+            </a:r>
+            <a:r>
+              <a:rPr lang="en-US" altLang="zh-CN" sz="900" dirty="0">
+                <a:solidFill>
+                  <a:schemeClr val="accent6">
+                    <a:lumMod val="60000"/>
+                    <a:lumOff val="40000"/>
+                  </a:schemeClr>
+                </a:solidFill>
+              </a:rPr>
+              <a:t>Label</a:t>
+            </a:r>
+            <a:r>
+              <a:rPr lang="en-US" altLang="zh-CN" sz="900" dirty="0">
+                <a:solidFill>
+                  <a:schemeClr val="bg2">
+                    <a:lumMod val="90000"/>
+                  </a:schemeClr>
+                </a:solidFill>
+              </a:rPr>
+              <a:t>&gt;</a:t>
+            </a:r>
+          </a:p>
+          <a:p>
+            <a:r>
+              <a:rPr lang="en-US" altLang="zh-CN" sz="900" dirty="0">
+                <a:solidFill>
+                  <a:schemeClr val="bg2">
+                    <a:lumMod val="90000"/>
+                  </a:schemeClr>
+                </a:solidFill>
+              </a:rPr>
+              <a:t>    &lt;/</a:t>
+            </a:r>
+            <a:r>
+              <a:rPr lang="en-US" altLang="zh-CN" sz="900" dirty="0">
+                <a:solidFill>
+                  <a:schemeClr val="accent6">
+                    <a:lumMod val="60000"/>
+                    <a:lumOff val="40000"/>
+                  </a:schemeClr>
+                </a:solidFill>
+              </a:rPr>
+              <a:t>Window</a:t>
+            </a:r>
+            <a:r>
+              <a:rPr lang="en-US" altLang="zh-CN" sz="900" dirty="0">
+                <a:solidFill>
+                  <a:schemeClr val="bg2">
+                    <a:lumMod val="90000"/>
+                  </a:schemeClr>
+                </a:solidFill>
+              </a:rPr>
+              <a:t>&gt;</a:t>
+            </a:r>
+          </a:p>
+          <a:p>
+            <a:r>
+              <a:rPr lang="en-US" altLang="zh-CN" sz="900" dirty="0">
+                <a:solidFill>
+                  <a:schemeClr val="bg2">
+                    <a:lumMod val="90000"/>
+                  </a:schemeClr>
+                </a:solidFill>
+              </a:rPr>
+              <a:t>&lt;/</a:t>
+            </a:r>
+            <a:r>
+              <a:rPr lang="en-US" altLang="zh-CN" sz="900" dirty="0">
+                <a:solidFill>
+                  <a:schemeClr val="accent5">
+                    <a:lumMod val="75000"/>
+                  </a:schemeClr>
+                </a:solidFill>
+              </a:rPr>
+              <a:t>Instance</a:t>
+            </a:r>
+            <a:r>
+              <a:rPr lang="en-US" altLang="zh-CN" sz="900" dirty="0">
+                <a:solidFill>
+                  <a:schemeClr val="bg2">
+                    <a:lumMod val="90000"/>
+                  </a:schemeClr>
+                </a:solidFill>
+              </a:rPr>
+              <a:t>&gt;</a:t>
+            </a:r>
+          </a:p>
+          <a:p>
+            <a:endParaRPr lang="zh-CN" altLang="en-US" sz="900" dirty="0"/>
+          </a:p>
+        </p:txBody>
+      </p:sp>
+    </p:spTree>
+    <p:extLst>
+      <p:ext uri="{BB962C8B-B14F-4D97-AF65-F5344CB8AC3E}">
+        <p14:creationId xmlns:p14="http://schemas.microsoft.com/office/powerpoint/2010/main" val="3771697539"/>
+      </p:ext>
+    </p:extLst>
+  </p:cSld>
+  <p:clrMapOvr>
+    <a:masterClrMapping/>
+  </p:clrMapOvr>
+</p:sld>
+</file>
+
 <file path=ppt/theme/theme1.xml><?xml version="1.0" encoding="utf-8"?>
 <a:theme xmlns:a="http://schemas.openxmlformats.org/drawingml/2006/main" name="Office Theme">
   <a:themeElements>

--- a/packages/Dependencies.pptx
+++ b/packages/Dependencies.pptx
@@ -7,6 +7,7 @@
   <p:sldIdLst>
     <p:sldId id="256" r:id="rId2"/>
     <p:sldId id="257" r:id="rId3"/>
+    <p:sldId id="258" r:id="rId4"/>
   </p:sldIdLst>
   <p:sldSz cx="12192000" cy="6858000"/>
   <p:notesSz cx="6858000" cy="9144000"/>
@@ -113,6 +114,18 @@
 </p:presentation>
 </file>
 
+<file path=ppt/commentAuthors.xml><?xml version="1.0" encoding="utf-8"?>
+<p:cmAuthorLst xmlns:a="http://schemas.openxmlformats.org/drawingml/2006/main" xmlns:r="http://schemas.openxmlformats.org/officeDocument/2006/relationships" xmlns:p="http://schemas.openxmlformats.org/presentationml/2006/main">
+  <p:cmAuthor id="1" name="梓瀚 陈" initials="梓瀚" lastIdx="1" clrIdx="0">
+    <p:extLst>
+      <p:ext uri="{19B8F6BF-5375-455C-9EA6-DF929625EA0E}">
+        <p15:presenceInfo xmlns:p15="http://schemas.microsoft.com/office/powerpoint/2012/main" userId="6959515aaa23bc76" providerId="Windows Live"/>
+      </p:ext>
+    </p:extLst>
+  </p:cmAuthor>
+</p:cmAuthorLst>
+</file>
+
 <file path=ppt/slideLayouts/slideLayout1.xml><?xml version="1.0" encoding="utf-8"?>
 <p:sldLayout xmlns:a="http://schemas.openxmlformats.org/drawingml/2006/main" xmlns:r="http://schemas.openxmlformats.org/officeDocument/2006/relationships" xmlns:p="http://schemas.openxmlformats.org/presentationml/2006/main" type="title" preserve="1">
   <p:cSld name="Title Slide">
@@ -262,7 +275,7 @@
           <a:p>
             <a:fld id="{6DD3C254-EB1A-43A9-939A-0227EC6FC929}" type="datetimeFigureOut">
               <a:rPr lang="zh-CN" altLang="en-US" smtClean="0"/>
-              <a:t>2020/7/9</a:t>
+              <a:t>2020/7/10</a:t>
             </a:fld>
             <a:endParaRPr lang="zh-CN" altLang="en-US"/>
           </a:p>
@@ -462,7 +475,7 @@
           <a:p>
             <a:fld id="{6DD3C254-EB1A-43A9-939A-0227EC6FC929}" type="datetimeFigureOut">
               <a:rPr lang="zh-CN" altLang="en-US" smtClean="0"/>
-              <a:t>2020/7/9</a:t>
+              <a:t>2020/7/10</a:t>
             </a:fld>
             <a:endParaRPr lang="zh-CN" altLang="en-US"/>
           </a:p>
@@ -672,7 +685,7 @@
           <a:p>
             <a:fld id="{6DD3C254-EB1A-43A9-939A-0227EC6FC929}" type="datetimeFigureOut">
               <a:rPr lang="zh-CN" altLang="en-US" smtClean="0"/>
-              <a:t>2020/7/9</a:t>
+              <a:t>2020/7/10</a:t>
             </a:fld>
             <a:endParaRPr lang="zh-CN" altLang="en-US"/>
           </a:p>
@@ -872,7 +885,7 @@
           <a:p>
             <a:fld id="{6DD3C254-EB1A-43A9-939A-0227EC6FC929}" type="datetimeFigureOut">
               <a:rPr lang="zh-CN" altLang="en-US" smtClean="0"/>
-              <a:t>2020/7/9</a:t>
+              <a:t>2020/7/10</a:t>
             </a:fld>
             <a:endParaRPr lang="zh-CN" altLang="en-US"/>
           </a:p>
@@ -1148,7 +1161,7 @@
           <a:p>
             <a:fld id="{6DD3C254-EB1A-43A9-939A-0227EC6FC929}" type="datetimeFigureOut">
               <a:rPr lang="zh-CN" altLang="en-US" smtClean="0"/>
-              <a:t>2020/7/9</a:t>
+              <a:t>2020/7/10</a:t>
             </a:fld>
             <a:endParaRPr lang="zh-CN" altLang="en-US"/>
           </a:p>
@@ -1416,7 +1429,7 @@
           <a:p>
             <a:fld id="{6DD3C254-EB1A-43A9-939A-0227EC6FC929}" type="datetimeFigureOut">
               <a:rPr lang="zh-CN" altLang="en-US" smtClean="0"/>
-              <a:t>2020/7/9</a:t>
+              <a:t>2020/7/10</a:t>
             </a:fld>
             <a:endParaRPr lang="zh-CN" altLang="en-US"/>
           </a:p>
@@ -1831,7 +1844,7 @@
           <a:p>
             <a:fld id="{6DD3C254-EB1A-43A9-939A-0227EC6FC929}" type="datetimeFigureOut">
               <a:rPr lang="zh-CN" altLang="en-US" smtClean="0"/>
-              <a:t>2020/7/9</a:t>
+              <a:t>2020/7/10</a:t>
             </a:fld>
             <a:endParaRPr lang="zh-CN" altLang="en-US"/>
           </a:p>
@@ -1973,7 +1986,7 @@
           <a:p>
             <a:fld id="{6DD3C254-EB1A-43A9-939A-0227EC6FC929}" type="datetimeFigureOut">
               <a:rPr lang="zh-CN" altLang="en-US" smtClean="0"/>
-              <a:t>2020/7/9</a:t>
+              <a:t>2020/7/10</a:t>
             </a:fld>
             <a:endParaRPr lang="zh-CN" altLang="en-US"/>
           </a:p>
@@ -2086,7 +2099,7 @@
           <a:p>
             <a:fld id="{6DD3C254-EB1A-43A9-939A-0227EC6FC929}" type="datetimeFigureOut">
               <a:rPr lang="zh-CN" altLang="en-US" smtClean="0"/>
-              <a:t>2020/7/9</a:t>
+              <a:t>2020/7/10</a:t>
             </a:fld>
             <a:endParaRPr lang="zh-CN" altLang="en-US"/>
           </a:p>
@@ -2399,7 +2412,7 @@
           <a:p>
             <a:fld id="{6DD3C254-EB1A-43A9-939A-0227EC6FC929}" type="datetimeFigureOut">
               <a:rPr lang="zh-CN" altLang="en-US" smtClean="0"/>
-              <a:t>2020/7/9</a:t>
+              <a:t>2020/7/10</a:t>
             </a:fld>
             <a:endParaRPr lang="zh-CN" altLang="en-US"/>
           </a:p>
@@ -2688,7 +2701,7 @@
           <a:p>
             <a:fld id="{6DD3C254-EB1A-43A9-939A-0227EC6FC929}" type="datetimeFigureOut">
               <a:rPr lang="zh-CN" altLang="en-US" smtClean="0"/>
-              <a:t>2020/7/9</a:t>
+              <a:t>2020/7/10</a:t>
             </a:fld>
             <a:endParaRPr lang="zh-CN" altLang="en-US"/>
           </a:p>
@@ -2931,7 +2944,7 @@
           <a:p>
             <a:fld id="{6DD3C254-EB1A-43A9-939A-0227EC6FC929}" type="datetimeFigureOut">
               <a:rPr lang="zh-CN" altLang="en-US" smtClean="0"/>
-              <a:t>2020/7/9</a:t>
+              <a:t>2020/7/10</a:t>
             </a:fld>
             <a:endParaRPr lang="zh-CN" altLang="en-US"/>
           </a:p>
@@ -5896,6 +5909,1026 @@
 </p:sld>
 </file>
 
+<file path=ppt/slides/slide3.xml><?xml version="1.0" encoding="utf-8"?>
+<p:sld xmlns:a="http://schemas.openxmlformats.org/drawingml/2006/main" xmlns:r="http://schemas.openxmlformats.org/officeDocument/2006/relationships" xmlns:p="http://schemas.openxmlformats.org/presentationml/2006/main">
+  <p:cSld>
+    <p:spTree>
+      <p:nvGrpSpPr>
+        <p:cNvPr id="1" name=""/>
+        <p:cNvGrpSpPr/>
+        <p:nvPr/>
+      </p:nvGrpSpPr>
+      <p:grpSpPr>
+        <a:xfrm>
+          <a:off x="0" y="0"/>
+          <a:ext cx="0" cy="0"/>
+          <a:chOff x="0" y="0"/>
+          <a:chExt cx="0" cy="0"/>
+        </a:xfrm>
+      </p:grpSpPr>
+      <p:sp>
+        <p:nvSpPr>
+          <p:cNvPr id="5" name="Rectangle 4">
+            <a:extLst>
+              <a:ext uri="{FF2B5EF4-FFF2-40B4-BE49-F238E27FC236}">
+                <a16:creationId xmlns:a16="http://schemas.microsoft.com/office/drawing/2014/main" id="{ADCBF45B-0CD8-4EA2-B4EF-6AEE98824202}"/>
+              </a:ext>
+            </a:extLst>
+          </p:cNvPr>
+          <p:cNvSpPr/>
+          <p:nvPr/>
+        </p:nvSpPr>
+        <p:spPr>
+          <a:xfrm>
+            <a:off x="234182" y="1674588"/>
+            <a:ext cx="1915885" cy="1250302"/>
+          </a:xfrm>
+          <a:prstGeom prst="rect">
+            <a:avLst/>
+          </a:prstGeom>
+          <a:solidFill>
+            <a:schemeClr val="accent6">
+              <a:lumMod val="40000"/>
+              <a:lumOff val="60000"/>
+            </a:schemeClr>
+          </a:solidFill>
+          <a:ln>
+            <a:solidFill>
+              <a:schemeClr val="accent6">
+                <a:lumMod val="50000"/>
+              </a:schemeClr>
+            </a:solidFill>
+          </a:ln>
+        </p:spPr>
+        <p:style>
+          <a:lnRef idx="2">
+            <a:schemeClr val="accent1">
+              <a:shade val="50000"/>
+            </a:schemeClr>
+          </a:lnRef>
+          <a:fillRef idx="1">
+            <a:schemeClr val="accent1"/>
+          </a:fillRef>
+          <a:effectRef idx="0">
+            <a:schemeClr val="accent1"/>
+          </a:effectRef>
+          <a:fontRef idx="minor">
+            <a:schemeClr val="lt1"/>
+          </a:fontRef>
+        </p:style>
+        <p:txBody>
+          <a:bodyPr rtlCol="0" anchor="ctr"/>
+          <a:lstStyle/>
+          <a:p>
+            <a:pPr algn="ctr"/>
+            <a:endParaRPr lang="zh-CN" altLang="en-US"/>
+          </a:p>
+        </p:txBody>
+      </p:sp>
+      <p:sp>
+        <p:nvSpPr>
+          <p:cNvPr id="6" name="Rectangle 5">
+            <a:extLst>
+              <a:ext uri="{FF2B5EF4-FFF2-40B4-BE49-F238E27FC236}">
+                <a16:creationId xmlns:a16="http://schemas.microsoft.com/office/drawing/2014/main" id="{BFB22DF9-03D7-4665-A428-303F7AB8AF7D}"/>
+              </a:ext>
+            </a:extLst>
+          </p:cNvPr>
+          <p:cNvSpPr/>
+          <p:nvPr/>
+        </p:nvSpPr>
+        <p:spPr>
+          <a:xfrm>
+            <a:off x="234181" y="3121840"/>
+            <a:ext cx="1915885" cy="1250302"/>
+          </a:xfrm>
+          <a:prstGeom prst="rect">
+            <a:avLst/>
+          </a:prstGeom>
+          <a:solidFill>
+            <a:schemeClr val="accent6">
+              <a:lumMod val="40000"/>
+              <a:lumOff val="60000"/>
+            </a:schemeClr>
+          </a:solidFill>
+          <a:ln>
+            <a:solidFill>
+              <a:schemeClr val="accent6">
+                <a:lumMod val="50000"/>
+              </a:schemeClr>
+            </a:solidFill>
+          </a:ln>
+        </p:spPr>
+        <p:style>
+          <a:lnRef idx="2">
+            <a:schemeClr val="accent1">
+              <a:shade val="50000"/>
+            </a:schemeClr>
+          </a:lnRef>
+          <a:fillRef idx="1">
+            <a:schemeClr val="accent1"/>
+          </a:fillRef>
+          <a:effectRef idx="0">
+            <a:schemeClr val="accent1"/>
+          </a:effectRef>
+          <a:fontRef idx="minor">
+            <a:schemeClr val="lt1"/>
+          </a:fontRef>
+        </p:style>
+        <p:txBody>
+          <a:bodyPr rtlCol="0" anchor="ctr"/>
+          <a:lstStyle/>
+          <a:p>
+            <a:pPr algn="ctr"/>
+            <a:endParaRPr lang="zh-CN" altLang="en-US"/>
+          </a:p>
+        </p:txBody>
+      </p:sp>
+      <p:sp>
+        <p:nvSpPr>
+          <p:cNvPr id="7" name="Rectangle 6">
+            <a:extLst>
+              <a:ext uri="{FF2B5EF4-FFF2-40B4-BE49-F238E27FC236}">
+                <a16:creationId xmlns:a16="http://schemas.microsoft.com/office/drawing/2014/main" id="{5E8E8C7C-E7AC-488E-83FC-9422DA352C65}"/>
+              </a:ext>
+            </a:extLst>
+          </p:cNvPr>
+          <p:cNvSpPr/>
+          <p:nvPr/>
+        </p:nvSpPr>
+        <p:spPr>
+          <a:xfrm>
+            <a:off x="234180" y="4569092"/>
+            <a:ext cx="1915885" cy="1250302"/>
+          </a:xfrm>
+          <a:prstGeom prst="rect">
+            <a:avLst/>
+          </a:prstGeom>
+          <a:solidFill>
+            <a:schemeClr val="accent6">
+              <a:lumMod val="40000"/>
+              <a:lumOff val="60000"/>
+            </a:schemeClr>
+          </a:solidFill>
+          <a:ln>
+            <a:solidFill>
+              <a:schemeClr val="accent6">
+                <a:lumMod val="50000"/>
+              </a:schemeClr>
+            </a:solidFill>
+          </a:ln>
+        </p:spPr>
+        <p:style>
+          <a:lnRef idx="2">
+            <a:schemeClr val="accent1">
+              <a:shade val="50000"/>
+            </a:schemeClr>
+          </a:lnRef>
+          <a:fillRef idx="1">
+            <a:schemeClr val="accent1"/>
+          </a:fillRef>
+          <a:effectRef idx="0">
+            <a:schemeClr val="accent1"/>
+          </a:effectRef>
+          <a:fontRef idx="minor">
+            <a:schemeClr val="lt1"/>
+          </a:fontRef>
+        </p:style>
+        <p:txBody>
+          <a:bodyPr rtlCol="0" anchor="ctr"/>
+          <a:lstStyle/>
+          <a:p>
+            <a:pPr algn="ctr"/>
+            <a:endParaRPr lang="zh-CN" altLang="en-US"/>
+          </a:p>
+        </p:txBody>
+      </p:sp>
+      <p:sp>
+        <p:nvSpPr>
+          <p:cNvPr id="8" name="Rectangle 7">
+            <a:extLst>
+              <a:ext uri="{FF2B5EF4-FFF2-40B4-BE49-F238E27FC236}">
+                <a16:creationId xmlns:a16="http://schemas.microsoft.com/office/drawing/2014/main" id="{349C8E52-982F-47B3-8B8F-DD593005CC28}"/>
+              </a:ext>
+            </a:extLst>
+          </p:cNvPr>
+          <p:cNvSpPr/>
+          <p:nvPr/>
+        </p:nvSpPr>
+        <p:spPr>
+          <a:xfrm>
+            <a:off x="2482083" y="227336"/>
+            <a:ext cx="1915885" cy="1250302"/>
+          </a:xfrm>
+          <a:prstGeom prst="rect">
+            <a:avLst/>
+          </a:prstGeom>
+          <a:solidFill>
+            <a:schemeClr val="accent2">
+              <a:lumMod val="40000"/>
+              <a:lumOff val="60000"/>
+            </a:schemeClr>
+          </a:solidFill>
+          <a:ln>
+            <a:solidFill>
+              <a:schemeClr val="accent2">
+                <a:lumMod val="50000"/>
+              </a:schemeClr>
+            </a:solidFill>
+          </a:ln>
+        </p:spPr>
+        <p:style>
+          <a:lnRef idx="2">
+            <a:schemeClr val="accent1">
+              <a:shade val="50000"/>
+            </a:schemeClr>
+          </a:lnRef>
+          <a:fillRef idx="1">
+            <a:schemeClr val="accent1"/>
+          </a:fillRef>
+          <a:effectRef idx="0">
+            <a:schemeClr val="accent1"/>
+          </a:effectRef>
+          <a:fontRef idx="minor">
+            <a:schemeClr val="lt1"/>
+          </a:fontRef>
+        </p:style>
+        <p:txBody>
+          <a:bodyPr rtlCol="0" anchor="ctr"/>
+          <a:lstStyle/>
+          <a:p>
+            <a:pPr algn="ctr"/>
+            <a:endParaRPr lang="zh-CN" altLang="en-US"/>
+          </a:p>
+        </p:txBody>
+      </p:sp>
+      <p:sp>
+        <p:nvSpPr>
+          <p:cNvPr id="9" name="Rectangle 8">
+            <a:extLst>
+              <a:ext uri="{FF2B5EF4-FFF2-40B4-BE49-F238E27FC236}">
+                <a16:creationId xmlns:a16="http://schemas.microsoft.com/office/drawing/2014/main" id="{0F6C9D97-1AD4-4CF5-8692-4585F0D89503}"/>
+              </a:ext>
+            </a:extLst>
+          </p:cNvPr>
+          <p:cNvSpPr/>
+          <p:nvPr/>
+        </p:nvSpPr>
+        <p:spPr>
+          <a:xfrm>
+            <a:off x="2482082" y="1674588"/>
+            <a:ext cx="1915885" cy="1250302"/>
+          </a:xfrm>
+          <a:prstGeom prst="rect">
+            <a:avLst/>
+          </a:prstGeom>
+          <a:solidFill>
+            <a:schemeClr val="accent2">
+              <a:lumMod val="40000"/>
+              <a:lumOff val="60000"/>
+            </a:schemeClr>
+          </a:solidFill>
+          <a:ln>
+            <a:solidFill>
+              <a:schemeClr val="accent2">
+                <a:lumMod val="50000"/>
+              </a:schemeClr>
+            </a:solidFill>
+          </a:ln>
+        </p:spPr>
+        <p:style>
+          <a:lnRef idx="2">
+            <a:schemeClr val="accent1">
+              <a:shade val="50000"/>
+            </a:schemeClr>
+          </a:lnRef>
+          <a:fillRef idx="1">
+            <a:schemeClr val="accent1"/>
+          </a:fillRef>
+          <a:effectRef idx="0">
+            <a:schemeClr val="accent1"/>
+          </a:effectRef>
+          <a:fontRef idx="minor">
+            <a:schemeClr val="lt1"/>
+          </a:fontRef>
+        </p:style>
+        <p:txBody>
+          <a:bodyPr rtlCol="0" anchor="ctr"/>
+          <a:lstStyle/>
+          <a:p>
+            <a:pPr algn="ctr"/>
+            <a:endParaRPr lang="zh-CN" altLang="en-US"/>
+          </a:p>
+        </p:txBody>
+      </p:sp>
+      <p:sp>
+        <p:nvSpPr>
+          <p:cNvPr id="10" name="Rectangle 9">
+            <a:extLst>
+              <a:ext uri="{FF2B5EF4-FFF2-40B4-BE49-F238E27FC236}">
+                <a16:creationId xmlns:a16="http://schemas.microsoft.com/office/drawing/2014/main" id="{945A8513-4A25-4F36-A2F9-D67EA4F012D8}"/>
+              </a:ext>
+            </a:extLst>
+          </p:cNvPr>
+          <p:cNvSpPr/>
+          <p:nvPr/>
+        </p:nvSpPr>
+        <p:spPr>
+          <a:xfrm>
+            <a:off x="2482081" y="3121840"/>
+            <a:ext cx="1915885" cy="1250302"/>
+          </a:xfrm>
+          <a:prstGeom prst="rect">
+            <a:avLst/>
+          </a:prstGeom>
+          <a:solidFill>
+            <a:schemeClr val="accent2">
+              <a:lumMod val="40000"/>
+              <a:lumOff val="60000"/>
+            </a:schemeClr>
+          </a:solidFill>
+          <a:ln>
+            <a:solidFill>
+              <a:schemeClr val="accent2">
+                <a:lumMod val="50000"/>
+              </a:schemeClr>
+            </a:solidFill>
+          </a:ln>
+        </p:spPr>
+        <p:style>
+          <a:lnRef idx="2">
+            <a:schemeClr val="accent1">
+              <a:shade val="50000"/>
+            </a:schemeClr>
+          </a:lnRef>
+          <a:fillRef idx="1">
+            <a:schemeClr val="accent1"/>
+          </a:fillRef>
+          <a:effectRef idx="0">
+            <a:schemeClr val="accent1"/>
+          </a:effectRef>
+          <a:fontRef idx="minor">
+            <a:schemeClr val="lt1"/>
+          </a:fontRef>
+        </p:style>
+        <p:txBody>
+          <a:bodyPr rtlCol="0" anchor="ctr"/>
+          <a:lstStyle/>
+          <a:p>
+            <a:pPr algn="ctr"/>
+            <a:endParaRPr lang="zh-CN" altLang="en-US"/>
+          </a:p>
+        </p:txBody>
+      </p:sp>
+      <p:sp>
+        <p:nvSpPr>
+          <p:cNvPr id="11" name="Rectangle 10">
+            <a:extLst>
+              <a:ext uri="{FF2B5EF4-FFF2-40B4-BE49-F238E27FC236}">
+                <a16:creationId xmlns:a16="http://schemas.microsoft.com/office/drawing/2014/main" id="{B2019D6C-284C-47ED-AF45-03DFE152FBC2}"/>
+              </a:ext>
+            </a:extLst>
+          </p:cNvPr>
+          <p:cNvSpPr/>
+          <p:nvPr/>
+        </p:nvSpPr>
+        <p:spPr>
+          <a:xfrm>
+            <a:off x="2482080" y="4569092"/>
+            <a:ext cx="1915885" cy="1250302"/>
+          </a:xfrm>
+          <a:prstGeom prst="rect">
+            <a:avLst/>
+          </a:prstGeom>
+          <a:solidFill>
+            <a:schemeClr val="accent2">
+              <a:lumMod val="40000"/>
+              <a:lumOff val="60000"/>
+            </a:schemeClr>
+          </a:solidFill>
+          <a:ln>
+            <a:solidFill>
+              <a:schemeClr val="accent2">
+                <a:lumMod val="50000"/>
+              </a:schemeClr>
+            </a:solidFill>
+          </a:ln>
+        </p:spPr>
+        <p:style>
+          <a:lnRef idx="2">
+            <a:schemeClr val="accent1">
+              <a:shade val="50000"/>
+            </a:schemeClr>
+          </a:lnRef>
+          <a:fillRef idx="1">
+            <a:schemeClr val="accent1"/>
+          </a:fillRef>
+          <a:effectRef idx="0">
+            <a:schemeClr val="accent1"/>
+          </a:effectRef>
+          <a:fontRef idx="minor">
+            <a:schemeClr val="lt1"/>
+          </a:fontRef>
+        </p:style>
+        <p:txBody>
+          <a:bodyPr rtlCol="0" anchor="ctr"/>
+          <a:lstStyle/>
+          <a:p>
+            <a:pPr algn="ctr"/>
+            <a:endParaRPr lang="zh-CN" altLang="en-US"/>
+          </a:p>
+        </p:txBody>
+      </p:sp>
+      <p:sp>
+        <p:nvSpPr>
+          <p:cNvPr id="12" name="Rectangle 11">
+            <a:extLst>
+              <a:ext uri="{FF2B5EF4-FFF2-40B4-BE49-F238E27FC236}">
+                <a16:creationId xmlns:a16="http://schemas.microsoft.com/office/drawing/2014/main" id="{98E7F6EE-1E63-4DD3-8FB9-26E57B88981A}"/>
+              </a:ext>
+            </a:extLst>
+          </p:cNvPr>
+          <p:cNvSpPr/>
+          <p:nvPr/>
+        </p:nvSpPr>
+        <p:spPr>
+          <a:xfrm>
+            <a:off x="4729983" y="227336"/>
+            <a:ext cx="1915885" cy="1250302"/>
+          </a:xfrm>
+          <a:prstGeom prst="rect">
+            <a:avLst/>
+          </a:prstGeom>
+          <a:solidFill>
+            <a:schemeClr val="accent2">
+              <a:lumMod val="40000"/>
+              <a:lumOff val="60000"/>
+            </a:schemeClr>
+          </a:solidFill>
+          <a:ln>
+            <a:solidFill>
+              <a:schemeClr val="accent2">
+                <a:lumMod val="50000"/>
+              </a:schemeClr>
+            </a:solidFill>
+          </a:ln>
+        </p:spPr>
+        <p:style>
+          <a:lnRef idx="2">
+            <a:schemeClr val="accent1">
+              <a:shade val="50000"/>
+            </a:schemeClr>
+          </a:lnRef>
+          <a:fillRef idx="1">
+            <a:schemeClr val="accent1"/>
+          </a:fillRef>
+          <a:effectRef idx="0">
+            <a:schemeClr val="accent1"/>
+          </a:effectRef>
+          <a:fontRef idx="minor">
+            <a:schemeClr val="lt1"/>
+          </a:fontRef>
+        </p:style>
+        <p:txBody>
+          <a:bodyPr rtlCol="0" anchor="ctr"/>
+          <a:lstStyle/>
+          <a:p>
+            <a:pPr algn="ctr"/>
+            <a:endParaRPr lang="zh-CN" altLang="en-US"/>
+          </a:p>
+        </p:txBody>
+      </p:sp>
+      <p:sp>
+        <p:nvSpPr>
+          <p:cNvPr id="13" name="Rectangle 12">
+            <a:extLst>
+              <a:ext uri="{FF2B5EF4-FFF2-40B4-BE49-F238E27FC236}">
+                <a16:creationId xmlns:a16="http://schemas.microsoft.com/office/drawing/2014/main" id="{248CC05C-2DFF-407E-B02D-77A4540D828A}"/>
+              </a:ext>
+            </a:extLst>
+          </p:cNvPr>
+          <p:cNvSpPr/>
+          <p:nvPr/>
+        </p:nvSpPr>
+        <p:spPr>
+          <a:xfrm>
+            <a:off x="4729981" y="1674588"/>
+            <a:ext cx="1915885" cy="1250302"/>
+          </a:xfrm>
+          <a:prstGeom prst="rect">
+            <a:avLst/>
+          </a:prstGeom>
+          <a:solidFill>
+            <a:srgbClr val="FDCCBF"/>
+          </a:solidFill>
+          <a:ln>
+            <a:solidFill>
+              <a:srgbClr val="8D2103"/>
+            </a:solidFill>
+          </a:ln>
+        </p:spPr>
+        <p:style>
+          <a:lnRef idx="2">
+            <a:schemeClr val="accent1">
+              <a:shade val="50000"/>
+            </a:schemeClr>
+          </a:lnRef>
+          <a:fillRef idx="1">
+            <a:schemeClr val="accent1"/>
+          </a:fillRef>
+          <a:effectRef idx="0">
+            <a:schemeClr val="accent1"/>
+          </a:effectRef>
+          <a:fontRef idx="minor">
+            <a:schemeClr val="lt1"/>
+          </a:fontRef>
+        </p:style>
+        <p:txBody>
+          <a:bodyPr rtlCol="0" anchor="ctr"/>
+          <a:lstStyle/>
+          <a:p>
+            <a:pPr algn="ctr"/>
+            <a:endParaRPr lang="zh-CN" altLang="en-US"/>
+          </a:p>
+        </p:txBody>
+      </p:sp>
+      <p:sp>
+        <p:nvSpPr>
+          <p:cNvPr id="14" name="Rectangle 13">
+            <a:extLst>
+              <a:ext uri="{FF2B5EF4-FFF2-40B4-BE49-F238E27FC236}">
+                <a16:creationId xmlns:a16="http://schemas.microsoft.com/office/drawing/2014/main" id="{6911B3EE-D829-4D13-8C9B-C9C39B656DDC}"/>
+              </a:ext>
+            </a:extLst>
+          </p:cNvPr>
+          <p:cNvSpPr/>
+          <p:nvPr/>
+        </p:nvSpPr>
+        <p:spPr>
+          <a:xfrm>
+            <a:off x="4729980" y="3121840"/>
+            <a:ext cx="1915885" cy="1250302"/>
+          </a:xfrm>
+          <a:prstGeom prst="rect">
+            <a:avLst/>
+          </a:prstGeom>
+          <a:solidFill>
+            <a:srgbClr val="FDCCBF"/>
+          </a:solidFill>
+          <a:ln>
+            <a:solidFill>
+              <a:srgbClr val="8D2103"/>
+            </a:solidFill>
+          </a:ln>
+        </p:spPr>
+        <p:style>
+          <a:lnRef idx="2">
+            <a:schemeClr val="accent1">
+              <a:shade val="50000"/>
+            </a:schemeClr>
+          </a:lnRef>
+          <a:fillRef idx="1">
+            <a:schemeClr val="accent1"/>
+          </a:fillRef>
+          <a:effectRef idx="0">
+            <a:schemeClr val="accent1"/>
+          </a:effectRef>
+          <a:fontRef idx="minor">
+            <a:schemeClr val="lt1"/>
+          </a:fontRef>
+        </p:style>
+        <p:txBody>
+          <a:bodyPr rtlCol="0" anchor="ctr"/>
+          <a:lstStyle/>
+          <a:p>
+            <a:pPr algn="ctr"/>
+            <a:endParaRPr lang="zh-CN" altLang="en-US"/>
+          </a:p>
+        </p:txBody>
+      </p:sp>
+      <p:sp>
+        <p:nvSpPr>
+          <p:cNvPr id="15" name="Rectangle 14">
+            <a:extLst>
+              <a:ext uri="{FF2B5EF4-FFF2-40B4-BE49-F238E27FC236}">
+                <a16:creationId xmlns:a16="http://schemas.microsoft.com/office/drawing/2014/main" id="{C6FDF858-F5A8-41E3-B4E7-29D896FE4CD6}"/>
+              </a:ext>
+            </a:extLst>
+          </p:cNvPr>
+          <p:cNvSpPr/>
+          <p:nvPr/>
+        </p:nvSpPr>
+        <p:spPr>
+          <a:xfrm>
+            <a:off x="6977879" y="227336"/>
+            <a:ext cx="1915885" cy="1250302"/>
+          </a:xfrm>
+          <a:prstGeom prst="rect">
+            <a:avLst/>
+          </a:prstGeom>
+          <a:solidFill>
+            <a:srgbClr val="EDB3FF"/>
+          </a:solidFill>
+          <a:ln>
+            <a:solidFill>
+              <a:srgbClr val="53057F"/>
+            </a:solidFill>
+          </a:ln>
+        </p:spPr>
+        <p:style>
+          <a:lnRef idx="2">
+            <a:schemeClr val="accent1">
+              <a:shade val="50000"/>
+            </a:schemeClr>
+          </a:lnRef>
+          <a:fillRef idx="1">
+            <a:schemeClr val="accent1"/>
+          </a:fillRef>
+          <a:effectRef idx="0">
+            <a:schemeClr val="accent1"/>
+          </a:effectRef>
+          <a:fontRef idx="minor">
+            <a:schemeClr val="lt1"/>
+          </a:fontRef>
+        </p:style>
+        <p:txBody>
+          <a:bodyPr rtlCol="0" anchor="ctr"/>
+          <a:lstStyle/>
+          <a:p>
+            <a:pPr algn="ctr"/>
+            <a:endParaRPr lang="zh-CN" altLang="en-US"/>
+          </a:p>
+        </p:txBody>
+      </p:sp>
+      <p:sp>
+        <p:nvSpPr>
+          <p:cNvPr id="16" name="Rectangle 15">
+            <a:extLst>
+              <a:ext uri="{FF2B5EF4-FFF2-40B4-BE49-F238E27FC236}">
+                <a16:creationId xmlns:a16="http://schemas.microsoft.com/office/drawing/2014/main" id="{C0AFB8DD-7B14-4995-9FE2-DDDC45721163}"/>
+              </a:ext>
+            </a:extLst>
+          </p:cNvPr>
+          <p:cNvSpPr/>
+          <p:nvPr/>
+        </p:nvSpPr>
+        <p:spPr>
+          <a:xfrm>
+            <a:off x="6977878" y="1674588"/>
+            <a:ext cx="1915885" cy="1250302"/>
+          </a:xfrm>
+          <a:prstGeom prst="rect">
+            <a:avLst/>
+          </a:prstGeom>
+          <a:solidFill>
+            <a:srgbClr val="EDB3FF"/>
+          </a:solidFill>
+          <a:ln>
+            <a:solidFill>
+              <a:srgbClr val="53057F"/>
+            </a:solidFill>
+          </a:ln>
+        </p:spPr>
+        <p:style>
+          <a:lnRef idx="2">
+            <a:schemeClr val="accent1">
+              <a:shade val="50000"/>
+            </a:schemeClr>
+          </a:lnRef>
+          <a:fillRef idx="1">
+            <a:schemeClr val="accent1"/>
+          </a:fillRef>
+          <a:effectRef idx="0">
+            <a:schemeClr val="accent1"/>
+          </a:effectRef>
+          <a:fontRef idx="minor">
+            <a:schemeClr val="lt1"/>
+          </a:fontRef>
+        </p:style>
+        <p:txBody>
+          <a:bodyPr rtlCol="0" anchor="ctr"/>
+          <a:lstStyle/>
+          <a:p>
+            <a:pPr algn="ctr"/>
+            <a:endParaRPr lang="zh-CN" altLang="en-US"/>
+          </a:p>
+        </p:txBody>
+      </p:sp>
+      <p:sp>
+        <p:nvSpPr>
+          <p:cNvPr id="17" name="Rectangle 16">
+            <a:extLst>
+              <a:ext uri="{FF2B5EF4-FFF2-40B4-BE49-F238E27FC236}">
+                <a16:creationId xmlns:a16="http://schemas.microsoft.com/office/drawing/2014/main" id="{AC8FC27A-93E8-4D03-A0A1-BC81F7973E29}"/>
+              </a:ext>
+            </a:extLst>
+          </p:cNvPr>
+          <p:cNvSpPr/>
+          <p:nvPr/>
+        </p:nvSpPr>
+        <p:spPr>
+          <a:xfrm>
+            <a:off x="6977877" y="3121840"/>
+            <a:ext cx="1915885" cy="1250302"/>
+          </a:xfrm>
+          <a:prstGeom prst="rect">
+            <a:avLst/>
+          </a:prstGeom>
+          <a:solidFill>
+            <a:srgbClr val="EDB3FF"/>
+          </a:solidFill>
+          <a:ln>
+            <a:solidFill>
+              <a:srgbClr val="53057F"/>
+            </a:solidFill>
+          </a:ln>
+        </p:spPr>
+        <p:style>
+          <a:lnRef idx="2">
+            <a:schemeClr val="accent1">
+              <a:shade val="50000"/>
+            </a:schemeClr>
+          </a:lnRef>
+          <a:fillRef idx="1">
+            <a:schemeClr val="accent1"/>
+          </a:fillRef>
+          <a:effectRef idx="0">
+            <a:schemeClr val="accent1"/>
+          </a:effectRef>
+          <a:fontRef idx="minor">
+            <a:schemeClr val="lt1"/>
+          </a:fontRef>
+        </p:style>
+        <p:txBody>
+          <a:bodyPr rtlCol="0" anchor="ctr"/>
+          <a:lstStyle/>
+          <a:p>
+            <a:pPr algn="ctr"/>
+            <a:endParaRPr lang="zh-CN" altLang="en-US"/>
+          </a:p>
+        </p:txBody>
+      </p:sp>
+      <p:sp>
+        <p:nvSpPr>
+          <p:cNvPr id="18" name="Rectangle 17">
+            <a:extLst>
+              <a:ext uri="{FF2B5EF4-FFF2-40B4-BE49-F238E27FC236}">
+                <a16:creationId xmlns:a16="http://schemas.microsoft.com/office/drawing/2014/main" id="{08F24A06-F19D-4C28-9CF6-F41D55F9FF72}"/>
+              </a:ext>
+            </a:extLst>
+          </p:cNvPr>
+          <p:cNvSpPr/>
+          <p:nvPr/>
+        </p:nvSpPr>
+        <p:spPr>
+          <a:xfrm>
+            <a:off x="6977876" y="4569092"/>
+            <a:ext cx="1915885" cy="1250302"/>
+          </a:xfrm>
+          <a:prstGeom prst="rect">
+            <a:avLst/>
+          </a:prstGeom>
+          <a:solidFill>
+            <a:srgbClr val="EDB3FF"/>
+          </a:solidFill>
+          <a:ln>
+            <a:solidFill>
+              <a:srgbClr val="53057F"/>
+            </a:solidFill>
+          </a:ln>
+        </p:spPr>
+        <p:style>
+          <a:lnRef idx="2">
+            <a:schemeClr val="accent1">
+              <a:shade val="50000"/>
+            </a:schemeClr>
+          </a:lnRef>
+          <a:fillRef idx="1">
+            <a:schemeClr val="accent1"/>
+          </a:fillRef>
+          <a:effectRef idx="0">
+            <a:schemeClr val="accent1"/>
+          </a:effectRef>
+          <a:fontRef idx="minor">
+            <a:schemeClr val="lt1"/>
+          </a:fontRef>
+        </p:style>
+        <p:txBody>
+          <a:bodyPr rtlCol="0" anchor="ctr"/>
+          <a:lstStyle/>
+          <a:p>
+            <a:pPr algn="ctr"/>
+            <a:endParaRPr lang="zh-CN" altLang="en-US"/>
+          </a:p>
+        </p:txBody>
+      </p:sp>
+      <p:sp>
+        <p:nvSpPr>
+          <p:cNvPr id="19" name="Rectangle 18">
+            <a:extLst>
+              <a:ext uri="{FF2B5EF4-FFF2-40B4-BE49-F238E27FC236}">
+                <a16:creationId xmlns:a16="http://schemas.microsoft.com/office/drawing/2014/main" id="{06429588-B867-41F5-A360-27F980220A55}"/>
+              </a:ext>
+            </a:extLst>
+          </p:cNvPr>
+          <p:cNvSpPr/>
+          <p:nvPr/>
+        </p:nvSpPr>
+        <p:spPr>
+          <a:xfrm>
+            <a:off x="4729976" y="4558261"/>
+            <a:ext cx="1915885" cy="1250302"/>
+          </a:xfrm>
+          <a:prstGeom prst="rect">
+            <a:avLst/>
+          </a:prstGeom>
+          <a:solidFill>
+            <a:srgbClr val="EDB3FF"/>
+          </a:solidFill>
+          <a:ln>
+            <a:solidFill>
+              <a:srgbClr val="53057F"/>
+            </a:solidFill>
+          </a:ln>
+        </p:spPr>
+        <p:style>
+          <a:lnRef idx="2">
+            <a:schemeClr val="accent1">
+              <a:shade val="50000"/>
+            </a:schemeClr>
+          </a:lnRef>
+          <a:fillRef idx="1">
+            <a:schemeClr val="accent1"/>
+          </a:fillRef>
+          <a:effectRef idx="0">
+            <a:schemeClr val="accent1"/>
+          </a:effectRef>
+          <a:fontRef idx="minor">
+            <a:schemeClr val="lt1"/>
+          </a:fontRef>
+        </p:style>
+        <p:txBody>
+          <a:bodyPr rtlCol="0" anchor="ctr"/>
+          <a:lstStyle/>
+          <a:p>
+            <a:pPr algn="ctr"/>
+            <a:endParaRPr lang="zh-CN" altLang="en-US"/>
+          </a:p>
+        </p:txBody>
+      </p:sp>
+      <p:grpSp>
+        <p:nvGrpSpPr>
+          <p:cNvPr id="22" name="Group 21">
+            <a:extLst>
+              <a:ext uri="{FF2B5EF4-FFF2-40B4-BE49-F238E27FC236}">
+                <a16:creationId xmlns:a16="http://schemas.microsoft.com/office/drawing/2014/main" id="{9884AA87-5267-46DE-8A91-6515E763DD34}"/>
+              </a:ext>
+            </a:extLst>
+          </p:cNvPr>
+          <p:cNvGrpSpPr/>
+          <p:nvPr/>
+        </p:nvGrpSpPr>
+        <p:grpSpPr>
+          <a:xfrm>
+            <a:off x="234180" y="227336"/>
+            <a:ext cx="1915888" cy="1250302"/>
+            <a:chOff x="234180" y="227336"/>
+            <a:chExt cx="1915888" cy="1250302"/>
+          </a:xfrm>
+        </p:grpSpPr>
+        <p:sp>
+          <p:nvSpPr>
+            <p:cNvPr id="4" name="Rectangle 3">
+              <a:extLst>
+                <a:ext uri="{FF2B5EF4-FFF2-40B4-BE49-F238E27FC236}">
+                  <a16:creationId xmlns:a16="http://schemas.microsoft.com/office/drawing/2014/main" id="{F89DCBCC-1DB1-4608-AEA6-247F82ADE4A7}"/>
+                </a:ext>
+              </a:extLst>
+            </p:cNvPr>
+            <p:cNvSpPr/>
+            <p:nvPr/>
+          </p:nvSpPr>
+          <p:spPr>
+            <a:xfrm>
+              <a:off x="234183" y="227336"/>
+              <a:ext cx="1915885" cy="1250302"/>
+            </a:xfrm>
+            <a:prstGeom prst="rect">
+              <a:avLst/>
+            </a:prstGeom>
+            <a:solidFill>
+              <a:schemeClr val="accent6">
+                <a:lumMod val="40000"/>
+                <a:lumOff val="60000"/>
+              </a:schemeClr>
+            </a:solidFill>
+            <a:ln>
+              <a:solidFill>
+                <a:schemeClr val="accent6">
+                  <a:lumMod val="50000"/>
+                </a:schemeClr>
+              </a:solidFill>
+            </a:ln>
+          </p:spPr>
+          <p:style>
+            <a:lnRef idx="2">
+              <a:schemeClr val="accent1">
+                <a:shade val="50000"/>
+              </a:schemeClr>
+            </a:lnRef>
+            <a:fillRef idx="1">
+              <a:schemeClr val="accent1"/>
+            </a:fillRef>
+            <a:effectRef idx="0">
+              <a:schemeClr val="accent1"/>
+            </a:effectRef>
+            <a:fontRef idx="minor">
+              <a:schemeClr val="lt1"/>
+            </a:fontRef>
+          </p:style>
+          <p:txBody>
+            <a:bodyPr rtlCol="0" anchor="ctr"/>
+            <a:lstStyle/>
+            <a:p>
+              <a:pPr algn="ctr"/>
+              <a:endParaRPr lang="zh-CN" altLang="en-US"/>
+            </a:p>
+          </p:txBody>
+        </p:sp>
+        <p:pic>
+          <p:nvPicPr>
+            <p:cNvPr id="21" name="Picture 20">
+              <a:extLst>
+                <a:ext uri="{FF2B5EF4-FFF2-40B4-BE49-F238E27FC236}">
+                  <a16:creationId xmlns:a16="http://schemas.microsoft.com/office/drawing/2014/main" id="{268CB5FD-FC0E-4B8A-B16D-5D6CB94FD0D2}"/>
+                </a:ext>
+              </a:extLst>
+            </p:cNvPr>
+            <p:cNvPicPr>
+              <a:picLocks noChangeAspect="1"/>
+            </p:cNvPicPr>
+            <p:nvPr/>
+          </p:nvPicPr>
+          <p:blipFill>
+            <a:blip r:embed="rId2"/>
+            <a:stretch>
+              <a:fillRect/>
+            </a:stretch>
+          </p:blipFill>
+          <p:spPr>
+            <a:xfrm>
+              <a:off x="234180" y="227336"/>
+              <a:ext cx="1408883" cy="1068808"/>
+            </a:xfrm>
+            <a:prstGeom prst="rect">
+              <a:avLst/>
+            </a:prstGeom>
+          </p:spPr>
+        </p:pic>
+        <p:pic>
+          <p:nvPicPr>
+            <p:cNvPr id="20" name="Picture 19">
+              <a:extLst>
+                <a:ext uri="{FF2B5EF4-FFF2-40B4-BE49-F238E27FC236}">
+                  <a16:creationId xmlns:a16="http://schemas.microsoft.com/office/drawing/2014/main" id="{3EF48FB2-39D6-4600-BD28-8C0576E5A314}"/>
+                </a:ext>
+              </a:extLst>
+            </p:cNvPr>
+            <p:cNvPicPr>
+              <a:picLocks noChangeAspect="1"/>
+            </p:cNvPicPr>
+            <p:nvPr/>
+          </p:nvPicPr>
+          <p:blipFill>
+            <a:blip r:embed="rId3"/>
+            <a:stretch>
+              <a:fillRect/>
+            </a:stretch>
+          </p:blipFill>
+          <p:spPr>
+            <a:xfrm>
+              <a:off x="869389" y="480060"/>
+              <a:ext cx="1280675" cy="997578"/>
+            </a:xfrm>
+            <a:prstGeom prst="rect">
+              <a:avLst/>
+            </a:prstGeom>
+          </p:spPr>
+        </p:pic>
+      </p:grpSp>
+    </p:spTree>
+    <p:extLst>
+      <p:ext uri="{BB962C8B-B14F-4D97-AF65-F5344CB8AC3E}">
+        <p14:creationId xmlns:p14="http://schemas.microsoft.com/office/powerpoint/2010/main" val="3441576683"/>
+      </p:ext>
+    </p:extLst>
+  </p:cSld>
+  <p:clrMapOvr>
+    <a:masterClrMapping/>
+  </p:clrMapOvr>
+</p:sld>
+</file>
+
 <file path=ppt/theme/theme1.xml><?xml version="1.0" encoding="utf-8"?>
 <a:theme xmlns:a="http://schemas.openxmlformats.org/drawingml/2006/main" name="Office Theme">
   <a:themeElements>

--- a/packages/Dependencies.pptx
+++ b/packages/Dependencies.pptx
@@ -126,6 +126,3117 @@
 </p:cmAuthorLst>
 </file>
 
+<file path=ppt/diagrams/colors1.xml><?xml version="1.0" encoding="utf-8"?>
+<dgm:colorsDef xmlns:dgm="http://schemas.openxmlformats.org/drawingml/2006/diagram" xmlns:a="http://schemas.openxmlformats.org/drawingml/2006/main" uniqueId="urn:microsoft.com/office/officeart/2005/8/colors/accent1_2">
+  <dgm:title val=""/>
+  <dgm:desc val=""/>
+  <dgm:catLst>
+    <dgm:cat type="accent1" pri="11200"/>
+  </dgm:catLst>
+  <dgm:styleLbl name="node0">
+    <dgm:fillClrLst meth="repeat">
+      <a:schemeClr val="accent1"/>
+    </dgm:fillClrLst>
+    <dgm:linClrLst meth="repeat">
+      <a:schemeClr val="lt1"/>
+    </dgm:linClrLst>
+    <dgm:effectClrLst/>
+    <dgm:txLinClrLst/>
+    <dgm:txFillClrLst/>
+    <dgm:txEffectClrLst/>
+  </dgm:styleLbl>
+  <dgm:styleLbl name="alignNode1">
+    <dgm:fillClrLst meth="repeat">
+      <a:schemeClr val="accent1"/>
+    </dgm:fillClrLst>
+    <dgm:linClrLst meth="repeat">
+      <a:schemeClr val="accent1"/>
+    </dgm:linClrLst>
+    <dgm:effectClrLst/>
+    <dgm:txLinClrLst/>
+    <dgm:txFillClrLst/>
+    <dgm:txEffectClrLst/>
+  </dgm:styleLbl>
+  <dgm:styleLbl name="node1">
+    <dgm:fillClrLst meth="repeat">
+      <a:schemeClr val="accent1"/>
+    </dgm:fillClrLst>
+    <dgm:linClrLst meth="repeat">
+      <a:schemeClr val="lt1"/>
+    </dgm:linClrLst>
+    <dgm:effectClrLst/>
+    <dgm:txLinClrLst/>
+    <dgm:txFillClrLst/>
+    <dgm:txEffectClrLst/>
+  </dgm:styleLbl>
+  <dgm:styleLbl name="lnNode1">
+    <dgm:fillClrLst meth="repeat">
+      <a:schemeClr val="accent1"/>
+    </dgm:fillClrLst>
+    <dgm:linClrLst meth="repeat">
+      <a:schemeClr val="lt1"/>
+    </dgm:linClrLst>
+    <dgm:effectClrLst/>
+    <dgm:txLinClrLst/>
+    <dgm:txFillClrLst/>
+    <dgm:txEffectClrLst/>
+  </dgm:styleLbl>
+  <dgm:styleLbl name="vennNode1">
+    <dgm:fillClrLst meth="repeat">
+      <a:schemeClr val="accent1">
+        <a:alpha val="50000"/>
+      </a:schemeClr>
+    </dgm:fillClrLst>
+    <dgm:linClrLst meth="repeat">
+      <a:schemeClr val="lt1"/>
+    </dgm:linClrLst>
+    <dgm:effectClrLst/>
+    <dgm:txLinClrLst/>
+    <dgm:txFillClrLst/>
+    <dgm:txEffectClrLst/>
+  </dgm:styleLbl>
+  <dgm:styleLbl name="node2">
+    <dgm:fillClrLst meth="repeat">
+      <a:schemeClr val="accent1"/>
+    </dgm:fillClrLst>
+    <dgm:linClrLst meth="repeat">
+      <a:schemeClr val="lt1"/>
+    </dgm:linClrLst>
+    <dgm:effectClrLst/>
+    <dgm:txLinClrLst/>
+    <dgm:txFillClrLst/>
+    <dgm:txEffectClrLst/>
+  </dgm:styleLbl>
+  <dgm:styleLbl name="node3">
+    <dgm:fillClrLst meth="repeat">
+      <a:schemeClr val="accent1"/>
+    </dgm:fillClrLst>
+    <dgm:linClrLst meth="repeat">
+      <a:schemeClr val="lt1"/>
+    </dgm:linClrLst>
+    <dgm:effectClrLst/>
+    <dgm:txLinClrLst/>
+    <dgm:txFillClrLst/>
+    <dgm:txEffectClrLst/>
+  </dgm:styleLbl>
+  <dgm:styleLbl name="node4">
+    <dgm:fillClrLst meth="repeat">
+      <a:schemeClr val="accent1"/>
+    </dgm:fillClrLst>
+    <dgm:linClrLst meth="repeat">
+      <a:schemeClr val="lt1"/>
+    </dgm:linClrLst>
+    <dgm:effectClrLst/>
+    <dgm:txLinClrLst/>
+    <dgm:txFillClrLst/>
+    <dgm:txEffectClrLst/>
+  </dgm:styleLbl>
+  <dgm:styleLbl name="fgImgPlace1">
+    <dgm:fillClrLst meth="repeat">
+      <a:schemeClr val="accent1">
+        <a:tint val="50000"/>
+      </a:schemeClr>
+    </dgm:fillClrLst>
+    <dgm:linClrLst meth="repeat">
+      <a:schemeClr val="lt1"/>
+    </dgm:linClrLst>
+    <dgm:effectClrLst/>
+    <dgm:txLinClrLst/>
+    <dgm:txFillClrLst meth="repeat">
+      <a:schemeClr val="lt1"/>
+    </dgm:txFillClrLst>
+    <dgm:txEffectClrLst/>
+  </dgm:styleLbl>
+  <dgm:styleLbl name="alignImgPlace1">
+    <dgm:fillClrLst meth="repeat">
+      <a:schemeClr val="accent1">
+        <a:tint val="50000"/>
+      </a:schemeClr>
+    </dgm:fillClrLst>
+    <dgm:linClrLst meth="repeat">
+      <a:schemeClr val="lt1"/>
+    </dgm:linClrLst>
+    <dgm:effectClrLst/>
+    <dgm:txLinClrLst/>
+    <dgm:txFillClrLst meth="repeat">
+      <a:schemeClr val="lt1"/>
+    </dgm:txFillClrLst>
+    <dgm:txEffectClrLst/>
+  </dgm:styleLbl>
+  <dgm:styleLbl name="bgImgPlace1">
+    <dgm:fillClrLst meth="repeat">
+      <a:schemeClr val="accent1">
+        <a:tint val="50000"/>
+      </a:schemeClr>
+    </dgm:fillClrLst>
+    <dgm:linClrLst meth="repeat">
+      <a:schemeClr val="lt1"/>
+    </dgm:linClrLst>
+    <dgm:effectClrLst/>
+    <dgm:txLinClrLst/>
+    <dgm:txFillClrLst meth="repeat">
+      <a:schemeClr val="lt1"/>
+    </dgm:txFillClrLst>
+    <dgm:txEffectClrLst/>
+  </dgm:styleLbl>
+  <dgm:styleLbl name="sibTrans2D1">
+    <dgm:fillClrLst meth="repeat">
+      <a:schemeClr val="accent1">
+        <a:tint val="60000"/>
+      </a:schemeClr>
+    </dgm:fillClrLst>
+    <dgm:linClrLst meth="repeat">
+      <a:schemeClr val="accent1">
+        <a:tint val="60000"/>
+      </a:schemeClr>
+    </dgm:linClrLst>
+    <dgm:effectClrLst/>
+    <dgm:txLinClrLst/>
+    <dgm:txFillClrLst/>
+    <dgm:txEffectClrLst/>
+  </dgm:styleLbl>
+  <dgm:styleLbl name="fgSibTrans2D1">
+    <dgm:fillClrLst meth="repeat">
+      <a:schemeClr val="accent1">
+        <a:tint val="60000"/>
+      </a:schemeClr>
+    </dgm:fillClrLst>
+    <dgm:linClrLst meth="repeat">
+      <a:schemeClr val="accent1">
+        <a:tint val="60000"/>
+      </a:schemeClr>
+    </dgm:linClrLst>
+    <dgm:effectClrLst/>
+    <dgm:txLinClrLst/>
+    <dgm:txFillClrLst/>
+    <dgm:txEffectClrLst/>
+  </dgm:styleLbl>
+  <dgm:styleLbl name="bgSibTrans2D1">
+    <dgm:fillClrLst meth="repeat">
+      <a:schemeClr val="accent1">
+        <a:tint val="60000"/>
+      </a:schemeClr>
+    </dgm:fillClrLst>
+    <dgm:linClrLst meth="repeat">
+      <a:schemeClr val="accent1">
+        <a:tint val="60000"/>
+      </a:schemeClr>
+    </dgm:linClrLst>
+    <dgm:effectClrLst/>
+    <dgm:txLinClrLst/>
+    <dgm:txFillClrLst/>
+    <dgm:txEffectClrLst/>
+  </dgm:styleLbl>
+  <dgm:styleLbl name="sibTrans1D1">
+    <dgm:fillClrLst meth="repeat">
+      <a:schemeClr val="accent1"/>
+    </dgm:fillClrLst>
+    <dgm:linClrLst meth="repeat">
+      <a:schemeClr val="accent1"/>
+    </dgm:linClrLst>
+    <dgm:effectClrLst/>
+    <dgm:txLinClrLst/>
+    <dgm:txFillClrLst meth="repeat">
+      <a:schemeClr val="tx1"/>
+    </dgm:txFillClrLst>
+    <dgm:txEffectClrLst/>
+  </dgm:styleLbl>
+  <dgm:styleLbl name="callout">
+    <dgm:fillClrLst meth="repeat">
+      <a:schemeClr val="accent1"/>
+    </dgm:fillClrLst>
+    <dgm:linClrLst meth="repeat">
+      <a:schemeClr val="accent1">
+        <a:tint val="50000"/>
+      </a:schemeClr>
+    </dgm:linClrLst>
+    <dgm:effectClrLst/>
+    <dgm:txLinClrLst/>
+    <dgm:txFillClrLst meth="repeat">
+      <a:schemeClr val="tx1"/>
+    </dgm:txFillClrLst>
+    <dgm:txEffectClrLst/>
+  </dgm:styleLbl>
+  <dgm:styleLbl name="asst0">
+    <dgm:fillClrLst meth="repeat">
+      <a:schemeClr val="accent1"/>
+    </dgm:fillClrLst>
+    <dgm:linClrLst meth="repeat">
+      <a:schemeClr val="lt1"/>
+    </dgm:linClrLst>
+    <dgm:effectClrLst/>
+    <dgm:txLinClrLst/>
+    <dgm:txFillClrLst/>
+    <dgm:txEffectClrLst/>
+  </dgm:styleLbl>
+  <dgm:styleLbl name="asst1">
+    <dgm:fillClrLst meth="repeat">
+      <a:schemeClr val="accent1"/>
+    </dgm:fillClrLst>
+    <dgm:linClrLst meth="repeat">
+      <a:schemeClr val="lt1"/>
+    </dgm:linClrLst>
+    <dgm:effectClrLst/>
+    <dgm:txLinClrLst/>
+    <dgm:txFillClrLst/>
+    <dgm:txEffectClrLst/>
+  </dgm:styleLbl>
+  <dgm:styleLbl name="asst2">
+    <dgm:fillClrLst meth="repeat">
+      <a:schemeClr val="accent1"/>
+    </dgm:fillClrLst>
+    <dgm:linClrLst meth="repeat">
+      <a:schemeClr val="lt1"/>
+    </dgm:linClrLst>
+    <dgm:effectClrLst/>
+    <dgm:txLinClrLst/>
+    <dgm:txFillClrLst/>
+    <dgm:txEffectClrLst/>
+  </dgm:styleLbl>
+  <dgm:styleLbl name="asst3">
+    <dgm:fillClrLst meth="repeat">
+      <a:schemeClr val="accent1"/>
+    </dgm:fillClrLst>
+    <dgm:linClrLst meth="repeat">
+      <a:schemeClr val="lt1"/>
+    </dgm:linClrLst>
+    <dgm:effectClrLst/>
+    <dgm:txLinClrLst/>
+    <dgm:txFillClrLst/>
+    <dgm:txEffectClrLst/>
+  </dgm:styleLbl>
+  <dgm:styleLbl name="asst4">
+    <dgm:fillClrLst meth="repeat">
+      <a:schemeClr val="accent1"/>
+    </dgm:fillClrLst>
+    <dgm:linClrLst meth="repeat">
+      <a:schemeClr val="lt1"/>
+    </dgm:linClrLst>
+    <dgm:effectClrLst/>
+    <dgm:txLinClrLst/>
+    <dgm:txFillClrLst/>
+    <dgm:txEffectClrLst/>
+  </dgm:styleLbl>
+  <dgm:styleLbl name="parChTrans2D1">
+    <dgm:fillClrLst meth="repeat">
+      <a:schemeClr val="accent1">
+        <a:tint val="60000"/>
+      </a:schemeClr>
+    </dgm:fillClrLst>
+    <dgm:linClrLst meth="repeat">
+      <a:schemeClr val="accent1">
+        <a:tint val="60000"/>
+      </a:schemeClr>
+    </dgm:linClrLst>
+    <dgm:effectClrLst/>
+    <dgm:txLinClrLst/>
+    <dgm:txFillClrLst meth="repeat">
+      <a:schemeClr val="lt1"/>
+    </dgm:txFillClrLst>
+    <dgm:txEffectClrLst/>
+  </dgm:styleLbl>
+  <dgm:styleLbl name="parChTrans2D2">
+    <dgm:fillClrLst meth="repeat">
+      <a:schemeClr val="accent1"/>
+    </dgm:fillClrLst>
+    <dgm:linClrLst meth="repeat">
+      <a:schemeClr val="accent1"/>
+    </dgm:linClrLst>
+    <dgm:effectClrLst/>
+    <dgm:txLinClrLst/>
+    <dgm:txFillClrLst meth="repeat">
+      <a:schemeClr val="lt1"/>
+    </dgm:txFillClrLst>
+    <dgm:txEffectClrLst/>
+  </dgm:styleLbl>
+  <dgm:styleLbl name="parChTrans2D3">
+    <dgm:fillClrLst meth="repeat">
+      <a:schemeClr val="accent1"/>
+    </dgm:fillClrLst>
+    <dgm:linClrLst meth="repeat">
+      <a:schemeClr val="accent1"/>
+    </dgm:linClrLst>
+    <dgm:effectClrLst/>
+    <dgm:txLinClrLst/>
+    <dgm:txFillClrLst meth="repeat">
+      <a:schemeClr val="lt1"/>
+    </dgm:txFillClrLst>
+    <dgm:txEffectClrLst/>
+  </dgm:styleLbl>
+  <dgm:styleLbl name="parChTrans2D4">
+    <dgm:fillClrLst meth="repeat">
+      <a:schemeClr val="accent1"/>
+    </dgm:fillClrLst>
+    <dgm:linClrLst meth="repeat">
+      <a:schemeClr val="accent1"/>
+    </dgm:linClrLst>
+    <dgm:effectClrLst/>
+    <dgm:txLinClrLst/>
+    <dgm:txFillClrLst meth="repeat">
+      <a:schemeClr val="lt1"/>
+    </dgm:txFillClrLst>
+    <dgm:txEffectClrLst/>
+  </dgm:styleLbl>
+  <dgm:styleLbl name="parChTrans1D1">
+    <dgm:fillClrLst meth="repeat">
+      <a:schemeClr val="accent1"/>
+    </dgm:fillClrLst>
+    <dgm:linClrLst meth="repeat">
+      <a:schemeClr val="accent1">
+        <a:shade val="60000"/>
+      </a:schemeClr>
+    </dgm:linClrLst>
+    <dgm:effectClrLst/>
+    <dgm:txLinClrLst/>
+    <dgm:txFillClrLst meth="repeat">
+      <a:schemeClr val="tx1"/>
+    </dgm:txFillClrLst>
+    <dgm:txEffectClrLst/>
+  </dgm:styleLbl>
+  <dgm:styleLbl name="parChTrans1D2">
+    <dgm:fillClrLst meth="repeat">
+      <a:schemeClr val="accent1"/>
+    </dgm:fillClrLst>
+    <dgm:linClrLst meth="repeat">
+      <a:schemeClr val="accent1">
+        <a:shade val="60000"/>
+      </a:schemeClr>
+    </dgm:linClrLst>
+    <dgm:effectClrLst/>
+    <dgm:txLinClrLst/>
+    <dgm:txFillClrLst meth="repeat">
+      <a:schemeClr val="tx1"/>
+    </dgm:txFillClrLst>
+    <dgm:txEffectClrLst/>
+  </dgm:styleLbl>
+  <dgm:styleLbl name="parChTrans1D3">
+    <dgm:fillClrLst meth="repeat">
+      <a:schemeClr val="accent1"/>
+    </dgm:fillClrLst>
+    <dgm:linClrLst meth="repeat">
+      <a:schemeClr val="accent1">
+        <a:shade val="80000"/>
+      </a:schemeClr>
+    </dgm:linClrLst>
+    <dgm:effectClrLst/>
+    <dgm:txLinClrLst/>
+    <dgm:txFillClrLst meth="repeat">
+      <a:schemeClr val="tx1"/>
+    </dgm:txFillClrLst>
+    <dgm:txEffectClrLst/>
+  </dgm:styleLbl>
+  <dgm:styleLbl name="parChTrans1D4">
+    <dgm:fillClrLst meth="repeat">
+      <a:schemeClr val="accent1"/>
+    </dgm:fillClrLst>
+    <dgm:linClrLst meth="repeat">
+      <a:schemeClr val="accent1">
+        <a:shade val="80000"/>
+      </a:schemeClr>
+    </dgm:linClrLst>
+    <dgm:effectClrLst/>
+    <dgm:txLinClrLst/>
+    <dgm:txFillClrLst meth="repeat">
+      <a:schemeClr val="tx1"/>
+    </dgm:txFillClrLst>
+    <dgm:txEffectClrLst/>
+  </dgm:styleLbl>
+  <dgm:styleLbl name="fgAcc1">
+    <dgm:fillClrLst meth="repeat">
+      <a:schemeClr val="lt1">
+        <a:alpha val="90000"/>
+      </a:schemeClr>
+    </dgm:fillClrLst>
+    <dgm:linClrLst meth="repeat">
+      <a:schemeClr val="accent1"/>
+    </dgm:linClrLst>
+    <dgm:effectClrLst/>
+    <dgm:txLinClrLst/>
+    <dgm:txFillClrLst meth="repeat">
+      <a:schemeClr val="dk1"/>
+    </dgm:txFillClrLst>
+    <dgm:txEffectClrLst/>
+  </dgm:styleLbl>
+  <dgm:styleLbl name="conFgAcc1">
+    <dgm:fillClrLst meth="repeat">
+      <a:schemeClr val="lt1">
+        <a:alpha val="90000"/>
+      </a:schemeClr>
+    </dgm:fillClrLst>
+    <dgm:linClrLst meth="repeat">
+      <a:schemeClr val="accent1"/>
+    </dgm:linClrLst>
+    <dgm:effectClrLst/>
+    <dgm:txLinClrLst/>
+    <dgm:txFillClrLst meth="repeat">
+      <a:schemeClr val="dk1"/>
+    </dgm:txFillClrLst>
+    <dgm:txEffectClrLst/>
+  </dgm:styleLbl>
+  <dgm:styleLbl name="alignAcc1">
+    <dgm:fillClrLst meth="repeat">
+      <a:schemeClr val="lt1">
+        <a:alpha val="90000"/>
+      </a:schemeClr>
+    </dgm:fillClrLst>
+    <dgm:linClrLst meth="repeat">
+      <a:schemeClr val="accent1"/>
+    </dgm:linClrLst>
+    <dgm:effectClrLst/>
+    <dgm:txLinClrLst/>
+    <dgm:txFillClrLst meth="repeat">
+      <a:schemeClr val="dk1"/>
+    </dgm:txFillClrLst>
+    <dgm:txEffectClrLst/>
+  </dgm:styleLbl>
+  <dgm:styleLbl name="trAlignAcc1">
+    <dgm:fillClrLst meth="repeat">
+      <a:schemeClr val="lt1">
+        <a:alpha val="40000"/>
+      </a:schemeClr>
+    </dgm:fillClrLst>
+    <dgm:linClrLst meth="repeat">
+      <a:schemeClr val="accent1"/>
+    </dgm:linClrLst>
+    <dgm:effectClrLst/>
+    <dgm:txLinClrLst/>
+    <dgm:txFillClrLst meth="repeat">
+      <a:schemeClr val="dk1"/>
+    </dgm:txFillClrLst>
+    <dgm:txEffectClrLst/>
+  </dgm:styleLbl>
+  <dgm:styleLbl name="bgAcc1">
+    <dgm:fillClrLst meth="repeat">
+      <a:schemeClr val="lt1">
+        <a:alpha val="90000"/>
+      </a:schemeClr>
+    </dgm:fillClrLst>
+    <dgm:linClrLst meth="repeat">
+      <a:schemeClr val="accent1"/>
+    </dgm:linClrLst>
+    <dgm:effectClrLst/>
+    <dgm:txLinClrLst/>
+    <dgm:txFillClrLst meth="repeat">
+      <a:schemeClr val="dk1"/>
+    </dgm:txFillClrLst>
+    <dgm:txEffectClrLst/>
+  </dgm:styleLbl>
+  <dgm:styleLbl name="solidFgAcc1">
+    <dgm:fillClrLst meth="repeat">
+      <a:schemeClr val="lt1"/>
+    </dgm:fillClrLst>
+    <dgm:linClrLst meth="repeat">
+      <a:schemeClr val="accent1"/>
+    </dgm:linClrLst>
+    <dgm:effectClrLst/>
+    <dgm:txLinClrLst/>
+    <dgm:txFillClrLst meth="repeat">
+      <a:schemeClr val="dk1"/>
+    </dgm:txFillClrLst>
+    <dgm:txEffectClrLst/>
+  </dgm:styleLbl>
+  <dgm:styleLbl name="solidAlignAcc1">
+    <dgm:fillClrLst meth="repeat">
+      <a:schemeClr val="lt1"/>
+    </dgm:fillClrLst>
+    <dgm:linClrLst meth="repeat">
+      <a:schemeClr val="accent1"/>
+    </dgm:linClrLst>
+    <dgm:effectClrLst/>
+    <dgm:txLinClrLst/>
+    <dgm:txFillClrLst meth="repeat">
+      <a:schemeClr val="dk1"/>
+    </dgm:txFillClrLst>
+    <dgm:txEffectClrLst/>
+  </dgm:styleLbl>
+  <dgm:styleLbl name="solidBgAcc1">
+    <dgm:fillClrLst meth="repeat">
+      <a:schemeClr val="lt1"/>
+    </dgm:fillClrLst>
+    <dgm:linClrLst meth="repeat">
+      <a:schemeClr val="accent1"/>
+    </dgm:linClrLst>
+    <dgm:effectClrLst/>
+    <dgm:txLinClrLst/>
+    <dgm:txFillClrLst meth="repeat">
+      <a:schemeClr val="dk1"/>
+    </dgm:txFillClrLst>
+    <dgm:txEffectClrLst/>
+  </dgm:styleLbl>
+  <dgm:styleLbl name="fgAccFollowNode1">
+    <dgm:fillClrLst meth="repeat">
+      <a:schemeClr val="accent1">
+        <a:alpha val="90000"/>
+        <a:tint val="40000"/>
+      </a:schemeClr>
+    </dgm:fillClrLst>
+    <dgm:linClrLst meth="repeat">
+      <a:schemeClr val="accent1">
+        <a:alpha val="90000"/>
+        <a:tint val="40000"/>
+      </a:schemeClr>
+    </dgm:linClrLst>
+    <dgm:effectClrLst/>
+    <dgm:txLinClrLst/>
+    <dgm:txFillClrLst meth="repeat">
+      <a:schemeClr val="dk1"/>
+    </dgm:txFillClrLst>
+    <dgm:txEffectClrLst/>
+  </dgm:styleLbl>
+  <dgm:styleLbl name="alignAccFollowNode1">
+    <dgm:fillClrLst meth="repeat">
+      <a:schemeClr val="accent1">
+        <a:alpha val="90000"/>
+        <a:tint val="40000"/>
+      </a:schemeClr>
+    </dgm:fillClrLst>
+    <dgm:linClrLst meth="repeat">
+      <a:schemeClr val="accent1">
+        <a:alpha val="90000"/>
+        <a:tint val="40000"/>
+      </a:schemeClr>
+    </dgm:linClrLst>
+    <dgm:effectClrLst/>
+    <dgm:txLinClrLst/>
+    <dgm:txFillClrLst meth="repeat">
+      <a:schemeClr val="dk1"/>
+    </dgm:txFillClrLst>
+    <dgm:txEffectClrLst/>
+  </dgm:styleLbl>
+  <dgm:styleLbl name="bgAccFollowNode1">
+    <dgm:fillClrLst meth="repeat">
+      <a:schemeClr val="accent1">
+        <a:alpha val="90000"/>
+        <a:tint val="40000"/>
+      </a:schemeClr>
+    </dgm:fillClrLst>
+    <dgm:linClrLst meth="repeat">
+      <a:schemeClr val="accent1">
+        <a:alpha val="90000"/>
+        <a:tint val="40000"/>
+      </a:schemeClr>
+    </dgm:linClrLst>
+    <dgm:effectClrLst/>
+    <dgm:txLinClrLst/>
+    <dgm:txFillClrLst meth="repeat">
+      <a:schemeClr val="dk1"/>
+    </dgm:txFillClrLst>
+    <dgm:txEffectClrLst/>
+  </dgm:styleLbl>
+  <dgm:styleLbl name="fgAcc0">
+    <dgm:fillClrLst meth="repeat">
+      <a:schemeClr val="lt1">
+        <a:alpha val="90000"/>
+      </a:schemeClr>
+    </dgm:fillClrLst>
+    <dgm:linClrLst meth="repeat">
+      <a:schemeClr val="accent1"/>
+    </dgm:linClrLst>
+    <dgm:effectClrLst/>
+    <dgm:txLinClrLst/>
+    <dgm:txFillClrLst meth="repeat">
+      <a:schemeClr val="dk1"/>
+    </dgm:txFillClrLst>
+    <dgm:txEffectClrLst/>
+  </dgm:styleLbl>
+  <dgm:styleLbl name="fgAcc2">
+    <dgm:fillClrLst meth="repeat">
+      <a:schemeClr val="lt1">
+        <a:alpha val="90000"/>
+      </a:schemeClr>
+    </dgm:fillClrLst>
+    <dgm:linClrLst meth="repeat">
+      <a:schemeClr val="accent1"/>
+    </dgm:linClrLst>
+    <dgm:effectClrLst/>
+    <dgm:txLinClrLst/>
+    <dgm:txFillClrLst meth="repeat">
+      <a:schemeClr val="dk1"/>
+    </dgm:txFillClrLst>
+    <dgm:txEffectClrLst/>
+  </dgm:styleLbl>
+  <dgm:styleLbl name="fgAcc3">
+    <dgm:fillClrLst meth="repeat">
+      <a:schemeClr val="lt1">
+        <a:alpha val="90000"/>
+      </a:schemeClr>
+    </dgm:fillClrLst>
+    <dgm:linClrLst meth="repeat">
+      <a:schemeClr val="accent1"/>
+    </dgm:linClrLst>
+    <dgm:effectClrLst/>
+    <dgm:txLinClrLst/>
+    <dgm:txFillClrLst meth="repeat">
+      <a:schemeClr val="dk1"/>
+    </dgm:txFillClrLst>
+    <dgm:txEffectClrLst/>
+  </dgm:styleLbl>
+  <dgm:styleLbl name="fgAcc4">
+    <dgm:fillClrLst meth="repeat">
+      <a:schemeClr val="lt1">
+        <a:alpha val="90000"/>
+      </a:schemeClr>
+    </dgm:fillClrLst>
+    <dgm:linClrLst meth="repeat">
+      <a:schemeClr val="accent1"/>
+    </dgm:linClrLst>
+    <dgm:effectClrLst/>
+    <dgm:txLinClrLst/>
+    <dgm:txFillClrLst meth="repeat">
+      <a:schemeClr val="dk1"/>
+    </dgm:txFillClrLst>
+    <dgm:txEffectClrLst/>
+  </dgm:styleLbl>
+  <dgm:styleLbl name="bgShp">
+    <dgm:fillClrLst meth="repeat">
+      <a:schemeClr val="accent1">
+        <a:tint val="40000"/>
+      </a:schemeClr>
+    </dgm:fillClrLst>
+    <dgm:linClrLst meth="repeat">
+      <a:schemeClr val="accent1"/>
+    </dgm:linClrLst>
+    <dgm:effectClrLst/>
+    <dgm:txLinClrLst/>
+    <dgm:txFillClrLst meth="repeat">
+      <a:schemeClr val="dk1"/>
+    </dgm:txFillClrLst>
+    <dgm:txEffectClrLst/>
+  </dgm:styleLbl>
+  <dgm:styleLbl name="dkBgShp">
+    <dgm:fillClrLst meth="repeat">
+      <a:schemeClr val="accent1">
+        <a:shade val="80000"/>
+      </a:schemeClr>
+    </dgm:fillClrLst>
+    <dgm:linClrLst meth="repeat">
+      <a:schemeClr val="accent1"/>
+    </dgm:linClrLst>
+    <dgm:effectClrLst/>
+    <dgm:txLinClrLst/>
+    <dgm:txFillClrLst meth="repeat">
+      <a:schemeClr val="lt1"/>
+    </dgm:txFillClrLst>
+    <dgm:txEffectClrLst/>
+  </dgm:styleLbl>
+  <dgm:styleLbl name="trBgShp">
+    <dgm:fillClrLst meth="repeat">
+      <a:schemeClr val="accent1">
+        <a:tint val="50000"/>
+        <a:alpha val="40000"/>
+      </a:schemeClr>
+    </dgm:fillClrLst>
+    <dgm:linClrLst meth="repeat">
+      <a:schemeClr val="accent1"/>
+    </dgm:linClrLst>
+    <dgm:effectClrLst/>
+    <dgm:txLinClrLst/>
+    <dgm:txFillClrLst meth="repeat">
+      <a:schemeClr val="lt1"/>
+    </dgm:txFillClrLst>
+    <dgm:txEffectClrLst/>
+  </dgm:styleLbl>
+  <dgm:styleLbl name="fgShp">
+    <dgm:fillClrLst meth="repeat">
+      <a:schemeClr val="accent1">
+        <a:tint val="60000"/>
+      </a:schemeClr>
+    </dgm:fillClrLst>
+    <dgm:linClrLst meth="repeat">
+      <a:schemeClr val="lt1"/>
+    </dgm:linClrLst>
+    <dgm:effectClrLst/>
+    <dgm:txLinClrLst/>
+    <dgm:txFillClrLst meth="repeat">
+      <a:schemeClr val="dk1"/>
+    </dgm:txFillClrLst>
+    <dgm:txEffectClrLst/>
+  </dgm:styleLbl>
+  <dgm:styleLbl name="revTx">
+    <dgm:fillClrLst meth="repeat">
+      <a:schemeClr val="lt1">
+        <a:alpha val="0"/>
+      </a:schemeClr>
+    </dgm:fillClrLst>
+    <dgm:linClrLst meth="repeat">
+      <a:schemeClr val="dk1">
+        <a:alpha val="0"/>
+      </a:schemeClr>
+    </dgm:linClrLst>
+    <dgm:effectClrLst/>
+    <dgm:txLinClrLst/>
+    <dgm:txFillClrLst meth="repeat">
+      <a:schemeClr val="tx1"/>
+    </dgm:txFillClrLst>
+    <dgm:txEffectClrLst/>
+  </dgm:styleLbl>
+</dgm:colorsDef>
+</file>
+
+<file path=ppt/diagrams/data1.xml><?xml version="1.0" encoding="utf-8"?>
+<dgm:dataModel xmlns:dgm="http://schemas.openxmlformats.org/drawingml/2006/diagram" xmlns:a="http://schemas.openxmlformats.org/drawingml/2006/main">
+  <dgm:ptLst>
+    <dgm:pt modelId="{D40853FF-5CA2-47BF-90F9-03A64E8C0E95}" type="doc">
+      <dgm:prSet loTypeId="urn:microsoft.com/office/officeart/2005/8/layout/cycle2" loCatId="cycle" qsTypeId="urn:microsoft.com/office/officeart/2005/8/quickstyle/simple1" qsCatId="simple" csTypeId="urn:microsoft.com/office/officeart/2005/8/colors/accent1_2" csCatId="accent1" phldr="1"/>
+      <dgm:spPr/>
+      <dgm:t>
+        <a:bodyPr/>
+        <a:lstStyle/>
+        <a:p>
+          <a:endParaRPr lang="zh-CN" altLang="en-US"/>
+        </a:p>
+      </dgm:t>
+    </dgm:pt>
+    <dgm:pt modelId="{F1618AAE-6D23-49BB-81C8-55CC1651BC61}">
+      <dgm:prSet phldrT="[Text]" custT="1"/>
+      <dgm:spPr>
+        <a:noFill/>
+        <a:ln>
+          <a:noFill/>
+        </a:ln>
+      </dgm:spPr>
+      <dgm:t>
+        <a:bodyPr/>
+        <a:lstStyle/>
+        <a:p>
+          <a:r>
+            <a:rPr lang="zh-CN" altLang="en-US" sz="2800" dirty="0">
+              <a:solidFill>
+                <a:srgbClr val="FF0000"/>
+              </a:solidFill>
+            </a:rPr>
+            <a:t>文</a:t>
+          </a:r>
+        </a:p>
+      </dgm:t>
+    </dgm:pt>
+    <dgm:pt modelId="{2108401F-2A57-4CE0-A8D9-892EFA2497AC}" type="parTrans" cxnId="{C353C3A4-6F18-48A4-BE57-33328F9F8EC7}">
+      <dgm:prSet/>
+      <dgm:spPr/>
+      <dgm:t>
+        <a:bodyPr/>
+        <a:lstStyle/>
+        <a:p>
+          <a:endParaRPr lang="zh-CN" altLang="en-US"/>
+        </a:p>
+      </dgm:t>
+    </dgm:pt>
+    <dgm:pt modelId="{CB2627BE-79FB-4667-B264-AAFC1565D192}" type="sibTrans" cxnId="{C353C3A4-6F18-48A4-BE57-33328F9F8EC7}">
+      <dgm:prSet/>
+      <dgm:spPr/>
+      <dgm:t>
+        <a:bodyPr/>
+        <a:lstStyle/>
+        <a:p>
+          <a:endParaRPr lang="zh-CN" altLang="en-US"/>
+        </a:p>
+      </dgm:t>
+    </dgm:pt>
+    <dgm:pt modelId="{F2600CD8-62DA-4BF6-A2DD-A11139EC5094}">
+      <dgm:prSet phldrT="[Text]" custT="1"/>
+      <dgm:spPr>
+        <a:noFill/>
+        <a:ln>
+          <a:noFill/>
+        </a:ln>
+      </dgm:spPr>
+      <dgm:t>
+        <a:bodyPr/>
+        <a:lstStyle/>
+        <a:p>
+          <a:r>
+            <a:rPr lang="en-US" altLang="zh-CN" sz="2800" dirty="0">
+              <a:solidFill>
+                <a:srgbClr val="FF6600"/>
+              </a:solidFill>
+            </a:rPr>
+            <a:t>A</a:t>
+          </a:r>
+          <a:endParaRPr lang="zh-CN" altLang="en-US" sz="2800" dirty="0">
+            <a:solidFill>
+              <a:srgbClr val="FF6600"/>
+            </a:solidFill>
+          </a:endParaRPr>
+        </a:p>
+      </dgm:t>
+    </dgm:pt>
+    <dgm:pt modelId="{7356A1A5-2DB7-4974-81A8-D401950FF5D5}" type="parTrans" cxnId="{6E5DE396-6092-4030-9AF9-4C4EEFC40697}">
+      <dgm:prSet/>
+      <dgm:spPr/>
+      <dgm:t>
+        <a:bodyPr/>
+        <a:lstStyle/>
+        <a:p>
+          <a:endParaRPr lang="zh-CN" altLang="en-US"/>
+        </a:p>
+      </dgm:t>
+    </dgm:pt>
+    <dgm:pt modelId="{D86FE25B-6B1F-413F-9DEA-2E70B695EBA5}" type="sibTrans" cxnId="{6E5DE396-6092-4030-9AF9-4C4EEFC40697}">
+      <dgm:prSet/>
+      <dgm:spPr/>
+      <dgm:t>
+        <a:bodyPr/>
+        <a:lstStyle/>
+        <a:p>
+          <a:endParaRPr lang="zh-CN" altLang="en-US"/>
+        </a:p>
+      </dgm:t>
+    </dgm:pt>
+    <dgm:pt modelId="{89717394-2E72-41EE-B633-3D0621F666A4}">
+      <dgm:prSet phldrT="[Text]" custT="1"/>
+      <dgm:spPr>
+        <a:noFill/>
+        <a:ln>
+          <a:noFill/>
+        </a:ln>
+      </dgm:spPr>
+      <dgm:t>
+        <a:bodyPr/>
+        <a:lstStyle/>
+        <a:p>
+          <a:r>
+            <a:rPr lang="el-GR" sz="2800" b="0" i="0" dirty="0">
+              <a:solidFill>
+                <a:srgbClr val="00B0F0"/>
+              </a:solidFill>
+            </a:rPr>
+            <a:t>α</a:t>
+          </a:r>
+          <a:endParaRPr lang="zh-CN" altLang="en-US" sz="2800" dirty="0">
+            <a:solidFill>
+              <a:srgbClr val="00B0F0"/>
+            </a:solidFill>
+          </a:endParaRPr>
+        </a:p>
+      </dgm:t>
+    </dgm:pt>
+    <dgm:pt modelId="{9F490E10-304B-4732-ADF3-A231DA45B723}" type="parTrans" cxnId="{BDC717DE-037A-4857-8058-E5510C4BB4D8}">
+      <dgm:prSet/>
+      <dgm:spPr/>
+      <dgm:t>
+        <a:bodyPr/>
+        <a:lstStyle/>
+        <a:p>
+          <a:endParaRPr lang="zh-CN" altLang="en-US"/>
+        </a:p>
+      </dgm:t>
+    </dgm:pt>
+    <dgm:pt modelId="{654B003A-614A-43E4-8C0A-8896236DE21F}" type="sibTrans" cxnId="{BDC717DE-037A-4857-8058-E5510C4BB4D8}">
+      <dgm:prSet/>
+      <dgm:spPr/>
+      <dgm:t>
+        <a:bodyPr/>
+        <a:lstStyle/>
+        <a:p>
+          <a:endParaRPr lang="zh-CN" altLang="en-US"/>
+        </a:p>
+      </dgm:t>
+    </dgm:pt>
+    <dgm:pt modelId="{CC574253-BC09-433E-AEFF-5F3480E0F071}">
+      <dgm:prSet phldrT="[Text]" custT="1"/>
+      <dgm:spPr>
+        <a:noFill/>
+        <a:ln>
+          <a:noFill/>
+        </a:ln>
+      </dgm:spPr>
+      <dgm:t>
+        <a:bodyPr/>
+        <a:lstStyle/>
+        <a:p>
+          <a:r>
+            <a:rPr lang="ja-JP" altLang="en-US" sz="2800" dirty="0">
+              <a:solidFill>
+                <a:srgbClr val="CC3399"/>
+              </a:solidFill>
+            </a:rPr>
+            <a:t>あ</a:t>
+          </a:r>
+          <a:endParaRPr lang="zh-CN" altLang="en-US" sz="2800" dirty="0">
+            <a:solidFill>
+              <a:srgbClr val="CC3399"/>
+            </a:solidFill>
+          </a:endParaRPr>
+        </a:p>
+      </dgm:t>
+    </dgm:pt>
+    <dgm:pt modelId="{EA8CE9ED-A1FE-44CA-8971-B91A228D9F3C}" type="parTrans" cxnId="{D5C3D0BB-E28A-4D01-AD8A-A427D55300B3}">
+      <dgm:prSet/>
+      <dgm:spPr/>
+      <dgm:t>
+        <a:bodyPr/>
+        <a:lstStyle/>
+        <a:p>
+          <a:endParaRPr lang="zh-CN" altLang="en-US"/>
+        </a:p>
+      </dgm:t>
+    </dgm:pt>
+    <dgm:pt modelId="{F9DD3BB4-CC19-455A-B9C2-AE4B0B1453E6}" type="sibTrans" cxnId="{D5C3D0BB-E28A-4D01-AD8A-A427D55300B3}">
+      <dgm:prSet/>
+      <dgm:spPr/>
+      <dgm:t>
+        <a:bodyPr/>
+        <a:lstStyle/>
+        <a:p>
+          <a:endParaRPr lang="zh-CN" altLang="en-US"/>
+        </a:p>
+      </dgm:t>
+    </dgm:pt>
+    <dgm:pt modelId="{270ED57B-7FE3-41CC-B42A-2507F700F9B3}">
+      <dgm:prSet phldrT="[Text]" custT="1"/>
+      <dgm:spPr>
+        <a:noFill/>
+        <a:ln>
+          <a:noFill/>
+        </a:ln>
+      </dgm:spPr>
+      <dgm:t>
+        <a:bodyPr/>
+        <a:lstStyle/>
+        <a:p>
+          <a:r>
+            <a:rPr lang="ii-CN" altLang="en-US" sz="2800" b="0" i="0" dirty="0">
+              <a:solidFill>
+                <a:srgbClr val="00B050"/>
+              </a:solidFill>
+            </a:rPr>
+            <a:t>ꀉ</a:t>
+          </a:r>
+          <a:endParaRPr lang="zh-CN" altLang="en-US" sz="2800" dirty="0">
+            <a:solidFill>
+              <a:srgbClr val="00B050"/>
+            </a:solidFill>
+          </a:endParaRPr>
+        </a:p>
+      </dgm:t>
+    </dgm:pt>
+    <dgm:pt modelId="{3CEF702F-F9E8-48B7-9173-916AC94D7A9F}" type="parTrans" cxnId="{B82C2318-0036-4628-B96D-5C325B9641AD}">
+      <dgm:prSet/>
+      <dgm:spPr/>
+      <dgm:t>
+        <a:bodyPr/>
+        <a:lstStyle/>
+        <a:p>
+          <a:endParaRPr lang="zh-CN" altLang="en-US"/>
+        </a:p>
+      </dgm:t>
+    </dgm:pt>
+    <dgm:pt modelId="{53885CE3-5A23-494B-81F4-B9DC0C36DDA2}" type="sibTrans" cxnId="{B82C2318-0036-4628-B96D-5C325B9641AD}">
+      <dgm:prSet/>
+      <dgm:spPr/>
+      <dgm:t>
+        <a:bodyPr/>
+        <a:lstStyle/>
+        <a:p>
+          <a:endParaRPr lang="zh-CN" altLang="en-US"/>
+        </a:p>
+      </dgm:t>
+    </dgm:pt>
+    <dgm:pt modelId="{6F99B535-99B8-4C35-B495-0670B0EA6B3C}" type="pres">
+      <dgm:prSet presAssocID="{D40853FF-5CA2-47BF-90F9-03A64E8C0E95}" presName="cycle" presStyleCnt="0">
+        <dgm:presLayoutVars>
+          <dgm:dir/>
+          <dgm:resizeHandles val="exact"/>
+        </dgm:presLayoutVars>
+      </dgm:prSet>
+      <dgm:spPr/>
+    </dgm:pt>
+    <dgm:pt modelId="{7E115E98-6AFB-4697-9A10-256F4DB7B02A}" type="pres">
+      <dgm:prSet presAssocID="{F1618AAE-6D23-49BB-81C8-55CC1651BC61}" presName="node" presStyleLbl="node1" presStyleIdx="0" presStyleCnt="5">
+        <dgm:presLayoutVars>
+          <dgm:bulletEnabled val="1"/>
+        </dgm:presLayoutVars>
+      </dgm:prSet>
+      <dgm:spPr/>
+    </dgm:pt>
+    <dgm:pt modelId="{79BEE6A7-CA93-4FF6-843D-43F56C73F283}" type="pres">
+      <dgm:prSet presAssocID="{CB2627BE-79FB-4667-B264-AAFC1565D192}" presName="sibTrans" presStyleLbl="sibTrans2D1" presStyleIdx="0" presStyleCnt="5"/>
+      <dgm:spPr/>
+    </dgm:pt>
+    <dgm:pt modelId="{5E8EE78E-E46D-4720-BD12-B9538C727B49}" type="pres">
+      <dgm:prSet presAssocID="{CB2627BE-79FB-4667-B264-AAFC1565D192}" presName="connectorText" presStyleLbl="sibTrans2D1" presStyleIdx="0" presStyleCnt="5"/>
+      <dgm:spPr/>
+    </dgm:pt>
+    <dgm:pt modelId="{3823EB67-BFDB-4E98-BFF7-E7E0D9F6B008}" type="pres">
+      <dgm:prSet presAssocID="{F2600CD8-62DA-4BF6-A2DD-A11139EC5094}" presName="node" presStyleLbl="node1" presStyleIdx="1" presStyleCnt="5">
+        <dgm:presLayoutVars>
+          <dgm:bulletEnabled val="1"/>
+        </dgm:presLayoutVars>
+      </dgm:prSet>
+      <dgm:spPr/>
+    </dgm:pt>
+    <dgm:pt modelId="{4C897E06-AF39-447A-8F5E-C2BFC9C6E9C9}" type="pres">
+      <dgm:prSet presAssocID="{D86FE25B-6B1F-413F-9DEA-2E70B695EBA5}" presName="sibTrans" presStyleLbl="sibTrans2D1" presStyleIdx="1" presStyleCnt="5"/>
+      <dgm:spPr/>
+    </dgm:pt>
+    <dgm:pt modelId="{19237BB7-E823-4095-AF15-FEEB2A9F40CA}" type="pres">
+      <dgm:prSet presAssocID="{D86FE25B-6B1F-413F-9DEA-2E70B695EBA5}" presName="connectorText" presStyleLbl="sibTrans2D1" presStyleIdx="1" presStyleCnt="5"/>
+      <dgm:spPr/>
+    </dgm:pt>
+    <dgm:pt modelId="{4DAF54C5-BE49-4222-85DF-B47DB1271C2C}" type="pres">
+      <dgm:prSet presAssocID="{CC574253-BC09-433E-AEFF-5F3480E0F071}" presName="node" presStyleLbl="node1" presStyleIdx="2" presStyleCnt="5">
+        <dgm:presLayoutVars>
+          <dgm:bulletEnabled val="1"/>
+        </dgm:presLayoutVars>
+      </dgm:prSet>
+      <dgm:spPr/>
+    </dgm:pt>
+    <dgm:pt modelId="{364AC411-A5C5-4A86-8DF5-76C7CFB45A4A}" type="pres">
+      <dgm:prSet presAssocID="{F9DD3BB4-CC19-455A-B9C2-AE4B0B1453E6}" presName="sibTrans" presStyleLbl="sibTrans2D1" presStyleIdx="2" presStyleCnt="5"/>
+      <dgm:spPr/>
+    </dgm:pt>
+    <dgm:pt modelId="{02312709-CAB4-4070-BF65-99E1CBD020A5}" type="pres">
+      <dgm:prSet presAssocID="{F9DD3BB4-CC19-455A-B9C2-AE4B0B1453E6}" presName="connectorText" presStyleLbl="sibTrans2D1" presStyleIdx="2" presStyleCnt="5"/>
+      <dgm:spPr/>
+    </dgm:pt>
+    <dgm:pt modelId="{0725A5AE-1C7C-4244-B913-E85EE964DE10}" type="pres">
+      <dgm:prSet presAssocID="{270ED57B-7FE3-41CC-B42A-2507F700F9B3}" presName="node" presStyleLbl="node1" presStyleIdx="3" presStyleCnt="5">
+        <dgm:presLayoutVars>
+          <dgm:bulletEnabled val="1"/>
+        </dgm:presLayoutVars>
+      </dgm:prSet>
+      <dgm:spPr/>
+    </dgm:pt>
+    <dgm:pt modelId="{55B81007-CF84-41BD-A05C-D7AEBBFE7FB4}" type="pres">
+      <dgm:prSet presAssocID="{53885CE3-5A23-494B-81F4-B9DC0C36DDA2}" presName="sibTrans" presStyleLbl="sibTrans2D1" presStyleIdx="3" presStyleCnt="5"/>
+      <dgm:spPr/>
+    </dgm:pt>
+    <dgm:pt modelId="{3D7CF6A6-A0A7-4AD4-8BA2-B65743B0A6D9}" type="pres">
+      <dgm:prSet presAssocID="{53885CE3-5A23-494B-81F4-B9DC0C36DDA2}" presName="connectorText" presStyleLbl="sibTrans2D1" presStyleIdx="3" presStyleCnt="5"/>
+      <dgm:spPr/>
+    </dgm:pt>
+    <dgm:pt modelId="{F40DE33F-46AE-4644-87E1-CDCAE40C5192}" type="pres">
+      <dgm:prSet presAssocID="{89717394-2E72-41EE-B633-3D0621F666A4}" presName="node" presStyleLbl="node1" presStyleIdx="4" presStyleCnt="5">
+        <dgm:presLayoutVars>
+          <dgm:bulletEnabled val="1"/>
+        </dgm:presLayoutVars>
+      </dgm:prSet>
+      <dgm:spPr/>
+    </dgm:pt>
+    <dgm:pt modelId="{C96E6C1B-F16B-492E-9B70-0865FAAED59D}" type="pres">
+      <dgm:prSet presAssocID="{654B003A-614A-43E4-8C0A-8896236DE21F}" presName="sibTrans" presStyleLbl="sibTrans2D1" presStyleIdx="4" presStyleCnt="5"/>
+      <dgm:spPr/>
+    </dgm:pt>
+    <dgm:pt modelId="{B1C62ABA-1D76-4E85-A1DE-4CEDDF03B652}" type="pres">
+      <dgm:prSet presAssocID="{654B003A-614A-43E4-8C0A-8896236DE21F}" presName="connectorText" presStyleLbl="sibTrans2D1" presStyleIdx="4" presStyleCnt="5"/>
+      <dgm:spPr/>
+    </dgm:pt>
+  </dgm:ptLst>
+  <dgm:cxnLst>
+    <dgm:cxn modelId="{B1112017-0344-4848-817B-51452403C03E}" type="presOf" srcId="{CB2627BE-79FB-4667-B264-AAFC1565D192}" destId="{5E8EE78E-E46D-4720-BD12-B9538C727B49}" srcOrd="1" destOrd="0" presId="urn:microsoft.com/office/officeart/2005/8/layout/cycle2"/>
+    <dgm:cxn modelId="{B82C2318-0036-4628-B96D-5C325B9641AD}" srcId="{D40853FF-5CA2-47BF-90F9-03A64E8C0E95}" destId="{270ED57B-7FE3-41CC-B42A-2507F700F9B3}" srcOrd="3" destOrd="0" parTransId="{3CEF702F-F9E8-48B7-9173-916AC94D7A9F}" sibTransId="{53885CE3-5A23-494B-81F4-B9DC0C36DDA2}"/>
+    <dgm:cxn modelId="{181E7B18-440C-4DAE-A7B9-0E71F9F26E39}" type="presOf" srcId="{89717394-2E72-41EE-B633-3D0621F666A4}" destId="{F40DE33F-46AE-4644-87E1-CDCAE40C5192}" srcOrd="0" destOrd="0" presId="urn:microsoft.com/office/officeart/2005/8/layout/cycle2"/>
+    <dgm:cxn modelId="{70B07036-AEDB-45B4-8C01-0E22D4358173}" type="presOf" srcId="{F9DD3BB4-CC19-455A-B9C2-AE4B0B1453E6}" destId="{364AC411-A5C5-4A86-8DF5-76C7CFB45A4A}" srcOrd="0" destOrd="0" presId="urn:microsoft.com/office/officeart/2005/8/layout/cycle2"/>
+    <dgm:cxn modelId="{61F2725B-8FA8-46B1-AE94-23771B944B11}" type="presOf" srcId="{D40853FF-5CA2-47BF-90F9-03A64E8C0E95}" destId="{6F99B535-99B8-4C35-B495-0670B0EA6B3C}" srcOrd="0" destOrd="0" presId="urn:microsoft.com/office/officeart/2005/8/layout/cycle2"/>
+    <dgm:cxn modelId="{22DB155F-306E-40CA-906A-A4F89D135286}" type="presOf" srcId="{654B003A-614A-43E4-8C0A-8896236DE21F}" destId="{B1C62ABA-1D76-4E85-A1DE-4CEDDF03B652}" srcOrd="1" destOrd="0" presId="urn:microsoft.com/office/officeart/2005/8/layout/cycle2"/>
+    <dgm:cxn modelId="{05572541-74BD-4381-B541-EF88DC4EBD28}" type="presOf" srcId="{D86FE25B-6B1F-413F-9DEA-2E70B695EBA5}" destId="{4C897E06-AF39-447A-8F5E-C2BFC9C6E9C9}" srcOrd="0" destOrd="0" presId="urn:microsoft.com/office/officeart/2005/8/layout/cycle2"/>
+    <dgm:cxn modelId="{E4460042-4670-45C3-976C-0DA031BF5C36}" type="presOf" srcId="{F1618AAE-6D23-49BB-81C8-55CC1651BC61}" destId="{7E115E98-6AFB-4697-9A10-256F4DB7B02A}" srcOrd="0" destOrd="0" presId="urn:microsoft.com/office/officeart/2005/8/layout/cycle2"/>
+    <dgm:cxn modelId="{E69F424A-632A-488A-88F7-789877EBA444}" type="presOf" srcId="{53885CE3-5A23-494B-81F4-B9DC0C36DDA2}" destId="{3D7CF6A6-A0A7-4AD4-8BA2-B65743B0A6D9}" srcOrd="1" destOrd="0" presId="urn:microsoft.com/office/officeart/2005/8/layout/cycle2"/>
+    <dgm:cxn modelId="{B4808D74-C1D6-4853-94B0-4E4331EE235D}" type="presOf" srcId="{CB2627BE-79FB-4667-B264-AAFC1565D192}" destId="{79BEE6A7-CA93-4FF6-843D-43F56C73F283}" srcOrd="0" destOrd="0" presId="urn:microsoft.com/office/officeart/2005/8/layout/cycle2"/>
+    <dgm:cxn modelId="{F6417557-8D1D-445F-BB29-1E1AC0A18F60}" type="presOf" srcId="{654B003A-614A-43E4-8C0A-8896236DE21F}" destId="{C96E6C1B-F16B-492E-9B70-0865FAAED59D}" srcOrd="0" destOrd="0" presId="urn:microsoft.com/office/officeart/2005/8/layout/cycle2"/>
+    <dgm:cxn modelId="{6E5DE396-6092-4030-9AF9-4C4EEFC40697}" srcId="{D40853FF-5CA2-47BF-90F9-03A64E8C0E95}" destId="{F2600CD8-62DA-4BF6-A2DD-A11139EC5094}" srcOrd="1" destOrd="0" parTransId="{7356A1A5-2DB7-4974-81A8-D401950FF5D5}" sibTransId="{D86FE25B-6B1F-413F-9DEA-2E70B695EBA5}"/>
+    <dgm:cxn modelId="{C353C3A4-6F18-48A4-BE57-33328F9F8EC7}" srcId="{D40853FF-5CA2-47BF-90F9-03A64E8C0E95}" destId="{F1618AAE-6D23-49BB-81C8-55CC1651BC61}" srcOrd="0" destOrd="0" parTransId="{2108401F-2A57-4CE0-A8D9-892EFA2497AC}" sibTransId="{CB2627BE-79FB-4667-B264-AAFC1565D192}"/>
+    <dgm:cxn modelId="{2EEDD5AB-0FF4-4E28-9191-E4FDD80CC21A}" type="presOf" srcId="{270ED57B-7FE3-41CC-B42A-2507F700F9B3}" destId="{0725A5AE-1C7C-4244-B913-E85EE964DE10}" srcOrd="0" destOrd="0" presId="urn:microsoft.com/office/officeart/2005/8/layout/cycle2"/>
+    <dgm:cxn modelId="{A71E81AE-2D05-4EEE-9E44-2EEFAAFC3838}" type="presOf" srcId="{53885CE3-5A23-494B-81F4-B9DC0C36DDA2}" destId="{55B81007-CF84-41BD-A05C-D7AEBBFE7FB4}" srcOrd="0" destOrd="0" presId="urn:microsoft.com/office/officeart/2005/8/layout/cycle2"/>
+    <dgm:cxn modelId="{D5C3D0BB-E28A-4D01-AD8A-A427D55300B3}" srcId="{D40853FF-5CA2-47BF-90F9-03A64E8C0E95}" destId="{CC574253-BC09-433E-AEFF-5F3480E0F071}" srcOrd="2" destOrd="0" parTransId="{EA8CE9ED-A1FE-44CA-8971-B91A228D9F3C}" sibTransId="{F9DD3BB4-CC19-455A-B9C2-AE4B0B1453E6}"/>
+    <dgm:cxn modelId="{69221EBC-CA49-4AA1-9D56-1A4C32C56D20}" type="presOf" srcId="{F9DD3BB4-CC19-455A-B9C2-AE4B0B1453E6}" destId="{02312709-CAB4-4070-BF65-99E1CBD020A5}" srcOrd="1" destOrd="0" presId="urn:microsoft.com/office/officeart/2005/8/layout/cycle2"/>
+    <dgm:cxn modelId="{934DF5D0-64DE-4E4C-938B-E0D92CDB2B1D}" type="presOf" srcId="{F2600CD8-62DA-4BF6-A2DD-A11139EC5094}" destId="{3823EB67-BFDB-4E98-BFF7-E7E0D9F6B008}" srcOrd="0" destOrd="0" presId="urn:microsoft.com/office/officeart/2005/8/layout/cycle2"/>
+    <dgm:cxn modelId="{C019EADD-FBFB-4EF0-99FB-8013F7453CCD}" type="presOf" srcId="{D86FE25B-6B1F-413F-9DEA-2E70B695EBA5}" destId="{19237BB7-E823-4095-AF15-FEEB2A9F40CA}" srcOrd="1" destOrd="0" presId="urn:microsoft.com/office/officeart/2005/8/layout/cycle2"/>
+    <dgm:cxn modelId="{BDC717DE-037A-4857-8058-E5510C4BB4D8}" srcId="{D40853FF-5CA2-47BF-90F9-03A64E8C0E95}" destId="{89717394-2E72-41EE-B633-3D0621F666A4}" srcOrd="4" destOrd="0" parTransId="{9F490E10-304B-4732-ADF3-A231DA45B723}" sibTransId="{654B003A-614A-43E4-8C0A-8896236DE21F}"/>
+    <dgm:cxn modelId="{78D04EE4-08FA-4966-8B92-E878ED92BD98}" type="presOf" srcId="{CC574253-BC09-433E-AEFF-5F3480E0F071}" destId="{4DAF54C5-BE49-4222-85DF-B47DB1271C2C}" srcOrd="0" destOrd="0" presId="urn:microsoft.com/office/officeart/2005/8/layout/cycle2"/>
+    <dgm:cxn modelId="{BF7F9412-DF99-4A9F-9220-1892B1292D41}" type="presParOf" srcId="{6F99B535-99B8-4C35-B495-0670B0EA6B3C}" destId="{7E115E98-6AFB-4697-9A10-256F4DB7B02A}" srcOrd="0" destOrd="0" presId="urn:microsoft.com/office/officeart/2005/8/layout/cycle2"/>
+    <dgm:cxn modelId="{E896F173-1D99-4350-83FE-6F1A1DB1178D}" type="presParOf" srcId="{6F99B535-99B8-4C35-B495-0670B0EA6B3C}" destId="{79BEE6A7-CA93-4FF6-843D-43F56C73F283}" srcOrd="1" destOrd="0" presId="urn:microsoft.com/office/officeart/2005/8/layout/cycle2"/>
+    <dgm:cxn modelId="{710FF33D-30BB-4483-B2CD-3E2B2B3F3E16}" type="presParOf" srcId="{79BEE6A7-CA93-4FF6-843D-43F56C73F283}" destId="{5E8EE78E-E46D-4720-BD12-B9538C727B49}" srcOrd="0" destOrd="0" presId="urn:microsoft.com/office/officeart/2005/8/layout/cycle2"/>
+    <dgm:cxn modelId="{42123F59-8374-4C66-AB27-F065E958A5E2}" type="presParOf" srcId="{6F99B535-99B8-4C35-B495-0670B0EA6B3C}" destId="{3823EB67-BFDB-4E98-BFF7-E7E0D9F6B008}" srcOrd="2" destOrd="0" presId="urn:microsoft.com/office/officeart/2005/8/layout/cycle2"/>
+    <dgm:cxn modelId="{5794A64E-6E1E-48BA-B4CF-7ACE6C403AA8}" type="presParOf" srcId="{6F99B535-99B8-4C35-B495-0670B0EA6B3C}" destId="{4C897E06-AF39-447A-8F5E-C2BFC9C6E9C9}" srcOrd="3" destOrd="0" presId="urn:microsoft.com/office/officeart/2005/8/layout/cycle2"/>
+    <dgm:cxn modelId="{6FD8AD15-1650-452D-949B-1E8E42FFDD6A}" type="presParOf" srcId="{4C897E06-AF39-447A-8F5E-C2BFC9C6E9C9}" destId="{19237BB7-E823-4095-AF15-FEEB2A9F40CA}" srcOrd="0" destOrd="0" presId="urn:microsoft.com/office/officeart/2005/8/layout/cycle2"/>
+    <dgm:cxn modelId="{5B4E16EB-31A0-417E-81B5-405F5EA66B4F}" type="presParOf" srcId="{6F99B535-99B8-4C35-B495-0670B0EA6B3C}" destId="{4DAF54C5-BE49-4222-85DF-B47DB1271C2C}" srcOrd="4" destOrd="0" presId="urn:microsoft.com/office/officeart/2005/8/layout/cycle2"/>
+    <dgm:cxn modelId="{14E9E1A1-3459-4E3F-AD62-505B71F44746}" type="presParOf" srcId="{6F99B535-99B8-4C35-B495-0670B0EA6B3C}" destId="{364AC411-A5C5-4A86-8DF5-76C7CFB45A4A}" srcOrd="5" destOrd="0" presId="urn:microsoft.com/office/officeart/2005/8/layout/cycle2"/>
+    <dgm:cxn modelId="{0D2B304E-8251-4480-966A-9ABDC1A81E26}" type="presParOf" srcId="{364AC411-A5C5-4A86-8DF5-76C7CFB45A4A}" destId="{02312709-CAB4-4070-BF65-99E1CBD020A5}" srcOrd="0" destOrd="0" presId="urn:microsoft.com/office/officeart/2005/8/layout/cycle2"/>
+    <dgm:cxn modelId="{40E4DAB9-B43B-4A8C-9CB3-BA50E1CA1D07}" type="presParOf" srcId="{6F99B535-99B8-4C35-B495-0670B0EA6B3C}" destId="{0725A5AE-1C7C-4244-B913-E85EE964DE10}" srcOrd="6" destOrd="0" presId="urn:microsoft.com/office/officeart/2005/8/layout/cycle2"/>
+    <dgm:cxn modelId="{A6C99567-14CE-40C2-9719-7B0B2CD2CF8A}" type="presParOf" srcId="{6F99B535-99B8-4C35-B495-0670B0EA6B3C}" destId="{55B81007-CF84-41BD-A05C-D7AEBBFE7FB4}" srcOrd="7" destOrd="0" presId="urn:microsoft.com/office/officeart/2005/8/layout/cycle2"/>
+    <dgm:cxn modelId="{FC7F5DA7-42C5-4554-B3B4-63A7D5E7DEEA}" type="presParOf" srcId="{55B81007-CF84-41BD-A05C-D7AEBBFE7FB4}" destId="{3D7CF6A6-A0A7-4AD4-8BA2-B65743B0A6D9}" srcOrd="0" destOrd="0" presId="urn:microsoft.com/office/officeart/2005/8/layout/cycle2"/>
+    <dgm:cxn modelId="{45D6BAD7-0581-4B19-B975-D48B3DB3BB0A}" type="presParOf" srcId="{6F99B535-99B8-4C35-B495-0670B0EA6B3C}" destId="{F40DE33F-46AE-4644-87E1-CDCAE40C5192}" srcOrd="8" destOrd="0" presId="urn:microsoft.com/office/officeart/2005/8/layout/cycle2"/>
+    <dgm:cxn modelId="{ED810C0B-613B-41FE-B025-E1EFE6C3966B}" type="presParOf" srcId="{6F99B535-99B8-4C35-B495-0670B0EA6B3C}" destId="{C96E6C1B-F16B-492E-9B70-0865FAAED59D}" srcOrd="9" destOrd="0" presId="urn:microsoft.com/office/officeart/2005/8/layout/cycle2"/>
+    <dgm:cxn modelId="{A3AA88E2-7FB0-4030-97A1-27008DA16857}" type="presParOf" srcId="{C96E6C1B-F16B-492E-9B70-0865FAAED59D}" destId="{B1C62ABA-1D76-4E85-A1DE-4CEDDF03B652}" srcOrd="0" destOrd="0" presId="urn:microsoft.com/office/officeart/2005/8/layout/cycle2"/>
+  </dgm:cxnLst>
+  <dgm:bg/>
+  <dgm:whole/>
+  <dgm:extLst>
+    <a:ext uri="http://schemas.microsoft.com/office/drawing/2008/diagram">
+      <dsp:dataModelExt xmlns:dsp="http://schemas.microsoft.com/office/drawing/2008/diagram" relId="rId8" minVer="http://schemas.openxmlformats.org/drawingml/2006/diagram"/>
+    </a:ext>
+  </dgm:extLst>
+</dgm:dataModel>
+</file>
+
+<file path=ppt/diagrams/drawing1.xml><?xml version="1.0" encoding="utf-8"?>
+<dsp:drawing xmlns:dgm="http://schemas.openxmlformats.org/drawingml/2006/diagram" xmlns:dsp="http://schemas.microsoft.com/office/drawing/2008/diagram" xmlns:a="http://schemas.openxmlformats.org/drawingml/2006/main">
+  <dsp:spTree>
+    <dsp:nvGrpSpPr>
+      <dsp:cNvPr id="0" name=""/>
+      <dsp:cNvGrpSpPr/>
+    </dsp:nvGrpSpPr>
+    <dsp:grpSpPr/>
+    <dsp:sp modelId="{7E115E98-6AFB-4697-9A10-256F4DB7B02A}">
+      <dsp:nvSpPr>
+        <dsp:cNvPr id="0" name=""/>
+        <dsp:cNvSpPr/>
+      </dsp:nvSpPr>
+      <dsp:spPr>
+        <a:xfrm>
+          <a:off x="414968" y="20218"/>
+          <a:ext cx="341469" cy="341469"/>
+        </a:xfrm>
+        <a:prstGeom prst="ellipse">
+          <a:avLst/>
+        </a:prstGeom>
+        <a:noFill/>
+        <a:ln w="12700" cap="flat" cmpd="sng" algn="ctr">
+          <a:noFill/>
+          <a:prstDash val="solid"/>
+          <a:miter lim="800000"/>
+        </a:ln>
+        <a:effectLst/>
+      </dsp:spPr>
+      <dsp:style>
+        <a:lnRef idx="2">
+          <a:scrgbClr r="0" g="0" b="0"/>
+        </a:lnRef>
+        <a:fillRef idx="1">
+          <a:scrgbClr r="0" g="0" b="0"/>
+        </a:fillRef>
+        <a:effectRef idx="0">
+          <a:scrgbClr r="0" g="0" b="0"/>
+        </a:effectRef>
+        <a:fontRef idx="minor">
+          <a:schemeClr val="lt1"/>
+        </a:fontRef>
+      </dsp:style>
+      <dsp:txBody>
+        <a:bodyPr spcFirstLastPara="0" vert="horz" wrap="square" lIns="35560" tIns="35560" rIns="35560" bIns="35560" numCol="1" spcCol="1270" anchor="ctr" anchorCtr="0">
+          <a:noAutofit/>
+        </a:bodyPr>
+        <a:lstStyle/>
+        <a:p>
+          <a:pPr marL="0" lvl="0" indent="0" algn="ctr" defTabSz="1244600">
+            <a:lnSpc>
+              <a:spcPct val="90000"/>
+            </a:lnSpc>
+            <a:spcBef>
+              <a:spcPct val="0"/>
+            </a:spcBef>
+            <a:spcAft>
+              <a:spcPct val="35000"/>
+            </a:spcAft>
+            <a:buNone/>
+          </a:pPr>
+          <a:r>
+            <a:rPr lang="zh-CN" altLang="en-US" sz="2800" kern="1200" dirty="0">
+              <a:solidFill>
+                <a:srgbClr val="FF0000"/>
+              </a:solidFill>
+            </a:rPr>
+            <a:t>文</a:t>
+          </a:r>
+        </a:p>
+      </dsp:txBody>
+      <dsp:txXfrm>
+        <a:off x="464975" y="70225"/>
+        <a:ext cx="241455" cy="241455"/>
+      </dsp:txXfrm>
+    </dsp:sp>
+    <dsp:sp modelId="{79BEE6A7-CA93-4FF6-843D-43F56C73F283}">
+      <dsp:nvSpPr>
+        <dsp:cNvPr id="0" name=""/>
+        <dsp:cNvSpPr/>
+      </dsp:nvSpPr>
+      <dsp:spPr>
+        <a:xfrm rot="2160000">
+          <a:off x="745620" y="282453"/>
+          <a:ext cx="90667" cy="115245"/>
+        </a:xfrm>
+        <a:prstGeom prst="rightArrow">
+          <a:avLst>
+            <a:gd name="adj1" fmla="val 60000"/>
+            <a:gd name="adj2" fmla="val 50000"/>
+          </a:avLst>
+        </a:prstGeom>
+        <a:solidFill>
+          <a:schemeClr val="accent1">
+            <a:tint val="60000"/>
+            <a:hueOff val="0"/>
+            <a:satOff val="0"/>
+            <a:lumOff val="0"/>
+            <a:alphaOff val="0"/>
+          </a:schemeClr>
+        </a:solidFill>
+        <a:ln>
+          <a:noFill/>
+        </a:ln>
+        <a:effectLst/>
+      </dsp:spPr>
+      <dsp:style>
+        <a:lnRef idx="0">
+          <a:scrgbClr r="0" g="0" b="0"/>
+        </a:lnRef>
+        <a:fillRef idx="1">
+          <a:scrgbClr r="0" g="0" b="0"/>
+        </a:fillRef>
+        <a:effectRef idx="0">
+          <a:scrgbClr r="0" g="0" b="0"/>
+        </a:effectRef>
+        <a:fontRef idx="minor">
+          <a:schemeClr val="lt1"/>
+        </a:fontRef>
+      </dsp:style>
+      <dsp:txBody>
+        <a:bodyPr spcFirstLastPara="0" vert="horz" wrap="square" lIns="0" tIns="0" rIns="0" bIns="0" numCol="1" spcCol="1270" anchor="ctr" anchorCtr="0">
+          <a:noAutofit/>
+        </a:bodyPr>
+        <a:lstStyle/>
+        <a:p>
+          <a:pPr marL="0" lvl="0" indent="0" algn="ctr" defTabSz="222250">
+            <a:lnSpc>
+              <a:spcPct val="90000"/>
+            </a:lnSpc>
+            <a:spcBef>
+              <a:spcPct val="0"/>
+            </a:spcBef>
+            <a:spcAft>
+              <a:spcPct val="35000"/>
+            </a:spcAft>
+            <a:buNone/>
+          </a:pPr>
+          <a:endParaRPr lang="zh-CN" altLang="en-US" sz="500" kern="1200"/>
+        </a:p>
+      </dsp:txBody>
+      <dsp:txXfrm>
+        <a:off x="748217" y="297508"/>
+        <a:ext cx="63467" cy="69147"/>
+      </dsp:txXfrm>
+    </dsp:sp>
+    <dsp:sp modelId="{3823EB67-BFDB-4E98-BFF7-E7E0D9F6B008}">
+      <dsp:nvSpPr>
+        <dsp:cNvPr id="0" name=""/>
+        <dsp:cNvSpPr/>
+      </dsp:nvSpPr>
+      <dsp:spPr>
+        <a:xfrm>
+          <a:off x="829621" y="321481"/>
+          <a:ext cx="341469" cy="341469"/>
+        </a:xfrm>
+        <a:prstGeom prst="ellipse">
+          <a:avLst/>
+        </a:prstGeom>
+        <a:noFill/>
+        <a:ln w="12700" cap="flat" cmpd="sng" algn="ctr">
+          <a:noFill/>
+          <a:prstDash val="solid"/>
+          <a:miter lim="800000"/>
+        </a:ln>
+        <a:effectLst/>
+      </dsp:spPr>
+      <dsp:style>
+        <a:lnRef idx="2">
+          <a:scrgbClr r="0" g="0" b="0"/>
+        </a:lnRef>
+        <a:fillRef idx="1">
+          <a:scrgbClr r="0" g="0" b="0"/>
+        </a:fillRef>
+        <a:effectRef idx="0">
+          <a:scrgbClr r="0" g="0" b="0"/>
+        </a:effectRef>
+        <a:fontRef idx="minor">
+          <a:schemeClr val="lt1"/>
+        </a:fontRef>
+      </dsp:style>
+      <dsp:txBody>
+        <a:bodyPr spcFirstLastPara="0" vert="horz" wrap="square" lIns="35560" tIns="35560" rIns="35560" bIns="35560" numCol="1" spcCol="1270" anchor="ctr" anchorCtr="0">
+          <a:noAutofit/>
+        </a:bodyPr>
+        <a:lstStyle/>
+        <a:p>
+          <a:pPr marL="0" lvl="0" indent="0" algn="ctr" defTabSz="1244600">
+            <a:lnSpc>
+              <a:spcPct val="90000"/>
+            </a:lnSpc>
+            <a:spcBef>
+              <a:spcPct val="0"/>
+            </a:spcBef>
+            <a:spcAft>
+              <a:spcPct val="35000"/>
+            </a:spcAft>
+            <a:buNone/>
+          </a:pPr>
+          <a:r>
+            <a:rPr lang="en-US" altLang="zh-CN" sz="2800" kern="1200" dirty="0">
+              <a:solidFill>
+                <a:srgbClr val="FF6600"/>
+              </a:solidFill>
+            </a:rPr>
+            <a:t>A</a:t>
+          </a:r>
+          <a:endParaRPr lang="zh-CN" altLang="en-US" sz="2800" kern="1200" dirty="0">
+            <a:solidFill>
+              <a:srgbClr val="FF6600"/>
+            </a:solidFill>
+          </a:endParaRPr>
+        </a:p>
+      </dsp:txBody>
+      <dsp:txXfrm>
+        <a:off x="879628" y="371488"/>
+        <a:ext cx="241455" cy="241455"/>
+      </dsp:txXfrm>
+    </dsp:sp>
+    <dsp:sp modelId="{4C897E06-AF39-447A-8F5E-C2BFC9C6E9C9}">
+      <dsp:nvSpPr>
+        <dsp:cNvPr id="0" name=""/>
+        <dsp:cNvSpPr/>
+      </dsp:nvSpPr>
+      <dsp:spPr>
+        <a:xfrm rot="6480000">
+          <a:off x="876623" y="675880"/>
+          <a:ext cx="90667" cy="115245"/>
+        </a:xfrm>
+        <a:prstGeom prst="rightArrow">
+          <a:avLst>
+            <a:gd name="adj1" fmla="val 60000"/>
+            <a:gd name="adj2" fmla="val 50000"/>
+          </a:avLst>
+        </a:prstGeom>
+        <a:solidFill>
+          <a:schemeClr val="accent1">
+            <a:tint val="60000"/>
+            <a:hueOff val="0"/>
+            <a:satOff val="0"/>
+            <a:lumOff val="0"/>
+            <a:alphaOff val="0"/>
+          </a:schemeClr>
+        </a:solidFill>
+        <a:ln>
+          <a:noFill/>
+        </a:ln>
+        <a:effectLst/>
+      </dsp:spPr>
+      <dsp:style>
+        <a:lnRef idx="0">
+          <a:scrgbClr r="0" g="0" b="0"/>
+        </a:lnRef>
+        <a:fillRef idx="1">
+          <a:scrgbClr r="0" g="0" b="0"/>
+        </a:fillRef>
+        <a:effectRef idx="0">
+          <a:scrgbClr r="0" g="0" b="0"/>
+        </a:effectRef>
+        <a:fontRef idx="minor">
+          <a:schemeClr val="lt1"/>
+        </a:fontRef>
+      </dsp:style>
+      <dsp:txBody>
+        <a:bodyPr spcFirstLastPara="0" vert="horz" wrap="square" lIns="0" tIns="0" rIns="0" bIns="0" numCol="1" spcCol="1270" anchor="ctr" anchorCtr="0">
+          <a:noAutofit/>
+        </a:bodyPr>
+        <a:lstStyle/>
+        <a:p>
+          <a:pPr marL="0" lvl="0" indent="0" algn="ctr" defTabSz="222250">
+            <a:lnSpc>
+              <a:spcPct val="90000"/>
+            </a:lnSpc>
+            <a:spcBef>
+              <a:spcPct val="0"/>
+            </a:spcBef>
+            <a:spcAft>
+              <a:spcPct val="35000"/>
+            </a:spcAft>
+            <a:buNone/>
+          </a:pPr>
+          <a:endParaRPr lang="zh-CN" altLang="en-US" sz="500" kern="1200"/>
+        </a:p>
+      </dsp:txBody>
+      <dsp:txXfrm rot="10800000">
+        <a:off x="894426" y="685995"/>
+        <a:ext cx="63467" cy="69147"/>
+      </dsp:txXfrm>
+    </dsp:sp>
+    <dsp:sp modelId="{4DAF54C5-BE49-4222-85DF-B47DB1271C2C}">
+      <dsp:nvSpPr>
+        <dsp:cNvPr id="0" name=""/>
+        <dsp:cNvSpPr/>
+      </dsp:nvSpPr>
+      <dsp:spPr>
+        <a:xfrm>
+          <a:off x="671238" y="808936"/>
+          <a:ext cx="341469" cy="341469"/>
+        </a:xfrm>
+        <a:prstGeom prst="ellipse">
+          <a:avLst/>
+        </a:prstGeom>
+        <a:noFill/>
+        <a:ln w="12700" cap="flat" cmpd="sng" algn="ctr">
+          <a:noFill/>
+          <a:prstDash val="solid"/>
+          <a:miter lim="800000"/>
+        </a:ln>
+        <a:effectLst/>
+      </dsp:spPr>
+      <dsp:style>
+        <a:lnRef idx="2">
+          <a:scrgbClr r="0" g="0" b="0"/>
+        </a:lnRef>
+        <a:fillRef idx="1">
+          <a:scrgbClr r="0" g="0" b="0"/>
+        </a:fillRef>
+        <a:effectRef idx="0">
+          <a:scrgbClr r="0" g="0" b="0"/>
+        </a:effectRef>
+        <a:fontRef idx="minor">
+          <a:schemeClr val="lt1"/>
+        </a:fontRef>
+      </dsp:style>
+      <dsp:txBody>
+        <a:bodyPr spcFirstLastPara="0" vert="horz" wrap="square" lIns="35560" tIns="35560" rIns="35560" bIns="35560" numCol="1" spcCol="1270" anchor="ctr" anchorCtr="0">
+          <a:noAutofit/>
+        </a:bodyPr>
+        <a:lstStyle/>
+        <a:p>
+          <a:pPr marL="0" lvl="0" indent="0" algn="ctr" defTabSz="1244600">
+            <a:lnSpc>
+              <a:spcPct val="90000"/>
+            </a:lnSpc>
+            <a:spcBef>
+              <a:spcPct val="0"/>
+            </a:spcBef>
+            <a:spcAft>
+              <a:spcPct val="35000"/>
+            </a:spcAft>
+            <a:buNone/>
+          </a:pPr>
+          <a:r>
+            <a:rPr lang="ja-JP" altLang="en-US" sz="2800" kern="1200" dirty="0">
+              <a:solidFill>
+                <a:srgbClr val="CC3399"/>
+              </a:solidFill>
+            </a:rPr>
+            <a:t>あ</a:t>
+          </a:r>
+          <a:endParaRPr lang="zh-CN" altLang="en-US" sz="2800" kern="1200" dirty="0">
+            <a:solidFill>
+              <a:srgbClr val="CC3399"/>
+            </a:solidFill>
+          </a:endParaRPr>
+        </a:p>
+      </dsp:txBody>
+      <dsp:txXfrm>
+        <a:off x="721245" y="858943"/>
+        <a:ext cx="241455" cy="241455"/>
+      </dsp:txXfrm>
+    </dsp:sp>
+    <dsp:sp modelId="{364AC411-A5C5-4A86-8DF5-76C7CFB45A4A}">
+      <dsp:nvSpPr>
+        <dsp:cNvPr id="0" name=""/>
+        <dsp:cNvSpPr/>
+      </dsp:nvSpPr>
+      <dsp:spPr>
+        <a:xfrm rot="10800000">
+          <a:off x="542935" y="922047"/>
+          <a:ext cx="90667" cy="115245"/>
+        </a:xfrm>
+        <a:prstGeom prst="rightArrow">
+          <a:avLst>
+            <a:gd name="adj1" fmla="val 60000"/>
+            <a:gd name="adj2" fmla="val 50000"/>
+          </a:avLst>
+        </a:prstGeom>
+        <a:solidFill>
+          <a:schemeClr val="accent1">
+            <a:tint val="60000"/>
+            <a:hueOff val="0"/>
+            <a:satOff val="0"/>
+            <a:lumOff val="0"/>
+            <a:alphaOff val="0"/>
+          </a:schemeClr>
+        </a:solidFill>
+        <a:ln>
+          <a:noFill/>
+        </a:ln>
+        <a:effectLst/>
+      </dsp:spPr>
+      <dsp:style>
+        <a:lnRef idx="0">
+          <a:scrgbClr r="0" g="0" b="0"/>
+        </a:lnRef>
+        <a:fillRef idx="1">
+          <a:scrgbClr r="0" g="0" b="0"/>
+        </a:fillRef>
+        <a:effectRef idx="0">
+          <a:scrgbClr r="0" g="0" b="0"/>
+        </a:effectRef>
+        <a:fontRef idx="minor">
+          <a:schemeClr val="lt1"/>
+        </a:fontRef>
+      </dsp:style>
+      <dsp:txBody>
+        <a:bodyPr spcFirstLastPara="0" vert="horz" wrap="square" lIns="0" tIns="0" rIns="0" bIns="0" numCol="1" spcCol="1270" anchor="ctr" anchorCtr="0">
+          <a:noAutofit/>
+        </a:bodyPr>
+        <a:lstStyle/>
+        <a:p>
+          <a:pPr marL="0" lvl="0" indent="0" algn="ctr" defTabSz="222250">
+            <a:lnSpc>
+              <a:spcPct val="90000"/>
+            </a:lnSpc>
+            <a:spcBef>
+              <a:spcPct val="0"/>
+            </a:spcBef>
+            <a:spcAft>
+              <a:spcPct val="35000"/>
+            </a:spcAft>
+            <a:buNone/>
+          </a:pPr>
+          <a:endParaRPr lang="zh-CN" altLang="en-US" sz="500" kern="1200"/>
+        </a:p>
+      </dsp:txBody>
+      <dsp:txXfrm rot="10800000">
+        <a:off x="570135" y="945096"/>
+        <a:ext cx="63467" cy="69147"/>
+      </dsp:txXfrm>
+    </dsp:sp>
+    <dsp:sp modelId="{0725A5AE-1C7C-4244-B913-E85EE964DE10}">
+      <dsp:nvSpPr>
+        <dsp:cNvPr id="0" name=""/>
+        <dsp:cNvSpPr/>
+      </dsp:nvSpPr>
+      <dsp:spPr>
+        <a:xfrm>
+          <a:off x="158698" y="808936"/>
+          <a:ext cx="341469" cy="341469"/>
+        </a:xfrm>
+        <a:prstGeom prst="ellipse">
+          <a:avLst/>
+        </a:prstGeom>
+        <a:noFill/>
+        <a:ln w="12700" cap="flat" cmpd="sng" algn="ctr">
+          <a:noFill/>
+          <a:prstDash val="solid"/>
+          <a:miter lim="800000"/>
+        </a:ln>
+        <a:effectLst/>
+      </dsp:spPr>
+      <dsp:style>
+        <a:lnRef idx="2">
+          <a:scrgbClr r="0" g="0" b="0"/>
+        </a:lnRef>
+        <a:fillRef idx="1">
+          <a:scrgbClr r="0" g="0" b="0"/>
+        </a:fillRef>
+        <a:effectRef idx="0">
+          <a:scrgbClr r="0" g="0" b="0"/>
+        </a:effectRef>
+        <a:fontRef idx="minor">
+          <a:schemeClr val="lt1"/>
+        </a:fontRef>
+      </dsp:style>
+      <dsp:txBody>
+        <a:bodyPr spcFirstLastPara="0" vert="horz" wrap="square" lIns="35560" tIns="35560" rIns="35560" bIns="35560" numCol="1" spcCol="1270" anchor="ctr" anchorCtr="0">
+          <a:noAutofit/>
+        </a:bodyPr>
+        <a:lstStyle/>
+        <a:p>
+          <a:pPr marL="0" lvl="0" indent="0" algn="ctr" defTabSz="1244600">
+            <a:lnSpc>
+              <a:spcPct val="90000"/>
+            </a:lnSpc>
+            <a:spcBef>
+              <a:spcPct val="0"/>
+            </a:spcBef>
+            <a:spcAft>
+              <a:spcPct val="35000"/>
+            </a:spcAft>
+            <a:buNone/>
+          </a:pPr>
+          <a:r>
+            <a:rPr lang="ii-CN" altLang="en-US" sz="2800" b="0" i="0" kern="1200" dirty="0">
+              <a:solidFill>
+                <a:srgbClr val="00B050"/>
+              </a:solidFill>
+            </a:rPr>
+            <a:t>ꀉ</a:t>
+          </a:r>
+          <a:endParaRPr lang="zh-CN" altLang="en-US" sz="2800" kern="1200" dirty="0">
+            <a:solidFill>
+              <a:srgbClr val="00B050"/>
+            </a:solidFill>
+          </a:endParaRPr>
+        </a:p>
+      </dsp:txBody>
+      <dsp:txXfrm>
+        <a:off x="208705" y="858943"/>
+        <a:ext cx="241455" cy="241455"/>
+      </dsp:txXfrm>
+    </dsp:sp>
+    <dsp:sp modelId="{55B81007-CF84-41BD-A05C-D7AEBBFE7FB4}">
+      <dsp:nvSpPr>
+        <dsp:cNvPr id="0" name=""/>
+        <dsp:cNvSpPr/>
+      </dsp:nvSpPr>
+      <dsp:spPr>
+        <a:xfrm rot="15120000">
+          <a:off x="205700" y="680761"/>
+          <a:ext cx="90667" cy="115245"/>
+        </a:xfrm>
+        <a:prstGeom prst="rightArrow">
+          <a:avLst>
+            <a:gd name="adj1" fmla="val 60000"/>
+            <a:gd name="adj2" fmla="val 50000"/>
+          </a:avLst>
+        </a:prstGeom>
+        <a:solidFill>
+          <a:schemeClr val="accent1">
+            <a:tint val="60000"/>
+            <a:hueOff val="0"/>
+            <a:satOff val="0"/>
+            <a:lumOff val="0"/>
+            <a:alphaOff val="0"/>
+          </a:schemeClr>
+        </a:solidFill>
+        <a:ln>
+          <a:noFill/>
+        </a:ln>
+        <a:effectLst/>
+      </dsp:spPr>
+      <dsp:style>
+        <a:lnRef idx="0">
+          <a:scrgbClr r="0" g="0" b="0"/>
+        </a:lnRef>
+        <a:fillRef idx="1">
+          <a:scrgbClr r="0" g="0" b="0"/>
+        </a:fillRef>
+        <a:effectRef idx="0">
+          <a:scrgbClr r="0" g="0" b="0"/>
+        </a:effectRef>
+        <a:fontRef idx="minor">
+          <a:schemeClr val="lt1"/>
+        </a:fontRef>
+      </dsp:style>
+      <dsp:txBody>
+        <a:bodyPr spcFirstLastPara="0" vert="horz" wrap="square" lIns="0" tIns="0" rIns="0" bIns="0" numCol="1" spcCol="1270" anchor="ctr" anchorCtr="0">
+          <a:noAutofit/>
+        </a:bodyPr>
+        <a:lstStyle/>
+        <a:p>
+          <a:pPr marL="0" lvl="0" indent="0" algn="ctr" defTabSz="222250">
+            <a:lnSpc>
+              <a:spcPct val="90000"/>
+            </a:lnSpc>
+            <a:spcBef>
+              <a:spcPct val="0"/>
+            </a:spcBef>
+            <a:spcAft>
+              <a:spcPct val="35000"/>
+            </a:spcAft>
+            <a:buNone/>
+          </a:pPr>
+          <a:endParaRPr lang="zh-CN" altLang="en-US" sz="500" kern="1200"/>
+        </a:p>
+      </dsp:txBody>
+      <dsp:txXfrm rot="10800000">
+        <a:off x="223503" y="716744"/>
+        <a:ext cx="63467" cy="69147"/>
+      </dsp:txXfrm>
+    </dsp:sp>
+    <dsp:sp modelId="{F40DE33F-46AE-4644-87E1-CDCAE40C5192}">
+      <dsp:nvSpPr>
+        <dsp:cNvPr id="0" name=""/>
+        <dsp:cNvSpPr/>
+      </dsp:nvSpPr>
+      <dsp:spPr>
+        <a:xfrm>
+          <a:off x="314" y="321481"/>
+          <a:ext cx="341469" cy="341469"/>
+        </a:xfrm>
+        <a:prstGeom prst="ellipse">
+          <a:avLst/>
+        </a:prstGeom>
+        <a:noFill/>
+        <a:ln w="12700" cap="flat" cmpd="sng" algn="ctr">
+          <a:noFill/>
+          <a:prstDash val="solid"/>
+          <a:miter lim="800000"/>
+        </a:ln>
+        <a:effectLst/>
+      </dsp:spPr>
+      <dsp:style>
+        <a:lnRef idx="2">
+          <a:scrgbClr r="0" g="0" b="0"/>
+        </a:lnRef>
+        <a:fillRef idx="1">
+          <a:scrgbClr r="0" g="0" b="0"/>
+        </a:fillRef>
+        <a:effectRef idx="0">
+          <a:scrgbClr r="0" g="0" b="0"/>
+        </a:effectRef>
+        <a:fontRef idx="minor">
+          <a:schemeClr val="lt1"/>
+        </a:fontRef>
+      </dsp:style>
+      <dsp:txBody>
+        <a:bodyPr spcFirstLastPara="0" vert="horz" wrap="square" lIns="35560" tIns="35560" rIns="35560" bIns="35560" numCol="1" spcCol="1270" anchor="ctr" anchorCtr="0">
+          <a:noAutofit/>
+        </a:bodyPr>
+        <a:lstStyle/>
+        <a:p>
+          <a:pPr marL="0" lvl="0" indent="0" algn="ctr" defTabSz="1244600">
+            <a:lnSpc>
+              <a:spcPct val="90000"/>
+            </a:lnSpc>
+            <a:spcBef>
+              <a:spcPct val="0"/>
+            </a:spcBef>
+            <a:spcAft>
+              <a:spcPct val="35000"/>
+            </a:spcAft>
+            <a:buNone/>
+          </a:pPr>
+          <a:r>
+            <a:rPr lang="el-GR" sz="2800" b="0" i="0" kern="1200" dirty="0">
+              <a:solidFill>
+                <a:srgbClr val="00B0F0"/>
+              </a:solidFill>
+            </a:rPr>
+            <a:t>α</a:t>
+          </a:r>
+          <a:endParaRPr lang="zh-CN" altLang="en-US" sz="2800" kern="1200" dirty="0">
+            <a:solidFill>
+              <a:srgbClr val="00B0F0"/>
+            </a:solidFill>
+          </a:endParaRPr>
+        </a:p>
+      </dsp:txBody>
+      <dsp:txXfrm>
+        <a:off x="50321" y="371488"/>
+        <a:ext cx="241455" cy="241455"/>
+      </dsp:txXfrm>
+    </dsp:sp>
+    <dsp:sp modelId="{C96E6C1B-F16B-492E-9B70-0865FAAED59D}">
+      <dsp:nvSpPr>
+        <dsp:cNvPr id="0" name=""/>
+        <dsp:cNvSpPr/>
+      </dsp:nvSpPr>
+      <dsp:spPr>
+        <a:xfrm rot="19440000">
+          <a:off x="330966" y="285470"/>
+          <a:ext cx="90667" cy="115245"/>
+        </a:xfrm>
+        <a:prstGeom prst="rightArrow">
+          <a:avLst>
+            <a:gd name="adj1" fmla="val 60000"/>
+            <a:gd name="adj2" fmla="val 50000"/>
+          </a:avLst>
+        </a:prstGeom>
+        <a:solidFill>
+          <a:schemeClr val="accent1">
+            <a:tint val="60000"/>
+            <a:hueOff val="0"/>
+            <a:satOff val="0"/>
+            <a:lumOff val="0"/>
+            <a:alphaOff val="0"/>
+          </a:schemeClr>
+        </a:solidFill>
+        <a:ln>
+          <a:noFill/>
+        </a:ln>
+        <a:effectLst/>
+      </dsp:spPr>
+      <dsp:style>
+        <a:lnRef idx="0">
+          <a:scrgbClr r="0" g="0" b="0"/>
+        </a:lnRef>
+        <a:fillRef idx="1">
+          <a:scrgbClr r="0" g="0" b="0"/>
+        </a:fillRef>
+        <a:effectRef idx="0">
+          <a:scrgbClr r="0" g="0" b="0"/>
+        </a:effectRef>
+        <a:fontRef idx="minor">
+          <a:schemeClr val="lt1"/>
+        </a:fontRef>
+      </dsp:style>
+      <dsp:txBody>
+        <a:bodyPr spcFirstLastPara="0" vert="horz" wrap="square" lIns="0" tIns="0" rIns="0" bIns="0" numCol="1" spcCol="1270" anchor="ctr" anchorCtr="0">
+          <a:noAutofit/>
+        </a:bodyPr>
+        <a:lstStyle/>
+        <a:p>
+          <a:pPr marL="0" lvl="0" indent="0" algn="ctr" defTabSz="222250">
+            <a:lnSpc>
+              <a:spcPct val="90000"/>
+            </a:lnSpc>
+            <a:spcBef>
+              <a:spcPct val="0"/>
+            </a:spcBef>
+            <a:spcAft>
+              <a:spcPct val="35000"/>
+            </a:spcAft>
+            <a:buNone/>
+          </a:pPr>
+          <a:endParaRPr lang="zh-CN" altLang="en-US" sz="500" kern="1200"/>
+        </a:p>
+      </dsp:txBody>
+      <dsp:txXfrm>
+        <a:off x="333563" y="316513"/>
+        <a:ext cx="63467" cy="69147"/>
+      </dsp:txXfrm>
+    </dsp:sp>
+  </dsp:spTree>
+</dsp:drawing>
+</file>
+
+<file path=ppt/diagrams/layout1.xml><?xml version="1.0" encoding="utf-8"?>
+<dgm:layoutDef xmlns:dgm="http://schemas.openxmlformats.org/drawingml/2006/diagram" xmlns:a="http://schemas.openxmlformats.org/drawingml/2006/main" uniqueId="urn:microsoft.com/office/officeart/2005/8/layout/cycle2">
+  <dgm:title val=""/>
+  <dgm:desc val=""/>
+  <dgm:catLst>
+    <dgm:cat type="cycle" pri="1000"/>
+    <dgm:cat type="convert" pri="10000"/>
+  </dgm:catLst>
+  <dgm:sampData>
+    <dgm:dataModel>
+      <dgm:ptLst>
+        <dgm:pt modelId="0" type="doc"/>
+        <dgm:pt modelId="1">
+          <dgm:prSet phldr="1"/>
+        </dgm:pt>
+        <dgm:pt modelId="2">
+          <dgm:prSet phldr="1"/>
+        </dgm:pt>
+        <dgm:pt modelId="3">
+          <dgm:prSet phldr="1"/>
+        </dgm:pt>
+        <dgm:pt modelId="4">
+          <dgm:prSet phldr="1"/>
+        </dgm:pt>
+        <dgm:pt modelId="5">
+          <dgm:prSet phldr="1"/>
+        </dgm:pt>
+      </dgm:ptLst>
+      <dgm:cxnLst>
+        <dgm:cxn modelId="6" srcId="0" destId="1" srcOrd="0" destOrd="0"/>
+        <dgm:cxn modelId="7" srcId="0" destId="2" srcOrd="1" destOrd="0"/>
+        <dgm:cxn modelId="8" srcId="0" destId="3" srcOrd="2" destOrd="0"/>
+        <dgm:cxn modelId="9" srcId="0" destId="4" srcOrd="3" destOrd="0"/>
+        <dgm:cxn modelId="10" srcId="0" destId="5" srcOrd="4" destOrd="0"/>
+      </dgm:cxnLst>
+      <dgm:bg/>
+      <dgm:whole/>
+    </dgm:dataModel>
+  </dgm:sampData>
+  <dgm:styleData>
+    <dgm:dataModel>
+      <dgm:ptLst>
+        <dgm:pt modelId="0" type="doc"/>
+        <dgm:pt modelId="1"/>
+        <dgm:pt modelId="2"/>
+        <dgm:pt modelId="3"/>
+      </dgm:ptLst>
+      <dgm:cxnLst>
+        <dgm:cxn modelId="4" srcId="0" destId="1" srcOrd="0" destOrd="0"/>
+        <dgm:cxn modelId="5" srcId="0" destId="2" srcOrd="1" destOrd="0"/>
+        <dgm:cxn modelId="6" srcId="0" destId="3" srcOrd="2" destOrd="0"/>
+      </dgm:cxnLst>
+      <dgm:bg/>
+      <dgm:whole/>
+    </dgm:dataModel>
+  </dgm:styleData>
+  <dgm:clrData>
+    <dgm:dataModel>
+      <dgm:ptLst>
+        <dgm:pt modelId="0" type="doc"/>
+        <dgm:pt modelId="1"/>
+        <dgm:pt modelId="2"/>
+        <dgm:pt modelId="3"/>
+        <dgm:pt modelId="4"/>
+        <dgm:pt modelId="5"/>
+        <dgm:pt modelId="6"/>
+      </dgm:ptLst>
+      <dgm:cxnLst>
+        <dgm:cxn modelId="7" srcId="0" destId="1" srcOrd="0" destOrd="0"/>
+        <dgm:cxn modelId="8" srcId="0" destId="2" srcOrd="1" destOrd="0"/>
+        <dgm:cxn modelId="9" srcId="0" destId="3" srcOrd="2" destOrd="0"/>
+        <dgm:cxn modelId="10" srcId="0" destId="4" srcOrd="3" destOrd="0"/>
+        <dgm:cxn modelId="11" srcId="0" destId="5" srcOrd="4" destOrd="0"/>
+        <dgm:cxn modelId="12" srcId="0" destId="6" srcOrd="5" destOrd="0"/>
+      </dgm:cxnLst>
+      <dgm:bg/>
+      <dgm:whole/>
+    </dgm:dataModel>
+  </dgm:clrData>
+  <dgm:layoutNode name="cycle">
+    <dgm:varLst>
+      <dgm:dir/>
+      <dgm:resizeHandles val="exact"/>
+    </dgm:varLst>
+    <dgm:choose name="Name0">
+      <dgm:if name="Name1" func="var" arg="dir" op="equ" val="norm">
+        <dgm:choose name="Name2">
+          <dgm:if name="Name3" axis="ch" ptType="node" func="cnt" op="gt" val="2">
+            <dgm:alg type="cycle">
+              <dgm:param type="stAng" val="0"/>
+              <dgm:param type="spanAng" val="360"/>
+            </dgm:alg>
+          </dgm:if>
+          <dgm:else name="Name4">
+            <dgm:alg type="cycle">
+              <dgm:param type="stAng" val="-90"/>
+              <dgm:param type="spanAng" val="360"/>
+            </dgm:alg>
+          </dgm:else>
+        </dgm:choose>
+      </dgm:if>
+      <dgm:else name="Name5">
+        <dgm:choose name="Name6">
+          <dgm:if name="Name7" axis="ch" ptType="node" func="cnt" op="gt" val="2">
+            <dgm:alg type="cycle">
+              <dgm:param type="stAng" val="0"/>
+              <dgm:param type="spanAng" val="-360"/>
+            </dgm:alg>
+          </dgm:if>
+          <dgm:else name="Name8">
+            <dgm:alg type="cycle">
+              <dgm:param type="stAng" val="90"/>
+              <dgm:param type="spanAng" val="-360"/>
+            </dgm:alg>
+          </dgm:else>
+        </dgm:choose>
+      </dgm:else>
+    </dgm:choose>
+    <dgm:shape xmlns:r="http://schemas.openxmlformats.org/officeDocument/2006/relationships" r:blip="">
+      <dgm:adjLst/>
+    </dgm:shape>
+    <dgm:presOf/>
+    <dgm:constrLst>
+      <dgm:constr type="w" for="ch" ptType="node" refType="w"/>
+      <dgm:constr type="w" for="ch" ptType="sibTrans" refType="w" refFor="ch" refPtType="node" op="equ" fact="0.25"/>
+      <dgm:constr type="sibSp" refType="w" refFor="ch" refPtType="node" fact="0.5"/>
+      <dgm:constr type="primFontSz" for="ch" ptType="node" op="equ" val="65"/>
+      <dgm:constr type="primFontSz" for="des" forName="connectorText" op="equ" val="55"/>
+      <dgm:constr type="primFontSz" for="des" forName="connectorText" refType="primFontSz" refFor="ch" refPtType="node" op="lte" fact="0.8"/>
+    </dgm:constrLst>
+    <dgm:ruleLst/>
+    <dgm:forEach name="nodesForEach" axis="ch" ptType="node">
+      <dgm:layoutNode name="node">
+        <dgm:varLst>
+          <dgm:bulletEnabled val="1"/>
+        </dgm:varLst>
+        <dgm:alg type="tx">
+          <dgm:param type="txAnchorVertCh" val="mid"/>
+        </dgm:alg>
+        <dgm:shape xmlns:r="http://schemas.openxmlformats.org/officeDocument/2006/relationships" type="ellipse" r:blip="">
+          <dgm:adjLst/>
+        </dgm:shape>
+        <dgm:presOf axis="desOrSelf" ptType="node"/>
+        <dgm:constrLst>
+          <dgm:constr type="h" refType="w"/>
+          <dgm:constr type="lMarg" refType="primFontSz" fact="0.1"/>
+          <dgm:constr type="rMarg" refType="primFontSz" fact="0.1"/>
+          <dgm:constr type="tMarg" refType="primFontSz" fact="0.1"/>
+          <dgm:constr type="bMarg" refType="primFontSz" fact="0.1"/>
+        </dgm:constrLst>
+        <dgm:ruleLst>
+          <dgm:rule type="primFontSz" val="5" fact="NaN" max="NaN"/>
+        </dgm:ruleLst>
+      </dgm:layoutNode>
+      <dgm:choose name="Name9">
+        <dgm:if name="Name10" axis="par ch" ptType="doc node" func="cnt" op="gt" val="1">
+          <dgm:forEach name="sibTransForEach" axis="followSib" ptType="sibTrans" hideLastTrans="0" cnt="1">
+            <dgm:layoutNode name="sibTrans">
+              <dgm:choose name="Name11">
+                <dgm:if name="Name12" axis="par ch" ptType="doc node" func="cnt" op="lt" val="3">
+                  <dgm:alg type="conn">
+                    <dgm:param type="begPts" val="radial"/>
+                    <dgm:param type="endPts" val="radial"/>
+                  </dgm:alg>
+                </dgm:if>
+                <dgm:else name="Name13">
+                  <dgm:alg type="conn">
+                    <dgm:param type="begPts" val="auto"/>
+                    <dgm:param type="endPts" val="auto"/>
+                  </dgm:alg>
+                </dgm:else>
+              </dgm:choose>
+              <dgm:shape xmlns:r="http://schemas.openxmlformats.org/officeDocument/2006/relationships" type="conn" r:blip="">
+                <dgm:adjLst/>
+              </dgm:shape>
+              <dgm:presOf axis="self"/>
+              <dgm:constrLst>
+                <dgm:constr type="h" refType="w" fact="1.35"/>
+                <dgm:constr type="connDist"/>
+                <dgm:constr type="w" for="ch" refType="connDist" fact="0.45"/>
+                <dgm:constr type="h" for="ch" refType="h"/>
+              </dgm:constrLst>
+              <dgm:ruleLst/>
+              <dgm:layoutNode name="connectorText">
+                <dgm:alg type="tx">
+                  <dgm:param type="autoTxRot" val="grav"/>
+                </dgm:alg>
+                <dgm:shape xmlns:r="http://schemas.openxmlformats.org/officeDocument/2006/relationships" type="conn" r:blip="" hideGeom="1">
+                  <dgm:adjLst/>
+                </dgm:shape>
+                <dgm:presOf axis="self"/>
+                <dgm:constrLst>
+                  <dgm:constr type="lMarg"/>
+                  <dgm:constr type="rMarg"/>
+                  <dgm:constr type="tMarg"/>
+                  <dgm:constr type="bMarg"/>
+                </dgm:constrLst>
+                <dgm:ruleLst>
+                  <dgm:rule type="primFontSz" val="5" fact="NaN" max="NaN"/>
+                </dgm:ruleLst>
+              </dgm:layoutNode>
+            </dgm:layoutNode>
+          </dgm:forEach>
+        </dgm:if>
+        <dgm:else name="Name14"/>
+      </dgm:choose>
+    </dgm:forEach>
+  </dgm:layoutNode>
+</dgm:layoutDef>
+</file>
+
+<file path=ppt/diagrams/quickStyle1.xml><?xml version="1.0" encoding="utf-8"?>
+<dgm:styleDef xmlns:dgm="http://schemas.openxmlformats.org/drawingml/2006/diagram" xmlns:a="http://schemas.openxmlformats.org/drawingml/2006/main" uniqueId="urn:microsoft.com/office/officeart/2005/8/quickstyle/simple1">
+  <dgm:title val=""/>
+  <dgm:desc val=""/>
+  <dgm:catLst>
+    <dgm:cat type="simple" pri="10100"/>
+  </dgm:catLst>
+  <dgm:scene3d>
+    <a:camera prst="orthographicFront"/>
+    <a:lightRig rig="threePt" dir="t"/>
+  </dgm:scene3d>
+  <dgm:styleLbl name="node0">
+    <dgm:scene3d>
+      <a:camera prst="orthographicFront"/>
+      <a:lightRig rig="threePt" dir="t"/>
+    </dgm:scene3d>
+    <dgm:sp3d/>
+    <dgm:txPr/>
+    <dgm:style>
+      <a:lnRef idx="2">
+        <a:scrgbClr r="0" g="0" b="0"/>
+      </a:lnRef>
+      <a:fillRef idx="1">
+        <a:scrgbClr r="0" g="0" b="0"/>
+      </a:fillRef>
+      <a:effectRef idx="0">
+        <a:scrgbClr r="0" g="0" b="0"/>
+      </a:effectRef>
+      <a:fontRef idx="minor">
+        <a:schemeClr val="lt1"/>
+      </a:fontRef>
+    </dgm:style>
+  </dgm:styleLbl>
+  <dgm:styleLbl name="lnNode1">
+    <dgm:scene3d>
+      <a:camera prst="orthographicFront"/>
+      <a:lightRig rig="threePt" dir="t"/>
+    </dgm:scene3d>
+    <dgm:sp3d/>
+    <dgm:txPr/>
+    <dgm:style>
+      <a:lnRef idx="2">
+        <a:scrgbClr r="0" g="0" b="0"/>
+      </a:lnRef>
+      <a:fillRef idx="1">
+        <a:scrgbClr r="0" g="0" b="0"/>
+      </a:fillRef>
+      <a:effectRef idx="0">
+        <a:scrgbClr r="0" g="0" b="0"/>
+      </a:effectRef>
+      <a:fontRef idx="minor">
+        <a:schemeClr val="lt1"/>
+      </a:fontRef>
+    </dgm:style>
+  </dgm:styleLbl>
+  <dgm:styleLbl name="vennNode1">
+    <dgm:scene3d>
+      <a:camera prst="orthographicFront"/>
+      <a:lightRig rig="threePt" dir="t"/>
+    </dgm:scene3d>
+    <dgm:sp3d/>
+    <dgm:txPr/>
+    <dgm:style>
+      <a:lnRef idx="2">
+        <a:scrgbClr r="0" g="0" b="0"/>
+      </a:lnRef>
+      <a:fillRef idx="1">
+        <a:scrgbClr r="0" g="0" b="0"/>
+      </a:fillRef>
+      <a:effectRef idx="0">
+        <a:scrgbClr r="0" g="0" b="0"/>
+      </a:effectRef>
+      <a:fontRef idx="minor">
+        <a:schemeClr val="tx1"/>
+      </a:fontRef>
+    </dgm:style>
+  </dgm:styleLbl>
+  <dgm:styleLbl name="alignNode1">
+    <dgm:scene3d>
+      <a:camera prst="orthographicFront"/>
+      <a:lightRig rig="threePt" dir="t"/>
+    </dgm:scene3d>
+    <dgm:sp3d/>
+    <dgm:txPr/>
+    <dgm:style>
+      <a:lnRef idx="2">
+        <a:scrgbClr r="0" g="0" b="0"/>
+      </a:lnRef>
+      <a:fillRef idx="1">
+        <a:scrgbClr r="0" g="0" b="0"/>
+      </a:fillRef>
+      <a:effectRef idx="0">
+        <a:scrgbClr r="0" g="0" b="0"/>
+      </a:effectRef>
+      <a:fontRef idx="minor">
+        <a:schemeClr val="lt1"/>
+      </a:fontRef>
+    </dgm:style>
+  </dgm:styleLbl>
+  <dgm:styleLbl name="node1">
+    <dgm:scene3d>
+      <a:camera prst="orthographicFront"/>
+      <a:lightRig rig="threePt" dir="t"/>
+    </dgm:scene3d>
+    <dgm:sp3d/>
+    <dgm:txPr/>
+    <dgm:style>
+      <a:lnRef idx="2">
+        <a:scrgbClr r="0" g="0" b="0"/>
+      </a:lnRef>
+      <a:fillRef idx="1">
+        <a:scrgbClr r="0" g="0" b="0"/>
+      </a:fillRef>
+      <a:effectRef idx="0">
+        <a:scrgbClr r="0" g="0" b="0"/>
+      </a:effectRef>
+      <a:fontRef idx="minor">
+        <a:schemeClr val="lt1"/>
+      </a:fontRef>
+    </dgm:style>
+  </dgm:styleLbl>
+  <dgm:styleLbl name="node2">
+    <dgm:scene3d>
+      <a:camera prst="orthographicFront"/>
+      <a:lightRig rig="threePt" dir="t"/>
+    </dgm:scene3d>
+    <dgm:sp3d/>
+    <dgm:txPr/>
+    <dgm:style>
+      <a:lnRef idx="2">
+        <a:scrgbClr r="0" g="0" b="0"/>
+      </a:lnRef>
+      <a:fillRef idx="1">
+        <a:scrgbClr r="0" g="0" b="0"/>
+      </a:fillRef>
+      <a:effectRef idx="0">
+        <a:scrgbClr r="0" g="0" b="0"/>
+      </a:effectRef>
+      <a:fontRef idx="minor">
+        <a:schemeClr val="lt1"/>
+      </a:fontRef>
+    </dgm:style>
+  </dgm:styleLbl>
+  <dgm:styleLbl name="node3">
+    <dgm:scene3d>
+      <a:camera prst="orthographicFront"/>
+      <a:lightRig rig="threePt" dir="t"/>
+    </dgm:scene3d>
+    <dgm:sp3d/>
+    <dgm:txPr/>
+    <dgm:style>
+      <a:lnRef idx="2">
+        <a:scrgbClr r="0" g="0" b="0"/>
+      </a:lnRef>
+      <a:fillRef idx="1">
+        <a:scrgbClr r="0" g="0" b="0"/>
+      </a:fillRef>
+      <a:effectRef idx="0">
+        <a:scrgbClr r="0" g="0" b="0"/>
+      </a:effectRef>
+      <a:fontRef idx="minor">
+        <a:schemeClr val="lt1"/>
+      </a:fontRef>
+    </dgm:style>
+  </dgm:styleLbl>
+  <dgm:styleLbl name="node4">
+    <dgm:scene3d>
+      <a:camera prst="orthographicFront"/>
+      <a:lightRig rig="threePt" dir="t"/>
+    </dgm:scene3d>
+    <dgm:sp3d/>
+    <dgm:txPr/>
+    <dgm:style>
+      <a:lnRef idx="2">
+        <a:scrgbClr r="0" g="0" b="0"/>
+      </a:lnRef>
+      <a:fillRef idx="1">
+        <a:scrgbClr r="0" g="0" b="0"/>
+      </a:fillRef>
+      <a:effectRef idx="0">
+        <a:scrgbClr r="0" g="0" b="0"/>
+      </a:effectRef>
+      <a:fontRef idx="minor">
+        <a:schemeClr val="lt1"/>
+      </a:fontRef>
+    </dgm:style>
+  </dgm:styleLbl>
+  <dgm:styleLbl name="fgImgPlace1">
+    <dgm:scene3d>
+      <a:camera prst="orthographicFront"/>
+      <a:lightRig rig="threePt" dir="t"/>
+    </dgm:scene3d>
+    <dgm:sp3d/>
+    <dgm:txPr/>
+    <dgm:style>
+      <a:lnRef idx="2">
+        <a:scrgbClr r="0" g="0" b="0"/>
+      </a:lnRef>
+      <a:fillRef idx="1">
+        <a:scrgbClr r="0" g="0" b="0"/>
+      </a:fillRef>
+      <a:effectRef idx="0">
+        <a:scrgbClr r="0" g="0" b="0"/>
+      </a:effectRef>
+      <a:fontRef idx="minor"/>
+    </dgm:style>
+  </dgm:styleLbl>
+  <dgm:styleLbl name="alignImgPlace1">
+    <dgm:scene3d>
+      <a:camera prst="orthographicFront"/>
+      <a:lightRig rig="threePt" dir="t"/>
+    </dgm:scene3d>
+    <dgm:sp3d/>
+    <dgm:txPr/>
+    <dgm:style>
+      <a:lnRef idx="2">
+        <a:scrgbClr r="0" g="0" b="0"/>
+      </a:lnRef>
+      <a:fillRef idx="1">
+        <a:scrgbClr r="0" g="0" b="0"/>
+      </a:fillRef>
+      <a:effectRef idx="0">
+        <a:scrgbClr r="0" g="0" b="0"/>
+      </a:effectRef>
+      <a:fontRef idx="minor"/>
+    </dgm:style>
+  </dgm:styleLbl>
+  <dgm:styleLbl name="bgImgPlace1">
+    <dgm:scene3d>
+      <a:camera prst="orthographicFront"/>
+      <a:lightRig rig="threePt" dir="t"/>
+    </dgm:scene3d>
+    <dgm:sp3d/>
+    <dgm:txPr/>
+    <dgm:style>
+      <a:lnRef idx="2">
+        <a:scrgbClr r="0" g="0" b="0"/>
+      </a:lnRef>
+      <a:fillRef idx="1">
+        <a:scrgbClr r="0" g="0" b="0"/>
+      </a:fillRef>
+      <a:effectRef idx="0">
+        <a:scrgbClr r="0" g="0" b="0"/>
+      </a:effectRef>
+      <a:fontRef idx="minor"/>
+    </dgm:style>
+  </dgm:styleLbl>
+  <dgm:styleLbl name="sibTrans2D1">
+    <dgm:scene3d>
+      <a:camera prst="orthographicFront"/>
+      <a:lightRig rig="threePt" dir="t"/>
+    </dgm:scene3d>
+    <dgm:sp3d/>
+    <dgm:txPr/>
+    <dgm:style>
+      <a:lnRef idx="0">
+        <a:scrgbClr r="0" g="0" b="0"/>
+      </a:lnRef>
+      <a:fillRef idx="1">
+        <a:scrgbClr r="0" g="0" b="0"/>
+      </a:fillRef>
+      <a:effectRef idx="0">
+        <a:scrgbClr r="0" g="0" b="0"/>
+      </a:effectRef>
+      <a:fontRef idx="minor">
+        <a:schemeClr val="lt1"/>
+      </a:fontRef>
+    </dgm:style>
+  </dgm:styleLbl>
+  <dgm:styleLbl name="fgSibTrans2D1">
+    <dgm:scene3d>
+      <a:camera prst="orthographicFront"/>
+      <a:lightRig rig="threePt" dir="t"/>
+    </dgm:scene3d>
+    <dgm:sp3d/>
+    <dgm:txPr/>
+    <dgm:style>
+      <a:lnRef idx="0">
+        <a:scrgbClr r="0" g="0" b="0"/>
+      </a:lnRef>
+      <a:fillRef idx="1">
+        <a:scrgbClr r="0" g="0" b="0"/>
+      </a:fillRef>
+      <a:effectRef idx="0">
+        <a:scrgbClr r="0" g="0" b="0"/>
+      </a:effectRef>
+      <a:fontRef idx="minor">
+        <a:schemeClr val="lt1"/>
+      </a:fontRef>
+    </dgm:style>
+  </dgm:styleLbl>
+  <dgm:styleLbl name="bgSibTrans2D1">
+    <dgm:scene3d>
+      <a:camera prst="orthographicFront"/>
+      <a:lightRig rig="threePt" dir="t"/>
+    </dgm:scene3d>
+    <dgm:sp3d/>
+    <dgm:txPr/>
+    <dgm:style>
+      <a:lnRef idx="0">
+        <a:scrgbClr r="0" g="0" b="0"/>
+      </a:lnRef>
+      <a:fillRef idx="1">
+        <a:scrgbClr r="0" g="0" b="0"/>
+      </a:fillRef>
+      <a:effectRef idx="0">
+        <a:scrgbClr r="0" g="0" b="0"/>
+      </a:effectRef>
+      <a:fontRef idx="minor">
+        <a:schemeClr val="lt1"/>
+      </a:fontRef>
+    </dgm:style>
+  </dgm:styleLbl>
+  <dgm:styleLbl name="sibTrans1D1">
+    <dgm:scene3d>
+      <a:camera prst="orthographicFront"/>
+      <a:lightRig rig="threePt" dir="t"/>
+    </dgm:scene3d>
+    <dgm:sp3d/>
+    <dgm:txPr/>
+    <dgm:style>
+      <a:lnRef idx="1">
+        <a:scrgbClr r="0" g="0" b="0"/>
+      </a:lnRef>
+      <a:fillRef idx="0">
+        <a:scrgbClr r="0" g="0" b="0"/>
+      </a:fillRef>
+      <a:effectRef idx="0">
+        <a:scrgbClr r="0" g="0" b="0"/>
+      </a:effectRef>
+      <a:fontRef idx="minor"/>
+    </dgm:style>
+  </dgm:styleLbl>
+  <dgm:styleLbl name="callout">
+    <dgm:scene3d>
+      <a:camera prst="orthographicFront"/>
+      <a:lightRig rig="threePt" dir="t"/>
+    </dgm:scene3d>
+    <dgm:sp3d/>
+    <dgm:txPr/>
+    <dgm:style>
+      <a:lnRef idx="2">
+        <a:scrgbClr r="0" g="0" b="0"/>
+      </a:lnRef>
+      <a:fillRef idx="1">
+        <a:scrgbClr r="0" g="0" b="0"/>
+      </a:fillRef>
+      <a:effectRef idx="0">
+        <a:scrgbClr r="0" g="0" b="0"/>
+      </a:effectRef>
+      <a:fontRef idx="minor"/>
+    </dgm:style>
+  </dgm:styleLbl>
+  <dgm:styleLbl name="asst0">
+    <dgm:scene3d>
+      <a:camera prst="orthographicFront"/>
+      <a:lightRig rig="threePt" dir="t"/>
+    </dgm:scene3d>
+    <dgm:sp3d/>
+    <dgm:txPr/>
+    <dgm:style>
+      <a:lnRef idx="2">
+        <a:scrgbClr r="0" g="0" b="0"/>
+      </a:lnRef>
+      <a:fillRef idx="1">
+        <a:scrgbClr r="0" g="0" b="0"/>
+      </a:fillRef>
+      <a:effectRef idx="0">
+        <a:scrgbClr r="0" g="0" b="0"/>
+      </a:effectRef>
+      <a:fontRef idx="minor">
+        <a:schemeClr val="lt1"/>
+      </a:fontRef>
+    </dgm:style>
+  </dgm:styleLbl>
+  <dgm:styleLbl name="asst1">
+    <dgm:scene3d>
+      <a:camera prst="orthographicFront"/>
+      <a:lightRig rig="threePt" dir="t"/>
+    </dgm:scene3d>
+    <dgm:sp3d/>
+    <dgm:txPr/>
+    <dgm:style>
+      <a:lnRef idx="2">
+        <a:scrgbClr r="0" g="0" b="0"/>
+      </a:lnRef>
+      <a:fillRef idx="1">
+        <a:scrgbClr r="0" g="0" b="0"/>
+      </a:fillRef>
+      <a:effectRef idx="0">
+        <a:scrgbClr r="0" g="0" b="0"/>
+      </a:effectRef>
+      <a:fontRef idx="minor">
+        <a:schemeClr val="lt1"/>
+      </a:fontRef>
+    </dgm:style>
+  </dgm:styleLbl>
+  <dgm:styleLbl name="asst2">
+    <dgm:scene3d>
+      <a:camera prst="orthographicFront"/>
+      <a:lightRig rig="threePt" dir="t"/>
+    </dgm:scene3d>
+    <dgm:sp3d/>
+    <dgm:txPr/>
+    <dgm:style>
+      <a:lnRef idx="2">
+        <a:scrgbClr r="0" g="0" b="0"/>
+      </a:lnRef>
+      <a:fillRef idx="1">
+        <a:scrgbClr r="0" g="0" b="0"/>
+      </a:fillRef>
+      <a:effectRef idx="0">
+        <a:scrgbClr r="0" g="0" b="0"/>
+      </a:effectRef>
+      <a:fontRef idx="minor">
+        <a:schemeClr val="lt1"/>
+      </a:fontRef>
+    </dgm:style>
+  </dgm:styleLbl>
+  <dgm:styleLbl name="asst3">
+    <dgm:scene3d>
+      <a:camera prst="orthographicFront"/>
+      <a:lightRig rig="threePt" dir="t"/>
+    </dgm:scene3d>
+    <dgm:sp3d/>
+    <dgm:txPr/>
+    <dgm:style>
+      <a:lnRef idx="2">
+        <a:scrgbClr r="0" g="0" b="0"/>
+      </a:lnRef>
+      <a:fillRef idx="1">
+        <a:scrgbClr r="0" g="0" b="0"/>
+      </a:fillRef>
+      <a:effectRef idx="0">
+        <a:scrgbClr r="0" g="0" b="0"/>
+      </a:effectRef>
+      <a:fontRef idx="minor">
+        <a:schemeClr val="lt1"/>
+      </a:fontRef>
+    </dgm:style>
+  </dgm:styleLbl>
+  <dgm:styleLbl name="asst4">
+    <dgm:scene3d>
+      <a:camera prst="orthographicFront"/>
+      <a:lightRig rig="threePt" dir="t"/>
+    </dgm:scene3d>
+    <dgm:sp3d/>
+    <dgm:txPr/>
+    <dgm:style>
+      <a:lnRef idx="2">
+        <a:scrgbClr r="0" g="0" b="0"/>
+      </a:lnRef>
+      <a:fillRef idx="1">
+        <a:scrgbClr r="0" g="0" b="0"/>
+      </a:fillRef>
+      <a:effectRef idx="0">
+        <a:scrgbClr r="0" g="0" b="0"/>
+      </a:effectRef>
+      <a:fontRef idx="minor">
+        <a:schemeClr val="lt1"/>
+      </a:fontRef>
+    </dgm:style>
+  </dgm:styleLbl>
+  <dgm:styleLbl name="parChTrans2D1">
+    <dgm:scene3d>
+      <a:camera prst="orthographicFront"/>
+      <a:lightRig rig="threePt" dir="t"/>
+    </dgm:scene3d>
+    <dgm:sp3d/>
+    <dgm:txPr/>
+    <dgm:style>
+      <a:lnRef idx="2">
+        <a:scrgbClr r="0" g="0" b="0"/>
+      </a:lnRef>
+      <a:fillRef idx="1">
+        <a:scrgbClr r="0" g="0" b="0"/>
+      </a:fillRef>
+      <a:effectRef idx="0">
+        <a:scrgbClr r="0" g="0" b="0"/>
+      </a:effectRef>
+      <a:fontRef idx="minor">
+        <a:schemeClr val="lt1"/>
+      </a:fontRef>
+    </dgm:style>
+  </dgm:styleLbl>
+  <dgm:styleLbl name="parChTrans2D2">
+    <dgm:scene3d>
+      <a:camera prst="orthographicFront"/>
+      <a:lightRig rig="threePt" dir="t"/>
+    </dgm:scene3d>
+    <dgm:sp3d/>
+    <dgm:txPr/>
+    <dgm:style>
+      <a:lnRef idx="2">
+        <a:scrgbClr r="0" g="0" b="0"/>
+      </a:lnRef>
+      <a:fillRef idx="1">
+        <a:scrgbClr r="0" g="0" b="0"/>
+      </a:fillRef>
+      <a:effectRef idx="0">
+        <a:scrgbClr r="0" g="0" b="0"/>
+      </a:effectRef>
+      <a:fontRef idx="minor">
+        <a:schemeClr val="lt1"/>
+      </a:fontRef>
+    </dgm:style>
+  </dgm:styleLbl>
+  <dgm:styleLbl name="parChTrans2D3">
+    <dgm:scene3d>
+      <a:camera prst="orthographicFront"/>
+      <a:lightRig rig="threePt" dir="t"/>
+    </dgm:scene3d>
+    <dgm:sp3d/>
+    <dgm:txPr/>
+    <dgm:style>
+      <a:lnRef idx="2">
+        <a:scrgbClr r="0" g="0" b="0"/>
+      </a:lnRef>
+      <a:fillRef idx="1">
+        <a:scrgbClr r="0" g="0" b="0"/>
+      </a:fillRef>
+      <a:effectRef idx="0">
+        <a:scrgbClr r="0" g="0" b="0"/>
+      </a:effectRef>
+      <a:fontRef idx="minor">
+        <a:schemeClr val="lt1"/>
+      </a:fontRef>
+    </dgm:style>
+  </dgm:styleLbl>
+  <dgm:styleLbl name="parChTrans2D4">
+    <dgm:scene3d>
+      <a:camera prst="orthographicFront"/>
+      <a:lightRig rig="threePt" dir="t"/>
+    </dgm:scene3d>
+    <dgm:sp3d/>
+    <dgm:txPr/>
+    <dgm:style>
+      <a:lnRef idx="2">
+        <a:scrgbClr r="0" g="0" b="0"/>
+      </a:lnRef>
+      <a:fillRef idx="1">
+        <a:scrgbClr r="0" g="0" b="0"/>
+      </a:fillRef>
+      <a:effectRef idx="0">
+        <a:scrgbClr r="0" g="0" b="0"/>
+      </a:effectRef>
+      <a:fontRef idx="minor">
+        <a:schemeClr val="lt1"/>
+      </a:fontRef>
+    </dgm:style>
+  </dgm:styleLbl>
+  <dgm:styleLbl name="parChTrans1D1">
+    <dgm:scene3d>
+      <a:camera prst="orthographicFront"/>
+      <a:lightRig rig="threePt" dir="t"/>
+    </dgm:scene3d>
+    <dgm:sp3d/>
+    <dgm:txPr/>
+    <dgm:style>
+      <a:lnRef idx="2">
+        <a:scrgbClr r="0" g="0" b="0"/>
+      </a:lnRef>
+      <a:fillRef idx="0">
+        <a:scrgbClr r="0" g="0" b="0"/>
+      </a:fillRef>
+      <a:effectRef idx="0">
+        <a:scrgbClr r="0" g="0" b="0"/>
+      </a:effectRef>
+      <a:fontRef idx="minor"/>
+    </dgm:style>
+  </dgm:styleLbl>
+  <dgm:styleLbl name="parChTrans1D2">
+    <dgm:scene3d>
+      <a:camera prst="orthographicFront"/>
+      <a:lightRig rig="threePt" dir="t"/>
+    </dgm:scene3d>
+    <dgm:sp3d/>
+    <dgm:txPr/>
+    <dgm:style>
+      <a:lnRef idx="2">
+        <a:scrgbClr r="0" g="0" b="0"/>
+      </a:lnRef>
+      <a:fillRef idx="0">
+        <a:scrgbClr r="0" g="0" b="0"/>
+      </a:fillRef>
+      <a:effectRef idx="0">
+        <a:scrgbClr r="0" g="0" b="0"/>
+      </a:effectRef>
+      <a:fontRef idx="minor"/>
+    </dgm:style>
+  </dgm:styleLbl>
+  <dgm:styleLbl name="parChTrans1D3">
+    <dgm:scene3d>
+      <a:camera prst="orthographicFront"/>
+      <a:lightRig rig="threePt" dir="t"/>
+    </dgm:scene3d>
+    <dgm:sp3d/>
+    <dgm:txPr/>
+    <dgm:style>
+      <a:lnRef idx="2">
+        <a:scrgbClr r="0" g="0" b="0"/>
+      </a:lnRef>
+      <a:fillRef idx="0">
+        <a:scrgbClr r="0" g="0" b="0"/>
+      </a:fillRef>
+      <a:effectRef idx="0">
+        <a:scrgbClr r="0" g="0" b="0"/>
+      </a:effectRef>
+      <a:fontRef idx="minor"/>
+    </dgm:style>
+  </dgm:styleLbl>
+  <dgm:styleLbl name="parChTrans1D4">
+    <dgm:scene3d>
+      <a:camera prst="orthographicFront"/>
+      <a:lightRig rig="threePt" dir="t"/>
+    </dgm:scene3d>
+    <dgm:sp3d/>
+    <dgm:txPr/>
+    <dgm:style>
+      <a:lnRef idx="2">
+        <a:scrgbClr r="0" g="0" b="0"/>
+      </a:lnRef>
+      <a:fillRef idx="0">
+        <a:scrgbClr r="0" g="0" b="0"/>
+      </a:fillRef>
+      <a:effectRef idx="0">
+        <a:scrgbClr r="0" g="0" b="0"/>
+      </a:effectRef>
+      <a:fontRef idx="minor"/>
+    </dgm:style>
+  </dgm:styleLbl>
+  <dgm:styleLbl name="fgAcc1">
+    <dgm:scene3d>
+      <a:camera prst="orthographicFront"/>
+      <a:lightRig rig="threePt" dir="t"/>
+    </dgm:scene3d>
+    <dgm:sp3d/>
+    <dgm:txPr/>
+    <dgm:style>
+      <a:lnRef idx="2">
+        <a:scrgbClr r="0" g="0" b="0"/>
+      </a:lnRef>
+      <a:fillRef idx="1">
+        <a:scrgbClr r="0" g="0" b="0"/>
+      </a:fillRef>
+      <a:effectRef idx="0">
+        <a:scrgbClr r="0" g="0" b="0"/>
+      </a:effectRef>
+      <a:fontRef idx="minor"/>
+    </dgm:style>
+  </dgm:styleLbl>
+  <dgm:styleLbl name="conFgAcc1">
+    <dgm:scene3d>
+      <a:camera prst="orthographicFront"/>
+      <a:lightRig rig="threePt" dir="t"/>
+    </dgm:scene3d>
+    <dgm:sp3d/>
+    <dgm:txPr/>
+    <dgm:style>
+      <a:lnRef idx="2">
+        <a:scrgbClr r="0" g="0" b="0"/>
+      </a:lnRef>
+      <a:fillRef idx="1">
+        <a:scrgbClr r="0" g="0" b="0"/>
+      </a:fillRef>
+      <a:effectRef idx="0">
+        <a:scrgbClr r="0" g="0" b="0"/>
+      </a:effectRef>
+      <a:fontRef idx="minor"/>
+    </dgm:style>
+  </dgm:styleLbl>
+  <dgm:styleLbl name="alignAcc1">
+    <dgm:scene3d>
+      <a:camera prst="orthographicFront"/>
+      <a:lightRig rig="threePt" dir="t"/>
+    </dgm:scene3d>
+    <dgm:sp3d/>
+    <dgm:txPr/>
+    <dgm:style>
+      <a:lnRef idx="2">
+        <a:scrgbClr r="0" g="0" b="0"/>
+      </a:lnRef>
+      <a:fillRef idx="1">
+        <a:scrgbClr r="0" g="0" b="0"/>
+      </a:fillRef>
+      <a:effectRef idx="0">
+        <a:scrgbClr r="0" g="0" b="0"/>
+      </a:effectRef>
+      <a:fontRef idx="minor"/>
+    </dgm:style>
+  </dgm:styleLbl>
+  <dgm:styleLbl name="trAlignAcc1">
+    <dgm:scene3d>
+      <a:camera prst="orthographicFront"/>
+      <a:lightRig rig="threePt" dir="t"/>
+    </dgm:scene3d>
+    <dgm:sp3d/>
+    <dgm:txPr/>
+    <dgm:style>
+      <a:lnRef idx="1">
+        <a:scrgbClr r="0" g="0" b="0"/>
+      </a:lnRef>
+      <a:fillRef idx="1">
+        <a:scrgbClr r="0" g="0" b="0"/>
+      </a:fillRef>
+      <a:effectRef idx="0">
+        <a:scrgbClr r="0" g="0" b="0"/>
+      </a:effectRef>
+      <a:fontRef idx="minor"/>
+    </dgm:style>
+  </dgm:styleLbl>
+  <dgm:styleLbl name="bgAcc1">
+    <dgm:scene3d>
+      <a:camera prst="orthographicFront"/>
+      <a:lightRig rig="threePt" dir="t"/>
+    </dgm:scene3d>
+    <dgm:sp3d/>
+    <dgm:txPr/>
+    <dgm:style>
+      <a:lnRef idx="2">
+        <a:scrgbClr r="0" g="0" b="0"/>
+      </a:lnRef>
+      <a:fillRef idx="1">
+        <a:scrgbClr r="0" g="0" b="0"/>
+      </a:fillRef>
+      <a:effectRef idx="0">
+        <a:scrgbClr r="0" g="0" b="0"/>
+      </a:effectRef>
+      <a:fontRef idx="minor"/>
+    </dgm:style>
+  </dgm:styleLbl>
+  <dgm:styleLbl name="solidFgAcc1">
+    <dgm:scene3d>
+      <a:camera prst="orthographicFront"/>
+      <a:lightRig rig="threePt" dir="t"/>
+    </dgm:scene3d>
+    <dgm:sp3d/>
+    <dgm:txPr/>
+    <dgm:style>
+      <a:lnRef idx="2">
+        <a:scrgbClr r="0" g="0" b="0"/>
+      </a:lnRef>
+      <a:fillRef idx="1">
+        <a:scrgbClr r="0" g="0" b="0"/>
+      </a:fillRef>
+      <a:effectRef idx="0">
+        <a:scrgbClr r="0" g="0" b="0"/>
+      </a:effectRef>
+      <a:fontRef idx="minor"/>
+    </dgm:style>
+  </dgm:styleLbl>
+  <dgm:styleLbl name="solidAlignAcc1">
+    <dgm:scene3d>
+      <a:camera prst="orthographicFront"/>
+      <a:lightRig rig="threePt" dir="t"/>
+    </dgm:scene3d>
+    <dgm:sp3d/>
+    <dgm:txPr/>
+    <dgm:style>
+      <a:lnRef idx="2">
+        <a:scrgbClr r="0" g="0" b="0"/>
+      </a:lnRef>
+      <a:fillRef idx="1">
+        <a:scrgbClr r="0" g="0" b="0"/>
+      </a:fillRef>
+      <a:effectRef idx="0">
+        <a:scrgbClr r="0" g="0" b="0"/>
+      </a:effectRef>
+      <a:fontRef idx="minor"/>
+    </dgm:style>
+  </dgm:styleLbl>
+  <dgm:styleLbl name="solidBgAcc1">
+    <dgm:scene3d>
+      <a:camera prst="orthographicFront"/>
+      <a:lightRig rig="threePt" dir="t"/>
+    </dgm:scene3d>
+    <dgm:sp3d/>
+    <dgm:txPr/>
+    <dgm:style>
+      <a:lnRef idx="2">
+        <a:scrgbClr r="0" g="0" b="0"/>
+      </a:lnRef>
+      <a:fillRef idx="1">
+        <a:scrgbClr r="0" g="0" b="0"/>
+      </a:fillRef>
+      <a:effectRef idx="0">
+        <a:scrgbClr r="0" g="0" b="0"/>
+      </a:effectRef>
+      <a:fontRef idx="minor"/>
+    </dgm:style>
+  </dgm:styleLbl>
+  <dgm:styleLbl name="fgAccFollowNode1">
+    <dgm:scene3d>
+      <a:camera prst="orthographicFront"/>
+      <a:lightRig rig="threePt" dir="t"/>
+    </dgm:scene3d>
+    <dgm:sp3d/>
+    <dgm:txPr/>
+    <dgm:style>
+      <a:lnRef idx="2">
+        <a:scrgbClr r="0" g="0" b="0"/>
+      </a:lnRef>
+      <a:fillRef idx="1">
+        <a:scrgbClr r="0" g="0" b="0"/>
+      </a:fillRef>
+      <a:effectRef idx="0">
+        <a:scrgbClr r="0" g="0" b="0"/>
+      </a:effectRef>
+      <a:fontRef idx="minor"/>
+    </dgm:style>
+  </dgm:styleLbl>
+  <dgm:styleLbl name="alignAccFollowNode1">
+    <dgm:scene3d>
+      <a:camera prst="orthographicFront"/>
+      <a:lightRig rig="threePt" dir="t"/>
+    </dgm:scene3d>
+    <dgm:sp3d/>
+    <dgm:txPr/>
+    <dgm:style>
+      <a:lnRef idx="2">
+        <a:scrgbClr r="0" g="0" b="0"/>
+      </a:lnRef>
+      <a:fillRef idx="1">
+        <a:scrgbClr r="0" g="0" b="0"/>
+      </a:fillRef>
+      <a:effectRef idx="0">
+        <a:scrgbClr r="0" g="0" b="0"/>
+      </a:effectRef>
+      <a:fontRef idx="minor"/>
+    </dgm:style>
+  </dgm:styleLbl>
+  <dgm:styleLbl name="bgAccFollowNode1">
+    <dgm:scene3d>
+      <a:camera prst="orthographicFront"/>
+      <a:lightRig rig="threePt" dir="t"/>
+    </dgm:scene3d>
+    <dgm:sp3d/>
+    <dgm:txPr/>
+    <dgm:style>
+      <a:lnRef idx="2">
+        <a:scrgbClr r="0" g="0" b="0"/>
+      </a:lnRef>
+      <a:fillRef idx="1">
+        <a:scrgbClr r="0" g="0" b="0"/>
+      </a:fillRef>
+      <a:effectRef idx="0">
+        <a:scrgbClr r="0" g="0" b="0"/>
+      </a:effectRef>
+      <a:fontRef idx="minor"/>
+    </dgm:style>
+  </dgm:styleLbl>
+  <dgm:styleLbl name="fgAcc0">
+    <dgm:scene3d>
+      <a:camera prst="orthographicFront"/>
+      <a:lightRig rig="threePt" dir="t"/>
+    </dgm:scene3d>
+    <dgm:sp3d/>
+    <dgm:txPr/>
+    <dgm:style>
+      <a:lnRef idx="2">
+        <a:scrgbClr r="0" g="0" b="0"/>
+      </a:lnRef>
+      <a:fillRef idx="1">
+        <a:scrgbClr r="0" g="0" b="0"/>
+      </a:fillRef>
+      <a:effectRef idx="0">
+        <a:scrgbClr r="0" g="0" b="0"/>
+      </a:effectRef>
+      <a:fontRef idx="minor"/>
+    </dgm:style>
+  </dgm:styleLbl>
+  <dgm:styleLbl name="fgAcc2">
+    <dgm:scene3d>
+      <a:camera prst="orthographicFront"/>
+      <a:lightRig rig="threePt" dir="t"/>
+    </dgm:scene3d>
+    <dgm:sp3d/>
+    <dgm:txPr/>
+    <dgm:style>
+      <a:lnRef idx="2">
+        <a:scrgbClr r="0" g="0" b="0"/>
+      </a:lnRef>
+      <a:fillRef idx="1">
+        <a:scrgbClr r="0" g="0" b="0"/>
+      </a:fillRef>
+      <a:effectRef idx="0">
+        <a:scrgbClr r="0" g="0" b="0"/>
+      </a:effectRef>
+      <a:fontRef idx="minor"/>
+    </dgm:style>
+  </dgm:styleLbl>
+  <dgm:styleLbl name="fgAcc3">
+    <dgm:scene3d>
+      <a:camera prst="orthographicFront"/>
+      <a:lightRig rig="threePt" dir="t"/>
+    </dgm:scene3d>
+    <dgm:sp3d/>
+    <dgm:txPr/>
+    <dgm:style>
+      <a:lnRef idx="2">
+        <a:scrgbClr r="0" g="0" b="0"/>
+      </a:lnRef>
+      <a:fillRef idx="1">
+        <a:scrgbClr r="0" g="0" b="0"/>
+      </a:fillRef>
+      <a:effectRef idx="0">
+        <a:scrgbClr r="0" g="0" b="0"/>
+      </a:effectRef>
+      <a:fontRef idx="minor"/>
+    </dgm:style>
+  </dgm:styleLbl>
+  <dgm:styleLbl name="fgAcc4">
+    <dgm:scene3d>
+      <a:camera prst="orthographicFront"/>
+      <a:lightRig rig="threePt" dir="t"/>
+    </dgm:scene3d>
+    <dgm:sp3d/>
+    <dgm:txPr/>
+    <dgm:style>
+      <a:lnRef idx="2">
+        <a:scrgbClr r="0" g="0" b="0"/>
+      </a:lnRef>
+      <a:fillRef idx="1">
+        <a:scrgbClr r="0" g="0" b="0"/>
+      </a:fillRef>
+      <a:effectRef idx="0">
+        <a:scrgbClr r="0" g="0" b="0"/>
+      </a:effectRef>
+      <a:fontRef idx="minor"/>
+    </dgm:style>
+  </dgm:styleLbl>
+  <dgm:styleLbl name="bgShp">
+    <dgm:scene3d>
+      <a:camera prst="orthographicFront"/>
+      <a:lightRig rig="threePt" dir="t"/>
+    </dgm:scene3d>
+    <dgm:sp3d/>
+    <dgm:txPr/>
+    <dgm:style>
+      <a:lnRef idx="0">
+        <a:scrgbClr r="0" g="0" b="0"/>
+      </a:lnRef>
+      <a:fillRef idx="1">
+        <a:scrgbClr r="0" g="0" b="0"/>
+      </a:fillRef>
+      <a:effectRef idx="0">
+        <a:scrgbClr r="0" g="0" b="0"/>
+      </a:effectRef>
+      <a:fontRef idx="minor"/>
+    </dgm:style>
+  </dgm:styleLbl>
+  <dgm:styleLbl name="dkBgShp">
+    <dgm:scene3d>
+      <a:camera prst="orthographicFront"/>
+      <a:lightRig rig="threePt" dir="t"/>
+    </dgm:scene3d>
+    <dgm:sp3d/>
+    <dgm:txPr/>
+    <dgm:style>
+      <a:lnRef idx="0">
+        <a:scrgbClr r="0" g="0" b="0"/>
+      </a:lnRef>
+      <a:fillRef idx="1">
+        <a:scrgbClr r="0" g="0" b="0"/>
+      </a:fillRef>
+      <a:effectRef idx="0">
+        <a:scrgbClr r="0" g="0" b="0"/>
+      </a:effectRef>
+      <a:fontRef idx="minor"/>
+    </dgm:style>
+  </dgm:styleLbl>
+  <dgm:styleLbl name="trBgShp">
+    <dgm:scene3d>
+      <a:camera prst="orthographicFront"/>
+      <a:lightRig rig="threePt" dir="t"/>
+    </dgm:scene3d>
+    <dgm:sp3d/>
+    <dgm:txPr/>
+    <dgm:style>
+      <a:lnRef idx="0">
+        <a:scrgbClr r="0" g="0" b="0"/>
+      </a:lnRef>
+      <a:fillRef idx="1">
+        <a:scrgbClr r="0" g="0" b="0"/>
+      </a:fillRef>
+      <a:effectRef idx="0">
+        <a:scrgbClr r="0" g="0" b="0"/>
+      </a:effectRef>
+      <a:fontRef idx="minor"/>
+    </dgm:style>
+  </dgm:styleLbl>
+  <dgm:styleLbl name="fgShp">
+    <dgm:scene3d>
+      <a:camera prst="orthographicFront"/>
+      <a:lightRig rig="threePt" dir="t"/>
+    </dgm:scene3d>
+    <dgm:sp3d/>
+    <dgm:txPr/>
+    <dgm:style>
+      <a:lnRef idx="2">
+        <a:scrgbClr r="0" g="0" b="0"/>
+      </a:lnRef>
+      <a:fillRef idx="1">
+        <a:scrgbClr r="0" g="0" b="0"/>
+      </a:fillRef>
+      <a:effectRef idx="0">
+        <a:scrgbClr r="0" g="0" b="0"/>
+      </a:effectRef>
+      <a:fontRef idx="minor"/>
+    </dgm:style>
+  </dgm:styleLbl>
+  <dgm:styleLbl name="revTx">
+    <dgm:scene3d>
+      <a:camera prst="orthographicFront"/>
+      <a:lightRig rig="threePt" dir="t"/>
+    </dgm:scene3d>
+    <dgm:sp3d/>
+    <dgm:txPr/>
+    <dgm:style>
+      <a:lnRef idx="0">
+        <a:scrgbClr r="0" g="0" b="0"/>
+      </a:lnRef>
+      <a:fillRef idx="0">
+        <a:scrgbClr r="0" g="0" b="0"/>
+      </a:fillRef>
+      <a:effectRef idx="0">
+        <a:scrgbClr r="0" g="0" b="0"/>
+      </a:effectRef>
+      <a:fontRef idx="minor"/>
+    </dgm:style>
+  </dgm:styleLbl>
+</dgm:styleDef>
+</file>
+
 <file path=ppt/slideLayouts/slideLayout1.xml><?xml version="1.0" encoding="utf-8"?>
 <p:sldLayout xmlns:a="http://schemas.openxmlformats.org/drawingml/2006/main" xmlns:r="http://schemas.openxmlformats.org/officeDocument/2006/relationships" xmlns:p="http://schemas.openxmlformats.org/presentationml/2006/main" type="title" preserve="1">
   <p:cSld name="Title Slide">
@@ -797,10 +3908,10 @@
           <a:lstStyle/>
           <a:p>
             <a:r>
-              <a:rPr lang="en-US" altLang="zh-CN"/>
+              <a:rPr lang="en-US" altLang="zh-CN" dirty="0"/>
               <a:t>Click to edit Master title style</a:t>
             </a:r>
-            <a:endParaRPr lang="zh-CN" altLang="en-US"/>
+            <a:endParaRPr lang="zh-CN" altLang="en-US" dirty="0"/>
           </a:p>
         </p:txBody>
       </p:sp>
@@ -5928,183 +9039,6 @@
       </p:grpSpPr>
       <p:sp>
         <p:nvSpPr>
-          <p:cNvPr id="5" name="Rectangle 4">
-            <a:extLst>
-              <a:ext uri="{FF2B5EF4-FFF2-40B4-BE49-F238E27FC236}">
-                <a16:creationId xmlns:a16="http://schemas.microsoft.com/office/drawing/2014/main" id="{ADCBF45B-0CD8-4EA2-B4EF-6AEE98824202}"/>
-              </a:ext>
-            </a:extLst>
-          </p:cNvPr>
-          <p:cNvSpPr/>
-          <p:nvPr/>
-        </p:nvSpPr>
-        <p:spPr>
-          <a:xfrm>
-            <a:off x="234182" y="1674588"/>
-            <a:ext cx="1915885" cy="1250302"/>
-          </a:xfrm>
-          <a:prstGeom prst="rect">
-            <a:avLst/>
-          </a:prstGeom>
-          <a:solidFill>
-            <a:schemeClr val="accent6">
-              <a:lumMod val="40000"/>
-              <a:lumOff val="60000"/>
-            </a:schemeClr>
-          </a:solidFill>
-          <a:ln>
-            <a:solidFill>
-              <a:schemeClr val="accent6">
-                <a:lumMod val="50000"/>
-              </a:schemeClr>
-            </a:solidFill>
-          </a:ln>
-        </p:spPr>
-        <p:style>
-          <a:lnRef idx="2">
-            <a:schemeClr val="accent1">
-              <a:shade val="50000"/>
-            </a:schemeClr>
-          </a:lnRef>
-          <a:fillRef idx="1">
-            <a:schemeClr val="accent1"/>
-          </a:fillRef>
-          <a:effectRef idx="0">
-            <a:schemeClr val="accent1"/>
-          </a:effectRef>
-          <a:fontRef idx="minor">
-            <a:schemeClr val="lt1"/>
-          </a:fontRef>
-        </p:style>
-        <p:txBody>
-          <a:bodyPr rtlCol="0" anchor="ctr"/>
-          <a:lstStyle/>
-          <a:p>
-            <a:pPr algn="ctr"/>
-            <a:endParaRPr lang="zh-CN" altLang="en-US"/>
-          </a:p>
-        </p:txBody>
-      </p:sp>
-      <p:sp>
-        <p:nvSpPr>
-          <p:cNvPr id="6" name="Rectangle 5">
-            <a:extLst>
-              <a:ext uri="{FF2B5EF4-FFF2-40B4-BE49-F238E27FC236}">
-                <a16:creationId xmlns:a16="http://schemas.microsoft.com/office/drawing/2014/main" id="{BFB22DF9-03D7-4665-A428-303F7AB8AF7D}"/>
-              </a:ext>
-            </a:extLst>
-          </p:cNvPr>
-          <p:cNvSpPr/>
-          <p:nvPr/>
-        </p:nvSpPr>
-        <p:spPr>
-          <a:xfrm>
-            <a:off x="234181" y="3121840"/>
-            <a:ext cx="1915885" cy="1250302"/>
-          </a:xfrm>
-          <a:prstGeom prst="rect">
-            <a:avLst/>
-          </a:prstGeom>
-          <a:solidFill>
-            <a:schemeClr val="accent6">
-              <a:lumMod val="40000"/>
-              <a:lumOff val="60000"/>
-            </a:schemeClr>
-          </a:solidFill>
-          <a:ln>
-            <a:solidFill>
-              <a:schemeClr val="accent6">
-                <a:lumMod val="50000"/>
-              </a:schemeClr>
-            </a:solidFill>
-          </a:ln>
-        </p:spPr>
-        <p:style>
-          <a:lnRef idx="2">
-            <a:schemeClr val="accent1">
-              <a:shade val="50000"/>
-            </a:schemeClr>
-          </a:lnRef>
-          <a:fillRef idx="1">
-            <a:schemeClr val="accent1"/>
-          </a:fillRef>
-          <a:effectRef idx="0">
-            <a:schemeClr val="accent1"/>
-          </a:effectRef>
-          <a:fontRef idx="minor">
-            <a:schemeClr val="lt1"/>
-          </a:fontRef>
-        </p:style>
-        <p:txBody>
-          <a:bodyPr rtlCol="0" anchor="ctr"/>
-          <a:lstStyle/>
-          <a:p>
-            <a:pPr algn="ctr"/>
-            <a:endParaRPr lang="zh-CN" altLang="en-US"/>
-          </a:p>
-        </p:txBody>
-      </p:sp>
-      <p:sp>
-        <p:nvSpPr>
-          <p:cNvPr id="7" name="Rectangle 6">
-            <a:extLst>
-              <a:ext uri="{FF2B5EF4-FFF2-40B4-BE49-F238E27FC236}">
-                <a16:creationId xmlns:a16="http://schemas.microsoft.com/office/drawing/2014/main" id="{5E8E8C7C-E7AC-488E-83FC-9422DA352C65}"/>
-              </a:ext>
-            </a:extLst>
-          </p:cNvPr>
-          <p:cNvSpPr/>
-          <p:nvPr/>
-        </p:nvSpPr>
-        <p:spPr>
-          <a:xfrm>
-            <a:off x="234180" y="4569092"/>
-            <a:ext cx="1915885" cy="1250302"/>
-          </a:xfrm>
-          <a:prstGeom prst="rect">
-            <a:avLst/>
-          </a:prstGeom>
-          <a:solidFill>
-            <a:schemeClr val="accent6">
-              <a:lumMod val="40000"/>
-              <a:lumOff val="60000"/>
-            </a:schemeClr>
-          </a:solidFill>
-          <a:ln>
-            <a:solidFill>
-              <a:schemeClr val="accent6">
-                <a:lumMod val="50000"/>
-              </a:schemeClr>
-            </a:solidFill>
-          </a:ln>
-        </p:spPr>
-        <p:style>
-          <a:lnRef idx="2">
-            <a:schemeClr val="accent1">
-              <a:shade val="50000"/>
-            </a:schemeClr>
-          </a:lnRef>
-          <a:fillRef idx="1">
-            <a:schemeClr val="accent1"/>
-          </a:fillRef>
-          <a:effectRef idx="0">
-            <a:schemeClr val="accent1"/>
-          </a:effectRef>
-          <a:fontRef idx="minor">
-            <a:schemeClr val="lt1"/>
-          </a:fontRef>
-        </p:style>
-        <p:txBody>
-          <a:bodyPr rtlCol="0" anchor="ctr"/>
-          <a:lstStyle/>
-          <a:p>
-            <a:pPr algn="ctr"/>
-            <a:endParaRPr lang="zh-CN" altLang="en-US"/>
-          </a:p>
-        </p:txBody>
-      </p:sp>
-      <p:sp>
-        <p:nvSpPr>
           <p:cNvPr id="8" name="Rectangle 7">
             <a:extLst>
               <a:ext uri="{FF2B5EF4-FFF2-40B4-BE49-F238E27FC236}">
@@ -6124,10 +9058,7 @@
             <a:avLst/>
           </a:prstGeom>
           <a:solidFill>
-            <a:schemeClr val="accent2">
-              <a:lumMod val="40000"/>
-              <a:lumOff val="60000"/>
-            </a:schemeClr>
+            <a:srgbClr val="FFFFCC"/>
           </a:solidFill>
           <a:ln>
             <a:solidFill>
@@ -6183,10 +9114,7 @@
             <a:avLst/>
           </a:prstGeom>
           <a:solidFill>
-            <a:schemeClr val="accent2">
-              <a:lumMod val="40000"/>
-              <a:lumOff val="60000"/>
-            </a:schemeClr>
+            <a:srgbClr val="FFFFCC"/>
           </a:solidFill>
           <a:ln>
             <a:solidFill>
@@ -6242,10 +9170,7 @@
             <a:avLst/>
           </a:prstGeom>
           <a:solidFill>
-            <a:schemeClr val="accent2">
-              <a:lumMod val="40000"/>
-              <a:lumOff val="60000"/>
-            </a:schemeClr>
+            <a:srgbClr val="FFFFCC"/>
           </a:solidFill>
           <a:ln>
             <a:solidFill>
@@ -6301,10 +9226,7 @@
             <a:avLst/>
           </a:prstGeom>
           <a:solidFill>
-            <a:schemeClr val="accent2">
-              <a:lumMod val="40000"/>
-              <a:lumOff val="60000"/>
-            </a:schemeClr>
+            <a:srgbClr val="FFFFCC"/>
           </a:solidFill>
           <a:ln>
             <a:solidFill>
@@ -6360,10 +9282,7 @@
             <a:avLst/>
           </a:prstGeom>
           <a:solidFill>
-            <a:schemeClr val="accent2">
-              <a:lumMod val="40000"/>
-              <a:lumOff val="60000"/>
-            </a:schemeClr>
+            <a:srgbClr val="FFFFCC"/>
           </a:solidFill>
           <a:ln>
             <a:solidFill>
@@ -6419,7 +9338,10 @@
             <a:avLst/>
           </a:prstGeom>
           <a:solidFill>
-            <a:srgbClr val="FDCCBF"/>
+            <a:schemeClr val="accent2">
+              <a:lumMod val="20000"/>
+              <a:lumOff val="80000"/>
+            </a:schemeClr>
           </a:solidFill>
           <a:ln>
             <a:solidFill>
@@ -6473,7 +9395,10 @@
             <a:avLst/>
           </a:prstGeom>
           <a:solidFill>
-            <a:srgbClr val="FDCCBF"/>
+            <a:schemeClr val="accent2">
+              <a:lumMod val="20000"/>
+              <a:lumOff val="80000"/>
+            </a:schemeClr>
           </a:solidFill>
           <a:ln>
             <a:solidFill>
@@ -6527,7 +9452,7 @@
             <a:avLst/>
           </a:prstGeom>
           <a:solidFill>
-            <a:srgbClr val="EDB3FF"/>
+            <a:srgbClr val="F5D5FF"/>
           </a:solidFill>
           <a:ln>
             <a:solidFill>
@@ -6581,7 +9506,7 @@
             <a:avLst/>
           </a:prstGeom>
           <a:solidFill>
-            <a:srgbClr val="EDB3FF"/>
+            <a:srgbClr val="F5D5FF"/>
           </a:solidFill>
           <a:ln>
             <a:solidFill>
@@ -6635,7 +9560,7 @@
             <a:avLst/>
           </a:prstGeom>
           <a:solidFill>
-            <a:srgbClr val="EDB3FF"/>
+            <a:srgbClr val="F5D5FF"/>
           </a:solidFill>
           <a:ln>
             <a:solidFill>
@@ -6689,7 +9614,7 @@
             <a:avLst/>
           </a:prstGeom>
           <a:solidFill>
-            <a:srgbClr val="EDB3FF"/>
+            <a:srgbClr val="F5D5FF"/>
           </a:solidFill>
           <a:ln>
             <a:solidFill>
@@ -6743,7 +9668,7 @@
             <a:avLst/>
           </a:prstGeom>
           <a:solidFill>
-            <a:srgbClr val="EDB3FF"/>
+            <a:srgbClr val="F5D5FF"/>
           </a:solidFill>
           <a:ln>
             <a:solidFill>
@@ -6778,10 +9703,10 @@
       </p:sp>
       <p:grpSp>
         <p:nvGrpSpPr>
-          <p:cNvPr id="22" name="Group 21">
-            <a:extLst>
-              <a:ext uri="{FF2B5EF4-FFF2-40B4-BE49-F238E27FC236}">
-                <a16:creationId xmlns:a16="http://schemas.microsoft.com/office/drawing/2014/main" id="{9884AA87-5267-46DE-8A91-6515E763DD34}"/>
+          <p:cNvPr id="29" name="Group 28">
+            <a:extLst>
+              <a:ext uri="{FF2B5EF4-FFF2-40B4-BE49-F238E27FC236}">
+                <a16:creationId xmlns:a16="http://schemas.microsoft.com/office/drawing/2014/main" id="{E12BF023-8EF8-4DBA-89B0-EAB8B107C4CE}"/>
               </a:ext>
             </a:extLst>
           </p:cNvPr>
@@ -6817,10 +9742,7 @@
               <a:avLst/>
             </a:prstGeom>
             <a:solidFill>
-              <a:schemeClr val="accent6">
-                <a:lumMod val="40000"/>
-                <a:lumOff val="60000"/>
-              </a:schemeClr>
+              <a:srgbClr val="CCFFFF"/>
             </a:solidFill>
             <a:ln>
               <a:solidFill>
@@ -6909,6 +9831,407 @@
             <a:xfrm>
               <a:off x="869389" y="480060"/>
               <a:ext cx="1280675" cy="997578"/>
+            </a:xfrm>
+            <a:prstGeom prst="rect">
+              <a:avLst/>
+            </a:prstGeom>
+          </p:spPr>
+        </p:pic>
+      </p:grpSp>
+      <p:grpSp>
+        <p:nvGrpSpPr>
+          <p:cNvPr id="33" name="Group 32">
+            <a:extLst>
+              <a:ext uri="{FF2B5EF4-FFF2-40B4-BE49-F238E27FC236}">
+                <a16:creationId xmlns:a16="http://schemas.microsoft.com/office/drawing/2014/main" id="{3FDF8339-CEA5-4E9B-ABAC-8E7A16AA39AB}"/>
+              </a:ext>
+            </a:extLst>
+          </p:cNvPr>
+          <p:cNvGrpSpPr/>
+          <p:nvPr/>
+        </p:nvGrpSpPr>
+        <p:grpSpPr>
+          <a:xfrm>
+            <a:off x="234180" y="1682316"/>
+            <a:ext cx="1915885" cy="1250302"/>
+            <a:chOff x="251866" y="1682316"/>
+            <a:chExt cx="1915885" cy="1250302"/>
+          </a:xfrm>
+        </p:grpSpPr>
+        <p:sp>
+          <p:nvSpPr>
+            <p:cNvPr id="5" name="Rectangle 4">
+              <a:extLst>
+                <a:ext uri="{FF2B5EF4-FFF2-40B4-BE49-F238E27FC236}">
+                  <a16:creationId xmlns:a16="http://schemas.microsoft.com/office/drawing/2014/main" id="{ADCBF45B-0CD8-4EA2-B4EF-6AEE98824202}"/>
+                </a:ext>
+              </a:extLst>
+            </p:cNvPr>
+            <p:cNvSpPr/>
+            <p:nvPr/>
+          </p:nvSpPr>
+          <p:spPr>
+            <a:xfrm>
+              <a:off x="251866" y="1682316"/>
+              <a:ext cx="1915885" cy="1250302"/>
+            </a:xfrm>
+            <a:prstGeom prst="rect">
+              <a:avLst/>
+            </a:prstGeom>
+            <a:solidFill>
+              <a:srgbClr val="CCFFFF"/>
+            </a:solidFill>
+            <a:ln>
+              <a:solidFill>
+                <a:schemeClr val="accent6">
+                  <a:lumMod val="50000"/>
+                </a:schemeClr>
+              </a:solidFill>
+            </a:ln>
+          </p:spPr>
+          <p:style>
+            <a:lnRef idx="2">
+              <a:schemeClr val="accent1">
+                <a:shade val="50000"/>
+              </a:schemeClr>
+            </a:lnRef>
+            <a:fillRef idx="1">
+              <a:schemeClr val="accent1"/>
+            </a:fillRef>
+            <a:effectRef idx="0">
+              <a:schemeClr val="accent1"/>
+            </a:effectRef>
+            <a:fontRef idx="minor">
+              <a:schemeClr val="lt1"/>
+            </a:fontRef>
+          </p:style>
+          <p:txBody>
+            <a:bodyPr rtlCol="0" anchor="ctr"/>
+            <a:lstStyle/>
+            <a:p>
+              <a:pPr algn="ctr"/>
+              <a:endParaRPr lang="zh-CN" altLang="en-US" dirty="0"/>
+            </a:p>
+          </p:txBody>
+        </p:sp>
+        <p:graphicFrame>
+          <p:nvGraphicFramePr>
+            <p:cNvPr id="32" name="Diagram 31">
+              <a:extLst>
+                <a:ext uri="{FF2B5EF4-FFF2-40B4-BE49-F238E27FC236}">
+                  <a16:creationId xmlns:a16="http://schemas.microsoft.com/office/drawing/2014/main" id="{29026A66-6D6C-497D-BB00-CDAC2E5803C7}"/>
+                </a:ext>
+              </a:extLst>
+            </p:cNvPr>
+            <p:cNvGraphicFramePr/>
+            <p:nvPr>
+              <p:extLst>
+                <p:ext uri="{D42A27DB-BD31-4B8C-83A1-F6EECF244321}">
+                  <p14:modId xmlns:p14="http://schemas.microsoft.com/office/powerpoint/2010/main" val="3667542526"/>
+                </p:ext>
+              </p:extLst>
+            </p:nvPr>
+          </p:nvGraphicFramePr>
+          <p:xfrm>
+            <a:off x="576648" y="1761994"/>
+            <a:ext cx="1171406" cy="1170624"/>
+          </p:xfrm>
+          <a:graphic>
+            <a:graphicData uri="http://schemas.openxmlformats.org/drawingml/2006/diagram">
+              <dgm:relIds xmlns:dgm="http://schemas.openxmlformats.org/drawingml/2006/diagram" xmlns:r="http://schemas.openxmlformats.org/officeDocument/2006/relationships" r:dm="rId4" r:lo="rId5" r:qs="rId6" r:cs="rId7"/>
+            </a:graphicData>
+          </a:graphic>
+        </p:graphicFrame>
+      </p:grpSp>
+      <p:grpSp>
+        <p:nvGrpSpPr>
+          <p:cNvPr id="35" name="Group 34">
+            <a:extLst>
+              <a:ext uri="{FF2B5EF4-FFF2-40B4-BE49-F238E27FC236}">
+                <a16:creationId xmlns:a16="http://schemas.microsoft.com/office/drawing/2014/main" id="{B4010C46-0D4E-4C06-AA49-E85A4C7C9A84}"/>
+              </a:ext>
+            </a:extLst>
+          </p:cNvPr>
+          <p:cNvGrpSpPr/>
+          <p:nvPr/>
+        </p:nvGrpSpPr>
+        <p:grpSpPr>
+          <a:xfrm>
+            <a:off x="234181" y="3121840"/>
+            <a:ext cx="1951884" cy="1250302"/>
+            <a:chOff x="234181" y="3121840"/>
+            <a:chExt cx="1951884" cy="1250302"/>
+          </a:xfrm>
+        </p:grpSpPr>
+        <p:sp>
+          <p:nvSpPr>
+            <p:cNvPr id="6" name="Rectangle 5">
+              <a:extLst>
+                <a:ext uri="{FF2B5EF4-FFF2-40B4-BE49-F238E27FC236}">
+                  <a16:creationId xmlns:a16="http://schemas.microsoft.com/office/drawing/2014/main" id="{BFB22DF9-03D7-4665-A428-303F7AB8AF7D}"/>
+                </a:ext>
+              </a:extLst>
+            </p:cNvPr>
+            <p:cNvSpPr/>
+            <p:nvPr/>
+          </p:nvSpPr>
+          <p:spPr>
+            <a:xfrm>
+              <a:off x="234181" y="3121840"/>
+              <a:ext cx="1915885" cy="1250302"/>
+            </a:xfrm>
+            <a:prstGeom prst="rect">
+              <a:avLst/>
+            </a:prstGeom>
+            <a:solidFill>
+              <a:srgbClr val="CCFFFF"/>
+            </a:solidFill>
+            <a:ln>
+              <a:solidFill>
+                <a:schemeClr val="accent6">
+                  <a:lumMod val="50000"/>
+                </a:schemeClr>
+              </a:solidFill>
+            </a:ln>
+          </p:spPr>
+          <p:style>
+            <a:lnRef idx="2">
+              <a:schemeClr val="accent1">
+                <a:shade val="50000"/>
+              </a:schemeClr>
+            </a:lnRef>
+            <a:fillRef idx="1">
+              <a:schemeClr val="accent1"/>
+            </a:fillRef>
+            <a:effectRef idx="0">
+              <a:schemeClr val="accent1"/>
+            </a:effectRef>
+            <a:fontRef idx="minor">
+              <a:schemeClr val="lt1"/>
+            </a:fontRef>
+          </p:style>
+          <p:txBody>
+            <a:bodyPr rtlCol="0" anchor="ctr"/>
+            <a:lstStyle/>
+            <a:p>
+              <a:pPr algn="ctr"/>
+              <a:endParaRPr lang="zh-CN" altLang="en-US" dirty="0"/>
+            </a:p>
+          </p:txBody>
+        </p:sp>
+        <p:sp>
+          <p:nvSpPr>
+            <p:cNvPr id="34" name="TextBox 33">
+              <a:extLst>
+                <a:ext uri="{FF2B5EF4-FFF2-40B4-BE49-F238E27FC236}">
+                  <a16:creationId xmlns:a16="http://schemas.microsoft.com/office/drawing/2014/main" id="{6FF0C7B6-4237-4317-8F92-D9CFC69ED032}"/>
+                </a:ext>
+              </a:extLst>
+            </p:cNvPr>
+            <p:cNvSpPr txBox="1"/>
+            <p:nvPr/>
+          </p:nvSpPr>
+          <p:spPr>
+            <a:xfrm>
+              <a:off x="252495" y="3427689"/>
+              <a:ext cx="1933570" cy="646331"/>
+            </a:xfrm>
+            <a:prstGeom prst="rect">
+              <a:avLst/>
+            </a:prstGeom>
+            <a:noFill/>
+          </p:spPr>
+          <p:txBody>
+            <a:bodyPr wrap="square" rtlCol="0">
+              <a:spAutoFit/>
+            </a:bodyPr>
+            <a:lstStyle/>
+            <a:p>
+              <a:r>
+                <a:rPr lang="en-US" altLang="zh-CN" sz="3600" b="1" dirty="0"/>
+                <a:t>#</a:t>
+              </a:r>
+              <a:r>
+                <a:rPr lang="en-US" altLang="zh-CN" sz="3600" b="1" dirty="0">
+                  <a:solidFill>
+                    <a:srgbClr val="FF0000"/>
+                  </a:solidFill>
+                </a:rPr>
+                <a:t>FF</a:t>
+              </a:r>
+              <a:r>
+                <a:rPr lang="en-US" altLang="zh-CN" sz="3600" b="1" dirty="0">
+                  <a:solidFill>
+                    <a:srgbClr val="00B050"/>
+                  </a:solidFill>
+                </a:rPr>
+                <a:t>FF</a:t>
+              </a:r>
+              <a:r>
+                <a:rPr lang="en-US" altLang="zh-CN" sz="3600" b="1" dirty="0">
+                  <a:solidFill>
+                    <a:schemeClr val="accent1"/>
+                  </a:solidFill>
+                </a:rPr>
+                <a:t>FF</a:t>
+              </a:r>
+              <a:endParaRPr lang="zh-CN" altLang="en-US" sz="3600" b="1" dirty="0">
+                <a:solidFill>
+                  <a:schemeClr val="accent1"/>
+                </a:solidFill>
+              </a:endParaRPr>
+            </a:p>
+          </p:txBody>
+        </p:sp>
+      </p:grpSp>
+      <p:grpSp>
+        <p:nvGrpSpPr>
+          <p:cNvPr id="39" name="Group 38">
+            <a:extLst>
+              <a:ext uri="{FF2B5EF4-FFF2-40B4-BE49-F238E27FC236}">
+                <a16:creationId xmlns:a16="http://schemas.microsoft.com/office/drawing/2014/main" id="{CD460F1E-D1E5-4B6E-B7F8-DEB04E3F9031}"/>
+              </a:ext>
+            </a:extLst>
+          </p:cNvPr>
+          <p:cNvGrpSpPr/>
+          <p:nvPr/>
+        </p:nvGrpSpPr>
+        <p:grpSpPr>
+          <a:xfrm>
+            <a:off x="203968" y="4569092"/>
+            <a:ext cx="2011680" cy="1250302"/>
+            <a:chOff x="203968" y="4569092"/>
+            <a:chExt cx="2011680" cy="1250302"/>
+          </a:xfrm>
+        </p:grpSpPr>
+        <p:sp>
+          <p:nvSpPr>
+            <p:cNvPr id="7" name="Rectangle 6">
+              <a:extLst>
+                <a:ext uri="{FF2B5EF4-FFF2-40B4-BE49-F238E27FC236}">
+                  <a16:creationId xmlns:a16="http://schemas.microsoft.com/office/drawing/2014/main" id="{5E8E8C7C-E7AC-488E-83FC-9422DA352C65}"/>
+                </a:ext>
+              </a:extLst>
+            </p:cNvPr>
+            <p:cNvSpPr/>
+            <p:nvPr/>
+          </p:nvSpPr>
+          <p:spPr>
+            <a:xfrm>
+              <a:off x="234180" y="4569092"/>
+              <a:ext cx="1915885" cy="1250302"/>
+            </a:xfrm>
+            <a:prstGeom prst="rect">
+              <a:avLst/>
+            </a:prstGeom>
+            <a:solidFill>
+              <a:srgbClr val="CCFFFF"/>
+            </a:solidFill>
+            <a:ln>
+              <a:solidFill>
+                <a:schemeClr val="accent6">
+                  <a:lumMod val="50000"/>
+                </a:schemeClr>
+              </a:solidFill>
+            </a:ln>
+          </p:spPr>
+          <p:style>
+            <a:lnRef idx="2">
+              <a:schemeClr val="accent1">
+                <a:shade val="50000"/>
+              </a:schemeClr>
+            </a:lnRef>
+            <a:fillRef idx="1">
+              <a:schemeClr val="accent1"/>
+            </a:fillRef>
+            <a:effectRef idx="0">
+              <a:schemeClr val="accent1"/>
+            </a:effectRef>
+            <a:fontRef idx="minor">
+              <a:schemeClr val="lt1"/>
+            </a:fontRef>
+          </p:style>
+          <p:txBody>
+            <a:bodyPr rtlCol="0" anchor="ctr"/>
+            <a:lstStyle/>
+            <a:p>
+              <a:pPr algn="ctr"/>
+              <a:endParaRPr lang="zh-CN" altLang="en-US"/>
+            </a:p>
+          </p:txBody>
+        </p:sp>
+        <p:sp>
+          <p:nvSpPr>
+            <p:cNvPr id="36" name="TextBox 35">
+              <a:extLst>
+                <a:ext uri="{FF2B5EF4-FFF2-40B4-BE49-F238E27FC236}">
+                  <a16:creationId xmlns:a16="http://schemas.microsoft.com/office/drawing/2014/main" id="{0CD85F88-B2D2-4606-94AD-5176A4ABD888}"/>
+                </a:ext>
+              </a:extLst>
+            </p:cNvPr>
+            <p:cNvSpPr txBox="1"/>
+            <p:nvPr/>
+          </p:nvSpPr>
+          <p:spPr>
+            <a:xfrm>
+              <a:off x="203968" y="4576820"/>
+              <a:ext cx="2011680" cy="738664"/>
+            </a:xfrm>
+            <a:prstGeom prst="rect">
+              <a:avLst/>
+            </a:prstGeom>
+            <a:noFill/>
+          </p:spPr>
+          <p:txBody>
+            <a:bodyPr wrap="square" rtlCol="0">
+              <a:spAutoFit/>
+            </a:bodyPr>
+            <a:lstStyle/>
+            <a:p>
+              <a:r>
+                <a:rPr lang="en-US" altLang="zh-CN" sz="1400" b="1" dirty="0"/>
+                <a:t>class VM {</a:t>
+              </a:r>
+            </a:p>
+            <a:p>
+              <a:r>
+                <a:rPr lang="en-US" altLang="zh-CN" sz="1400" b="1" dirty="0"/>
+                <a:t>    void Submit();</a:t>
+              </a:r>
+            </a:p>
+            <a:p>
+              <a:r>
+                <a:rPr lang="en-US" altLang="zh-CN" sz="1400" b="1" dirty="0"/>
+                <a:t>};</a:t>
+              </a:r>
+              <a:endParaRPr lang="zh-CN" altLang="en-US" sz="1400" b="1" dirty="0"/>
+            </a:p>
+          </p:txBody>
+        </p:sp>
+        <p:pic>
+          <p:nvPicPr>
+            <p:cNvPr id="38" name="Picture 37">
+              <a:extLst>
+                <a:ext uri="{FF2B5EF4-FFF2-40B4-BE49-F238E27FC236}">
+                  <a16:creationId xmlns:a16="http://schemas.microsoft.com/office/drawing/2014/main" id="{F227A1EB-C047-4F1C-A5A2-B0AF338AB22E}"/>
+                </a:ext>
+              </a:extLst>
+            </p:cNvPr>
+            <p:cNvPicPr>
+              <a:picLocks noChangeAspect="1"/>
+            </p:cNvPicPr>
+            <p:nvPr/>
+          </p:nvPicPr>
+          <p:blipFill>
+            <a:blip r:embed="rId9"/>
+            <a:stretch>
+              <a:fillRect/>
+            </a:stretch>
+          </p:blipFill>
+          <p:spPr>
+            <a:xfrm>
+              <a:off x="478893" y="5160444"/>
+              <a:ext cx="1655931" cy="642600"/>
             </a:xfrm>
             <a:prstGeom prst="rect">
               <a:avLst/>

--- a/packages/Dependencies.pptx
+++ b/packages/Dependencies.pptx
@@ -127,6 +127,753 @@
 </file>
 
 <file path=ppt/diagrams/colors1.xml><?xml version="1.0" encoding="utf-8"?>
+<dgm:colorsDef xmlns:dgm="http://schemas.openxmlformats.org/drawingml/2006/diagram" xmlns:a="http://schemas.openxmlformats.org/drawingml/2006/main" uniqueId="urn:microsoft.com/office/officeart/2005/8/colors/accent1_2">
+  <dgm:title val=""/>
+  <dgm:desc val=""/>
+  <dgm:catLst>
+    <dgm:cat type="accent1" pri="11200"/>
+  </dgm:catLst>
+  <dgm:styleLbl name="node0">
+    <dgm:fillClrLst meth="repeat">
+      <a:schemeClr val="accent1"/>
+    </dgm:fillClrLst>
+    <dgm:linClrLst meth="repeat">
+      <a:schemeClr val="lt1"/>
+    </dgm:linClrLst>
+    <dgm:effectClrLst/>
+    <dgm:txLinClrLst/>
+    <dgm:txFillClrLst/>
+    <dgm:txEffectClrLst/>
+  </dgm:styleLbl>
+  <dgm:styleLbl name="alignNode1">
+    <dgm:fillClrLst meth="repeat">
+      <a:schemeClr val="accent1"/>
+    </dgm:fillClrLst>
+    <dgm:linClrLst meth="repeat">
+      <a:schemeClr val="accent1"/>
+    </dgm:linClrLst>
+    <dgm:effectClrLst/>
+    <dgm:txLinClrLst/>
+    <dgm:txFillClrLst/>
+    <dgm:txEffectClrLst/>
+  </dgm:styleLbl>
+  <dgm:styleLbl name="node1">
+    <dgm:fillClrLst meth="repeat">
+      <a:schemeClr val="accent1"/>
+    </dgm:fillClrLst>
+    <dgm:linClrLst meth="repeat">
+      <a:schemeClr val="lt1"/>
+    </dgm:linClrLst>
+    <dgm:effectClrLst/>
+    <dgm:txLinClrLst/>
+    <dgm:txFillClrLst/>
+    <dgm:txEffectClrLst/>
+  </dgm:styleLbl>
+  <dgm:styleLbl name="lnNode1">
+    <dgm:fillClrLst meth="repeat">
+      <a:schemeClr val="accent1"/>
+    </dgm:fillClrLst>
+    <dgm:linClrLst meth="repeat">
+      <a:schemeClr val="lt1"/>
+    </dgm:linClrLst>
+    <dgm:effectClrLst/>
+    <dgm:txLinClrLst/>
+    <dgm:txFillClrLst/>
+    <dgm:txEffectClrLst/>
+  </dgm:styleLbl>
+  <dgm:styleLbl name="vennNode1">
+    <dgm:fillClrLst meth="repeat">
+      <a:schemeClr val="accent1">
+        <a:alpha val="50000"/>
+      </a:schemeClr>
+    </dgm:fillClrLst>
+    <dgm:linClrLst meth="repeat">
+      <a:schemeClr val="lt1"/>
+    </dgm:linClrLst>
+    <dgm:effectClrLst/>
+    <dgm:txLinClrLst/>
+    <dgm:txFillClrLst/>
+    <dgm:txEffectClrLst/>
+  </dgm:styleLbl>
+  <dgm:styleLbl name="node2">
+    <dgm:fillClrLst meth="repeat">
+      <a:schemeClr val="accent1"/>
+    </dgm:fillClrLst>
+    <dgm:linClrLst meth="repeat">
+      <a:schemeClr val="lt1"/>
+    </dgm:linClrLst>
+    <dgm:effectClrLst/>
+    <dgm:txLinClrLst/>
+    <dgm:txFillClrLst/>
+    <dgm:txEffectClrLst/>
+  </dgm:styleLbl>
+  <dgm:styleLbl name="node3">
+    <dgm:fillClrLst meth="repeat">
+      <a:schemeClr val="accent1"/>
+    </dgm:fillClrLst>
+    <dgm:linClrLst meth="repeat">
+      <a:schemeClr val="lt1"/>
+    </dgm:linClrLst>
+    <dgm:effectClrLst/>
+    <dgm:txLinClrLst/>
+    <dgm:txFillClrLst/>
+    <dgm:txEffectClrLst/>
+  </dgm:styleLbl>
+  <dgm:styleLbl name="node4">
+    <dgm:fillClrLst meth="repeat">
+      <a:schemeClr val="accent1"/>
+    </dgm:fillClrLst>
+    <dgm:linClrLst meth="repeat">
+      <a:schemeClr val="lt1"/>
+    </dgm:linClrLst>
+    <dgm:effectClrLst/>
+    <dgm:txLinClrLst/>
+    <dgm:txFillClrLst/>
+    <dgm:txEffectClrLst/>
+  </dgm:styleLbl>
+  <dgm:styleLbl name="fgImgPlace1">
+    <dgm:fillClrLst meth="repeat">
+      <a:schemeClr val="accent1">
+        <a:tint val="50000"/>
+      </a:schemeClr>
+    </dgm:fillClrLst>
+    <dgm:linClrLst meth="repeat">
+      <a:schemeClr val="lt1"/>
+    </dgm:linClrLst>
+    <dgm:effectClrLst/>
+    <dgm:txLinClrLst/>
+    <dgm:txFillClrLst meth="repeat">
+      <a:schemeClr val="lt1"/>
+    </dgm:txFillClrLst>
+    <dgm:txEffectClrLst/>
+  </dgm:styleLbl>
+  <dgm:styleLbl name="alignImgPlace1">
+    <dgm:fillClrLst meth="repeat">
+      <a:schemeClr val="accent1">
+        <a:tint val="50000"/>
+      </a:schemeClr>
+    </dgm:fillClrLst>
+    <dgm:linClrLst meth="repeat">
+      <a:schemeClr val="lt1"/>
+    </dgm:linClrLst>
+    <dgm:effectClrLst/>
+    <dgm:txLinClrLst/>
+    <dgm:txFillClrLst meth="repeat">
+      <a:schemeClr val="lt1"/>
+    </dgm:txFillClrLst>
+    <dgm:txEffectClrLst/>
+  </dgm:styleLbl>
+  <dgm:styleLbl name="bgImgPlace1">
+    <dgm:fillClrLst meth="repeat">
+      <a:schemeClr val="accent1">
+        <a:tint val="50000"/>
+      </a:schemeClr>
+    </dgm:fillClrLst>
+    <dgm:linClrLst meth="repeat">
+      <a:schemeClr val="lt1"/>
+    </dgm:linClrLst>
+    <dgm:effectClrLst/>
+    <dgm:txLinClrLst/>
+    <dgm:txFillClrLst meth="repeat">
+      <a:schemeClr val="lt1"/>
+    </dgm:txFillClrLst>
+    <dgm:txEffectClrLst/>
+  </dgm:styleLbl>
+  <dgm:styleLbl name="sibTrans2D1">
+    <dgm:fillClrLst meth="repeat">
+      <a:schemeClr val="accent1">
+        <a:tint val="60000"/>
+      </a:schemeClr>
+    </dgm:fillClrLst>
+    <dgm:linClrLst meth="repeat">
+      <a:schemeClr val="accent1">
+        <a:tint val="60000"/>
+      </a:schemeClr>
+    </dgm:linClrLst>
+    <dgm:effectClrLst/>
+    <dgm:txLinClrLst/>
+    <dgm:txFillClrLst/>
+    <dgm:txEffectClrLst/>
+  </dgm:styleLbl>
+  <dgm:styleLbl name="fgSibTrans2D1">
+    <dgm:fillClrLst meth="repeat">
+      <a:schemeClr val="accent1">
+        <a:tint val="60000"/>
+      </a:schemeClr>
+    </dgm:fillClrLst>
+    <dgm:linClrLst meth="repeat">
+      <a:schemeClr val="accent1">
+        <a:tint val="60000"/>
+      </a:schemeClr>
+    </dgm:linClrLst>
+    <dgm:effectClrLst/>
+    <dgm:txLinClrLst/>
+    <dgm:txFillClrLst/>
+    <dgm:txEffectClrLst/>
+  </dgm:styleLbl>
+  <dgm:styleLbl name="bgSibTrans2D1">
+    <dgm:fillClrLst meth="repeat">
+      <a:schemeClr val="accent1">
+        <a:tint val="60000"/>
+      </a:schemeClr>
+    </dgm:fillClrLst>
+    <dgm:linClrLst meth="repeat">
+      <a:schemeClr val="accent1">
+        <a:tint val="60000"/>
+      </a:schemeClr>
+    </dgm:linClrLst>
+    <dgm:effectClrLst/>
+    <dgm:txLinClrLst/>
+    <dgm:txFillClrLst/>
+    <dgm:txEffectClrLst/>
+  </dgm:styleLbl>
+  <dgm:styleLbl name="sibTrans1D1">
+    <dgm:fillClrLst meth="repeat">
+      <a:schemeClr val="accent1"/>
+    </dgm:fillClrLst>
+    <dgm:linClrLst meth="repeat">
+      <a:schemeClr val="accent1"/>
+    </dgm:linClrLst>
+    <dgm:effectClrLst/>
+    <dgm:txLinClrLst/>
+    <dgm:txFillClrLst meth="repeat">
+      <a:schemeClr val="tx1"/>
+    </dgm:txFillClrLst>
+    <dgm:txEffectClrLst/>
+  </dgm:styleLbl>
+  <dgm:styleLbl name="callout">
+    <dgm:fillClrLst meth="repeat">
+      <a:schemeClr val="accent1"/>
+    </dgm:fillClrLst>
+    <dgm:linClrLst meth="repeat">
+      <a:schemeClr val="accent1">
+        <a:tint val="50000"/>
+      </a:schemeClr>
+    </dgm:linClrLst>
+    <dgm:effectClrLst/>
+    <dgm:txLinClrLst/>
+    <dgm:txFillClrLst meth="repeat">
+      <a:schemeClr val="tx1"/>
+    </dgm:txFillClrLst>
+    <dgm:txEffectClrLst/>
+  </dgm:styleLbl>
+  <dgm:styleLbl name="asst0">
+    <dgm:fillClrLst meth="repeat">
+      <a:schemeClr val="accent1"/>
+    </dgm:fillClrLst>
+    <dgm:linClrLst meth="repeat">
+      <a:schemeClr val="lt1"/>
+    </dgm:linClrLst>
+    <dgm:effectClrLst/>
+    <dgm:txLinClrLst/>
+    <dgm:txFillClrLst/>
+    <dgm:txEffectClrLst/>
+  </dgm:styleLbl>
+  <dgm:styleLbl name="asst1">
+    <dgm:fillClrLst meth="repeat">
+      <a:schemeClr val="accent1"/>
+    </dgm:fillClrLst>
+    <dgm:linClrLst meth="repeat">
+      <a:schemeClr val="lt1"/>
+    </dgm:linClrLst>
+    <dgm:effectClrLst/>
+    <dgm:txLinClrLst/>
+    <dgm:txFillClrLst/>
+    <dgm:txEffectClrLst/>
+  </dgm:styleLbl>
+  <dgm:styleLbl name="asst2">
+    <dgm:fillClrLst meth="repeat">
+      <a:schemeClr val="accent1"/>
+    </dgm:fillClrLst>
+    <dgm:linClrLst meth="repeat">
+      <a:schemeClr val="lt1"/>
+    </dgm:linClrLst>
+    <dgm:effectClrLst/>
+    <dgm:txLinClrLst/>
+    <dgm:txFillClrLst/>
+    <dgm:txEffectClrLst/>
+  </dgm:styleLbl>
+  <dgm:styleLbl name="asst3">
+    <dgm:fillClrLst meth="repeat">
+      <a:schemeClr val="accent1"/>
+    </dgm:fillClrLst>
+    <dgm:linClrLst meth="repeat">
+      <a:schemeClr val="lt1"/>
+    </dgm:linClrLst>
+    <dgm:effectClrLst/>
+    <dgm:txLinClrLst/>
+    <dgm:txFillClrLst/>
+    <dgm:txEffectClrLst/>
+  </dgm:styleLbl>
+  <dgm:styleLbl name="asst4">
+    <dgm:fillClrLst meth="repeat">
+      <a:schemeClr val="accent1"/>
+    </dgm:fillClrLst>
+    <dgm:linClrLst meth="repeat">
+      <a:schemeClr val="lt1"/>
+    </dgm:linClrLst>
+    <dgm:effectClrLst/>
+    <dgm:txLinClrLst/>
+    <dgm:txFillClrLst/>
+    <dgm:txEffectClrLst/>
+  </dgm:styleLbl>
+  <dgm:styleLbl name="parChTrans2D1">
+    <dgm:fillClrLst meth="repeat">
+      <a:schemeClr val="accent1">
+        <a:tint val="60000"/>
+      </a:schemeClr>
+    </dgm:fillClrLst>
+    <dgm:linClrLst meth="repeat">
+      <a:schemeClr val="accent1">
+        <a:tint val="60000"/>
+      </a:schemeClr>
+    </dgm:linClrLst>
+    <dgm:effectClrLst/>
+    <dgm:txLinClrLst/>
+    <dgm:txFillClrLst meth="repeat">
+      <a:schemeClr val="lt1"/>
+    </dgm:txFillClrLst>
+    <dgm:txEffectClrLst/>
+  </dgm:styleLbl>
+  <dgm:styleLbl name="parChTrans2D2">
+    <dgm:fillClrLst meth="repeat">
+      <a:schemeClr val="accent1"/>
+    </dgm:fillClrLst>
+    <dgm:linClrLst meth="repeat">
+      <a:schemeClr val="accent1"/>
+    </dgm:linClrLst>
+    <dgm:effectClrLst/>
+    <dgm:txLinClrLst/>
+    <dgm:txFillClrLst meth="repeat">
+      <a:schemeClr val="lt1"/>
+    </dgm:txFillClrLst>
+    <dgm:txEffectClrLst/>
+  </dgm:styleLbl>
+  <dgm:styleLbl name="parChTrans2D3">
+    <dgm:fillClrLst meth="repeat">
+      <a:schemeClr val="accent1"/>
+    </dgm:fillClrLst>
+    <dgm:linClrLst meth="repeat">
+      <a:schemeClr val="accent1"/>
+    </dgm:linClrLst>
+    <dgm:effectClrLst/>
+    <dgm:txLinClrLst/>
+    <dgm:txFillClrLst meth="repeat">
+      <a:schemeClr val="lt1"/>
+    </dgm:txFillClrLst>
+    <dgm:txEffectClrLst/>
+  </dgm:styleLbl>
+  <dgm:styleLbl name="parChTrans2D4">
+    <dgm:fillClrLst meth="repeat">
+      <a:schemeClr val="accent1"/>
+    </dgm:fillClrLst>
+    <dgm:linClrLst meth="repeat">
+      <a:schemeClr val="accent1"/>
+    </dgm:linClrLst>
+    <dgm:effectClrLst/>
+    <dgm:txLinClrLst/>
+    <dgm:txFillClrLst meth="repeat">
+      <a:schemeClr val="lt1"/>
+    </dgm:txFillClrLst>
+    <dgm:txEffectClrLst/>
+  </dgm:styleLbl>
+  <dgm:styleLbl name="parChTrans1D1">
+    <dgm:fillClrLst meth="repeat">
+      <a:schemeClr val="accent1"/>
+    </dgm:fillClrLst>
+    <dgm:linClrLst meth="repeat">
+      <a:schemeClr val="accent1">
+        <a:shade val="60000"/>
+      </a:schemeClr>
+    </dgm:linClrLst>
+    <dgm:effectClrLst/>
+    <dgm:txLinClrLst/>
+    <dgm:txFillClrLst meth="repeat">
+      <a:schemeClr val="tx1"/>
+    </dgm:txFillClrLst>
+    <dgm:txEffectClrLst/>
+  </dgm:styleLbl>
+  <dgm:styleLbl name="parChTrans1D2">
+    <dgm:fillClrLst meth="repeat">
+      <a:schemeClr val="accent1"/>
+    </dgm:fillClrLst>
+    <dgm:linClrLst meth="repeat">
+      <a:schemeClr val="accent1">
+        <a:shade val="60000"/>
+      </a:schemeClr>
+    </dgm:linClrLst>
+    <dgm:effectClrLst/>
+    <dgm:txLinClrLst/>
+    <dgm:txFillClrLst meth="repeat">
+      <a:schemeClr val="tx1"/>
+    </dgm:txFillClrLst>
+    <dgm:txEffectClrLst/>
+  </dgm:styleLbl>
+  <dgm:styleLbl name="parChTrans1D3">
+    <dgm:fillClrLst meth="repeat">
+      <a:schemeClr val="accent1"/>
+    </dgm:fillClrLst>
+    <dgm:linClrLst meth="repeat">
+      <a:schemeClr val="accent1">
+        <a:shade val="80000"/>
+      </a:schemeClr>
+    </dgm:linClrLst>
+    <dgm:effectClrLst/>
+    <dgm:txLinClrLst/>
+    <dgm:txFillClrLst meth="repeat">
+      <a:schemeClr val="tx1"/>
+    </dgm:txFillClrLst>
+    <dgm:txEffectClrLst/>
+  </dgm:styleLbl>
+  <dgm:styleLbl name="parChTrans1D4">
+    <dgm:fillClrLst meth="repeat">
+      <a:schemeClr val="accent1"/>
+    </dgm:fillClrLst>
+    <dgm:linClrLst meth="repeat">
+      <a:schemeClr val="accent1">
+        <a:shade val="80000"/>
+      </a:schemeClr>
+    </dgm:linClrLst>
+    <dgm:effectClrLst/>
+    <dgm:txLinClrLst/>
+    <dgm:txFillClrLst meth="repeat">
+      <a:schemeClr val="tx1"/>
+    </dgm:txFillClrLst>
+    <dgm:txEffectClrLst/>
+  </dgm:styleLbl>
+  <dgm:styleLbl name="fgAcc1">
+    <dgm:fillClrLst meth="repeat">
+      <a:schemeClr val="lt1">
+        <a:alpha val="90000"/>
+      </a:schemeClr>
+    </dgm:fillClrLst>
+    <dgm:linClrLst meth="repeat">
+      <a:schemeClr val="accent1"/>
+    </dgm:linClrLst>
+    <dgm:effectClrLst/>
+    <dgm:txLinClrLst/>
+    <dgm:txFillClrLst meth="repeat">
+      <a:schemeClr val="dk1"/>
+    </dgm:txFillClrLst>
+    <dgm:txEffectClrLst/>
+  </dgm:styleLbl>
+  <dgm:styleLbl name="conFgAcc1">
+    <dgm:fillClrLst meth="repeat">
+      <a:schemeClr val="lt1">
+        <a:alpha val="90000"/>
+      </a:schemeClr>
+    </dgm:fillClrLst>
+    <dgm:linClrLst meth="repeat">
+      <a:schemeClr val="accent1"/>
+    </dgm:linClrLst>
+    <dgm:effectClrLst/>
+    <dgm:txLinClrLst/>
+    <dgm:txFillClrLst meth="repeat">
+      <a:schemeClr val="dk1"/>
+    </dgm:txFillClrLst>
+    <dgm:txEffectClrLst/>
+  </dgm:styleLbl>
+  <dgm:styleLbl name="alignAcc1">
+    <dgm:fillClrLst meth="repeat">
+      <a:schemeClr val="lt1">
+        <a:alpha val="90000"/>
+      </a:schemeClr>
+    </dgm:fillClrLst>
+    <dgm:linClrLst meth="repeat">
+      <a:schemeClr val="accent1"/>
+    </dgm:linClrLst>
+    <dgm:effectClrLst/>
+    <dgm:txLinClrLst/>
+    <dgm:txFillClrLst meth="repeat">
+      <a:schemeClr val="dk1"/>
+    </dgm:txFillClrLst>
+    <dgm:txEffectClrLst/>
+  </dgm:styleLbl>
+  <dgm:styleLbl name="trAlignAcc1">
+    <dgm:fillClrLst meth="repeat">
+      <a:schemeClr val="lt1">
+        <a:alpha val="40000"/>
+      </a:schemeClr>
+    </dgm:fillClrLst>
+    <dgm:linClrLst meth="repeat">
+      <a:schemeClr val="accent1"/>
+    </dgm:linClrLst>
+    <dgm:effectClrLst/>
+    <dgm:txLinClrLst/>
+    <dgm:txFillClrLst meth="repeat">
+      <a:schemeClr val="dk1"/>
+    </dgm:txFillClrLst>
+    <dgm:txEffectClrLst/>
+  </dgm:styleLbl>
+  <dgm:styleLbl name="bgAcc1">
+    <dgm:fillClrLst meth="repeat">
+      <a:schemeClr val="lt1">
+        <a:alpha val="90000"/>
+      </a:schemeClr>
+    </dgm:fillClrLst>
+    <dgm:linClrLst meth="repeat">
+      <a:schemeClr val="accent1"/>
+    </dgm:linClrLst>
+    <dgm:effectClrLst/>
+    <dgm:txLinClrLst/>
+    <dgm:txFillClrLst meth="repeat">
+      <a:schemeClr val="dk1"/>
+    </dgm:txFillClrLst>
+    <dgm:txEffectClrLst/>
+  </dgm:styleLbl>
+  <dgm:styleLbl name="solidFgAcc1">
+    <dgm:fillClrLst meth="repeat">
+      <a:schemeClr val="lt1"/>
+    </dgm:fillClrLst>
+    <dgm:linClrLst meth="repeat">
+      <a:schemeClr val="accent1"/>
+    </dgm:linClrLst>
+    <dgm:effectClrLst/>
+    <dgm:txLinClrLst/>
+    <dgm:txFillClrLst meth="repeat">
+      <a:schemeClr val="dk1"/>
+    </dgm:txFillClrLst>
+    <dgm:txEffectClrLst/>
+  </dgm:styleLbl>
+  <dgm:styleLbl name="solidAlignAcc1">
+    <dgm:fillClrLst meth="repeat">
+      <a:schemeClr val="lt1"/>
+    </dgm:fillClrLst>
+    <dgm:linClrLst meth="repeat">
+      <a:schemeClr val="accent1"/>
+    </dgm:linClrLst>
+    <dgm:effectClrLst/>
+    <dgm:txLinClrLst/>
+    <dgm:txFillClrLst meth="repeat">
+      <a:schemeClr val="dk1"/>
+    </dgm:txFillClrLst>
+    <dgm:txEffectClrLst/>
+  </dgm:styleLbl>
+  <dgm:styleLbl name="solidBgAcc1">
+    <dgm:fillClrLst meth="repeat">
+      <a:schemeClr val="lt1"/>
+    </dgm:fillClrLst>
+    <dgm:linClrLst meth="repeat">
+      <a:schemeClr val="accent1"/>
+    </dgm:linClrLst>
+    <dgm:effectClrLst/>
+    <dgm:txLinClrLst/>
+    <dgm:txFillClrLst meth="repeat">
+      <a:schemeClr val="dk1"/>
+    </dgm:txFillClrLst>
+    <dgm:txEffectClrLst/>
+  </dgm:styleLbl>
+  <dgm:styleLbl name="fgAccFollowNode1">
+    <dgm:fillClrLst meth="repeat">
+      <a:schemeClr val="accent1">
+        <a:alpha val="90000"/>
+        <a:tint val="40000"/>
+      </a:schemeClr>
+    </dgm:fillClrLst>
+    <dgm:linClrLst meth="repeat">
+      <a:schemeClr val="accent1">
+        <a:alpha val="90000"/>
+        <a:tint val="40000"/>
+      </a:schemeClr>
+    </dgm:linClrLst>
+    <dgm:effectClrLst/>
+    <dgm:txLinClrLst/>
+    <dgm:txFillClrLst meth="repeat">
+      <a:schemeClr val="dk1"/>
+    </dgm:txFillClrLst>
+    <dgm:txEffectClrLst/>
+  </dgm:styleLbl>
+  <dgm:styleLbl name="alignAccFollowNode1">
+    <dgm:fillClrLst meth="repeat">
+      <a:schemeClr val="accent1">
+        <a:alpha val="90000"/>
+        <a:tint val="40000"/>
+      </a:schemeClr>
+    </dgm:fillClrLst>
+    <dgm:linClrLst meth="repeat">
+      <a:schemeClr val="accent1">
+        <a:alpha val="90000"/>
+        <a:tint val="40000"/>
+      </a:schemeClr>
+    </dgm:linClrLst>
+    <dgm:effectClrLst/>
+    <dgm:txLinClrLst/>
+    <dgm:txFillClrLst meth="repeat">
+      <a:schemeClr val="dk1"/>
+    </dgm:txFillClrLst>
+    <dgm:txEffectClrLst/>
+  </dgm:styleLbl>
+  <dgm:styleLbl name="bgAccFollowNode1">
+    <dgm:fillClrLst meth="repeat">
+      <a:schemeClr val="accent1">
+        <a:alpha val="90000"/>
+        <a:tint val="40000"/>
+      </a:schemeClr>
+    </dgm:fillClrLst>
+    <dgm:linClrLst meth="repeat">
+      <a:schemeClr val="accent1">
+        <a:alpha val="90000"/>
+        <a:tint val="40000"/>
+      </a:schemeClr>
+    </dgm:linClrLst>
+    <dgm:effectClrLst/>
+    <dgm:txLinClrLst/>
+    <dgm:txFillClrLst meth="repeat">
+      <a:schemeClr val="dk1"/>
+    </dgm:txFillClrLst>
+    <dgm:txEffectClrLst/>
+  </dgm:styleLbl>
+  <dgm:styleLbl name="fgAcc0">
+    <dgm:fillClrLst meth="repeat">
+      <a:schemeClr val="lt1">
+        <a:alpha val="90000"/>
+      </a:schemeClr>
+    </dgm:fillClrLst>
+    <dgm:linClrLst meth="repeat">
+      <a:schemeClr val="accent1"/>
+    </dgm:linClrLst>
+    <dgm:effectClrLst/>
+    <dgm:txLinClrLst/>
+    <dgm:txFillClrLst meth="repeat">
+      <a:schemeClr val="dk1"/>
+    </dgm:txFillClrLst>
+    <dgm:txEffectClrLst/>
+  </dgm:styleLbl>
+  <dgm:styleLbl name="fgAcc2">
+    <dgm:fillClrLst meth="repeat">
+      <a:schemeClr val="lt1">
+        <a:alpha val="90000"/>
+      </a:schemeClr>
+    </dgm:fillClrLst>
+    <dgm:linClrLst meth="repeat">
+      <a:schemeClr val="accent1"/>
+    </dgm:linClrLst>
+    <dgm:effectClrLst/>
+    <dgm:txLinClrLst/>
+    <dgm:txFillClrLst meth="repeat">
+      <a:schemeClr val="dk1"/>
+    </dgm:txFillClrLst>
+    <dgm:txEffectClrLst/>
+  </dgm:styleLbl>
+  <dgm:styleLbl name="fgAcc3">
+    <dgm:fillClrLst meth="repeat">
+      <a:schemeClr val="lt1">
+        <a:alpha val="90000"/>
+      </a:schemeClr>
+    </dgm:fillClrLst>
+    <dgm:linClrLst meth="repeat">
+      <a:schemeClr val="accent1"/>
+    </dgm:linClrLst>
+    <dgm:effectClrLst/>
+    <dgm:txLinClrLst/>
+    <dgm:txFillClrLst meth="repeat">
+      <a:schemeClr val="dk1"/>
+    </dgm:txFillClrLst>
+    <dgm:txEffectClrLst/>
+  </dgm:styleLbl>
+  <dgm:styleLbl name="fgAcc4">
+    <dgm:fillClrLst meth="repeat">
+      <a:schemeClr val="lt1">
+        <a:alpha val="90000"/>
+      </a:schemeClr>
+    </dgm:fillClrLst>
+    <dgm:linClrLst meth="repeat">
+      <a:schemeClr val="accent1"/>
+    </dgm:linClrLst>
+    <dgm:effectClrLst/>
+    <dgm:txLinClrLst/>
+    <dgm:txFillClrLst meth="repeat">
+      <a:schemeClr val="dk1"/>
+    </dgm:txFillClrLst>
+    <dgm:txEffectClrLst/>
+  </dgm:styleLbl>
+  <dgm:styleLbl name="bgShp">
+    <dgm:fillClrLst meth="repeat">
+      <a:schemeClr val="accent1">
+        <a:tint val="40000"/>
+      </a:schemeClr>
+    </dgm:fillClrLst>
+    <dgm:linClrLst meth="repeat">
+      <a:schemeClr val="accent1"/>
+    </dgm:linClrLst>
+    <dgm:effectClrLst/>
+    <dgm:txLinClrLst/>
+    <dgm:txFillClrLst meth="repeat">
+      <a:schemeClr val="dk1"/>
+    </dgm:txFillClrLst>
+    <dgm:txEffectClrLst/>
+  </dgm:styleLbl>
+  <dgm:styleLbl name="dkBgShp">
+    <dgm:fillClrLst meth="repeat">
+      <a:schemeClr val="accent1">
+        <a:shade val="80000"/>
+      </a:schemeClr>
+    </dgm:fillClrLst>
+    <dgm:linClrLst meth="repeat">
+      <a:schemeClr val="accent1"/>
+    </dgm:linClrLst>
+    <dgm:effectClrLst/>
+    <dgm:txLinClrLst/>
+    <dgm:txFillClrLst meth="repeat">
+      <a:schemeClr val="lt1"/>
+    </dgm:txFillClrLst>
+    <dgm:txEffectClrLst/>
+  </dgm:styleLbl>
+  <dgm:styleLbl name="trBgShp">
+    <dgm:fillClrLst meth="repeat">
+      <a:schemeClr val="accent1">
+        <a:tint val="50000"/>
+        <a:alpha val="40000"/>
+      </a:schemeClr>
+    </dgm:fillClrLst>
+    <dgm:linClrLst meth="repeat">
+      <a:schemeClr val="accent1"/>
+    </dgm:linClrLst>
+    <dgm:effectClrLst/>
+    <dgm:txLinClrLst/>
+    <dgm:txFillClrLst meth="repeat">
+      <a:schemeClr val="lt1"/>
+    </dgm:txFillClrLst>
+    <dgm:txEffectClrLst/>
+  </dgm:styleLbl>
+  <dgm:styleLbl name="fgShp">
+    <dgm:fillClrLst meth="repeat">
+      <a:schemeClr val="accent1">
+        <a:tint val="60000"/>
+      </a:schemeClr>
+    </dgm:fillClrLst>
+    <dgm:linClrLst meth="repeat">
+      <a:schemeClr val="lt1"/>
+    </dgm:linClrLst>
+    <dgm:effectClrLst/>
+    <dgm:txLinClrLst/>
+    <dgm:txFillClrLst meth="repeat">
+      <a:schemeClr val="dk1"/>
+    </dgm:txFillClrLst>
+    <dgm:txEffectClrLst/>
+  </dgm:styleLbl>
+  <dgm:styleLbl name="revTx">
+    <dgm:fillClrLst meth="repeat">
+      <a:schemeClr val="lt1">
+        <a:alpha val="0"/>
+      </a:schemeClr>
+    </dgm:fillClrLst>
+    <dgm:linClrLst meth="repeat">
+      <a:schemeClr val="dk1">
+        <a:alpha val="0"/>
+      </a:schemeClr>
+    </dgm:linClrLst>
+    <dgm:effectClrLst/>
+    <dgm:txLinClrLst/>
+    <dgm:txFillClrLst meth="repeat">
+      <a:schemeClr val="tx1"/>
+    </dgm:txFillClrLst>
+    <dgm:txEffectClrLst/>
+  </dgm:styleLbl>
+</dgm:colorsDef>
+</file>
+
+<file path=ppt/diagrams/colors2.xml><?xml version="1.0" encoding="utf-8"?>
 <dgm:colorsDef xmlns:dgm="http://schemas.openxmlformats.org/drawingml/2006/diagram" xmlns:a="http://schemas.openxmlformats.org/drawingml/2006/main" uniqueId="urn:microsoft.com/office/officeart/2005/8/colors/accent1_2">
   <dgm:title val=""/>
   <dgm:desc val=""/>
@@ -1265,6 +2012,316 @@
   <dgm:extLst>
     <a:ext uri="http://schemas.microsoft.com/office/drawing/2008/diagram">
       <dsp:dataModelExt xmlns:dsp="http://schemas.microsoft.com/office/drawing/2008/diagram" relId="rId8" minVer="http://schemas.openxmlformats.org/drawingml/2006/diagram"/>
+    </a:ext>
+  </dgm:extLst>
+</dgm:dataModel>
+</file>
+
+<file path=ppt/diagrams/data2.xml><?xml version="1.0" encoding="utf-8"?>
+<dgm:dataModel xmlns:dgm="http://schemas.openxmlformats.org/drawingml/2006/diagram" xmlns:a="http://schemas.openxmlformats.org/drawingml/2006/main">
+  <dgm:ptLst>
+    <dgm:pt modelId="{A54D7443-97FC-4F07-9488-A1BC5FFEA8D1}" type="doc">
+      <dgm:prSet loTypeId="urn:microsoft.com/office/officeart/2005/8/layout/funnel1" loCatId="relationship" qsTypeId="urn:microsoft.com/office/officeart/2005/8/quickstyle/simple1" qsCatId="simple" csTypeId="urn:microsoft.com/office/officeart/2005/8/colors/accent1_2" csCatId="accent1" phldr="1"/>
+      <dgm:spPr/>
+      <dgm:t>
+        <a:bodyPr/>
+        <a:lstStyle/>
+        <a:p>
+          <a:endParaRPr lang="zh-CN" altLang="en-US"/>
+        </a:p>
+      </dgm:t>
+    </dgm:pt>
+    <dgm:pt modelId="{591C72F4-665D-4B9B-9768-B2EDEF2594D8}">
+      <dgm:prSet phldrT="[Text]"/>
+      <dgm:spPr>
+        <a:noFill/>
+        <a:ln>
+          <a:solidFill>
+            <a:srgbClr val="0070C0"/>
+          </a:solidFill>
+        </a:ln>
+      </dgm:spPr>
+      <dgm:t>
+        <a:bodyPr/>
+        <a:lstStyle/>
+        <a:p>
+          <a:r>
+            <a:rPr lang="en-US" altLang="zh-CN" dirty="0">
+              <a:solidFill>
+                <a:srgbClr val="0070C0"/>
+              </a:solidFill>
+            </a:rPr>
+            <a:t>1</a:t>
+          </a:r>
+          <a:endParaRPr lang="zh-CN" altLang="en-US" dirty="0">
+            <a:solidFill>
+              <a:srgbClr val="0070C0"/>
+            </a:solidFill>
+          </a:endParaRPr>
+        </a:p>
+      </dgm:t>
+    </dgm:pt>
+    <dgm:pt modelId="{86098D2C-12E3-4833-859A-90B40D7CA49E}" type="parTrans" cxnId="{553B233D-A4D4-442E-BDB7-50FF3D833466}">
+      <dgm:prSet/>
+      <dgm:spPr/>
+      <dgm:t>
+        <a:bodyPr/>
+        <a:lstStyle/>
+        <a:p>
+          <a:endParaRPr lang="zh-CN" altLang="en-US"/>
+        </a:p>
+      </dgm:t>
+    </dgm:pt>
+    <dgm:pt modelId="{7FA0C79F-E404-4AB3-A0DF-88F441D7C655}" type="sibTrans" cxnId="{553B233D-A4D4-442E-BDB7-50FF3D833466}">
+      <dgm:prSet/>
+      <dgm:spPr/>
+      <dgm:t>
+        <a:bodyPr/>
+        <a:lstStyle/>
+        <a:p>
+          <a:endParaRPr lang="zh-CN" altLang="en-US"/>
+        </a:p>
+      </dgm:t>
+    </dgm:pt>
+    <dgm:pt modelId="{EBB1EE84-9B61-49CF-B1B7-A0DFB298B8CC}">
+      <dgm:prSet phldrT="[Text]"/>
+      <dgm:spPr>
+        <a:noFill/>
+        <a:ln>
+          <a:solidFill>
+            <a:srgbClr val="0070C0"/>
+          </a:solidFill>
+        </a:ln>
+      </dgm:spPr>
+      <dgm:t>
+        <a:bodyPr/>
+        <a:lstStyle/>
+        <a:p>
+          <a:r>
+            <a:rPr lang="en-US" altLang="zh-CN" dirty="0">
+              <a:solidFill>
+                <a:srgbClr val="0070C0"/>
+              </a:solidFill>
+            </a:rPr>
+            <a:t>A</a:t>
+          </a:r>
+          <a:endParaRPr lang="zh-CN" altLang="en-US" dirty="0">
+            <a:solidFill>
+              <a:srgbClr val="0070C0"/>
+            </a:solidFill>
+          </a:endParaRPr>
+        </a:p>
+      </dgm:t>
+    </dgm:pt>
+    <dgm:pt modelId="{57E36D49-7B6F-43F4-96C9-0066C10FD7CC}" type="parTrans" cxnId="{6346A567-F273-4A6F-917D-EFA3BE9B7D9D}">
+      <dgm:prSet/>
+      <dgm:spPr/>
+      <dgm:t>
+        <a:bodyPr/>
+        <a:lstStyle/>
+        <a:p>
+          <a:endParaRPr lang="zh-CN" altLang="en-US"/>
+        </a:p>
+      </dgm:t>
+    </dgm:pt>
+    <dgm:pt modelId="{0D004216-210E-47A6-ADE6-4B0DAC0880F8}" type="sibTrans" cxnId="{6346A567-F273-4A6F-917D-EFA3BE9B7D9D}">
+      <dgm:prSet/>
+      <dgm:spPr/>
+      <dgm:t>
+        <a:bodyPr/>
+        <a:lstStyle/>
+        <a:p>
+          <a:endParaRPr lang="zh-CN" altLang="en-US"/>
+        </a:p>
+      </dgm:t>
+    </dgm:pt>
+    <dgm:pt modelId="{94F6BF48-3132-48DE-A154-CD6A5B6C3362}">
+      <dgm:prSet phldrT="[Text]"/>
+      <dgm:spPr>
+        <a:noFill/>
+        <a:ln>
+          <a:solidFill>
+            <a:srgbClr val="0070C0"/>
+          </a:solidFill>
+        </a:ln>
+      </dgm:spPr>
+      <dgm:t>
+        <a:bodyPr/>
+        <a:lstStyle/>
+        <a:p>
+          <a:r>
+            <a:rPr lang="en-US" altLang="zh-CN" dirty="0">
+              <a:solidFill>
+                <a:srgbClr val="0070C0"/>
+              </a:solidFill>
+            </a:rPr>
+            <a:t>#</a:t>
+          </a:r>
+          <a:endParaRPr lang="zh-CN" altLang="en-US" dirty="0">
+            <a:solidFill>
+              <a:srgbClr val="0070C0"/>
+            </a:solidFill>
+          </a:endParaRPr>
+        </a:p>
+      </dgm:t>
+    </dgm:pt>
+    <dgm:pt modelId="{DBD2AE49-CE12-46D0-9E0F-7B347E935751}" type="parTrans" cxnId="{ED834074-B0B8-43CB-BDD2-AB4FD140B3CA}">
+      <dgm:prSet/>
+      <dgm:spPr/>
+      <dgm:t>
+        <a:bodyPr/>
+        <a:lstStyle/>
+        <a:p>
+          <a:endParaRPr lang="zh-CN" altLang="en-US"/>
+        </a:p>
+      </dgm:t>
+    </dgm:pt>
+    <dgm:pt modelId="{20E75C14-4229-4E83-A1F6-98A759A8FAC0}" type="sibTrans" cxnId="{ED834074-B0B8-43CB-BDD2-AB4FD140B3CA}">
+      <dgm:prSet/>
+      <dgm:spPr/>
+      <dgm:t>
+        <a:bodyPr/>
+        <a:lstStyle/>
+        <a:p>
+          <a:endParaRPr lang="zh-CN" altLang="en-US"/>
+        </a:p>
+      </dgm:t>
+    </dgm:pt>
+    <dgm:pt modelId="{E1DDA146-5E0A-45AB-BFBA-BD024A986C4E}">
+      <dgm:prSet phldrT="[Text]" custT="1"/>
+      <dgm:spPr/>
+      <dgm:t>
+        <a:bodyPr/>
+        <a:lstStyle/>
+        <a:p>
+          <a:r>
+            <a:rPr lang="en-US" altLang="zh-CN" sz="1400" b="1" dirty="0">
+              <a:solidFill>
+                <a:srgbClr val="0070C0"/>
+              </a:solidFill>
+            </a:rPr>
+            <a:t>numbers</a:t>
+          </a:r>
+          <a:endParaRPr lang="zh-CN" altLang="en-US" sz="1400" b="1" dirty="0">
+            <a:solidFill>
+              <a:srgbClr val="0070C0"/>
+            </a:solidFill>
+          </a:endParaRPr>
+        </a:p>
+      </dgm:t>
+    </dgm:pt>
+    <dgm:pt modelId="{95BFF7A5-DEA5-49A5-9837-E4925D845D4E}" type="sibTrans" cxnId="{4B463858-39E6-444E-9750-880E58C0B4AB}">
+      <dgm:prSet/>
+      <dgm:spPr/>
+      <dgm:t>
+        <a:bodyPr/>
+        <a:lstStyle/>
+        <a:p>
+          <a:endParaRPr lang="zh-CN" altLang="en-US"/>
+        </a:p>
+      </dgm:t>
+    </dgm:pt>
+    <dgm:pt modelId="{E2A8BDDD-D00E-48DE-803F-1DF225CA0AD0}" type="parTrans" cxnId="{4B463858-39E6-444E-9750-880E58C0B4AB}">
+      <dgm:prSet/>
+      <dgm:spPr/>
+      <dgm:t>
+        <a:bodyPr/>
+        <a:lstStyle/>
+        <a:p>
+          <a:endParaRPr lang="zh-CN" altLang="en-US"/>
+        </a:p>
+      </dgm:t>
+    </dgm:pt>
+    <dgm:pt modelId="{DC05E9D4-94A7-4F37-B4C6-5BF0C19F7C7A}" type="pres">
+      <dgm:prSet presAssocID="{A54D7443-97FC-4F07-9488-A1BC5FFEA8D1}" presName="Name0" presStyleCnt="0">
+        <dgm:presLayoutVars>
+          <dgm:chMax val="4"/>
+          <dgm:resizeHandles val="exact"/>
+        </dgm:presLayoutVars>
+      </dgm:prSet>
+      <dgm:spPr/>
+    </dgm:pt>
+    <dgm:pt modelId="{5D1E3DF9-7933-474E-B6BD-F6ECD72D76B4}" type="pres">
+      <dgm:prSet presAssocID="{A54D7443-97FC-4F07-9488-A1BC5FFEA8D1}" presName="ellipse" presStyleLbl="trBgShp" presStyleIdx="0" presStyleCnt="1"/>
+      <dgm:spPr/>
+    </dgm:pt>
+    <dgm:pt modelId="{519A9F94-DD93-436B-A1AE-994F0971692D}" type="pres">
+      <dgm:prSet presAssocID="{A54D7443-97FC-4F07-9488-A1BC5FFEA8D1}" presName="arrow1" presStyleLbl="fgShp" presStyleIdx="0" presStyleCnt="1"/>
+      <dgm:spPr/>
+    </dgm:pt>
+    <dgm:pt modelId="{DA3EE526-E910-4769-8FE3-FDD566984F63}" type="pres">
+      <dgm:prSet presAssocID="{A54D7443-97FC-4F07-9488-A1BC5FFEA8D1}" presName="rectangle" presStyleLbl="revTx" presStyleIdx="0" presStyleCnt="1">
+        <dgm:presLayoutVars>
+          <dgm:bulletEnabled val="1"/>
+        </dgm:presLayoutVars>
+      </dgm:prSet>
+      <dgm:spPr/>
+    </dgm:pt>
+    <dgm:pt modelId="{BDA85FA1-73D6-42CB-AABB-325C7358689B}" type="pres">
+      <dgm:prSet presAssocID="{EBB1EE84-9B61-49CF-B1B7-A0DFB298B8CC}" presName="item1" presStyleLbl="node1" presStyleIdx="0" presStyleCnt="3">
+        <dgm:presLayoutVars>
+          <dgm:bulletEnabled val="1"/>
+        </dgm:presLayoutVars>
+      </dgm:prSet>
+      <dgm:spPr/>
+    </dgm:pt>
+    <dgm:pt modelId="{55D77A21-EA08-46FD-9CD3-D611CBE021A7}" type="pres">
+      <dgm:prSet presAssocID="{94F6BF48-3132-48DE-A154-CD6A5B6C3362}" presName="item2" presStyleLbl="node1" presStyleIdx="1" presStyleCnt="3">
+        <dgm:presLayoutVars>
+          <dgm:bulletEnabled val="1"/>
+        </dgm:presLayoutVars>
+      </dgm:prSet>
+      <dgm:spPr/>
+    </dgm:pt>
+    <dgm:pt modelId="{ECB9A548-0B54-48C8-ACC6-E5FED368A3B9}" type="pres">
+      <dgm:prSet presAssocID="{E1DDA146-5E0A-45AB-BFBA-BD024A986C4E}" presName="item3" presStyleLbl="node1" presStyleIdx="2" presStyleCnt="3">
+        <dgm:presLayoutVars>
+          <dgm:bulletEnabled val="1"/>
+        </dgm:presLayoutVars>
+      </dgm:prSet>
+      <dgm:spPr/>
+    </dgm:pt>
+    <dgm:pt modelId="{54875F46-28B8-411A-8E39-0AB1F1829937}" type="pres">
+      <dgm:prSet presAssocID="{A54D7443-97FC-4F07-9488-A1BC5FFEA8D1}" presName="funnel" presStyleLbl="trAlignAcc1" presStyleIdx="0" presStyleCnt="1"/>
+      <dgm:spPr>
+        <a:solidFill>
+          <a:schemeClr val="accent5">
+            <a:alpha val="40000"/>
+          </a:schemeClr>
+        </a:solidFill>
+        <a:ln>
+          <a:solidFill>
+            <a:schemeClr val="accent5">
+              <a:lumMod val="50000"/>
+            </a:schemeClr>
+          </a:solidFill>
+        </a:ln>
+      </dgm:spPr>
+    </dgm:pt>
+  </dgm:ptLst>
+  <dgm:cxnLst>
+    <dgm:cxn modelId="{0307AB03-1110-4AB7-9964-871186675F2F}" type="presOf" srcId="{A54D7443-97FC-4F07-9488-A1BC5FFEA8D1}" destId="{DC05E9D4-94A7-4F37-B4C6-5BF0C19F7C7A}" srcOrd="0" destOrd="0" presId="urn:microsoft.com/office/officeart/2005/8/layout/funnel1"/>
+    <dgm:cxn modelId="{FD910038-CC82-4BD1-827E-43A4B9BBC2EE}" type="presOf" srcId="{E1DDA146-5E0A-45AB-BFBA-BD024A986C4E}" destId="{DA3EE526-E910-4769-8FE3-FDD566984F63}" srcOrd="0" destOrd="0" presId="urn:microsoft.com/office/officeart/2005/8/layout/funnel1"/>
+    <dgm:cxn modelId="{553B233D-A4D4-442E-BDB7-50FF3D833466}" srcId="{A54D7443-97FC-4F07-9488-A1BC5FFEA8D1}" destId="{591C72F4-665D-4B9B-9768-B2EDEF2594D8}" srcOrd="0" destOrd="0" parTransId="{86098D2C-12E3-4833-859A-90B40D7CA49E}" sibTransId="{7FA0C79F-E404-4AB3-A0DF-88F441D7C655}"/>
+    <dgm:cxn modelId="{6346A567-F273-4A6F-917D-EFA3BE9B7D9D}" srcId="{A54D7443-97FC-4F07-9488-A1BC5FFEA8D1}" destId="{EBB1EE84-9B61-49CF-B1B7-A0DFB298B8CC}" srcOrd="1" destOrd="0" parTransId="{57E36D49-7B6F-43F4-96C9-0066C10FD7CC}" sibTransId="{0D004216-210E-47A6-ADE6-4B0DAC0880F8}"/>
+    <dgm:cxn modelId="{AEA20F6D-07E8-4840-AD82-84421F14E5FE}" type="presOf" srcId="{94F6BF48-3132-48DE-A154-CD6A5B6C3362}" destId="{BDA85FA1-73D6-42CB-AABB-325C7358689B}" srcOrd="0" destOrd="0" presId="urn:microsoft.com/office/officeart/2005/8/layout/funnel1"/>
+    <dgm:cxn modelId="{ED834074-B0B8-43CB-BDD2-AB4FD140B3CA}" srcId="{A54D7443-97FC-4F07-9488-A1BC5FFEA8D1}" destId="{94F6BF48-3132-48DE-A154-CD6A5B6C3362}" srcOrd="2" destOrd="0" parTransId="{DBD2AE49-CE12-46D0-9E0F-7B347E935751}" sibTransId="{20E75C14-4229-4E83-A1F6-98A759A8FAC0}"/>
+    <dgm:cxn modelId="{4B463858-39E6-444E-9750-880E58C0B4AB}" srcId="{A54D7443-97FC-4F07-9488-A1BC5FFEA8D1}" destId="{E1DDA146-5E0A-45AB-BFBA-BD024A986C4E}" srcOrd="3" destOrd="0" parTransId="{E2A8BDDD-D00E-48DE-803F-1DF225CA0AD0}" sibTransId="{95BFF7A5-DEA5-49A5-9837-E4925D845D4E}"/>
+    <dgm:cxn modelId="{D0D6709F-E6CC-4F40-8779-3A6F7DB85B87}" type="presOf" srcId="{EBB1EE84-9B61-49CF-B1B7-A0DFB298B8CC}" destId="{55D77A21-EA08-46FD-9CD3-D611CBE021A7}" srcOrd="0" destOrd="0" presId="urn:microsoft.com/office/officeart/2005/8/layout/funnel1"/>
+    <dgm:cxn modelId="{3460ACA5-F925-43F5-A258-B4A4A3E48FAF}" type="presOf" srcId="{591C72F4-665D-4B9B-9768-B2EDEF2594D8}" destId="{ECB9A548-0B54-48C8-ACC6-E5FED368A3B9}" srcOrd="0" destOrd="0" presId="urn:microsoft.com/office/officeart/2005/8/layout/funnel1"/>
+    <dgm:cxn modelId="{8BF59201-2D3F-4738-B518-06A6240509DF}" type="presParOf" srcId="{DC05E9D4-94A7-4F37-B4C6-5BF0C19F7C7A}" destId="{5D1E3DF9-7933-474E-B6BD-F6ECD72D76B4}" srcOrd="0" destOrd="0" presId="urn:microsoft.com/office/officeart/2005/8/layout/funnel1"/>
+    <dgm:cxn modelId="{104D06CD-6F1B-404D-98C7-097DCD24A8B5}" type="presParOf" srcId="{DC05E9D4-94A7-4F37-B4C6-5BF0C19F7C7A}" destId="{519A9F94-DD93-436B-A1AE-994F0971692D}" srcOrd="1" destOrd="0" presId="urn:microsoft.com/office/officeart/2005/8/layout/funnel1"/>
+    <dgm:cxn modelId="{4E7821CE-39F7-4EE7-A508-952B84E934EE}" type="presParOf" srcId="{DC05E9D4-94A7-4F37-B4C6-5BF0C19F7C7A}" destId="{DA3EE526-E910-4769-8FE3-FDD566984F63}" srcOrd="2" destOrd="0" presId="urn:microsoft.com/office/officeart/2005/8/layout/funnel1"/>
+    <dgm:cxn modelId="{C3C95A8E-127D-4E43-8BFD-3A6A3AB5A34F}" type="presParOf" srcId="{DC05E9D4-94A7-4F37-B4C6-5BF0C19F7C7A}" destId="{BDA85FA1-73D6-42CB-AABB-325C7358689B}" srcOrd="3" destOrd="0" presId="urn:microsoft.com/office/officeart/2005/8/layout/funnel1"/>
+    <dgm:cxn modelId="{C1518832-E00E-4E0E-A375-012260AC72E9}" type="presParOf" srcId="{DC05E9D4-94A7-4F37-B4C6-5BF0C19F7C7A}" destId="{55D77A21-EA08-46FD-9CD3-D611CBE021A7}" srcOrd="4" destOrd="0" presId="urn:microsoft.com/office/officeart/2005/8/layout/funnel1"/>
+    <dgm:cxn modelId="{885BA03B-6A85-4260-9FE2-87B3825D7A8C}" type="presParOf" srcId="{DC05E9D4-94A7-4F37-B4C6-5BF0C19F7C7A}" destId="{ECB9A548-0B54-48C8-ACC6-E5FED368A3B9}" srcOrd="5" destOrd="0" presId="urn:microsoft.com/office/officeart/2005/8/layout/funnel1"/>
+    <dgm:cxn modelId="{844F4374-A77F-4657-A898-B0B5F5E44B2B}" type="presParOf" srcId="{DC05E9D4-94A7-4F37-B4C6-5BF0C19F7C7A}" destId="{54875F46-28B8-411A-8E39-0AB1F1829937}" srcOrd="6" destOrd="0" presId="urn:microsoft.com/office/officeart/2005/8/layout/funnel1"/>
+  </dgm:cxnLst>
+  <dgm:bg/>
+  <dgm:whole/>
+  <dgm:extLst>
+    <a:ext uri="http://schemas.microsoft.com/office/drawing/2008/diagram">
+      <dsp:dataModelExt xmlns:dsp="http://schemas.microsoft.com/office/drawing/2008/diagram" relId="rId14" minVer="http://schemas.openxmlformats.org/drawingml/2006/diagram"/>
     </a:ext>
   </dgm:extLst>
 </dgm:dataModel>
@@ -1992,6 +3049,444 @@
 </dsp:drawing>
 </file>
 
+<file path=ppt/diagrams/drawing2.xml><?xml version="1.0" encoding="utf-8"?>
+<dsp:drawing xmlns:dgm="http://schemas.openxmlformats.org/drawingml/2006/diagram" xmlns:dsp="http://schemas.microsoft.com/office/drawing/2008/diagram" xmlns:a="http://schemas.openxmlformats.org/drawingml/2006/main">
+  <dsp:spTree>
+    <dsp:nvGrpSpPr>
+      <dsp:cNvPr id="0" name=""/>
+      <dsp:cNvGrpSpPr/>
+    </dsp:nvGrpSpPr>
+    <dsp:grpSpPr/>
+    <dsp:sp modelId="{5D1E3DF9-7933-474E-B6BD-F6ECD72D76B4}">
+      <dsp:nvSpPr>
+        <dsp:cNvPr id="0" name=""/>
+        <dsp:cNvSpPr/>
+      </dsp:nvSpPr>
+      <dsp:spPr>
+        <a:xfrm>
+          <a:off x="419657" y="49326"/>
+          <a:ext cx="978949" cy="339976"/>
+        </a:xfrm>
+        <a:prstGeom prst="ellipse">
+          <a:avLst/>
+        </a:prstGeom>
+        <a:solidFill>
+          <a:schemeClr val="accent1">
+            <a:tint val="50000"/>
+            <a:alpha val="40000"/>
+            <a:hueOff val="0"/>
+            <a:satOff val="0"/>
+            <a:lumOff val="0"/>
+            <a:alphaOff val="0"/>
+          </a:schemeClr>
+        </a:solidFill>
+        <a:ln>
+          <a:noFill/>
+        </a:ln>
+        <a:effectLst/>
+      </dsp:spPr>
+      <dsp:style>
+        <a:lnRef idx="0">
+          <a:scrgbClr r="0" g="0" b="0"/>
+        </a:lnRef>
+        <a:fillRef idx="1">
+          <a:scrgbClr r="0" g="0" b="0"/>
+        </a:fillRef>
+        <a:effectRef idx="0">
+          <a:scrgbClr r="0" g="0" b="0"/>
+        </a:effectRef>
+        <a:fontRef idx="minor"/>
+      </dsp:style>
+    </dsp:sp>
+    <dsp:sp modelId="{519A9F94-DD93-436B-A1AE-994F0971692D}">
+      <dsp:nvSpPr>
+        <dsp:cNvPr id="0" name=""/>
+        <dsp:cNvSpPr/>
+      </dsp:nvSpPr>
+      <dsp:spPr>
+        <a:xfrm>
+          <a:off x="815791" y="881813"/>
+          <a:ext cx="189718" cy="121420"/>
+        </a:xfrm>
+        <a:prstGeom prst="downArrow">
+          <a:avLst/>
+        </a:prstGeom>
+        <a:solidFill>
+          <a:schemeClr val="accent1">
+            <a:tint val="60000"/>
+            <a:hueOff val="0"/>
+            <a:satOff val="0"/>
+            <a:lumOff val="0"/>
+            <a:alphaOff val="0"/>
+          </a:schemeClr>
+        </a:solidFill>
+        <a:ln w="12700" cap="flat" cmpd="sng" algn="ctr">
+          <a:solidFill>
+            <a:schemeClr val="lt1">
+              <a:hueOff val="0"/>
+              <a:satOff val="0"/>
+              <a:lumOff val="0"/>
+              <a:alphaOff val="0"/>
+            </a:schemeClr>
+          </a:solidFill>
+          <a:prstDash val="solid"/>
+          <a:miter lim="800000"/>
+        </a:ln>
+        <a:effectLst/>
+      </dsp:spPr>
+      <dsp:style>
+        <a:lnRef idx="2">
+          <a:scrgbClr r="0" g="0" b="0"/>
+        </a:lnRef>
+        <a:fillRef idx="1">
+          <a:scrgbClr r="0" g="0" b="0"/>
+        </a:fillRef>
+        <a:effectRef idx="0">
+          <a:scrgbClr r="0" g="0" b="0"/>
+        </a:effectRef>
+        <a:fontRef idx="minor"/>
+      </dsp:style>
+    </dsp:sp>
+    <dsp:sp modelId="{DA3EE526-E910-4769-8FE3-FDD566984F63}">
+      <dsp:nvSpPr>
+        <dsp:cNvPr id="0" name=""/>
+        <dsp:cNvSpPr/>
+      </dsp:nvSpPr>
+      <dsp:spPr>
+        <a:xfrm>
+          <a:off x="455325" y="978949"/>
+          <a:ext cx="910650" cy="227662"/>
+        </a:xfrm>
+        <a:prstGeom prst="rect">
+          <a:avLst/>
+        </a:prstGeom>
+        <a:noFill/>
+        <a:ln>
+          <a:noFill/>
+        </a:ln>
+        <a:effectLst/>
+      </dsp:spPr>
+      <dsp:style>
+        <a:lnRef idx="0">
+          <a:scrgbClr r="0" g="0" b="0"/>
+        </a:lnRef>
+        <a:fillRef idx="0">
+          <a:scrgbClr r="0" g="0" b="0"/>
+        </a:fillRef>
+        <a:effectRef idx="0">
+          <a:scrgbClr r="0" g="0" b="0"/>
+        </a:effectRef>
+        <a:fontRef idx="minor"/>
+      </dsp:style>
+      <dsp:txBody>
+        <a:bodyPr spcFirstLastPara="0" vert="horz" wrap="square" lIns="99568" tIns="99568" rIns="99568" bIns="99568" numCol="1" spcCol="1270" anchor="ctr" anchorCtr="0">
+          <a:noAutofit/>
+        </a:bodyPr>
+        <a:lstStyle/>
+        <a:p>
+          <a:pPr marL="0" lvl="0" indent="0" algn="ctr" defTabSz="622300">
+            <a:lnSpc>
+              <a:spcPct val="90000"/>
+            </a:lnSpc>
+            <a:spcBef>
+              <a:spcPct val="0"/>
+            </a:spcBef>
+            <a:spcAft>
+              <a:spcPct val="35000"/>
+            </a:spcAft>
+            <a:buNone/>
+          </a:pPr>
+          <a:r>
+            <a:rPr lang="en-US" altLang="zh-CN" sz="1400" b="1" kern="1200" dirty="0">
+              <a:solidFill>
+                <a:srgbClr val="0070C0"/>
+              </a:solidFill>
+            </a:rPr>
+            <a:t>numbers</a:t>
+          </a:r>
+          <a:endParaRPr lang="zh-CN" altLang="en-US" sz="1400" b="1" kern="1200" dirty="0">
+            <a:solidFill>
+              <a:srgbClr val="0070C0"/>
+            </a:solidFill>
+          </a:endParaRPr>
+        </a:p>
+      </dsp:txBody>
+      <dsp:txXfrm>
+        <a:off x="455325" y="978949"/>
+        <a:ext cx="910650" cy="227662"/>
+      </dsp:txXfrm>
+    </dsp:sp>
+    <dsp:sp modelId="{BDA85FA1-73D6-42CB-AABB-325C7358689B}">
+      <dsp:nvSpPr>
+        <dsp:cNvPr id="0" name=""/>
+        <dsp:cNvSpPr/>
+      </dsp:nvSpPr>
+      <dsp:spPr>
+        <a:xfrm>
+          <a:off x="775570" y="415560"/>
+          <a:ext cx="341494" cy="341494"/>
+        </a:xfrm>
+        <a:prstGeom prst="ellipse">
+          <a:avLst/>
+        </a:prstGeom>
+        <a:noFill/>
+        <a:ln w="12700" cap="flat" cmpd="sng" algn="ctr">
+          <a:solidFill>
+            <a:srgbClr val="0070C0"/>
+          </a:solidFill>
+          <a:prstDash val="solid"/>
+          <a:miter lim="800000"/>
+        </a:ln>
+        <a:effectLst/>
+      </dsp:spPr>
+      <dsp:style>
+        <a:lnRef idx="2">
+          <a:scrgbClr r="0" g="0" b="0"/>
+        </a:lnRef>
+        <a:fillRef idx="1">
+          <a:scrgbClr r="0" g="0" b="0"/>
+        </a:fillRef>
+        <a:effectRef idx="0">
+          <a:scrgbClr r="0" g="0" b="0"/>
+        </a:effectRef>
+        <a:fontRef idx="minor">
+          <a:schemeClr val="lt1"/>
+        </a:fontRef>
+      </dsp:style>
+      <dsp:txBody>
+        <a:bodyPr spcFirstLastPara="0" vert="horz" wrap="square" lIns="16510" tIns="16510" rIns="16510" bIns="16510" numCol="1" spcCol="1270" anchor="ctr" anchorCtr="0">
+          <a:noAutofit/>
+        </a:bodyPr>
+        <a:lstStyle/>
+        <a:p>
+          <a:pPr marL="0" lvl="0" indent="0" algn="ctr" defTabSz="577850">
+            <a:lnSpc>
+              <a:spcPct val="90000"/>
+            </a:lnSpc>
+            <a:spcBef>
+              <a:spcPct val="0"/>
+            </a:spcBef>
+            <a:spcAft>
+              <a:spcPct val="35000"/>
+            </a:spcAft>
+            <a:buNone/>
+          </a:pPr>
+          <a:r>
+            <a:rPr lang="en-US" altLang="zh-CN" sz="1300" kern="1200" dirty="0">
+              <a:solidFill>
+                <a:srgbClr val="0070C0"/>
+              </a:solidFill>
+            </a:rPr>
+            <a:t>#</a:t>
+          </a:r>
+          <a:endParaRPr lang="zh-CN" altLang="en-US" sz="1300" kern="1200" dirty="0">
+            <a:solidFill>
+              <a:srgbClr val="0070C0"/>
+            </a:solidFill>
+          </a:endParaRPr>
+        </a:p>
+      </dsp:txBody>
+      <dsp:txXfrm>
+        <a:off x="825581" y="465571"/>
+        <a:ext cx="241472" cy="241472"/>
+      </dsp:txXfrm>
+    </dsp:sp>
+    <dsp:sp modelId="{55D77A21-EA08-46FD-9CD3-D611CBE021A7}">
+      <dsp:nvSpPr>
+        <dsp:cNvPr id="0" name=""/>
+        <dsp:cNvSpPr/>
+      </dsp:nvSpPr>
+      <dsp:spPr>
+        <a:xfrm>
+          <a:off x="531212" y="159363"/>
+          <a:ext cx="341494" cy="341494"/>
+        </a:xfrm>
+        <a:prstGeom prst="ellipse">
+          <a:avLst/>
+        </a:prstGeom>
+        <a:noFill/>
+        <a:ln w="12700" cap="flat" cmpd="sng" algn="ctr">
+          <a:solidFill>
+            <a:srgbClr val="0070C0"/>
+          </a:solidFill>
+          <a:prstDash val="solid"/>
+          <a:miter lim="800000"/>
+        </a:ln>
+        <a:effectLst/>
+      </dsp:spPr>
+      <dsp:style>
+        <a:lnRef idx="2">
+          <a:scrgbClr r="0" g="0" b="0"/>
+        </a:lnRef>
+        <a:fillRef idx="1">
+          <a:scrgbClr r="0" g="0" b="0"/>
+        </a:fillRef>
+        <a:effectRef idx="0">
+          <a:scrgbClr r="0" g="0" b="0"/>
+        </a:effectRef>
+        <a:fontRef idx="minor">
+          <a:schemeClr val="lt1"/>
+        </a:fontRef>
+      </dsp:style>
+      <dsp:txBody>
+        <a:bodyPr spcFirstLastPara="0" vert="horz" wrap="square" lIns="16510" tIns="16510" rIns="16510" bIns="16510" numCol="1" spcCol="1270" anchor="ctr" anchorCtr="0">
+          <a:noAutofit/>
+        </a:bodyPr>
+        <a:lstStyle/>
+        <a:p>
+          <a:pPr marL="0" lvl="0" indent="0" algn="ctr" defTabSz="577850">
+            <a:lnSpc>
+              <a:spcPct val="90000"/>
+            </a:lnSpc>
+            <a:spcBef>
+              <a:spcPct val="0"/>
+            </a:spcBef>
+            <a:spcAft>
+              <a:spcPct val="35000"/>
+            </a:spcAft>
+            <a:buNone/>
+          </a:pPr>
+          <a:r>
+            <a:rPr lang="en-US" altLang="zh-CN" sz="1300" kern="1200" dirty="0">
+              <a:solidFill>
+                <a:srgbClr val="0070C0"/>
+              </a:solidFill>
+            </a:rPr>
+            <a:t>A</a:t>
+          </a:r>
+          <a:endParaRPr lang="zh-CN" altLang="en-US" sz="1300" kern="1200" dirty="0">
+            <a:solidFill>
+              <a:srgbClr val="0070C0"/>
+            </a:solidFill>
+          </a:endParaRPr>
+        </a:p>
+      </dsp:txBody>
+      <dsp:txXfrm>
+        <a:off x="581223" y="209374"/>
+        <a:ext cx="241472" cy="241472"/>
+      </dsp:txXfrm>
+    </dsp:sp>
+    <dsp:sp modelId="{ECB9A548-0B54-48C8-ACC6-E5FED368A3B9}">
+      <dsp:nvSpPr>
+        <dsp:cNvPr id="0" name=""/>
+        <dsp:cNvSpPr/>
+      </dsp:nvSpPr>
+      <dsp:spPr>
+        <a:xfrm>
+          <a:off x="880295" y="76798"/>
+          <a:ext cx="341494" cy="341494"/>
+        </a:xfrm>
+        <a:prstGeom prst="ellipse">
+          <a:avLst/>
+        </a:prstGeom>
+        <a:noFill/>
+        <a:ln w="12700" cap="flat" cmpd="sng" algn="ctr">
+          <a:solidFill>
+            <a:srgbClr val="0070C0"/>
+          </a:solidFill>
+          <a:prstDash val="solid"/>
+          <a:miter lim="800000"/>
+        </a:ln>
+        <a:effectLst/>
+      </dsp:spPr>
+      <dsp:style>
+        <a:lnRef idx="2">
+          <a:scrgbClr r="0" g="0" b="0"/>
+        </a:lnRef>
+        <a:fillRef idx="1">
+          <a:scrgbClr r="0" g="0" b="0"/>
+        </a:fillRef>
+        <a:effectRef idx="0">
+          <a:scrgbClr r="0" g="0" b="0"/>
+        </a:effectRef>
+        <a:fontRef idx="minor">
+          <a:schemeClr val="lt1"/>
+        </a:fontRef>
+      </dsp:style>
+      <dsp:txBody>
+        <a:bodyPr spcFirstLastPara="0" vert="horz" wrap="square" lIns="16510" tIns="16510" rIns="16510" bIns="16510" numCol="1" spcCol="1270" anchor="ctr" anchorCtr="0">
+          <a:noAutofit/>
+        </a:bodyPr>
+        <a:lstStyle/>
+        <a:p>
+          <a:pPr marL="0" lvl="0" indent="0" algn="ctr" defTabSz="577850">
+            <a:lnSpc>
+              <a:spcPct val="90000"/>
+            </a:lnSpc>
+            <a:spcBef>
+              <a:spcPct val="0"/>
+            </a:spcBef>
+            <a:spcAft>
+              <a:spcPct val="35000"/>
+            </a:spcAft>
+            <a:buNone/>
+          </a:pPr>
+          <a:r>
+            <a:rPr lang="en-US" altLang="zh-CN" sz="1300" kern="1200" dirty="0">
+              <a:solidFill>
+                <a:srgbClr val="0070C0"/>
+              </a:solidFill>
+            </a:rPr>
+            <a:t>1</a:t>
+          </a:r>
+          <a:endParaRPr lang="zh-CN" altLang="en-US" sz="1300" kern="1200" dirty="0">
+            <a:solidFill>
+              <a:srgbClr val="0070C0"/>
+            </a:solidFill>
+          </a:endParaRPr>
+        </a:p>
+      </dsp:txBody>
+      <dsp:txXfrm>
+        <a:off x="930306" y="126809"/>
+        <a:ext cx="241472" cy="241472"/>
+      </dsp:txXfrm>
+    </dsp:sp>
+    <dsp:sp modelId="{54875F46-28B8-411A-8E39-0AB1F1829937}">
+      <dsp:nvSpPr>
+        <dsp:cNvPr id="0" name=""/>
+        <dsp:cNvSpPr/>
+      </dsp:nvSpPr>
+      <dsp:spPr>
+        <a:xfrm>
+          <a:off x="379437" y="7588"/>
+          <a:ext cx="1062425" cy="849940"/>
+        </a:xfrm>
+        <a:prstGeom prst="funnel">
+          <a:avLst/>
+        </a:prstGeom>
+        <a:solidFill>
+          <a:schemeClr val="accent5">
+            <a:alpha val="40000"/>
+          </a:schemeClr>
+        </a:solidFill>
+        <a:ln w="6350" cap="flat" cmpd="sng" algn="ctr">
+          <a:solidFill>
+            <a:schemeClr val="accent5">
+              <a:lumMod val="50000"/>
+            </a:schemeClr>
+          </a:solidFill>
+          <a:prstDash val="solid"/>
+          <a:miter lim="800000"/>
+        </a:ln>
+        <a:effectLst/>
+      </dsp:spPr>
+      <dsp:style>
+        <a:lnRef idx="1">
+          <a:scrgbClr r="0" g="0" b="0"/>
+        </a:lnRef>
+        <a:fillRef idx="1">
+          <a:scrgbClr r="0" g="0" b="0"/>
+        </a:fillRef>
+        <a:effectRef idx="0">
+          <a:scrgbClr r="0" g="0" b="0"/>
+        </a:effectRef>
+        <a:fontRef idx="minor"/>
+      </dsp:style>
+    </dsp:sp>
+  </dsp:spTree>
+</dsp:drawing>
+</file>
+
 <file path=ppt/diagrams/layout1.xml><?xml version="1.0" encoding="utf-8"?>
 <dgm:layoutDef xmlns:dgm="http://schemas.openxmlformats.org/drawingml/2006/diagram" xmlns:a="http://schemas.openxmlformats.org/drawingml/2006/main" uniqueId="urn:microsoft.com/office/officeart/2005/8/layout/cycle2">
   <dgm:title val=""/>
@@ -2203,7 +3698,1359 @@
 </dgm:layoutDef>
 </file>
 
+<file path=ppt/diagrams/layout2.xml><?xml version="1.0" encoding="utf-8"?>
+<dgm:layoutDef xmlns:dgm="http://schemas.openxmlformats.org/drawingml/2006/diagram" xmlns:a="http://schemas.openxmlformats.org/drawingml/2006/main" uniqueId="urn:microsoft.com/office/officeart/2005/8/layout/funnel1">
+  <dgm:title val=""/>
+  <dgm:desc val=""/>
+  <dgm:catLst>
+    <dgm:cat type="relationship" pri="2000"/>
+    <dgm:cat type="process" pri="27000"/>
+  </dgm:catLst>
+  <dgm:sampData>
+    <dgm:dataModel>
+      <dgm:ptLst>
+        <dgm:pt modelId="0" type="doc"/>
+        <dgm:pt modelId="1">
+          <dgm:prSet phldr="1"/>
+        </dgm:pt>
+        <dgm:pt modelId="2">
+          <dgm:prSet phldr="1"/>
+        </dgm:pt>
+        <dgm:pt modelId="3">
+          <dgm:prSet phldr="1"/>
+        </dgm:pt>
+        <dgm:pt modelId="4">
+          <dgm:prSet phldr="1"/>
+        </dgm:pt>
+      </dgm:ptLst>
+      <dgm:cxnLst>
+        <dgm:cxn modelId="5" srcId="0" destId="1" srcOrd="0" destOrd="0"/>
+        <dgm:cxn modelId="6" srcId="0" destId="2" srcOrd="1" destOrd="0"/>
+        <dgm:cxn modelId="7" srcId="0" destId="3" srcOrd="2" destOrd="0"/>
+        <dgm:cxn modelId="8" srcId="0" destId="4" srcOrd="3" destOrd="0"/>
+      </dgm:cxnLst>
+      <dgm:bg/>
+      <dgm:whole/>
+    </dgm:dataModel>
+  </dgm:sampData>
+  <dgm:styleData>
+    <dgm:dataModel>
+      <dgm:ptLst>
+        <dgm:pt modelId="0" type="doc"/>
+        <dgm:pt modelId="1"/>
+        <dgm:pt modelId="2"/>
+      </dgm:ptLst>
+      <dgm:cxnLst>
+        <dgm:cxn modelId="3" srcId="0" destId="1" srcOrd="0" destOrd="0"/>
+        <dgm:cxn modelId="4" srcId="0" destId="2" srcOrd="1" destOrd="0"/>
+      </dgm:cxnLst>
+      <dgm:bg/>
+      <dgm:whole/>
+    </dgm:dataModel>
+  </dgm:styleData>
+  <dgm:clrData>
+    <dgm:dataModel>
+      <dgm:ptLst>
+        <dgm:pt modelId="0" type="doc"/>
+        <dgm:pt modelId="1"/>
+        <dgm:pt modelId="2"/>
+        <dgm:pt modelId="3"/>
+        <dgm:pt modelId="4"/>
+      </dgm:ptLst>
+      <dgm:cxnLst>
+        <dgm:cxn modelId="5" srcId="0" destId="1" srcOrd="0" destOrd="0"/>
+        <dgm:cxn modelId="6" srcId="0" destId="2" srcOrd="1" destOrd="0"/>
+        <dgm:cxn modelId="7" srcId="0" destId="3" srcOrd="2" destOrd="0"/>
+        <dgm:cxn modelId="8" srcId="0" destId="4" srcOrd="3" destOrd="0"/>
+      </dgm:cxnLst>
+      <dgm:bg/>
+      <dgm:whole/>
+    </dgm:dataModel>
+  </dgm:clrData>
+  <dgm:layoutNode name="Name0">
+    <dgm:varLst>
+      <dgm:chMax val="4"/>
+      <dgm:resizeHandles val="exact"/>
+    </dgm:varLst>
+    <dgm:alg type="composite">
+      <dgm:param type="ar" val="1.25"/>
+    </dgm:alg>
+    <dgm:shape xmlns:r="http://schemas.openxmlformats.org/officeDocument/2006/relationships" r:blip="">
+      <dgm:adjLst/>
+    </dgm:shape>
+    <dgm:presOf/>
+    <dgm:choose name="Name1">
+      <dgm:if name="Name2" axis="ch" ptType="node" func="cnt" op="equ" val="2">
+        <dgm:constrLst>
+          <dgm:constr type="w" for="ch" forName="ellipse" refType="w" fact="0.645"/>
+          <dgm:constr type="h" for="ch" forName="ellipse" refType="h" fact="0.28"/>
+          <dgm:constr type="t" for="ch" forName="ellipse" refType="w" fact="0.0275"/>
+          <dgm:constr type="l" for="ch" forName="ellipse" refType="w" fact="0.0265"/>
+          <dgm:constr type="w" for="ch" forName="arrow1" refType="w" fact="0.125"/>
+          <dgm:constr type="h" for="ch" forName="arrow1" refType="h" fact="0.1"/>
+          <dgm:constr type="t" for="ch" forName="arrow1" refType="h" fact="0.72"/>
+          <dgm:constr type="l" for="ch" forName="arrow1" refType="w" fact="0.2875"/>
+          <dgm:constr type="w" for="ch" forName="rectangle" refType="w" fact="0.6"/>
+          <dgm:constr type="h" for="ch" forName="rectangle" refType="w" refFor="ch" refForName="rectangle" fact="0.25"/>
+          <dgm:constr type="t" for="ch" forName="rectangle" refType="h" fact="0.8"/>
+          <dgm:constr type="l" for="ch" forName="rectangle" refType="w" fact="0.05"/>
+          <dgm:constr type="w" for="ch" forName="item1" refType="w" fact="0.35"/>
+          <dgm:constr type="h" for="ch" forName="item1" refType="w" fact="0.35"/>
+          <dgm:constr type="t" for="ch" forName="item1" refType="h" fact="0.05"/>
+          <dgm:constr type="l" for="ch" forName="item1" refType="w" fact="0.125"/>
+          <dgm:constr type="primFontSz" for="ch" forName="item1" op="equ" val="65"/>
+          <dgm:constr type="w" for="ch" forName="funnel" refType="w" fact="0.7"/>
+          <dgm:constr type="h" for="ch" forName="funnel" refType="h" fact="0.7"/>
+          <dgm:constr type="t" for="ch" forName="funnel"/>
+          <dgm:constr type="l" for="ch" forName="funnel"/>
+        </dgm:constrLst>
+      </dgm:if>
+      <dgm:else name="Name3">
+        <dgm:constrLst>
+          <dgm:constr type="w" for="ch" forName="ellipse" refType="w" fact="0.645"/>
+          <dgm:constr type="h" for="ch" forName="ellipse" refType="h" fact="0.28"/>
+          <dgm:constr type="t" for="ch" forName="ellipse" refType="w" fact="0.0275"/>
+          <dgm:constr type="l" for="ch" forName="ellipse" refType="w" fact="0.0265"/>
+          <dgm:constr type="w" for="ch" forName="arrow1" refType="w" fact="0.125"/>
+          <dgm:constr type="h" for="ch" forName="arrow1" refType="h" fact="0.1"/>
+          <dgm:constr type="t" for="ch" forName="arrow1" refType="h" fact="0.72"/>
+          <dgm:constr type="l" for="ch" forName="arrow1" refType="w" fact="0.2875"/>
+          <dgm:constr type="w" for="ch" forName="rectangle" refType="w" fact="0.6"/>
+          <dgm:constr type="h" for="ch" forName="rectangle" refType="w" refFor="ch" refForName="rectangle" fact="0.25"/>
+          <dgm:constr type="t" for="ch" forName="rectangle" refType="h" fact="0.8"/>
+          <dgm:constr type="l" for="ch" forName="rectangle" refType="w" fact="0.05"/>
+          <dgm:constr type="primFontSz" for="ch" forName="rectangle" val="65"/>
+          <dgm:constr type="w" for="ch" forName="item1" refType="w" fact="0.225"/>
+          <dgm:constr type="h" for="ch" forName="item1" refType="w" fact="0.225"/>
+          <dgm:constr type="t" for="ch" forName="item1" refType="h" fact="0.336"/>
+          <dgm:constr type="l" for="ch" forName="item1" refType="w" fact="0.261"/>
+          <dgm:constr type="primFontSz" for="ch" forName="item1" val="65"/>
+          <dgm:constr type="w" for="ch" forName="item2" refType="w" fact="0.225"/>
+          <dgm:constr type="h" for="ch" forName="item2" refType="w" fact="0.225"/>
+          <dgm:constr type="t" for="ch" forName="item2" refType="h" fact="0.125"/>
+          <dgm:constr type="l" for="ch" forName="item2" refType="w" fact="0.1"/>
+          <dgm:constr type="primFontSz" for="ch" forName="item2" refType="primFontSz" refFor="ch" refForName="item1" op="equ"/>
+          <dgm:constr type="w" for="ch" forName="item3" refType="w" fact="0.225"/>
+          <dgm:constr type="h" for="ch" forName="item3" refType="w" fact="0.225"/>
+          <dgm:constr type="t" for="ch" forName="item3" refType="h" fact="0.057"/>
+          <dgm:constr type="l" for="ch" forName="item3" refType="w" fact="0.33"/>
+          <dgm:constr type="primFontSz" for="ch" forName="item3" refType="primFontSz" refFor="ch" refForName="item1" op="equ"/>
+          <dgm:constr type="w" for="ch" forName="funnel" refType="w" fact="0.7"/>
+          <dgm:constr type="h" for="ch" forName="funnel" refType="h" fact="0.7"/>
+          <dgm:constr type="t" for="ch" forName="funnel"/>
+          <dgm:constr type="l" for="ch" forName="funnel"/>
+        </dgm:constrLst>
+      </dgm:else>
+    </dgm:choose>
+    <dgm:ruleLst/>
+    <dgm:choose name="Name4">
+      <dgm:if name="Name5" axis="ch" ptType="node" func="cnt" op="gte" val="1">
+        <dgm:layoutNode name="ellipse" styleLbl="trBgShp">
+          <dgm:alg type="sp"/>
+          <dgm:shape xmlns:r="http://schemas.openxmlformats.org/officeDocument/2006/relationships" type="ellipse" r:blip="">
+            <dgm:adjLst/>
+          </dgm:shape>
+          <dgm:presOf/>
+          <dgm:constrLst/>
+          <dgm:ruleLst/>
+        </dgm:layoutNode>
+        <dgm:layoutNode name="arrow1" styleLbl="fgShp">
+          <dgm:alg type="sp"/>
+          <dgm:shape xmlns:r="http://schemas.openxmlformats.org/officeDocument/2006/relationships" type="downArrow" r:blip="">
+            <dgm:adjLst/>
+          </dgm:shape>
+          <dgm:presOf/>
+          <dgm:constrLst/>
+          <dgm:ruleLst/>
+        </dgm:layoutNode>
+        <dgm:layoutNode name="rectangle" styleLbl="revTx">
+          <dgm:varLst>
+            <dgm:bulletEnabled val="1"/>
+          </dgm:varLst>
+          <dgm:alg type="tx">
+            <dgm:param type="txAnchorHorzCh" val="ctr"/>
+          </dgm:alg>
+          <dgm:shape xmlns:r="http://schemas.openxmlformats.org/officeDocument/2006/relationships" type="rect" r:blip="">
+            <dgm:adjLst/>
+          </dgm:shape>
+          <dgm:choose name="Name6">
+            <dgm:if name="Name7" axis="ch" ptType="node" func="cnt" op="equ" val="1">
+              <dgm:presOf axis="ch desOrSelf" ptType="node node" st="1 1" cnt="1 0"/>
+            </dgm:if>
+            <dgm:if name="Name8" axis="ch" ptType="node" func="cnt" op="equ" val="2">
+              <dgm:presOf axis="ch desOrSelf" ptType="node node" st="2 1" cnt="1 0"/>
+            </dgm:if>
+            <dgm:if name="Name9" axis="ch" ptType="node" func="cnt" op="equ" val="3">
+              <dgm:presOf axis="ch desOrSelf" ptType="node node" st="3 1" cnt="1 0"/>
+            </dgm:if>
+            <dgm:else name="Name10">
+              <dgm:presOf axis="ch desOrSelf" ptType="node node" st="4 1" cnt="1 0"/>
+            </dgm:else>
+          </dgm:choose>
+          <dgm:constrLst/>
+          <dgm:ruleLst>
+            <dgm:rule type="primFontSz" val="5" fact="NaN" max="NaN"/>
+          </dgm:ruleLst>
+        </dgm:layoutNode>
+        <dgm:forEach name="Name11" axis="ch" ptType="node" st="2" cnt="1">
+          <dgm:layoutNode name="item1" styleLbl="node1">
+            <dgm:varLst>
+              <dgm:bulletEnabled val="1"/>
+            </dgm:varLst>
+            <dgm:alg type="tx">
+              <dgm:param type="txAnchorVertCh" val="mid"/>
+            </dgm:alg>
+            <dgm:shape xmlns:r="http://schemas.openxmlformats.org/officeDocument/2006/relationships" type="ellipse" r:blip="">
+              <dgm:adjLst/>
+            </dgm:shape>
+            <dgm:choose name="Name12">
+              <dgm:if name="Name13" axis="root ch" ptType="all node" func="cnt" op="equ" val="1">
+                <dgm:presOf/>
+              </dgm:if>
+              <dgm:if name="Name14" axis="root ch" ptType="all node" func="cnt" op="equ" val="2">
+                <dgm:presOf axis="root ch desOrSelf" ptType="all node node" st="1 1 1" cnt="0 1 0"/>
+              </dgm:if>
+              <dgm:if name="Name15" axis="root ch" ptType="all node" func="cnt" op="equ" val="3">
+                <dgm:presOf axis="root ch desOrSelf" ptType="all node node" st="1 2 1" cnt="0 1 0"/>
+              </dgm:if>
+              <dgm:else name="Name16">
+                <dgm:presOf axis="root ch desOrSelf" ptType="all node node" st="1 3 1" cnt="0 1 0"/>
+              </dgm:else>
+            </dgm:choose>
+            <dgm:constrLst>
+              <dgm:constr type="tMarg" refType="primFontSz" fact="0.1"/>
+              <dgm:constr type="bMarg" refType="primFontSz" fact="0.1"/>
+              <dgm:constr type="lMarg" refType="primFontSz" fact="0.1"/>
+              <dgm:constr type="rMarg" refType="primFontSz" fact="0.1"/>
+            </dgm:constrLst>
+            <dgm:ruleLst>
+              <dgm:rule type="primFontSz" val="5" fact="NaN" max="NaN"/>
+            </dgm:ruleLst>
+          </dgm:layoutNode>
+        </dgm:forEach>
+        <dgm:forEach name="Name17" axis="ch" ptType="node" st="3" cnt="1">
+          <dgm:layoutNode name="item2" styleLbl="node1">
+            <dgm:varLst>
+              <dgm:bulletEnabled val="1"/>
+            </dgm:varLst>
+            <dgm:alg type="tx">
+              <dgm:param type="txAnchorVertCh" val="mid"/>
+            </dgm:alg>
+            <dgm:shape xmlns:r="http://schemas.openxmlformats.org/officeDocument/2006/relationships" type="ellipse" r:blip="">
+              <dgm:adjLst/>
+            </dgm:shape>
+            <dgm:choose name="Name18">
+              <dgm:if name="Name19" axis="root ch" ptType="all node" func="cnt" op="equ" val="1">
+                <dgm:presOf/>
+              </dgm:if>
+              <dgm:if name="Name20" axis="root ch" ptType="all node" func="cnt" op="equ" val="2">
+                <dgm:presOf/>
+              </dgm:if>
+              <dgm:if name="Name21" axis="root ch" ptType="all node" func="cnt" op="equ" val="3">
+                <dgm:presOf axis="root ch desOrSelf" ptType="all node node" st="1 1 1" cnt="0 1 0"/>
+              </dgm:if>
+              <dgm:else name="Name22">
+                <dgm:presOf axis="root ch desOrSelf" ptType="all node node" st="1 2 1" cnt="0 1 0"/>
+              </dgm:else>
+            </dgm:choose>
+            <dgm:constrLst>
+              <dgm:constr type="tMarg" refType="primFontSz" fact="0.1"/>
+              <dgm:constr type="bMarg" refType="primFontSz" fact="0.1"/>
+              <dgm:constr type="lMarg" refType="primFontSz" fact="0.1"/>
+              <dgm:constr type="rMarg" refType="primFontSz" fact="0.1"/>
+            </dgm:constrLst>
+            <dgm:ruleLst>
+              <dgm:rule type="primFontSz" val="5" fact="NaN" max="NaN"/>
+            </dgm:ruleLst>
+          </dgm:layoutNode>
+        </dgm:forEach>
+        <dgm:forEach name="Name23" axis="ch" ptType="node" st="4" cnt="1">
+          <dgm:layoutNode name="item3" styleLbl="node1">
+            <dgm:varLst>
+              <dgm:bulletEnabled val="1"/>
+            </dgm:varLst>
+            <dgm:alg type="tx">
+              <dgm:param type="txAnchorVertCh" val="mid"/>
+            </dgm:alg>
+            <dgm:shape xmlns:r="http://schemas.openxmlformats.org/officeDocument/2006/relationships" type="ellipse" r:blip="">
+              <dgm:adjLst/>
+            </dgm:shape>
+            <dgm:choose name="Name24">
+              <dgm:if name="Name25" axis="root ch" ptType="all node" func="cnt" op="equ" val="1">
+                <dgm:presOf/>
+              </dgm:if>
+              <dgm:if name="Name26" axis="root ch" ptType="all node" func="cnt" op="equ" val="2">
+                <dgm:presOf/>
+              </dgm:if>
+              <dgm:if name="Name27" axis="root ch" ptType="all node" func="cnt" op="equ" val="3">
+                <dgm:presOf/>
+              </dgm:if>
+              <dgm:else name="Name28">
+                <dgm:presOf axis="root ch desOrSelf" ptType="all node node" st="1 1 1" cnt="0 1 0"/>
+              </dgm:else>
+            </dgm:choose>
+            <dgm:constrLst>
+              <dgm:constr type="tMarg" refType="primFontSz" fact="0.1"/>
+              <dgm:constr type="bMarg" refType="primFontSz" fact="0.1"/>
+              <dgm:constr type="lMarg" refType="primFontSz" fact="0.1"/>
+              <dgm:constr type="rMarg" refType="primFontSz" fact="0.1"/>
+            </dgm:constrLst>
+            <dgm:ruleLst>
+              <dgm:rule type="primFontSz" val="5" fact="NaN" max="NaN"/>
+            </dgm:ruleLst>
+          </dgm:layoutNode>
+        </dgm:forEach>
+        <dgm:layoutNode name="funnel" styleLbl="trAlignAcc1">
+          <dgm:alg type="sp"/>
+          <dgm:shape xmlns:r="http://schemas.openxmlformats.org/officeDocument/2006/relationships" type="funnel" r:blip="">
+            <dgm:adjLst/>
+          </dgm:shape>
+          <dgm:presOf/>
+          <dgm:constrLst/>
+          <dgm:ruleLst/>
+        </dgm:layoutNode>
+      </dgm:if>
+      <dgm:else name="Name29"/>
+    </dgm:choose>
+  </dgm:layoutNode>
+</dgm:layoutDef>
+</file>
+
 <file path=ppt/diagrams/quickStyle1.xml><?xml version="1.0" encoding="utf-8"?>
+<dgm:styleDef xmlns:dgm="http://schemas.openxmlformats.org/drawingml/2006/diagram" xmlns:a="http://schemas.openxmlformats.org/drawingml/2006/main" uniqueId="urn:microsoft.com/office/officeart/2005/8/quickstyle/simple1">
+  <dgm:title val=""/>
+  <dgm:desc val=""/>
+  <dgm:catLst>
+    <dgm:cat type="simple" pri="10100"/>
+  </dgm:catLst>
+  <dgm:scene3d>
+    <a:camera prst="orthographicFront"/>
+    <a:lightRig rig="threePt" dir="t"/>
+  </dgm:scene3d>
+  <dgm:styleLbl name="node0">
+    <dgm:scene3d>
+      <a:camera prst="orthographicFront"/>
+      <a:lightRig rig="threePt" dir="t"/>
+    </dgm:scene3d>
+    <dgm:sp3d/>
+    <dgm:txPr/>
+    <dgm:style>
+      <a:lnRef idx="2">
+        <a:scrgbClr r="0" g="0" b="0"/>
+      </a:lnRef>
+      <a:fillRef idx="1">
+        <a:scrgbClr r="0" g="0" b="0"/>
+      </a:fillRef>
+      <a:effectRef idx="0">
+        <a:scrgbClr r="0" g="0" b="0"/>
+      </a:effectRef>
+      <a:fontRef idx="minor">
+        <a:schemeClr val="lt1"/>
+      </a:fontRef>
+    </dgm:style>
+  </dgm:styleLbl>
+  <dgm:styleLbl name="lnNode1">
+    <dgm:scene3d>
+      <a:camera prst="orthographicFront"/>
+      <a:lightRig rig="threePt" dir="t"/>
+    </dgm:scene3d>
+    <dgm:sp3d/>
+    <dgm:txPr/>
+    <dgm:style>
+      <a:lnRef idx="2">
+        <a:scrgbClr r="0" g="0" b="0"/>
+      </a:lnRef>
+      <a:fillRef idx="1">
+        <a:scrgbClr r="0" g="0" b="0"/>
+      </a:fillRef>
+      <a:effectRef idx="0">
+        <a:scrgbClr r="0" g="0" b="0"/>
+      </a:effectRef>
+      <a:fontRef idx="minor">
+        <a:schemeClr val="lt1"/>
+      </a:fontRef>
+    </dgm:style>
+  </dgm:styleLbl>
+  <dgm:styleLbl name="vennNode1">
+    <dgm:scene3d>
+      <a:camera prst="orthographicFront"/>
+      <a:lightRig rig="threePt" dir="t"/>
+    </dgm:scene3d>
+    <dgm:sp3d/>
+    <dgm:txPr/>
+    <dgm:style>
+      <a:lnRef idx="2">
+        <a:scrgbClr r="0" g="0" b="0"/>
+      </a:lnRef>
+      <a:fillRef idx="1">
+        <a:scrgbClr r="0" g="0" b="0"/>
+      </a:fillRef>
+      <a:effectRef idx="0">
+        <a:scrgbClr r="0" g="0" b="0"/>
+      </a:effectRef>
+      <a:fontRef idx="minor">
+        <a:schemeClr val="tx1"/>
+      </a:fontRef>
+    </dgm:style>
+  </dgm:styleLbl>
+  <dgm:styleLbl name="alignNode1">
+    <dgm:scene3d>
+      <a:camera prst="orthographicFront"/>
+      <a:lightRig rig="threePt" dir="t"/>
+    </dgm:scene3d>
+    <dgm:sp3d/>
+    <dgm:txPr/>
+    <dgm:style>
+      <a:lnRef idx="2">
+        <a:scrgbClr r="0" g="0" b="0"/>
+      </a:lnRef>
+      <a:fillRef idx="1">
+        <a:scrgbClr r="0" g="0" b="0"/>
+      </a:fillRef>
+      <a:effectRef idx="0">
+        <a:scrgbClr r="0" g="0" b="0"/>
+      </a:effectRef>
+      <a:fontRef idx="minor">
+        <a:schemeClr val="lt1"/>
+      </a:fontRef>
+    </dgm:style>
+  </dgm:styleLbl>
+  <dgm:styleLbl name="node1">
+    <dgm:scene3d>
+      <a:camera prst="orthographicFront"/>
+      <a:lightRig rig="threePt" dir="t"/>
+    </dgm:scene3d>
+    <dgm:sp3d/>
+    <dgm:txPr/>
+    <dgm:style>
+      <a:lnRef idx="2">
+        <a:scrgbClr r="0" g="0" b="0"/>
+      </a:lnRef>
+      <a:fillRef idx="1">
+        <a:scrgbClr r="0" g="0" b="0"/>
+      </a:fillRef>
+      <a:effectRef idx="0">
+        <a:scrgbClr r="0" g="0" b="0"/>
+      </a:effectRef>
+      <a:fontRef idx="minor">
+        <a:schemeClr val="lt1"/>
+      </a:fontRef>
+    </dgm:style>
+  </dgm:styleLbl>
+  <dgm:styleLbl name="node2">
+    <dgm:scene3d>
+      <a:camera prst="orthographicFront"/>
+      <a:lightRig rig="threePt" dir="t"/>
+    </dgm:scene3d>
+    <dgm:sp3d/>
+    <dgm:txPr/>
+    <dgm:style>
+      <a:lnRef idx="2">
+        <a:scrgbClr r="0" g="0" b="0"/>
+      </a:lnRef>
+      <a:fillRef idx="1">
+        <a:scrgbClr r="0" g="0" b="0"/>
+      </a:fillRef>
+      <a:effectRef idx="0">
+        <a:scrgbClr r="0" g="0" b="0"/>
+      </a:effectRef>
+      <a:fontRef idx="minor">
+        <a:schemeClr val="lt1"/>
+      </a:fontRef>
+    </dgm:style>
+  </dgm:styleLbl>
+  <dgm:styleLbl name="node3">
+    <dgm:scene3d>
+      <a:camera prst="orthographicFront"/>
+      <a:lightRig rig="threePt" dir="t"/>
+    </dgm:scene3d>
+    <dgm:sp3d/>
+    <dgm:txPr/>
+    <dgm:style>
+      <a:lnRef idx="2">
+        <a:scrgbClr r="0" g="0" b="0"/>
+      </a:lnRef>
+      <a:fillRef idx="1">
+        <a:scrgbClr r="0" g="0" b="0"/>
+      </a:fillRef>
+      <a:effectRef idx="0">
+        <a:scrgbClr r="0" g="0" b="0"/>
+      </a:effectRef>
+      <a:fontRef idx="minor">
+        <a:schemeClr val="lt1"/>
+      </a:fontRef>
+    </dgm:style>
+  </dgm:styleLbl>
+  <dgm:styleLbl name="node4">
+    <dgm:scene3d>
+      <a:camera prst="orthographicFront"/>
+      <a:lightRig rig="threePt" dir="t"/>
+    </dgm:scene3d>
+    <dgm:sp3d/>
+    <dgm:txPr/>
+    <dgm:style>
+      <a:lnRef idx="2">
+        <a:scrgbClr r="0" g="0" b="0"/>
+      </a:lnRef>
+      <a:fillRef idx="1">
+        <a:scrgbClr r="0" g="0" b="0"/>
+      </a:fillRef>
+      <a:effectRef idx="0">
+        <a:scrgbClr r="0" g="0" b="0"/>
+      </a:effectRef>
+      <a:fontRef idx="minor">
+        <a:schemeClr val="lt1"/>
+      </a:fontRef>
+    </dgm:style>
+  </dgm:styleLbl>
+  <dgm:styleLbl name="fgImgPlace1">
+    <dgm:scene3d>
+      <a:camera prst="orthographicFront"/>
+      <a:lightRig rig="threePt" dir="t"/>
+    </dgm:scene3d>
+    <dgm:sp3d/>
+    <dgm:txPr/>
+    <dgm:style>
+      <a:lnRef idx="2">
+        <a:scrgbClr r="0" g="0" b="0"/>
+      </a:lnRef>
+      <a:fillRef idx="1">
+        <a:scrgbClr r="0" g="0" b="0"/>
+      </a:fillRef>
+      <a:effectRef idx="0">
+        <a:scrgbClr r="0" g="0" b="0"/>
+      </a:effectRef>
+      <a:fontRef idx="minor"/>
+    </dgm:style>
+  </dgm:styleLbl>
+  <dgm:styleLbl name="alignImgPlace1">
+    <dgm:scene3d>
+      <a:camera prst="orthographicFront"/>
+      <a:lightRig rig="threePt" dir="t"/>
+    </dgm:scene3d>
+    <dgm:sp3d/>
+    <dgm:txPr/>
+    <dgm:style>
+      <a:lnRef idx="2">
+        <a:scrgbClr r="0" g="0" b="0"/>
+      </a:lnRef>
+      <a:fillRef idx="1">
+        <a:scrgbClr r="0" g="0" b="0"/>
+      </a:fillRef>
+      <a:effectRef idx="0">
+        <a:scrgbClr r="0" g="0" b="0"/>
+      </a:effectRef>
+      <a:fontRef idx="minor"/>
+    </dgm:style>
+  </dgm:styleLbl>
+  <dgm:styleLbl name="bgImgPlace1">
+    <dgm:scene3d>
+      <a:camera prst="orthographicFront"/>
+      <a:lightRig rig="threePt" dir="t"/>
+    </dgm:scene3d>
+    <dgm:sp3d/>
+    <dgm:txPr/>
+    <dgm:style>
+      <a:lnRef idx="2">
+        <a:scrgbClr r="0" g="0" b="0"/>
+      </a:lnRef>
+      <a:fillRef idx="1">
+        <a:scrgbClr r="0" g="0" b="0"/>
+      </a:fillRef>
+      <a:effectRef idx="0">
+        <a:scrgbClr r="0" g="0" b="0"/>
+      </a:effectRef>
+      <a:fontRef idx="minor"/>
+    </dgm:style>
+  </dgm:styleLbl>
+  <dgm:styleLbl name="sibTrans2D1">
+    <dgm:scene3d>
+      <a:camera prst="orthographicFront"/>
+      <a:lightRig rig="threePt" dir="t"/>
+    </dgm:scene3d>
+    <dgm:sp3d/>
+    <dgm:txPr/>
+    <dgm:style>
+      <a:lnRef idx="0">
+        <a:scrgbClr r="0" g="0" b="0"/>
+      </a:lnRef>
+      <a:fillRef idx="1">
+        <a:scrgbClr r="0" g="0" b="0"/>
+      </a:fillRef>
+      <a:effectRef idx="0">
+        <a:scrgbClr r="0" g="0" b="0"/>
+      </a:effectRef>
+      <a:fontRef idx="minor">
+        <a:schemeClr val="lt1"/>
+      </a:fontRef>
+    </dgm:style>
+  </dgm:styleLbl>
+  <dgm:styleLbl name="fgSibTrans2D1">
+    <dgm:scene3d>
+      <a:camera prst="orthographicFront"/>
+      <a:lightRig rig="threePt" dir="t"/>
+    </dgm:scene3d>
+    <dgm:sp3d/>
+    <dgm:txPr/>
+    <dgm:style>
+      <a:lnRef idx="0">
+        <a:scrgbClr r="0" g="0" b="0"/>
+      </a:lnRef>
+      <a:fillRef idx="1">
+        <a:scrgbClr r="0" g="0" b="0"/>
+      </a:fillRef>
+      <a:effectRef idx="0">
+        <a:scrgbClr r="0" g="0" b="0"/>
+      </a:effectRef>
+      <a:fontRef idx="minor">
+        <a:schemeClr val="lt1"/>
+      </a:fontRef>
+    </dgm:style>
+  </dgm:styleLbl>
+  <dgm:styleLbl name="bgSibTrans2D1">
+    <dgm:scene3d>
+      <a:camera prst="orthographicFront"/>
+      <a:lightRig rig="threePt" dir="t"/>
+    </dgm:scene3d>
+    <dgm:sp3d/>
+    <dgm:txPr/>
+    <dgm:style>
+      <a:lnRef idx="0">
+        <a:scrgbClr r="0" g="0" b="0"/>
+      </a:lnRef>
+      <a:fillRef idx="1">
+        <a:scrgbClr r="0" g="0" b="0"/>
+      </a:fillRef>
+      <a:effectRef idx="0">
+        <a:scrgbClr r="0" g="0" b="0"/>
+      </a:effectRef>
+      <a:fontRef idx="minor">
+        <a:schemeClr val="lt1"/>
+      </a:fontRef>
+    </dgm:style>
+  </dgm:styleLbl>
+  <dgm:styleLbl name="sibTrans1D1">
+    <dgm:scene3d>
+      <a:camera prst="orthographicFront"/>
+      <a:lightRig rig="threePt" dir="t"/>
+    </dgm:scene3d>
+    <dgm:sp3d/>
+    <dgm:txPr/>
+    <dgm:style>
+      <a:lnRef idx="1">
+        <a:scrgbClr r="0" g="0" b="0"/>
+      </a:lnRef>
+      <a:fillRef idx="0">
+        <a:scrgbClr r="0" g="0" b="0"/>
+      </a:fillRef>
+      <a:effectRef idx="0">
+        <a:scrgbClr r="0" g="0" b="0"/>
+      </a:effectRef>
+      <a:fontRef idx="minor"/>
+    </dgm:style>
+  </dgm:styleLbl>
+  <dgm:styleLbl name="callout">
+    <dgm:scene3d>
+      <a:camera prst="orthographicFront"/>
+      <a:lightRig rig="threePt" dir="t"/>
+    </dgm:scene3d>
+    <dgm:sp3d/>
+    <dgm:txPr/>
+    <dgm:style>
+      <a:lnRef idx="2">
+        <a:scrgbClr r="0" g="0" b="0"/>
+      </a:lnRef>
+      <a:fillRef idx="1">
+        <a:scrgbClr r="0" g="0" b="0"/>
+      </a:fillRef>
+      <a:effectRef idx="0">
+        <a:scrgbClr r="0" g="0" b="0"/>
+      </a:effectRef>
+      <a:fontRef idx="minor"/>
+    </dgm:style>
+  </dgm:styleLbl>
+  <dgm:styleLbl name="asst0">
+    <dgm:scene3d>
+      <a:camera prst="orthographicFront"/>
+      <a:lightRig rig="threePt" dir="t"/>
+    </dgm:scene3d>
+    <dgm:sp3d/>
+    <dgm:txPr/>
+    <dgm:style>
+      <a:lnRef idx="2">
+        <a:scrgbClr r="0" g="0" b="0"/>
+      </a:lnRef>
+      <a:fillRef idx="1">
+        <a:scrgbClr r="0" g="0" b="0"/>
+      </a:fillRef>
+      <a:effectRef idx="0">
+        <a:scrgbClr r="0" g="0" b="0"/>
+      </a:effectRef>
+      <a:fontRef idx="minor">
+        <a:schemeClr val="lt1"/>
+      </a:fontRef>
+    </dgm:style>
+  </dgm:styleLbl>
+  <dgm:styleLbl name="asst1">
+    <dgm:scene3d>
+      <a:camera prst="orthographicFront"/>
+      <a:lightRig rig="threePt" dir="t"/>
+    </dgm:scene3d>
+    <dgm:sp3d/>
+    <dgm:txPr/>
+    <dgm:style>
+      <a:lnRef idx="2">
+        <a:scrgbClr r="0" g="0" b="0"/>
+      </a:lnRef>
+      <a:fillRef idx="1">
+        <a:scrgbClr r="0" g="0" b="0"/>
+      </a:fillRef>
+      <a:effectRef idx="0">
+        <a:scrgbClr r="0" g="0" b="0"/>
+      </a:effectRef>
+      <a:fontRef idx="minor">
+        <a:schemeClr val="lt1"/>
+      </a:fontRef>
+    </dgm:style>
+  </dgm:styleLbl>
+  <dgm:styleLbl name="asst2">
+    <dgm:scene3d>
+      <a:camera prst="orthographicFront"/>
+      <a:lightRig rig="threePt" dir="t"/>
+    </dgm:scene3d>
+    <dgm:sp3d/>
+    <dgm:txPr/>
+    <dgm:style>
+      <a:lnRef idx="2">
+        <a:scrgbClr r="0" g="0" b="0"/>
+      </a:lnRef>
+      <a:fillRef idx="1">
+        <a:scrgbClr r="0" g="0" b="0"/>
+      </a:fillRef>
+      <a:effectRef idx="0">
+        <a:scrgbClr r="0" g="0" b="0"/>
+      </a:effectRef>
+      <a:fontRef idx="minor">
+        <a:schemeClr val="lt1"/>
+      </a:fontRef>
+    </dgm:style>
+  </dgm:styleLbl>
+  <dgm:styleLbl name="asst3">
+    <dgm:scene3d>
+      <a:camera prst="orthographicFront"/>
+      <a:lightRig rig="threePt" dir="t"/>
+    </dgm:scene3d>
+    <dgm:sp3d/>
+    <dgm:txPr/>
+    <dgm:style>
+      <a:lnRef idx="2">
+        <a:scrgbClr r="0" g="0" b="0"/>
+      </a:lnRef>
+      <a:fillRef idx="1">
+        <a:scrgbClr r="0" g="0" b="0"/>
+      </a:fillRef>
+      <a:effectRef idx="0">
+        <a:scrgbClr r="0" g="0" b="0"/>
+      </a:effectRef>
+      <a:fontRef idx="minor">
+        <a:schemeClr val="lt1"/>
+      </a:fontRef>
+    </dgm:style>
+  </dgm:styleLbl>
+  <dgm:styleLbl name="asst4">
+    <dgm:scene3d>
+      <a:camera prst="orthographicFront"/>
+      <a:lightRig rig="threePt" dir="t"/>
+    </dgm:scene3d>
+    <dgm:sp3d/>
+    <dgm:txPr/>
+    <dgm:style>
+      <a:lnRef idx="2">
+        <a:scrgbClr r="0" g="0" b="0"/>
+      </a:lnRef>
+      <a:fillRef idx="1">
+        <a:scrgbClr r="0" g="0" b="0"/>
+      </a:fillRef>
+      <a:effectRef idx="0">
+        <a:scrgbClr r="0" g="0" b="0"/>
+      </a:effectRef>
+      <a:fontRef idx="minor">
+        <a:schemeClr val="lt1"/>
+      </a:fontRef>
+    </dgm:style>
+  </dgm:styleLbl>
+  <dgm:styleLbl name="parChTrans2D1">
+    <dgm:scene3d>
+      <a:camera prst="orthographicFront"/>
+      <a:lightRig rig="threePt" dir="t"/>
+    </dgm:scene3d>
+    <dgm:sp3d/>
+    <dgm:txPr/>
+    <dgm:style>
+      <a:lnRef idx="2">
+        <a:scrgbClr r="0" g="0" b="0"/>
+      </a:lnRef>
+      <a:fillRef idx="1">
+        <a:scrgbClr r="0" g="0" b="0"/>
+      </a:fillRef>
+      <a:effectRef idx="0">
+        <a:scrgbClr r="0" g="0" b="0"/>
+      </a:effectRef>
+      <a:fontRef idx="minor">
+        <a:schemeClr val="lt1"/>
+      </a:fontRef>
+    </dgm:style>
+  </dgm:styleLbl>
+  <dgm:styleLbl name="parChTrans2D2">
+    <dgm:scene3d>
+      <a:camera prst="orthographicFront"/>
+      <a:lightRig rig="threePt" dir="t"/>
+    </dgm:scene3d>
+    <dgm:sp3d/>
+    <dgm:txPr/>
+    <dgm:style>
+      <a:lnRef idx="2">
+        <a:scrgbClr r="0" g="0" b="0"/>
+      </a:lnRef>
+      <a:fillRef idx="1">
+        <a:scrgbClr r="0" g="0" b="0"/>
+      </a:fillRef>
+      <a:effectRef idx="0">
+        <a:scrgbClr r="0" g="0" b="0"/>
+      </a:effectRef>
+      <a:fontRef idx="minor">
+        <a:schemeClr val="lt1"/>
+      </a:fontRef>
+    </dgm:style>
+  </dgm:styleLbl>
+  <dgm:styleLbl name="parChTrans2D3">
+    <dgm:scene3d>
+      <a:camera prst="orthographicFront"/>
+      <a:lightRig rig="threePt" dir="t"/>
+    </dgm:scene3d>
+    <dgm:sp3d/>
+    <dgm:txPr/>
+    <dgm:style>
+      <a:lnRef idx="2">
+        <a:scrgbClr r="0" g="0" b="0"/>
+      </a:lnRef>
+      <a:fillRef idx="1">
+        <a:scrgbClr r="0" g="0" b="0"/>
+      </a:fillRef>
+      <a:effectRef idx="0">
+        <a:scrgbClr r="0" g="0" b="0"/>
+      </a:effectRef>
+      <a:fontRef idx="minor">
+        <a:schemeClr val="lt1"/>
+      </a:fontRef>
+    </dgm:style>
+  </dgm:styleLbl>
+  <dgm:styleLbl name="parChTrans2D4">
+    <dgm:scene3d>
+      <a:camera prst="orthographicFront"/>
+      <a:lightRig rig="threePt" dir="t"/>
+    </dgm:scene3d>
+    <dgm:sp3d/>
+    <dgm:txPr/>
+    <dgm:style>
+      <a:lnRef idx="2">
+        <a:scrgbClr r="0" g="0" b="0"/>
+      </a:lnRef>
+      <a:fillRef idx="1">
+        <a:scrgbClr r="0" g="0" b="0"/>
+      </a:fillRef>
+      <a:effectRef idx="0">
+        <a:scrgbClr r="0" g="0" b="0"/>
+      </a:effectRef>
+      <a:fontRef idx="minor">
+        <a:schemeClr val="lt1"/>
+      </a:fontRef>
+    </dgm:style>
+  </dgm:styleLbl>
+  <dgm:styleLbl name="parChTrans1D1">
+    <dgm:scene3d>
+      <a:camera prst="orthographicFront"/>
+      <a:lightRig rig="threePt" dir="t"/>
+    </dgm:scene3d>
+    <dgm:sp3d/>
+    <dgm:txPr/>
+    <dgm:style>
+      <a:lnRef idx="2">
+        <a:scrgbClr r="0" g="0" b="0"/>
+      </a:lnRef>
+      <a:fillRef idx="0">
+        <a:scrgbClr r="0" g="0" b="0"/>
+      </a:fillRef>
+      <a:effectRef idx="0">
+        <a:scrgbClr r="0" g="0" b="0"/>
+      </a:effectRef>
+      <a:fontRef idx="minor"/>
+    </dgm:style>
+  </dgm:styleLbl>
+  <dgm:styleLbl name="parChTrans1D2">
+    <dgm:scene3d>
+      <a:camera prst="orthographicFront"/>
+      <a:lightRig rig="threePt" dir="t"/>
+    </dgm:scene3d>
+    <dgm:sp3d/>
+    <dgm:txPr/>
+    <dgm:style>
+      <a:lnRef idx="2">
+        <a:scrgbClr r="0" g="0" b="0"/>
+      </a:lnRef>
+      <a:fillRef idx="0">
+        <a:scrgbClr r="0" g="0" b="0"/>
+      </a:fillRef>
+      <a:effectRef idx="0">
+        <a:scrgbClr r="0" g="0" b="0"/>
+      </a:effectRef>
+      <a:fontRef idx="minor"/>
+    </dgm:style>
+  </dgm:styleLbl>
+  <dgm:styleLbl name="parChTrans1D3">
+    <dgm:scene3d>
+      <a:camera prst="orthographicFront"/>
+      <a:lightRig rig="threePt" dir="t"/>
+    </dgm:scene3d>
+    <dgm:sp3d/>
+    <dgm:txPr/>
+    <dgm:style>
+      <a:lnRef idx="2">
+        <a:scrgbClr r="0" g="0" b="0"/>
+      </a:lnRef>
+      <a:fillRef idx="0">
+        <a:scrgbClr r="0" g="0" b="0"/>
+      </a:fillRef>
+      <a:effectRef idx="0">
+        <a:scrgbClr r="0" g="0" b="0"/>
+      </a:effectRef>
+      <a:fontRef idx="minor"/>
+    </dgm:style>
+  </dgm:styleLbl>
+  <dgm:styleLbl name="parChTrans1D4">
+    <dgm:scene3d>
+      <a:camera prst="orthographicFront"/>
+      <a:lightRig rig="threePt" dir="t"/>
+    </dgm:scene3d>
+    <dgm:sp3d/>
+    <dgm:txPr/>
+    <dgm:style>
+      <a:lnRef idx="2">
+        <a:scrgbClr r="0" g="0" b="0"/>
+      </a:lnRef>
+      <a:fillRef idx="0">
+        <a:scrgbClr r="0" g="0" b="0"/>
+      </a:fillRef>
+      <a:effectRef idx="0">
+        <a:scrgbClr r="0" g="0" b="0"/>
+      </a:effectRef>
+      <a:fontRef idx="minor"/>
+    </dgm:style>
+  </dgm:styleLbl>
+  <dgm:styleLbl name="fgAcc1">
+    <dgm:scene3d>
+      <a:camera prst="orthographicFront"/>
+      <a:lightRig rig="threePt" dir="t"/>
+    </dgm:scene3d>
+    <dgm:sp3d/>
+    <dgm:txPr/>
+    <dgm:style>
+      <a:lnRef idx="2">
+        <a:scrgbClr r="0" g="0" b="0"/>
+      </a:lnRef>
+      <a:fillRef idx="1">
+        <a:scrgbClr r="0" g="0" b="0"/>
+      </a:fillRef>
+      <a:effectRef idx="0">
+        <a:scrgbClr r="0" g="0" b="0"/>
+      </a:effectRef>
+      <a:fontRef idx="minor"/>
+    </dgm:style>
+  </dgm:styleLbl>
+  <dgm:styleLbl name="conFgAcc1">
+    <dgm:scene3d>
+      <a:camera prst="orthographicFront"/>
+      <a:lightRig rig="threePt" dir="t"/>
+    </dgm:scene3d>
+    <dgm:sp3d/>
+    <dgm:txPr/>
+    <dgm:style>
+      <a:lnRef idx="2">
+        <a:scrgbClr r="0" g="0" b="0"/>
+      </a:lnRef>
+      <a:fillRef idx="1">
+        <a:scrgbClr r="0" g="0" b="0"/>
+      </a:fillRef>
+      <a:effectRef idx="0">
+        <a:scrgbClr r="0" g="0" b="0"/>
+      </a:effectRef>
+      <a:fontRef idx="minor"/>
+    </dgm:style>
+  </dgm:styleLbl>
+  <dgm:styleLbl name="alignAcc1">
+    <dgm:scene3d>
+      <a:camera prst="orthographicFront"/>
+      <a:lightRig rig="threePt" dir="t"/>
+    </dgm:scene3d>
+    <dgm:sp3d/>
+    <dgm:txPr/>
+    <dgm:style>
+      <a:lnRef idx="2">
+        <a:scrgbClr r="0" g="0" b="0"/>
+      </a:lnRef>
+      <a:fillRef idx="1">
+        <a:scrgbClr r="0" g="0" b="0"/>
+      </a:fillRef>
+      <a:effectRef idx="0">
+        <a:scrgbClr r="0" g="0" b="0"/>
+      </a:effectRef>
+      <a:fontRef idx="minor"/>
+    </dgm:style>
+  </dgm:styleLbl>
+  <dgm:styleLbl name="trAlignAcc1">
+    <dgm:scene3d>
+      <a:camera prst="orthographicFront"/>
+      <a:lightRig rig="threePt" dir="t"/>
+    </dgm:scene3d>
+    <dgm:sp3d/>
+    <dgm:txPr/>
+    <dgm:style>
+      <a:lnRef idx="1">
+        <a:scrgbClr r="0" g="0" b="0"/>
+      </a:lnRef>
+      <a:fillRef idx="1">
+        <a:scrgbClr r="0" g="0" b="0"/>
+      </a:fillRef>
+      <a:effectRef idx="0">
+        <a:scrgbClr r="0" g="0" b="0"/>
+      </a:effectRef>
+      <a:fontRef idx="minor"/>
+    </dgm:style>
+  </dgm:styleLbl>
+  <dgm:styleLbl name="bgAcc1">
+    <dgm:scene3d>
+      <a:camera prst="orthographicFront"/>
+      <a:lightRig rig="threePt" dir="t"/>
+    </dgm:scene3d>
+    <dgm:sp3d/>
+    <dgm:txPr/>
+    <dgm:style>
+      <a:lnRef idx="2">
+        <a:scrgbClr r="0" g="0" b="0"/>
+      </a:lnRef>
+      <a:fillRef idx="1">
+        <a:scrgbClr r="0" g="0" b="0"/>
+      </a:fillRef>
+      <a:effectRef idx="0">
+        <a:scrgbClr r="0" g="0" b="0"/>
+      </a:effectRef>
+      <a:fontRef idx="minor"/>
+    </dgm:style>
+  </dgm:styleLbl>
+  <dgm:styleLbl name="solidFgAcc1">
+    <dgm:scene3d>
+      <a:camera prst="orthographicFront"/>
+      <a:lightRig rig="threePt" dir="t"/>
+    </dgm:scene3d>
+    <dgm:sp3d/>
+    <dgm:txPr/>
+    <dgm:style>
+      <a:lnRef idx="2">
+        <a:scrgbClr r="0" g="0" b="0"/>
+      </a:lnRef>
+      <a:fillRef idx="1">
+        <a:scrgbClr r="0" g="0" b="0"/>
+      </a:fillRef>
+      <a:effectRef idx="0">
+        <a:scrgbClr r="0" g="0" b="0"/>
+      </a:effectRef>
+      <a:fontRef idx="minor"/>
+    </dgm:style>
+  </dgm:styleLbl>
+  <dgm:styleLbl name="solidAlignAcc1">
+    <dgm:scene3d>
+      <a:camera prst="orthographicFront"/>
+      <a:lightRig rig="threePt" dir="t"/>
+    </dgm:scene3d>
+    <dgm:sp3d/>
+    <dgm:txPr/>
+    <dgm:style>
+      <a:lnRef idx="2">
+        <a:scrgbClr r="0" g="0" b="0"/>
+      </a:lnRef>
+      <a:fillRef idx="1">
+        <a:scrgbClr r="0" g="0" b="0"/>
+      </a:fillRef>
+      <a:effectRef idx="0">
+        <a:scrgbClr r="0" g="0" b="0"/>
+      </a:effectRef>
+      <a:fontRef idx="minor"/>
+    </dgm:style>
+  </dgm:styleLbl>
+  <dgm:styleLbl name="solidBgAcc1">
+    <dgm:scene3d>
+      <a:camera prst="orthographicFront"/>
+      <a:lightRig rig="threePt" dir="t"/>
+    </dgm:scene3d>
+    <dgm:sp3d/>
+    <dgm:txPr/>
+    <dgm:style>
+      <a:lnRef idx="2">
+        <a:scrgbClr r="0" g="0" b="0"/>
+      </a:lnRef>
+      <a:fillRef idx="1">
+        <a:scrgbClr r="0" g="0" b="0"/>
+      </a:fillRef>
+      <a:effectRef idx="0">
+        <a:scrgbClr r="0" g="0" b="0"/>
+      </a:effectRef>
+      <a:fontRef idx="minor"/>
+    </dgm:style>
+  </dgm:styleLbl>
+  <dgm:styleLbl name="fgAccFollowNode1">
+    <dgm:scene3d>
+      <a:camera prst="orthographicFront"/>
+      <a:lightRig rig="threePt" dir="t"/>
+    </dgm:scene3d>
+    <dgm:sp3d/>
+    <dgm:txPr/>
+    <dgm:style>
+      <a:lnRef idx="2">
+        <a:scrgbClr r="0" g="0" b="0"/>
+      </a:lnRef>
+      <a:fillRef idx="1">
+        <a:scrgbClr r="0" g="0" b="0"/>
+      </a:fillRef>
+      <a:effectRef idx="0">
+        <a:scrgbClr r="0" g="0" b="0"/>
+      </a:effectRef>
+      <a:fontRef idx="minor"/>
+    </dgm:style>
+  </dgm:styleLbl>
+  <dgm:styleLbl name="alignAccFollowNode1">
+    <dgm:scene3d>
+      <a:camera prst="orthographicFront"/>
+      <a:lightRig rig="threePt" dir="t"/>
+    </dgm:scene3d>
+    <dgm:sp3d/>
+    <dgm:txPr/>
+    <dgm:style>
+      <a:lnRef idx="2">
+        <a:scrgbClr r="0" g="0" b="0"/>
+      </a:lnRef>
+      <a:fillRef idx="1">
+        <a:scrgbClr r="0" g="0" b="0"/>
+      </a:fillRef>
+      <a:effectRef idx="0">
+        <a:scrgbClr r="0" g="0" b="0"/>
+      </a:effectRef>
+      <a:fontRef idx="minor"/>
+    </dgm:style>
+  </dgm:styleLbl>
+  <dgm:styleLbl name="bgAccFollowNode1">
+    <dgm:scene3d>
+      <a:camera prst="orthographicFront"/>
+      <a:lightRig rig="threePt" dir="t"/>
+    </dgm:scene3d>
+    <dgm:sp3d/>
+    <dgm:txPr/>
+    <dgm:style>
+      <a:lnRef idx="2">
+        <a:scrgbClr r="0" g="0" b="0"/>
+      </a:lnRef>
+      <a:fillRef idx="1">
+        <a:scrgbClr r="0" g="0" b="0"/>
+      </a:fillRef>
+      <a:effectRef idx="0">
+        <a:scrgbClr r="0" g="0" b="0"/>
+      </a:effectRef>
+      <a:fontRef idx="minor"/>
+    </dgm:style>
+  </dgm:styleLbl>
+  <dgm:styleLbl name="fgAcc0">
+    <dgm:scene3d>
+      <a:camera prst="orthographicFront"/>
+      <a:lightRig rig="threePt" dir="t"/>
+    </dgm:scene3d>
+    <dgm:sp3d/>
+    <dgm:txPr/>
+    <dgm:style>
+      <a:lnRef idx="2">
+        <a:scrgbClr r="0" g="0" b="0"/>
+      </a:lnRef>
+      <a:fillRef idx="1">
+        <a:scrgbClr r="0" g="0" b="0"/>
+      </a:fillRef>
+      <a:effectRef idx="0">
+        <a:scrgbClr r="0" g="0" b="0"/>
+      </a:effectRef>
+      <a:fontRef idx="minor"/>
+    </dgm:style>
+  </dgm:styleLbl>
+  <dgm:styleLbl name="fgAcc2">
+    <dgm:scene3d>
+      <a:camera prst="orthographicFront"/>
+      <a:lightRig rig="threePt" dir="t"/>
+    </dgm:scene3d>
+    <dgm:sp3d/>
+    <dgm:txPr/>
+    <dgm:style>
+      <a:lnRef idx="2">
+        <a:scrgbClr r="0" g="0" b="0"/>
+      </a:lnRef>
+      <a:fillRef idx="1">
+        <a:scrgbClr r="0" g="0" b="0"/>
+      </a:fillRef>
+      <a:effectRef idx="0">
+        <a:scrgbClr r="0" g="0" b="0"/>
+      </a:effectRef>
+      <a:fontRef idx="minor"/>
+    </dgm:style>
+  </dgm:styleLbl>
+  <dgm:styleLbl name="fgAcc3">
+    <dgm:scene3d>
+      <a:camera prst="orthographicFront"/>
+      <a:lightRig rig="threePt" dir="t"/>
+    </dgm:scene3d>
+    <dgm:sp3d/>
+    <dgm:txPr/>
+    <dgm:style>
+      <a:lnRef idx="2">
+        <a:scrgbClr r="0" g="0" b="0"/>
+      </a:lnRef>
+      <a:fillRef idx="1">
+        <a:scrgbClr r="0" g="0" b="0"/>
+      </a:fillRef>
+      <a:effectRef idx="0">
+        <a:scrgbClr r="0" g="0" b="0"/>
+      </a:effectRef>
+      <a:fontRef idx="minor"/>
+    </dgm:style>
+  </dgm:styleLbl>
+  <dgm:styleLbl name="fgAcc4">
+    <dgm:scene3d>
+      <a:camera prst="orthographicFront"/>
+      <a:lightRig rig="threePt" dir="t"/>
+    </dgm:scene3d>
+    <dgm:sp3d/>
+    <dgm:txPr/>
+    <dgm:style>
+      <a:lnRef idx="2">
+        <a:scrgbClr r="0" g="0" b="0"/>
+      </a:lnRef>
+      <a:fillRef idx="1">
+        <a:scrgbClr r="0" g="0" b="0"/>
+      </a:fillRef>
+      <a:effectRef idx="0">
+        <a:scrgbClr r="0" g="0" b="0"/>
+      </a:effectRef>
+      <a:fontRef idx="minor"/>
+    </dgm:style>
+  </dgm:styleLbl>
+  <dgm:styleLbl name="bgShp">
+    <dgm:scene3d>
+      <a:camera prst="orthographicFront"/>
+      <a:lightRig rig="threePt" dir="t"/>
+    </dgm:scene3d>
+    <dgm:sp3d/>
+    <dgm:txPr/>
+    <dgm:style>
+      <a:lnRef idx="0">
+        <a:scrgbClr r="0" g="0" b="0"/>
+      </a:lnRef>
+      <a:fillRef idx="1">
+        <a:scrgbClr r="0" g="0" b="0"/>
+      </a:fillRef>
+      <a:effectRef idx="0">
+        <a:scrgbClr r="0" g="0" b="0"/>
+      </a:effectRef>
+      <a:fontRef idx="minor"/>
+    </dgm:style>
+  </dgm:styleLbl>
+  <dgm:styleLbl name="dkBgShp">
+    <dgm:scene3d>
+      <a:camera prst="orthographicFront"/>
+      <a:lightRig rig="threePt" dir="t"/>
+    </dgm:scene3d>
+    <dgm:sp3d/>
+    <dgm:txPr/>
+    <dgm:style>
+      <a:lnRef idx="0">
+        <a:scrgbClr r="0" g="0" b="0"/>
+      </a:lnRef>
+      <a:fillRef idx="1">
+        <a:scrgbClr r="0" g="0" b="0"/>
+      </a:fillRef>
+      <a:effectRef idx="0">
+        <a:scrgbClr r="0" g="0" b="0"/>
+      </a:effectRef>
+      <a:fontRef idx="minor"/>
+    </dgm:style>
+  </dgm:styleLbl>
+  <dgm:styleLbl name="trBgShp">
+    <dgm:scene3d>
+      <a:camera prst="orthographicFront"/>
+      <a:lightRig rig="threePt" dir="t"/>
+    </dgm:scene3d>
+    <dgm:sp3d/>
+    <dgm:txPr/>
+    <dgm:style>
+      <a:lnRef idx="0">
+        <a:scrgbClr r="0" g="0" b="0"/>
+      </a:lnRef>
+      <a:fillRef idx="1">
+        <a:scrgbClr r="0" g="0" b="0"/>
+      </a:fillRef>
+      <a:effectRef idx="0">
+        <a:scrgbClr r="0" g="0" b="0"/>
+      </a:effectRef>
+      <a:fontRef idx="minor"/>
+    </dgm:style>
+  </dgm:styleLbl>
+  <dgm:styleLbl name="fgShp">
+    <dgm:scene3d>
+      <a:camera prst="orthographicFront"/>
+      <a:lightRig rig="threePt" dir="t"/>
+    </dgm:scene3d>
+    <dgm:sp3d/>
+    <dgm:txPr/>
+    <dgm:style>
+      <a:lnRef idx="2">
+        <a:scrgbClr r="0" g="0" b="0"/>
+      </a:lnRef>
+      <a:fillRef idx="1">
+        <a:scrgbClr r="0" g="0" b="0"/>
+      </a:fillRef>
+      <a:effectRef idx="0">
+        <a:scrgbClr r="0" g="0" b="0"/>
+      </a:effectRef>
+      <a:fontRef idx="minor"/>
+    </dgm:style>
+  </dgm:styleLbl>
+  <dgm:styleLbl name="revTx">
+    <dgm:scene3d>
+      <a:camera prst="orthographicFront"/>
+      <a:lightRig rig="threePt" dir="t"/>
+    </dgm:scene3d>
+    <dgm:sp3d/>
+    <dgm:txPr/>
+    <dgm:style>
+      <a:lnRef idx="0">
+        <a:scrgbClr r="0" g="0" b="0"/>
+      </a:lnRef>
+      <a:fillRef idx="0">
+        <a:scrgbClr r="0" g="0" b="0"/>
+      </a:fillRef>
+      <a:effectRef idx="0">
+        <a:scrgbClr r="0" g="0" b="0"/>
+      </a:effectRef>
+      <a:fontRef idx="minor"/>
+    </dgm:style>
+  </dgm:styleLbl>
+</dgm:styleDef>
+</file>
+
+<file path=ppt/diagrams/quickStyle2.xml><?xml version="1.0" encoding="utf-8"?>
 <dgm:styleDef xmlns:dgm="http://schemas.openxmlformats.org/drawingml/2006/diagram" xmlns:a="http://schemas.openxmlformats.org/drawingml/2006/main" uniqueId="urn:microsoft.com/office/officeart/2005/8/quickstyle/simple1">
   <dgm:title val=""/>
   <dgm:desc val=""/>
@@ -9039,286 +11886,6 @@
       </p:grpSpPr>
       <p:sp>
         <p:nvSpPr>
-          <p:cNvPr id="8" name="Rectangle 7">
-            <a:extLst>
-              <a:ext uri="{FF2B5EF4-FFF2-40B4-BE49-F238E27FC236}">
-                <a16:creationId xmlns:a16="http://schemas.microsoft.com/office/drawing/2014/main" id="{349C8E52-982F-47B3-8B8F-DD593005CC28}"/>
-              </a:ext>
-            </a:extLst>
-          </p:cNvPr>
-          <p:cNvSpPr/>
-          <p:nvPr/>
-        </p:nvSpPr>
-        <p:spPr>
-          <a:xfrm>
-            <a:off x="2482083" y="227336"/>
-            <a:ext cx="1915885" cy="1250302"/>
-          </a:xfrm>
-          <a:prstGeom prst="rect">
-            <a:avLst/>
-          </a:prstGeom>
-          <a:solidFill>
-            <a:srgbClr val="FFFFCC"/>
-          </a:solidFill>
-          <a:ln>
-            <a:solidFill>
-              <a:schemeClr val="accent2">
-                <a:lumMod val="50000"/>
-              </a:schemeClr>
-            </a:solidFill>
-          </a:ln>
-        </p:spPr>
-        <p:style>
-          <a:lnRef idx="2">
-            <a:schemeClr val="accent1">
-              <a:shade val="50000"/>
-            </a:schemeClr>
-          </a:lnRef>
-          <a:fillRef idx="1">
-            <a:schemeClr val="accent1"/>
-          </a:fillRef>
-          <a:effectRef idx="0">
-            <a:schemeClr val="accent1"/>
-          </a:effectRef>
-          <a:fontRef idx="minor">
-            <a:schemeClr val="lt1"/>
-          </a:fontRef>
-        </p:style>
-        <p:txBody>
-          <a:bodyPr rtlCol="0" anchor="ctr"/>
-          <a:lstStyle/>
-          <a:p>
-            <a:pPr algn="ctr"/>
-            <a:endParaRPr lang="zh-CN" altLang="en-US"/>
-          </a:p>
-        </p:txBody>
-      </p:sp>
-      <p:sp>
-        <p:nvSpPr>
-          <p:cNvPr id="9" name="Rectangle 8">
-            <a:extLst>
-              <a:ext uri="{FF2B5EF4-FFF2-40B4-BE49-F238E27FC236}">
-                <a16:creationId xmlns:a16="http://schemas.microsoft.com/office/drawing/2014/main" id="{0F6C9D97-1AD4-4CF5-8692-4585F0D89503}"/>
-              </a:ext>
-            </a:extLst>
-          </p:cNvPr>
-          <p:cNvSpPr/>
-          <p:nvPr/>
-        </p:nvSpPr>
-        <p:spPr>
-          <a:xfrm>
-            <a:off x="2482082" y="1674588"/>
-            <a:ext cx="1915885" cy="1250302"/>
-          </a:xfrm>
-          <a:prstGeom prst="rect">
-            <a:avLst/>
-          </a:prstGeom>
-          <a:solidFill>
-            <a:srgbClr val="FFFFCC"/>
-          </a:solidFill>
-          <a:ln>
-            <a:solidFill>
-              <a:schemeClr val="accent2">
-                <a:lumMod val="50000"/>
-              </a:schemeClr>
-            </a:solidFill>
-          </a:ln>
-        </p:spPr>
-        <p:style>
-          <a:lnRef idx="2">
-            <a:schemeClr val="accent1">
-              <a:shade val="50000"/>
-            </a:schemeClr>
-          </a:lnRef>
-          <a:fillRef idx="1">
-            <a:schemeClr val="accent1"/>
-          </a:fillRef>
-          <a:effectRef idx="0">
-            <a:schemeClr val="accent1"/>
-          </a:effectRef>
-          <a:fontRef idx="minor">
-            <a:schemeClr val="lt1"/>
-          </a:fontRef>
-        </p:style>
-        <p:txBody>
-          <a:bodyPr rtlCol="0" anchor="ctr"/>
-          <a:lstStyle/>
-          <a:p>
-            <a:pPr algn="ctr"/>
-            <a:endParaRPr lang="zh-CN" altLang="en-US"/>
-          </a:p>
-        </p:txBody>
-      </p:sp>
-      <p:sp>
-        <p:nvSpPr>
-          <p:cNvPr id="10" name="Rectangle 9">
-            <a:extLst>
-              <a:ext uri="{FF2B5EF4-FFF2-40B4-BE49-F238E27FC236}">
-                <a16:creationId xmlns:a16="http://schemas.microsoft.com/office/drawing/2014/main" id="{945A8513-4A25-4F36-A2F9-D67EA4F012D8}"/>
-              </a:ext>
-            </a:extLst>
-          </p:cNvPr>
-          <p:cNvSpPr/>
-          <p:nvPr/>
-        </p:nvSpPr>
-        <p:spPr>
-          <a:xfrm>
-            <a:off x="2482081" y="3121840"/>
-            <a:ext cx="1915885" cy="1250302"/>
-          </a:xfrm>
-          <a:prstGeom prst="rect">
-            <a:avLst/>
-          </a:prstGeom>
-          <a:solidFill>
-            <a:srgbClr val="FFFFCC"/>
-          </a:solidFill>
-          <a:ln>
-            <a:solidFill>
-              <a:schemeClr val="accent2">
-                <a:lumMod val="50000"/>
-              </a:schemeClr>
-            </a:solidFill>
-          </a:ln>
-        </p:spPr>
-        <p:style>
-          <a:lnRef idx="2">
-            <a:schemeClr val="accent1">
-              <a:shade val="50000"/>
-            </a:schemeClr>
-          </a:lnRef>
-          <a:fillRef idx="1">
-            <a:schemeClr val="accent1"/>
-          </a:fillRef>
-          <a:effectRef idx="0">
-            <a:schemeClr val="accent1"/>
-          </a:effectRef>
-          <a:fontRef idx="minor">
-            <a:schemeClr val="lt1"/>
-          </a:fontRef>
-        </p:style>
-        <p:txBody>
-          <a:bodyPr rtlCol="0" anchor="ctr"/>
-          <a:lstStyle/>
-          <a:p>
-            <a:pPr algn="ctr"/>
-            <a:endParaRPr lang="zh-CN" altLang="en-US"/>
-          </a:p>
-        </p:txBody>
-      </p:sp>
-      <p:sp>
-        <p:nvSpPr>
-          <p:cNvPr id="11" name="Rectangle 10">
-            <a:extLst>
-              <a:ext uri="{FF2B5EF4-FFF2-40B4-BE49-F238E27FC236}">
-                <a16:creationId xmlns:a16="http://schemas.microsoft.com/office/drawing/2014/main" id="{B2019D6C-284C-47ED-AF45-03DFE152FBC2}"/>
-              </a:ext>
-            </a:extLst>
-          </p:cNvPr>
-          <p:cNvSpPr/>
-          <p:nvPr/>
-        </p:nvSpPr>
-        <p:spPr>
-          <a:xfrm>
-            <a:off x="2482080" y="4569092"/>
-            <a:ext cx="1915885" cy="1250302"/>
-          </a:xfrm>
-          <a:prstGeom prst="rect">
-            <a:avLst/>
-          </a:prstGeom>
-          <a:solidFill>
-            <a:srgbClr val="FFFFCC"/>
-          </a:solidFill>
-          <a:ln>
-            <a:solidFill>
-              <a:schemeClr val="accent2">
-                <a:lumMod val="50000"/>
-              </a:schemeClr>
-            </a:solidFill>
-          </a:ln>
-        </p:spPr>
-        <p:style>
-          <a:lnRef idx="2">
-            <a:schemeClr val="accent1">
-              <a:shade val="50000"/>
-            </a:schemeClr>
-          </a:lnRef>
-          <a:fillRef idx="1">
-            <a:schemeClr val="accent1"/>
-          </a:fillRef>
-          <a:effectRef idx="0">
-            <a:schemeClr val="accent1"/>
-          </a:effectRef>
-          <a:fontRef idx="minor">
-            <a:schemeClr val="lt1"/>
-          </a:fontRef>
-        </p:style>
-        <p:txBody>
-          <a:bodyPr rtlCol="0" anchor="ctr"/>
-          <a:lstStyle/>
-          <a:p>
-            <a:pPr algn="ctr"/>
-            <a:endParaRPr lang="zh-CN" altLang="en-US"/>
-          </a:p>
-        </p:txBody>
-      </p:sp>
-      <p:sp>
-        <p:nvSpPr>
-          <p:cNvPr id="12" name="Rectangle 11">
-            <a:extLst>
-              <a:ext uri="{FF2B5EF4-FFF2-40B4-BE49-F238E27FC236}">
-                <a16:creationId xmlns:a16="http://schemas.microsoft.com/office/drawing/2014/main" id="{98E7F6EE-1E63-4DD3-8FB9-26E57B88981A}"/>
-              </a:ext>
-            </a:extLst>
-          </p:cNvPr>
-          <p:cNvSpPr/>
-          <p:nvPr/>
-        </p:nvSpPr>
-        <p:spPr>
-          <a:xfrm>
-            <a:off x="4729983" y="227336"/>
-            <a:ext cx="1915885" cy="1250302"/>
-          </a:xfrm>
-          <a:prstGeom prst="rect">
-            <a:avLst/>
-          </a:prstGeom>
-          <a:solidFill>
-            <a:srgbClr val="FFFFCC"/>
-          </a:solidFill>
-          <a:ln>
-            <a:solidFill>
-              <a:schemeClr val="accent2">
-                <a:lumMod val="50000"/>
-              </a:schemeClr>
-            </a:solidFill>
-          </a:ln>
-        </p:spPr>
-        <p:style>
-          <a:lnRef idx="2">
-            <a:schemeClr val="accent1">
-              <a:shade val="50000"/>
-            </a:schemeClr>
-          </a:lnRef>
-          <a:fillRef idx="1">
-            <a:schemeClr val="accent1"/>
-          </a:fillRef>
-          <a:effectRef idx="0">
-            <a:schemeClr val="accent1"/>
-          </a:effectRef>
-          <a:fontRef idx="minor">
-            <a:schemeClr val="lt1"/>
-          </a:fontRef>
-        </p:style>
-        <p:txBody>
-          <a:bodyPr rtlCol="0" anchor="ctr"/>
-          <a:lstStyle/>
-          <a:p>
-            <a:pPr algn="ctr"/>
-            <a:endParaRPr lang="zh-CN" altLang="en-US"/>
-          </a:p>
-        </p:txBody>
-      </p:sp>
-      <p:sp>
-        <p:nvSpPr>
           <p:cNvPr id="13" name="Rectangle 12">
             <a:extLst>
               <a:ext uri="{FF2B5EF4-FFF2-40B4-BE49-F238E27FC236}">
@@ -9445,7 +12012,7 @@
         </p:nvSpPr>
         <p:spPr>
           <a:xfrm>
-            <a:off x="6977879" y="227336"/>
+            <a:off x="9225769" y="227336"/>
             <a:ext cx="1915885" cy="1250302"/>
           </a:xfrm>
           <a:prstGeom prst="rect">
@@ -9661,7 +12228,7 @@
         </p:nvSpPr>
         <p:spPr>
           <a:xfrm>
-            <a:off x="4729976" y="4558261"/>
+            <a:off x="9225775" y="1674588"/>
             <a:ext cx="1915885" cy="1250302"/>
           </a:xfrm>
           <a:prstGeom prst="rect">
@@ -10239,6 +12806,1013 @@
           </p:spPr>
         </p:pic>
       </p:grpSp>
+      <p:sp>
+        <p:nvSpPr>
+          <p:cNvPr id="28" name="Rectangle 27">
+            <a:extLst>
+              <a:ext uri="{FF2B5EF4-FFF2-40B4-BE49-F238E27FC236}">
+                <a16:creationId xmlns:a16="http://schemas.microsoft.com/office/drawing/2014/main" id="{8D74AAF9-8CD8-44E7-9277-61EEB89AA9B8}"/>
+              </a:ext>
+            </a:extLst>
+          </p:cNvPr>
+          <p:cNvSpPr/>
+          <p:nvPr/>
+        </p:nvSpPr>
+        <p:spPr>
+          <a:xfrm>
+            <a:off x="4729976" y="4576820"/>
+            <a:ext cx="1915885" cy="1250302"/>
+          </a:xfrm>
+          <a:prstGeom prst="rect">
+            <a:avLst/>
+          </a:prstGeom>
+          <a:solidFill>
+            <a:schemeClr val="accent2">
+              <a:lumMod val="20000"/>
+              <a:lumOff val="80000"/>
+            </a:schemeClr>
+          </a:solidFill>
+          <a:ln>
+            <a:solidFill>
+              <a:srgbClr val="8D2103"/>
+            </a:solidFill>
+          </a:ln>
+        </p:spPr>
+        <p:style>
+          <a:lnRef idx="2">
+            <a:schemeClr val="accent1">
+              <a:shade val="50000"/>
+            </a:schemeClr>
+          </a:lnRef>
+          <a:fillRef idx="1">
+            <a:schemeClr val="accent1"/>
+          </a:fillRef>
+          <a:effectRef idx="0">
+            <a:schemeClr val="accent1"/>
+          </a:effectRef>
+          <a:fontRef idx="minor">
+            <a:schemeClr val="lt1"/>
+          </a:fontRef>
+        </p:style>
+        <p:txBody>
+          <a:bodyPr rtlCol="0" anchor="ctr"/>
+          <a:lstStyle/>
+          <a:p>
+            <a:pPr algn="ctr"/>
+            <a:endParaRPr lang="zh-CN" altLang="en-US"/>
+          </a:p>
+        </p:txBody>
+      </p:sp>
+      <p:sp>
+        <p:nvSpPr>
+          <p:cNvPr id="30" name="Rectangle 29">
+            <a:extLst>
+              <a:ext uri="{FF2B5EF4-FFF2-40B4-BE49-F238E27FC236}">
+                <a16:creationId xmlns:a16="http://schemas.microsoft.com/office/drawing/2014/main" id="{7CEB96ED-A4FC-45BE-B4C6-45BB35E31587}"/>
+              </a:ext>
+            </a:extLst>
+          </p:cNvPr>
+          <p:cNvSpPr/>
+          <p:nvPr/>
+        </p:nvSpPr>
+        <p:spPr>
+          <a:xfrm>
+            <a:off x="6977876" y="227336"/>
+            <a:ext cx="1915885" cy="1250302"/>
+          </a:xfrm>
+          <a:prstGeom prst="rect">
+            <a:avLst/>
+          </a:prstGeom>
+          <a:solidFill>
+            <a:schemeClr val="accent2">
+              <a:lumMod val="20000"/>
+              <a:lumOff val="80000"/>
+            </a:schemeClr>
+          </a:solidFill>
+          <a:ln>
+            <a:solidFill>
+              <a:srgbClr val="8D2103"/>
+            </a:solidFill>
+          </a:ln>
+        </p:spPr>
+        <p:style>
+          <a:lnRef idx="2">
+            <a:schemeClr val="accent1">
+              <a:shade val="50000"/>
+            </a:schemeClr>
+          </a:lnRef>
+          <a:fillRef idx="1">
+            <a:schemeClr val="accent1"/>
+          </a:fillRef>
+          <a:effectRef idx="0">
+            <a:schemeClr val="accent1"/>
+          </a:effectRef>
+          <a:fontRef idx="minor">
+            <a:schemeClr val="lt1"/>
+          </a:fontRef>
+        </p:style>
+        <p:txBody>
+          <a:bodyPr rtlCol="0" anchor="ctr"/>
+          <a:lstStyle/>
+          <a:p>
+            <a:pPr algn="ctr"/>
+            <a:endParaRPr lang="zh-CN" altLang="en-US"/>
+          </a:p>
+        </p:txBody>
+      </p:sp>
+      <p:grpSp>
+        <p:nvGrpSpPr>
+          <p:cNvPr id="27" name="Group 26">
+            <a:extLst>
+              <a:ext uri="{FF2B5EF4-FFF2-40B4-BE49-F238E27FC236}">
+                <a16:creationId xmlns:a16="http://schemas.microsoft.com/office/drawing/2014/main" id="{F6C89E16-2FAA-4DF9-BD0C-BC6D7877460C}"/>
+              </a:ext>
+            </a:extLst>
+          </p:cNvPr>
+          <p:cNvGrpSpPr/>
+          <p:nvPr/>
+        </p:nvGrpSpPr>
+        <p:grpSpPr>
+          <a:xfrm>
+            <a:off x="2482083" y="227336"/>
+            <a:ext cx="1915885" cy="1250302"/>
+            <a:chOff x="2482083" y="227336"/>
+            <a:chExt cx="1915885" cy="1250302"/>
+          </a:xfrm>
+        </p:grpSpPr>
+        <p:sp>
+          <p:nvSpPr>
+            <p:cNvPr id="8" name="Rectangle 7">
+              <a:extLst>
+                <a:ext uri="{FF2B5EF4-FFF2-40B4-BE49-F238E27FC236}">
+                  <a16:creationId xmlns:a16="http://schemas.microsoft.com/office/drawing/2014/main" id="{349C8E52-982F-47B3-8B8F-DD593005CC28}"/>
+                </a:ext>
+              </a:extLst>
+            </p:cNvPr>
+            <p:cNvSpPr/>
+            <p:nvPr/>
+          </p:nvSpPr>
+          <p:spPr>
+            <a:xfrm>
+              <a:off x="2482083" y="227336"/>
+              <a:ext cx="1915885" cy="1250302"/>
+            </a:xfrm>
+            <a:prstGeom prst="rect">
+              <a:avLst/>
+            </a:prstGeom>
+            <a:solidFill>
+              <a:srgbClr val="FFFFCC"/>
+            </a:solidFill>
+            <a:ln>
+              <a:solidFill>
+                <a:schemeClr val="accent2">
+                  <a:lumMod val="50000"/>
+                </a:schemeClr>
+              </a:solidFill>
+            </a:ln>
+          </p:spPr>
+          <p:style>
+            <a:lnRef idx="2">
+              <a:schemeClr val="accent1">
+                <a:shade val="50000"/>
+              </a:schemeClr>
+            </a:lnRef>
+            <a:fillRef idx="1">
+              <a:schemeClr val="accent1"/>
+            </a:fillRef>
+            <a:effectRef idx="0">
+              <a:schemeClr val="accent1"/>
+            </a:effectRef>
+            <a:fontRef idx="minor">
+              <a:schemeClr val="lt1"/>
+            </a:fontRef>
+          </p:style>
+          <p:txBody>
+            <a:bodyPr rtlCol="0" anchor="ctr"/>
+            <a:lstStyle/>
+            <a:p>
+              <a:pPr algn="ctr"/>
+              <a:endParaRPr lang="zh-CN" altLang="en-US"/>
+            </a:p>
+          </p:txBody>
+        </p:sp>
+        <p:sp>
+          <p:nvSpPr>
+            <p:cNvPr id="2" name="TextBox 1">
+              <a:extLst>
+                <a:ext uri="{FF2B5EF4-FFF2-40B4-BE49-F238E27FC236}">
+                  <a16:creationId xmlns:a16="http://schemas.microsoft.com/office/drawing/2014/main" id="{4522D11F-BB0A-4956-86D0-9196877D1804}"/>
+                </a:ext>
+              </a:extLst>
+            </p:cNvPr>
+            <p:cNvSpPr txBox="1"/>
+            <p:nvPr/>
+          </p:nvSpPr>
+          <p:spPr>
+            <a:xfrm>
+              <a:off x="2571835" y="529322"/>
+              <a:ext cx="1736373" cy="646331"/>
+            </a:xfrm>
+            <a:prstGeom prst="rect">
+              <a:avLst/>
+            </a:prstGeom>
+            <a:noFill/>
+          </p:spPr>
+          <p:txBody>
+            <a:bodyPr wrap="none" rtlCol="0">
+              <a:spAutoFit/>
+            </a:bodyPr>
+            <a:lstStyle/>
+            <a:p>
+              <a:r>
+                <a:rPr lang="en-US" altLang="zh-CN" sz="3600" b="1" dirty="0">
+                  <a:solidFill>
+                    <a:srgbClr val="FF0000"/>
+                  </a:solidFill>
+                </a:rPr>
+                <a:t>[1, 2, 3]</a:t>
+              </a:r>
+              <a:endParaRPr lang="zh-CN" altLang="en-US" sz="3600" b="1" dirty="0">
+                <a:solidFill>
+                  <a:srgbClr val="FF0000"/>
+                </a:solidFill>
+              </a:endParaRPr>
+            </a:p>
+          </p:txBody>
+        </p:sp>
+      </p:grpSp>
+      <p:grpSp>
+        <p:nvGrpSpPr>
+          <p:cNvPr id="49" name="Group 48">
+            <a:extLst>
+              <a:ext uri="{FF2B5EF4-FFF2-40B4-BE49-F238E27FC236}">
+                <a16:creationId xmlns:a16="http://schemas.microsoft.com/office/drawing/2014/main" id="{86CAC7E4-D09B-40F7-A0C1-2C91D5B6A316}"/>
+              </a:ext>
+            </a:extLst>
+          </p:cNvPr>
+          <p:cNvGrpSpPr/>
+          <p:nvPr/>
+        </p:nvGrpSpPr>
+        <p:grpSpPr>
+          <a:xfrm>
+            <a:off x="2482080" y="4569092"/>
+            <a:ext cx="1915885" cy="1250302"/>
+            <a:chOff x="2482080" y="4569092"/>
+            <a:chExt cx="1915885" cy="1250302"/>
+          </a:xfrm>
+        </p:grpSpPr>
+        <p:sp>
+          <p:nvSpPr>
+            <p:cNvPr id="11" name="Rectangle 10">
+              <a:extLst>
+                <a:ext uri="{FF2B5EF4-FFF2-40B4-BE49-F238E27FC236}">
+                  <a16:creationId xmlns:a16="http://schemas.microsoft.com/office/drawing/2014/main" id="{B2019D6C-284C-47ED-AF45-03DFE152FBC2}"/>
+                </a:ext>
+              </a:extLst>
+            </p:cNvPr>
+            <p:cNvSpPr/>
+            <p:nvPr/>
+          </p:nvSpPr>
+          <p:spPr>
+            <a:xfrm>
+              <a:off x="2482080" y="4569092"/>
+              <a:ext cx="1915885" cy="1250302"/>
+            </a:xfrm>
+            <a:prstGeom prst="rect">
+              <a:avLst/>
+            </a:prstGeom>
+            <a:solidFill>
+              <a:srgbClr val="FFFFCC"/>
+            </a:solidFill>
+            <a:ln>
+              <a:solidFill>
+                <a:schemeClr val="accent2">
+                  <a:lumMod val="50000"/>
+                </a:schemeClr>
+              </a:solidFill>
+            </a:ln>
+          </p:spPr>
+          <p:style>
+            <a:lnRef idx="2">
+              <a:schemeClr val="accent1">
+                <a:shade val="50000"/>
+              </a:schemeClr>
+            </a:lnRef>
+            <a:fillRef idx="1">
+              <a:schemeClr val="accent1"/>
+            </a:fillRef>
+            <a:effectRef idx="0">
+              <a:schemeClr val="accent1"/>
+            </a:effectRef>
+            <a:fontRef idx="minor">
+              <a:schemeClr val="lt1"/>
+            </a:fontRef>
+          </p:style>
+          <p:txBody>
+            <a:bodyPr rtlCol="0" anchor="ctr"/>
+            <a:lstStyle/>
+            <a:p>
+              <a:pPr algn="ctr"/>
+              <a:endParaRPr lang="zh-CN" altLang="en-US"/>
+            </a:p>
+          </p:txBody>
+        </p:sp>
+        <p:sp>
+          <p:nvSpPr>
+            <p:cNvPr id="42" name="TextBox 41">
+              <a:extLst>
+                <a:ext uri="{FF2B5EF4-FFF2-40B4-BE49-F238E27FC236}">
+                  <a16:creationId xmlns:a16="http://schemas.microsoft.com/office/drawing/2014/main" id="{CFD42BFA-1EDF-44D8-9284-C6C779754AE7}"/>
+                </a:ext>
+              </a:extLst>
+            </p:cNvPr>
+            <p:cNvSpPr txBox="1"/>
+            <p:nvPr/>
+          </p:nvSpPr>
+          <p:spPr>
+            <a:xfrm>
+              <a:off x="2584657" y="4647973"/>
+              <a:ext cx="1710725" cy="1107996"/>
+            </a:xfrm>
+            <a:prstGeom prst="rect">
+              <a:avLst/>
+            </a:prstGeom>
+            <a:noFill/>
+          </p:spPr>
+          <p:txBody>
+            <a:bodyPr wrap="none" rtlCol="0">
+              <a:spAutoFit/>
+            </a:bodyPr>
+            <a:lstStyle/>
+            <a:p>
+              <a:r>
+                <a:rPr lang="en-US" altLang="zh-CN" sz="6600" b="1" dirty="0">
+                  <a:solidFill>
+                    <a:srgbClr val="00B050"/>
+                  </a:solidFill>
+                </a:rPr>
+                <a:t>&lt;/&gt;</a:t>
+              </a:r>
+              <a:endParaRPr lang="zh-CN" altLang="en-US" sz="6600" b="1" dirty="0">
+                <a:solidFill>
+                  <a:srgbClr val="00B050"/>
+                </a:solidFill>
+              </a:endParaRPr>
+            </a:p>
+          </p:txBody>
+        </p:sp>
+      </p:grpSp>
+      <p:grpSp>
+        <p:nvGrpSpPr>
+          <p:cNvPr id="48" name="Group 47">
+            <a:extLst>
+              <a:ext uri="{FF2B5EF4-FFF2-40B4-BE49-F238E27FC236}">
+                <a16:creationId xmlns:a16="http://schemas.microsoft.com/office/drawing/2014/main" id="{5F0C397E-BDEF-424C-9474-86CA85C9035D}"/>
+              </a:ext>
+            </a:extLst>
+          </p:cNvPr>
+          <p:cNvGrpSpPr/>
+          <p:nvPr/>
+        </p:nvGrpSpPr>
+        <p:grpSpPr>
+          <a:xfrm>
+            <a:off x="2482081" y="3121840"/>
+            <a:ext cx="1929219" cy="1318495"/>
+            <a:chOff x="2482081" y="3121840"/>
+            <a:chExt cx="1929219" cy="1318495"/>
+          </a:xfrm>
+        </p:grpSpPr>
+        <p:sp>
+          <p:nvSpPr>
+            <p:cNvPr id="10" name="Rectangle 9">
+              <a:extLst>
+                <a:ext uri="{FF2B5EF4-FFF2-40B4-BE49-F238E27FC236}">
+                  <a16:creationId xmlns:a16="http://schemas.microsoft.com/office/drawing/2014/main" id="{945A8513-4A25-4F36-A2F9-D67EA4F012D8}"/>
+                </a:ext>
+              </a:extLst>
+            </p:cNvPr>
+            <p:cNvSpPr/>
+            <p:nvPr/>
+          </p:nvSpPr>
+          <p:spPr>
+            <a:xfrm>
+              <a:off x="2482081" y="3121840"/>
+              <a:ext cx="1915885" cy="1250302"/>
+            </a:xfrm>
+            <a:prstGeom prst="rect">
+              <a:avLst/>
+            </a:prstGeom>
+            <a:solidFill>
+              <a:srgbClr val="FFFFCC"/>
+            </a:solidFill>
+            <a:ln>
+              <a:solidFill>
+                <a:schemeClr val="accent2">
+                  <a:lumMod val="50000"/>
+                </a:schemeClr>
+              </a:solidFill>
+            </a:ln>
+          </p:spPr>
+          <p:style>
+            <a:lnRef idx="2">
+              <a:schemeClr val="accent1">
+                <a:shade val="50000"/>
+              </a:schemeClr>
+            </a:lnRef>
+            <a:fillRef idx="1">
+              <a:schemeClr val="accent1"/>
+            </a:fillRef>
+            <a:effectRef idx="0">
+              <a:schemeClr val="accent1"/>
+            </a:effectRef>
+            <a:fontRef idx="minor">
+              <a:schemeClr val="lt1"/>
+            </a:fontRef>
+          </p:style>
+          <p:txBody>
+            <a:bodyPr rtlCol="0" anchor="ctr"/>
+            <a:lstStyle/>
+            <a:p>
+              <a:pPr algn="ctr"/>
+              <a:endParaRPr lang="zh-CN" altLang="en-US"/>
+            </a:p>
+          </p:txBody>
+        </p:sp>
+        <p:sp>
+          <p:nvSpPr>
+            <p:cNvPr id="24" name="Flowchart: Magnetic Disk 23">
+              <a:extLst>
+                <a:ext uri="{FF2B5EF4-FFF2-40B4-BE49-F238E27FC236}">
+                  <a16:creationId xmlns:a16="http://schemas.microsoft.com/office/drawing/2014/main" id="{3E991EBD-D79C-4FF0-859E-D3F8D3A58E3B}"/>
+                </a:ext>
+              </a:extLst>
+            </p:cNvPr>
+            <p:cNvSpPr/>
+            <p:nvPr/>
+          </p:nvSpPr>
+          <p:spPr>
+            <a:xfrm>
+              <a:off x="2549999" y="3185702"/>
+              <a:ext cx="797319" cy="1009455"/>
+            </a:xfrm>
+            <a:prstGeom prst="flowChartMagneticDisk">
+              <a:avLst/>
+            </a:prstGeom>
+            <a:noFill/>
+            <a:ln w="50800">
+              <a:solidFill>
+                <a:srgbClr val="7030A0"/>
+              </a:solidFill>
+            </a:ln>
+          </p:spPr>
+          <p:style>
+            <a:lnRef idx="2">
+              <a:schemeClr val="accent1">
+                <a:shade val="50000"/>
+              </a:schemeClr>
+            </a:lnRef>
+            <a:fillRef idx="1">
+              <a:schemeClr val="accent1"/>
+            </a:fillRef>
+            <a:effectRef idx="0">
+              <a:schemeClr val="accent1"/>
+            </a:effectRef>
+            <a:fontRef idx="minor">
+              <a:schemeClr val="lt1"/>
+            </a:fontRef>
+          </p:style>
+          <p:txBody>
+            <a:bodyPr rtlCol="0" anchor="ctr"/>
+            <a:lstStyle/>
+            <a:p>
+              <a:pPr algn="ctr"/>
+              <a:endParaRPr lang="zh-CN" altLang="en-US"/>
+            </a:p>
+          </p:txBody>
+        </p:sp>
+        <p:sp>
+          <p:nvSpPr>
+            <p:cNvPr id="46" name="TextBox 45">
+              <a:extLst>
+                <a:ext uri="{FF2B5EF4-FFF2-40B4-BE49-F238E27FC236}">
+                  <a16:creationId xmlns:a16="http://schemas.microsoft.com/office/drawing/2014/main" id="{25E56579-8075-4BEC-867A-88BB8456C40B}"/>
+                </a:ext>
+              </a:extLst>
+            </p:cNvPr>
+            <p:cNvSpPr txBox="1"/>
+            <p:nvPr/>
+          </p:nvSpPr>
+          <p:spPr>
+            <a:xfrm>
+              <a:off x="3311319" y="3794004"/>
+              <a:ext cx="1099981" cy="646331"/>
+            </a:xfrm>
+            <a:prstGeom prst="rect">
+              <a:avLst/>
+            </a:prstGeom>
+            <a:noFill/>
+          </p:spPr>
+          <p:txBody>
+            <a:bodyPr wrap="none" rtlCol="0">
+              <a:spAutoFit/>
+            </a:bodyPr>
+            <a:lstStyle/>
+            <a:p>
+              <a:r>
+                <a:rPr lang="en-US" altLang="zh-CN" sz="3600" b="1" dirty="0">
+                  <a:solidFill>
+                    <a:srgbClr val="7030A0"/>
+                  </a:solidFill>
+                </a:rPr>
+                <a:t>a.txt</a:t>
+              </a:r>
+              <a:endParaRPr lang="zh-CN" altLang="en-US" sz="3600" b="1" dirty="0">
+                <a:solidFill>
+                  <a:srgbClr val="7030A0"/>
+                </a:solidFill>
+              </a:endParaRPr>
+            </a:p>
+          </p:txBody>
+        </p:sp>
+      </p:grpSp>
+      <p:grpSp>
+        <p:nvGrpSpPr>
+          <p:cNvPr id="47" name="Group 46">
+            <a:extLst>
+              <a:ext uri="{FF2B5EF4-FFF2-40B4-BE49-F238E27FC236}">
+                <a16:creationId xmlns:a16="http://schemas.microsoft.com/office/drawing/2014/main" id="{BC2F6832-4F48-42A4-8608-8665B5B36E8D}"/>
+              </a:ext>
+            </a:extLst>
+          </p:cNvPr>
+          <p:cNvGrpSpPr/>
+          <p:nvPr/>
+        </p:nvGrpSpPr>
+        <p:grpSpPr>
+          <a:xfrm>
+            <a:off x="2482082" y="1674588"/>
+            <a:ext cx="1915885" cy="1250302"/>
+            <a:chOff x="2482082" y="1674588"/>
+            <a:chExt cx="1915885" cy="1250302"/>
+          </a:xfrm>
+        </p:grpSpPr>
+        <p:sp>
+          <p:nvSpPr>
+            <p:cNvPr id="9" name="Rectangle 8">
+              <a:extLst>
+                <a:ext uri="{FF2B5EF4-FFF2-40B4-BE49-F238E27FC236}">
+                  <a16:creationId xmlns:a16="http://schemas.microsoft.com/office/drawing/2014/main" id="{0F6C9D97-1AD4-4CF5-8692-4585F0D89503}"/>
+                </a:ext>
+              </a:extLst>
+            </p:cNvPr>
+            <p:cNvSpPr/>
+            <p:nvPr/>
+          </p:nvSpPr>
+          <p:spPr>
+            <a:xfrm>
+              <a:off x="2482082" y="1674588"/>
+              <a:ext cx="1915885" cy="1250302"/>
+            </a:xfrm>
+            <a:prstGeom prst="rect">
+              <a:avLst/>
+            </a:prstGeom>
+            <a:solidFill>
+              <a:srgbClr val="FFFFCC"/>
+            </a:solidFill>
+            <a:ln>
+              <a:solidFill>
+                <a:schemeClr val="accent2">
+                  <a:lumMod val="50000"/>
+                </a:schemeClr>
+              </a:solidFill>
+            </a:ln>
+          </p:spPr>
+          <p:style>
+            <a:lnRef idx="2">
+              <a:schemeClr val="accent1">
+                <a:shade val="50000"/>
+              </a:schemeClr>
+            </a:lnRef>
+            <a:fillRef idx="1">
+              <a:schemeClr val="accent1"/>
+            </a:fillRef>
+            <a:effectRef idx="0">
+              <a:schemeClr val="accent1"/>
+            </a:effectRef>
+            <a:fontRef idx="minor">
+              <a:schemeClr val="lt1"/>
+            </a:fontRef>
+          </p:style>
+          <p:txBody>
+            <a:bodyPr rtlCol="0" anchor="ctr"/>
+            <a:lstStyle/>
+            <a:p>
+              <a:pPr algn="ctr"/>
+              <a:endParaRPr lang="zh-CN" altLang="en-US"/>
+            </a:p>
+          </p:txBody>
+        </p:sp>
+        <p:graphicFrame>
+          <p:nvGraphicFramePr>
+            <p:cNvPr id="26" name="Diagram 25">
+              <a:extLst>
+                <a:ext uri="{FF2B5EF4-FFF2-40B4-BE49-F238E27FC236}">
+                  <a16:creationId xmlns:a16="http://schemas.microsoft.com/office/drawing/2014/main" id="{B55B83C5-FEAE-43C6-8498-6574536F2536}"/>
+                </a:ext>
+              </a:extLst>
+            </p:cNvPr>
+            <p:cNvGraphicFramePr/>
+            <p:nvPr>
+              <p:extLst>
+                <p:ext uri="{D42A27DB-BD31-4B8C-83A1-F6EECF244321}">
+                  <p14:modId xmlns:p14="http://schemas.microsoft.com/office/powerpoint/2010/main" val="695713137"/>
+                </p:ext>
+              </p:extLst>
+            </p:nvPr>
+          </p:nvGraphicFramePr>
+          <p:xfrm>
+            <a:off x="2529368" y="1696803"/>
+            <a:ext cx="1821301" cy="1214201"/>
+          </p:xfrm>
+          <a:graphic>
+            <a:graphicData uri="http://schemas.openxmlformats.org/drawingml/2006/diagram">
+              <dgm:relIds xmlns:dgm="http://schemas.openxmlformats.org/drawingml/2006/diagram" xmlns:r="http://schemas.openxmlformats.org/officeDocument/2006/relationships" r:dm="rId10" r:lo="rId11" r:qs="rId12" r:cs="rId13"/>
+            </a:graphicData>
+          </a:graphic>
+        </p:graphicFrame>
+      </p:grpSp>
+      <p:grpSp>
+        <p:nvGrpSpPr>
+          <p:cNvPr id="78" name="Group 77">
+            <a:extLst>
+              <a:ext uri="{FF2B5EF4-FFF2-40B4-BE49-F238E27FC236}">
+                <a16:creationId xmlns:a16="http://schemas.microsoft.com/office/drawing/2014/main" id="{4D5D8C7E-3951-4DC4-A5B9-D5DE60FEC81F}"/>
+              </a:ext>
+            </a:extLst>
+          </p:cNvPr>
+          <p:cNvGrpSpPr/>
+          <p:nvPr/>
+        </p:nvGrpSpPr>
+        <p:grpSpPr>
+          <a:xfrm>
+            <a:off x="4729983" y="227336"/>
+            <a:ext cx="1915885" cy="1250302"/>
+            <a:chOff x="4729983" y="227336"/>
+            <a:chExt cx="1915885" cy="1250302"/>
+          </a:xfrm>
+        </p:grpSpPr>
+        <p:sp>
+          <p:nvSpPr>
+            <p:cNvPr id="12" name="Rectangle 11">
+              <a:extLst>
+                <a:ext uri="{FF2B5EF4-FFF2-40B4-BE49-F238E27FC236}">
+                  <a16:creationId xmlns:a16="http://schemas.microsoft.com/office/drawing/2014/main" id="{98E7F6EE-1E63-4DD3-8FB9-26E57B88981A}"/>
+                </a:ext>
+              </a:extLst>
+            </p:cNvPr>
+            <p:cNvSpPr/>
+            <p:nvPr/>
+          </p:nvSpPr>
+          <p:spPr>
+            <a:xfrm>
+              <a:off x="4729983" y="227336"/>
+              <a:ext cx="1915885" cy="1250302"/>
+            </a:xfrm>
+            <a:prstGeom prst="rect">
+              <a:avLst/>
+            </a:prstGeom>
+            <a:solidFill>
+              <a:srgbClr val="FFFFCC"/>
+            </a:solidFill>
+            <a:ln>
+              <a:solidFill>
+                <a:schemeClr val="accent2">
+                  <a:lumMod val="50000"/>
+                </a:schemeClr>
+              </a:solidFill>
+            </a:ln>
+          </p:spPr>
+          <p:style>
+            <a:lnRef idx="2">
+              <a:schemeClr val="accent1">
+                <a:shade val="50000"/>
+              </a:schemeClr>
+            </a:lnRef>
+            <a:fillRef idx="1">
+              <a:schemeClr val="accent1"/>
+            </a:fillRef>
+            <a:effectRef idx="0">
+              <a:schemeClr val="accent1"/>
+            </a:effectRef>
+            <a:fontRef idx="minor">
+              <a:schemeClr val="lt1"/>
+            </a:fontRef>
+          </p:style>
+          <p:txBody>
+            <a:bodyPr rtlCol="0" anchor="ctr"/>
+            <a:lstStyle/>
+            <a:p>
+              <a:pPr algn="ctr"/>
+              <a:endParaRPr lang="zh-CN" altLang="en-US" dirty="0"/>
+            </a:p>
+          </p:txBody>
+        </p:sp>
+        <p:sp>
+          <p:nvSpPr>
+            <p:cNvPr id="57" name="Rectangle: Rounded Corners 56">
+              <a:extLst>
+                <a:ext uri="{FF2B5EF4-FFF2-40B4-BE49-F238E27FC236}">
+                  <a16:creationId xmlns:a16="http://schemas.microsoft.com/office/drawing/2014/main" id="{239436E3-4B88-4EB5-A2A7-1958B57781C3}"/>
+                </a:ext>
+              </a:extLst>
+            </p:cNvPr>
+            <p:cNvSpPr/>
+            <p:nvPr/>
+          </p:nvSpPr>
+          <p:spPr>
+            <a:xfrm>
+              <a:off x="5314155" y="671460"/>
+              <a:ext cx="747526" cy="631529"/>
+            </a:xfrm>
+            <a:prstGeom prst="roundRect">
+              <a:avLst>
+                <a:gd name="adj" fmla="val 22827"/>
+              </a:avLst>
+            </a:prstGeom>
+            <a:noFill/>
+            <a:ln w="63500">
+              <a:solidFill>
+                <a:schemeClr val="accent2"/>
+              </a:solidFill>
+            </a:ln>
+          </p:spPr>
+          <p:style>
+            <a:lnRef idx="2">
+              <a:schemeClr val="accent1">
+                <a:shade val="50000"/>
+              </a:schemeClr>
+            </a:lnRef>
+            <a:fillRef idx="1">
+              <a:schemeClr val="accent1"/>
+            </a:fillRef>
+            <a:effectRef idx="0">
+              <a:schemeClr val="accent1"/>
+            </a:effectRef>
+            <a:fontRef idx="minor">
+              <a:schemeClr val="lt1"/>
+            </a:fontRef>
+          </p:style>
+          <p:txBody>
+            <a:bodyPr rtlCol="0" anchor="ctr"/>
+            <a:lstStyle/>
+            <a:p>
+              <a:pPr algn="ctr"/>
+              <a:endParaRPr lang="zh-CN" altLang="en-US"/>
+            </a:p>
+          </p:txBody>
+        </p:sp>
+        <p:cxnSp>
+          <p:nvCxnSpPr>
+            <p:cNvPr id="59" name="Straight Connector 58">
+              <a:extLst>
+                <a:ext uri="{FF2B5EF4-FFF2-40B4-BE49-F238E27FC236}">
+                  <a16:creationId xmlns:a16="http://schemas.microsoft.com/office/drawing/2014/main" id="{0136B757-89C0-4E74-A0BF-E390094920F2}"/>
+                </a:ext>
+              </a:extLst>
+            </p:cNvPr>
+            <p:cNvCxnSpPr>
+              <a:cxnSpLocks/>
+            </p:cNvCxnSpPr>
+            <p:nvPr/>
+          </p:nvCxnSpPr>
+          <p:spPr>
+            <a:xfrm flipV="1">
+              <a:off x="5493708" y="532372"/>
+              <a:ext cx="0" cy="139090"/>
+            </a:xfrm>
+            <a:prstGeom prst="line">
+              <a:avLst/>
+            </a:prstGeom>
+            <a:ln w="63500">
+              <a:solidFill>
+                <a:schemeClr val="accent2"/>
+              </a:solidFill>
+            </a:ln>
+          </p:spPr>
+          <p:style>
+            <a:lnRef idx="1">
+              <a:schemeClr val="accent1"/>
+            </a:lnRef>
+            <a:fillRef idx="0">
+              <a:schemeClr val="accent1"/>
+            </a:fillRef>
+            <a:effectRef idx="0">
+              <a:schemeClr val="accent1"/>
+            </a:effectRef>
+            <a:fontRef idx="minor">
+              <a:schemeClr val="tx1"/>
+            </a:fontRef>
+          </p:style>
+        </p:cxnSp>
+        <p:cxnSp>
+          <p:nvCxnSpPr>
+            <p:cNvPr id="60" name="Straight Connector 59">
+              <a:extLst>
+                <a:ext uri="{FF2B5EF4-FFF2-40B4-BE49-F238E27FC236}">
+                  <a16:creationId xmlns:a16="http://schemas.microsoft.com/office/drawing/2014/main" id="{9A7A94A4-C805-455D-9D4A-EAFC93BB2AD2}"/>
+                </a:ext>
+              </a:extLst>
+            </p:cNvPr>
+            <p:cNvCxnSpPr>
+              <a:cxnSpLocks/>
+            </p:cNvCxnSpPr>
+            <p:nvPr/>
+          </p:nvCxnSpPr>
+          <p:spPr>
+            <a:xfrm flipV="1">
+              <a:off x="5872324" y="532372"/>
+              <a:ext cx="0" cy="139090"/>
+            </a:xfrm>
+            <a:prstGeom prst="line">
+              <a:avLst/>
+            </a:prstGeom>
+            <a:ln w="63500">
+              <a:solidFill>
+                <a:schemeClr val="accent2"/>
+              </a:solidFill>
+            </a:ln>
+          </p:spPr>
+          <p:style>
+            <a:lnRef idx="1">
+              <a:schemeClr val="accent1"/>
+            </a:lnRef>
+            <a:fillRef idx="0">
+              <a:schemeClr val="accent1"/>
+            </a:fillRef>
+            <a:effectRef idx="0">
+              <a:schemeClr val="accent1"/>
+            </a:effectRef>
+            <a:fontRef idx="minor">
+              <a:schemeClr val="tx1"/>
+            </a:fontRef>
+          </p:style>
+        </p:cxnSp>
+        <p:sp>
+          <p:nvSpPr>
+            <p:cNvPr id="65" name="Arc 64">
+              <a:extLst>
+                <a:ext uri="{FF2B5EF4-FFF2-40B4-BE49-F238E27FC236}">
+                  <a16:creationId xmlns:a16="http://schemas.microsoft.com/office/drawing/2014/main" id="{4258EC2E-9CA1-49BD-9304-F5F268FD2072}"/>
+                </a:ext>
+              </a:extLst>
+            </p:cNvPr>
+            <p:cNvSpPr/>
+            <p:nvPr/>
+          </p:nvSpPr>
+          <p:spPr>
+            <a:xfrm>
+              <a:off x="5493707" y="399934"/>
+              <a:ext cx="378611" cy="277690"/>
+            </a:xfrm>
+            <a:prstGeom prst="arc">
+              <a:avLst>
+                <a:gd name="adj1" fmla="val 10775806"/>
+                <a:gd name="adj2" fmla="val 7"/>
+              </a:avLst>
+            </a:prstGeom>
+            <a:ln w="63500">
+              <a:solidFill>
+                <a:schemeClr val="accent2"/>
+              </a:solidFill>
+            </a:ln>
+          </p:spPr>
+          <p:style>
+            <a:lnRef idx="1">
+              <a:schemeClr val="accent1"/>
+            </a:lnRef>
+            <a:fillRef idx="0">
+              <a:schemeClr val="accent1"/>
+            </a:fillRef>
+            <a:effectRef idx="0">
+              <a:schemeClr val="accent1"/>
+            </a:effectRef>
+            <a:fontRef idx="minor">
+              <a:schemeClr val="tx1"/>
+            </a:fontRef>
+          </p:style>
+          <p:txBody>
+            <a:bodyPr rtlCol="0" anchor="ctr"/>
+            <a:lstStyle/>
+            <a:p>
+              <a:pPr algn="ctr"/>
+              <a:endParaRPr lang="zh-CN" altLang="en-US"/>
+            </a:p>
+          </p:txBody>
+        </p:sp>
+        <p:sp>
+          <p:nvSpPr>
+            <p:cNvPr id="70" name="Oval 69">
+              <a:extLst>
+                <a:ext uri="{FF2B5EF4-FFF2-40B4-BE49-F238E27FC236}">
+                  <a16:creationId xmlns:a16="http://schemas.microsoft.com/office/drawing/2014/main" id="{22D822CB-A471-4643-80BF-DBB2957DC1D6}"/>
+                </a:ext>
+              </a:extLst>
+            </p:cNvPr>
+            <p:cNvSpPr/>
+            <p:nvPr/>
+          </p:nvSpPr>
+          <p:spPr>
+            <a:xfrm>
+              <a:off x="5587765" y="816712"/>
+              <a:ext cx="188174" cy="188174"/>
+            </a:xfrm>
+            <a:prstGeom prst="ellipse">
+              <a:avLst/>
+            </a:prstGeom>
+            <a:solidFill>
+              <a:schemeClr val="accent2"/>
+            </a:solidFill>
+            <a:ln>
+              <a:noFill/>
+            </a:ln>
+          </p:spPr>
+          <p:style>
+            <a:lnRef idx="2">
+              <a:schemeClr val="accent1">
+                <a:shade val="50000"/>
+              </a:schemeClr>
+            </a:lnRef>
+            <a:fillRef idx="1">
+              <a:schemeClr val="accent1"/>
+            </a:fillRef>
+            <a:effectRef idx="0">
+              <a:schemeClr val="accent1"/>
+            </a:effectRef>
+            <a:fontRef idx="minor">
+              <a:schemeClr val="lt1"/>
+            </a:fontRef>
+          </p:style>
+          <p:txBody>
+            <a:bodyPr rtlCol="0" anchor="ctr"/>
+            <a:lstStyle/>
+            <a:p>
+              <a:pPr algn="ctr"/>
+              <a:endParaRPr lang="zh-CN" altLang="en-US"/>
+            </a:p>
+          </p:txBody>
+        </p:sp>
+        <p:sp>
+          <p:nvSpPr>
+            <p:cNvPr id="71" name="Isosceles Triangle 70">
+              <a:extLst>
+                <a:ext uri="{FF2B5EF4-FFF2-40B4-BE49-F238E27FC236}">
+                  <a16:creationId xmlns:a16="http://schemas.microsoft.com/office/drawing/2014/main" id="{7A80A10E-4DCD-448B-AA3D-5611B51402B2}"/>
+                </a:ext>
+              </a:extLst>
+            </p:cNvPr>
+            <p:cNvSpPr/>
+            <p:nvPr/>
+          </p:nvSpPr>
+          <p:spPr>
+            <a:xfrm>
+              <a:off x="5587765" y="866285"/>
+              <a:ext cx="188174" cy="277690"/>
+            </a:xfrm>
+            <a:prstGeom prst="triangle">
+              <a:avLst/>
+            </a:prstGeom>
+            <a:solidFill>
+              <a:schemeClr val="accent2"/>
+            </a:solidFill>
+            <a:ln>
+              <a:noFill/>
+            </a:ln>
+          </p:spPr>
+          <p:style>
+            <a:lnRef idx="2">
+              <a:schemeClr val="accent1">
+                <a:shade val="50000"/>
+              </a:schemeClr>
+            </a:lnRef>
+            <a:fillRef idx="1">
+              <a:schemeClr val="accent1"/>
+            </a:fillRef>
+            <a:effectRef idx="0">
+              <a:schemeClr val="accent1"/>
+            </a:effectRef>
+            <a:fontRef idx="minor">
+              <a:schemeClr val="lt1"/>
+            </a:fontRef>
+          </p:style>
+          <p:txBody>
+            <a:bodyPr rtlCol="0" anchor="ctr"/>
+            <a:lstStyle/>
+            <a:p>
+              <a:pPr algn="ctr"/>
+              <a:endParaRPr lang="zh-CN" altLang="en-US"/>
+            </a:p>
+          </p:txBody>
+        </p:sp>
+      </p:grpSp>
     </p:spTree>
     <p:extLst>
       <p:ext uri="{BB962C8B-B14F-4D97-AF65-F5344CB8AC3E}">

--- a/packages/Dependencies.pptx
+++ b/packages/Dependencies.pptx
@@ -12935,9 +12935,9 @@
         <p:grpSpPr>
           <a:xfrm>
             <a:off x="2482083" y="227336"/>
-            <a:ext cx="1915885" cy="1250302"/>
+            <a:ext cx="4119060" cy="5297800"/>
             <a:chOff x="2482083" y="227336"/>
-            <a:chExt cx="1915885" cy="1250302"/>
+            <a:chExt cx="4119060" cy="5297800"/>
           </a:xfrm>
         </p:grpSpPr>
         <p:sp>
@@ -13031,6 +13031,146 @@
                   </a:solidFill>
                 </a:rPr>
                 <a:t>[1, 2, 3]</a:t>
+              </a:r>
+              <a:endParaRPr lang="zh-CN" altLang="en-US" sz="3600" b="1" dirty="0">
+                <a:solidFill>
+                  <a:srgbClr val="FF0000"/>
+                </a:solidFill>
+              </a:endParaRPr>
+            </a:p>
+          </p:txBody>
+        </p:sp>
+        <p:sp>
+          <p:nvSpPr>
+            <p:cNvPr id="79" name="TextBox 78">
+              <a:extLst>
+                <a:ext uri="{FF2B5EF4-FFF2-40B4-BE49-F238E27FC236}">
+                  <a16:creationId xmlns:a16="http://schemas.microsoft.com/office/drawing/2014/main" id="{C487F359-B8E9-4BE4-96B7-AD0E1B0408CE}"/>
+                </a:ext>
+              </a:extLst>
+            </p:cNvPr>
+            <p:cNvSpPr txBox="1"/>
+            <p:nvPr/>
+          </p:nvSpPr>
+          <p:spPr>
+            <a:xfrm>
+              <a:off x="4868969" y="1777611"/>
+              <a:ext cx="1625766" cy="1107996"/>
+            </a:xfrm>
+            <a:prstGeom prst="rect">
+              <a:avLst/>
+            </a:prstGeom>
+            <a:noFill/>
+          </p:spPr>
+          <p:txBody>
+            <a:bodyPr wrap="none" rtlCol="0">
+              <a:spAutoFit/>
+            </a:bodyPr>
+            <a:lstStyle/>
+            <a:p>
+              <a:r>
+                <a:rPr lang="en-US" altLang="zh-CN" sz="6600" b="1" dirty="0">
+                  <a:solidFill>
+                    <a:srgbClr val="7030A0"/>
+                  </a:solidFill>
+                </a:rPr>
+                <a:t>\d+</a:t>
+              </a:r>
+              <a:endParaRPr lang="zh-CN" altLang="en-US" sz="6600" b="1" dirty="0">
+                <a:solidFill>
+                  <a:srgbClr val="7030A0"/>
+                </a:solidFill>
+              </a:endParaRPr>
+            </a:p>
+          </p:txBody>
+        </p:sp>
+        <p:sp>
+          <p:nvSpPr>
+            <p:cNvPr id="80" name="TextBox 79">
+              <a:extLst>
+                <a:ext uri="{FF2B5EF4-FFF2-40B4-BE49-F238E27FC236}">
+                  <a16:creationId xmlns:a16="http://schemas.microsoft.com/office/drawing/2014/main" id="{6B42A497-0E94-412C-ADDF-45E78655575E}"/>
+                </a:ext>
+              </a:extLst>
+            </p:cNvPr>
+            <p:cNvSpPr txBox="1"/>
+            <p:nvPr/>
+          </p:nvSpPr>
+          <p:spPr>
+            <a:xfrm>
+              <a:off x="4715690" y="3427689"/>
+              <a:ext cx="1885453" cy="584775"/>
+            </a:xfrm>
+            <a:prstGeom prst="rect">
+              <a:avLst/>
+            </a:prstGeom>
+            <a:noFill/>
+          </p:spPr>
+          <p:txBody>
+            <a:bodyPr wrap="none" rtlCol="0">
+              <a:spAutoFit/>
+            </a:bodyPr>
+            <a:lstStyle/>
+            <a:p>
+              <a:r>
+                <a:rPr lang="en-US" altLang="zh-CN" sz="3200" b="1" dirty="0">
+                  <a:solidFill>
+                    <a:srgbClr val="0070C0"/>
+                  </a:solidFill>
+                </a:rPr>
+                <a:t>return 0 ;</a:t>
+              </a:r>
+              <a:endParaRPr lang="zh-CN" altLang="en-US" sz="3200" b="1" dirty="0">
+                <a:solidFill>
+                  <a:srgbClr val="0070C0"/>
+                </a:solidFill>
+              </a:endParaRPr>
+            </a:p>
+          </p:txBody>
+        </p:sp>
+        <p:sp>
+          <p:nvSpPr>
+            <p:cNvPr id="84" name="TextBox 83">
+              <a:extLst>
+                <a:ext uri="{FF2B5EF4-FFF2-40B4-BE49-F238E27FC236}">
+                  <a16:creationId xmlns:a16="http://schemas.microsoft.com/office/drawing/2014/main" id="{54F0B1F6-958B-4B6F-8000-6A8A4B598FEE}"/>
+                </a:ext>
+              </a:extLst>
+            </p:cNvPr>
+            <p:cNvSpPr txBox="1"/>
+            <p:nvPr/>
+          </p:nvSpPr>
+          <p:spPr>
+            <a:xfrm>
+              <a:off x="4819734" y="4878805"/>
+              <a:ext cx="1693092" cy="646331"/>
+            </a:xfrm>
+            <a:prstGeom prst="rect">
+              <a:avLst/>
+            </a:prstGeom>
+            <a:noFill/>
+          </p:spPr>
+          <p:txBody>
+            <a:bodyPr wrap="none" rtlCol="0">
+              <a:spAutoFit/>
+            </a:bodyPr>
+            <a:lstStyle/>
+            <a:p>
+              <a:r>
+                <a:rPr lang="en-US" altLang="zh-CN" sz="3600" b="1" dirty="0" err="1">
+                  <a:solidFill>
+                    <a:srgbClr val="FF0000"/>
+                  </a:solidFill>
+                </a:rPr>
+                <a:t>R”str</a:t>
+              </a:r>
+              <a:r>
+                <a:rPr lang="en-US" altLang="zh-CN" sz="3600" b="1" dirty="0">
+                  <a:solidFill>
+                    <a:srgbClr val="FF0000"/>
+                  </a:solidFill>
+                </a:rPr>
+                <a:t>(...</a:t>
               </a:r>
               <a:endParaRPr lang="zh-CN" altLang="en-US" sz="3600" b="1" dirty="0">
                 <a:solidFill>
@@ -13813,6 +13953,380 @@
           </p:txBody>
         </p:sp>
       </p:grpSp>
+      <p:sp>
+        <p:nvSpPr>
+          <p:cNvPr id="81" name="Rectangle 80">
+            <a:extLst>
+              <a:ext uri="{FF2B5EF4-FFF2-40B4-BE49-F238E27FC236}">
+                <a16:creationId xmlns:a16="http://schemas.microsoft.com/office/drawing/2014/main" id="{70C36CBB-5AAF-4997-A65D-BAACFF198623}"/>
+              </a:ext>
+            </a:extLst>
+          </p:cNvPr>
+          <p:cNvSpPr/>
+          <p:nvPr/>
+        </p:nvSpPr>
+        <p:spPr>
+          <a:xfrm>
+            <a:off x="4795056" y="3546068"/>
+            <a:ext cx="1169975" cy="414338"/>
+          </a:xfrm>
+          <a:prstGeom prst="rect">
+            <a:avLst/>
+          </a:prstGeom>
+          <a:noFill/>
+          <a:ln>
+            <a:solidFill>
+              <a:schemeClr val="accent2"/>
+            </a:solidFill>
+          </a:ln>
+        </p:spPr>
+        <p:style>
+          <a:lnRef idx="2">
+            <a:schemeClr val="accent1">
+              <a:shade val="50000"/>
+            </a:schemeClr>
+          </a:lnRef>
+          <a:fillRef idx="1">
+            <a:schemeClr val="accent1"/>
+          </a:fillRef>
+          <a:effectRef idx="0">
+            <a:schemeClr val="accent1"/>
+          </a:effectRef>
+          <a:fontRef idx="minor">
+            <a:schemeClr val="lt1"/>
+          </a:fontRef>
+        </p:style>
+        <p:txBody>
+          <a:bodyPr rtlCol="0" anchor="ctr"/>
+          <a:lstStyle/>
+          <a:p>
+            <a:pPr algn="ctr"/>
+            <a:endParaRPr lang="zh-CN" altLang="en-US"/>
+          </a:p>
+        </p:txBody>
+      </p:sp>
+      <p:sp>
+        <p:nvSpPr>
+          <p:cNvPr id="82" name="Rectangle 81">
+            <a:extLst>
+              <a:ext uri="{FF2B5EF4-FFF2-40B4-BE49-F238E27FC236}">
+                <a16:creationId xmlns:a16="http://schemas.microsoft.com/office/drawing/2014/main" id="{78DA88BD-EA4B-4C9F-A10A-0B3243671F16}"/>
+              </a:ext>
+            </a:extLst>
+          </p:cNvPr>
+          <p:cNvSpPr/>
+          <p:nvPr/>
+        </p:nvSpPr>
+        <p:spPr>
+          <a:xfrm>
+            <a:off x="6049292" y="3546068"/>
+            <a:ext cx="247751" cy="408091"/>
+          </a:xfrm>
+          <a:prstGeom prst="rect">
+            <a:avLst/>
+          </a:prstGeom>
+          <a:noFill/>
+          <a:ln>
+            <a:solidFill>
+              <a:schemeClr val="accent2"/>
+            </a:solidFill>
+          </a:ln>
+        </p:spPr>
+        <p:style>
+          <a:lnRef idx="2">
+            <a:schemeClr val="accent1">
+              <a:shade val="50000"/>
+            </a:schemeClr>
+          </a:lnRef>
+          <a:fillRef idx="1">
+            <a:schemeClr val="accent1"/>
+          </a:fillRef>
+          <a:effectRef idx="0">
+            <a:schemeClr val="accent1"/>
+          </a:effectRef>
+          <a:fontRef idx="minor">
+            <a:schemeClr val="lt1"/>
+          </a:fontRef>
+        </p:style>
+        <p:txBody>
+          <a:bodyPr rtlCol="0" anchor="ctr"/>
+          <a:lstStyle/>
+          <a:p>
+            <a:pPr algn="ctr"/>
+            <a:endParaRPr lang="zh-CN" altLang="en-US"/>
+          </a:p>
+        </p:txBody>
+      </p:sp>
+      <p:sp>
+        <p:nvSpPr>
+          <p:cNvPr id="83" name="Rectangle 82">
+            <a:extLst>
+              <a:ext uri="{FF2B5EF4-FFF2-40B4-BE49-F238E27FC236}">
+                <a16:creationId xmlns:a16="http://schemas.microsoft.com/office/drawing/2014/main" id="{94161374-1AF2-42DF-84EF-14627EF65662}"/>
+              </a:ext>
+            </a:extLst>
+          </p:cNvPr>
+          <p:cNvSpPr/>
+          <p:nvPr/>
+        </p:nvSpPr>
+        <p:spPr>
+          <a:xfrm>
+            <a:off x="6381304" y="3546068"/>
+            <a:ext cx="113431" cy="405710"/>
+          </a:xfrm>
+          <a:prstGeom prst="rect">
+            <a:avLst/>
+          </a:prstGeom>
+          <a:noFill/>
+          <a:ln>
+            <a:solidFill>
+              <a:schemeClr val="accent2"/>
+            </a:solidFill>
+          </a:ln>
+        </p:spPr>
+        <p:style>
+          <a:lnRef idx="2">
+            <a:schemeClr val="accent1">
+              <a:shade val="50000"/>
+            </a:schemeClr>
+          </a:lnRef>
+          <a:fillRef idx="1">
+            <a:schemeClr val="accent1"/>
+          </a:fillRef>
+          <a:effectRef idx="0">
+            <a:schemeClr val="accent1"/>
+          </a:effectRef>
+          <a:fontRef idx="minor">
+            <a:schemeClr val="lt1"/>
+          </a:fontRef>
+        </p:style>
+        <p:txBody>
+          <a:bodyPr rtlCol="0" anchor="ctr"/>
+          <a:lstStyle/>
+          <a:p>
+            <a:pPr algn="ctr"/>
+            <a:endParaRPr lang="zh-CN" altLang="en-US"/>
+          </a:p>
+        </p:txBody>
+      </p:sp>
+      <p:sp>
+        <p:nvSpPr>
+          <p:cNvPr id="89" name="TextBox 88">
+            <a:extLst>
+              <a:ext uri="{FF2B5EF4-FFF2-40B4-BE49-F238E27FC236}">
+                <a16:creationId xmlns:a16="http://schemas.microsoft.com/office/drawing/2014/main" id="{8FA37BFF-3DC2-4D8F-AA48-3177130FD8C4}"/>
+              </a:ext>
+            </a:extLst>
+          </p:cNvPr>
+          <p:cNvSpPr txBox="1"/>
+          <p:nvPr/>
+        </p:nvSpPr>
+        <p:spPr>
+          <a:xfrm>
+            <a:off x="7639092" y="64561"/>
+            <a:ext cx="612668" cy="830997"/>
+          </a:xfrm>
+          <a:prstGeom prst="rect">
+            <a:avLst/>
+          </a:prstGeom>
+          <a:noFill/>
+        </p:spPr>
+        <p:txBody>
+          <a:bodyPr wrap="none" rtlCol="0">
+            <a:spAutoFit/>
+          </a:bodyPr>
+          <a:lstStyle/>
+          <a:p>
+            <a:r>
+              <a:rPr lang="en-US" altLang="zh-CN" sz="4800" b="1" dirty="0">
+                <a:solidFill>
+                  <a:srgbClr val="00B050"/>
+                </a:solidFill>
+              </a:rPr>
+              <a:t>+</a:t>
+            </a:r>
+            <a:endParaRPr lang="zh-CN" altLang="en-US" sz="4800" b="1" dirty="0">
+              <a:solidFill>
+                <a:srgbClr val="00B050"/>
+              </a:solidFill>
+            </a:endParaRPr>
+          </a:p>
+        </p:txBody>
+      </p:sp>
+      <p:sp>
+        <p:nvSpPr>
+          <p:cNvPr id="90" name="TextBox 89">
+            <a:extLst>
+              <a:ext uri="{FF2B5EF4-FFF2-40B4-BE49-F238E27FC236}">
+                <a16:creationId xmlns:a16="http://schemas.microsoft.com/office/drawing/2014/main" id="{FF0C8DAA-2D16-486B-BA90-145F8DC516F6}"/>
+              </a:ext>
+            </a:extLst>
+          </p:cNvPr>
+          <p:cNvSpPr txBox="1"/>
+          <p:nvPr/>
+        </p:nvSpPr>
+        <p:spPr>
+          <a:xfrm>
+            <a:off x="7283733" y="761579"/>
+            <a:ext cx="526106" cy="830997"/>
+          </a:xfrm>
+          <a:prstGeom prst="rect">
+            <a:avLst/>
+          </a:prstGeom>
+          <a:noFill/>
+        </p:spPr>
+        <p:txBody>
+          <a:bodyPr wrap="none" rtlCol="0">
+            <a:spAutoFit/>
+          </a:bodyPr>
+          <a:lstStyle/>
+          <a:p>
+            <a:r>
+              <a:rPr lang="en-US" altLang="zh-CN" sz="4800" b="1" dirty="0">
+                <a:solidFill>
+                  <a:srgbClr val="00B050"/>
+                </a:solidFill>
+              </a:rPr>
+              <a:t>1</a:t>
+            </a:r>
+            <a:endParaRPr lang="zh-CN" altLang="en-US" sz="4800" b="1" dirty="0">
+              <a:solidFill>
+                <a:srgbClr val="00B050"/>
+              </a:solidFill>
+            </a:endParaRPr>
+          </a:p>
+        </p:txBody>
+      </p:sp>
+      <p:sp>
+        <p:nvSpPr>
+          <p:cNvPr id="91" name="TextBox 90">
+            <a:extLst>
+              <a:ext uri="{FF2B5EF4-FFF2-40B4-BE49-F238E27FC236}">
+                <a16:creationId xmlns:a16="http://schemas.microsoft.com/office/drawing/2014/main" id="{60359C8F-6E96-4091-9494-22464D915F14}"/>
+              </a:ext>
+            </a:extLst>
+          </p:cNvPr>
+          <p:cNvSpPr txBox="1"/>
+          <p:nvPr/>
+        </p:nvSpPr>
+        <p:spPr>
+          <a:xfrm>
+            <a:off x="8098062" y="760154"/>
+            <a:ext cx="526106" cy="830997"/>
+          </a:xfrm>
+          <a:prstGeom prst="rect">
+            <a:avLst/>
+          </a:prstGeom>
+          <a:noFill/>
+        </p:spPr>
+        <p:txBody>
+          <a:bodyPr wrap="none" rtlCol="0">
+            <a:spAutoFit/>
+          </a:bodyPr>
+          <a:lstStyle/>
+          <a:p>
+            <a:r>
+              <a:rPr lang="en-US" altLang="zh-CN" sz="4800" b="1" dirty="0">
+                <a:solidFill>
+                  <a:srgbClr val="00B050"/>
+                </a:solidFill>
+              </a:rPr>
+              <a:t>2</a:t>
+            </a:r>
+            <a:endParaRPr lang="zh-CN" altLang="en-US" sz="4800" b="1" dirty="0">
+              <a:solidFill>
+                <a:srgbClr val="00B050"/>
+              </a:solidFill>
+            </a:endParaRPr>
+          </a:p>
+        </p:txBody>
+      </p:sp>
+      <p:cxnSp>
+        <p:nvCxnSpPr>
+          <p:cNvPr id="97" name="Straight Connector 96">
+            <a:extLst>
+              <a:ext uri="{FF2B5EF4-FFF2-40B4-BE49-F238E27FC236}">
+                <a16:creationId xmlns:a16="http://schemas.microsoft.com/office/drawing/2014/main" id="{96CBDEED-9769-4A70-8B02-0E641FEDD930}"/>
+              </a:ext>
+            </a:extLst>
+          </p:cNvPr>
+          <p:cNvCxnSpPr/>
+          <p:nvPr/>
+        </p:nvCxnSpPr>
+        <p:spPr>
+          <a:xfrm>
+            <a:off x="8032222" y="684144"/>
+            <a:ext cx="246792" cy="246792"/>
+          </a:xfrm>
+          <a:prstGeom prst="line">
+            <a:avLst/>
+          </a:prstGeom>
+          <a:ln w="38100" cap="rnd">
+            <a:solidFill>
+              <a:srgbClr val="00B050"/>
+            </a:solidFill>
+            <a:headEnd type="none"/>
+            <a:tailEnd type="diamond" w="med" len="med"/>
+          </a:ln>
+        </p:spPr>
+        <p:style>
+          <a:lnRef idx="1">
+            <a:schemeClr val="accent1"/>
+          </a:lnRef>
+          <a:fillRef idx="0">
+            <a:schemeClr val="accent1"/>
+          </a:fillRef>
+          <a:effectRef idx="0">
+            <a:schemeClr val="accent1"/>
+          </a:effectRef>
+          <a:fontRef idx="minor">
+            <a:schemeClr val="tx1"/>
+          </a:fontRef>
+        </p:style>
+      </p:cxnSp>
+      <p:cxnSp>
+        <p:nvCxnSpPr>
+          <p:cNvPr id="103" name="Straight Connector 102">
+            <a:extLst>
+              <a:ext uri="{FF2B5EF4-FFF2-40B4-BE49-F238E27FC236}">
+                <a16:creationId xmlns:a16="http://schemas.microsoft.com/office/drawing/2014/main" id="{15A162AE-2E06-4DA3-844B-8E3F885740B0}"/>
+              </a:ext>
+            </a:extLst>
+          </p:cNvPr>
+          <p:cNvCxnSpPr/>
+          <p:nvPr/>
+        </p:nvCxnSpPr>
+        <p:spPr>
+          <a:xfrm flipH="1">
+            <a:off x="7611838" y="684144"/>
+            <a:ext cx="236563" cy="236563"/>
+          </a:xfrm>
+          <a:prstGeom prst="line">
+            <a:avLst/>
+          </a:prstGeom>
+          <a:ln w="38100" cap="rnd">
+            <a:solidFill>
+              <a:srgbClr val="00B050"/>
+            </a:solidFill>
+            <a:headEnd type="none"/>
+            <a:tailEnd type="diamond" w="med" len="med"/>
+          </a:ln>
+        </p:spPr>
+        <p:style>
+          <a:lnRef idx="1">
+            <a:schemeClr val="accent1"/>
+          </a:lnRef>
+          <a:fillRef idx="0">
+            <a:schemeClr val="accent1"/>
+          </a:fillRef>
+          <a:effectRef idx="0">
+            <a:schemeClr val="accent1"/>
+          </a:effectRef>
+          <a:fontRef idx="minor">
+            <a:schemeClr val="tx1"/>
+          </a:fontRef>
+        </p:style>
+      </p:cxnSp>
     </p:spTree>
     <p:extLst>
       <p:ext uri="{BB962C8B-B14F-4D97-AF65-F5344CB8AC3E}">

--- a/packages/Dependencies.pptx
+++ b/packages/Dependencies.pptx
@@ -12156,7 +12156,19 @@
           <a:lstStyle/>
           <a:p>
             <a:pPr algn="ctr"/>
-            <a:endParaRPr lang="zh-CN" altLang="en-US"/>
+            <a:r>
+              <a:rPr lang="en-US" altLang="zh-CN" b="1" dirty="0">
+                <a:solidFill>
+                  <a:srgbClr val="006600"/>
+                </a:solidFill>
+              </a:rPr>
+              <a:t>test()</a:t>
+            </a:r>
+            <a:endParaRPr lang="zh-CN" altLang="en-US" b="1" dirty="0">
+              <a:solidFill>
+                <a:srgbClr val="006600"/>
+              </a:solidFill>
+            </a:endParaRPr>
           </a:p>
         </p:txBody>
       </p:sp>
@@ -13304,10 +13316,10 @@
       </p:grpSp>
       <p:grpSp>
         <p:nvGrpSpPr>
-          <p:cNvPr id="48" name="Group 47">
+          <p:cNvPr id="106" name="Group 105">
             <a:extLst>
               <a:ext uri="{FF2B5EF4-FFF2-40B4-BE49-F238E27FC236}">
-                <a16:creationId xmlns:a16="http://schemas.microsoft.com/office/drawing/2014/main" id="{5F0C397E-BDEF-424C-9474-86CA85C9035D}"/>
+                <a16:creationId xmlns:a16="http://schemas.microsoft.com/office/drawing/2014/main" id="{69458AEB-25E9-4E27-9BB2-E7278C1D5AA4}"/>
               </a:ext>
             </a:extLst>
           </p:cNvPr>
@@ -13475,6 +13487,58 @@
           </p:txBody>
         </p:sp>
       </p:grpSp>
+      <p:sp>
+        <p:nvSpPr>
+          <p:cNvPr id="105" name="Flowchart: Magnetic Disk 104">
+            <a:extLst>
+              <a:ext uri="{FF2B5EF4-FFF2-40B4-BE49-F238E27FC236}">
+                <a16:creationId xmlns:a16="http://schemas.microsoft.com/office/drawing/2014/main" id="{D0FC3823-21C6-48B8-AD0F-809E9332430F}"/>
+              </a:ext>
+            </a:extLst>
+          </p:cNvPr>
+          <p:cNvSpPr/>
+          <p:nvPr/>
+        </p:nvSpPr>
+        <p:spPr>
+          <a:xfrm>
+            <a:off x="7051082" y="1741103"/>
+            <a:ext cx="797319" cy="1009455"/>
+          </a:xfrm>
+          <a:prstGeom prst="flowChartMagneticDisk">
+            <a:avLst/>
+          </a:prstGeom>
+          <a:noFill/>
+          <a:ln w="50800">
+            <a:solidFill>
+              <a:srgbClr val="A50021"/>
+            </a:solidFill>
+          </a:ln>
+        </p:spPr>
+        <p:style>
+          <a:lnRef idx="2">
+            <a:schemeClr val="accent1">
+              <a:shade val="50000"/>
+            </a:schemeClr>
+          </a:lnRef>
+          <a:fillRef idx="1">
+            <a:schemeClr val="accent1"/>
+          </a:fillRef>
+          <a:effectRef idx="0">
+            <a:schemeClr val="accent1"/>
+          </a:effectRef>
+          <a:fontRef idx="minor">
+            <a:schemeClr val="lt1"/>
+          </a:fontRef>
+        </p:style>
+        <p:txBody>
+          <a:bodyPr rtlCol="0" anchor="ctr"/>
+          <a:lstStyle/>
+          <a:p>
+            <a:pPr algn="ctr"/>
+            <a:endParaRPr lang="zh-CN" altLang="en-US"/>
+          </a:p>
+        </p:txBody>
+      </p:sp>
       <p:grpSp>
         <p:nvGrpSpPr>
           <p:cNvPr id="47" name="Group 46">
@@ -14327,6 +14391,663 @@
           </a:fontRef>
         </p:style>
       </p:cxnSp>
+      <p:sp>
+        <p:nvSpPr>
+          <p:cNvPr id="107" name="TextBox 106">
+            <a:extLst>
+              <a:ext uri="{FF2B5EF4-FFF2-40B4-BE49-F238E27FC236}">
+                <a16:creationId xmlns:a16="http://schemas.microsoft.com/office/drawing/2014/main" id="{8E464B22-A1D7-475E-B7CB-FF2EDAE4CD00}"/>
+              </a:ext>
+            </a:extLst>
+          </p:cNvPr>
+          <p:cNvSpPr txBox="1"/>
+          <p:nvPr/>
+        </p:nvSpPr>
+        <p:spPr>
+          <a:xfrm>
+            <a:off x="7876604" y="2251972"/>
+            <a:ext cx="1090363" cy="646331"/>
+          </a:xfrm>
+          <a:prstGeom prst="rect">
+            <a:avLst/>
+          </a:prstGeom>
+          <a:noFill/>
+        </p:spPr>
+        <p:txBody>
+          <a:bodyPr wrap="none" rtlCol="0">
+            <a:spAutoFit/>
+          </a:bodyPr>
+          <a:lstStyle/>
+          <a:p>
+            <a:r>
+              <a:rPr lang="en-US" altLang="zh-CN" sz="3600" b="1" dirty="0">
+                <a:solidFill>
+                  <a:srgbClr val="006600"/>
+                </a:solidFill>
+              </a:rPr>
+              <a:t>{a:0}</a:t>
+            </a:r>
+            <a:endParaRPr lang="zh-CN" altLang="en-US" sz="3600" b="1" dirty="0">
+              <a:solidFill>
+                <a:srgbClr val="006600"/>
+              </a:solidFill>
+            </a:endParaRPr>
+          </a:p>
+        </p:txBody>
+      </p:sp>
+      <p:sp>
+        <p:nvSpPr>
+          <p:cNvPr id="108" name="Flowchart: Decision 107">
+            <a:extLst>
+              <a:ext uri="{FF2B5EF4-FFF2-40B4-BE49-F238E27FC236}">
+                <a16:creationId xmlns:a16="http://schemas.microsoft.com/office/drawing/2014/main" id="{71D8370C-D212-48FD-B92D-6341060F065B}"/>
+              </a:ext>
+            </a:extLst>
+          </p:cNvPr>
+          <p:cNvSpPr/>
+          <p:nvPr/>
+        </p:nvSpPr>
+        <p:spPr>
+          <a:xfrm>
+            <a:off x="7309993" y="3464326"/>
+            <a:ext cx="1251818" cy="594707"/>
+          </a:xfrm>
+          <a:prstGeom prst="flowChartDecision">
+            <a:avLst/>
+          </a:prstGeom>
+          <a:noFill/>
+          <a:ln w="50800">
+            <a:solidFill>
+              <a:srgbClr val="006600"/>
+            </a:solidFill>
+          </a:ln>
+        </p:spPr>
+        <p:style>
+          <a:lnRef idx="2">
+            <a:schemeClr val="accent1">
+              <a:shade val="50000"/>
+            </a:schemeClr>
+          </a:lnRef>
+          <a:fillRef idx="1">
+            <a:schemeClr val="accent1"/>
+          </a:fillRef>
+          <a:effectRef idx="0">
+            <a:schemeClr val="accent1"/>
+          </a:effectRef>
+          <a:fontRef idx="minor">
+            <a:schemeClr val="lt1"/>
+          </a:fontRef>
+        </p:style>
+        <p:txBody>
+          <a:bodyPr rtlCol="0" anchor="ctr"/>
+          <a:lstStyle/>
+          <a:p>
+            <a:pPr algn="ctr"/>
+            <a:endParaRPr lang="zh-CN" altLang="en-US"/>
+          </a:p>
+        </p:txBody>
+      </p:sp>
+      <p:cxnSp>
+        <p:nvCxnSpPr>
+          <p:cNvPr id="110" name="Straight Arrow Connector 109">
+            <a:extLst>
+              <a:ext uri="{FF2B5EF4-FFF2-40B4-BE49-F238E27FC236}">
+                <a16:creationId xmlns:a16="http://schemas.microsoft.com/office/drawing/2014/main" id="{9CB08041-5084-47E4-8AC7-7417B7036A76}"/>
+              </a:ext>
+            </a:extLst>
+          </p:cNvPr>
+          <p:cNvCxnSpPr>
+            <a:cxnSpLocks/>
+            <a:stCxn id="17" idx="0"/>
+            <a:endCxn id="108" idx="0"/>
+          </p:cNvCxnSpPr>
+          <p:nvPr/>
+        </p:nvCxnSpPr>
+        <p:spPr>
+          <a:xfrm>
+            <a:off x="7935820" y="3121840"/>
+            <a:ext cx="82" cy="342486"/>
+          </a:xfrm>
+          <a:prstGeom prst="straightConnector1">
+            <a:avLst/>
+          </a:prstGeom>
+          <a:ln w="50800">
+            <a:solidFill>
+              <a:srgbClr val="006600"/>
+            </a:solidFill>
+            <a:tailEnd type="triangle"/>
+          </a:ln>
+        </p:spPr>
+        <p:style>
+          <a:lnRef idx="1">
+            <a:schemeClr val="accent1"/>
+          </a:lnRef>
+          <a:fillRef idx="0">
+            <a:schemeClr val="accent1"/>
+          </a:fillRef>
+          <a:effectRef idx="0">
+            <a:schemeClr val="accent1"/>
+          </a:effectRef>
+          <a:fontRef idx="minor">
+            <a:schemeClr val="tx1"/>
+          </a:fontRef>
+        </p:style>
+      </p:cxnSp>
+      <p:cxnSp>
+        <p:nvCxnSpPr>
+          <p:cNvPr id="112" name="Straight Arrow Connector 111">
+            <a:extLst>
+              <a:ext uri="{FF2B5EF4-FFF2-40B4-BE49-F238E27FC236}">
+                <a16:creationId xmlns:a16="http://schemas.microsoft.com/office/drawing/2014/main" id="{5A580C9A-B25C-4F5A-9D42-F5D599C89DD6}"/>
+              </a:ext>
+            </a:extLst>
+          </p:cNvPr>
+          <p:cNvCxnSpPr>
+            <a:stCxn id="108" idx="2"/>
+            <a:endCxn id="17" idx="2"/>
+          </p:cNvCxnSpPr>
+          <p:nvPr/>
+        </p:nvCxnSpPr>
+        <p:spPr>
+          <a:xfrm flipH="1">
+            <a:off x="7935820" y="4059033"/>
+            <a:ext cx="82" cy="313109"/>
+          </a:xfrm>
+          <a:prstGeom prst="straightConnector1">
+            <a:avLst/>
+          </a:prstGeom>
+          <a:ln w="50800">
+            <a:solidFill>
+              <a:srgbClr val="006600"/>
+            </a:solidFill>
+            <a:tailEnd type="triangle"/>
+          </a:ln>
+        </p:spPr>
+        <p:style>
+          <a:lnRef idx="1">
+            <a:schemeClr val="accent1"/>
+          </a:lnRef>
+          <a:fillRef idx="0">
+            <a:schemeClr val="accent1"/>
+          </a:fillRef>
+          <a:effectRef idx="0">
+            <a:schemeClr val="accent1"/>
+          </a:effectRef>
+          <a:fontRef idx="minor">
+            <a:schemeClr val="tx1"/>
+          </a:fontRef>
+        </p:style>
+      </p:cxnSp>
+      <p:sp>
+        <p:nvSpPr>
+          <p:cNvPr id="116" name="TextBox 115">
+            <a:extLst>
+              <a:ext uri="{FF2B5EF4-FFF2-40B4-BE49-F238E27FC236}">
+                <a16:creationId xmlns:a16="http://schemas.microsoft.com/office/drawing/2014/main" id="{923C58A3-F03E-4BD8-B9D6-587A663433EB}"/>
+              </a:ext>
+            </a:extLst>
+          </p:cNvPr>
+          <p:cNvSpPr txBox="1"/>
+          <p:nvPr/>
+        </p:nvSpPr>
+        <p:spPr>
+          <a:xfrm>
+            <a:off x="6939586" y="4542505"/>
+            <a:ext cx="2011680" cy="738664"/>
+          </a:xfrm>
+          <a:prstGeom prst="rect">
+            <a:avLst/>
+          </a:prstGeom>
+          <a:noFill/>
+        </p:spPr>
+        <p:txBody>
+          <a:bodyPr wrap="square" rtlCol="0">
+            <a:spAutoFit/>
+          </a:bodyPr>
+          <a:lstStyle/>
+          <a:p>
+            <a:r>
+              <a:rPr lang="en-US" altLang="zh-CN" sz="1400" b="1" dirty="0">
+                <a:solidFill>
+                  <a:srgbClr val="006600"/>
+                </a:solidFill>
+              </a:rPr>
+              <a:t>class C {</a:t>
+            </a:r>
+          </a:p>
+          <a:p>
+            <a:r>
+              <a:rPr lang="en-US" altLang="zh-CN" sz="1400" b="1" dirty="0">
+                <a:solidFill>
+                  <a:srgbClr val="006600"/>
+                </a:solidFill>
+              </a:rPr>
+              <a:t>    void F();</a:t>
+            </a:r>
+          </a:p>
+          <a:p>
+            <a:r>
+              <a:rPr lang="en-US" altLang="zh-CN" sz="1400" b="1" dirty="0">
+                <a:solidFill>
+                  <a:srgbClr val="006600"/>
+                </a:solidFill>
+              </a:rPr>
+              <a:t>};</a:t>
+            </a:r>
+            <a:endParaRPr lang="zh-CN" altLang="en-US" sz="1400" b="1" dirty="0">
+              <a:solidFill>
+                <a:srgbClr val="006600"/>
+              </a:solidFill>
+            </a:endParaRPr>
+          </a:p>
+        </p:txBody>
+      </p:sp>
+      <p:sp>
+        <p:nvSpPr>
+          <p:cNvPr id="117" name="TextBox 116">
+            <a:extLst>
+              <a:ext uri="{FF2B5EF4-FFF2-40B4-BE49-F238E27FC236}">
+                <a16:creationId xmlns:a16="http://schemas.microsoft.com/office/drawing/2014/main" id="{3A13E137-9D6A-4951-AB38-F5535EA04941}"/>
+              </a:ext>
+            </a:extLst>
+          </p:cNvPr>
+          <p:cNvSpPr txBox="1"/>
+          <p:nvPr/>
+        </p:nvSpPr>
+        <p:spPr>
+          <a:xfrm>
+            <a:off x="8312971" y="5178664"/>
+            <a:ext cx="619080" cy="646331"/>
+          </a:xfrm>
+          <a:prstGeom prst="rect">
+            <a:avLst/>
+          </a:prstGeom>
+          <a:noFill/>
+        </p:spPr>
+        <p:txBody>
+          <a:bodyPr wrap="none" rtlCol="0">
+            <a:spAutoFit/>
+          </a:bodyPr>
+          <a:lstStyle/>
+          <a:p>
+            <a:r>
+              <a:rPr lang="en-US" altLang="zh-CN" sz="3600" b="1" dirty="0">
+                <a:solidFill>
+                  <a:srgbClr val="0070C0"/>
+                </a:solidFill>
+              </a:rPr>
+              <a:t>{ }</a:t>
+            </a:r>
+            <a:endParaRPr lang="zh-CN" altLang="en-US" sz="3600" b="1" dirty="0">
+              <a:solidFill>
+                <a:srgbClr val="0070C0"/>
+              </a:solidFill>
+            </a:endParaRPr>
+          </a:p>
+        </p:txBody>
+      </p:sp>
+      <p:sp>
+        <p:nvSpPr>
+          <p:cNvPr id="123" name="Arc 122">
+            <a:extLst>
+              <a:ext uri="{FF2B5EF4-FFF2-40B4-BE49-F238E27FC236}">
+                <a16:creationId xmlns:a16="http://schemas.microsoft.com/office/drawing/2014/main" id="{7982B4AF-DA3C-4648-9517-B41285B24213}"/>
+              </a:ext>
+            </a:extLst>
+          </p:cNvPr>
+          <p:cNvSpPr/>
+          <p:nvPr/>
+        </p:nvSpPr>
+        <p:spPr>
+          <a:xfrm>
+            <a:off x="7736038" y="4714628"/>
+            <a:ext cx="1153865" cy="810508"/>
+          </a:xfrm>
+          <a:prstGeom prst="arc">
+            <a:avLst>
+              <a:gd name="adj1" fmla="val 6231262"/>
+              <a:gd name="adj2" fmla="val 10894457"/>
+            </a:avLst>
+          </a:prstGeom>
+          <a:ln w="63500">
+            <a:solidFill>
+              <a:srgbClr val="0070C0"/>
+            </a:solidFill>
+            <a:tailEnd type="triangle"/>
+          </a:ln>
+        </p:spPr>
+        <p:style>
+          <a:lnRef idx="1">
+            <a:schemeClr val="accent1"/>
+          </a:lnRef>
+          <a:fillRef idx="0">
+            <a:schemeClr val="accent1"/>
+          </a:fillRef>
+          <a:effectRef idx="0">
+            <a:schemeClr val="accent1"/>
+          </a:effectRef>
+          <a:fontRef idx="minor">
+            <a:schemeClr val="tx1"/>
+          </a:fontRef>
+        </p:style>
+        <p:txBody>
+          <a:bodyPr rtlCol="0" anchor="ctr"/>
+          <a:lstStyle/>
+          <a:p>
+            <a:pPr algn="ctr"/>
+            <a:endParaRPr lang="zh-CN" altLang="en-US"/>
+          </a:p>
+        </p:txBody>
+      </p:sp>
+      <p:sp>
+        <p:nvSpPr>
+          <p:cNvPr id="124" name="TextBox 123">
+            <a:extLst>
+              <a:ext uri="{FF2B5EF4-FFF2-40B4-BE49-F238E27FC236}">
+                <a16:creationId xmlns:a16="http://schemas.microsoft.com/office/drawing/2014/main" id="{3F59CA4E-640A-41B5-82CC-5196471EBEAF}"/>
+              </a:ext>
+            </a:extLst>
+          </p:cNvPr>
+          <p:cNvSpPr txBox="1"/>
+          <p:nvPr/>
+        </p:nvSpPr>
+        <p:spPr>
+          <a:xfrm>
+            <a:off x="10083685" y="756178"/>
+            <a:ext cx="2011680" cy="738664"/>
+          </a:xfrm>
+          <a:prstGeom prst="rect">
+            <a:avLst/>
+          </a:prstGeom>
+          <a:noFill/>
+        </p:spPr>
+        <p:txBody>
+          <a:bodyPr wrap="square" rtlCol="0">
+            <a:spAutoFit/>
+          </a:bodyPr>
+          <a:lstStyle/>
+          <a:p>
+            <a:r>
+              <a:rPr lang="en-US" altLang="zh-CN" sz="1400" b="1" dirty="0">
+                <a:solidFill>
+                  <a:srgbClr val="006600"/>
+                </a:solidFill>
+              </a:rPr>
+              <a:t>class C {</a:t>
+            </a:r>
+          </a:p>
+          <a:p>
+            <a:r>
+              <a:rPr lang="en-US" altLang="zh-CN" sz="1400" b="1" dirty="0">
+                <a:solidFill>
+                  <a:srgbClr val="006600"/>
+                </a:solidFill>
+              </a:rPr>
+              <a:t>    void F();</a:t>
+            </a:r>
+          </a:p>
+          <a:p>
+            <a:r>
+              <a:rPr lang="en-US" altLang="zh-CN" sz="1400" b="1" dirty="0">
+                <a:solidFill>
+                  <a:srgbClr val="006600"/>
+                </a:solidFill>
+              </a:rPr>
+              <a:t>};</a:t>
+            </a:r>
+            <a:endParaRPr lang="zh-CN" altLang="en-US" sz="1400" b="1" dirty="0">
+              <a:solidFill>
+                <a:srgbClr val="006600"/>
+              </a:solidFill>
+            </a:endParaRPr>
+          </a:p>
+        </p:txBody>
+      </p:sp>
+      <p:sp>
+        <p:nvSpPr>
+          <p:cNvPr id="125" name="TextBox 124">
+            <a:extLst>
+              <a:ext uri="{FF2B5EF4-FFF2-40B4-BE49-F238E27FC236}">
+                <a16:creationId xmlns:a16="http://schemas.microsoft.com/office/drawing/2014/main" id="{9399D154-C113-4AB8-BB58-49CD9048AA02}"/>
+              </a:ext>
+            </a:extLst>
+          </p:cNvPr>
+          <p:cNvSpPr txBox="1"/>
+          <p:nvPr/>
+        </p:nvSpPr>
+        <p:spPr>
+          <a:xfrm>
+            <a:off x="9322253" y="135506"/>
+            <a:ext cx="619080" cy="646331"/>
+          </a:xfrm>
+          <a:prstGeom prst="rect">
+            <a:avLst/>
+          </a:prstGeom>
+          <a:noFill/>
+        </p:spPr>
+        <p:txBody>
+          <a:bodyPr wrap="none" rtlCol="0">
+            <a:spAutoFit/>
+          </a:bodyPr>
+          <a:lstStyle/>
+          <a:p>
+            <a:r>
+              <a:rPr lang="en-US" altLang="zh-CN" sz="3600" b="1" dirty="0">
+                <a:solidFill>
+                  <a:srgbClr val="0070C0"/>
+                </a:solidFill>
+              </a:rPr>
+              <a:t>{ }</a:t>
+            </a:r>
+            <a:endParaRPr lang="zh-CN" altLang="en-US" sz="3600" b="1" dirty="0">
+              <a:solidFill>
+                <a:srgbClr val="0070C0"/>
+              </a:solidFill>
+            </a:endParaRPr>
+          </a:p>
+        </p:txBody>
+      </p:sp>
+      <p:sp>
+        <p:nvSpPr>
+          <p:cNvPr id="126" name="Arc 125">
+            <a:extLst>
+              <a:ext uri="{FF2B5EF4-FFF2-40B4-BE49-F238E27FC236}">
+                <a16:creationId xmlns:a16="http://schemas.microsoft.com/office/drawing/2014/main" id="{6F9260AE-CE17-4ECC-BE5E-C1A52B11CA38}"/>
+              </a:ext>
+            </a:extLst>
+          </p:cNvPr>
+          <p:cNvSpPr/>
+          <p:nvPr/>
+        </p:nvSpPr>
+        <p:spPr>
+          <a:xfrm>
+            <a:off x="9671039" y="354900"/>
+            <a:ext cx="1153865" cy="810508"/>
+          </a:xfrm>
+          <a:prstGeom prst="arc">
+            <a:avLst>
+              <a:gd name="adj1" fmla="val 6231262"/>
+              <a:gd name="adj2" fmla="val 10894457"/>
+            </a:avLst>
+          </a:prstGeom>
+          <a:ln w="63500">
+            <a:solidFill>
+              <a:srgbClr val="0070C0"/>
+            </a:solidFill>
+            <a:tailEnd type="triangle"/>
+          </a:ln>
+        </p:spPr>
+        <p:style>
+          <a:lnRef idx="1">
+            <a:schemeClr val="accent1"/>
+          </a:lnRef>
+          <a:fillRef idx="0">
+            <a:schemeClr val="accent1"/>
+          </a:fillRef>
+          <a:effectRef idx="0">
+            <a:schemeClr val="accent1"/>
+          </a:effectRef>
+          <a:fontRef idx="minor">
+            <a:schemeClr val="tx1"/>
+          </a:fontRef>
+        </p:style>
+        <p:txBody>
+          <a:bodyPr rtlCol="0" anchor="ctr"/>
+          <a:lstStyle/>
+          <a:p>
+            <a:pPr algn="ctr"/>
+            <a:endParaRPr lang="zh-CN" altLang="en-US"/>
+          </a:p>
+        </p:txBody>
+      </p:sp>
+      <p:sp>
+        <p:nvSpPr>
+          <p:cNvPr id="127" name="Flowchart: Magnetic Disk 126">
+            <a:extLst>
+              <a:ext uri="{FF2B5EF4-FFF2-40B4-BE49-F238E27FC236}">
+                <a16:creationId xmlns:a16="http://schemas.microsoft.com/office/drawing/2014/main" id="{83C6750E-52AE-42C2-9FFF-AB68BA518466}"/>
+              </a:ext>
+            </a:extLst>
+          </p:cNvPr>
+          <p:cNvSpPr/>
+          <p:nvPr/>
+        </p:nvSpPr>
+        <p:spPr>
+          <a:xfrm>
+            <a:off x="9283056" y="1734752"/>
+            <a:ext cx="797319" cy="1009455"/>
+          </a:xfrm>
+          <a:prstGeom prst="flowChartMagneticDisk">
+            <a:avLst/>
+          </a:prstGeom>
+          <a:noFill/>
+          <a:ln w="50800">
+            <a:solidFill>
+              <a:srgbClr val="A50021"/>
+            </a:solidFill>
+          </a:ln>
+        </p:spPr>
+        <p:style>
+          <a:lnRef idx="2">
+            <a:schemeClr val="accent1">
+              <a:shade val="50000"/>
+            </a:schemeClr>
+          </a:lnRef>
+          <a:fillRef idx="1">
+            <a:schemeClr val="accent1"/>
+          </a:fillRef>
+          <a:effectRef idx="0">
+            <a:schemeClr val="accent1"/>
+          </a:effectRef>
+          <a:fontRef idx="minor">
+            <a:schemeClr val="lt1"/>
+          </a:fontRef>
+        </p:style>
+        <p:txBody>
+          <a:bodyPr rtlCol="0" anchor="ctr"/>
+          <a:lstStyle/>
+          <a:p>
+            <a:pPr algn="ctr"/>
+            <a:endParaRPr lang="zh-CN" altLang="en-US"/>
+          </a:p>
+        </p:txBody>
+      </p:sp>
+      <p:sp>
+        <p:nvSpPr>
+          <p:cNvPr id="128" name="TextBox 127">
+            <a:extLst>
+              <a:ext uri="{FF2B5EF4-FFF2-40B4-BE49-F238E27FC236}">
+                <a16:creationId xmlns:a16="http://schemas.microsoft.com/office/drawing/2014/main" id="{D3581084-8777-435B-8D64-683401E2F52F}"/>
+              </a:ext>
+            </a:extLst>
+          </p:cNvPr>
+          <p:cNvSpPr txBox="1"/>
+          <p:nvPr/>
+        </p:nvSpPr>
+        <p:spPr>
+          <a:xfrm>
+            <a:off x="9941333" y="2312806"/>
+            <a:ext cx="1196161" cy="646331"/>
+          </a:xfrm>
+          <a:prstGeom prst="rect">
+            <a:avLst/>
+          </a:prstGeom>
+          <a:noFill/>
+        </p:spPr>
+        <p:txBody>
+          <a:bodyPr wrap="none" rtlCol="0">
+            <a:spAutoFit/>
+          </a:bodyPr>
+          <a:lstStyle/>
+          <a:p>
+            <a:r>
+              <a:rPr lang="en-US" altLang="zh-CN" sz="3600" b="1" dirty="0">
+                <a:solidFill>
+                  <a:srgbClr val="7030A0"/>
+                </a:solidFill>
+              </a:rPr>
+              <a:t> </a:t>
+            </a:r>
+            <a:r>
+              <a:rPr lang="en-US" altLang="zh-CN" sz="3600" b="1" dirty="0">
+                <a:solidFill>
+                  <a:srgbClr val="006600"/>
+                </a:solidFill>
+              </a:rPr>
+              <a:t>.cpp</a:t>
+            </a:r>
+            <a:endParaRPr lang="zh-CN" altLang="en-US" sz="3600" b="1" dirty="0">
+              <a:solidFill>
+                <a:srgbClr val="006600"/>
+              </a:solidFill>
+            </a:endParaRPr>
+          </a:p>
+        </p:txBody>
+      </p:sp>
+      <p:sp>
+        <p:nvSpPr>
+          <p:cNvPr id="129" name="TextBox 128">
+            <a:extLst>
+              <a:ext uri="{FF2B5EF4-FFF2-40B4-BE49-F238E27FC236}">
+                <a16:creationId xmlns:a16="http://schemas.microsoft.com/office/drawing/2014/main" id="{F67F9B37-69E6-483D-8BB7-8EA370B52626}"/>
+              </a:ext>
+            </a:extLst>
+          </p:cNvPr>
+          <p:cNvSpPr txBox="1"/>
+          <p:nvPr/>
+        </p:nvSpPr>
+        <p:spPr>
+          <a:xfrm>
+            <a:off x="9372175" y="2024140"/>
+            <a:ext cx="619080" cy="646331"/>
+          </a:xfrm>
+          <a:prstGeom prst="rect">
+            <a:avLst/>
+          </a:prstGeom>
+          <a:noFill/>
+        </p:spPr>
+        <p:txBody>
+          <a:bodyPr wrap="none" rtlCol="0">
+            <a:spAutoFit/>
+          </a:bodyPr>
+          <a:lstStyle/>
+          <a:p>
+            <a:r>
+              <a:rPr lang="en-US" altLang="zh-CN" sz="3600" b="1" dirty="0">
+                <a:solidFill>
+                  <a:srgbClr val="A50021"/>
+                </a:solidFill>
+              </a:rPr>
+              <a:t>{ }</a:t>
+            </a:r>
+            <a:endParaRPr lang="zh-CN" altLang="en-US" sz="3600" b="1" dirty="0">
+              <a:solidFill>
+                <a:srgbClr val="A50021"/>
+              </a:solidFill>
+            </a:endParaRPr>
+          </a:p>
+        </p:txBody>
+      </p:sp>
     </p:spTree>
     <p:extLst>
       <p:ext uri="{BB962C8B-B14F-4D97-AF65-F5344CB8AC3E}">

--- a/packages/Dependencies.pptx
+++ b/packages/Dependencies.pptx
@@ -8,6 +8,7 @@
     <p:sldId id="256" r:id="rId2"/>
     <p:sldId id="257" r:id="rId3"/>
     <p:sldId id="258" r:id="rId4"/>
+    <p:sldId id="259" r:id="rId5"/>
   </p:sldIdLst>
   <p:sldSz cx="12192000" cy="6858000"/>
   <p:notesSz cx="6858000" cy="9144000"/>
@@ -6233,7 +6234,7 @@
           <a:p>
             <a:fld id="{6DD3C254-EB1A-43A9-939A-0227EC6FC929}" type="datetimeFigureOut">
               <a:rPr lang="zh-CN" altLang="en-US" smtClean="0"/>
-              <a:t>2020/7/10</a:t>
+              <a:t>2020/7/15</a:t>
             </a:fld>
             <a:endParaRPr lang="zh-CN" altLang="en-US"/>
           </a:p>
@@ -6433,7 +6434,7 @@
           <a:p>
             <a:fld id="{6DD3C254-EB1A-43A9-939A-0227EC6FC929}" type="datetimeFigureOut">
               <a:rPr lang="zh-CN" altLang="en-US" smtClean="0"/>
-              <a:t>2020/7/10</a:t>
+              <a:t>2020/7/15</a:t>
             </a:fld>
             <a:endParaRPr lang="zh-CN" altLang="en-US"/>
           </a:p>
@@ -6643,7 +6644,7 @@
           <a:p>
             <a:fld id="{6DD3C254-EB1A-43A9-939A-0227EC6FC929}" type="datetimeFigureOut">
               <a:rPr lang="zh-CN" altLang="en-US" smtClean="0"/>
-              <a:t>2020/7/10</a:t>
+              <a:t>2020/7/15</a:t>
             </a:fld>
             <a:endParaRPr lang="zh-CN" altLang="en-US"/>
           </a:p>
@@ -6843,7 +6844,7 @@
           <a:p>
             <a:fld id="{6DD3C254-EB1A-43A9-939A-0227EC6FC929}" type="datetimeFigureOut">
               <a:rPr lang="zh-CN" altLang="en-US" smtClean="0"/>
-              <a:t>2020/7/10</a:t>
+              <a:t>2020/7/15</a:t>
             </a:fld>
             <a:endParaRPr lang="zh-CN" altLang="en-US"/>
           </a:p>
@@ -7119,7 +7120,7 @@
           <a:p>
             <a:fld id="{6DD3C254-EB1A-43A9-939A-0227EC6FC929}" type="datetimeFigureOut">
               <a:rPr lang="zh-CN" altLang="en-US" smtClean="0"/>
-              <a:t>2020/7/10</a:t>
+              <a:t>2020/7/15</a:t>
             </a:fld>
             <a:endParaRPr lang="zh-CN" altLang="en-US"/>
           </a:p>
@@ -7387,7 +7388,7 @@
           <a:p>
             <a:fld id="{6DD3C254-EB1A-43A9-939A-0227EC6FC929}" type="datetimeFigureOut">
               <a:rPr lang="zh-CN" altLang="en-US" smtClean="0"/>
-              <a:t>2020/7/10</a:t>
+              <a:t>2020/7/15</a:t>
             </a:fld>
             <a:endParaRPr lang="zh-CN" altLang="en-US"/>
           </a:p>
@@ -7802,7 +7803,7 @@
           <a:p>
             <a:fld id="{6DD3C254-EB1A-43A9-939A-0227EC6FC929}" type="datetimeFigureOut">
               <a:rPr lang="zh-CN" altLang="en-US" smtClean="0"/>
-              <a:t>2020/7/10</a:t>
+              <a:t>2020/7/15</a:t>
             </a:fld>
             <a:endParaRPr lang="zh-CN" altLang="en-US"/>
           </a:p>
@@ -7944,7 +7945,7 @@
           <a:p>
             <a:fld id="{6DD3C254-EB1A-43A9-939A-0227EC6FC929}" type="datetimeFigureOut">
               <a:rPr lang="zh-CN" altLang="en-US" smtClean="0"/>
-              <a:t>2020/7/10</a:t>
+              <a:t>2020/7/15</a:t>
             </a:fld>
             <a:endParaRPr lang="zh-CN" altLang="en-US"/>
           </a:p>
@@ -8057,7 +8058,7 @@
           <a:p>
             <a:fld id="{6DD3C254-EB1A-43A9-939A-0227EC6FC929}" type="datetimeFigureOut">
               <a:rPr lang="zh-CN" altLang="en-US" smtClean="0"/>
-              <a:t>2020/7/10</a:t>
+              <a:t>2020/7/15</a:t>
             </a:fld>
             <a:endParaRPr lang="zh-CN" altLang="en-US"/>
           </a:p>
@@ -8370,7 +8371,7 @@
           <a:p>
             <a:fld id="{6DD3C254-EB1A-43A9-939A-0227EC6FC929}" type="datetimeFigureOut">
               <a:rPr lang="zh-CN" altLang="en-US" smtClean="0"/>
-              <a:t>2020/7/10</a:t>
+              <a:t>2020/7/15</a:t>
             </a:fld>
             <a:endParaRPr lang="zh-CN" altLang="en-US"/>
           </a:p>
@@ -8659,7 +8660,7 @@
           <a:p>
             <a:fld id="{6DD3C254-EB1A-43A9-939A-0227EC6FC929}" type="datetimeFigureOut">
               <a:rPr lang="zh-CN" altLang="en-US" smtClean="0"/>
-              <a:t>2020/7/10</a:t>
+              <a:t>2020/7/15</a:t>
             </a:fld>
             <a:endParaRPr lang="zh-CN" altLang="en-US"/>
           </a:p>
@@ -8902,7 +8903,7 @@
           <a:p>
             <a:fld id="{6DD3C254-EB1A-43A9-939A-0227EC6FC929}" type="datetimeFigureOut">
               <a:rPr lang="zh-CN" altLang="en-US" smtClean="0"/>
-              <a:t>2020/7/10</a:t>
+              <a:t>2020/7/15</a:t>
             </a:fld>
             <a:endParaRPr lang="zh-CN" altLang="en-US"/>
           </a:p>
@@ -15061,6 +15062,1105 @@
 </p:sld>
 </file>
 
+<file path=ppt/slides/slide4.xml><?xml version="1.0" encoding="utf-8"?>
+<p:sld xmlns:a="http://schemas.openxmlformats.org/drawingml/2006/main" xmlns:r="http://schemas.openxmlformats.org/officeDocument/2006/relationships" xmlns:p="http://schemas.openxmlformats.org/presentationml/2006/main">
+  <p:cSld>
+    <p:spTree>
+      <p:nvGrpSpPr>
+        <p:cNvPr id="1" name=""/>
+        <p:cNvGrpSpPr/>
+        <p:nvPr/>
+      </p:nvGrpSpPr>
+      <p:grpSpPr>
+        <a:xfrm>
+          <a:off x="0" y="0"/>
+          <a:ext cx="0" cy="0"/>
+          <a:chOff x="0" y="0"/>
+          <a:chExt cx="0" cy="0"/>
+        </a:xfrm>
+      </p:grpSpPr>
+      <p:sp>
+        <p:nvSpPr>
+          <p:cNvPr id="4" name="Rectangle 3">
+            <a:extLst>
+              <a:ext uri="{FF2B5EF4-FFF2-40B4-BE49-F238E27FC236}">
+                <a16:creationId xmlns:a16="http://schemas.microsoft.com/office/drawing/2014/main" id="{A4D165AC-FF87-440C-8FF4-98CD0559A149}"/>
+              </a:ext>
+            </a:extLst>
+          </p:cNvPr>
+          <p:cNvSpPr/>
+          <p:nvPr/>
+        </p:nvSpPr>
+        <p:spPr>
+          <a:xfrm>
+            <a:off x="7868816" y="1088570"/>
+            <a:ext cx="2015412" cy="385666"/>
+          </a:xfrm>
+          <a:prstGeom prst="rect">
+            <a:avLst/>
+          </a:prstGeom>
+        </p:spPr>
+        <p:style>
+          <a:lnRef idx="2">
+            <a:schemeClr val="accent1">
+              <a:shade val="50000"/>
+            </a:schemeClr>
+          </a:lnRef>
+          <a:fillRef idx="1">
+            <a:schemeClr val="accent1"/>
+          </a:fillRef>
+          <a:effectRef idx="0">
+            <a:schemeClr val="accent1"/>
+          </a:effectRef>
+          <a:fontRef idx="minor">
+            <a:schemeClr val="lt1"/>
+          </a:fontRef>
+        </p:style>
+        <p:txBody>
+          <a:bodyPr rtlCol="0" anchor="ctr"/>
+          <a:lstStyle/>
+          <a:p>
+            <a:pPr algn="ctr"/>
+            <a:r>
+              <a:rPr lang="en-US" altLang="zh-CN" dirty="0" err="1"/>
+              <a:t>FileStream</a:t>
+            </a:r>
+            <a:endParaRPr lang="zh-CN" altLang="en-US" dirty="0"/>
+          </a:p>
+        </p:txBody>
+      </p:sp>
+      <p:sp>
+        <p:nvSpPr>
+          <p:cNvPr id="5" name="Rectangle 4">
+            <a:extLst>
+              <a:ext uri="{FF2B5EF4-FFF2-40B4-BE49-F238E27FC236}">
+                <a16:creationId xmlns:a16="http://schemas.microsoft.com/office/drawing/2014/main" id="{616020DE-E81A-4D23-937A-FD199FCD2C39}"/>
+              </a:ext>
+            </a:extLst>
+          </p:cNvPr>
+          <p:cNvSpPr/>
+          <p:nvPr/>
+        </p:nvSpPr>
+        <p:spPr>
+          <a:xfrm>
+            <a:off x="5585926" y="547395"/>
+            <a:ext cx="2015412" cy="385666"/>
+          </a:xfrm>
+          <a:prstGeom prst="rect">
+            <a:avLst/>
+          </a:prstGeom>
+        </p:spPr>
+        <p:style>
+          <a:lnRef idx="2">
+            <a:schemeClr val="accent1">
+              <a:shade val="50000"/>
+            </a:schemeClr>
+          </a:lnRef>
+          <a:fillRef idx="1">
+            <a:schemeClr val="accent1"/>
+          </a:fillRef>
+          <a:effectRef idx="0">
+            <a:schemeClr val="accent1"/>
+          </a:effectRef>
+          <a:fontRef idx="minor">
+            <a:schemeClr val="lt1"/>
+          </a:fontRef>
+        </p:style>
+        <p:txBody>
+          <a:bodyPr rtlCol="0" anchor="ctr"/>
+          <a:lstStyle/>
+          <a:p>
+            <a:pPr algn="ctr"/>
+            <a:r>
+              <a:rPr lang="en-US" altLang="zh-CN" dirty="0" err="1"/>
+              <a:t>DecoderStream</a:t>
+            </a:r>
+            <a:endParaRPr lang="zh-CN" altLang="en-US" dirty="0"/>
+          </a:p>
+        </p:txBody>
+      </p:sp>
+      <p:sp>
+        <p:nvSpPr>
+          <p:cNvPr id="6" name="Rectangle 5">
+            <a:extLst>
+              <a:ext uri="{FF2B5EF4-FFF2-40B4-BE49-F238E27FC236}">
+                <a16:creationId xmlns:a16="http://schemas.microsoft.com/office/drawing/2014/main" id="{7FCE08DD-7034-4512-83FA-3588C89BFF42}"/>
+              </a:ext>
+            </a:extLst>
+          </p:cNvPr>
+          <p:cNvSpPr/>
+          <p:nvPr/>
+        </p:nvSpPr>
+        <p:spPr>
+          <a:xfrm>
+            <a:off x="7868816" y="547395"/>
+            <a:ext cx="2015412" cy="385666"/>
+          </a:xfrm>
+          <a:prstGeom prst="rect">
+            <a:avLst/>
+          </a:prstGeom>
+        </p:spPr>
+        <p:style>
+          <a:lnRef idx="2">
+            <a:schemeClr val="accent1">
+              <a:shade val="50000"/>
+            </a:schemeClr>
+          </a:lnRef>
+          <a:fillRef idx="1">
+            <a:schemeClr val="accent1"/>
+          </a:fillRef>
+          <a:effectRef idx="0">
+            <a:schemeClr val="accent1"/>
+          </a:effectRef>
+          <a:fontRef idx="minor">
+            <a:schemeClr val="lt1"/>
+          </a:fontRef>
+        </p:style>
+        <p:txBody>
+          <a:bodyPr rtlCol="0" anchor="ctr"/>
+          <a:lstStyle/>
+          <a:p>
+            <a:pPr algn="ctr"/>
+            <a:r>
+              <a:rPr lang="en-US" altLang="zh-CN" dirty="0" err="1"/>
+              <a:t>BomDecoder</a:t>
+            </a:r>
+            <a:endParaRPr lang="zh-CN" altLang="en-US" dirty="0"/>
+          </a:p>
+        </p:txBody>
+      </p:sp>
+      <p:sp>
+        <p:nvSpPr>
+          <p:cNvPr id="7" name="Rectangle 6">
+            <a:extLst>
+              <a:ext uri="{FF2B5EF4-FFF2-40B4-BE49-F238E27FC236}">
+                <a16:creationId xmlns:a16="http://schemas.microsoft.com/office/drawing/2014/main" id="{330BD436-9D86-41CD-A33A-36C8FCF306D9}"/>
+              </a:ext>
+            </a:extLst>
+          </p:cNvPr>
+          <p:cNvSpPr/>
+          <p:nvPr/>
+        </p:nvSpPr>
+        <p:spPr>
+          <a:xfrm>
+            <a:off x="7868816" y="2556586"/>
+            <a:ext cx="2015412" cy="385666"/>
+          </a:xfrm>
+          <a:prstGeom prst="rect">
+            <a:avLst/>
+          </a:prstGeom>
+        </p:spPr>
+        <p:style>
+          <a:lnRef idx="2">
+            <a:schemeClr val="accent1">
+              <a:shade val="50000"/>
+            </a:schemeClr>
+          </a:lnRef>
+          <a:fillRef idx="1">
+            <a:schemeClr val="accent1"/>
+          </a:fillRef>
+          <a:effectRef idx="0">
+            <a:schemeClr val="accent1"/>
+          </a:effectRef>
+          <a:fontRef idx="minor">
+            <a:schemeClr val="lt1"/>
+          </a:fontRef>
+        </p:style>
+        <p:txBody>
+          <a:bodyPr rtlCol="0" anchor="ctr"/>
+          <a:lstStyle/>
+          <a:p>
+            <a:pPr algn="ctr"/>
+            <a:r>
+              <a:rPr lang="en-US" altLang="zh-CN" dirty="0" err="1"/>
+              <a:t>FileStream</a:t>
+            </a:r>
+            <a:endParaRPr lang="zh-CN" altLang="en-US" dirty="0"/>
+          </a:p>
+        </p:txBody>
+      </p:sp>
+      <p:sp>
+        <p:nvSpPr>
+          <p:cNvPr id="8" name="Rectangle 7">
+            <a:extLst>
+              <a:ext uri="{FF2B5EF4-FFF2-40B4-BE49-F238E27FC236}">
+                <a16:creationId xmlns:a16="http://schemas.microsoft.com/office/drawing/2014/main" id="{A5C93A57-748D-4DC1-8C0C-BED592E0611B}"/>
+              </a:ext>
+            </a:extLst>
+          </p:cNvPr>
+          <p:cNvSpPr/>
+          <p:nvPr/>
+        </p:nvSpPr>
+        <p:spPr>
+          <a:xfrm>
+            <a:off x="5585926" y="2015411"/>
+            <a:ext cx="2015412" cy="385666"/>
+          </a:xfrm>
+          <a:prstGeom prst="rect">
+            <a:avLst/>
+          </a:prstGeom>
+        </p:spPr>
+        <p:style>
+          <a:lnRef idx="2">
+            <a:schemeClr val="accent1">
+              <a:shade val="50000"/>
+            </a:schemeClr>
+          </a:lnRef>
+          <a:fillRef idx="1">
+            <a:schemeClr val="accent1"/>
+          </a:fillRef>
+          <a:effectRef idx="0">
+            <a:schemeClr val="accent1"/>
+          </a:effectRef>
+          <a:fontRef idx="minor">
+            <a:schemeClr val="lt1"/>
+          </a:fontRef>
+        </p:style>
+        <p:txBody>
+          <a:bodyPr rtlCol="0" anchor="ctr"/>
+          <a:lstStyle/>
+          <a:p>
+            <a:pPr algn="ctr"/>
+            <a:r>
+              <a:rPr lang="en-US" altLang="zh-CN" dirty="0" err="1"/>
+              <a:t>EncoderStream</a:t>
+            </a:r>
+            <a:endParaRPr lang="zh-CN" altLang="en-US" dirty="0"/>
+          </a:p>
+        </p:txBody>
+      </p:sp>
+      <p:sp>
+        <p:nvSpPr>
+          <p:cNvPr id="9" name="Rectangle 8">
+            <a:extLst>
+              <a:ext uri="{FF2B5EF4-FFF2-40B4-BE49-F238E27FC236}">
+                <a16:creationId xmlns:a16="http://schemas.microsoft.com/office/drawing/2014/main" id="{E4777124-DEC2-44F6-B30F-6641C4886853}"/>
+              </a:ext>
+            </a:extLst>
+          </p:cNvPr>
+          <p:cNvSpPr/>
+          <p:nvPr/>
+        </p:nvSpPr>
+        <p:spPr>
+          <a:xfrm>
+            <a:off x="7868816" y="2015411"/>
+            <a:ext cx="2015412" cy="385666"/>
+          </a:xfrm>
+          <a:prstGeom prst="rect">
+            <a:avLst/>
+          </a:prstGeom>
+        </p:spPr>
+        <p:style>
+          <a:lnRef idx="2">
+            <a:schemeClr val="accent1">
+              <a:shade val="50000"/>
+            </a:schemeClr>
+          </a:lnRef>
+          <a:fillRef idx="1">
+            <a:schemeClr val="accent1"/>
+          </a:fillRef>
+          <a:effectRef idx="0">
+            <a:schemeClr val="accent1"/>
+          </a:effectRef>
+          <a:fontRef idx="minor">
+            <a:schemeClr val="lt1"/>
+          </a:fontRef>
+        </p:style>
+        <p:txBody>
+          <a:bodyPr rtlCol="0" anchor="ctr"/>
+          <a:lstStyle/>
+          <a:p>
+            <a:pPr algn="ctr"/>
+            <a:r>
+              <a:rPr lang="en-US" altLang="zh-CN" dirty="0"/>
+              <a:t>Utf8Decoder</a:t>
+            </a:r>
+            <a:endParaRPr lang="zh-CN" altLang="en-US" dirty="0"/>
+          </a:p>
+        </p:txBody>
+      </p:sp>
+      <p:sp>
+        <p:nvSpPr>
+          <p:cNvPr id="10" name="Rectangle 9">
+            <a:extLst>
+              <a:ext uri="{FF2B5EF4-FFF2-40B4-BE49-F238E27FC236}">
+                <a16:creationId xmlns:a16="http://schemas.microsoft.com/office/drawing/2014/main" id="{BF407BDA-CA4C-44E4-8036-85861498FD96}"/>
+              </a:ext>
+            </a:extLst>
+          </p:cNvPr>
+          <p:cNvSpPr/>
+          <p:nvPr/>
+        </p:nvSpPr>
+        <p:spPr>
+          <a:xfrm>
+            <a:off x="7868816" y="4024602"/>
+            <a:ext cx="2015412" cy="385666"/>
+          </a:xfrm>
+          <a:prstGeom prst="rect">
+            <a:avLst/>
+          </a:prstGeom>
+        </p:spPr>
+        <p:style>
+          <a:lnRef idx="2">
+            <a:schemeClr val="accent1">
+              <a:shade val="50000"/>
+            </a:schemeClr>
+          </a:lnRef>
+          <a:fillRef idx="1">
+            <a:schemeClr val="accent1"/>
+          </a:fillRef>
+          <a:effectRef idx="0">
+            <a:schemeClr val="accent1"/>
+          </a:effectRef>
+          <a:fontRef idx="minor">
+            <a:schemeClr val="lt1"/>
+          </a:fontRef>
+        </p:style>
+        <p:txBody>
+          <a:bodyPr rtlCol="0" anchor="ctr"/>
+          <a:lstStyle/>
+          <a:p>
+            <a:pPr algn="ctr"/>
+            <a:r>
+              <a:rPr lang="en-US" altLang="zh-CN" dirty="0" err="1"/>
+              <a:t>FileStream</a:t>
+            </a:r>
+            <a:endParaRPr lang="zh-CN" altLang="en-US" dirty="0"/>
+          </a:p>
+        </p:txBody>
+      </p:sp>
+      <p:sp>
+        <p:nvSpPr>
+          <p:cNvPr id="11" name="Rectangle 10">
+            <a:extLst>
+              <a:ext uri="{FF2B5EF4-FFF2-40B4-BE49-F238E27FC236}">
+                <a16:creationId xmlns:a16="http://schemas.microsoft.com/office/drawing/2014/main" id="{47D6F800-797A-44EC-84AC-17EFA587AFC3}"/>
+              </a:ext>
+            </a:extLst>
+          </p:cNvPr>
+          <p:cNvSpPr/>
+          <p:nvPr/>
+        </p:nvSpPr>
+        <p:spPr>
+          <a:xfrm>
+            <a:off x="5585926" y="3483427"/>
+            <a:ext cx="2015412" cy="385666"/>
+          </a:xfrm>
+          <a:prstGeom prst="rect">
+            <a:avLst/>
+          </a:prstGeom>
+        </p:spPr>
+        <p:style>
+          <a:lnRef idx="2">
+            <a:schemeClr val="accent1">
+              <a:shade val="50000"/>
+            </a:schemeClr>
+          </a:lnRef>
+          <a:fillRef idx="1">
+            <a:schemeClr val="accent1"/>
+          </a:fillRef>
+          <a:effectRef idx="0">
+            <a:schemeClr val="accent1"/>
+          </a:effectRef>
+          <a:fontRef idx="minor">
+            <a:schemeClr val="lt1"/>
+          </a:fontRef>
+        </p:style>
+        <p:txBody>
+          <a:bodyPr rtlCol="0" anchor="ctr"/>
+          <a:lstStyle/>
+          <a:p>
+            <a:pPr algn="ctr"/>
+            <a:r>
+              <a:rPr lang="en-US" altLang="zh-CN" dirty="0" err="1"/>
+              <a:t>EncoderStream</a:t>
+            </a:r>
+            <a:endParaRPr lang="zh-CN" altLang="en-US" dirty="0"/>
+          </a:p>
+        </p:txBody>
+      </p:sp>
+      <p:sp>
+        <p:nvSpPr>
+          <p:cNvPr id="12" name="Rectangle 11">
+            <a:extLst>
+              <a:ext uri="{FF2B5EF4-FFF2-40B4-BE49-F238E27FC236}">
+                <a16:creationId xmlns:a16="http://schemas.microsoft.com/office/drawing/2014/main" id="{A7C83B63-84CE-44C0-B611-D27E46932202}"/>
+              </a:ext>
+            </a:extLst>
+          </p:cNvPr>
+          <p:cNvSpPr/>
+          <p:nvPr/>
+        </p:nvSpPr>
+        <p:spPr>
+          <a:xfrm>
+            <a:off x="7868816" y="3483427"/>
+            <a:ext cx="2015412" cy="385666"/>
+          </a:xfrm>
+          <a:prstGeom prst="rect">
+            <a:avLst/>
+          </a:prstGeom>
+        </p:spPr>
+        <p:style>
+          <a:lnRef idx="2">
+            <a:schemeClr val="accent1">
+              <a:shade val="50000"/>
+            </a:schemeClr>
+          </a:lnRef>
+          <a:fillRef idx="1">
+            <a:schemeClr val="accent1"/>
+          </a:fillRef>
+          <a:effectRef idx="0">
+            <a:schemeClr val="accent1"/>
+          </a:effectRef>
+          <a:fontRef idx="minor">
+            <a:schemeClr val="lt1"/>
+          </a:fontRef>
+        </p:style>
+        <p:txBody>
+          <a:bodyPr rtlCol="0" anchor="ctr"/>
+          <a:lstStyle/>
+          <a:p>
+            <a:pPr algn="ctr"/>
+            <a:r>
+              <a:rPr lang="en-US" altLang="zh-CN" dirty="0"/>
+              <a:t>Utf16Decoder</a:t>
+            </a:r>
+            <a:endParaRPr lang="zh-CN" altLang="en-US" dirty="0"/>
+          </a:p>
+        </p:txBody>
+      </p:sp>
+      <p:sp>
+        <p:nvSpPr>
+          <p:cNvPr id="13" name="Rectangle 12">
+            <a:extLst>
+              <a:ext uri="{FF2B5EF4-FFF2-40B4-BE49-F238E27FC236}">
+                <a16:creationId xmlns:a16="http://schemas.microsoft.com/office/drawing/2014/main" id="{0A4859C3-5CD2-40D8-A238-F90E2E4A38F7}"/>
+              </a:ext>
+            </a:extLst>
+          </p:cNvPr>
+          <p:cNvSpPr/>
+          <p:nvPr/>
+        </p:nvSpPr>
+        <p:spPr>
+          <a:xfrm>
+            <a:off x="3303036" y="2015411"/>
+            <a:ext cx="2015412" cy="385666"/>
+          </a:xfrm>
+          <a:prstGeom prst="rect">
+            <a:avLst/>
+          </a:prstGeom>
+        </p:spPr>
+        <p:style>
+          <a:lnRef idx="2">
+            <a:schemeClr val="accent1">
+              <a:shade val="50000"/>
+            </a:schemeClr>
+          </a:lnRef>
+          <a:fillRef idx="1">
+            <a:schemeClr val="accent1"/>
+          </a:fillRef>
+          <a:effectRef idx="0">
+            <a:schemeClr val="accent1"/>
+          </a:effectRef>
+          <a:fontRef idx="minor">
+            <a:schemeClr val="lt1"/>
+          </a:fontRef>
+        </p:style>
+        <p:txBody>
+          <a:bodyPr rtlCol="0" anchor="ctr"/>
+          <a:lstStyle/>
+          <a:p>
+            <a:pPr algn="ctr"/>
+            <a:r>
+              <a:rPr lang="en-US" altLang="zh-CN" dirty="0" err="1"/>
+              <a:t>BroadcastStream</a:t>
+            </a:r>
+            <a:endParaRPr lang="zh-CN" altLang="en-US" dirty="0"/>
+          </a:p>
+        </p:txBody>
+      </p:sp>
+      <p:cxnSp>
+        <p:nvCxnSpPr>
+          <p:cNvPr id="15" name="Straight Arrow Connector 14">
+            <a:extLst>
+              <a:ext uri="{FF2B5EF4-FFF2-40B4-BE49-F238E27FC236}">
+                <a16:creationId xmlns:a16="http://schemas.microsoft.com/office/drawing/2014/main" id="{846C930E-763A-4DAA-8FAB-245926E6EB56}"/>
+              </a:ext>
+            </a:extLst>
+          </p:cNvPr>
+          <p:cNvCxnSpPr>
+            <a:stCxn id="5" idx="3"/>
+            <a:endCxn id="6" idx="1"/>
+          </p:cNvCxnSpPr>
+          <p:nvPr/>
+        </p:nvCxnSpPr>
+        <p:spPr>
+          <a:xfrm>
+            <a:off x="7601338" y="740228"/>
+            <a:ext cx="267478" cy="0"/>
+          </a:xfrm>
+          <a:prstGeom prst="straightConnector1">
+            <a:avLst/>
+          </a:prstGeom>
+          <a:ln>
+            <a:headEnd type="oval" w="lg" len="lg"/>
+            <a:tailEnd type="oval" w="lg" len="lg"/>
+          </a:ln>
+        </p:spPr>
+        <p:style>
+          <a:lnRef idx="1">
+            <a:schemeClr val="accent1"/>
+          </a:lnRef>
+          <a:fillRef idx="0">
+            <a:schemeClr val="accent1"/>
+          </a:fillRef>
+          <a:effectRef idx="0">
+            <a:schemeClr val="accent1"/>
+          </a:effectRef>
+          <a:fontRef idx="minor">
+            <a:schemeClr val="tx1"/>
+          </a:fontRef>
+        </p:style>
+      </p:cxnSp>
+      <p:cxnSp>
+        <p:nvCxnSpPr>
+          <p:cNvPr id="20" name="Straight Arrow Connector 19">
+            <a:extLst>
+              <a:ext uri="{FF2B5EF4-FFF2-40B4-BE49-F238E27FC236}">
+                <a16:creationId xmlns:a16="http://schemas.microsoft.com/office/drawing/2014/main" id="{1CE15470-F172-42BD-8DB3-A4F30C4D0A08}"/>
+              </a:ext>
+            </a:extLst>
+          </p:cNvPr>
+          <p:cNvCxnSpPr>
+            <a:stCxn id="8" idx="3"/>
+            <a:endCxn id="9" idx="1"/>
+          </p:cNvCxnSpPr>
+          <p:nvPr/>
+        </p:nvCxnSpPr>
+        <p:spPr>
+          <a:xfrm>
+            <a:off x="7601338" y="2208244"/>
+            <a:ext cx="267478" cy="0"/>
+          </a:xfrm>
+          <a:prstGeom prst="straightConnector1">
+            <a:avLst/>
+          </a:prstGeom>
+          <a:ln>
+            <a:headEnd type="oval" w="lg" len="lg"/>
+            <a:tailEnd type="oval" w="lg" len="lg"/>
+          </a:ln>
+        </p:spPr>
+        <p:style>
+          <a:lnRef idx="1">
+            <a:schemeClr val="accent1"/>
+          </a:lnRef>
+          <a:fillRef idx="0">
+            <a:schemeClr val="accent1"/>
+          </a:fillRef>
+          <a:effectRef idx="0">
+            <a:schemeClr val="accent1"/>
+          </a:effectRef>
+          <a:fontRef idx="minor">
+            <a:schemeClr val="tx1"/>
+          </a:fontRef>
+        </p:style>
+      </p:cxnSp>
+      <p:cxnSp>
+        <p:nvCxnSpPr>
+          <p:cNvPr id="22" name="Straight Arrow Connector 21">
+            <a:extLst>
+              <a:ext uri="{FF2B5EF4-FFF2-40B4-BE49-F238E27FC236}">
+                <a16:creationId xmlns:a16="http://schemas.microsoft.com/office/drawing/2014/main" id="{6DE0AB70-93E0-488F-ABE3-3D4B147901D0}"/>
+              </a:ext>
+            </a:extLst>
+          </p:cNvPr>
+          <p:cNvCxnSpPr>
+            <a:cxnSpLocks/>
+            <a:stCxn id="8" idx="2"/>
+            <a:endCxn id="7" idx="1"/>
+          </p:cNvCxnSpPr>
+          <p:nvPr/>
+        </p:nvCxnSpPr>
+        <p:spPr>
+          <a:xfrm>
+            <a:off x="6593632" y="2401077"/>
+            <a:ext cx="1275184" cy="348342"/>
+          </a:xfrm>
+          <a:prstGeom prst="straightConnector1">
+            <a:avLst/>
+          </a:prstGeom>
+          <a:ln>
+            <a:tailEnd type="triangle"/>
+          </a:ln>
+        </p:spPr>
+        <p:style>
+          <a:lnRef idx="1">
+            <a:schemeClr val="accent1"/>
+          </a:lnRef>
+          <a:fillRef idx="0">
+            <a:schemeClr val="accent1"/>
+          </a:fillRef>
+          <a:effectRef idx="0">
+            <a:schemeClr val="accent1"/>
+          </a:effectRef>
+          <a:fontRef idx="minor">
+            <a:schemeClr val="tx1"/>
+          </a:fontRef>
+        </p:style>
+      </p:cxnSp>
+      <p:cxnSp>
+        <p:nvCxnSpPr>
+          <p:cNvPr id="24" name="Straight Arrow Connector 23">
+            <a:extLst>
+              <a:ext uri="{FF2B5EF4-FFF2-40B4-BE49-F238E27FC236}">
+                <a16:creationId xmlns:a16="http://schemas.microsoft.com/office/drawing/2014/main" id="{FF2CCFF1-6AA8-4E91-89FA-E33CD0385201}"/>
+              </a:ext>
+            </a:extLst>
+          </p:cNvPr>
+          <p:cNvCxnSpPr>
+            <a:stCxn id="11" idx="3"/>
+            <a:endCxn id="12" idx="1"/>
+          </p:cNvCxnSpPr>
+          <p:nvPr/>
+        </p:nvCxnSpPr>
+        <p:spPr>
+          <a:xfrm>
+            <a:off x="7601338" y="3676260"/>
+            <a:ext cx="267478" cy="0"/>
+          </a:xfrm>
+          <a:prstGeom prst="straightConnector1">
+            <a:avLst/>
+          </a:prstGeom>
+          <a:ln>
+            <a:headEnd type="oval" w="lg" len="lg"/>
+            <a:tailEnd type="oval" w="lg" len="lg"/>
+          </a:ln>
+        </p:spPr>
+        <p:style>
+          <a:lnRef idx="1">
+            <a:schemeClr val="accent1"/>
+          </a:lnRef>
+          <a:fillRef idx="0">
+            <a:schemeClr val="accent1"/>
+          </a:fillRef>
+          <a:effectRef idx="0">
+            <a:schemeClr val="accent1"/>
+          </a:effectRef>
+          <a:fontRef idx="minor">
+            <a:schemeClr val="tx1"/>
+          </a:fontRef>
+        </p:style>
+      </p:cxnSp>
+      <p:cxnSp>
+        <p:nvCxnSpPr>
+          <p:cNvPr id="26" name="Straight Arrow Connector 25">
+            <a:extLst>
+              <a:ext uri="{FF2B5EF4-FFF2-40B4-BE49-F238E27FC236}">
+                <a16:creationId xmlns:a16="http://schemas.microsoft.com/office/drawing/2014/main" id="{76F36427-BB6A-40BF-8A11-51AE1024E57E}"/>
+              </a:ext>
+            </a:extLst>
+          </p:cNvPr>
+          <p:cNvCxnSpPr>
+            <a:cxnSpLocks/>
+            <a:stCxn id="11" idx="2"/>
+            <a:endCxn id="10" idx="1"/>
+          </p:cNvCxnSpPr>
+          <p:nvPr/>
+        </p:nvCxnSpPr>
+        <p:spPr>
+          <a:xfrm>
+            <a:off x="6593632" y="3869093"/>
+            <a:ext cx="1275184" cy="348342"/>
+          </a:xfrm>
+          <a:prstGeom prst="straightConnector1">
+            <a:avLst/>
+          </a:prstGeom>
+          <a:ln>
+            <a:tailEnd type="triangle"/>
+          </a:ln>
+        </p:spPr>
+        <p:style>
+          <a:lnRef idx="1">
+            <a:schemeClr val="accent1"/>
+          </a:lnRef>
+          <a:fillRef idx="0">
+            <a:schemeClr val="accent1"/>
+          </a:fillRef>
+          <a:effectRef idx="0">
+            <a:schemeClr val="accent1"/>
+          </a:effectRef>
+          <a:fontRef idx="minor">
+            <a:schemeClr val="tx1"/>
+          </a:fontRef>
+        </p:style>
+      </p:cxnSp>
+      <p:cxnSp>
+        <p:nvCxnSpPr>
+          <p:cNvPr id="28" name="Straight Arrow Connector 27">
+            <a:extLst>
+              <a:ext uri="{FF2B5EF4-FFF2-40B4-BE49-F238E27FC236}">
+                <a16:creationId xmlns:a16="http://schemas.microsoft.com/office/drawing/2014/main" id="{3D8C1E15-C03B-405F-A6C8-4FBB1BA987DA}"/>
+              </a:ext>
+            </a:extLst>
+          </p:cNvPr>
+          <p:cNvCxnSpPr>
+            <a:stCxn id="13" idx="3"/>
+            <a:endCxn id="8" idx="1"/>
+          </p:cNvCxnSpPr>
+          <p:nvPr/>
+        </p:nvCxnSpPr>
+        <p:spPr>
+          <a:xfrm>
+            <a:off x="5318448" y="2208244"/>
+            <a:ext cx="267478" cy="0"/>
+          </a:xfrm>
+          <a:prstGeom prst="straightConnector1">
+            <a:avLst/>
+          </a:prstGeom>
+          <a:ln>
+            <a:tailEnd type="triangle"/>
+          </a:ln>
+        </p:spPr>
+        <p:style>
+          <a:lnRef idx="1">
+            <a:schemeClr val="accent1"/>
+          </a:lnRef>
+          <a:fillRef idx="0">
+            <a:schemeClr val="accent1"/>
+          </a:fillRef>
+          <a:effectRef idx="0">
+            <a:schemeClr val="accent1"/>
+          </a:effectRef>
+          <a:fontRef idx="minor">
+            <a:schemeClr val="tx1"/>
+          </a:fontRef>
+        </p:style>
+      </p:cxnSp>
+      <p:cxnSp>
+        <p:nvCxnSpPr>
+          <p:cNvPr id="30" name="Straight Arrow Connector 29">
+            <a:extLst>
+              <a:ext uri="{FF2B5EF4-FFF2-40B4-BE49-F238E27FC236}">
+                <a16:creationId xmlns:a16="http://schemas.microsoft.com/office/drawing/2014/main" id="{FDE61E04-BE41-45F3-8852-871A85261D7B}"/>
+              </a:ext>
+            </a:extLst>
+          </p:cNvPr>
+          <p:cNvCxnSpPr>
+            <a:stCxn id="13" idx="3"/>
+            <a:endCxn id="11" idx="1"/>
+          </p:cNvCxnSpPr>
+          <p:nvPr/>
+        </p:nvCxnSpPr>
+        <p:spPr>
+          <a:xfrm>
+            <a:off x="5318448" y="2208244"/>
+            <a:ext cx="267478" cy="1468016"/>
+          </a:xfrm>
+          <a:prstGeom prst="straightConnector1">
+            <a:avLst/>
+          </a:prstGeom>
+          <a:ln>
+            <a:tailEnd type="triangle"/>
+          </a:ln>
+        </p:spPr>
+        <p:style>
+          <a:lnRef idx="1">
+            <a:schemeClr val="accent1"/>
+          </a:lnRef>
+          <a:fillRef idx="0">
+            <a:schemeClr val="accent1"/>
+          </a:fillRef>
+          <a:effectRef idx="0">
+            <a:schemeClr val="accent1"/>
+          </a:effectRef>
+          <a:fontRef idx="minor">
+            <a:schemeClr val="tx1"/>
+          </a:fontRef>
+        </p:style>
+      </p:cxnSp>
+      <p:sp>
+        <p:nvSpPr>
+          <p:cNvPr id="35" name="Rectangle 34">
+            <a:extLst>
+              <a:ext uri="{FF2B5EF4-FFF2-40B4-BE49-F238E27FC236}">
+                <a16:creationId xmlns:a16="http://schemas.microsoft.com/office/drawing/2014/main" id="{3FF5781E-0CBA-4F5C-B213-960CC09E7349}"/>
+              </a:ext>
+            </a:extLst>
+          </p:cNvPr>
+          <p:cNvSpPr/>
+          <p:nvPr/>
+        </p:nvSpPr>
+        <p:spPr>
+          <a:xfrm>
+            <a:off x="864637" y="1169435"/>
+            <a:ext cx="2015412" cy="385666"/>
+          </a:xfrm>
+          <a:prstGeom prst="rect">
+            <a:avLst/>
+          </a:prstGeom>
+        </p:spPr>
+        <p:style>
+          <a:lnRef idx="2">
+            <a:schemeClr val="accent1">
+              <a:shade val="50000"/>
+            </a:schemeClr>
+          </a:lnRef>
+          <a:fillRef idx="1">
+            <a:schemeClr val="accent1"/>
+          </a:fillRef>
+          <a:effectRef idx="0">
+            <a:schemeClr val="accent1"/>
+          </a:effectRef>
+          <a:fontRef idx="minor">
+            <a:schemeClr val="lt1"/>
+          </a:fontRef>
+        </p:style>
+        <p:txBody>
+          <a:bodyPr rtlCol="0" anchor="ctr"/>
+          <a:lstStyle/>
+          <a:p>
+            <a:pPr algn="ctr"/>
+            <a:r>
+              <a:rPr lang="en-US" altLang="zh-CN" dirty="0" err="1"/>
+              <a:t>RecorderStream</a:t>
+            </a:r>
+            <a:endParaRPr lang="zh-CN" altLang="en-US" dirty="0"/>
+          </a:p>
+        </p:txBody>
+      </p:sp>
+      <p:cxnSp>
+        <p:nvCxnSpPr>
+          <p:cNvPr id="37" name="Straight Arrow Connector 36">
+            <a:extLst>
+              <a:ext uri="{FF2B5EF4-FFF2-40B4-BE49-F238E27FC236}">
+                <a16:creationId xmlns:a16="http://schemas.microsoft.com/office/drawing/2014/main" id="{236781A9-1A7F-4F26-BDCB-17CF0A185DD8}"/>
+              </a:ext>
+            </a:extLst>
+          </p:cNvPr>
+          <p:cNvCxnSpPr>
+            <a:cxnSpLocks/>
+            <a:stCxn id="5" idx="1"/>
+            <a:endCxn id="35" idx="3"/>
+          </p:cNvCxnSpPr>
+          <p:nvPr/>
+        </p:nvCxnSpPr>
+        <p:spPr>
+          <a:xfrm flipH="1">
+            <a:off x="2880049" y="740228"/>
+            <a:ext cx="2705877" cy="622040"/>
+          </a:xfrm>
+          <a:prstGeom prst="straightConnector1">
+            <a:avLst/>
+          </a:prstGeom>
+          <a:ln>
+            <a:tailEnd type="triangle"/>
+          </a:ln>
+        </p:spPr>
+        <p:style>
+          <a:lnRef idx="1">
+            <a:schemeClr val="accent1"/>
+          </a:lnRef>
+          <a:fillRef idx="0">
+            <a:schemeClr val="accent1"/>
+          </a:fillRef>
+          <a:effectRef idx="0">
+            <a:schemeClr val="accent1"/>
+          </a:effectRef>
+          <a:fontRef idx="minor">
+            <a:schemeClr val="tx1"/>
+          </a:fontRef>
+        </p:style>
+      </p:cxnSp>
+      <p:cxnSp>
+        <p:nvCxnSpPr>
+          <p:cNvPr id="40" name="Straight Arrow Connector 39">
+            <a:extLst>
+              <a:ext uri="{FF2B5EF4-FFF2-40B4-BE49-F238E27FC236}">
+                <a16:creationId xmlns:a16="http://schemas.microsoft.com/office/drawing/2014/main" id="{5846AA05-B92C-4D24-9A7D-2B54D3125549}"/>
+              </a:ext>
+            </a:extLst>
+          </p:cNvPr>
+          <p:cNvCxnSpPr>
+            <a:stCxn id="35" idx="3"/>
+            <a:endCxn id="13" idx="1"/>
+          </p:cNvCxnSpPr>
+          <p:nvPr/>
+        </p:nvCxnSpPr>
+        <p:spPr>
+          <a:xfrm>
+            <a:off x="2880049" y="1362268"/>
+            <a:ext cx="422987" cy="845976"/>
+          </a:xfrm>
+          <a:prstGeom prst="straightConnector1">
+            <a:avLst/>
+          </a:prstGeom>
+          <a:ln>
+            <a:tailEnd type="triangle"/>
+          </a:ln>
+        </p:spPr>
+        <p:style>
+          <a:lnRef idx="1">
+            <a:schemeClr val="accent1"/>
+          </a:lnRef>
+          <a:fillRef idx="0">
+            <a:schemeClr val="accent1"/>
+          </a:fillRef>
+          <a:effectRef idx="0">
+            <a:schemeClr val="accent1"/>
+          </a:effectRef>
+          <a:fontRef idx="minor">
+            <a:schemeClr val="tx1"/>
+          </a:fontRef>
+        </p:style>
+      </p:cxnSp>
+      <p:cxnSp>
+        <p:nvCxnSpPr>
+          <p:cNvPr id="42" name="Straight Arrow Connector 41">
+            <a:extLst>
+              <a:ext uri="{FF2B5EF4-FFF2-40B4-BE49-F238E27FC236}">
+                <a16:creationId xmlns:a16="http://schemas.microsoft.com/office/drawing/2014/main" id="{64601F2C-3A98-4DF7-9E0D-A5398A67245D}"/>
+              </a:ext>
+            </a:extLst>
+          </p:cNvPr>
+          <p:cNvCxnSpPr>
+            <a:cxnSpLocks/>
+            <a:stCxn id="4" idx="1"/>
+            <a:endCxn id="5" idx="2"/>
+          </p:cNvCxnSpPr>
+          <p:nvPr/>
+        </p:nvCxnSpPr>
+        <p:spPr>
+          <a:xfrm flipH="1" flipV="1">
+            <a:off x="6593632" y="933061"/>
+            <a:ext cx="1275184" cy="348342"/>
+          </a:xfrm>
+          <a:prstGeom prst="straightConnector1">
+            <a:avLst/>
+          </a:prstGeom>
+          <a:ln>
+            <a:tailEnd type="triangle"/>
+          </a:ln>
+        </p:spPr>
+        <p:style>
+          <a:lnRef idx="1">
+            <a:schemeClr val="accent1"/>
+          </a:lnRef>
+          <a:fillRef idx="0">
+            <a:schemeClr val="accent1"/>
+          </a:fillRef>
+          <a:effectRef idx="0">
+            <a:schemeClr val="accent1"/>
+          </a:effectRef>
+          <a:fontRef idx="minor">
+            <a:schemeClr val="tx1"/>
+          </a:fontRef>
+        </p:style>
+      </p:cxnSp>
+      <p:sp>
+        <p:nvSpPr>
+          <p:cNvPr id="48" name="Rectangle 47">
+            <a:extLst>
+              <a:ext uri="{FF2B5EF4-FFF2-40B4-BE49-F238E27FC236}">
+                <a16:creationId xmlns:a16="http://schemas.microsoft.com/office/drawing/2014/main" id="{580C6B1F-D196-410A-92CC-1AD9FD80908E}"/>
+              </a:ext>
+            </a:extLst>
+          </p:cNvPr>
+          <p:cNvSpPr/>
+          <p:nvPr/>
+        </p:nvSpPr>
+        <p:spPr>
+          <a:xfrm>
+            <a:off x="864637" y="2015411"/>
+            <a:ext cx="2015412" cy="385666"/>
+          </a:xfrm>
+          <a:prstGeom prst="rect">
+            <a:avLst/>
+          </a:prstGeom>
+        </p:spPr>
+        <p:style>
+          <a:lnRef idx="2">
+            <a:schemeClr val="accent1">
+              <a:shade val="50000"/>
+            </a:schemeClr>
+          </a:lnRef>
+          <a:fillRef idx="1">
+            <a:schemeClr val="accent1"/>
+          </a:fillRef>
+          <a:effectRef idx="0">
+            <a:schemeClr val="accent1"/>
+          </a:effectRef>
+          <a:fontRef idx="minor">
+            <a:schemeClr val="lt1"/>
+          </a:fontRef>
+        </p:style>
+        <p:txBody>
+          <a:bodyPr rtlCol="0" anchor="ctr"/>
+          <a:lstStyle/>
+          <a:p>
+            <a:pPr algn="ctr"/>
+            <a:r>
+              <a:rPr lang="en-US" altLang="zh-CN" dirty="0" err="1"/>
+              <a:t>StreamReader</a:t>
+            </a:r>
+            <a:endParaRPr lang="zh-CN" altLang="en-US" dirty="0"/>
+          </a:p>
+        </p:txBody>
+      </p:sp>
+      <p:cxnSp>
+        <p:nvCxnSpPr>
+          <p:cNvPr id="50" name="Straight Arrow Connector 49">
+            <a:extLst>
+              <a:ext uri="{FF2B5EF4-FFF2-40B4-BE49-F238E27FC236}">
+                <a16:creationId xmlns:a16="http://schemas.microsoft.com/office/drawing/2014/main" id="{3863F89C-2CAE-403F-A8AF-550B0BEED538}"/>
+              </a:ext>
+            </a:extLst>
+          </p:cNvPr>
+          <p:cNvCxnSpPr>
+            <a:stCxn id="35" idx="2"/>
+            <a:endCxn id="48" idx="0"/>
+          </p:cNvCxnSpPr>
+          <p:nvPr/>
+        </p:nvCxnSpPr>
+        <p:spPr>
+          <a:xfrm>
+            <a:off x="1872343" y="1555101"/>
+            <a:ext cx="0" cy="460310"/>
+          </a:xfrm>
+          <a:prstGeom prst="straightConnector1">
+            <a:avLst/>
+          </a:prstGeom>
+          <a:ln>
+            <a:tailEnd type="triangle"/>
+          </a:ln>
+        </p:spPr>
+        <p:style>
+          <a:lnRef idx="1">
+            <a:schemeClr val="accent1"/>
+          </a:lnRef>
+          <a:fillRef idx="0">
+            <a:schemeClr val="accent1"/>
+          </a:fillRef>
+          <a:effectRef idx="0">
+            <a:schemeClr val="accent1"/>
+          </a:effectRef>
+          <a:fontRef idx="minor">
+            <a:schemeClr val="tx1"/>
+          </a:fontRef>
+        </p:style>
+      </p:cxnSp>
+    </p:spTree>
+    <p:extLst>
+      <p:ext uri="{BB962C8B-B14F-4D97-AF65-F5344CB8AC3E}">
+        <p14:creationId xmlns:p14="http://schemas.microsoft.com/office/powerpoint/2010/main" val="1560780468"/>
+      </p:ext>
+    </p:extLst>
+  </p:cSld>
+  <p:clrMapOvr>
+    <a:masterClrMapping/>
+  </p:clrMapOvr>
+</p:sld>
+</file>
+
 <file path=ppt/theme/theme1.xml><?xml version="1.0" encoding="utf-8"?>
 <a:theme xmlns:a="http://schemas.openxmlformats.org/drawingml/2006/main" name="Office Theme">
   <a:themeElements>

--- a/packages/Dependencies.pptx
+++ b/packages/Dependencies.pptx
@@ -9,6 +9,7 @@
     <p:sldId id="257" r:id="rId3"/>
     <p:sldId id="258" r:id="rId4"/>
     <p:sldId id="259" r:id="rId5"/>
+    <p:sldId id="260" r:id="rId6"/>
   </p:sldIdLst>
   <p:sldSz cx="12192000" cy="6858000"/>
   <p:notesSz cx="6858000" cy="9144000"/>
@@ -6234,7 +6235,7 @@
           <a:p>
             <a:fld id="{6DD3C254-EB1A-43A9-939A-0227EC6FC929}" type="datetimeFigureOut">
               <a:rPr lang="zh-CN" altLang="en-US" smtClean="0"/>
-              <a:t>2020/7/15</a:t>
+              <a:t>2021/3/24</a:t>
             </a:fld>
             <a:endParaRPr lang="zh-CN" altLang="en-US"/>
           </a:p>
@@ -6434,7 +6435,7 @@
           <a:p>
             <a:fld id="{6DD3C254-EB1A-43A9-939A-0227EC6FC929}" type="datetimeFigureOut">
               <a:rPr lang="zh-CN" altLang="en-US" smtClean="0"/>
-              <a:t>2020/7/15</a:t>
+              <a:t>2021/3/24</a:t>
             </a:fld>
             <a:endParaRPr lang="zh-CN" altLang="en-US"/>
           </a:p>
@@ -6644,7 +6645,7 @@
           <a:p>
             <a:fld id="{6DD3C254-EB1A-43A9-939A-0227EC6FC929}" type="datetimeFigureOut">
               <a:rPr lang="zh-CN" altLang="en-US" smtClean="0"/>
-              <a:t>2020/7/15</a:t>
+              <a:t>2021/3/24</a:t>
             </a:fld>
             <a:endParaRPr lang="zh-CN" altLang="en-US"/>
           </a:p>
@@ -6844,7 +6845,7 @@
           <a:p>
             <a:fld id="{6DD3C254-EB1A-43A9-939A-0227EC6FC929}" type="datetimeFigureOut">
               <a:rPr lang="zh-CN" altLang="en-US" smtClean="0"/>
-              <a:t>2020/7/15</a:t>
+              <a:t>2021/3/24</a:t>
             </a:fld>
             <a:endParaRPr lang="zh-CN" altLang="en-US"/>
           </a:p>
@@ -7120,7 +7121,7 @@
           <a:p>
             <a:fld id="{6DD3C254-EB1A-43A9-939A-0227EC6FC929}" type="datetimeFigureOut">
               <a:rPr lang="zh-CN" altLang="en-US" smtClean="0"/>
-              <a:t>2020/7/15</a:t>
+              <a:t>2021/3/24</a:t>
             </a:fld>
             <a:endParaRPr lang="zh-CN" altLang="en-US"/>
           </a:p>
@@ -7388,7 +7389,7 @@
           <a:p>
             <a:fld id="{6DD3C254-EB1A-43A9-939A-0227EC6FC929}" type="datetimeFigureOut">
               <a:rPr lang="zh-CN" altLang="en-US" smtClean="0"/>
-              <a:t>2020/7/15</a:t>
+              <a:t>2021/3/24</a:t>
             </a:fld>
             <a:endParaRPr lang="zh-CN" altLang="en-US"/>
           </a:p>
@@ -7803,7 +7804,7 @@
           <a:p>
             <a:fld id="{6DD3C254-EB1A-43A9-939A-0227EC6FC929}" type="datetimeFigureOut">
               <a:rPr lang="zh-CN" altLang="en-US" smtClean="0"/>
-              <a:t>2020/7/15</a:t>
+              <a:t>2021/3/24</a:t>
             </a:fld>
             <a:endParaRPr lang="zh-CN" altLang="en-US"/>
           </a:p>
@@ -7945,7 +7946,7 @@
           <a:p>
             <a:fld id="{6DD3C254-EB1A-43A9-939A-0227EC6FC929}" type="datetimeFigureOut">
               <a:rPr lang="zh-CN" altLang="en-US" smtClean="0"/>
-              <a:t>2020/7/15</a:t>
+              <a:t>2021/3/24</a:t>
             </a:fld>
             <a:endParaRPr lang="zh-CN" altLang="en-US"/>
           </a:p>
@@ -8058,7 +8059,7 @@
           <a:p>
             <a:fld id="{6DD3C254-EB1A-43A9-939A-0227EC6FC929}" type="datetimeFigureOut">
               <a:rPr lang="zh-CN" altLang="en-US" smtClean="0"/>
-              <a:t>2020/7/15</a:t>
+              <a:t>2021/3/24</a:t>
             </a:fld>
             <a:endParaRPr lang="zh-CN" altLang="en-US"/>
           </a:p>
@@ -8371,7 +8372,7 @@
           <a:p>
             <a:fld id="{6DD3C254-EB1A-43A9-939A-0227EC6FC929}" type="datetimeFigureOut">
               <a:rPr lang="zh-CN" altLang="en-US" smtClean="0"/>
-              <a:t>2020/7/15</a:t>
+              <a:t>2021/3/24</a:t>
             </a:fld>
             <a:endParaRPr lang="zh-CN" altLang="en-US"/>
           </a:p>
@@ -8660,7 +8661,7 @@
           <a:p>
             <a:fld id="{6DD3C254-EB1A-43A9-939A-0227EC6FC929}" type="datetimeFigureOut">
               <a:rPr lang="zh-CN" altLang="en-US" smtClean="0"/>
-              <a:t>2020/7/15</a:t>
+              <a:t>2021/3/24</a:t>
             </a:fld>
             <a:endParaRPr lang="zh-CN" altLang="en-US"/>
           </a:p>
@@ -8903,7 +8904,7 @@
           <a:p>
             <a:fld id="{6DD3C254-EB1A-43A9-939A-0227EC6FC929}" type="datetimeFigureOut">
               <a:rPr lang="zh-CN" altLang="en-US" smtClean="0"/>
-              <a:t>2020/7/15</a:t>
+              <a:t>2021/3/24</a:t>
             </a:fld>
             <a:endParaRPr lang="zh-CN" altLang="en-US"/>
           </a:p>
@@ -16161,6 +16162,1261 @@
 </p:sld>
 </file>
 
+<file path=ppt/slides/slide5.xml><?xml version="1.0" encoding="utf-8"?>
+<p:sld xmlns:a="http://schemas.openxmlformats.org/drawingml/2006/main" xmlns:r="http://schemas.openxmlformats.org/officeDocument/2006/relationships" xmlns:p="http://schemas.openxmlformats.org/presentationml/2006/main">
+  <p:cSld>
+    <p:spTree>
+      <p:nvGrpSpPr>
+        <p:cNvPr id="1" name=""/>
+        <p:cNvGrpSpPr/>
+        <p:nvPr/>
+      </p:nvGrpSpPr>
+      <p:grpSpPr>
+        <a:xfrm>
+          <a:off x="0" y="0"/>
+          <a:ext cx="0" cy="0"/>
+          <a:chOff x="0" y="0"/>
+          <a:chExt cx="0" cy="0"/>
+        </a:xfrm>
+      </p:grpSpPr>
+      <p:sp>
+        <p:nvSpPr>
+          <p:cNvPr id="4" name="Rectangle 3">
+            <a:extLst>
+              <a:ext uri="{FF2B5EF4-FFF2-40B4-BE49-F238E27FC236}">
+                <a16:creationId xmlns:a16="http://schemas.microsoft.com/office/drawing/2014/main" id="{40EE2614-BDDA-4756-A274-B45232E89A13}"/>
+              </a:ext>
+            </a:extLst>
+          </p:cNvPr>
+          <p:cNvSpPr/>
+          <p:nvPr/>
+        </p:nvSpPr>
+        <p:spPr>
+          <a:xfrm>
+            <a:off x="1101012" y="989046"/>
+            <a:ext cx="4739951" cy="3234612"/>
+          </a:xfrm>
+          <a:prstGeom prst="rect">
+            <a:avLst/>
+          </a:prstGeom>
+          <a:solidFill>
+            <a:srgbClr val="F5D5FF"/>
+          </a:solidFill>
+        </p:spPr>
+        <p:style>
+          <a:lnRef idx="2">
+            <a:schemeClr val="accent1">
+              <a:shade val="50000"/>
+            </a:schemeClr>
+          </a:lnRef>
+          <a:fillRef idx="1">
+            <a:schemeClr val="accent1"/>
+          </a:fillRef>
+          <a:effectRef idx="0">
+            <a:schemeClr val="accent1"/>
+          </a:effectRef>
+          <a:fontRef idx="minor">
+            <a:schemeClr val="lt1"/>
+          </a:fontRef>
+        </p:style>
+        <p:txBody>
+          <a:bodyPr rtlCol="0" anchor="ctr"/>
+          <a:lstStyle/>
+          <a:p>
+            <a:pPr algn="ctr"/>
+            <a:endParaRPr lang="zh-CN" altLang="en-US"/>
+          </a:p>
+        </p:txBody>
+      </p:sp>
+      <p:sp>
+        <p:nvSpPr>
+          <p:cNvPr id="5" name="TextBox 4">
+            <a:extLst>
+              <a:ext uri="{FF2B5EF4-FFF2-40B4-BE49-F238E27FC236}">
+                <a16:creationId xmlns:a16="http://schemas.microsoft.com/office/drawing/2014/main" id="{3A5365D0-BBA3-4035-81A2-DC1C7686C6E0}"/>
+              </a:ext>
+            </a:extLst>
+          </p:cNvPr>
+          <p:cNvSpPr txBox="1"/>
+          <p:nvPr/>
+        </p:nvSpPr>
+        <p:spPr>
+          <a:xfrm>
+            <a:off x="1101012" y="963703"/>
+            <a:ext cx="865943" cy="369332"/>
+          </a:xfrm>
+          <a:prstGeom prst="rect">
+            <a:avLst/>
+          </a:prstGeom>
+          <a:noFill/>
+        </p:spPr>
+        <p:txBody>
+          <a:bodyPr wrap="none" rtlCol="0">
+            <a:spAutoFit/>
+          </a:bodyPr>
+          <a:lstStyle/>
+          <a:p>
+            <a:r>
+              <a:rPr lang="en-US" altLang="zh-CN" b="1" dirty="0"/>
+              <a:t>Parent</a:t>
+            </a:r>
+            <a:endParaRPr lang="zh-CN" altLang="en-US" b="1" dirty="0"/>
+          </a:p>
+        </p:txBody>
+      </p:sp>
+      <p:sp>
+        <p:nvSpPr>
+          <p:cNvPr id="6" name="Rectangle 5">
+            <a:extLst>
+              <a:ext uri="{FF2B5EF4-FFF2-40B4-BE49-F238E27FC236}">
+                <a16:creationId xmlns:a16="http://schemas.microsoft.com/office/drawing/2014/main" id="{8A340EF7-8A0B-48D4-A34F-79EA335489CA}"/>
+              </a:ext>
+            </a:extLst>
+          </p:cNvPr>
+          <p:cNvSpPr/>
+          <p:nvPr/>
+        </p:nvSpPr>
+        <p:spPr>
+          <a:xfrm>
+            <a:off x="1461797" y="1307692"/>
+            <a:ext cx="4018384" cy="2597802"/>
+          </a:xfrm>
+          <a:prstGeom prst="rect">
+            <a:avLst/>
+          </a:prstGeom>
+          <a:solidFill>
+            <a:schemeClr val="bg1"/>
+          </a:solidFill>
+          <a:ln>
+            <a:noFill/>
+          </a:ln>
+        </p:spPr>
+        <p:style>
+          <a:lnRef idx="2">
+            <a:schemeClr val="accent1">
+              <a:shade val="50000"/>
+            </a:schemeClr>
+          </a:lnRef>
+          <a:fillRef idx="1">
+            <a:schemeClr val="accent1"/>
+          </a:fillRef>
+          <a:effectRef idx="0">
+            <a:schemeClr val="accent1"/>
+          </a:effectRef>
+          <a:fontRef idx="minor">
+            <a:schemeClr val="lt1"/>
+          </a:fontRef>
+        </p:style>
+        <p:txBody>
+          <a:bodyPr rtlCol="0" anchor="ctr"/>
+          <a:lstStyle/>
+          <a:p>
+            <a:pPr algn="ctr"/>
+            <a:endParaRPr lang="zh-CN" altLang="en-US"/>
+          </a:p>
+        </p:txBody>
+      </p:sp>
+      <p:cxnSp>
+        <p:nvCxnSpPr>
+          <p:cNvPr id="8" name="Straight Arrow Connector 7">
+            <a:extLst>
+              <a:ext uri="{FF2B5EF4-FFF2-40B4-BE49-F238E27FC236}">
+                <a16:creationId xmlns:a16="http://schemas.microsoft.com/office/drawing/2014/main" id="{9DAC44E8-77B2-4529-A62A-6847D2FD7467}"/>
+              </a:ext>
+            </a:extLst>
+          </p:cNvPr>
+          <p:cNvCxnSpPr>
+            <a:stCxn id="4" idx="0"/>
+            <a:endCxn id="6" idx="0"/>
+          </p:cNvCxnSpPr>
+          <p:nvPr/>
+        </p:nvCxnSpPr>
+        <p:spPr>
+          <a:xfrm>
+            <a:off x="3470988" y="989046"/>
+            <a:ext cx="1" cy="318646"/>
+          </a:xfrm>
+          <a:prstGeom prst="straightConnector1">
+            <a:avLst/>
+          </a:prstGeom>
+          <a:ln>
+            <a:headEnd type="triangle"/>
+            <a:tailEnd type="triangle"/>
+          </a:ln>
+        </p:spPr>
+        <p:style>
+          <a:lnRef idx="1">
+            <a:schemeClr val="accent1"/>
+          </a:lnRef>
+          <a:fillRef idx="0">
+            <a:schemeClr val="accent1"/>
+          </a:fillRef>
+          <a:effectRef idx="0">
+            <a:schemeClr val="accent1"/>
+          </a:effectRef>
+          <a:fontRef idx="minor">
+            <a:schemeClr val="tx1"/>
+          </a:fontRef>
+        </p:style>
+      </p:cxnSp>
+      <p:cxnSp>
+        <p:nvCxnSpPr>
+          <p:cNvPr id="9" name="Straight Arrow Connector 8">
+            <a:extLst>
+              <a:ext uri="{FF2B5EF4-FFF2-40B4-BE49-F238E27FC236}">
+                <a16:creationId xmlns:a16="http://schemas.microsoft.com/office/drawing/2014/main" id="{00B3C26A-0D6A-4928-8FF7-BB24F66245DB}"/>
+              </a:ext>
+            </a:extLst>
+          </p:cNvPr>
+          <p:cNvCxnSpPr>
+            <a:cxnSpLocks/>
+            <a:stCxn id="6" idx="2"/>
+            <a:endCxn id="4" idx="2"/>
+          </p:cNvCxnSpPr>
+          <p:nvPr/>
+        </p:nvCxnSpPr>
+        <p:spPr>
+          <a:xfrm flipH="1">
+            <a:off x="3470988" y="3905494"/>
+            <a:ext cx="1" cy="318164"/>
+          </a:xfrm>
+          <a:prstGeom prst="straightConnector1">
+            <a:avLst/>
+          </a:prstGeom>
+          <a:ln>
+            <a:headEnd type="triangle"/>
+            <a:tailEnd type="triangle"/>
+          </a:ln>
+        </p:spPr>
+        <p:style>
+          <a:lnRef idx="1">
+            <a:schemeClr val="accent1"/>
+          </a:lnRef>
+          <a:fillRef idx="0">
+            <a:schemeClr val="accent1"/>
+          </a:fillRef>
+          <a:effectRef idx="0">
+            <a:schemeClr val="accent1"/>
+          </a:effectRef>
+          <a:fontRef idx="minor">
+            <a:schemeClr val="tx1"/>
+          </a:fontRef>
+        </p:style>
+      </p:cxnSp>
+      <p:cxnSp>
+        <p:nvCxnSpPr>
+          <p:cNvPr id="13" name="Straight Arrow Connector 12">
+            <a:extLst>
+              <a:ext uri="{FF2B5EF4-FFF2-40B4-BE49-F238E27FC236}">
+                <a16:creationId xmlns:a16="http://schemas.microsoft.com/office/drawing/2014/main" id="{5B43E86B-F312-4FEB-B92B-D3100CCF52CF}"/>
+              </a:ext>
+            </a:extLst>
+          </p:cNvPr>
+          <p:cNvCxnSpPr>
+            <a:cxnSpLocks/>
+            <a:stCxn id="4" idx="1"/>
+            <a:endCxn id="6" idx="1"/>
+          </p:cNvCxnSpPr>
+          <p:nvPr/>
+        </p:nvCxnSpPr>
+        <p:spPr>
+          <a:xfrm>
+            <a:off x="1101012" y="2606352"/>
+            <a:ext cx="360785" cy="241"/>
+          </a:xfrm>
+          <a:prstGeom prst="straightConnector1">
+            <a:avLst/>
+          </a:prstGeom>
+          <a:ln>
+            <a:headEnd type="triangle"/>
+            <a:tailEnd type="triangle"/>
+          </a:ln>
+        </p:spPr>
+        <p:style>
+          <a:lnRef idx="1">
+            <a:schemeClr val="accent1"/>
+          </a:lnRef>
+          <a:fillRef idx="0">
+            <a:schemeClr val="accent1"/>
+          </a:fillRef>
+          <a:effectRef idx="0">
+            <a:schemeClr val="accent1"/>
+          </a:effectRef>
+          <a:fontRef idx="minor">
+            <a:schemeClr val="tx1"/>
+          </a:fontRef>
+        </p:style>
+      </p:cxnSp>
+      <p:cxnSp>
+        <p:nvCxnSpPr>
+          <p:cNvPr id="16" name="Straight Arrow Connector 15">
+            <a:extLst>
+              <a:ext uri="{FF2B5EF4-FFF2-40B4-BE49-F238E27FC236}">
+                <a16:creationId xmlns:a16="http://schemas.microsoft.com/office/drawing/2014/main" id="{4626DA1D-EC67-4DC0-9C73-5A52E429EE13}"/>
+              </a:ext>
+            </a:extLst>
+          </p:cNvPr>
+          <p:cNvCxnSpPr>
+            <a:cxnSpLocks/>
+            <a:stCxn id="6" idx="3"/>
+            <a:endCxn id="4" idx="3"/>
+          </p:cNvCxnSpPr>
+          <p:nvPr/>
+        </p:nvCxnSpPr>
+        <p:spPr>
+          <a:xfrm flipV="1">
+            <a:off x="5480181" y="2606352"/>
+            <a:ext cx="360782" cy="241"/>
+          </a:xfrm>
+          <a:prstGeom prst="straightConnector1">
+            <a:avLst/>
+          </a:prstGeom>
+          <a:ln>
+            <a:headEnd type="triangle"/>
+            <a:tailEnd type="triangle"/>
+          </a:ln>
+        </p:spPr>
+        <p:style>
+          <a:lnRef idx="1">
+            <a:schemeClr val="accent1"/>
+          </a:lnRef>
+          <a:fillRef idx="0">
+            <a:schemeClr val="accent1"/>
+          </a:fillRef>
+          <a:effectRef idx="0">
+            <a:schemeClr val="accent1"/>
+          </a:effectRef>
+          <a:fontRef idx="minor">
+            <a:schemeClr val="tx1"/>
+          </a:fontRef>
+        </p:style>
+      </p:cxnSp>
+      <p:sp>
+        <p:nvSpPr>
+          <p:cNvPr id="19" name="Rectangle 18">
+            <a:extLst>
+              <a:ext uri="{FF2B5EF4-FFF2-40B4-BE49-F238E27FC236}">
+                <a16:creationId xmlns:a16="http://schemas.microsoft.com/office/drawing/2014/main" id="{3178E178-0AE2-4557-A570-10FDBE2DE94D}"/>
+              </a:ext>
+            </a:extLst>
+          </p:cNvPr>
+          <p:cNvSpPr/>
+          <p:nvPr/>
+        </p:nvSpPr>
+        <p:spPr>
+          <a:xfrm>
+            <a:off x="1874852" y="1677945"/>
+            <a:ext cx="2390734" cy="1613454"/>
+          </a:xfrm>
+          <a:prstGeom prst="rect">
+            <a:avLst/>
+          </a:prstGeom>
+          <a:solidFill>
+            <a:srgbClr val="F5D5FF"/>
+          </a:solidFill>
+          <a:ln>
+            <a:noFill/>
+          </a:ln>
+        </p:spPr>
+        <p:style>
+          <a:lnRef idx="2">
+            <a:schemeClr val="accent1">
+              <a:shade val="50000"/>
+            </a:schemeClr>
+          </a:lnRef>
+          <a:fillRef idx="1">
+            <a:schemeClr val="accent1"/>
+          </a:fillRef>
+          <a:effectRef idx="0">
+            <a:schemeClr val="accent1"/>
+          </a:effectRef>
+          <a:fontRef idx="minor">
+            <a:schemeClr val="lt1"/>
+          </a:fontRef>
+        </p:style>
+        <p:txBody>
+          <a:bodyPr rtlCol="0" anchor="ctr"/>
+          <a:lstStyle/>
+          <a:p>
+            <a:pPr algn="ctr"/>
+            <a:endParaRPr lang="zh-CN" altLang="en-US" dirty="0"/>
+          </a:p>
+        </p:txBody>
+      </p:sp>
+      <p:sp>
+        <p:nvSpPr>
+          <p:cNvPr id="20" name="Rectangle 19">
+            <a:extLst>
+              <a:ext uri="{FF2B5EF4-FFF2-40B4-BE49-F238E27FC236}">
+                <a16:creationId xmlns:a16="http://schemas.microsoft.com/office/drawing/2014/main" id="{5A365538-4112-455C-A91A-46CD773AC306}"/>
+              </a:ext>
+            </a:extLst>
+          </p:cNvPr>
+          <p:cNvSpPr/>
+          <p:nvPr/>
+        </p:nvSpPr>
+        <p:spPr>
+          <a:xfrm>
+            <a:off x="2262308" y="2060749"/>
+            <a:ext cx="1638691" cy="861314"/>
+          </a:xfrm>
+          <a:prstGeom prst="rect">
+            <a:avLst/>
+          </a:prstGeom>
+          <a:ln>
+            <a:noFill/>
+          </a:ln>
+        </p:spPr>
+        <p:style>
+          <a:lnRef idx="2">
+            <a:schemeClr val="accent1">
+              <a:shade val="50000"/>
+            </a:schemeClr>
+          </a:lnRef>
+          <a:fillRef idx="1">
+            <a:schemeClr val="accent1"/>
+          </a:fillRef>
+          <a:effectRef idx="0">
+            <a:schemeClr val="accent1"/>
+          </a:effectRef>
+          <a:fontRef idx="minor">
+            <a:schemeClr val="lt1"/>
+          </a:fontRef>
+        </p:style>
+        <p:txBody>
+          <a:bodyPr rtlCol="0" anchor="ctr"/>
+          <a:lstStyle/>
+          <a:p>
+            <a:pPr algn="ctr"/>
+            <a:endParaRPr lang="zh-CN" altLang="en-US" dirty="0"/>
+          </a:p>
+        </p:txBody>
+      </p:sp>
+      <p:sp>
+        <p:nvSpPr>
+          <p:cNvPr id="21" name="TextBox 20">
+            <a:extLst>
+              <a:ext uri="{FF2B5EF4-FFF2-40B4-BE49-F238E27FC236}">
+                <a16:creationId xmlns:a16="http://schemas.microsoft.com/office/drawing/2014/main" id="{948F1083-5D2F-4C31-8B22-E599BA6D6B41}"/>
+              </a:ext>
+            </a:extLst>
+          </p:cNvPr>
+          <p:cNvSpPr txBox="1"/>
+          <p:nvPr/>
+        </p:nvSpPr>
+        <p:spPr>
+          <a:xfrm>
+            <a:off x="2262308" y="2060749"/>
+            <a:ext cx="1491114" cy="646331"/>
+          </a:xfrm>
+          <a:prstGeom prst="rect">
+            <a:avLst/>
+          </a:prstGeom>
+          <a:noFill/>
+        </p:spPr>
+        <p:txBody>
+          <a:bodyPr wrap="none" rtlCol="0">
+            <a:spAutoFit/>
+          </a:bodyPr>
+          <a:lstStyle/>
+          <a:p>
+            <a:r>
+              <a:rPr lang="en-US" altLang="zh-CN" b="1" dirty="0"/>
+              <a:t>this</a:t>
+            </a:r>
+          </a:p>
+          <a:p>
+            <a:r>
+              <a:rPr lang="en-US" altLang="zh-CN" b="1" dirty="0"/>
+              <a:t>composition</a:t>
+            </a:r>
+            <a:endParaRPr lang="zh-CN" altLang="en-US" b="1" dirty="0"/>
+          </a:p>
+        </p:txBody>
+      </p:sp>
+      <p:cxnSp>
+        <p:nvCxnSpPr>
+          <p:cNvPr id="22" name="Straight Arrow Connector 21">
+            <a:extLst>
+              <a:ext uri="{FF2B5EF4-FFF2-40B4-BE49-F238E27FC236}">
+                <a16:creationId xmlns:a16="http://schemas.microsoft.com/office/drawing/2014/main" id="{478DAB67-18EF-4300-B2B3-A8B85E480D57}"/>
+              </a:ext>
+            </a:extLst>
+          </p:cNvPr>
+          <p:cNvCxnSpPr>
+            <a:cxnSpLocks/>
+          </p:cNvCxnSpPr>
+          <p:nvPr/>
+        </p:nvCxnSpPr>
+        <p:spPr>
+          <a:xfrm>
+            <a:off x="3470988" y="1307451"/>
+            <a:ext cx="0" cy="370494"/>
+          </a:xfrm>
+          <a:prstGeom prst="straightConnector1">
+            <a:avLst/>
+          </a:prstGeom>
+          <a:ln>
+            <a:headEnd type="triangle"/>
+            <a:tailEnd type="triangle"/>
+          </a:ln>
+        </p:spPr>
+        <p:style>
+          <a:lnRef idx="1">
+            <a:schemeClr val="accent1"/>
+          </a:lnRef>
+          <a:fillRef idx="0">
+            <a:schemeClr val="accent1"/>
+          </a:fillRef>
+          <a:effectRef idx="0">
+            <a:schemeClr val="accent1"/>
+          </a:effectRef>
+          <a:fontRef idx="minor">
+            <a:schemeClr val="tx1"/>
+          </a:fontRef>
+        </p:style>
+      </p:cxnSp>
+      <p:cxnSp>
+        <p:nvCxnSpPr>
+          <p:cNvPr id="24" name="Straight Arrow Connector 23">
+            <a:extLst>
+              <a:ext uri="{FF2B5EF4-FFF2-40B4-BE49-F238E27FC236}">
+                <a16:creationId xmlns:a16="http://schemas.microsoft.com/office/drawing/2014/main" id="{5030840F-0251-459F-B67F-84A7E405F19C}"/>
+              </a:ext>
+            </a:extLst>
+          </p:cNvPr>
+          <p:cNvCxnSpPr>
+            <a:cxnSpLocks/>
+            <a:endCxn id="6" idx="2"/>
+          </p:cNvCxnSpPr>
+          <p:nvPr/>
+        </p:nvCxnSpPr>
+        <p:spPr>
+          <a:xfrm>
+            <a:off x="3470989" y="3284256"/>
+            <a:ext cx="0" cy="621238"/>
+          </a:xfrm>
+          <a:prstGeom prst="straightConnector1">
+            <a:avLst/>
+          </a:prstGeom>
+          <a:ln>
+            <a:headEnd type="triangle"/>
+            <a:tailEnd type="triangle"/>
+          </a:ln>
+        </p:spPr>
+        <p:style>
+          <a:lnRef idx="1">
+            <a:schemeClr val="accent1"/>
+          </a:lnRef>
+          <a:fillRef idx="0">
+            <a:schemeClr val="accent1"/>
+          </a:fillRef>
+          <a:effectRef idx="0">
+            <a:schemeClr val="accent1"/>
+          </a:effectRef>
+          <a:fontRef idx="minor">
+            <a:schemeClr val="tx1"/>
+          </a:fontRef>
+        </p:style>
+      </p:cxnSp>
+      <p:cxnSp>
+        <p:nvCxnSpPr>
+          <p:cNvPr id="28" name="Straight Arrow Connector 27">
+            <a:extLst>
+              <a:ext uri="{FF2B5EF4-FFF2-40B4-BE49-F238E27FC236}">
+                <a16:creationId xmlns:a16="http://schemas.microsoft.com/office/drawing/2014/main" id="{27D75807-593F-4B19-A0CE-C736C1C780D3}"/>
+              </a:ext>
+            </a:extLst>
+          </p:cNvPr>
+          <p:cNvCxnSpPr>
+            <a:cxnSpLocks/>
+          </p:cNvCxnSpPr>
+          <p:nvPr/>
+        </p:nvCxnSpPr>
+        <p:spPr>
+          <a:xfrm>
+            <a:off x="1461797" y="2606593"/>
+            <a:ext cx="413055" cy="0"/>
+          </a:xfrm>
+          <a:prstGeom prst="straightConnector1">
+            <a:avLst/>
+          </a:prstGeom>
+          <a:ln>
+            <a:headEnd type="triangle"/>
+            <a:tailEnd type="triangle"/>
+          </a:ln>
+        </p:spPr>
+        <p:style>
+          <a:lnRef idx="1">
+            <a:schemeClr val="accent1"/>
+          </a:lnRef>
+          <a:fillRef idx="0">
+            <a:schemeClr val="accent1"/>
+          </a:fillRef>
+          <a:effectRef idx="0">
+            <a:schemeClr val="accent1"/>
+          </a:effectRef>
+          <a:fontRef idx="minor">
+            <a:schemeClr val="tx1"/>
+          </a:fontRef>
+        </p:style>
+      </p:cxnSp>
+      <p:cxnSp>
+        <p:nvCxnSpPr>
+          <p:cNvPr id="31" name="Straight Arrow Connector 30">
+            <a:extLst>
+              <a:ext uri="{FF2B5EF4-FFF2-40B4-BE49-F238E27FC236}">
+                <a16:creationId xmlns:a16="http://schemas.microsoft.com/office/drawing/2014/main" id="{562F310D-A6A9-4F82-872C-3671484DC8DA}"/>
+              </a:ext>
+            </a:extLst>
+          </p:cNvPr>
+          <p:cNvCxnSpPr>
+            <a:cxnSpLocks/>
+            <a:endCxn id="6" idx="3"/>
+          </p:cNvCxnSpPr>
+          <p:nvPr/>
+        </p:nvCxnSpPr>
+        <p:spPr>
+          <a:xfrm>
+            <a:off x="4265586" y="2606593"/>
+            <a:ext cx="1214595" cy="0"/>
+          </a:xfrm>
+          <a:prstGeom prst="straightConnector1">
+            <a:avLst/>
+          </a:prstGeom>
+          <a:ln>
+            <a:headEnd type="triangle"/>
+            <a:tailEnd type="triangle"/>
+          </a:ln>
+        </p:spPr>
+        <p:style>
+          <a:lnRef idx="1">
+            <a:schemeClr val="accent1"/>
+          </a:lnRef>
+          <a:fillRef idx="0">
+            <a:schemeClr val="accent1"/>
+          </a:fillRef>
+          <a:effectRef idx="0">
+            <a:schemeClr val="accent1"/>
+          </a:effectRef>
+          <a:fontRef idx="minor">
+            <a:schemeClr val="tx1"/>
+          </a:fontRef>
+        </p:style>
+      </p:cxnSp>
+      <p:cxnSp>
+        <p:nvCxnSpPr>
+          <p:cNvPr id="34" name="Straight Arrow Connector 33">
+            <a:extLst>
+              <a:ext uri="{FF2B5EF4-FFF2-40B4-BE49-F238E27FC236}">
+                <a16:creationId xmlns:a16="http://schemas.microsoft.com/office/drawing/2014/main" id="{154D42A5-CD13-47B3-9211-02CA357FFA0D}"/>
+              </a:ext>
+            </a:extLst>
+          </p:cNvPr>
+          <p:cNvCxnSpPr>
+            <a:cxnSpLocks/>
+          </p:cNvCxnSpPr>
+          <p:nvPr/>
+        </p:nvCxnSpPr>
+        <p:spPr>
+          <a:xfrm>
+            <a:off x="3470987" y="1677945"/>
+            <a:ext cx="0" cy="382804"/>
+          </a:xfrm>
+          <a:prstGeom prst="straightConnector1">
+            <a:avLst/>
+          </a:prstGeom>
+          <a:ln>
+            <a:headEnd type="triangle"/>
+            <a:tailEnd type="triangle"/>
+          </a:ln>
+        </p:spPr>
+        <p:style>
+          <a:lnRef idx="1">
+            <a:schemeClr val="accent1"/>
+          </a:lnRef>
+          <a:fillRef idx="0">
+            <a:schemeClr val="accent1"/>
+          </a:fillRef>
+          <a:effectRef idx="0">
+            <a:schemeClr val="accent1"/>
+          </a:effectRef>
+          <a:fontRef idx="minor">
+            <a:schemeClr val="tx1"/>
+          </a:fontRef>
+        </p:style>
+      </p:cxnSp>
+      <p:cxnSp>
+        <p:nvCxnSpPr>
+          <p:cNvPr id="37" name="Straight Arrow Connector 36">
+            <a:extLst>
+              <a:ext uri="{FF2B5EF4-FFF2-40B4-BE49-F238E27FC236}">
+                <a16:creationId xmlns:a16="http://schemas.microsoft.com/office/drawing/2014/main" id="{EB127124-0554-4E52-B06C-074B17A2E64A}"/>
+              </a:ext>
+            </a:extLst>
+          </p:cNvPr>
+          <p:cNvCxnSpPr>
+            <a:cxnSpLocks/>
+          </p:cNvCxnSpPr>
+          <p:nvPr/>
+        </p:nvCxnSpPr>
+        <p:spPr>
+          <a:xfrm>
+            <a:off x="3470987" y="2922063"/>
+            <a:ext cx="0" cy="363110"/>
+          </a:xfrm>
+          <a:prstGeom prst="straightConnector1">
+            <a:avLst/>
+          </a:prstGeom>
+          <a:ln>
+            <a:headEnd type="triangle"/>
+            <a:tailEnd type="triangle"/>
+          </a:ln>
+        </p:spPr>
+        <p:style>
+          <a:lnRef idx="1">
+            <a:schemeClr val="accent1"/>
+          </a:lnRef>
+          <a:fillRef idx="0">
+            <a:schemeClr val="accent1"/>
+          </a:fillRef>
+          <a:effectRef idx="0">
+            <a:schemeClr val="accent1"/>
+          </a:effectRef>
+          <a:fontRef idx="minor">
+            <a:schemeClr val="tx1"/>
+          </a:fontRef>
+        </p:style>
+      </p:cxnSp>
+      <p:cxnSp>
+        <p:nvCxnSpPr>
+          <p:cNvPr id="41" name="Straight Arrow Connector 40">
+            <a:extLst>
+              <a:ext uri="{FF2B5EF4-FFF2-40B4-BE49-F238E27FC236}">
+                <a16:creationId xmlns:a16="http://schemas.microsoft.com/office/drawing/2014/main" id="{1CFC94A2-6528-4450-A7D8-C6DD344720C6}"/>
+              </a:ext>
+            </a:extLst>
+          </p:cNvPr>
+          <p:cNvCxnSpPr>
+            <a:cxnSpLocks/>
+          </p:cNvCxnSpPr>
+          <p:nvPr/>
+        </p:nvCxnSpPr>
+        <p:spPr>
+          <a:xfrm>
+            <a:off x="1874852" y="2606593"/>
+            <a:ext cx="400115" cy="0"/>
+          </a:xfrm>
+          <a:prstGeom prst="straightConnector1">
+            <a:avLst/>
+          </a:prstGeom>
+          <a:ln>
+            <a:headEnd type="triangle"/>
+            <a:tailEnd type="triangle"/>
+          </a:ln>
+        </p:spPr>
+        <p:style>
+          <a:lnRef idx="1">
+            <a:schemeClr val="accent1"/>
+          </a:lnRef>
+          <a:fillRef idx="0">
+            <a:schemeClr val="accent1"/>
+          </a:fillRef>
+          <a:effectRef idx="0">
+            <a:schemeClr val="accent1"/>
+          </a:effectRef>
+          <a:fontRef idx="minor">
+            <a:schemeClr val="tx1"/>
+          </a:fontRef>
+        </p:style>
+      </p:cxnSp>
+      <p:cxnSp>
+        <p:nvCxnSpPr>
+          <p:cNvPr id="49" name="Straight Arrow Connector 48">
+            <a:extLst>
+              <a:ext uri="{FF2B5EF4-FFF2-40B4-BE49-F238E27FC236}">
+                <a16:creationId xmlns:a16="http://schemas.microsoft.com/office/drawing/2014/main" id="{C864A4F4-4BAD-4CDD-9BA1-0322443096EC}"/>
+              </a:ext>
+            </a:extLst>
+          </p:cNvPr>
+          <p:cNvCxnSpPr>
+            <a:cxnSpLocks/>
+          </p:cNvCxnSpPr>
+          <p:nvPr/>
+        </p:nvCxnSpPr>
+        <p:spPr>
+          <a:xfrm>
+            <a:off x="3900999" y="2606593"/>
+            <a:ext cx="360785" cy="0"/>
+          </a:xfrm>
+          <a:prstGeom prst="straightConnector1">
+            <a:avLst/>
+          </a:prstGeom>
+          <a:ln>
+            <a:headEnd type="triangle"/>
+            <a:tailEnd type="triangle"/>
+          </a:ln>
+        </p:spPr>
+        <p:style>
+          <a:lnRef idx="1">
+            <a:schemeClr val="accent1"/>
+          </a:lnRef>
+          <a:fillRef idx="0">
+            <a:schemeClr val="accent1"/>
+          </a:fillRef>
+          <a:effectRef idx="0">
+            <a:schemeClr val="accent1"/>
+          </a:effectRef>
+          <a:fontRef idx="minor">
+            <a:schemeClr val="tx1"/>
+          </a:fontRef>
+        </p:style>
+      </p:cxnSp>
+      <p:sp>
+        <p:nvSpPr>
+          <p:cNvPr id="51" name="TextBox 50">
+            <a:extLst>
+              <a:ext uri="{FF2B5EF4-FFF2-40B4-BE49-F238E27FC236}">
+                <a16:creationId xmlns:a16="http://schemas.microsoft.com/office/drawing/2014/main" id="{C3F1254C-AC52-42BD-BF93-AD91DAC284A1}"/>
+              </a:ext>
+            </a:extLst>
+          </p:cNvPr>
+          <p:cNvSpPr txBox="1"/>
+          <p:nvPr/>
+        </p:nvSpPr>
+        <p:spPr>
+          <a:xfrm>
+            <a:off x="1817627" y="3929005"/>
+            <a:ext cx="1651414" cy="230832"/>
+          </a:xfrm>
+          <a:prstGeom prst="rect">
+            <a:avLst/>
+          </a:prstGeom>
+          <a:noFill/>
+        </p:spPr>
+        <p:txBody>
+          <a:bodyPr wrap="none" rtlCol="0">
+            <a:spAutoFit/>
+          </a:bodyPr>
+          <a:lstStyle/>
+          <a:p>
+            <a:r>
+              <a:rPr lang="en-US" altLang="zh-CN" sz="900" dirty="0" err="1"/>
+              <a:t>Parent.InternalMargin.bottom</a:t>
+            </a:r>
+            <a:endParaRPr lang="zh-CN" altLang="en-US" sz="900" dirty="0"/>
+          </a:p>
+        </p:txBody>
+      </p:sp>
+      <p:sp>
+        <p:nvSpPr>
+          <p:cNvPr id="52" name="TextBox 51">
+            <a:extLst>
+              <a:ext uri="{FF2B5EF4-FFF2-40B4-BE49-F238E27FC236}">
+                <a16:creationId xmlns:a16="http://schemas.microsoft.com/office/drawing/2014/main" id="{D09E76BB-A50E-4D7C-86F3-63F63E384EF1}"/>
+              </a:ext>
+            </a:extLst>
+          </p:cNvPr>
+          <p:cNvSpPr txBox="1"/>
+          <p:nvPr/>
+        </p:nvSpPr>
+        <p:spPr>
+          <a:xfrm>
+            <a:off x="2131815" y="1380974"/>
+            <a:ext cx="1337226" cy="230832"/>
+          </a:xfrm>
+          <a:prstGeom prst="rect">
+            <a:avLst/>
+          </a:prstGeom>
+          <a:noFill/>
+        </p:spPr>
+        <p:txBody>
+          <a:bodyPr wrap="none" rtlCol="0">
+            <a:spAutoFit/>
+          </a:bodyPr>
+          <a:lstStyle/>
+          <a:p>
+            <a:r>
+              <a:rPr lang="en-US" altLang="zh-CN" sz="900" dirty="0" err="1"/>
+              <a:t>AlignmentToParent.top</a:t>
+            </a:r>
+            <a:endParaRPr lang="zh-CN" altLang="en-US" sz="900" dirty="0"/>
+          </a:p>
+        </p:txBody>
+      </p:sp>
+      <p:sp>
+        <p:nvSpPr>
+          <p:cNvPr id="53" name="TextBox 52">
+            <a:extLst>
+              <a:ext uri="{FF2B5EF4-FFF2-40B4-BE49-F238E27FC236}">
+                <a16:creationId xmlns:a16="http://schemas.microsoft.com/office/drawing/2014/main" id="{BE7DC497-C3E7-4BDF-8795-C467BC7F7FD8}"/>
+              </a:ext>
+            </a:extLst>
+          </p:cNvPr>
+          <p:cNvSpPr txBox="1"/>
+          <p:nvPr/>
+        </p:nvSpPr>
+        <p:spPr>
+          <a:xfrm>
+            <a:off x="2739354" y="1753931"/>
+            <a:ext cx="729687" cy="230832"/>
+          </a:xfrm>
+          <a:prstGeom prst="rect">
+            <a:avLst/>
+          </a:prstGeom>
+          <a:noFill/>
+        </p:spPr>
+        <p:txBody>
+          <a:bodyPr wrap="none" rtlCol="0">
+            <a:spAutoFit/>
+          </a:bodyPr>
+          <a:lstStyle/>
+          <a:p>
+            <a:r>
+              <a:rPr lang="en-US" altLang="zh-CN" sz="900" dirty="0" err="1"/>
+              <a:t>Margin.top</a:t>
+            </a:r>
+            <a:endParaRPr lang="zh-CN" altLang="en-US" sz="900" dirty="0"/>
+          </a:p>
+        </p:txBody>
+      </p:sp>
+      <p:sp>
+        <p:nvSpPr>
+          <p:cNvPr id="54" name="TextBox 53">
+            <a:extLst>
+              <a:ext uri="{FF2B5EF4-FFF2-40B4-BE49-F238E27FC236}">
+                <a16:creationId xmlns:a16="http://schemas.microsoft.com/office/drawing/2014/main" id="{48FDDDA3-2B97-4A2F-A79F-B8ACE9F4847C}"/>
+              </a:ext>
+            </a:extLst>
+          </p:cNvPr>
+          <p:cNvSpPr txBox="1"/>
+          <p:nvPr/>
+        </p:nvSpPr>
+        <p:spPr>
+          <a:xfrm>
+            <a:off x="2538978" y="2998049"/>
+            <a:ext cx="930063" cy="230832"/>
+          </a:xfrm>
+          <a:prstGeom prst="rect">
+            <a:avLst/>
+          </a:prstGeom>
+          <a:noFill/>
+        </p:spPr>
+        <p:txBody>
+          <a:bodyPr wrap="none" rtlCol="0">
+            <a:spAutoFit/>
+          </a:bodyPr>
+          <a:lstStyle/>
+          <a:p>
+            <a:r>
+              <a:rPr lang="en-US" altLang="zh-CN" sz="900" dirty="0" err="1"/>
+              <a:t>Margin.bottom</a:t>
+            </a:r>
+            <a:endParaRPr lang="zh-CN" altLang="en-US" sz="900" dirty="0"/>
+          </a:p>
+        </p:txBody>
+      </p:sp>
+      <p:sp>
+        <p:nvSpPr>
+          <p:cNvPr id="55" name="TextBox 54">
+            <a:extLst>
+              <a:ext uri="{FF2B5EF4-FFF2-40B4-BE49-F238E27FC236}">
+                <a16:creationId xmlns:a16="http://schemas.microsoft.com/office/drawing/2014/main" id="{740FE26A-D6A8-432C-AADC-522D1DF7438B}"/>
+              </a:ext>
+            </a:extLst>
+          </p:cNvPr>
+          <p:cNvSpPr txBox="1"/>
+          <p:nvPr/>
+        </p:nvSpPr>
+        <p:spPr>
+          <a:xfrm>
+            <a:off x="1933389" y="3488403"/>
+            <a:ext cx="1537600" cy="230832"/>
+          </a:xfrm>
+          <a:prstGeom prst="rect">
+            <a:avLst/>
+          </a:prstGeom>
+          <a:noFill/>
+        </p:spPr>
+        <p:txBody>
+          <a:bodyPr wrap="none" rtlCol="0">
+            <a:spAutoFit/>
+          </a:bodyPr>
+          <a:lstStyle/>
+          <a:p>
+            <a:r>
+              <a:rPr lang="en-US" altLang="zh-CN" sz="900" dirty="0" err="1"/>
+              <a:t>AlignmentToParent.bottom</a:t>
+            </a:r>
+            <a:endParaRPr lang="zh-CN" altLang="en-US" sz="900" dirty="0"/>
+          </a:p>
+        </p:txBody>
+      </p:sp>
+      <p:sp>
+        <p:nvSpPr>
+          <p:cNvPr id="56" name="TextBox 55">
+            <a:extLst>
+              <a:ext uri="{FF2B5EF4-FFF2-40B4-BE49-F238E27FC236}">
+                <a16:creationId xmlns:a16="http://schemas.microsoft.com/office/drawing/2014/main" id="{2C7C79CD-D3BB-4417-BBD5-7CD43F202D8F}"/>
+              </a:ext>
+            </a:extLst>
+          </p:cNvPr>
+          <p:cNvSpPr txBox="1"/>
+          <p:nvPr/>
+        </p:nvSpPr>
+        <p:spPr>
+          <a:xfrm>
+            <a:off x="2018003" y="1043314"/>
+            <a:ext cx="1451038" cy="230832"/>
+          </a:xfrm>
+          <a:prstGeom prst="rect">
+            <a:avLst/>
+          </a:prstGeom>
+          <a:noFill/>
+        </p:spPr>
+        <p:txBody>
+          <a:bodyPr wrap="none" rtlCol="0">
+            <a:spAutoFit/>
+          </a:bodyPr>
+          <a:lstStyle/>
+          <a:p>
+            <a:r>
+              <a:rPr lang="en-US" altLang="zh-CN" sz="900" dirty="0" err="1"/>
+              <a:t>Parent.InternalMargin.top</a:t>
+            </a:r>
+            <a:endParaRPr lang="zh-CN" altLang="en-US" sz="900" dirty="0"/>
+          </a:p>
+        </p:txBody>
+      </p:sp>
+      <p:sp>
+        <p:nvSpPr>
+          <p:cNvPr id="57" name="TextBox 56">
+            <a:extLst>
+              <a:ext uri="{FF2B5EF4-FFF2-40B4-BE49-F238E27FC236}">
+                <a16:creationId xmlns:a16="http://schemas.microsoft.com/office/drawing/2014/main" id="{3D4D96BE-5358-4C34-AB76-FE991B9415FA}"/>
+              </a:ext>
+            </a:extLst>
+          </p:cNvPr>
+          <p:cNvSpPr txBox="1"/>
+          <p:nvPr/>
+        </p:nvSpPr>
+        <p:spPr>
+          <a:xfrm>
+            <a:off x="1108930" y="1260471"/>
+            <a:ext cx="323165" cy="1345881"/>
+          </a:xfrm>
+          <a:prstGeom prst="rect">
+            <a:avLst/>
+          </a:prstGeom>
+          <a:noFill/>
+        </p:spPr>
+        <p:txBody>
+          <a:bodyPr vert="vert270" wrap="none" rtlCol="0">
+            <a:spAutoFit/>
+          </a:bodyPr>
+          <a:lstStyle/>
+          <a:p>
+            <a:r>
+              <a:rPr lang="en-US" altLang="zh-CN" sz="900" dirty="0" err="1"/>
+              <a:t>Parent.InternalMargin.left</a:t>
+            </a:r>
+            <a:endParaRPr lang="zh-CN" altLang="en-US" sz="900" dirty="0"/>
+          </a:p>
+        </p:txBody>
+      </p:sp>
+      <p:sp>
+        <p:nvSpPr>
+          <p:cNvPr id="58" name="TextBox 57">
+            <a:extLst>
+              <a:ext uri="{FF2B5EF4-FFF2-40B4-BE49-F238E27FC236}">
+                <a16:creationId xmlns:a16="http://schemas.microsoft.com/office/drawing/2014/main" id="{FD87505B-BFCD-4923-BE41-13CBA2CBDFFF}"/>
+              </a:ext>
+            </a:extLst>
+          </p:cNvPr>
+          <p:cNvSpPr txBox="1"/>
+          <p:nvPr/>
+        </p:nvSpPr>
+        <p:spPr>
+          <a:xfrm>
+            <a:off x="1485518" y="1364787"/>
+            <a:ext cx="323165" cy="1232069"/>
+          </a:xfrm>
+          <a:prstGeom prst="rect">
+            <a:avLst/>
+          </a:prstGeom>
+          <a:noFill/>
+        </p:spPr>
+        <p:txBody>
+          <a:bodyPr vert="vert270" wrap="none" rtlCol="0">
+            <a:spAutoFit/>
+          </a:bodyPr>
+          <a:lstStyle/>
+          <a:p>
+            <a:r>
+              <a:rPr lang="en-US" altLang="zh-CN" sz="900" dirty="0" err="1"/>
+              <a:t>AlignmentToParent.left</a:t>
+            </a:r>
+            <a:endParaRPr lang="zh-CN" altLang="en-US" sz="900" dirty="0"/>
+          </a:p>
+        </p:txBody>
+      </p:sp>
+      <p:sp>
+        <p:nvSpPr>
+          <p:cNvPr id="59" name="TextBox 58">
+            <a:extLst>
+              <a:ext uri="{FF2B5EF4-FFF2-40B4-BE49-F238E27FC236}">
+                <a16:creationId xmlns:a16="http://schemas.microsoft.com/office/drawing/2014/main" id="{70478DAA-DD97-415A-8816-66F155418E15}"/>
+              </a:ext>
+            </a:extLst>
+          </p:cNvPr>
+          <p:cNvSpPr txBox="1"/>
+          <p:nvPr/>
+        </p:nvSpPr>
+        <p:spPr>
+          <a:xfrm>
+            <a:off x="1904886" y="1991225"/>
+            <a:ext cx="323165" cy="624530"/>
+          </a:xfrm>
+          <a:prstGeom prst="rect">
+            <a:avLst/>
+          </a:prstGeom>
+          <a:noFill/>
+        </p:spPr>
+        <p:txBody>
+          <a:bodyPr vert="vert270" wrap="none" rtlCol="0">
+            <a:spAutoFit/>
+          </a:bodyPr>
+          <a:lstStyle/>
+          <a:p>
+            <a:r>
+              <a:rPr lang="en-US" altLang="zh-CN" sz="900" dirty="0" err="1"/>
+              <a:t>Margin.left</a:t>
+            </a:r>
+            <a:endParaRPr lang="zh-CN" altLang="en-US" sz="900" dirty="0"/>
+          </a:p>
+        </p:txBody>
+      </p:sp>
+      <p:sp>
+        <p:nvSpPr>
+          <p:cNvPr id="60" name="TextBox 59">
+            <a:extLst>
+              <a:ext uri="{FF2B5EF4-FFF2-40B4-BE49-F238E27FC236}">
+                <a16:creationId xmlns:a16="http://schemas.microsoft.com/office/drawing/2014/main" id="{6655714F-5060-41EE-BB63-7A7EE8360A32}"/>
+              </a:ext>
+            </a:extLst>
+          </p:cNvPr>
+          <p:cNvSpPr txBox="1"/>
+          <p:nvPr/>
+        </p:nvSpPr>
+        <p:spPr>
+          <a:xfrm>
+            <a:off x="5487209" y="1192328"/>
+            <a:ext cx="323165" cy="1421223"/>
+          </a:xfrm>
+          <a:prstGeom prst="rect">
+            <a:avLst/>
+          </a:prstGeom>
+          <a:noFill/>
+        </p:spPr>
+        <p:txBody>
+          <a:bodyPr vert="vert270" wrap="none" rtlCol="0">
+            <a:spAutoFit/>
+          </a:bodyPr>
+          <a:lstStyle/>
+          <a:p>
+            <a:r>
+              <a:rPr lang="en-US" altLang="zh-CN" sz="900" dirty="0" err="1"/>
+              <a:t>Parent.InternalMargin.right</a:t>
+            </a:r>
+            <a:endParaRPr lang="zh-CN" altLang="en-US" sz="900" dirty="0"/>
+          </a:p>
+        </p:txBody>
+      </p:sp>
+      <p:sp>
+        <p:nvSpPr>
+          <p:cNvPr id="61" name="TextBox 60">
+            <a:extLst>
+              <a:ext uri="{FF2B5EF4-FFF2-40B4-BE49-F238E27FC236}">
+                <a16:creationId xmlns:a16="http://schemas.microsoft.com/office/drawing/2014/main" id="{A64D32F4-C2D8-47A6-A991-791FDC155E3D}"/>
+              </a:ext>
+            </a:extLst>
+          </p:cNvPr>
+          <p:cNvSpPr txBox="1"/>
+          <p:nvPr/>
+        </p:nvSpPr>
+        <p:spPr>
+          <a:xfrm>
+            <a:off x="4722720" y="1306142"/>
+            <a:ext cx="323165" cy="1307409"/>
+          </a:xfrm>
+          <a:prstGeom prst="rect">
+            <a:avLst/>
+          </a:prstGeom>
+          <a:noFill/>
+        </p:spPr>
+        <p:txBody>
+          <a:bodyPr vert="vert270" wrap="none" rtlCol="0">
+            <a:spAutoFit/>
+          </a:bodyPr>
+          <a:lstStyle/>
+          <a:p>
+            <a:r>
+              <a:rPr lang="en-US" altLang="zh-CN" sz="900" dirty="0" err="1"/>
+              <a:t>AlignmentToParent.right</a:t>
+            </a:r>
+            <a:endParaRPr lang="zh-CN" altLang="en-US" sz="900" dirty="0"/>
+          </a:p>
+        </p:txBody>
+      </p:sp>
+      <p:sp>
+        <p:nvSpPr>
+          <p:cNvPr id="62" name="TextBox 61">
+            <a:extLst>
+              <a:ext uri="{FF2B5EF4-FFF2-40B4-BE49-F238E27FC236}">
+                <a16:creationId xmlns:a16="http://schemas.microsoft.com/office/drawing/2014/main" id="{42B924F4-78A4-4E74-B837-97FADF3AD300}"/>
+              </a:ext>
+            </a:extLst>
+          </p:cNvPr>
+          <p:cNvSpPr txBox="1"/>
+          <p:nvPr/>
+        </p:nvSpPr>
+        <p:spPr>
+          <a:xfrm>
+            <a:off x="3914756" y="1901338"/>
+            <a:ext cx="323165" cy="699872"/>
+          </a:xfrm>
+          <a:prstGeom prst="rect">
+            <a:avLst/>
+          </a:prstGeom>
+          <a:noFill/>
+        </p:spPr>
+        <p:txBody>
+          <a:bodyPr vert="vert270" wrap="none" rtlCol="0">
+            <a:spAutoFit/>
+          </a:bodyPr>
+          <a:lstStyle/>
+          <a:p>
+            <a:r>
+              <a:rPr lang="en-US" altLang="zh-CN" sz="900" dirty="0" err="1"/>
+              <a:t>Margin.right</a:t>
+            </a:r>
+            <a:endParaRPr lang="zh-CN" altLang="en-US" sz="900" dirty="0"/>
+          </a:p>
+        </p:txBody>
+      </p:sp>
+    </p:spTree>
+    <p:extLst>
+      <p:ext uri="{BB962C8B-B14F-4D97-AF65-F5344CB8AC3E}">
+        <p14:creationId xmlns:p14="http://schemas.microsoft.com/office/powerpoint/2010/main" val="1396848319"/>
+      </p:ext>
+    </p:extLst>
+  </p:cSld>
+  <p:clrMapOvr>
+    <a:masterClrMapping/>
+  </p:clrMapOvr>
+</p:sld>
+</file>
+
 <file path=ppt/theme/theme1.xml><?xml version="1.0" encoding="utf-8"?>
 <a:theme xmlns:a="http://schemas.openxmlformats.org/drawingml/2006/main" name="Office Theme">
   <a:themeElements>

--- a/packages/Dependencies.pptx
+++ b/packages/Dependencies.pptx
@@ -6235,7 +6235,7 @@
           <a:p>
             <a:fld id="{6DD3C254-EB1A-43A9-939A-0227EC6FC929}" type="datetimeFigureOut">
               <a:rPr lang="zh-CN" altLang="en-US" smtClean="0"/>
-              <a:t>2021/3/24</a:t>
+              <a:t>2023/7/10</a:t>
             </a:fld>
             <a:endParaRPr lang="zh-CN" altLang="en-US"/>
           </a:p>
@@ -6435,7 +6435,7 @@
           <a:p>
             <a:fld id="{6DD3C254-EB1A-43A9-939A-0227EC6FC929}" type="datetimeFigureOut">
               <a:rPr lang="zh-CN" altLang="en-US" smtClean="0"/>
-              <a:t>2021/3/24</a:t>
+              <a:t>2023/7/10</a:t>
             </a:fld>
             <a:endParaRPr lang="zh-CN" altLang="en-US"/>
           </a:p>
@@ -6645,7 +6645,7 @@
           <a:p>
             <a:fld id="{6DD3C254-EB1A-43A9-939A-0227EC6FC929}" type="datetimeFigureOut">
               <a:rPr lang="zh-CN" altLang="en-US" smtClean="0"/>
-              <a:t>2021/3/24</a:t>
+              <a:t>2023/7/10</a:t>
             </a:fld>
             <a:endParaRPr lang="zh-CN" altLang="en-US"/>
           </a:p>
@@ -6845,7 +6845,7 @@
           <a:p>
             <a:fld id="{6DD3C254-EB1A-43A9-939A-0227EC6FC929}" type="datetimeFigureOut">
               <a:rPr lang="zh-CN" altLang="en-US" smtClean="0"/>
-              <a:t>2021/3/24</a:t>
+              <a:t>2023/7/10</a:t>
             </a:fld>
             <a:endParaRPr lang="zh-CN" altLang="en-US"/>
           </a:p>
@@ -7121,7 +7121,7 @@
           <a:p>
             <a:fld id="{6DD3C254-EB1A-43A9-939A-0227EC6FC929}" type="datetimeFigureOut">
               <a:rPr lang="zh-CN" altLang="en-US" smtClean="0"/>
-              <a:t>2021/3/24</a:t>
+              <a:t>2023/7/10</a:t>
             </a:fld>
             <a:endParaRPr lang="zh-CN" altLang="en-US"/>
           </a:p>
@@ -7389,7 +7389,7 @@
           <a:p>
             <a:fld id="{6DD3C254-EB1A-43A9-939A-0227EC6FC929}" type="datetimeFigureOut">
               <a:rPr lang="zh-CN" altLang="en-US" smtClean="0"/>
-              <a:t>2021/3/24</a:t>
+              <a:t>2023/7/10</a:t>
             </a:fld>
             <a:endParaRPr lang="zh-CN" altLang="en-US"/>
           </a:p>
@@ -7804,7 +7804,7 @@
           <a:p>
             <a:fld id="{6DD3C254-EB1A-43A9-939A-0227EC6FC929}" type="datetimeFigureOut">
               <a:rPr lang="zh-CN" altLang="en-US" smtClean="0"/>
-              <a:t>2021/3/24</a:t>
+              <a:t>2023/7/10</a:t>
             </a:fld>
             <a:endParaRPr lang="zh-CN" altLang="en-US"/>
           </a:p>
@@ -7946,7 +7946,7 @@
           <a:p>
             <a:fld id="{6DD3C254-EB1A-43A9-939A-0227EC6FC929}" type="datetimeFigureOut">
               <a:rPr lang="zh-CN" altLang="en-US" smtClean="0"/>
-              <a:t>2021/3/24</a:t>
+              <a:t>2023/7/10</a:t>
             </a:fld>
             <a:endParaRPr lang="zh-CN" altLang="en-US"/>
           </a:p>
@@ -8059,7 +8059,7 @@
           <a:p>
             <a:fld id="{6DD3C254-EB1A-43A9-939A-0227EC6FC929}" type="datetimeFigureOut">
               <a:rPr lang="zh-CN" altLang="en-US" smtClean="0"/>
-              <a:t>2021/3/24</a:t>
+              <a:t>2023/7/10</a:t>
             </a:fld>
             <a:endParaRPr lang="zh-CN" altLang="en-US"/>
           </a:p>
@@ -8372,7 +8372,7 @@
           <a:p>
             <a:fld id="{6DD3C254-EB1A-43A9-939A-0227EC6FC929}" type="datetimeFigureOut">
               <a:rPr lang="zh-CN" altLang="en-US" smtClean="0"/>
-              <a:t>2021/3/24</a:t>
+              <a:t>2023/7/10</a:t>
             </a:fld>
             <a:endParaRPr lang="zh-CN" altLang="en-US"/>
           </a:p>
@@ -8661,7 +8661,7 @@
           <a:p>
             <a:fld id="{6DD3C254-EB1A-43A9-939A-0227EC6FC929}" type="datetimeFigureOut">
               <a:rPr lang="zh-CN" altLang="en-US" smtClean="0"/>
-              <a:t>2021/3/24</a:t>
+              <a:t>2023/7/10</a:t>
             </a:fld>
             <a:endParaRPr lang="zh-CN" altLang="en-US"/>
           </a:p>
@@ -8904,7 +8904,7 @@
           <a:p>
             <a:fld id="{6DD3C254-EB1A-43A9-939A-0227EC6FC929}" type="datetimeFigureOut">
               <a:rPr lang="zh-CN" altLang="en-US" smtClean="0"/>
-              <a:t>2021/3/24</a:t>
+              <a:t>2023/7/10</a:t>
             </a:fld>
             <a:endParaRPr lang="zh-CN" altLang="en-US"/>
           </a:p>
@@ -9593,7 +9593,7 @@
         </p:nvSpPr>
         <p:spPr>
           <a:xfrm>
-            <a:off x="1735495" y="3234581"/>
+            <a:off x="1735496" y="3188148"/>
             <a:ext cx="2531707" cy="429209"/>
           </a:xfrm>
           <a:prstGeom prst="rect">
@@ -9622,8 +9622,8 @@
           <a:p>
             <a:pPr algn="ctr"/>
             <a:r>
-              <a:rPr lang="en-US" altLang="zh-CN" dirty="0" err="1"/>
-              <a:t>VlppParser</a:t>
+              <a:rPr lang="en-US" altLang="zh-CN" dirty="0"/>
+              <a:t>VlppParser2</a:t>
             </a:r>
             <a:endParaRPr lang="zh-CN" altLang="en-US" dirty="0"/>
           </a:p>
@@ -9819,8 +9819,8 @@
         </p:nvCxnSpPr>
         <p:spPr>
           <a:xfrm flipV="1">
-            <a:off x="3001349" y="2799172"/>
-            <a:ext cx="1" cy="435409"/>
+            <a:off x="3001350" y="2799172"/>
+            <a:ext cx="0" cy="388976"/>
           </a:xfrm>
           <a:prstGeom prst="straightConnector1">
             <a:avLst/>
@@ -9912,8 +9912,8 @@
         </p:nvCxnSpPr>
         <p:spPr>
           <a:xfrm flipV="1">
-            <a:off x="1471128" y="3663790"/>
-            <a:ext cx="1530221" cy="1287602"/>
+            <a:off x="1471128" y="3617357"/>
+            <a:ext cx="1530222" cy="1334035"/>
           </a:xfrm>
           <a:prstGeom prst="straightConnector1">
             <a:avLst/>
@@ -10230,7 +10230,7 @@
         </p:nvSpPr>
         <p:spPr>
           <a:xfrm>
-            <a:off x="6413240" y="2376161"/>
+            <a:off x="9467462" y="2399142"/>
             <a:ext cx="2531707" cy="429209"/>
           </a:xfrm>
           <a:prstGeom prst="rect">
@@ -10278,14 +10278,14 @@
           <p:cNvCxnSpPr>
             <a:cxnSpLocks/>
             <a:stCxn id="63" idx="2"/>
-            <a:endCxn id="55" idx="0"/>
+            <a:endCxn id="55" idx="3"/>
           </p:cNvCxnSpPr>
           <p:nvPr/>
         </p:nvCxnSpPr>
         <p:spPr>
-          <a:xfrm>
-            <a:off x="7679094" y="2805370"/>
-            <a:ext cx="1" cy="422998"/>
+          <a:xfrm flipH="1">
+            <a:off x="8944948" y="2828351"/>
+            <a:ext cx="1788368" cy="614622"/>
           </a:xfrm>
           <a:prstGeom prst="straightConnector1">
             <a:avLst/>
@@ -10819,15 +10819,16 @@
             </a:extLst>
           </p:cNvPr>
           <p:cNvCxnSpPr>
-            <a:stCxn id="55" idx="1"/>
-            <a:endCxn id="8" idx="3"/>
+            <a:cxnSpLocks/>
+            <a:stCxn id="55" idx="0"/>
+            <a:endCxn id="18" idx="2"/>
           </p:cNvCxnSpPr>
           <p:nvPr/>
         </p:nvCxnSpPr>
         <p:spPr>
-          <a:xfrm flipH="1">
-            <a:off x="4267202" y="3442973"/>
-            <a:ext cx="2146039" cy="6213"/>
+          <a:xfrm flipH="1" flipV="1">
+            <a:off x="7679092" y="2927160"/>
+            <a:ext cx="3" cy="301208"/>
           </a:xfrm>
           <a:prstGeom prst="straightConnector1">
             <a:avLst/>
@@ -10895,6 +10896,103 @@
           </a:p>
         </p:txBody>
       </p:sp>
+      <p:sp>
+        <p:nvSpPr>
+          <p:cNvPr id="18" name="Rectangle 17">
+            <a:extLst>
+              <a:ext uri="{FF2B5EF4-FFF2-40B4-BE49-F238E27FC236}">
+                <a16:creationId xmlns:a16="http://schemas.microsoft.com/office/drawing/2014/main" id="{D06F2FBA-81A6-6031-8823-97CCEA0EFA9B}"/>
+              </a:ext>
+            </a:extLst>
+          </p:cNvPr>
+          <p:cNvSpPr/>
+          <p:nvPr/>
+        </p:nvSpPr>
+        <p:spPr>
+          <a:xfrm>
+            <a:off x="6413238" y="2248751"/>
+            <a:ext cx="2531707" cy="678409"/>
+          </a:xfrm>
+          <a:prstGeom prst="rect">
+            <a:avLst/>
+          </a:prstGeom>
+        </p:spPr>
+        <p:style>
+          <a:lnRef idx="2">
+            <a:schemeClr val="accent1">
+              <a:shade val="50000"/>
+            </a:schemeClr>
+          </a:lnRef>
+          <a:fillRef idx="1">
+            <a:schemeClr val="accent1"/>
+          </a:fillRef>
+          <a:effectRef idx="0">
+            <a:schemeClr val="accent1"/>
+          </a:effectRef>
+          <a:fontRef idx="minor">
+            <a:schemeClr val="lt1"/>
+          </a:fontRef>
+        </p:style>
+        <p:txBody>
+          <a:bodyPr rtlCol="0" anchor="ctr"/>
+          <a:lstStyle/>
+          <a:p>
+            <a:pPr algn="ctr"/>
+            <a:r>
+              <a:rPr lang="en-US" altLang="zh-CN" dirty="0" err="1"/>
+              <a:t>VlppParser</a:t>
+            </a:r>
+            <a:r>
+              <a:rPr lang="en-US" altLang="zh-CN" dirty="0"/>
+              <a:t> (deprecating)</a:t>
+            </a:r>
+            <a:endParaRPr lang="zh-CN" altLang="en-US" dirty="0"/>
+          </a:p>
+        </p:txBody>
+      </p:sp>
+      <p:cxnSp>
+        <p:nvCxnSpPr>
+          <p:cNvPr id="21" name="Straight Arrow Connector 20">
+            <a:extLst>
+              <a:ext uri="{FF2B5EF4-FFF2-40B4-BE49-F238E27FC236}">
+                <a16:creationId xmlns:a16="http://schemas.microsoft.com/office/drawing/2014/main" id="{90D74B99-BB72-56C7-B6A8-DA53118A7F5D}"/>
+              </a:ext>
+            </a:extLst>
+          </p:cNvPr>
+          <p:cNvCxnSpPr>
+            <a:cxnSpLocks/>
+            <a:stCxn id="18" idx="1"/>
+            <a:endCxn id="7" idx="3"/>
+          </p:cNvCxnSpPr>
+          <p:nvPr/>
+        </p:nvCxnSpPr>
+        <p:spPr>
+          <a:xfrm flipH="1" flipV="1">
+            <a:off x="4267203" y="2584568"/>
+            <a:ext cx="2146035" cy="3388"/>
+          </a:xfrm>
+          <a:prstGeom prst="straightConnector1">
+            <a:avLst/>
+          </a:prstGeom>
+          <a:ln>
+            <a:tailEnd type="triangle"/>
+          </a:ln>
+        </p:spPr>
+        <p:style>
+          <a:lnRef idx="3">
+            <a:schemeClr val="dk1"/>
+          </a:lnRef>
+          <a:fillRef idx="0">
+            <a:schemeClr val="dk1"/>
+          </a:fillRef>
+          <a:effectRef idx="2">
+            <a:schemeClr val="dk1"/>
+          </a:effectRef>
+          <a:fontRef idx="minor">
+            <a:schemeClr val="tx1"/>
+          </a:fontRef>
+        </p:style>
+      </p:cxnSp>
     </p:spTree>
     <p:extLst>
       <p:ext uri="{BB962C8B-B14F-4D97-AF65-F5344CB8AC3E}">

--- a/packages/Dependencies.pptx
+++ b/packages/Dependencies.pptx
@@ -6235,7 +6235,7 @@
           <a:p>
             <a:fld id="{6DD3C254-EB1A-43A9-939A-0227EC6FC929}" type="datetimeFigureOut">
               <a:rPr lang="zh-CN" altLang="en-US" smtClean="0"/>
-              <a:t>2023/7/10</a:t>
+              <a:t>2023/7/16</a:t>
             </a:fld>
             <a:endParaRPr lang="zh-CN" altLang="en-US"/>
           </a:p>
@@ -6435,7 +6435,7 @@
           <a:p>
             <a:fld id="{6DD3C254-EB1A-43A9-939A-0227EC6FC929}" type="datetimeFigureOut">
               <a:rPr lang="zh-CN" altLang="en-US" smtClean="0"/>
-              <a:t>2023/7/10</a:t>
+              <a:t>2023/7/16</a:t>
             </a:fld>
             <a:endParaRPr lang="zh-CN" altLang="en-US"/>
           </a:p>
@@ -6645,7 +6645,7 @@
           <a:p>
             <a:fld id="{6DD3C254-EB1A-43A9-939A-0227EC6FC929}" type="datetimeFigureOut">
               <a:rPr lang="zh-CN" altLang="en-US" smtClean="0"/>
-              <a:t>2023/7/10</a:t>
+              <a:t>2023/7/16</a:t>
             </a:fld>
             <a:endParaRPr lang="zh-CN" altLang="en-US"/>
           </a:p>
@@ -6845,7 +6845,7 @@
           <a:p>
             <a:fld id="{6DD3C254-EB1A-43A9-939A-0227EC6FC929}" type="datetimeFigureOut">
               <a:rPr lang="zh-CN" altLang="en-US" smtClean="0"/>
-              <a:t>2023/7/10</a:t>
+              <a:t>2023/7/16</a:t>
             </a:fld>
             <a:endParaRPr lang="zh-CN" altLang="en-US"/>
           </a:p>
@@ -7121,7 +7121,7 @@
           <a:p>
             <a:fld id="{6DD3C254-EB1A-43A9-939A-0227EC6FC929}" type="datetimeFigureOut">
               <a:rPr lang="zh-CN" altLang="en-US" smtClean="0"/>
-              <a:t>2023/7/10</a:t>
+              <a:t>2023/7/16</a:t>
             </a:fld>
             <a:endParaRPr lang="zh-CN" altLang="en-US"/>
           </a:p>
@@ -7389,7 +7389,7 @@
           <a:p>
             <a:fld id="{6DD3C254-EB1A-43A9-939A-0227EC6FC929}" type="datetimeFigureOut">
               <a:rPr lang="zh-CN" altLang="en-US" smtClean="0"/>
-              <a:t>2023/7/10</a:t>
+              <a:t>2023/7/16</a:t>
             </a:fld>
             <a:endParaRPr lang="zh-CN" altLang="en-US"/>
           </a:p>
@@ -7804,7 +7804,7 @@
           <a:p>
             <a:fld id="{6DD3C254-EB1A-43A9-939A-0227EC6FC929}" type="datetimeFigureOut">
               <a:rPr lang="zh-CN" altLang="en-US" smtClean="0"/>
-              <a:t>2023/7/10</a:t>
+              <a:t>2023/7/16</a:t>
             </a:fld>
             <a:endParaRPr lang="zh-CN" altLang="en-US"/>
           </a:p>
@@ -7946,7 +7946,7 @@
           <a:p>
             <a:fld id="{6DD3C254-EB1A-43A9-939A-0227EC6FC929}" type="datetimeFigureOut">
               <a:rPr lang="zh-CN" altLang="en-US" smtClean="0"/>
-              <a:t>2023/7/10</a:t>
+              <a:t>2023/7/16</a:t>
             </a:fld>
             <a:endParaRPr lang="zh-CN" altLang="en-US"/>
           </a:p>
@@ -8059,7 +8059,7 @@
           <a:p>
             <a:fld id="{6DD3C254-EB1A-43A9-939A-0227EC6FC929}" type="datetimeFigureOut">
               <a:rPr lang="zh-CN" altLang="en-US" smtClean="0"/>
-              <a:t>2023/7/10</a:t>
+              <a:t>2023/7/16</a:t>
             </a:fld>
             <a:endParaRPr lang="zh-CN" altLang="en-US"/>
           </a:p>
@@ -8372,7 +8372,7 @@
           <a:p>
             <a:fld id="{6DD3C254-EB1A-43A9-939A-0227EC6FC929}" type="datetimeFigureOut">
               <a:rPr lang="zh-CN" altLang="en-US" smtClean="0"/>
-              <a:t>2023/7/10</a:t>
+              <a:t>2023/7/16</a:t>
             </a:fld>
             <a:endParaRPr lang="zh-CN" altLang="en-US"/>
           </a:p>
@@ -8661,7 +8661,7 @@
           <a:p>
             <a:fld id="{6DD3C254-EB1A-43A9-939A-0227EC6FC929}" type="datetimeFigureOut">
               <a:rPr lang="zh-CN" altLang="en-US" smtClean="0"/>
-              <a:t>2023/7/10</a:t>
+              <a:t>2023/7/16</a:t>
             </a:fld>
             <a:endParaRPr lang="zh-CN" altLang="en-US"/>
           </a:p>
@@ -8904,7 +8904,7 @@
           <a:p>
             <a:fld id="{6DD3C254-EB1A-43A9-939A-0227EC6FC929}" type="datetimeFigureOut">
               <a:rPr lang="zh-CN" altLang="en-US" smtClean="0"/>
-              <a:t>2023/7/10</a:t>
+              <a:t>2023/7/16</a:t>
             </a:fld>
             <a:endParaRPr lang="zh-CN" altLang="en-US"/>
           </a:p>
@@ -16424,6 +16424,7 @@
             </a:extLst>
           </p:cNvPr>
           <p:cNvCxnSpPr>
+            <a:cxnSpLocks/>
             <a:stCxn id="4" idx="0"/>
             <a:endCxn id="6" idx="0"/>
           </p:cNvCxnSpPr>
@@ -16591,10 +16592,10 @@
       </p:cxnSp>
       <p:sp>
         <p:nvSpPr>
-          <p:cNvPr id="19" name="Rectangle 18">
-            <a:extLst>
-              <a:ext uri="{FF2B5EF4-FFF2-40B4-BE49-F238E27FC236}">
-                <a16:creationId xmlns:a16="http://schemas.microsoft.com/office/drawing/2014/main" id="{3178E178-0AE2-4557-A570-10FDBE2DE94D}"/>
+          <p:cNvPr id="20" name="Rectangle 19">
+            <a:extLst>
+              <a:ext uri="{FF2B5EF4-FFF2-40B4-BE49-F238E27FC236}">
+                <a16:creationId xmlns:a16="http://schemas.microsoft.com/office/drawing/2014/main" id="{5A365538-4112-455C-A91A-46CD773AC306}"/>
               </a:ext>
             </a:extLst>
           </p:cNvPr>
@@ -16603,60 +16604,8 @@
         </p:nvSpPr>
         <p:spPr>
           <a:xfrm>
-            <a:off x="1874852" y="1677945"/>
-            <a:ext cx="2390734" cy="1613454"/>
-          </a:xfrm>
-          <a:prstGeom prst="rect">
-            <a:avLst/>
-          </a:prstGeom>
-          <a:solidFill>
-            <a:srgbClr val="F5D5FF"/>
-          </a:solidFill>
-          <a:ln>
-            <a:noFill/>
-          </a:ln>
-        </p:spPr>
-        <p:style>
-          <a:lnRef idx="2">
-            <a:schemeClr val="accent1">
-              <a:shade val="50000"/>
-            </a:schemeClr>
-          </a:lnRef>
-          <a:fillRef idx="1">
-            <a:schemeClr val="accent1"/>
-          </a:fillRef>
-          <a:effectRef idx="0">
-            <a:schemeClr val="accent1"/>
-          </a:effectRef>
-          <a:fontRef idx="minor">
-            <a:schemeClr val="lt1"/>
-          </a:fontRef>
-        </p:style>
-        <p:txBody>
-          <a:bodyPr rtlCol="0" anchor="ctr"/>
-          <a:lstStyle/>
-          <a:p>
-            <a:pPr algn="ctr"/>
-            <a:endParaRPr lang="zh-CN" altLang="en-US" dirty="0"/>
-          </a:p>
-        </p:txBody>
-      </p:sp>
-      <p:sp>
-        <p:nvSpPr>
-          <p:cNvPr id="20" name="Rectangle 19">
-            <a:extLst>
-              <a:ext uri="{FF2B5EF4-FFF2-40B4-BE49-F238E27FC236}">
-                <a16:creationId xmlns:a16="http://schemas.microsoft.com/office/drawing/2014/main" id="{5A365538-4112-455C-A91A-46CD773AC306}"/>
-              </a:ext>
-            </a:extLst>
-          </p:cNvPr>
-          <p:cNvSpPr/>
-          <p:nvPr/>
-        </p:nvSpPr>
-        <p:spPr>
-          <a:xfrm>
-            <a:off x="2262308" y="2060749"/>
-            <a:ext cx="1638691" cy="861314"/>
+            <a:off x="1889230" y="1685088"/>
+            <a:ext cx="2376356" cy="1617056"/>
           </a:xfrm>
           <a:prstGeom prst="rect">
             <a:avLst/>
@@ -16704,7 +16653,7 @@
         </p:nvSpPr>
         <p:spPr>
           <a:xfrm>
-            <a:off x="2262308" y="2060749"/>
+            <a:off x="2333148" y="2170450"/>
             <a:ext cx="1491114" cy="646331"/>
           </a:xfrm>
           <a:prstGeom prst="rect">
@@ -16747,9 +16696,9 @@
           <p:nvPr/>
         </p:nvCxnSpPr>
         <p:spPr>
-          <a:xfrm>
-            <a:off x="3470988" y="1307451"/>
-            <a:ext cx="0" cy="370494"/>
+          <a:xfrm flipH="1">
+            <a:off x="3821800" y="989046"/>
+            <a:ext cx="2462" cy="696042"/>
           </a:xfrm>
           <a:prstGeom prst="straightConnector1">
             <a:avLst/>
@@ -16785,14 +16734,13 @@
           </p:cNvPr>
           <p:cNvCxnSpPr>
             <a:cxnSpLocks/>
-            <a:endCxn id="6" idx="2"/>
           </p:cNvCxnSpPr>
           <p:nvPr/>
         </p:nvCxnSpPr>
         <p:spPr>
           <a:xfrm>
-            <a:off x="3470989" y="3284256"/>
-            <a:ext cx="0" cy="621238"/>
+            <a:off x="3819339" y="3302144"/>
+            <a:ext cx="0" cy="921514"/>
           </a:xfrm>
           <a:prstGeom prst="straightConnector1">
             <a:avLst/>
@@ -16833,8 +16781,8 @@
         </p:nvCxnSpPr>
         <p:spPr>
           <a:xfrm>
-            <a:off x="1461797" y="2606593"/>
-            <a:ext cx="413055" cy="0"/>
+            <a:off x="1101012" y="2879643"/>
+            <a:ext cx="788218" cy="0"/>
           </a:xfrm>
           <a:prstGeom prst="straightConnector1">
             <a:avLst/>
@@ -16870,182 +16818,13 @@
           </p:cNvPr>
           <p:cNvCxnSpPr>
             <a:cxnSpLocks/>
-            <a:endCxn id="6" idx="3"/>
           </p:cNvCxnSpPr>
           <p:nvPr/>
         </p:nvCxnSpPr>
         <p:spPr>
           <a:xfrm>
-            <a:off x="4265586" y="2606593"/>
-            <a:ext cx="1214595" cy="0"/>
-          </a:xfrm>
-          <a:prstGeom prst="straightConnector1">
-            <a:avLst/>
-          </a:prstGeom>
-          <a:ln>
-            <a:headEnd type="triangle"/>
-            <a:tailEnd type="triangle"/>
-          </a:ln>
-        </p:spPr>
-        <p:style>
-          <a:lnRef idx="1">
-            <a:schemeClr val="accent1"/>
-          </a:lnRef>
-          <a:fillRef idx="0">
-            <a:schemeClr val="accent1"/>
-          </a:fillRef>
-          <a:effectRef idx="0">
-            <a:schemeClr val="accent1"/>
-          </a:effectRef>
-          <a:fontRef idx="minor">
-            <a:schemeClr val="tx1"/>
-          </a:fontRef>
-        </p:style>
-      </p:cxnSp>
-      <p:cxnSp>
-        <p:nvCxnSpPr>
-          <p:cNvPr id="34" name="Straight Arrow Connector 33">
-            <a:extLst>
-              <a:ext uri="{FF2B5EF4-FFF2-40B4-BE49-F238E27FC236}">
-                <a16:creationId xmlns:a16="http://schemas.microsoft.com/office/drawing/2014/main" id="{154D42A5-CD13-47B3-9211-02CA357FFA0D}"/>
-              </a:ext>
-            </a:extLst>
-          </p:cNvPr>
-          <p:cNvCxnSpPr>
-            <a:cxnSpLocks/>
-          </p:cNvCxnSpPr>
-          <p:nvPr/>
-        </p:nvCxnSpPr>
-        <p:spPr>
-          <a:xfrm>
-            <a:off x="3470987" y="1677945"/>
-            <a:ext cx="0" cy="382804"/>
-          </a:xfrm>
-          <a:prstGeom prst="straightConnector1">
-            <a:avLst/>
-          </a:prstGeom>
-          <a:ln>
-            <a:headEnd type="triangle"/>
-            <a:tailEnd type="triangle"/>
-          </a:ln>
-        </p:spPr>
-        <p:style>
-          <a:lnRef idx="1">
-            <a:schemeClr val="accent1"/>
-          </a:lnRef>
-          <a:fillRef idx="0">
-            <a:schemeClr val="accent1"/>
-          </a:fillRef>
-          <a:effectRef idx="0">
-            <a:schemeClr val="accent1"/>
-          </a:effectRef>
-          <a:fontRef idx="minor">
-            <a:schemeClr val="tx1"/>
-          </a:fontRef>
-        </p:style>
-      </p:cxnSp>
-      <p:cxnSp>
-        <p:nvCxnSpPr>
-          <p:cNvPr id="37" name="Straight Arrow Connector 36">
-            <a:extLst>
-              <a:ext uri="{FF2B5EF4-FFF2-40B4-BE49-F238E27FC236}">
-                <a16:creationId xmlns:a16="http://schemas.microsoft.com/office/drawing/2014/main" id="{EB127124-0554-4E52-B06C-074B17A2E64A}"/>
-              </a:ext>
-            </a:extLst>
-          </p:cNvPr>
-          <p:cNvCxnSpPr>
-            <a:cxnSpLocks/>
-          </p:cNvCxnSpPr>
-          <p:nvPr/>
-        </p:nvCxnSpPr>
-        <p:spPr>
-          <a:xfrm>
-            <a:off x="3470987" y="2922063"/>
-            <a:ext cx="0" cy="363110"/>
-          </a:xfrm>
-          <a:prstGeom prst="straightConnector1">
-            <a:avLst/>
-          </a:prstGeom>
-          <a:ln>
-            <a:headEnd type="triangle"/>
-            <a:tailEnd type="triangle"/>
-          </a:ln>
-        </p:spPr>
-        <p:style>
-          <a:lnRef idx="1">
-            <a:schemeClr val="accent1"/>
-          </a:lnRef>
-          <a:fillRef idx="0">
-            <a:schemeClr val="accent1"/>
-          </a:fillRef>
-          <a:effectRef idx="0">
-            <a:schemeClr val="accent1"/>
-          </a:effectRef>
-          <a:fontRef idx="minor">
-            <a:schemeClr val="tx1"/>
-          </a:fontRef>
-        </p:style>
-      </p:cxnSp>
-      <p:cxnSp>
-        <p:nvCxnSpPr>
-          <p:cNvPr id="41" name="Straight Arrow Connector 40">
-            <a:extLst>
-              <a:ext uri="{FF2B5EF4-FFF2-40B4-BE49-F238E27FC236}">
-                <a16:creationId xmlns:a16="http://schemas.microsoft.com/office/drawing/2014/main" id="{1CFC94A2-6528-4450-A7D8-C6DD344720C6}"/>
-              </a:ext>
-            </a:extLst>
-          </p:cNvPr>
-          <p:cNvCxnSpPr>
-            <a:cxnSpLocks/>
-          </p:cNvCxnSpPr>
-          <p:nvPr/>
-        </p:nvCxnSpPr>
-        <p:spPr>
-          <a:xfrm>
-            <a:off x="1874852" y="2606593"/>
-            <a:ext cx="400115" cy="0"/>
-          </a:xfrm>
-          <a:prstGeom prst="straightConnector1">
-            <a:avLst/>
-          </a:prstGeom>
-          <a:ln>
-            <a:headEnd type="triangle"/>
-            <a:tailEnd type="triangle"/>
-          </a:ln>
-        </p:spPr>
-        <p:style>
-          <a:lnRef idx="1">
-            <a:schemeClr val="accent1"/>
-          </a:lnRef>
-          <a:fillRef idx="0">
-            <a:schemeClr val="accent1"/>
-          </a:fillRef>
-          <a:effectRef idx="0">
-            <a:schemeClr val="accent1"/>
-          </a:effectRef>
-          <a:fontRef idx="minor">
-            <a:schemeClr val="tx1"/>
-          </a:fontRef>
-        </p:style>
-      </p:cxnSp>
-      <p:cxnSp>
-        <p:nvCxnSpPr>
-          <p:cNvPr id="49" name="Straight Arrow Connector 48">
-            <a:extLst>
-              <a:ext uri="{FF2B5EF4-FFF2-40B4-BE49-F238E27FC236}">
-                <a16:creationId xmlns:a16="http://schemas.microsoft.com/office/drawing/2014/main" id="{C864A4F4-4BAD-4CDD-9BA1-0322443096EC}"/>
-              </a:ext>
-            </a:extLst>
-          </p:cNvPr>
-          <p:cNvCxnSpPr>
-            <a:cxnSpLocks/>
-          </p:cNvCxnSpPr>
-          <p:nvPr/>
-        </p:nvCxnSpPr>
-        <p:spPr>
-          <a:xfrm>
-            <a:off x="3900999" y="2606593"/>
-            <a:ext cx="360785" cy="0"/>
+            <a:off x="4265586" y="2879643"/>
+            <a:ext cx="1575377" cy="0"/>
           </a:xfrm>
           <a:prstGeom prst="straightConnector1">
             <a:avLst/>
@@ -17120,7 +16899,7 @@
         </p:nvSpPr>
         <p:spPr>
           <a:xfrm>
-            <a:off x="2131815" y="1380974"/>
+            <a:off x="2485372" y="1378535"/>
             <a:ext cx="1337226" cy="230832"/>
           </a:xfrm>
           <a:prstGeom prst="rect">
@@ -17144,10 +16923,10 @@
       </p:sp>
       <p:sp>
         <p:nvSpPr>
-          <p:cNvPr id="53" name="TextBox 52">
-            <a:extLst>
-              <a:ext uri="{FF2B5EF4-FFF2-40B4-BE49-F238E27FC236}">
-                <a16:creationId xmlns:a16="http://schemas.microsoft.com/office/drawing/2014/main" id="{BE7DC497-C3E7-4BDF-8795-C467BC7F7FD8}"/>
+          <p:cNvPr id="55" name="TextBox 54">
+            <a:extLst>
+              <a:ext uri="{FF2B5EF4-FFF2-40B4-BE49-F238E27FC236}">
+                <a16:creationId xmlns:a16="http://schemas.microsoft.com/office/drawing/2014/main" id="{740FE26A-D6A8-432C-AADC-522D1DF7438B}"/>
               </a:ext>
             </a:extLst>
           </p:cNvPr>
@@ -17156,79 +16935,7 @@
         </p:nvSpPr>
         <p:spPr>
           <a:xfrm>
-            <a:off x="2739354" y="1753931"/>
-            <a:ext cx="729687" cy="230832"/>
-          </a:xfrm>
-          <a:prstGeom prst="rect">
-            <a:avLst/>
-          </a:prstGeom>
-          <a:noFill/>
-        </p:spPr>
-        <p:txBody>
-          <a:bodyPr wrap="none" rtlCol="0">
-            <a:spAutoFit/>
-          </a:bodyPr>
-          <a:lstStyle/>
-          <a:p>
-            <a:r>
-              <a:rPr lang="en-US" altLang="zh-CN" sz="900" dirty="0" err="1"/>
-              <a:t>Margin.top</a:t>
-            </a:r>
-            <a:endParaRPr lang="zh-CN" altLang="en-US" sz="900" dirty="0"/>
-          </a:p>
-        </p:txBody>
-      </p:sp>
-      <p:sp>
-        <p:nvSpPr>
-          <p:cNvPr id="54" name="TextBox 53">
-            <a:extLst>
-              <a:ext uri="{FF2B5EF4-FFF2-40B4-BE49-F238E27FC236}">
-                <a16:creationId xmlns:a16="http://schemas.microsoft.com/office/drawing/2014/main" id="{48FDDDA3-2B97-4A2F-A79F-B8ACE9F4847C}"/>
-              </a:ext>
-            </a:extLst>
-          </p:cNvPr>
-          <p:cNvSpPr txBox="1"/>
-          <p:nvPr/>
-        </p:nvSpPr>
-        <p:spPr>
-          <a:xfrm>
-            <a:off x="2538978" y="2998049"/>
-            <a:ext cx="930063" cy="230832"/>
-          </a:xfrm>
-          <a:prstGeom prst="rect">
-            <a:avLst/>
-          </a:prstGeom>
-          <a:noFill/>
-        </p:spPr>
-        <p:txBody>
-          <a:bodyPr wrap="none" rtlCol="0">
-            <a:spAutoFit/>
-          </a:bodyPr>
-          <a:lstStyle/>
-          <a:p>
-            <a:r>
-              <a:rPr lang="en-US" altLang="zh-CN" sz="900" dirty="0" err="1"/>
-              <a:t>Margin.bottom</a:t>
-            </a:r>
-            <a:endParaRPr lang="zh-CN" altLang="en-US" sz="900" dirty="0"/>
-          </a:p>
-        </p:txBody>
-      </p:sp>
-      <p:sp>
-        <p:nvSpPr>
-          <p:cNvPr id="55" name="TextBox 54">
-            <a:extLst>
-              <a:ext uri="{FF2B5EF4-FFF2-40B4-BE49-F238E27FC236}">
-                <a16:creationId xmlns:a16="http://schemas.microsoft.com/office/drawing/2014/main" id="{740FE26A-D6A8-432C-AADC-522D1DF7438B}"/>
-              </a:ext>
-            </a:extLst>
-          </p:cNvPr>
-          <p:cNvSpPr txBox="1"/>
-          <p:nvPr/>
-        </p:nvSpPr>
-        <p:spPr>
-          <a:xfrm>
-            <a:off x="1933389" y="3488403"/>
+            <a:off x="2314732" y="3488403"/>
             <a:ext cx="1537600" cy="230832"/>
           </a:xfrm>
           <a:prstGeom prst="rect">
@@ -17336,7 +17043,7 @@
         </p:nvSpPr>
         <p:spPr>
           <a:xfrm>
-            <a:off x="1485518" y="1364787"/>
+            <a:off x="1453066" y="1651681"/>
             <a:ext cx="323165" cy="1232069"/>
           </a:xfrm>
           <a:prstGeom prst="rect">
@@ -17353,42 +17060,6 @@
             <a:r>
               <a:rPr lang="en-US" altLang="zh-CN" sz="900" dirty="0" err="1"/>
               <a:t>AlignmentToParent.left</a:t>
-            </a:r>
-            <a:endParaRPr lang="zh-CN" altLang="en-US" sz="900" dirty="0"/>
-          </a:p>
-        </p:txBody>
-      </p:sp>
-      <p:sp>
-        <p:nvSpPr>
-          <p:cNvPr id="59" name="TextBox 58">
-            <a:extLst>
-              <a:ext uri="{FF2B5EF4-FFF2-40B4-BE49-F238E27FC236}">
-                <a16:creationId xmlns:a16="http://schemas.microsoft.com/office/drawing/2014/main" id="{70478DAA-DD97-415A-8816-66F155418E15}"/>
-              </a:ext>
-            </a:extLst>
-          </p:cNvPr>
-          <p:cNvSpPr txBox="1"/>
-          <p:nvPr/>
-        </p:nvSpPr>
-        <p:spPr>
-          <a:xfrm>
-            <a:off x="1904886" y="1991225"/>
-            <a:ext cx="323165" cy="624530"/>
-          </a:xfrm>
-          <a:prstGeom prst="rect">
-            <a:avLst/>
-          </a:prstGeom>
-          <a:noFill/>
-        </p:spPr>
-        <p:txBody>
-          <a:bodyPr vert="vert270" wrap="none" rtlCol="0">
-            <a:spAutoFit/>
-          </a:bodyPr>
-          <a:lstStyle/>
-          <a:p>
-            <a:r>
-              <a:rPr lang="en-US" altLang="zh-CN" sz="900" dirty="0" err="1"/>
-              <a:t>Margin.left</a:t>
             </a:r>
             <a:endParaRPr lang="zh-CN" altLang="en-US" sz="900" dirty="0"/>
           </a:p>
@@ -17444,7 +17115,7 @@
         </p:nvSpPr>
         <p:spPr>
           <a:xfrm>
-            <a:off x="4722720" y="1306142"/>
+            <a:off x="4669366" y="1509372"/>
             <a:ext cx="323165" cy="1307409"/>
           </a:xfrm>
           <a:prstGeom prst="rect">
@@ -17461,42 +17132,6 @@
             <a:r>
               <a:rPr lang="en-US" altLang="zh-CN" sz="900" dirty="0" err="1"/>
               <a:t>AlignmentToParent.right</a:t>
-            </a:r>
-            <a:endParaRPr lang="zh-CN" altLang="en-US" sz="900" dirty="0"/>
-          </a:p>
-        </p:txBody>
-      </p:sp>
-      <p:sp>
-        <p:nvSpPr>
-          <p:cNvPr id="62" name="TextBox 61">
-            <a:extLst>
-              <a:ext uri="{FF2B5EF4-FFF2-40B4-BE49-F238E27FC236}">
-                <a16:creationId xmlns:a16="http://schemas.microsoft.com/office/drawing/2014/main" id="{42B924F4-78A4-4E74-B837-97FADF3AD300}"/>
-              </a:ext>
-            </a:extLst>
-          </p:cNvPr>
-          <p:cNvSpPr txBox="1"/>
-          <p:nvPr/>
-        </p:nvSpPr>
-        <p:spPr>
-          <a:xfrm>
-            <a:off x="3914756" y="1901338"/>
-            <a:ext cx="323165" cy="699872"/>
-          </a:xfrm>
-          <a:prstGeom prst="rect">
-            <a:avLst/>
-          </a:prstGeom>
-          <a:noFill/>
-        </p:spPr>
-        <p:txBody>
-          <a:bodyPr vert="vert270" wrap="none" rtlCol="0">
-            <a:spAutoFit/>
-          </a:bodyPr>
-          <a:lstStyle/>
-          <a:p>
-            <a:r>
-              <a:rPr lang="en-US" altLang="zh-CN" sz="900" dirty="0" err="1"/>
-              <a:t>Margin.right</a:t>
             </a:r>
             <a:endParaRPr lang="zh-CN" altLang="en-US" sz="900" dirty="0"/>
           </a:p>

--- a/packages/Dependencies.pptx
+++ b/packages/Dependencies.pptx
@@ -10,6 +10,10 @@
     <p:sldId id="258" r:id="rId4"/>
     <p:sldId id="259" r:id="rId5"/>
     <p:sldId id="260" r:id="rId6"/>
+    <p:sldId id="261" r:id="rId7"/>
+    <p:sldId id="262" r:id="rId8"/>
+    <p:sldId id="263" r:id="rId9"/>
+    <p:sldId id="264" r:id="rId10"/>
   </p:sldIdLst>
   <p:sldSz cx="12192000" cy="6858000"/>
   <p:notesSz cx="6858000" cy="9144000"/>
@@ -6235,7 +6239,7 @@
           <a:p>
             <a:fld id="{6DD3C254-EB1A-43A9-939A-0227EC6FC929}" type="datetimeFigureOut">
               <a:rPr lang="zh-CN" altLang="en-US" smtClean="0"/>
-              <a:t>2023/7/16</a:t>
+              <a:t>2025/5/14</a:t>
             </a:fld>
             <a:endParaRPr lang="zh-CN" altLang="en-US"/>
           </a:p>
@@ -6435,7 +6439,7 @@
           <a:p>
             <a:fld id="{6DD3C254-EB1A-43A9-939A-0227EC6FC929}" type="datetimeFigureOut">
               <a:rPr lang="zh-CN" altLang="en-US" smtClean="0"/>
-              <a:t>2023/7/16</a:t>
+              <a:t>2025/5/14</a:t>
             </a:fld>
             <a:endParaRPr lang="zh-CN" altLang="en-US"/>
           </a:p>
@@ -6645,7 +6649,7 @@
           <a:p>
             <a:fld id="{6DD3C254-EB1A-43A9-939A-0227EC6FC929}" type="datetimeFigureOut">
               <a:rPr lang="zh-CN" altLang="en-US" smtClean="0"/>
-              <a:t>2023/7/16</a:t>
+              <a:t>2025/5/14</a:t>
             </a:fld>
             <a:endParaRPr lang="zh-CN" altLang="en-US"/>
           </a:p>
@@ -6845,7 +6849,7 @@
           <a:p>
             <a:fld id="{6DD3C254-EB1A-43A9-939A-0227EC6FC929}" type="datetimeFigureOut">
               <a:rPr lang="zh-CN" altLang="en-US" smtClean="0"/>
-              <a:t>2023/7/16</a:t>
+              <a:t>2025/5/14</a:t>
             </a:fld>
             <a:endParaRPr lang="zh-CN" altLang="en-US"/>
           </a:p>
@@ -7121,7 +7125,7 @@
           <a:p>
             <a:fld id="{6DD3C254-EB1A-43A9-939A-0227EC6FC929}" type="datetimeFigureOut">
               <a:rPr lang="zh-CN" altLang="en-US" smtClean="0"/>
-              <a:t>2023/7/16</a:t>
+              <a:t>2025/5/14</a:t>
             </a:fld>
             <a:endParaRPr lang="zh-CN" altLang="en-US"/>
           </a:p>
@@ -7389,7 +7393,7 @@
           <a:p>
             <a:fld id="{6DD3C254-EB1A-43A9-939A-0227EC6FC929}" type="datetimeFigureOut">
               <a:rPr lang="zh-CN" altLang="en-US" smtClean="0"/>
-              <a:t>2023/7/16</a:t>
+              <a:t>2025/5/14</a:t>
             </a:fld>
             <a:endParaRPr lang="zh-CN" altLang="en-US"/>
           </a:p>
@@ -7804,7 +7808,7 @@
           <a:p>
             <a:fld id="{6DD3C254-EB1A-43A9-939A-0227EC6FC929}" type="datetimeFigureOut">
               <a:rPr lang="zh-CN" altLang="en-US" smtClean="0"/>
-              <a:t>2023/7/16</a:t>
+              <a:t>2025/5/14</a:t>
             </a:fld>
             <a:endParaRPr lang="zh-CN" altLang="en-US"/>
           </a:p>
@@ -7946,7 +7950,7 @@
           <a:p>
             <a:fld id="{6DD3C254-EB1A-43A9-939A-0227EC6FC929}" type="datetimeFigureOut">
               <a:rPr lang="zh-CN" altLang="en-US" smtClean="0"/>
-              <a:t>2023/7/16</a:t>
+              <a:t>2025/5/14</a:t>
             </a:fld>
             <a:endParaRPr lang="zh-CN" altLang="en-US"/>
           </a:p>
@@ -8059,7 +8063,7 @@
           <a:p>
             <a:fld id="{6DD3C254-EB1A-43A9-939A-0227EC6FC929}" type="datetimeFigureOut">
               <a:rPr lang="zh-CN" altLang="en-US" smtClean="0"/>
-              <a:t>2023/7/16</a:t>
+              <a:t>2025/5/14</a:t>
             </a:fld>
             <a:endParaRPr lang="zh-CN" altLang="en-US"/>
           </a:p>
@@ -8372,7 +8376,7 @@
           <a:p>
             <a:fld id="{6DD3C254-EB1A-43A9-939A-0227EC6FC929}" type="datetimeFigureOut">
               <a:rPr lang="zh-CN" altLang="en-US" smtClean="0"/>
-              <a:t>2023/7/16</a:t>
+              <a:t>2025/5/14</a:t>
             </a:fld>
             <a:endParaRPr lang="zh-CN" altLang="en-US"/>
           </a:p>
@@ -8661,7 +8665,7 @@
           <a:p>
             <a:fld id="{6DD3C254-EB1A-43A9-939A-0227EC6FC929}" type="datetimeFigureOut">
               <a:rPr lang="zh-CN" altLang="en-US" smtClean="0"/>
-              <a:t>2023/7/16</a:t>
+              <a:t>2025/5/14</a:t>
             </a:fld>
             <a:endParaRPr lang="zh-CN" altLang="en-US"/>
           </a:p>
@@ -8904,7 +8908,7 @@
           <a:p>
             <a:fld id="{6DD3C254-EB1A-43A9-939A-0227EC6FC929}" type="datetimeFigureOut">
               <a:rPr lang="zh-CN" altLang="en-US" smtClean="0"/>
-              <a:t>2023/7/16</a:t>
+              <a:t>2025/5/14</a:t>
             </a:fld>
             <a:endParaRPr lang="zh-CN" altLang="en-US"/>
           </a:p>
@@ -17150,6 +17154,4320 @@
 </p:sld>
 </file>
 
+<file path=ppt/slides/slide6.xml><?xml version="1.0" encoding="utf-8"?>
+<p:sld xmlns:a="http://schemas.openxmlformats.org/drawingml/2006/main" xmlns:r="http://schemas.openxmlformats.org/officeDocument/2006/relationships" xmlns:p="http://schemas.openxmlformats.org/presentationml/2006/main">
+  <p:cSld>
+    <p:spTree>
+      <p:nvGrpSpPr>
+        <p:cNvPr id="1" name=""/>
+        <p:cNvGrpSpPr/>
+        <p:nvPr/>
+      </p:nvGrpSpPr>
+      <p:grpSpPr>
+        <a:xfrm>
+          <a:off x="0" y="0"/>
+          <a:ext cx="0" cy="0"/>
+          <a:chOff x="0" y="0"/>
+          <a:chExt cx="0" cy="0"/>
+        </a:xfrm>
+      </p:grpSpPr>
+      <p:sp>
+        <p:nvSpPr>
+          <p:cNvPr id="4" name="Rectangle: Rounded Corners 3">
+            <a:extLst>
+              <a:ext uri="{FF2B5EF4-FFF2-40B4-BE49-F238E27FC236}">
+                <a16:creationId xmlns:a16="http://schemas.microsoft.com/office/drawing/2014/main" id="{F7D10FA2-CE72-3C53-8401-121823DBEDE9}"/>
+              </a:ext>
+            </a:extLst>
+          </p:cNvPr>
+          <p:cNvSpPr/>
+          <p:nvPr/>
+        </p:nvSpPr>
+        <p:spPr>
+          <a:xfrm>
+            <a:off x="1295400" y="1758950"/>
+            <a:ext cx="1917700" cy="533400"/>
+          </a:xfrm>
+          <a:prstGeom prst="roundRect">
+            <a:avLst/>
+          </a:prstGeom>
+        </p:spPr>
+        <p:style>
+          <a:lnRef idx="2">
+            <a:schemeClr val="accent1">
+              <a:shade val="15000"/>
+            </a:schemeClr>
+          </a:lnRef>
+          <a:fillRef idx="1">
+            <a:schemeClr val="accent1"/>
+          </a:fillRef>
+          <a:effectRef idx="0">
+            <a:schemeClr val="accent1"/>
+          </a:effectRef>
+          <a:fontRef idx="minor">
+            <a:schemeClr val="lt1"/>
+          </a:fontRef>
+        </p:style>
+        <p:txBody>
+          <a:bodyPr rtlCol="0" anchor="ctr"/>
+          <a:lstStyle/>
+          <a:p>
+            <a:pPr algn="ctr"/>
+            <a:r>
+              <a:rPr lang="en-US" dirty="0" err="1"/>
+              <a:t>GuiApplication</a:t>
+            </a:r>
+            <a:endParaRPr lang="en-US" dirty="0"/>
+          </a:p>
+        </p:txBody>
+      </p:sp>
+      <p:sp>
+        <p:nvSpPr>
+          <p:cNvPr id="6" name="Rectangle: Rounded Corners 5">
+            <a:extLst>
+              <a:ext uri="{FF2B5EF4-FFF2-40B4-BE49-F238E27FC236}">
+                <a16:creationId xmlns:a16="http://schemas.microsoft.com/office/drawing/2014/main" id="{056178C7-5FCE-A2C0-AFC4-500EBEE43FE5}"/>
+              </a:ext>
+            </a:extLst>
+          </p:cNvPr>
+          <p:cNvSpPr/>
+          <p:nvPr/>
+        </p:nvSpPr>
+        <p:spPr>
+          <a:xfrm>
+            <a:off x="4406900" y="1762125"/>
+            <a:ext cx="2317750" cy="533400"/>
+          </a:xfrm>
+          <a:prstGeom prst="roundRect">
+            <a:avLst/>
+          </a:prstGeom>
+        </p:spPr>
+        <p:style>
+          <a:lnRef idx="2">
+            <a:schemeClr val="accent6">
+              <a:shade val="15000"/>
+            </a:schemeClr>
+          </a:lnRef>
+          <a:fillRef idx="1">
+            <a:schemeClr val="accent6"/>
+          </a:fillRef>
+          <a:effectRef idx="0">
+            <a:schemeClr val="accent6"/>
+          </a:effectRef>
+          <a:fontRef idx="minor">
+            <a:schemeClr val="lt1"/>
+          </a:fontRef>
+        </p:style>
+        <p:txBody>
+          <a:bodyPr rtlCol="0" anchor="ctr"/>
+          <a:lstStyle/>
+          <a:p>
+            <a:pPr algn="ctr"/>
+            <a:r>
+              <a:rPr lang="en-US" dirty="0"/>
+              <a:t>Windows/Direct2D</a:t>
+            </a:r>
+          </a:p>
+        </p:txBody>
+      </p:sp>
+      <p:sp>
+        <p:nvSpPr>
+          <p:cNvPr id="7" name="Rectangle: Rounded Corners 6">
+            <a:extLst>
+              <a:ext uri="{FF2B5EF4-FFF2-40B4-BE49-F238E27FC236}">
+                <a16:creationId xmlns:a16="http://schemas.microsoft.com/office/drawing/2014/main" id="{06F3D01F-8544-5311-4E38-624E147FBE40}"/>
+              </a:ext>
+            </a:extLst>
+          </p:cNvPr>
+          <p:cNvSpPr/>
+          <p:nvPr/>
+        </p:nvSpPr>
+        <p:spPr>
+          <a:xfrm>
+            <a:off x="4406900" y="2409825"/>
+            <a:ext cx="2317750" cy="533400"/>
+          </a:xfrm>
+          <a:prstGeom prst="roundRect">
+            <a:avLst/>
+          </a:prstGeom>
+        </p:spPr>
+        <p:style>
+          <a:lnRef idx="2">
+            <a:schemeClr val="accent6">
+              <a:shade val="15000"/>
+            </a:schemeClr>
+          </a:lnRef>
+          <a:fillRef idx="1">
+            <a:schemeClr val="accent6"/>
+          </a:fillRef>
+          <a:effectRef idx="0">
+            <a:schemeClr val="accent6"/>
+          </a:effectRef>
+          <a:fontRef idx="minor">
+            <a:schemeClr val="lt1"/>
+          </a:fontRef>
+        </p:style>
+        <p:txBody>
+          <a:bodyPr rtlCol="0" anchor="ctr"/>
+          <a:lstStyle/>
+          <a:p>
+            <a:pPr algn="ctr"/>
+            <a:r>
+              <a:rPr lang="en-US" dirty="0"/>
+              <a:t>Windows/GDI</a:t>
+            </a:r>
+          </a:p>
+        </p:txBody>
+      </p:sp>
+      <p:sp>
+        <p:nvSpPr>
+          <p:cNvPr id="8" name="Rectangle: Rounded Corners 7">
+            <a:extLst>
+              <a:ext uri="{FF2B5EF4-FFF2-40B4-BE49-F238E27FC236}">
+                <a16:creationId xmlns:a16="http://schemas.microsoft.com/office/drawing/2014/main" id="{B7AF31F7-2926-4DA3-4919-4E568E1AACE0}"/>
+              </a:ext>
+            </a:extLst>
+          </p:cNvPr>
+          <p:cNvSpPr/>
+          <p:nvPr/>
+        </p:nvSpPr>
+        <p:spPr>
+          <a:xfrm>
+            <a:off x="4406900" y="3057525"/>
+            <a:ext cx="2317750" cy="533400"/>
+          </a:xfrm>
+          <a:prstGeom prst="roundRect">
+            <a:avLst/>
+          </a:prstGeom>
+        </p:spPr>
+        <p:style>
+          <a:lnRef idx="2">
+            <a:schemeClr val="accent6">
+              <a:shade val="15000"/>
+            </a:schemeClr>
+          </a:lnRef>
+          <a:fillRef idx="1">
+            <a:schemeClr val="accent6"/>
+          </a:fillRef>
+          <a:effectRef idx="0">
+            <a:schemeClr val="accent6"/>
+          </a:effectRef>
+          <a:fontRef idx="minor">
+            <a:schemeClr val="lt1"/>
+          </a:fontRef>
+        </p:style>
+        <p:txBody>
+          <a:bodyPr rtlCol="0" anchor="ctr"/>
+          <a:lstStyle/>
+          <a:p>
+            <a:pPr algn="ctr"/>
+            <a:r>
+              <a:rPr lang="en-US" dirty="0"/>
+              <a:t>Linux/</a:t>
+            </a:r>
+            <a:r>
+              <a:rPr lang="en-US" dirty="0" err="1"/>
+              <a:t>Gtk</a:t>
+            </a:r>
+            <a:endParaRPr lang="en-US" dirty="0"/>
+          </a:p>
+        </p:txBody>
+      </p:sp>
+      <p:sp>
+        <p:nvSpPr>
+          <p:cNvPr id="9" name="Rectangle: Rounded Corners 8">
+            <a:extLst>
+              <a:ext uri="{FF2B5EF4-FFF2-40B4-BE49-F238E27FC236}">
+                <a16:creationId xmlns:a16="http://schemas.microsoft.com/office/drawing/2014/main" id="{4C5B87CA-98A5-80FE-BB16-828C656F3E42}"/>
+              </a:ext>
+            </a:extLst>
+          </p:cNvPr>
+          <p:cNvSpPr/>
+          <p:nvPr/>
+        </p:nvSpPr>
+        <p:spPr>
+          <a:xfrm>
+            <a:off x="4406900" y="3698876"/>
+            <a:ext cx="2317750" cy="533400"/>
+          </a:xfrm>
+          <a:prstGeom prst="roundRect">
+            <a:avLst/>
+          </a:prstGeom>
+        </p:spPr>
+        <p:style>
+          <a:lnRef idx="2">
+            <a:schemeClr val="accent6">
+              <a:shade val="15000"/>
+            </a:schemeClr>
+          </a:lnRef>
+          <a:fillRef idx="1">
+            <a:schemeClr val="accent6"/>
+          </a:fillRef>
+          <a:effectRef idx="0">
+            <a:schemeClr val="accent6"/>
+          </a:effectRef>
+          <a:fontRef idx="minor">
+            <a:schemeClr val="lt1"/>
+          </a:fontRef>
+        </p:style>
+        <p:txBody>
+          <a:bodyPr rtlCol="0" anchor="ctr"/>
+          <a:lstStyle/>
+          <a:p>
+            <a:pPr algn="ctr"/>
+            <a:r>
+              <a:rPr lang="en-US" dirty="0" err="1"/>
+              <a:t>macos</a:t>
+            </a:r>
+            <a:r>
+              <a:rPr lang="en-US" dirty="0"/>
+              <a:t>/</a:t>
+            </a:r>
+            <a:r>
+              <a:rPr lang="en-US" dirty="0" err="1"/>
+              <a:t>CoreGraphics</a:t>
+            </a:r>
+            <a:endParaRPr lang="en-US" dirty="0"/>
+          </a:p>
+        </p:txBody>
+      </p:sp>
+      <p:cxnSp>
+        <p:nvCxnSpPr>
+          <p:cNvPr id="62" name="Connector: Curved 61">
+            <a:extLst>
+              <a:ext uri="{FF2B5EF4-FFF2-40B4-BE49-F238E27FC236}">
+                <a16:creationId xmlns:a16="http://schemas.microsoft.com/office/drawing/2014/main" id="{1FF8B575-C98A-26D5-D282-C5F9A776CCF5}"/>
+              </a:ext>
+            </a:extLst>
+          </p:cNvPr>
+          <p:cNvCxnSpPr>
+            <a:stCxn id="4" idx="3"/>
+            <a:endCxn id="6" idx="1"/>
+          </p:cNvCxnSpPr>
+          <p:nvPr/>
+        </p:nvCxnSpPr>
+        <p:spPr>
+          <a:xfrm>
+            <a:off x="3213100" y="2025650"/>
+            <a:ext cx="1193800" cy="3175"/>
+          </a:xfrm>
+          <a:prstGeom prst="curvedConnector3">
+            <a:avLst/>
+          </a:prstGeom>
+          <a:ln w="19050">
+            <a:tailEnd type="triangle"/>
+          </a:ln>
+        </p:spPr>
+        <p:style>
+          <a:lnRef idx="1">
+            <a:schemeClr val="accent1"/>
+          </a:lnRef>
+          <a:fillRef idx="0">
+            <a:schemeClr val="accent1"/>
+          </a:fillRef>
+          <a:effectRef idx="0">
+            <a:schemeClr val="accent1"/>
+          </a:effectRef>
+          <a:fontRef idx="minor">
+            <a:schemeClr val="tx1"/>
+          </a:fontRef>
+        </p:style>
+      </p:cxnSp>
+      <p:cxnSp>
+        <p:nvCxnSpPr>
+          <p:cNvPr id="64" name="Connector: Curved 63">
+            <a:extLst>
+              <a:ext uri="{FF2B5EF4-FFF2-40B4-BE49-F238E27FC236}">
+                <a16:creationId xmlns:a16="http://schemas.microsoft.com/office/drawing/2014/main" id="{FAF695CD-2BE3-D7AA-E359-7B82E1E8AA9F}"/>
+              </a:ext>
+            </a:extLst>
+          </p:cNvPr>
+          <p:cNvCxnSpPr>
+            <a:stCxn id="4" idx="3"/>
+            <a:endCxn id="7" idx="1"/>
+          </p:cNvCxnSpPr>
+          <p:nvPr/>
+        </p:nvCxnSpPr>
+        <p:spPr>
+          <a:xfrm>
+            <a:off x="3213100" y="2025650"/>
+            <a:ext cx="1193800" cy="650875"/>
+          </a:xfrm>
+          <a:prstGeom prst="curvedConnector3">
+            <a:avLst/>
+          </a:prstGeom>
+          <a:ln w="19050">
+            <a:tailEnd type="triangle"/>
+          </a:ln>
+        </p:spPr>
+        <p:style>
+          <a:lnRef idx="1">
+            <a:schemeClr val="accent1"/>
+          </a:lnRef>
+          <a:fillRef idx="0">
+            <a:schemeClr val="accent1"/>
+          </a:fillRef>
+          <a:effectRef idx="0">
+            <a:schemeClr val="accent1"/>
+          </a:effectRef>
+          <a:fontRef idx="minor">
+            <a:schemeClr val="tx1"/>
+          </a:fontRef>
+        </p:style>
+      </p:cxnSp>
+      <p:cxnSp>
+        <p:nvCxnSpPr>
+          <p:cNvPr id="66" name="Connector: Curved 65">
+            <a:extLst>
+              <a:ext uri="{FF2B5EF4-FFF2-40B4-BE49-F238E27FC236}">
+                <a16:creationId xmlns:a16="http://schemas.microsoft.com/office/drawing/2014/main" id="{09048C5C-3836-E315-4C5F-9CA349434A3B}"/>
+              </a:ext>
+            </a:extLst>
+          </p:cNvPr>
+          <p:cNvCxnSpPr>
+            <a:stCxn id="4" idx="3"/>
+            <a:endCxn id="8" idx="1"/>
+          </p:cNvCxnSpPr>
+          <p:nvPr/>
+        </p:nvCxnSpPr>
+        <p:spPr>
+          <a:xfrm>
+            <a:off x="3213100" y="2025650"/>
+            <a:ext cx="1193800" cy="1298575"/>
+          </a:xfrm>
+          <a:prstGeom prst="curvedConnector3">
+            <a:avLst/>
+          </a:prstGeom>
+          <a:ln w="19050">
+            <a:tailEnd type="triangle"/>
+          </a:ln>
+        </p:spPr>
+        <p:style>
+          <a:lnRef idx="1">
+            <a:schemeClr val="accent1"/>
+          </a:lnRef>
+          <a:fillRef idx="0">
+            <a:schemeClr val="accent1"/>
+          </a:fillRef>
+          <a:effectRef idx="0">
+            <a:schemeClr val="accent1"/>
+          </a:effectRef>
+          <a:fontRef idx="minor">
+            <a:schemeClr val="tx1"/>
+          </a:fontRef>
+        </p:style>
+      </p:cxnSp>
+      <p:cxnSp>
+        <p:nvCxnSpPr>
+          <p:cNvPr id="68" name="Connector: Curved 67">
+            <a:extLst>
+              <a:ext uri="{FF2B5EF4-FFF2-40B4-BE49-F238E27FC236}">
+                <a16:creationId xmlns:a16="http://schemas.microsoft.com/office/drawing/2014/main" id="{9CE3B0DD-E8E4-C589-E02A-4A6C60881FA0}"/>
+              </a:ext>
+            </a:extLst>
+          </p:cNvPr>
+          <p:cNvCxnSpPr>
+            <a:stCxn id="4" idx="3"/>
+            <a:endCxn id="9" idx="1"/>
+          </p:cNvCxnSpPr>
+          <p:nvPr/>
+        </p:nvCxnSpPr>
+        <p:spPr>
+          <a:xfrm>
+            <a:off x="3213100" y="2025650"/>
+            <a:ext cx="1193800" cy="1939926"/>
+          </a:xfrm>
+          <a:prstGeom prst="curvedConnector3">
+            <a:avLst>
+              <a:gd name="adj1" fmla="val 50000"/>
+            </a:avLst>
+          </a:prstGeom>
+          <a:ln w="19050">
+            <a:tailEnd type="triangle"/>
+          </a:ln>
+        </p:spPr>
+        <p:style>
+          <a:lnRef idx="1">
+            <a:schemeClr val="accent1"/>
+          </a:lnRef>
+          <a:fillRef idx="0">
+            <a:schemeClr val="accent1"/>
+          </a:fillRef>
+          <a:effectRef idx="0">
+            <a:schemeClr val="accent1"/>
+          </a:effectRef>
+          <a:fontRef idx="minor">
+            <a:schemeClr val="tx1"/>
+          </a:fontRef>
+        </p:style>
+      </p:cxnSp>
+      <p:sp>
+        <p:nvSpPr>
+          <p:cNvPr id="123" name="TextBox 122">
+            <a:extLst>
+              <a:ext uri="{FF2B5EF4-FFF2-40B4-BE49-F238E27FC236}">
+                <a16:creationId xmlns:a16="http://schemas.microsoft.com/office/drawing/2014/main" id="{C8DD0CF3-6006-BA53-86BC-5CB64AA59D05}"/>
+              </a:ext>
+            </a:extLst>
+          </p:cNvPr>
+          <p:cNvSpPr txBox="1"/>
+          <p:nvPr/>
+        </p:nvSpPr>
+        <p:spPr>
+          <a:xfrm>
+            <a:off x="7004050" y="1840984"/>
+            <a:ext cx="3624710" cy="369332"/>
+          </a:xfrm>
+          <a:prstGeom prst="rect">
+            <a:avLst/>
+          </a:prstGeom>
+          <a:noFill/>
+        </p:spPr>
+        <p:txBody>
+          <a:bodyPr wrap="none" rtlCol="0">
+            <a:spAutoFit/>
+          </a:bodyPr>
+          <a:lstStyle/>
+          <a:p>
+            <a:r>
+              <a:rPr lang="en-US" dirty="0"/>
+              <a:t>SetupWindowsDirect2DRenderer();</a:t>
+            </a:r>
+          </a:p>
+        </p:txBody>
+      </p:sp>
+      <p:sp>
+        <p:nvSpPr>
+          <p:cNvPr id="124" name="TextBox 123">
+            <a:extLst>
+              <a:ext uri="{FF2B5EF4-FFF2-40B4-BE49-F238E27FC236}">
+                <a16:creationId xmlns:a16="http://schemas.microsoft.com/office/drawing/2014/main" id="{9ECFE4CC-D509-A0A5-4803-934BAB0AEA45}"/>
+              </a:ext>
+            </a:extLst>
+          </p:cNvPr>
+          <p:cNvSpPr txBox="1"/>
+          <p:nvPr/>
+        </p:nvSpPr>
+        <p:spPr>
+          <a:xfrm>
+            <a:off x="7004050" y="2490271"/>
+            <a:ext cx="3130985" cy="369332"/>
+          </a:xfrm>
+          <a:prstGeom prst="rect">
+            <a:avLst/>
+          </a:prstGeom>
+          <a:noFill/>
+        </p:spPr>
+        <p:txBody>
+          <a:bodyPr wrap="none" rtlCol="0">
+            <a:spAutoFit/>
+          </a:bodyPr>
+          <a:lstStyle/>
+          <a:p>
+            <a:r>
+              <a:rPr lang="en-US" dirty="0" err="1"/>
+              <a:t>SetupWindowsGDIRenderer</a:t>
+            </a:r>
+            <a:r>
+              <a:rPr lang="en-US" dirty="0"/>
+              <a:t>();</a:t>
+            </a:r>
+          </a:p>
+        </p:txBody>
+      </p:sp>
+      <p:sp>
+        <p:nvSpPr>
+          <p:cNvPr id="125" name="TextBox 124">
+            <a:extLst>
+              <a:ext uri="{FF2B5EF4-FFF2-40B4-BE49-F238E27FC236}">
+                <a16:creationId xmlns:a16="http://schemas.microsoft.com/office/drawing/2014/main" id="{CF19A167-D1EC-B3F5-D64C-EB103063024E}"/>
+              </a:ext>
+            </a:extLst>
+          </p:cNvPr>
+          <p:cNvSpPr txBox="1"/>
+          <p:nvPr/>
+        </p:nvSpPr>
+        <p:spPr>
+          <a:xfrm>
+            <a:off x="7004050" y="3134279"/>
+            <a:ext cx="2185214" cy="369332"/>
+          </a:xfrm>
+          <a:prstGeom prst="rect">
+            <a:avLst/>
+          </a:prstGeom>
+          <a:noFill/>
+        </p:spPr>
+        <p:txBody>
+          <a:bodyPr wrap="none" rtlCol="0">
+            <a:spAutoFit/>
+          </a:bodyPr>
+          <a:lstStyle/>
+          <a:p>
+            <a:r>
+              <a:rPr lang="en-US" dirty="0" err="1"/>
+              <a:t>SetupGtkRenderer</a:t>
+            </a:r>
+            <a:r>
+              <a:rPr lang="en-US" dirty="0"/>
+              <a:t>();</a:t>
+            </a:r>
+          </a:p>
+        </p:txBody>
+      </p:sp>
+      <p:sp>
+        <p:nvSpPr>
+          <p:cNvPr id="126" name="TextBox 125">
+            <a:extLst>
+              <a:ext uri="{FF2B5EF4-FFF2-40B4-BE49-F238E27FC236}">
+                <a16:creationId xmlns:a16="http://schemas.microsoft.com/office/drawing/2014/main" id="{02F8BC48-A04F-0087-673B-7B99E1C9D55C}"/>
+              </a:ext>
+            </a:extLst>
+          </p:cNvPr>
+          <p:cNvSpPr txBox="1"/>
+          <p:nvPr/>
+        </p:nvSpPr>
+        <p:spPr>
+          <a:xfrm>
+            <a:off x="7004050" y="3760790"/>
+            <a:ext cx="3605474" cy="369332"/>
+          </a:xfrm>
+          <a:prstGeom prst="rect">
+            <a:avLst/>
+          </a:prstGeom>
+          <a:noFill/>
+        </p:spPr>
+        <p:txBody>
+          <a:bodyPr wrap="none" rtlCol="0">
+            <a:spAutoFit/>
+          </a:bodyPr>
+          <a:lstStyle/>
+          <a:p>
+            <a:r>
+              <a:rPr lang="en-US" dirty="0" err="1"/>
+              <a:t>SetupOSXCoreGraphicsRenderer</a:t>
+            </a:r>
+            <a:r>
+              <a:rPr lang="en-US" dirty="0"/>
+              <a:t>();</a:t>
+            </a:r>
+          </a:p>
+        </p:txBody>
+      </p:sp>
+    </p:spTree>
+    <p:extLst>
+      <p:ext uri="{BB962C8B-B14F-4D97-AF65-F5344CB8AC3E}">
+        <p14:creationId xmlns:p14="http://schemas.microsoft.com/office/powerpoint/2010/main" val="211735517"/>
+      </p:ext>
+    </p:extLst>
+  </p:cSld>
+  <p:clrMapOvr>
+    <a:masterClrMapping/>
+  </p:clrMapOvr>
+</p:sld>
+</file>
+
+<file path=ppt/slides/slide7.xml><?xml version="1.0" encoding="utf-8"?>
+<p:sld xmlns:a="http://schemas.openxmlformats.org/drawingml/2006/main" xmlns:r="http://schemas.openxmlformats.org/officeDocument/2006/relationships" xmlns:p="http://schemas.openxmlformats.org/presentationml/2006/main">
+  <p:cSld>
+    <p:spTree>
+      <p:nvGrpSpPr>
+        <p:cNvPr id="1" name="">
+          <a:extLst>
+            <a:ext uri="{FF2B5EF4-FFF2-40B4-BE49-F238E27FC236}">
+              <a16:creationId xmlns:a16="http://schemas.microsoft.com/office/drawing/2014/main" id="{AB4C85CB-4514-683E-0BFA-7765A655EE94}"/>
+            </a:ext>
+          </a:extLst>
+        </p:cNvPr>
+        <p:cNvGrpSpPr/>
+        <p:nvPr/>
+      </p:nvGrpSpPr>
+      <p:grpSpPr>
+        <a:xfrm>
+          <a:off x="0" y="0"/>
+          <a:ext cx="0" cy="0"/>
+          <a:chOff x="0" y="0"/>
+          <a:chExt cx="0" cy="0"/>
+        </a:xfrm>
+      </p:grpSpPr>
+      <p:sp>
+        <p:nvSpPr>
+          <p:cNvPr id="4" name="Rectangle: Rounded Corners 3">
+            <a:extLst>
+              <a:ext uri="{FF2B5EF4-FFF2-40B4-BE49-F238E27FC236}">
+                <a16:creationId xmlns:a16="http://schemas.microsoft.com/office/drawing/2014/main" id="{C4F67F50-5F2D-A5B3-796B-96DDCCEC1704}"/>
+              </a:ext>
+            </a:extLst>
+          </p:cNvPr>
+          <p:cNvSpPr/>
+          <p:nvPr/>
+        </p:nvSpPr>
+        <p:spPr>
+          <a:xfrm>
+            <a:off x="1295396" y="3699380"/>
+            <a:ext cx="1917700" cy="533400"/>
+          </a:xfrm>
+          <a:prstGeom prst="roundRect">
+            <a:avLst/>
+          </a:prstGeom>
+        </p:spPr>
+        <p:style>
+          <a:lnRef idx="2">
+            <a:schemeClr val="accent2">
+              <a:shade val="15000"/>
+            </a:schemeClr>
+          </a:lnRef>
+          <a:fillRef idx="1">
+            <a:schemeClr val="accent2"/>
+          </a:fillRef>
+          <a:effectRef idx="0">
+            <a:schemeClr val="accent2"/>
+          </a:effectRef>
+          <a:fontRef idx="minor">
+            <a:schemeClr val="lt1"/>
+          </a:fontRef>
+        </p:style>
+        <p:txBody>
+          <a:bodyPr rtlCol="0" anchor="ctr"/>
+          <a:lstStyle/>
+          <a:p>
+            <a:pPr algn="ctr"/>
+            <a:r>
+              <a:rPr lang="en-US" dirty="0"/>
+              <a:t>Hosted Mode</a:t>
+            </a:r>
+          </a:p>
+        </p:txBody>
+      </p:sp>
+      <p:sp>
+        <p:nvSpPr>
+          <p:cNvPr id="6" name="Rectangle: Rounded Corners 5">
+            <a:extLst>
+              <a:ext uri="{FF2B5EF4-FFF2-40B4-BE49-F238E27FC236}">
+                <a16:creationId xmlns:a16="http://schemas.microsoft.com/office/drawing/2014/main" id="{FE65AAC9-755D-5D6D-44B1-E98347D3A816}"/>
+              </a:ext>
+            </a:extLst>
+          </p:cNvPr>
+          <p:cNvSpPr/>
+          <p:nvPr/>
+        </p:nvSpPr>
+        <p:spPr>
+          <a:xfrm>
+            <a:off x="4406900" y="1762125"/>
+            <a:ext cx="2317750" cy="533400"/>
+          </a:xfrm>
+          <a:prstGeom prst="roundRect">
+            <a:avLst/>
+          </a:prstGeom>
+        </p:spPr>
+        <p:style>
+          <a:lnRef idx="2">
+            <a:schemeClr val="accent6">
+              <a:shade val="15000"/>
+            </a:schemeClr>
+          </a:lnRef>
+          <a:fillRef idx="1">
+            <a:schemeClr val="accent6"/>
+          </a:fillRef>
+          <a:effectRef idx="0">
+            <a:schemeClr val="accent6"/>
+          </a:effectRef>
+          <a:fontRef idx="minor">
+            <a:schemeClr val="lt1"/>
+          </a:fontRef>
+        </p:style>
+        <p:txBody>
+          <a:bodyPr rtlCol="0" anchor="ctr"/>
+          <a:lstStyle/>
+          <a:p>
+            <a:pPr algn="ctr"/>
+            <a:r>
+              <a:rPr lang="en-US" dirty="0"/>
+              <a:t>Windows/Direct2D</a:t>
+            </a:r>
+          </a:p>
+        </p:txBody>
+      </p:sp>
+      <p:sp>
+        <p:nvSpPr>
+          <p:cNvPr id="7" name="Rectangle: Rounded Corners 6">
+            <a:extLst>
+              <a:ext uri="{FF2B5EF4-FFF2-40B4-BE49-F238E27FC236}">
+                <a16:creationId xmlns:a16="http://schemas.microsoft.com/office/drawing/2014/main" id="{3E295067-2176-E4AE-DED0-15FDBD8D8624}"/>
+              </a:ext>
+            </a:extLst>
+          </p:cNvPr>
+          <p:cNvSpPr/>
+          <p:nvPr/>
+        </p:nvSpPr>
+        <p:spPr>
+          <a:xfrm>
+            <a:off x="4406900" y="2409825"/>
+            <a:ext cx="2317750" cy="533400"/>
+          </a:xfrm>
+          <a:prstGeom prst="roundRect">
+            <a:avLst/>
+          </a:prstGeom>
+        </p:spPr>
+        <p:style>
+          <a:lnRef idx="2">
+            <a:schemeClr val="accent6">
+              <a:shade val="15000"/>
+            </a:schemeClr>
+          </a:lnRef>
+          <a:fillRef idx="1">
+            <a:schemeClr val="accent6"/>
+          </a:fillRef>
+          <a:effectRef idx="0">
+            <a:schemeClr val="accent6"/>
+          </a:effectRef>
+          <a:fontRef idx="minor">
+            <a:schemeClr val="lt1"/>
+          </a:fontRef>
+        </p:style>
+        <p:txBody>
+          <a:bodyPr rtlCol="0" anchor="ctr"/>
+          <a:lstStyle/>
+          <a:p>
+            <a:pPr algn="ctr"/>
+            <a:r>
+              <a:rPr lang="en-US" dirty="0"/>
+              <a:t>Windows/GDI</a:t>
+            </a:r>
+          </a:p>
+        </p:txBody>
+      </p:sp>
+      <p:sp>
+        <p:nvSpPr>
+          <p:cNvPr id="8" name="Rectangle: Rounded Corners 7">
+            <a:extLst>
+              <a:ext uri="{FF2B5EF4-FFF2-40B4-BE49-F238E27FC236}">
+                <a16:creationId xmlns:a16="http://schemas.microsoft.com/office/drawing/2014/main" id="{C1F57318-89B7-B867-D665-62C4A9635325}"/>
+              </a:ext>
+            </a:extLst>
+          </p:cNvPr>
+          <p:cNvSpPr/>
+          <p:nvPr/>
+        </p:nvSpPr>
+        <p:spPr>
+          <a:xfrm>
+            <a:off x="4406900" y="3057525"/>
+            <a:ext cx="2317750" cy="533400"/>
+          </a:xfrm>
+          <a:prstGeom prst="roundRect">
+            <a:avLst/>
+          </a:prstGeom>
+        </p:spPr>
+        <p:style>
+          <a:lnRef idx="2">
+            <a:schemeClr val="accent6">
+              <a:shade val="15000"/>
+            </a:schemeClr>
+          </a:lnRef>
+          <a:fillRef idx="1">
+            <a:schemeClr val="accent6"/>
+          </a:fillRef>
+          <a:effectRef idx="0">
+            <a:schemeClr val="accent6"/>
+          </a:effectRef>
+          <a:fontRef idx="minor">
+            <a:schemeClr val="lt1"/>
+          </a:fontRef>
+        </p:style>
+        <p:txBody>
+          <a:bodyPr rtlCol="0" anchor="ctr"/>
+          <a:lstStyle/>
+          <a:p>
+            <a:pPr algn="ctr"/>
+            <a:r>
+              <a:rPr lang="en-US" dirty="0"/>
+              <a:t>Linux/</a:t>
+            </a:r>
+            <a:r>
+              <a:rPr lang="en-US" dirty="0" err="1"/>
+              <a:t>Gtk</a:t>
+            </a:r>
+            <a:endParaRPr lang="en-US" dirty="0"/>
+          </a:p>
+        </p:txBody>
+      </p:sp>
+      <p:sp>
+        <p:nvSpPr>
+          <p:cNvPr id="9" name="Rectangle: Rounded Corners 8">
+            <a:extLst>
+              <a:ext uri="{FF2B5EF4-FFF2-40B4-BE49-F238E27FC236}">
+                <a16:creationId xmlns:a16="http://schemas.microsoft.com/office/drawing/2014/main" id="{3DFA41CE-6388-A99F-0241-4E619743F017}"/>
+              </a:ext>
+            </a:extLst>
+          </p:cNvPr>
+          <p:cNvSpPr/>
+          <p:nvPr/>
+        </p:nvSpPr>
+        <p:spPr>
+          <a:xfrm>
+            <a:off x="4406900" y="3698876"/>
+            <a:ext cx="2317750" cy="533400"/>
+          </a:xfrm>
+          <a:prstGeom prst="roundRect">
+            <a:avLst/>
+          </a:prstGeom>
+        </p:spPr>
+        <p:style>
+          <a:lnRef idx="2">
+            <a:schemeClr val="accent6">
+              <a:shade val="15000"/>
+            </a:schemeClr>
+          </a:lnRef>
+          <a:fillRef idx="1">
+            <a:schemeClr val="accent6"/>
+          </a:fillRef>
+          <a:effectRef idx="0">
+            <a:schemeClr val="accent6"/>
+          </a:effectRef>
+          <a:fontRef idx="minor">
+            <a:schemeClr val="lt1"/>
+          </a:fontRef>
+        </p:style>
+        <p:txBody>
+          <a:bodyPr rtlCol="0" anchor="ctr"/>
+          <a:lstStyle/>
+          <a:p>
+            <a:pPr algn="ctr"/>
+            <a:r>
+              <a:rPr lang="en-US" dirty="0" err="1"/>
+              <a:t>macos</a:t>
+            </a:r>
+            <a:r>
+              <a:rPr lang="en-US" dirty="0"/>
+              <a:t>/</a:t>
+            </a:r>
+            <a:r>
+              <a:rPr lang="en-US" dirty="0" err="1"/>
+              <a:t>CoreGraphics</a:t>
+            </a:r>
+            <a:endParaRPr lang="en-US" dirty="0"/>
+          </a:p>
+        </p:txBody>
+      </p:sp>
+      <p:cxnSp>
+        <p:nvCxnSpPr>
+          <p:cNvPr id="62" name="Connector: Curved 61">
+            <a:extLst>
+              <a:ext uri="{FF2B5EF4-FFF2-40B4-BE49-F238E27FC236}">
+                <a16:creationId xmlns:a16="http://schemas.microsoft.com/office/drawing/2014/main" id="{A1698E0C-0D6F-89DA-CD05-3B6382F6C717}"/>
+              </a:ext>
+            </a:extLst>
+          </p:cNvPr>
+          <p:cNvCxnSpPr>
+            <a:stCxn id="4" idx="3"/>
+            <a:endCxn id="6" idx="1"/>
+          </p:cNvCxnSpPr>
+          <p:nvPr/>
+        </p:nvCxnSpPr>
+        <p:spPr>
+          <a:xfrm flipV="1">
+            <a:off x="3213096" y="2028825"/>
+            <a:ext cx="1193804" cy="1937255"/>
+          </a:xfrm>
+          <a:prstGeom prst="curvedConnector3">
+            <a:avLst/>
+          </a:prstGeom>
+          <a:ln>
+            <a:tailEnd type="triangle"/>
+          </a:ln>
+        </p:spPr>
+        <p:style>
+          <a:lnRef idx="2">
+            <a:schemeClr val="accent2"/>
+          </a:lnRef>
+          <a:fillRef idx="0">
+            <a:schemeClr val="accent2"/>
+          </a:fillRef>
+          <a:effectRef idx="1">
+            <a:schemeClr val="accent2"/>
+          </a:effectRef>
+          <a:fontRef idx="minor">
+            <a:schemeClr val="tx1"/>
+          </a:fontRef>
+        </p:style>
+      </p:cxnSp>
+      <p:cxnSp>
+        <p:nvCxnSpPr>
+          <p:cNvPr id="64" name="Connector: Curved 63">
+            <a:extLst>
+              <a:ext uri="{FF2B5EF4-FFF2-40B4-BE49-F238E27FC236}">
+                <a16:creationId xmlns:a16="http://schemas.microsoft.com/office/drawing/2014/main" id="{1EE9CF07-F03E-D166-C463-F9B906D78187}"/>
+              </a:ext>
+            </a:extLst>
+          </p:cNvPr>
+          <p:cNvCxnSpPr>
+            <a:stCxn id="4" idx="3"/>
+            <a:endCxn id="7" idx="1"/>
+          </p:cNvCxnSpPr>
+          <p:nvPr/>
+        </p:nvCxnSpPr>
+        <p:spPr>
+          <a:xfrm flipV="1">
+            <a:off x="3213096" y="2676525"/>
+            <a:ext cx="1193804" cy="1289555"/>
+          </a:xfrm>
+          <a:prstGeom prst="curvedConnector3">
+            <a:avLst/>
+          </a:prstGeom>
+          <a:ln>
+            <a:tailEnd type="triangle"/>
+          </a:ln>
+        </p:spPr>
+        <p:style>
+          <a:lnRef idx="2">
+            <a:schemeClr val="accent2"/>
+          </a:lnRef>
+          <a:fillRef idx="0">
+            <a:schemeClr val="accent2"/>
+          </a:fillRef>
+          <a:effectRef idx="1">
+            <a:schemeClr val="accent2"/>
+          </a:effectRef>
+          <a:fontRef idx="minor">
+            <a:schemeClr val="tx1"/>
+          </a:fontRef>
+        </p:style>
+      </p:cxnSp>
+      <p:cxnSp>
+        <p:nvCxnSpPr>
+          <p:cNvPr id="66" name="Connector: Curved 65">
+            <a:extLst>
+              <a:ext uri="{FF2B5EF4-FFF2-40B4-BE49-F238E27FC236}">
+                <a16:creationId xmlns:a16="http://schemas.microsoft.com/office/drawing/2014/main" id="{A7195A5D-4CE5-B555-A3AF-D9F6F91BCED4}"/>
+              </a:ext>
+            </a:extLst>
+          </p:cNvPr>
+          <p:cNvCxnSpPr>
+            <a:stCxn id="4" idx="3"/>
+            <a:endCxn id="8" idx="1"/>
+          </p:cNvCxnSpPr>
+          <p:nvPr/>
+        </p:nvCxnSpPr>
+        <p:spPr>
+          <a:xfrm flipV="1">
+            <a:off x="3213096" y="3324225"/>
+            <a:ext cx="1193804" cy="641855"/>
+          </a:xfrm>
+          <a:prstGeom prst="curvedConnector3">
+            <a:avLst/>
+          </a:prstGeom>
+          <a:ln>
+            <a:prstDash val="dash"/>
+            <a:tailEnd type="triangle"/>
+          </a:ln>
+        </p:spPr>
+        <p:style>
+          <a:lnRef idx="2">
+            <a:schemeClr val="accent2"/>
+          </a:lnRef>
+          <a:fillRef idx="0">
+            <a:schemeClr val="accent2"/>
+          </a:fillRef>
+          <a:effectRef idx="1">
+            <a:schemeClr val="accent2"/>
+          </a:effectRef>
+          <a:fontRef idx="minor">
+            <a:schemeClr val="tx1"/>
+          </a:fontRef>
+        </p:style>
+      </p:cxnSp>
+      <p:cxnSp>
+        <p:nvCxnSpPr>
+          <p:cNvPr id="68" name="Connector: Curved 67">
+            <a:extLst>
+              <a:ext uri="{FF2B5EF4-FFF2-40B4-BE49-F238E27FC236}">
+                <a16:creationId xmlns:a16="http://schemas.microsoft.com/office/drawing/2014/main" id="{AF6ABD99-CEBF-A161-D4C3-263709AD3843}"/>
+              </a:ext>
+            </a:extLst>
+          </p:cNvPr>
+          <p:cNvCxnSpPr>
+            <a:stCxn id="4" idx="3"/>
+            <a:endCxn id="9" idx="1"/>
+          </p:cNvCxnSpPr>
+          <p:nvPr/>
+        </p:nvCxnSpPr>
+        <p:spPr>
+          <a:xfrm flipV="1">
+            <a:off x="3213096" y="3965576"/>
+            <a:ext cx="1193804" cy="504"/>
+          </a:xfrm>
+          <a:prstGeom prst="curvedConnector3">
+            <a:avLst>
+              <a:gd name="adj1" fmla="val 50000"/>
+            </a:avLst>
+          </a:prstGeom>
+          <a:ln>
+            <a:prstDash val="dash"/>
+            <a:tailEnd type="triangle"/>
+          </a:ln>
+        </p:spPr>
+        <p:style>
+          <a:lnRef idx="2">
+            <a:schemeClr val="accent2"/>
+          </a:lnRef>
+          <a:fillRef idx="0">
+            <a:schemeClr val="accent2"/>
+          </a:fillRef>
+          <a:effectRef idx="1">
+            <a:schemeClr val="accent2"/>
+          </a:effectRef>
+          <a:fontRef idx="minor">
+            <a:schemeClr val="tx1"/>
+          </a:fontRef>
+        </p:style>
+      </p:cxnSp>
+      <p:sp>
+        <p:nvSpPr>
+          <p:cNvPr id="123" name="TextBox 122">
+            <a:extLst>
+              <a:ext uri="{FF2B5EF4-FFF2-40B4-BE49-F238E27FC236}">
+                <a16:creationId xmlns:a16="http://schemas.microsoft.com/office/drawing/2014/main" id="{7D927736-E368-0DDD-819E-AFE3EA762D75}"/>
+              </a:ext>
+            </a:extLst>
+          </p:cNvPr>
+          <p:cNvSpPr txBox="1"/>
+          <p:nvPr/>
+        </p:nvSpPr>
+        <p:spPr>
+          <a:xfrm>
+            <a:off x="7004050" y="1840984"/>
+            <a:ext cx="4338047" cy="369332"/>
+          </a:xfrm>
+          <a:prstGeom prst="rect">
+            <a:avLst/>
+          </a:prstGeom>
+          <a:noFill/>
+        </p:spPr>
+        <p:txBody>
+          <a:bodyPr wrap="none" rtlCol="0">
+            <a:spAutoFit/>
+          </a:bodyPr>
+          <a:lstStyle/>
+          <a:p>
+            <a:r>
+              <a:rPr lang="en-US" dirty="0"/>
+              <a:t>SetupHostedWindowsDirect2DRenderer();</a:t>
+            </a:r>
+          </a:p>
+        </p:txBody>
+      </p:sp>
+      <p:sp>
+        <p:nvSpPr>
+          <p:cNvPr id="124" name="TextBox 123">
+            <a:extLst>
+              <a:ext uri="{FF2B5EF4-FFF2-40B4-BE49-F238E27FC236}">
+                <a16:creationId xmlns:a16="http://schemas.microsoft.com/office/drawing/2014/main" id="{B3F952FC-4240-40A0-7B81-D01F973E9F9D}"/>
+              </a:ext>
+            </a:extLst>
+          </p:cNvPr>
+          <p:cNvSpPr txBox="1"/>
+          <p:nvPr/>
+        </p:nvSpPr>
+        <p:spPr>
+          <a:xfrm>
+            <a:off x="7004050" y="2490271"/>
+            <a:ext cx="3844322" cy="369332"/>
+          </a:xfrm>
+          <a:prstGeom prst="rect">
+            <a:avLst/>
+          </a:prstGeom>
+          <a:noFill/>
+        </p:spPr>
+        <p:txBody>
+          <a:bodyPr wrap="none" rtlCol="0">
+            <a:spAutoFit/>
+          </a:bodyPr>
+          <a:lstStyle/>
+          <a:p>
+            <a:r>
+              <a:rPr lang="en-US" dirty="0" err="1"/>
+              <a:t>SetupHostedWindowsGDIRenderer</a:t>
+            </a:r>
+            <a:r>
+              <a:rPr lang="en-US" dirty="0"/>
+              <a:t>();</a:t>
+            </a:r>
+          </a:p>
+        </p:txBody>
+      </p:sp>
+      <p:sp>
+        <p:nvSpPr>
+          <p:cNvPr id="20" name="Rectangle: Rounded Corners 19">
+            <a:extLst>
+              <a:ext uri="{FF2B5EF4-FFF2-40B4-BE49-F238E27FC236}">
+                <a16:creationId xmlns:a16="http://schemas.microsoft.com/office/drawing/2014/main" id="{A2A5AB62-ED73-2501-F453-84EBD62CE94B}"/>
+              </a:ext>
+            </a:extLst>
+          </p:cNvPr>
+          <p:cNvSpPr/>
+          <p:nvPr/>
+        </p:nvSpPr>
+        <p:spPr>
+          <a:xfrm>
+            <a:off x="1295396" y="1765748"/>
+            <a:ext cx="1917700" cy="533400"/>
+          </a:xfrm>
+          <a:prstGeom prst="roundRect">
+            <a:avLst/>
+          </a:prstGeom>
+        </p:spPr>
+        <p:style>
+          <a:lnRef idx="2">
+            <a:schemeClr val="accent1">
+              <a:shade val="15000"/>
+            </a:schemeClr>
+          </a:lnRef>
+          <a:fillRef idx="1">
+            <a:schemeClr val="accent1"/>
+          </a:fillRef>
+          <a:effectRef idx="0">
+            <a:schemeClr val="accent1"/>
+          </a:effectRef>
+          <a:fontRef idx="minor">
+            <a:schemeClr val="lt1"/>
+          </a:fontRef>
+        </p:style>
+        <p:txBody>
+          <a:bodyPr rtlCol="0" anchor="ctr"/>
+          <a:lstStyle/>
+          <a:p>
+            <a:pPr algn="ctr"/>
+            <a:r>
+              <a:rPr lang="en-US" dirty="0" err="1"/>
+              <a:t>GuiApplication</a:t>
+            </a:r>
+            <a:endParaRPr lang="en-US" dirty="0"/>
+          </a:p>
+        </p:txBody>
+      </p:sp>
+      <p:cxnSp>
+        <p:nvCxnSpPr>
+          <p:cNvPr id="30" name="Connector: Curved 29">
+            <a:extLst>
+              <a:ext uri="{FF2B5EF4-FFF2-40B4-BE49-F238E27FC236}">
+                <a16:creationId xmlns:a16="http://schemas.microsoft.com/office/drawing/2014/main" id="{77EE5519-16E6-0267-4863-00F1E5ED7343}"/>
+              </a:ext>
+            </a:extLst>
+          </p:cNvPr>
+          <p:cNvCxnSpPr>
+            <a:cxnSpLocks/>
+            <a:stCxn id="20" idx="2"/>
+            <a:endCxn id="4" idx="0"/>
+          </p:cNvCxnSpPr>
+          <p:nvPr/>
+        </p:nvCxnSpPr>
+        <p:spPr>
+          <a:xfrm rot="5400000">
+            <a:off x="1554130" y="2999264"/>
+            <a:ext cx="1400232" cy="12700"/>
+          </a:xfrm>
+          <a:prstGeom prst="curvedConnector3">
+            <a:avLst/>
+          </a:prstGeom>
+          <a:ln w="19050">
+            <a:tailEnd type="triangle"/>
+          </a:ln>
+        </p:spPr>
+        <p:style>
+          <a:lnRef idx="1">
+            <a:schemeClr val="accent1"/>
+          </a:lnRef>
+          <a:fillRef idx="0">
+            <a:schemeClr val="accent1"/>
+          </a:fillRef>
+          <a:effectRef idx="0">
+            <a:schemeClr val="accent1"/>
+          </a:effectRef>
+          <a:fontRef idx="minor">
+            <a:schemeClr val="tx1"/>
+          </a:fontRef>
+        </p:style>
+      </p:cxnSp>
+    </p:spTree>
+    <p:extLst>
+      <p:ext uri="{BB962C8B-B14F-4D97-AF65-F5344CB8AC3E}">
+        <p14:creationId xmlns:p14="http://schemas.microsoft.com/office/powerpoint/2010/main" val="2294162230"/>
+      </p:ext>
+    </p:extLst>
+  </p:cSld>
+  <p:clrMapOvr>
+    <a:masterClrMapping/>
+  </p:clrMapOvr>
+</p:sld>
+</file>
+
+<file path=ppt/slides/slide8.xml><?xml version="1.0" encoding="utf-8"?>
+<p:sld xmlns:a="http://schemas.openxmlformats.org/drawingml/2006/main" xmlns:r="http://schemas.openxmlformats.org/officeDocument/2006/relationships" xmlns:p="http://schemas.openxmlformats.org/presentationml/2006/main">
+  <p:cSld>
+    <p:spTree>
+      <p:nvGrpSpPr>
+        <p:cNvPr id="1" name="">
+          <a:extLst>
+            <a:ext uri="{FF2B5EF4-FFF2-40B4-BE49-F238E27FC236}">
+              <a16:creationId xmlns:a16="http://schemas.microsoft.com/office/drawing/2014/main" id="{05EBB2D2-2CE3-A1BD-6569-D176CEABF372}"/>
+            </a:ext>
+          </a:extLst>
+        </p:cNvPr>
+        <p:cNvGrpSpPr/>
+        <p:nvPr/>
+      </p:nvGrpSpPr>
+      <p:grpSpPr>
+        <a:xfrm>
+          <a:off x="0" y="0"/>
+          <a:ext cx="0" cy="0"/>
+          <a:chOff x="0" y="0"/>
+          <a:chExt cx="0" cy="0"/>
+        </a:xfrm>
+      </p:grpSpPr>
+      <p:sp>
+        <p:nvSpPr>
+          <p:cNvPr id="4" name="Rectangle: Rounded Corners 3">
+            <a:extLst>
+              <a:ext uri="{FF2B5EF4-FFF2-40B4-BE49-F238E27FC236}">
+                <a16:creationId xmlns:a16="http://schemas.microsoft.com/office/drawing/2014/main" id="{4C4030E4-83D1-81F8-E3F2-083324AEBBD9}"/>
+              </a:ext>
+            </a:extLst>
+          </p:cNvPr>
+          <p:cNvSpPr/>
+          <p:nvPr/>
+        </p:nvSpPr>
+        <p:spPr>
+          <a:xfrm>
+            <a:off x="2282159" y="6126162"/>
+            <a:ext cx="1917700" cy="533400"/>
+          </a:xfrm>
+          <a:prstGeom prst="roundRect">
+            <a:avLst/>
+          </a:prstGeom>
+        </p:spPr>
+        <p:style>
+          <a:lnRef idx="2">
+            <a:schemeClr val="accent2">
+              <a:shade val="15000"/>
+            </a:schemeClr>
+          </a:lnRef>
+          <a:fillRef idx="1">
+            <a:schemeClr val="accent2"/>
+          </a:fillRef>
+          <a:effectRef idx="0">
+            <a:schemeClr val="accent2"/>
+          </a:effectRef>
+          <a:fontRef idx="minor">
+            <a:schemeClr val="lt1"/>
+          </a:fontRef>
+        </p:style>
+        <p:txBody>
+          <a:bodyPr rtlCol="0" anchor="ctr"/>
+          <a:lstStyle/>
+          <a:p>
+            <a:pPr algn="ctr"/>
+            <a:r>
+              <a:rPr lang="en-US" dirty="0"/>
+              <a:t>Hosted Mode</a:t>
+            </a:r>
+          </a:p>
+        </p:txBody>
+      </p:sp>
+      <p:sp>
+        <p:nvSpPr>
+          <p:cNvPr id="6" name="Rectangle: Rounded Corners 5">
+            <a:extLst>
+              <a:ext uri="{FF2B5EF4-FFF2-40B4-BE49-F238E27FC236}">
+                <a16:creationId xmlns:a16="http://schemas.microsoft.com/office/drawing/2014/main" id="{A8272C19-4061-4625-990E-653723D0EB91}"/>
+              </a:ext>
+            </a:extLst>
+          </p:cNvPr>
+          <p:cNvSpPr/>
+          <p:nvPr/>
+        </p:nvSpPr>
+        <p:spPr>
+          <a:xfrm>
+            <a:off x="5393663" y="4188907"/>
+            <a:ext cx="2317750" cy="533400"/>
+          </a:xfrm>
+          <a:prstGeom prst="roundRect">
+            <a:avLst/>
+          </a:prstGeom>
+        </p:spPr>
+        <p:style>
+          <a:lnRef idx="2">
+            <a:schemeClr val="accent6">
+              <a:shade val="15000"/>
+            </a:schemeClr>
+          </a:lnRef>
+          <a:fillRef idx="1">
+            <a:schemeClr val="accent6"/>
+          </a:fillRef>
+          <a:effectRef idx="0">
+            <a:schemeClr val="accent6"/>
+          </a:effectRef>
+          <a:fontRef idx="minor">
+            <a:schemeClr val="lt1"/>
+          </a:fontRef>
+        </p:style>
+        <p:txBody>
+          <a:bodyPr rtlCol="0" anchor="ctr"/>
+          <a:lstStyle/>
+          <a:p>
+            <a:pPr algn="ctr"/>
+            <a:r>
+              <a:rPr lang="en-US" dirty="0"/>
+              <a:t>Windows/Direct2D</a:t>
+            </a:r>
+          </a:p>
+        </p:txBody>
+      </p:sp>
+      <p:sp>
+        <p:nvSpPr>
+          <p:cNvPr id="7" name="Rectangle: Rounded Corners 6">
+            <a:extLst>
+              <a:ext uri="{FF2B5EF4-FFF2-40B4-BE49-F238E27FC236}">
+                <a16:creationId xmlns:a16="http://schemas.microsoft.com/office/drawing/2014/main" id="{09B8ED85-85FC-2798-6827-D052FD95E635}"/>
+              </a:ext>
+            </a:extLst>
+          </p:cNvPr>
+          <p:cNvSpPr/>
+          <p:nvPr/>
+        </p:nvSpPr>
+        <p:spPr>
+          <a:xfrm>
+            <a:off x="5393663" y="4836607"/>
+            <a:ext cx="2317750" cy="533400"/>
+          </a:xfrm>
+          <a:prstGeom prst="roundRect">
+            <a:avLst/>
+          </a:prstGeom>
+        </p:spPr>
+        <p:style>
+          <a:lnRef idx="2">
+            <a:schemeClr val="accent6">
+              <a:shade val="15000"/>
+            </a:schemeClr>
+          </a:lnRef>
+          <a:fillRef idx="1">
+            <a:schemeClr val="accent6"/>
+          </a:fillRef>
+          <a:effectRef idx="0">
+            <a:schemeClr val="accent6"/>
+          </a:effectRef>
+          <a:fontRef idx="minor">
+            <a:schemeClr val="lt1"/>
+          </a:fontRef>
+        </p:style>
+        <p:txBody>
+          <a:bodyPr rtlCol="0" anchor="ctr"/>
+          <a:lstStyle/>
+          <a:p>
+            <a:pPr algn="ctr"/>
+            <a:r>
+              <a:rPr lang="en-US" dirty="0"/>
+              <a:t>Windows/GDI</a:t>
+            </a:r>
+          </a:p>
+        </p:txBody>
+      </p:sp>
+      <p:sp>
+        <p:nvSpPr>
+          <p:cNvPr id="8" name="Rectangle: Rounded Corners 7">
+            <a:extLst>
+              <a:ext uri="{FF2B5EF4-FFF2-40B4-BE49-F238E27FC236}">
+                <a16:creationId xmlns:a16="http://schemas.microsoft.com/office/drawing/2014/main" id="{F1590ACC-1DFB-A1F3-1703-6EBB16DDD7CD}"/>
+              </a:ext>
+            </a:extLst>
+          </p:cNvPr>
+          <p:cNvSpPr/>
+          <p:nvPr/>
+        </p:nvSpPr>
+        <p:spPr>
+          <a:xfrm>
+            <a:off x="5393663" y="5484307"/>
+            <a:ext cx="2317750" cy="533400"/>
+          </a:xfrm>
+          <a:prstGeom prst="roundRect">
+            <a:avLst/>
+          </a:prstGeom>
+        </p:spPr>
+        <p:style>
+          <a:lnRef idx="2">
+            <a:schemeClr val="accent6">
+              <a:shade val="15000"/>
+            </a:schemeClr>
+          </a:lnRef>
+          <a:fillRef idx="1">
+            <a:schemeClr val="accent6"/>
+          </a:fillRef>
+          <a:effectRef idx="0">
+            <a:schemeClr val="accent6"/>
+          </a:effectRef>
+          <a:fontRef idx="minor">
+            <a:schemeClr val="lt1"/>
+          </a:fontRef>
+        </p:style>
+        <p:txBody>
+          <a:bodyPr rtlCol="0" anchor="ctr"/>
+          <a:lstStyle/>
+          <a:p>
+            <a:pPr algn="ctr"/>
+            <a:r>
+              <a:rPr lang="en-US" dirty="0"/>
+              <a:t>Linux/</a:t>
+            </a:r>
+            <a:r>
+              <a:rPr lang="en-US" dirty="0" err="1"/>
+              <a:t>Gtk</a:t>
+            </a:r>
+            <a:endParaRPr lang="en-US" dirty="0"/>
+          </a:p>
+        </p:txBody>
+      </p:sp>
+      <p:sp>
+        <p:nvSpPr>
+          <p:cNvPr id="9" name="Rectangle: Rounded Corners 8">
+            <a:extLst>
+              <a:ext uri="{FF2B5EF4-FFF2-40B4-BE49-F238E27FC236}">
+                <a16:creationId xmlns:a16="http://schemas.microsoft.com/office/drawing/2014/main" id="{F1EB2146-55A3-F57D-F816-6CE7BC70CE9D}"/>
+              </a:ext>
+            </a:extLst>
+          </p:cNvPr>
+          <p:cNvSpPr/>
+          <p:nvPr/>
+        </p:nvSpPr>
+        <p:spPr>
+          <a:xfrm>
+            <a:off x="5393663" y="6125658"/>
+            <a:ext cx="2317750" cy="533400"/>
+          </a:xfrm>
+          <a:prstGeom prst="roundRect">
+            <a:avLst/>
+          </a:prstGeom>
+        </p:spPr>
+        <p:style>
+          <a:lnRef idx="2">
+            <a:schemeClr val="accent6">
+              <a:shade val="15000"/>
+            </a:schemeClr>
+          </a:lnRef>
+          <a:fillRef idx="1">
+            <a:schemeClr val="accent6"/>
+          </a:fillRef>
+          <a:effectRef idx="0">
+            <a:schemeClr val="accent6"/>
+          </a:effectRef>
+          <a:fontRef idx="minor">
+            <a:schemeClr val="lt1"/>
+          </a:fontRef>
+        </p:style>
+        <p:txBody>
+          <a:bodyPr rtlCol="0" anchor="ctr"/>
+          <a:lstStyle/>
+          <a:p>
+            <a:pPr algn="ctr"/>
+            <a:r>
+              <a:rPr lang="en-US" dirty="0" err="1"/>
+              <a:t>macos</a:t>
+            </a:r>
+            <a:r>
+              <a:rPr lang="en-US" dirty="0"/>
+              <a:t>/</a:t>
+            </a:r>
+            <a:r>
+              <a:rPr lang="en-US" dirty="0" err="1"/>
+              <a:t>CoreGraphics</a:t>
+            </a:r>
+            <a:endParaRPr lang="en-US" dirty="0"/>
+          </a:p>
+        </p:txBody>
+      </p:sp>
+      <p:cxnSp>
+        <p:nvCxnSpPr>
+          <p:cNvPr id="62" name="Connector: Curved 61">
+            <a:extLst>
+              <a:ext uri="{FF2B5EF4-FFF2-40B4-BE49-F238E27FC236}">
+                <a16:creationId xmlns:a16="http://schemas.microsoft.com/office/drawing/2014/main" id="{5F5A2450-08EA-C5B5-4DAA-F172AF41F009}"/>
+              </a:ext>
+            </a:extLst>
+          </p:cNvPr>
+          <p:cNvCxnSpPr>
+            <a:stCxn id="4" idx="3"/>
+            <a:endCxn id="6" idx="1"/>
+          </p:cNvCxnSpPr>
+          <p:nvPr/>
+        </p:nvCxnSpPr>
+        <p:spPr>
+          <a:xfrm flipV="1">
+            <a:off x="4199859" y="4455607"/>
+            <a:ext cx="1193804" cy="1937255"/>
+          </a:xfrm>
+          <a:prstGeom prst="curvedConnector3">
+            <a:avLst/>
+          </a:prstGeom>
+          <a:ln>
+            <a:tailEnd type="triangle"/>
+          </a:ln>
+        </p:spPr>
+        <p:style>
+          <a:lnRef idx="2">
+            <a:schemeClr val="accent2"/>
+          </a:lnRef>
+          <a:fillRef idx="0">
+            <a:schemeClr val="accent2"/>
+          </a:fillRef>
+          <a:effectRef idx="1">
+            <a:schemeClr val="accent2"/>
+          </a:effectRef>
+          <a:fontRef idx="minor">
+            <a:schemeClr val="tx1"/>
+          </a:fontRef>
+        </p:style>
+      </p:cxnSp>
+      <p:cxnSp>
+        <p:nvCxnSpPr>
+          <p:cNvPr id="64" name="Connector: Curved 63">
+            <a:extLst>
+              <a:ext uri="{FF2B5EF4-FFF2-40B4-BE49-F238E27FC236}">
+                <a16:creationId xmlns:a16="http://schemas.microsoft.com/office/drawing/2014/main" id="{6188A4D1-3E20-2B53-C7E9-6B019C4D12C4}"/>
+              </a:ext>
+            </a:extLst>
+          </p:cNvPr>
+          <p:cNvCxnSpPr>
+            <a:stCxn id="4" idx="3"/>
+            <a:endCxn id="7" idx="1"/>
+          </p:cNvCxnSpPr>
+          <p:nvPr/>
+        </p:nvCxnSpPr>
+        <p:spPr>
+          <a:xfrm flipV="1">
+            <a:off x="4199859" y="5103307"/>
+            <a:ext cx="1193804" cy="1289555"/>
+          </a:xfrm>
+          <a:prstGeom prst="curvedConnector3">
+            <a:avLst/>
+          </a:prstGeom>
+          <a:ln>
+            <a:tailEnd type="triangle"/>
+          </a:ln>
+        </p:spPr>
+        <p:style>
+          <a:lnRef idx="2">
+            <a:schemeClr val="accent2"/>
+          </a:lnRef>
+          <a:fillRef idx="0">
+            <a:schemeClr val="accent2"/>
+          </a:fillRef>
+          <a:effectRef idx="1">
+            <a:schemeClr val="accent2"/>
+          </a:effectRef>
+          <a:fontRef idx="minor">
+            <a:schemeClr val="tx1"/>
+          </a:fontRef>
+        </p:style>
+      </p:cxnSp>
+      <p:cxnSp>
+        <p:nvCxnSpPr>
+          <p:cNvPr id="66" name="Connector: Curved 65">
+            <a:extLst>
+              <a:ext uri="{FF2B5EF4-FFF2-40B4-BE49-F238E27FC236}">
+                <a16:creationId xmlns:a16="http://schemas.microsoft.com/office/drawing/2014/main" id="{E7943C92-55EA-3F97-A64E-27CAF3A287BA}"/>
+              </a:ext>
+            </a:extLst>
+          </p:cNvPr>
+          <p:cNvCxnSpPr>
+            <a:stCxn id="4" idx="3"/>
+            <a:endCxn id="8" idx="1"/>
+          </p:cNvCxnSpPr>
+          <p:nvPr/>
+        </p:nvCxnSpPr>
+        <p:spPr>
+          <a:xfrm flipV="1">
+            <a:off x="4199859" y="5751007"/>
+            <a:ext cx="1193804" cy="641855"/>
+          </a:xfrm>
+          <a:prstGeom prst="curvedConnector3">
+            <a:avLst/>
+          </a:prstGeom>
+          <a:ln>
+            <a:prstDash val="dash"/>
+            <a:tailEnd type="triangle"/>
+          </a:ln>
+        </p:spPr>
+        <p:style>
+          <a:lnRef idx="2">
+            <a:schemeClr val="accent2"/>
+          </a:lnRef>
+          <a:fillRef idx="0">
+            <a:schemeClr val="accent2"/>
+          </a:fillRef>
+          <a:effectRef idx="1">
+            <a:schemeClr val="accent2"/>
+          </a:effectRef>
+          <a:fontRef idx="minor">
+            <a:schemeClr val="tx1"/>
+          </a:fontRef>
+        </p:style>
+      </p:cxnSp>
+      <p:cxnSp>
+        <p:nvCxnSpPr>
+          <p:cNvPr id="68" name="Connector: Curved 67">
+            <a:extLst>
+              <a:ext uri="{FF2B5EF4-FFF2-40B4-BE49-F238E27FC236}">
+                <a16:creationId xmlns:a16="http://schemas.microsoft.com/office/drawing/2014/main" id="{58A70CB7-B297-222D-97E4-DF520C4E40DF}"/>
+              </a:ext>
+            </a:extLst>
+          </p:cNvPr>
+          <p:cNvCxnSpPr>
+            <a:stCxn id="4" idx="3"/>
+            <a:endCxn id="9" idx="1"/>
+          </p:cNvCxnSpPr>
+          <p:nvPr/>
+        </p:nvCxnSpPr>
+        <p:spPr>
+          <a:xfrm flipV="1">
+            <a:off x="4199859" y="6392358"/>
+            <a:ext cx="1193804" cy="504"/>
+          </a:xfrm>
+          <a:prstGeom prst="curvedConnector3">
+            <a:avLst>
+              <a:gd name="adj1" fmla="val 50000"/>
+            </a:avLst>
+          </a:prstGeom>
+          <a:ln>
+            <a:prstDash val="dash"/>
+            <a:tailEnd type="triangle"/>
+          </a:ln>
+        </p:spPr>
+        <p:style>
+          <a:lnRef idx="2">
+            <a:schemeClr val="accent2"/>
+          </a:lnRef>
+          <a:fillRef idx="0">
+            <a:schemeClr val="accent2"/>
+          </a:fillRef>
+          <a:effectRef idx="1">
+            <a:schemeClr val="accent2"/>
+          </a:effectRef>
+          <a:fontRef idx="minor">
+            <a:schemeClr val="tx1"/>
+          </a:fontRef>
+        </p:style>
+      </p:cxnSp>
+      <p:sp>
+        <p:nvSpPr>
+          <p:cNvPr id="123" name="TextBox 122">
+            <a:extLst>
+              <a:ext uri="{FF2B5EF4-FFF2-40B4-BE49-F238E27FC236}">
+                <a16:creationId xmlns:a16="http://schemas.microsoft.com/office/drawing/2014/main" id="{9EC65D63-66D7-78A6-0CBB-585E8C54D959}"/>
+              </a:ext>
+            </a:extLst>
+          </p:cNvPr>
+          <p:cNvSpPr txBox="1"/>
+          <p:nvPr/>
+        </p:nvSpPr>
+        <p:spPr>
+          <a:xfrm>
+            <a:off x="7990813" y="4267766"/>
+            <a:ext cx="4035079" cy="369332"/>
+          </a:xfrm>
+          <a:prstGeom prst="rect">
+            <a:avLst/>
+          </a:prstGeom>
+          <a:noFill/>
+        </p:spPr>
+        <p:txBody>
+          <a:bodyPr wrap="none" rtlCol="0">
+            <a:spAutoFit/>
+          </a:bodyPr>
+          <a:lstStyle/>
+          <a:p>
+            <a:r>
+              <a:rPr lang="en-US" dirty="0"/>
+              <a:t>SetupRawWindowsDirect2DRenderer();</a:t>
+            </a:r>
+          </a:p>
+        </p:txBody>
+      </p:sp>
+      <p:sp>
+        <p:nvSpPr>
+          <p:cNvPr id="124" name="TextBox 123">
+            <a:extLst>
+              <a:ext uri="{FF2B5EF4-FFF2-40B4-BE49-F238E27FC236}">
+                <a16:creationId xmlns:a16="http://schemas.microsoft.com/office/drawing/2014/main" id="{95BAC3A5-0DFA-E805-8D1D-7782C1DD196B}"/>
+              </a:ext>
+            </a:extLst>
+          </p:cNvPr>
+          <p:cNvSpPr txBox="1"/>
+          <p:nvPr/>
+        </p:nvSpPr>
+        <p:spPr>
+          <a:xfrm>
+            <a:off x="7990813" y="4917053"/>
+            <a:ext cx="3541354" cy="369332"/>
+          </a:xfrm>
+          <a:prstGeom prst="rect">
+            <a:avLst/>
+          </a:prstGeom>
+          <a:noFill/>
+        </p:spPr>
+        <p:txBody>
+          <a:bodyPr wrap="none" rtlCol="0">
+            <a:spAutoFit/>
+          </a:bodyPr>
+          <a:lstStyle/>
+          <a:p>
+            <a:r>
+              <a:rPr lang="en-US" dirty="0" err="1"/>
+              <a:t>SetupRawWindowsGDIRenderer</a:t>
+            </a:r>
+            <a:r>
+              <a:rPr lang="en-US" dirty="0"/>
+              <a:t>();</a:t>
+            </a:r>
+          </a:p>
+        </p:txBody>
+      </p:sp>
+      <p:sp>
+        <p:nvSpPr>
+          <p:cNvPr id="20" name="Rectangle: Rounded Corners 19">
+            <a:extLst>
+              <a:ext uri="{FF2B5EF4-FFF2-40B4-BE49-F238E27FC236}">
+                <a16:creationId xmlns:a16="http://schemas.microsoft.com/office/drawing/2014/main" id="{0C7DD046-A75D-8129-F936-39CACE491DF0}"/>
+              </a:ext>
+            </a:extLst>
+          </p:cNvPr>
+          <p:cNvSpPr/>
+          <p:nvPr/>
+        </p:nvSpPr>
+        <p:spPr>
+          <a:xfrm>
+            <a:off x="3469613" y="511195"/>
+            <a:ext cx="1917700" cy="533400"/>
+          </a:xfrm>
+          <a:prstGeom prst="roundRect">
+            <a:avLst/>
+          </a:prstGeom>
+        </p:spPr>
+        <p:style>
+          <a:lnRef idx="2">
+            <a:schemeClr val="accent1">
+              <a:shade val="15000"/>
+            </a:schemeClr>
+          </a:lnRef>
+          <a:fillRef idx="1">
+            <a:schemeClr val="accent1"/>
+          </a:fillRef>
+          <a:effectRef idx="0">
+            <a:schemeClr val="accent1"/>
+          </a:effectRef>
+          <a:fontRef idx="minor">
+            <a:schemeClr val="lt1"/>
+          </a:fontRef>
+        </p:style>
+        <p:txBody>
+          <a:bodyPr rtlCol="0" anchor="ctr"/>
+          <a:lstStyle/>
+          <a:p>
+            <a:pPr algn="ctr"/>
+            <a:r>
+              <a:rPr lang="en-US" dirty="0" err="1"/>
+              <a:t>GuiApplication</a:t>
+            </a:r>
+            <a:endParaRPr lang="en-US" dirty="0"/>
+          </a:p>
+        </p:txBody>
+      </p:sp>
+      <p:sp>
+        <p:nvSpPr>
+          <p:cNvPr id="2" name="Rectangle: Rounded Corners 1">
+            <a:extLst>
+              <a:ext uri="{FF2B5EF4-FFF2-40B4-BE49-F238E27FC236}">
+                <a16:creationId xmlns:a16="http://schemas.microsoft.com/office/drawing/2014/main" id="{A494B565-203A-F33A-0010-E372ED1BD6FF}"/>
+              </a:ext>
+            </a:extLst>
+          </p:cNvPr>
+          <p:cNvSpPr/>
+          <p:nvPr/>
+        </p:nvSpPr>
+        <p:spPr>
+          <a:xfrm>
+            <a:off x="606119" y="5101719"/>
+            <a:ext cx="2996838" cy="533400"/>
+          </a:xfrm>
+          <a:prstGeom prst="roundRect">
+            <a:avLst/>
+          </a:prstGeom>
+        </p:spPr>
+        <p:style>
+          <a:lnRef idx="2">
+            <a:schemeClr val="accent1">
+              <a:shade val="15000"/>
+            </a:schemeClr>
+          </a:lnRef>
+          <a:fillRef idx="1">
+            <a:schemeClr val="accent1"/>
+          </a:fillRef>
+          <a:effectRef idx="0">
+            <a:schemeClr val="accent1"/>
+          </a:effectRef>
+          <a:fontRef idx="minor">
+            <a:schemeClr val="lt1"/>
+          </a:fontRef>
+        </p:style>
+        <p:txBody>
+          <a:bodyPr rtlCol="0" anchor="ctr"/>
+          <a:lstStyle/>
+          <a:p>
+            <a:pPr algn="ctr"/>
+            <a:r>
+              <a:rPr lang="en-US" dirty="0" err="1"/>
+              <a:t>GuiRemoteRendererSingle</a:t>
+            </a:r>
+            <a:endParaRPr lang="en-US" dirty="0"/>
+          </a:p>
+        </p:txBody>
+      </p:sp>
+      <p:cxnSp>
+        <p:nvCxnSpPr>
+          <p:cNvPr id="5" name="Connector: Curved 4">
+            <a:extLst>
+              <a:ext uri="{FF2B5EF4-FFF2-40B4-BE49-F238E27FC236}">
+                <a16:creationId xmlns:a16="http://schemas.microsoft.com/office/drawing/2014/main" id="{2D668C16-B710-C90D-2634-85E55448676A}"/>
+              </a:ext>
+            </a:extLst>
+          </p:cNvPr>
+          <p:cNvCxnSpPr>
+            <a:endCxn id="4" idx="1"/>
+          </p:cNvCxnSpPr>
+          <p:nvPr/>
+        </p:nvCxnSpPr>
+        <p:spPr>
+          <a:xfrm rot="16200000" flipH="1">
+            <a:off x="1814477" y="5925179"/>
+            <a:ext cx="757743" cy="177621"/>
+          </a:xfrm>
+          <a:prstGeom prst="curvedConnector2">
+            <a:avLst/>
+          </a:prstGeom>
+          <a:ln w="19050">
+            <a:tailEnd type="triangle"/>
+          </a:ln>
+        </p:spPr>
+        <p:style>
+          <a:lnRef idx="1">
+            <a:schemeClr val="accent1"/>
+          </a:lnRef>
+          <a:fillRef idx="0">
+            <a:schemeClr val="accent1"/>
+          </a:fillRef>
+          <a:effectRef idx="0">
+            <a:schemeClr val="accent1"/>
+          </a:effectRef>
+          <a:fontRef idx="minor">
+            <a:schemeClr val="tx1"/>
+          </a:fontRef>
+        </p:style>
+      </p:cxnSp>
+      <p:sp>
+        <p:nvSpPr>
+          <p:cNvPr id="10" name="Rectangle: Rounded Corners 9">
+            <a:extLst>
+              <a:ext uri="{FF2B5EF4-FFF2-40B4-BE49-F238E27FC236}">
+                <a16:creationId xmlns:a16="http://schemas.microsoft.com/office/drawing/2014/main" id="{1CA20086-336A-2EB8-69AE-A22FFCD11815}"/>
+              </a:ext>
+            </a:extLst>
+          </p:cNvPr>
+          <p:cNvSpPr/>
+          <p:nvPr/>
+        </p:nvSpPr>
+        <p:spPr>
+          <a:xfrm>
+            <a:off x="3469613" y="1427189"/>
+            <a:ext cx="1917700" cy="533400"/>
+          </a:xfrm>
+          <a:prstGeom prst="roundRect">
+            <a:avLst/>
+          </a:prstGeom>
+        </p:spPr>
+        <p:style>
+          <a:lnRef idx="2">
+            <a:schemeClr val="accent2">
+              <a:shade val="15000"/>
+            </a:schemeClr>
+          </a:lnRef>
+          <a:fillRef idx="1">
+            <a:schemeClr val="accent2"/>
+          </a:fillRef>
+          <a:effectRef idx="0">
+            <a:schemeClr val="accent2"/>
+          </a:effectRef>
+          <a:fontRef idx="minor">
+            <a:schemeClr val="lt1"/>
+          </a:fontRef>
+        </p:style>
+        <p:txBody>
+          <a:bodyPr rtlCol="0" anchor="ctr"/>
+          <a:lstStyle/>
+          <a:p>
+            <a:pPr algn="ctr"/>
+            <a:r>
+              <a:rPr lang="en-US" dirty="0"/>
+              <a:t>Hosted Mode</a:t>
+            </a:r>
+          </a:p>
+        </p:txBody>
+      </p:sp>
+      <p:sp>
+        <p:nvSpPr>
+          <p:cNvPr id="11" name="Rectangle: Rounded Corners 10">
+            <a:extLst>
+              <a:ext uri="{FF2B5EF4-FFF2-40B4-BE49-F238E27FC236}">
+                <a16:creationId xmlns:a16="http://schemas.microsoft.com/office/drawing/2014/main" id="{050A93D4-F113-F041-FFB7-FEA424720AAD}"/>
+              </a:ext>
+            </a:extLst>
+          </p:cNvPr>
+          <p:cNvSpPr/>
+          <p:nvPr/>
+        </p:nvSpPr>
+        <p:spPr>
+          <a:xfrm>
+            <a:off x="3275938" y="2343183"/>
+            <a:ext cx="2317750" cy="533400"/>
+          </a:xfrm>
+          <a:prstGeom prst="roundRect">
+            <a:avLst/>
+          </a:prstGeom>
+        </p:spPr>
+        <p:style>
+          <a:lnRef idx="2">
+            <a:schemeClr val="accent4">
+              <a:shade val="15000"/>
+            </a:schemeClr>
+          </a:lnRef>
+          <a:fillRef idx="1">
+            <a:schemeClr val="accent4"/>
+          </a:fillRef>
+          <a:effectRef idx="0">
+            <a:schemeClr val="accent4"/>
+          </a:effectRef>
+          <a:fontRef idx="minor">
+            <a:schemeClr val="lt1"/>
+          </a:fontRef>
+        </p:style>
+        <p:txBody>
+          <a:bodyPr rtlCol="0" anchor="ctr"/>
+          <a:lstStyle/>
+          <a:p>
+            <a:pPr algn="ctr"/>
+            <a:r>
+              <a:rPr lang="en-US" dirty="0"/>
+              <a:t>Remote Protocol</a:t>
+            </a:r>
+          </a:p>
+        </p:txBody>
+      </p:sp>
+      <p:sp>
+        <p:nvSpPr>
+          <p:cNvPr id="12" name="TextBox 11">
+            <a:extLst>
+              <a:ext uri="{FF2B5EF4-FFF2-40B4-BE49-F238E27FC236}">
+                <a16:creationId xmlns:a16="http://schemas.microsoft.com/office/drawing/2014/main" id="{8747468B-751E-51B9-0756-97F531EA4064}"/>
+              </a:ext>
+            </a:extLst>
+          </p:cNvPr>
+          <p:cNvSpPr txBox="1"/>
+          <p:nvPr/>
+        </p:nvSpPr>
+        <p:spPr>
+          <a:xfrm>
+            <a:off x="5839671" y="2425217"/>
+            <a:ext cx="5424883" cy="369332"/>
+          </a:xfrm>
+          <a:prstGeom prst="rect">
+            <a:avLst/>
+          </a:prstGeom>
+          <a:noFill/>
+        </p:spPr>
+        <p:txBody>
+          <a:bodyPr wrap="none" rtlCol="0">
+            <a:spAutoFit/>
+          </a:bodyPr>
+          <a:lstStyle/>
+          <a:p>
+            <a:r>
+              <a:rPr lang="en-US" dirty="0" err="1"/>
+              <a:t>SetupRemoteNativeController</a:t>
+            </a:r>
+            <a:r>
+              <a:rPr lang="en-US" dirty="0"/>
+              <a:t>(</a:t>
+            </a:r>
+            <a:r>
+              <a:rPr lang="en-US" dirty="0" err="1"/>
+              <a:t>IGuiRemoteProtocol</a:t>
+            </a:r>
+            <a:r>
+              <a:rPr lang="en-US" dirty="0"/>
+              <a:t>*);</a:t>
+            </a:r>
+          </a:p>
+        </p:txBody>
+      </p:sp>
+      <p:cxnSp>
+        <p:nvCxnSpPr>
+          <p:cNvPr id="14" name="Connector: Curved 13">
+            <a:extLst>
+              <a:ext uri="{FF2B5EF4-FFF2-40B4-BE49-F238E27FC236}">
+                <a16:creationId xmlns:a16="http://schemas.microsoft.com/office/drawing/2014/main" id="{76C301D5-6F80-6B01-B407-2058BDFE49FA}"/>
+              </a:ext>
+            </a:extLst>
+          </p:cNvPr>
+          <p:cNvCxnSpPr>
+            <a:stCxn id="20" idx="2"/>
+            <a:endCxn id="10" idx="0"/>
+          </p:cNvCxnSpPr>
+          <p:nvPr/>
+        </p:nvCxnSpPr>
+        <p:spPr>
+          <a:xfrm rot="5400000">
+            <a:off x="4237166" y="1235892"/>
+            <a:ext cx="382594" cy="12700"/>
+          </a:xfrm>
+          <a:prstGeom prst="curvedConnector3">
+            <a:avLst/>
+          </a:prstGeom>
+          <a:ln w="19050">
+            <a:tailEnd type="triangle"/>
+          </a:ln>
+        </p:spPr>
+        <p:style>
+          <a:lnRef idx="1">
+            <a:schemeClr val="accent1"/>
+          </a:lnRef>
+          <a:fillRef idx="0">
+            <a:schemeClr val="accent1"/>
+          </a:fillRef>
+          <a:effectRef idx="0">
+            <a:schemeClr val="accent1"/>
+          </a:effectRef>
+          <a:fontRef idx="minor">
+            <a:schemeClr val="tx1"/>
+          </a:fontRef>
+        </p:style>
+      </p:cxnSp>
+      <p:cxnSp>
+        <p:nvCxnSpPr>
+          <p:cNvPr id="18" name="Connector: Curved 17">
+            <a:extLst>
+              <a:ext uri="{FF2B5EF4-FFF2-40B4-BE49-F238E27FC236}">
+                <a16:creationId xmlns:a16="http://schemas.microsoft.com/office/drawing/2014/main" id="{E7512DF5-BDB3-74BD-C18D-BA90A1AB537F}"/>
+              </a:ext>
+            </a:extLst>
+          </p:cNvPr>
+          <p:cNvCxnSpPr>
+            <a:stCxn id="10" idx="2"/>
+            <a:endCxn id="11" idx="0"/>
+          </p:cNvCxnSpPr>
+          <p:nvPr/>
+        </p:nvCxnSpPr>
+        <p:spPr>
+          <a:xfrm rot="16200000" flipH="1">
+            <a:off x="4240341" y="2148711"/>
+            <a:ext cx="382594" cy="6350"/>
+          </a:xfrm>
+          <a:prstGeom prst="curvedConnector3">
+            <a:avLst/>
+          </a:prstGeom>
+          <a:ln w="19050">
+            <a:tailEnd type="triangle"/>
+          </a:ln>
+        </p:spPr>
+        <p:style>
+          <a:lnRef idx="1">
+            <a:schemeClr val="accent2"/>
+          </a:lnRef>
+          <a:fillRef idx="0">
+            <a:schemeClr val="accent2"/>
+          </a:fillRef>
+          <a:effectRef idx="0">
+            <a:schemeClr val="accent2"/>
+          </a:effectRef>
+          <a:fontRef idx="minor">
+            <a:schemeClr val="tx1"/>
+          </a:fontRef>
+        </p:style>
+      </p:cxnSp>
+      <p:cxnSp>
+        <p:nvCxnSpPr>
+          <p:cNvPr id="26" name="Connector: Curved 25">
+            <a:extLst>
+              <a:ext uri="{FF2B5EF4-FFF2-40B4-BE49-F238E27FC236}">
+                <a16:creationId xmlns:a16="http://schemas.microsoft.com/office/drawing/2014/main" id="{2C608679-86A2-D2CC-89B2-5A3022E0571C}"/>
+              </a:ext>
+            </a:extLst>
+          </p:cNvPr>
+          <p:cNvCxnSpPr>
+            <a:stCxn id="11" idx="1"/>
+            <a:endCxn id="2" idx="0"/>
+          </p:cNvCxnSpPr>
+          <p:nvPr/>
+        </p:nvCxnSpPr>
+        <p:spPr>
+          <a:xfrm rot="10800000" flipV="1">
+            <a:off x="2104538" y="2609883"/>
+            <a:ext cx="1171400" cy="2491836"/>
+          </a:xfrm>
+          <a:prstGeom prst="curvedConnector2">
+            <a:avLst/>
+          </a:prstGeom>
+          <a:ln w="19050">
+            <a:solidFill>
+              <a:schemeClr val="accent4"/>
+            </a:solidFill>
+            <a:tailEnd type="triangle"/>
+          </a:ln>
+        </p:spPr>
+        <p:style>
+          <a:lnRef idx="1">
+            <a:schemeClr val="accent6"/>
+          </a:lnRef>
+          <a:fillRef idx="0">
+            <a:schemeClr val="accent6"/>
+          </a:fillRef>
+          <a:effectRef idx="0">
+            <a:schemeClr val="accent6"/>
+          </a:effectRef>
+          <a:fontRef idx="minor">
+            <a:schemeClr val="tx1"/>
+          </a:fontRef>
+        </p:style>
+      </p:cxnSp>
+      <p:sp>
+        <p:nvSpPr>
+          <p:cNvPr id="27" name="TextBox 26">
+            <a:extLst>
+              <a:ext uri="{FF2B5EF4-FFF2-40B4-BE49-F238E27FC236}">
+                <a16:creationId xmlns:a16="http://schemas.microsoft.com/office/drawing/2014/main" id="{EDDF35C8-2B56-933E-642C-67338C1C0DF4}"/>
+              </a:ext>
+            </a:extLst>
+          </p:cNvPr>
+          <p:cNvSpPr txBox="1"/>
+          <p:nvPr/>
+        </p:nvSpPr>
+        <p:spPr>
+          <a:xfrm>
+            <a:off x="2690237" y="3028469"/>
+            <a:ext cx="5508239" cy="369332"/>
+          </a:xfrm>
+          <a:prstGeom prst="rect">
+            <a:avLst/>
+          </a:prstGeom>
+          <a:noFill/>
+        </p:spPr>
+        <p:txBody>
+          <a:bodyPr wrap="none" rtlCol="0">
+            <a:spAutoFit/>
+          </a:bodyPr>
+          <a:lstStyle/>
+          <a:p>
+            <a:r>
+              <a:rPr lang="en-US" u="sng" dirty="0">
+                <a:solidFill>
+                  <a:schemeClr val="accent4"/>
+                </a:solidFill>
+              </a:rPr>
+              <a:t>You define your own cross-binary-boundary protocol</a:t>
+            </a:r>
+          </a:p>
+        </p:txBody>
+      </p:sp>
+    </p:spTree>
+    <p:extLst>
+      <p:ext uri="{BB962C8B-B14F-4D97-AF65-F5344CB8AC3E}">
+        <p14:creationId xmlns:p14="http://schemas.microsoft.com/office/powerpoint/2010/main" val="2948739116"/>
+      </p:ext>
+    </p:extLst>
+  </p:cSld>
+  <p:clrMapOvr>
+    <a:masterClrMapping/>
+  </p:clrMapOvr>
+</p:sld>
+</file>
+
+<file path=ppt/slides/slide9.xml><?xml version="1.0" encoding="utf-8"?>
+<p:sld xmlns:a="http://schemas.openxmlformats.org/drawingml/2006/main" xmlns:r="http://schemas.openxmlformats.org/officeDocument/2006/relationships" xmlns:p="http://schemas.openxmlformats.org/presentationml/2006/main">
+  <p:cSld>
+    <p:spTree>
+      <p:nvGrpSpPr>
+        <p:cNvPr id="1" name="">
+          <a:extLst>
+            <a:ext uri="{FF2B5EF4-FFF2-40B4-BE49-F238E27FC236}">
+              <a16:creationId xmlns:a16="http://schemas.microsoft.com/office/drawing/2014/main" id="{F3099EEA-1744-69BD-AF49-0F4EC69E77E2}"/>
+            </a:ext>
+          </a:extLst>
+        </p:cNvPr>
+        <p:cNvGrpSpPr/>
+        <p:nvPr/>
+      </p:nvGrpSpPr>
+      <p:grpSpPr>
+        <a:xfrm>
+          <a:off x="0" y="0"/>
+          <a:ext cx="0" cy="0"/>
+          <a:chOff x="0" y="0"/>
+          <a:chExt cx="0" cy="0"/>
+        </a:xfrm>
+      </p:grpSpPr>
+      <p:sp>
+        <p:nvSpPr>
+          <p:cNvPr id="88" name="Rectangle 87">
+            <a:extLst>
+              <a:ext uri="{FF2B5EF4-FFF2-40B4-BE49-F238E27FC236}">
+                <a16:creationId xmlns:a16="http://schemas.microsoft.com/office/drawing/2014/main" id="{F4925BF7-9C07-3729-8CF6-8E17703030DB}"/>
+              </a:ext>
+            </a:extLst>
+          </p:cNvPr>
+          <p:cNvSpPr/>
+          <p:nvPr/>
+        </p:nvSpPr>
+        <p:spPr>
+          <a:xfrm>
+            <a:off x="52627" y="65784"/>
+            <a:ext cx="12051661" cy="2343023"/>
+          </a:xfrm>
+          <a:prstGeom prst="rect">
+            <a:avLst/>
+          </a:prstGeom>
+          <a:noFill/>
+          <a:ln w="38100">
+            <a:solidFill>
+              <a:schemeClr val="accent6"/>
+            </a:solidFill>
+            <a:prstDash val="sysDot"/>
+          </a:ln>
+        </p:spPr>
+        <p:style>
+          <a:lnRef idx="2">
+            <a:schemeClr val="accent1">
+              <a:shade val="15000"/>
+            </a:schemeClr>
+          </a:lnRef>
+          <a:fillRef idx="1">
+            <a:schemeClr val="accent1"/>
+          </a:fillRef>
+          <a:effectRef idx="0">
+            <a:schemeClr val="accent1"/>
+          </a:effectRef>
+          <a:fontRef idx="minor">
+            <a:schemeClr val="lt1"/>
+          </a:fontRef>
+        </p:style>
+        <p:txBody>
+          <a:bodyPr rtlCol="0" anchor="ctr"/>
+          <a:lstStyle/>
+          <a:p>
+            <a:pPr algn="ctr"/>
+            <a:endParaRPr lang="en-US"/>
+          </a:p>
+        </p:txBody>
+      </p:sp>
+      <p:sp>
+        <p:nvSpPr>
+          <p:cNvPr id="87" name="Rectangle 86">
+            <a:extLst>
+              <a:ext uri="{FF2B5EF4-FFF2-40B4-BE49-F238E27FC236}">
+                <a16:creationId xmlns:a16="http://schemas.microsoft.com/office/drawing/2014/main" id="{24020F41-36BB-394F-C967-3C240A72E99D}"/>
+              </a:ext>
+            </a:extLst>
+          </p:cNvPr>
+          <p:cNvSpPr/>
+          <p:nvPr/>
+        </p:nvSpPr>
+        <p:spPr>
+          <a:xfrm>
+            <a:off x="52627" y="3078699"/>
+            <a:ext cx="12051661" cy="3723384"/>
+          </a:xfrm>
+          <a:prstGeom prst="rect">
+            <a:avLst/>
+          </a:prstGeom>
+          <a:noFill/>
+          <a:ln w="38100">
+            <a:solidFill>
+              <a:schemeClr val="accent6"/>
+            </a:solidFill>
+            <a:prstDash val="sysDot"/>
+          </a:ln>
+        </p:spPr>
+        <p:style>
+          <a:lnRef idx="2">
+            <a:schemeClr val="accent1">
+              <a:shade val="15000"/>
+            </a:schemeClr>
+          </a:lnRef>
+          <a:fillRef idx="1">
+            <a:schemeClr val="accent1"/>
+          </a:fillRef>
+          <a:effectRef idx="0">
+            <a:schemeClr val="accent1"/>
+          </a:effectRef>
+          <a:fontRef idx="minor">
+            <a:schemeClr val="lt1"/>
+          </a:fontRef>
+        </p:style>
+        <p:txBody>
+          <a:bodyPr rtlCol="0" anchor="ctr"/>
+          <a:lstStyle/>
+          <a:p>
+            <a:pPr algn="ctr"/>
+            <a:endParaRPr lang="en-US"/>
+          </a:p>
+        </p:txBody>
+      </p:sp>
+      <p:sp>
+        <p:nvSpPr>
+          <p:cNvPr id="20" name="Rectangle: Rounded Corners 19">
+            <a:extLst>
+              <a:ext uri="{FF2B5EF4-FFF2-40B4-BE49-F238E27FC236}">
+                <a16:creationId xmlns:a16="http://schemas.microsoft.com/office/drawing/2014/main" id="{DBBA7CBF-91C4-9A58-8620-43DB56A846CC}"/>
+              </a:ext>
+            </a:extLst>
+          </p:cNvPr>
+          <p:cNvSpPr/>
+          <p:nvPr/>
+        </p:nvSpPr>
+        <p:spPr>
+          <a:xfrm>
+            <a:off x="339063" y="4365645"/>
+            <a:ext cx="1917700" cy="533400"/>
+          </a:xfrm>
+          <a:prstGeom prst="roundRect">
+            <a:avLst/>
+          </a:prstGeom>
+        </p:spPr>
+        <p:style>
+          <a:lnRef idx="2">
+            <a:schemeClr val="accent1">
+              <a:shade val="15000"/>
+            </a:schemeClr>
+          </a:lnRef>
+          <a:fillRef idx="1">
+            <a:schemeClr val="accent1"/>
+          </a:fillRef>
+          <a:effectRef idx="0">
+            <a:schemeClr val="accent1"/>
+          </a:effectRef>
+          <a:fontRef idx="minor">
+            <a:schemeClr val="lt1"/>
+          </a:fontRef>
+        </p:style>
+        <p:txBody>
+          <a:bodyPr rtlCol="0" anchor="ctr"/>
+          <a:lstStyle/>
+          <a:p>
+            <a:pPr algn="ctr"/>
+            <a:r>
+              <a:rPr lang="en-US" dirty="0" err="1"/>
+              <a:t>GuiApplication</a:t>
+            </a:r>
+            <a:endParaRPr lang="en-US" dirty="0"/>
+          </a:p>
+        </p:txBody>
+      </p:sp>
+      <p:sp>
+        <p:nvSpPr>
+          <p:cNvPr id="10" name="Rectangle: Rounded Corners 9">
+            <a:extLst>
+              <a:ext uri="{FF2B5EF4-FFF2-40B4-BE49-F238E27FC236}">
+                <a16:creationId xmlns:a16="http://schemas.microsoft.com/office/drawing/2014/main" id="{8DD677EE-879A-05E1-2FEF-553A7751915A}"/>
+              </a:ext>
+            </a:extLst>
+          </p:cNvPr>
+          <p:cNvSpPr/>
+          <p:nvPr/>
+        </p:nvSpPr>
+        <p:spPr>
+          <a:xfrm>
+            <a:off x="339063" y="5281639"/>
+            <a:ext cx="1917700" cy="533400"/>
+          </a:xfrm>
+          <a:prstGeom prst="roundRect">
+            <a:avLst/>
+          </a:prstGeom>
+        </p:spPr>
+        <p:style>
+          <a:lnRef idx="2">
+            <a:schemeClr val="accent2">
+              <a:shade val="15000"/>
+            </a:schemeClr>
+          </a:lnRef>
+          <a:fillRef idx="1">
+            <a:schemeClr val="accent2"/>
+          </a:fillRef>
+          <a:effectRef idx="0">
+            <a:schemeClr val="accent2"/>
+          </a:effectRef>
+          <a:fontRef idx="minor">
+            <a:schemeClr val="lt1"/>
+          </a:fontRef>
+        </p:style>
+        <p:txBody>
+          <a:bodyPr rtlCol="0" anchor="ctr"/>
+          <a:lstStyle/>
+          <a:p>
+            <a:pPr algn="ctr"/>
+            <a:r>
+              <a:rPr lang="en-US" dirty="0"/>
+              <a:t>Hosted Mode</a:t>
+            </a:r>
+          </a:p>
+        </p:txBody>
+      </p:sp>
+      <p:sp>
+        <p:nvSpPr>
+          <p:cNvPr id="11" name="Rectangle: Rounded Corners 10">
+            <a:extLst>
+              <a:ext uri="{FF2B5EF4-FFF2-40B4-BE49-F238E27FC236}">
+                <a16:creationId xmlns:a16="http://schemas.microsoft.com/office/drawing/2014/main" id="{4B2761DE-12BF-C00C-A219-F57AB54704CF}"/>
+              </a:ext>
+            </a:extLst>
+          </p:cNvPr>
+          <p:cNvSpPr/>
+          <p:nvPr/>
+        </p:nvSpPr>
+        <p:spPr>
+          <a:xfrm>
+            <a:off x="145388" y="6197633"/>
+            <a:ext cx="2317750" cy="533400"/>
+          </a:xfrm>
+          <a:prstGeom prst="roundRect">
+            <a:avLst/>
+          </a:prstGeom>
+        </p:spPr>
+        <p:style>
+          <a:lnRef idx="2">
+            <a:schemeClr val="accent4">
+              <a:shade val="15000"/>
+            </a:schemeClr>
+          </a:lnRef>
+          <a:fillRef idx="1">
+            <a:schemeClr val="accent4"/>
+          </a:fillRef>
+          <a:effectRef idx="0">
+            <a:schemeClr val="accent4"/>
+          </a:effectRef>
+          <a:fontRef idx="minor">
+            <a:schemeClr val="lt1"/>
+          </a:fontRef>
+        </p:style>
+        <p:txBody>
+          <a:bodyPr rtlCol="0" anchor="ctr"/>
+          <a:lstStyle/>
+          <a:p>
+            <a:pPr algn="ctr"/>
+            <a:r>
+              <a:rPr lang="en-US" dirty="0"/>
+              <a:t>Remote Protocol</a:t>
+            </a:r>
+          </a:p>
+        </p:txBody>
+      </p:sp>
+      <p:sp>
+        <p:nvSpPr>
+          <p:cNvPr id="12" name="TextBox 11">
+            <a:extLst>
+              <a:ext uri="{FF2B5EF4-FFF2-40B4-BE49-F238E27FC236}">
+                <a16:creationId xmlns:a16="http://schemas.microsoft.com/office/drawing/2014/main" id="{DB00A47A-BFFB-48AA-7857-016082613D2D}"/>
+              </a:ext>
+            </a:extLst>
+          </p:cNvPr>
+          <p:cNvSpPr txBox="1"/>
+          <p:nvPr/>
+        </p:nvSpPr>
+        <p:spPr>
+          <a:xfrm>
+            <a:off x="2709121" y="6279667"/>
+            <a:ext cx="5424883" cy="369332"/>
+          </a:xfrm>
+          <a:prstGeom prst="rect">
+            <a:avLst/>
+          </a:prstGeom>
+          <a:noFill/>
+        </p:spPr>
+        <p:txBody>
+          <a:bodyPr wrap="none" rtlCol="0">
+            <a:spAutoFit/>
+          </a:bodyPr>
+          <a:lstStyle/>
+          <a:p>
+            <a:r>
+              <a:rPr lang="en-US" dirty="0" err="1"/>
+              <a:t>SetupRemoteNativeController</a:t>
+            </a:r>
+            <a:r>
+              <a:rPr lang="en-US" dirty="0"/>
+              <a:t>(</a:t>
+            </a:r>
+            <a:r>
+              <a:rPr lang="en-US" dirty="0" err="1"/>
+              <a:t>IGuiRemoteProtocol</a:t>
+            </a:r>
+            <a:r>
+              <a:rPr lang="en-US" dirty="0"/>
+              <a:t>*);</a:t>
+            </a:r>
+          </a:p>
+        </p:txBody>
+      </p:sp>
+      <p:cxnSp>
+        <p:nvCxnSpPr>
+          <p:cNvPr id="14" name="Connector: Curved 13">
+            <a:extLst>
+              <a:ext uri="{FF2B5EF4-FFF2-40B4-BE49-F238E27FC236}">
+                <a16:creationId xmlns:a16="http://schemas.microsoft.com/office/drawing/2014/main" id="{2CCF4A96-4567-8B98-8924-B5988B2C4616}"/>
+              </a:ext>
+            </a:extLst>
+          </p:cNvPr>
+          <p:cNvCxnSpPr>
+            <a:stCxn id="20" idx="2"/>
+            <a:endCxn id="10" idx="0"/>
+          </p:cNvCxnSpPr>
+          <p:nvPr/>
+        </p:nvCxnSpPr>
+        <p:spPr>
+          <a:xfrm rot="5400000">
+            <a:off x="1106616" y="5090342"/>
+            <a:ext cx="382594" cy="12700"/>
+          </a:xfrm>
+          <a:prstGeom prst="curvedConnector3">
+            <a:avLst/>
+          </a:prstGeom>
+          <a:ln w="19050">
+            <a:tailEnd type="triangle"/>
+          </a:ln>
+        </p:spPr>
+        <p:style>
+          <a:lnRef idx="1">
+            <a:schemeClr val="accent1"/>
+          </a:lnRef>
+          <a:fillRef idx="0">
+            <a:schemeClr val="accent1"/>
+          </a:fillRef>
+          <a:effectRef idx="0">
+            <a:schemeClr val="accent1"/>
+          </a:effectRef>
+          <a:fontRef idx="minor">
+            <a:schemeClr val="tx1"/>
+          </a:fontRef>
+        </p:style>
+      </p:cxnSp>
+      <p:cxnSp>
+        <p:nvCxnSpPr>
+          <p:cNvPr id="18" name="Connector: Curved 17">
+            <a:extLst>
+              <a:ext uri="{FF2B5EF4-FFF2-40B4-BE49-F238E27FC236}">
+                <a16:creationId xmlns:a16="http://schemas.microsoft.com/office/drawing/2014/main" id="{2EE207E8-B499-3968-1175-18304DD69849}"/>
+              </a:ext>
+            </a:extLst>
+          </p:cNvPr>
+          <p:cNvCxnSpPr>
+            <a:stCxn id="10" idx="2"/>
+            <a:endCxn id="11" idx="0"/>
+          </p:cNvCxnSpPr>
+          <p:nvPr/>
+        </p:nvCxnSpPr>
+        <p:spPr>
+          <a:xfrm rot="16200000" flipH="1">
+            <a:off x="1109791" y="6003161"/>
+            <a:ext cx="382594" cy="6350"/>
+          </a:xfrm>
+          <a:prstGeom prst="curvedConnector3">
+            <a:avLst/>
+          </a:prstGeom>
+          <a:ln w="19050">
+            <a:tailEnd type="triangle"/>
+          </a:ln>
+        </p:spPr>
+        <p:style>
+          <a:lnRef idx="1">
+            <a:schemeClr val="accent2"/>
+          </a:lnRef>
+          <a:fillRef idx="0">
+            <a:schemeClr val="accent2"/>
+          </a:fillRef>
+          <a:effectRef idx="0">
+            <a:schemeClr val="accent2"/>
+          </a:effectRef>
+          <a:fontRef idx="minor">
+            <a:schemeClr val="tx1"/>
+          </a:fontRef>
+        </p:style>
+      </p:cxnSp>
+      <p:sp>
+        <p:nvSpPr>
+          <p:cNvPr id="3" name="TextBox 2">
+            <a:extLst>
+              <a:ext uri="{FF2B5EF4-FFF2-40B4-BE49-F238E27FC236}">
+                <a16:creationId xmlns:a16="http://schemas.microsoft.com/office/drawing/2014/main" id="{0AE8AD24-004D-D1AE-460F-8734022BE910}"/>
+              </a:ext>
+            </a:extLst>
+          </p:cNvPr>
+          <p:cNvSpPr txBox="1"/>
+          <p:nvPr/>
+        </p:nvSpPr>
+        <p:spPr>
+          <a:xfrm>
+            <a:off x="2709121" y="5815039"/>
+            <a:ext cx="3930884" cy="369332"/>
+          </a:xfrm>
+          <a:prstGeom prst="rect">
+            <a:avLst/>
+          </a:prstGeom>
+          <a:noFill/>
+        </p:spPr>
+        <p:txBody>
+          <a:bodyPr wrap="none" rtlCol="0">
+            <a:spAutoFit/>
+          </a:bodyPr>
+          <a:lstStyle/>
+          <a:p>
+            <a:r>
+              <a:rPr lang="en-US" dirty="0" err="1"/>
+              <a:t>GuiRemoteProtocolDomDiffConverter</a:t>
+            </a:r>
+            <a:endParaRPr lang="en-US" dirty="0"/>
+          </a:p>
+        </p:txBody>
+      </p:sp>
+      <p:sp>
+        <p:nvSpPr>
+          <p:cNvPr id="13" name="TextBox 12">
+            <a:extLst>
+              <a:ext uri="{FF2B5EF4-FFF2-40B4-BE49-F238E27FC236}">
+                <a16:creationId xmlns:a16="http://schemas.microsoft.com/office/drawing/2014/main" id="{F13B7F3E-1E1A-F5C4-EAE1-3306C7528763}"/>
+              </a:ext>
+            </a:extLst>
+          </p:cNvPr>
+          <p:cNvSpPr txBox="1"/>
+          <p:nvPr/>
+        </p:nvSpPr>
+        <p:spPr>
+          <a:xfrm>
+            <a:off x="2709121" y="5350411"/>
+            <a:ext cx="2606804" cy="369332"/>
+          </a:xfrm>
+          <a:prstGeom prst="rect">
+            <a:avLst/>
+          </a:prstGeom>
+          <a:noFill/>
+        </p:spPr>
+        <p:txBody>
+          <a:bodyPr wrap="none" rtlCol="0">
+            <a:spAutoFit/>
+          </a:bodyPr>
+          <a:lstStyle/>
+          <a:p>
+            <a:r>
+              <a:rPr lang="en-US" dirty="0" err="1"/>
+              <a:t>GuiRemoteProtocolFilter</a:t>
+            </a:r>
+            <a:endParaRPr lang="en-US" dirty="0"/>
+          </a:p>
+        </p:txBody>
+      </p:sp>
+      <p:sp>
+        <p:nvSpPr>
+          <p:cNvPr id="15" name="TextBox 14">
+            <a:extLst>
+              <a:ext uri="{FF2B5EF4-FFF2-40B4-BE49-F238E27FC236}">
+                <a16:creationId xmlns:a16="http://schemas.microsoft.com/office/drawing/2014/main" id="{5446B715-57EA-0CC3-FCCF-D27BAB21239D}"/>
+              </a:ext>
+            </a:extLst>
+          </p:cNvPr>
+          <p:cNvSpPr txBox="1"/>
+          <p:nvPr/>
+        </p:nvSpPr>
+        <p:spPr>
+          <a:xfrm>
+            <a:off x="2709121" y="4885783"/>
+            <a:ext cx="3879588" cy="369332"/>
+          </a:xfrm>
+          <a:prstGeom prst="rect">
+            <a:avLst/>
+          </a:prstGeom>
+          <a:noFill/>
+        </p:spPr>
+        <p:txBody>
+          <a:bodyPr wrap="none" rtlCol="0">
+            <a:spAutoFit/>
+          </a:bodyPr>
+          <a:lstStyle/>
+          <a:p>
+            <a:r>
+              <a:rPr lang="en-US" dirty="0" err="1"/>
+              <a:t>GuiRemoteProtocolFromJsonChannel</a:t>
+            </a:r>
+            <a:endParaRPr lang="en-US" dirty="0"/>
+          </a:p>
+        </p:txBody>
+      </p:sp>
+      <p:sp>
+        <p:nvSpPr>
+          <p:cNvPr id="16" name="TextBox 15">
+            <a:extLst>
+              <a:ext uri="{FF2B5EF4-FFF2-40B4-BE49-F238E27FC236}">
+                <a16:creationId xmlns:a16="http://schemas.microsoft.com/office/drawing/2014/main" id="{98B76AB7-F3AE-D563-76DA-7A1AD4BFE4B7}"/>
+              </a:ext>
+            </a:extLst>
+          </p:cNvPr>
+          <p:cNvSpPr txBox="1"/>
+          <p:nvPr/>
+        </p:nvSpPr>
+        <p:spPr>
+          <a:xfrm>
+            <a:off x="2709121" y="4421155"/>
+            <a:ext cx="4831772" cy="369332"/>
+          </a:xfrm>
+          <a:prstGeom prst="rect">
+            <a:avLst/>
+          </a:prstGeom>
+          <a:noFill/>
+        </p:spPr>
+        <p:txBody>
+          <a:bodyPr wrap="none" rtlCol="0">
+            <a:spAutoFit/>
+          </a:bodyPr>
+          <a:lstStyle/>
+          <a:p>
+            <a:r>
+              <a:rPr lang="en-US" dirty="0" err="1"/>
+              <a:t>GuiRemoteProtocolAsyncJsonChannelSerializer</a:t>
+            </a:r>
+            <a:endParaRPr lang="en-US" dirty="0"/>
+          </a:p>
+        </p:txBody>
+      </p:sp>
+      <p:sp>
+        <p:nvSpPr>
+          <p:cNvPr id="17" name="TextBox 16">
+            <a:extLst>
+              <a:ext uri="{FF2B5EF4-FFF2-40B4-BE49-F238E27FC236}">
+                <a16:creationId xmlns:a16="http://schemas.microsoft.com/office/drawing/2014/main" id="{05D687EE-68F3-2782-5DBA-97AAB1E2DBF3}"/>
+              </a:ext>
+            </a:extLst>
+          </p:cNvPr>
+          <p:cNvSpPr txBox="1"/>
+          <p:nvPr/>
+        </p:nvSpPr>
+        <p:spPr>
+          <a:xfrm>
+            <a:off x="2709121" y="3956527"/>
+            <a:ext cx="3999813" cy="369332"/>
+          </a:xfrm>
+          <a:prstGeom prst="rect">
+            <a:avLst/>
+          </a:prstGeom>
+          <a:noFill/>
+        </p:spPr>
+        <p:txBody>
+          <a:bodyPr wrap="none" rtlCol="0">
+            <a:spAutoFit/>
+          </a:bodyPr>
+          <a:lstStyle/>
+          <a:p>
+            <a:r>
+              <a:rPr lang="en-US" dirty="0" err="1"/>
+              <a:t>GuiRemoteJsonChannelStringSerializer</a:t>
+            </a:r>
+            <a:endParaRPr lang="en-US" dirty="0"/>
+          </a:p>
+        </p:txBody>
+      </p:sp>
+      <p:sp>
+        <p:nvSpPr>
+          <p:cNvPr id="19" name="TextBox 18">
+            <a:extLst>
+              <a:ext uri="{FF2B5EF4-FFF2-40B4-BE49-F238E27FC236}">
+                <a16:creationId xmlns:a16="http://schemas.microsoft.com/office/drawing/2014/main" id="{C29BE5D2-7025-1726-805C-EEBE507F3365}"/>
+              </a:ext>
+            </a:extLst>
+          </p:cNvPr>
+          <p:cNvSpPr txBox="1"/>
+          <p:nvPr/>
+        </p:nvSpPr>
+        <p:spPr>
+          <a:xfrm>
+            <a:off x="2709121" y="3491899"/>
+            <a:ext cx="5910592" cy="369332"/>
+          </a:xfrm>
+          <a:prstGeom prst="rect">
+            <a:avLst/>
+          </a:prstGeom>
+          <a:noFill/>
+        </p:spPr>
+        <p:txBody>
+          <a:bodyPr wrap="none" rtlCol="0">
+            <a:spAutoFit/>
+          </a:bodyPr>
+          <a:lstStyle/>
+          <a:p>
+            <a:r>
+              <a:rPr lang="en-US" dirty="0" err="1"/>
+              <a:t>GuiRemoteUtfStringChannelSerializer</a:t>
+            </a:r>
+            <a:r>
+              <a:rPr lang="en-US" dirty="0"/>
+              <a:t>&lt;</a:t>
+            </a:r>
+            <a:r>
+              <a:rPr lang="en-US" dirty="0" err="1"/>
+              <a:t>WString</a:t>
+            </a:r>
+            <a:r>
+              <a:rPr lang="en-US" dirty="0"/>
+              <a:t>, U8String&gt;</a:t>
+            </a:r>
+          </a:p>
+        </p:txBody>
+      </p:sp>
+      <p:sp>
+        <p:nvSpPr>
+          <p:cNvPr id="21" name="TextBox 20">
+            <a:extLst>
+              <a:ext uri="{FF2B5EF4-FFF2-40B4-BE49-F238E27FC236}">
+                <a16:creationId xmlns:a16="http://schemas.microsoft.com/office/drawing/2014/main" id="{A2CB1C0C-AB8B-CD3B-0195-B0BE1DEEB229}"/>
+              </a:ext>
+            </a:extLst>
+          </p:cNvPr>
+          <p:cNvSpPr txBox="1"/>
+          <p:nvPr/>
+        </p:nvSpPr>
+        <p:spPr>
+          <a:xfrm>
+            <a:off x="2709121" y="3027271"/>
+            <a:ext cx="6285695" cy="369332"/>
+          </a:xfrm>
+          <a:prstGeom prst="rect">
+            <a:avLst/>
+          </a:prstGeom>
+          <a:noFill/>
+        </p:spPr>
+        <p:txBody>
+          <a:bodyPr wrap="none" rtlCol="0">
+            <a:spAutoFit/>
+          </a:bodyPr>
+          <a:lstStyle/>
+          <a:p>
+            <a:r>
+              <a:rPr lang="en-US" dirty="0"/>
+              <a:t>your </a:t>
+            </a:r>
+            <a:r>
+              <a:rPr lang="en-US" dirty="0" err="1"/>
+              <a:t>IGuiRemoteProtocolChannel</a:t>
+            </a:r>
+            <a:r>
+              <a:rPr lang="en-US" dirty="0"/>
+              <a:t>&lt;U8String&gt; implementation</a:t>
+            </a:r>
+          </a:p>
+        </p:txBody>
+      </p:sp>
+      <p:cxnSp>
+        <p:nvCxnSpPr>
+          <p:cNvPr id="23" name="Connector: Curved 22">
+            <a:extLst>
+              <a:ext uri="{FF2B5EF4-FFF2-40B4-BE49-F238E27FC236}">
+                <a16:creationId xmlns:a16="http://schemas.microsoft.com/office/drawing/2014/main" id="{81227BEA-3757-522B-696C-CBC9773029BE}"/>
+              </a:ext>
+            </a:extLst>
+          </p:cNvPr>
+          <p:cNvCxnSpPr>
+            <a:stCxn id="12" idx="1"/>
+            <a:endCxn id="3" idx="1"/>
+          </p:cNvCxnSpPr>
+          <p:nvPr/>
+        </p:nvCxnSpPr>
+        <p:spPr>
+          <a:xfrm rot="10800000">
+            <a:off x="2709121" y="5999705"/>
+            <a:ext cx="12700" cy="464628"/>
+          </a:xfrm>
+          <a:prstGeom prst="curvedConnector3">
+            <a:avLst>
+              <a:gd name="adj1" fmla="val 1800000"/>
+            </a:avLst>
+          </a:prstGeom>
+          <a:ln>
+            <a:tailEnd type="triangle"/>
+          </a:ln>
+        </p:spPr>
+        <p:style>
+          <a:lnRef idx="1">
+            <a:schemeClr val="accent1"/>
+          </a:lnRef>
+          <a:fillRef idx="0">
+            <a:schemeClr val="accent1"/>
+          </a:fillRef>
+          <a:effectRef idx="0">
+            <a:schemeClr val="accent1"/>
+          </a:effectRef>
+          <a:fontRef idx="minor">
+            <a:schemeClr val="tx1"/>
+          </a:fontRef>
+        </p:style>
+      </p:cxnSp>
+      <p:cxnSp>
+        <p:nvCxnSpPr>
+          <p:cNvPr id="25" name="Connector: Curved 24">
+            <a:extLst>
+              <a:ext uri="{FF2B5EF4-FFF2-40B4-BE49-F238E27FC236}">
+                <a16:creationId xmlns:a16="http://schemas.microsoft.com/office/drawing/2014/main" id="{335EBB75-3AB3-E6E8-4354-020557B7DB90}"/>
+              </a:ext>
+            </a:extLst>
+          </p:cNvPr>
+          <p:cNvCxnSpPr>
+            <a:stCxn id="3" idx="1"/>
+            <a:endCxn id="13" idx="1"/>
+          </p:cNvCxnSpPr>
+          <p:nvPr/>
+        </p:nvCxnSpPr>
+        <p:spPr>
+          <a:xfrm rot="10800000">
+            <a:off x="2709121" y="5535077"/>
+            <a:ext cx="12700" cy="464628"/>
+          </a:xfrm>
+          <a:prstGeom prst="curvedConnector3">
+            <a:avLst>
+              <a:gd name="adj1" fmla="val 1800000"/>
+            </a:avLst>
+          </a:prstGeom>
+          <a:ln>
+            <a:tailEnd type="triangle"/>
+          </a:ln>
+        </p:spPr>
+        <p:style>
+          <a:lnRef idx="1">
+            <a:schemeClr val="accent1"/>
+          </a:lnRef>
+          <a:fillRef idx="0">
+            <a:schemeClr val="accent1"/>
+          </a:fillRef>
+          <a:effectRef idx="0">
+            <a:schemeClr val="accent1"/>
+          </a:effectRef>
+          <a:fontRef idx="minor">
+            <a:schemeClr val="tx1"/>
+          </a:fontRef>
+        </p:style>
+      </p:cxnSp>
+      <p:cxnSp>
+        <p:nvCxnSpPr>
+          <p:cNvPr id="29" name="Connector: Curved 28">
+            <a:extLst>
+              <a:ext uri="{FF2B5EF4-FFF2-40B4-BE49-F238E27FC236}">
+                <a16:creationId xmlns:a16="http://schemas.microsoft.com/office/drawing/2014/main" id="{D4707DA8-625C-5885-6CE8-6ABF9F546678}"/>
+              </a:ext>
+            </a:extLst>
+          </p:cNvPr>
+          <p:cNvCxnSpPr>
+            <a:stCxn id="13" idx="1"/>
+            <a:endCxn id="15" idx="1"/>
+          </p:cNvCxnSpPr>
+          <p:nvPr/>
+        </p:nvCxnSpPr>
+        <p:spPr>
+          <a:xfrm rot="10800000">
+            <a:off x="2709121" y="5070449"/>
+            <a:ext cx="12700" cy="464628"/>
+          </a:xfrm>
+          <a:prstGeom prst="curvedConnector3">
+            <a:avLst>
+              <a:gd name="adj1" fmla="val 1800000"/>
+            </a:avLst>
+          </a:prstGeom>
+          <a:ln>
+            <a:tailEnd type="triangle"/>
+          </a:ln>
+        </p:spPr>
+        <p:style>
+          <a:lnRef idx="1">
+            <a:schemeClr val="accent1"/>
+          </a:lnRef>
+          <a:fillRef idx="0">
+            <a:schemeClr val="accent1"/>
+          </a:fillRef>
+          <a:effectRef idx="0">
+            <a:schemeClr val="accent1"/>
+          </a:effectRef>
+          <a:fontRef idx="minor">
+            <a:schemeClr val="tx1"/>
+          </a:fontRef>
+        </p:style>
+      </p:cxnSp>
+      <p:cxnSp>
+        <p:nvCxnSpPr>
+          <p:cNvPr id="31" name="Connector: Curved 30">
+            <a:extLst>
+              <a:ext uri="{FF2B5EF4-FFF2-40B4-BE49-F238E27FC236}">
+                <a16:creationId xmlns:a16="http://schemas.microsoft.com/office/drawing/2014/main" id="{D64803A3-E8F6-6AE3-906D-9E074F24343A}"/>
+              </a:ext>
+            </a:extLst>
+          </p:cNvPr>
+          <p:cNvCxnSpPr>
+            <a:stCxn id="15" idx="1"/>
+            <a:endCxn id="16" idx="1"/>
+          </p:cNvCxnSpPr>
+          <p:nvPr/>
+        </p:nvCxnSpPr>
+        <p:spPr>
+          <a:xfrm rot="10800000">
+            <a:off x="2709121" y="4605821"/>
+            <a:ext cx="12700" cy="464628"/>
+          </a:xfrm>
+          <a:prstGeom prst="curvedConnector3">
+            <a:avLst>
+              <a:gd name="adj1" fmla="val 1800000"/>
+            </a:avLst>
+          </a:prstGeom>
+          <a:ln>
+            <a:tailEnd type="triangle"/>
+          </a:ln>
+        </p:spPr>
+        <p:style>
+          <a:lnRef idx="1">
+            <a:schemeClr val="accent1"/>
+          </a:lnRef>
+          <a:fillRef idx="0">
+            <a:schemeClr val="accent1"/>
+          </a:fillRef>
+          <a:effectRef idx="0">
+            <a:schemeClr val="accent1"/>
+          </a:effectRef>
+          <a:fontRef idx="minor">
+            <a:schemeClr val="tx1"/>
+          </a:fontRef>
+        </p:style>
+      </p:cxnSp>
+      <p:cxnSp>
+        <p:nvCxnSpPr>
+          <p:cNvPr id="33" name="Connector: Curved 32">
+            <a:extLst>
+              <a:ext uri="{FF2B5EF4-FFF2-40B4-BE49-F238E27FC236}">
+                <a16:creationId xmlns:a16="http://schemas.microsoft.com/office/drawing/2014/main" id="{853313B3-D611-F4D6-8AB4-BB24187293B8}"/>
+              </a:ext>
+            </a:extLst>
+          </p:cNvPr>
+          <p:cNvCxnSpPr>
+            <a:stCxn id="16" idx="1"/>
+            <a:endCxn id="17" idx="1"/>
+          </p:cNvCxnSpPr>
+          <p:nvPr/>
+        </p:nvCxnSpPr>
+        <p:spPr>
+          <a:xfrm rot="10800000">
+            <a:off x="2709121" y="4141193"/>
+            <a:ext cx="12700" cy="464628"/>
+          </a:xfrm>
+          <a:prstGeom prst="curvedConnector3">
+            <a:avLst>
+              <a:gd name="adj1" fmla="val 1800000"/>
+            </a:avLst>
+          </a:prstGeom>
+          <a:ln>
+            <a:tailEnd type="triangle"/>
+          </a:ln>
+        </p:spPr>
+        <p:style>
+          <a:lnRef idx="1">
+            <a:schemeClr val="accent1"/>
+          </a:lnRef>
+          <a:fillRef idx="0">
+            <a:schemeClr val="accent1"/>
+          </a:fillRef>
+          <a:effectRef idx="0">
+            <a:schemeClr val="accent1"/>
+          </a:effectRef>
+          <a:fontRef idx="minor">
+            <a:schemeClr val="tx1"/>
+          </a:fontRef>
+        </p:style>
+      </p:cxnSp>
+      <p:cxnSp>
+        <p:nvCxnSpPr>
+          <p:cNvPr id="35" name="Connector: Curved 34">
+            <a:extLst>
+              <a:ext uri="{FF2B5EF4-FFF2-40B4-BE49-F238E27FC236}">
+                <a16:creationId xmlns:a16="http://schemas.microsoft.com/office/drawing/2014/main" id="{29476E5D-2FD2-3079-D65E-2DB94DE26F0F}"/>
+              </a:ext>
+            </a:extLst>
+          </p:cNvPr>
+          <p:cNvCxnSpPr>
+            <a:stCxn id="17" idx="1"/>
+            <a:endCxn id="19" idx="1"/>
+          </p:cNvCxnSpPr>
+          <p:nvPr/>
+        </p:nvCxnSpPr>
+        <p:spPr>
+          <a:xfrm rot="10800000">
+            <a:off x="2709121" y="3676565"/>
+            <a:ext cx="12700" cy="464628"/>
+          </a:xfrm>
+          <a:prstGeom prst="curvedConnector3">
+            <a:avLst>
+              <a:gd name="adj1" fmla="val 1800000"/>
+            </a:avLst>
+          </a:prstGeom>
+          <a:ln>
+            <a:tailEnd type="triangle"/>
+          </a:ln>
+        </p:spPr>
+        <p:style>
+          <a:lnRef idx="1">
+            <a:schemeClr val="accent1"/>
+          </a:lnRef>
+          <a:fillRef idx="0">
+            <a:schemeClr val="accent1"/>
+          </a:fillRef>
+          <a:effectRef idx="0">
+            <a:schemeClr val="accent1"/>
+          </a:effectRef>
+          <a:fontRef idx="minor">
+            <a:schemeClr val="tx1"/>
+          </a:fontRef>
+        </p:style>
+      </p:cxnSp>
+      <p:cxnSp>
+        <p:nvCxnSpPr>
+          <p:cNvPr id="37" name="Connector: Curved 36">
+            <a:extLst>
+              <a:ext uri="{FF2B5EF4-FFF2-40B4-BE49-F238E27FC236}">
+                <a16:creationId xmlns:a16="http://schemas.microsoft.com/office/drawing/2014/main" id="{592C3748-5028-3530-1A97-045897A8FCA7}"/>
+              </a:ext>
+            </a:extLst>
+          </p:cNvPr>
+          <p:cNvCxnSpPr>
+            <a:stCxn id="19" idx="1"/>
+            <a:endCxn id="21" idx="1"/>
+          </p:cNvCxnSpPr>
+          <p:nvPr/>
+        </p:nvCxnSpPr>
+        <p:spPr>
+          <a:xfrm rot="10800000">
+            <a:off x="2709121" y="3211937"/>
+            <a:ext cx="12700" cy="464628"/>
+          </a:xfrm>
+          <a:prstGeom prst="curvedConnector3">
+            <a:avLst>
+              <a:gd name="adj1" fmla="val 1800000"/>
+            </a:avLst>
+          </a:prstGeom>
+          <a:ln>
+            <a:tailEnd type="triangle"/>
+          </a:ln>
+        </p:spPr>
+        <p:style>
+          <a:lnRef idx="1">
+            <a:schemeClr val="accent1"/>
+          </a:lnRef>
+          <a:fillRef idx="0">
+            <a:schemeClr val="accent1"/>
+          </a:fillRef>
+          <a:effectRef idx="0">
+            <a:schemeClr val="accent1"/>
+          </a:effectRef>
+          <a:fontRef idx="minor">
+            <a:schemeClr val="tx1"/>
+          </a:fontRef>
+        </p:style>
+      </p:cxnSp>
+      <p:sp>
+        <p:nvSpPr>
+          <p:cNvPr id="38" name="Rectangle: Rounded Corners 37">
+            <a:extLst>
+              <a:ext uri="{FF2B5EF4-FFF2-40B4-BE49-F238E27FC236}">
+                <a16:creationId xmlns:a16="http://schemas.microsoft.com/office/drawing/2014/main" id="{32348C4E-BAA7-2B74-304A-69FF4E8C8DAC}"/>
+              </a:ext>
+            </a:extLst>
+          </p:cNvPr>
+          <p:cNvSpPr/>
+          <p:nvPr/>
+        </p:nvSpPr>
+        <p:spPr>
+          <a:xfrm>
+            <a:off x="8619713" y="926308"/>
+            <a:ext cx="1917700" cy="533400"/>
+          </a:xfrm>
+          <a:prstGeom prst="roundRect">
+            <a:avLst/>
+          </a:prstGeom>
+        </p:spPr>
+        <p:style>
+          <a:lnRef idx="2">
+            <a:schemeClr val="accent2">
+              <a:shade val="15000"/>
+            </a:schemeClr>
+          </a:lnRef>
+          <a:fillRef idx="1">
+            <a:schemeClr val="accent2"/>
+          </a:fillRef>
+          <a:effectRef idx="0">
+            <a:schemeClr val="accent2"/>
+          </a:effectRef>
+          <a:fontRef idx="minor">
+            <a:schemeClr val="lt1"/>
+          </a:fontRef>
+        </p:style>
+        <p:txBody>
+          <a:bodyPr rtlCol="0" anchor="ctr"/>
+          <a:lstStyle/>
+          <a:p>
+            <a:pPr algn="ctr"/>
+            <a:r>
+              <a:rPr lang="en-US" dirty="0"/>
+              <a:t>Hosted Mode</a:t>
+            </a:r>
+          </a:p>
+        </p:txBody>
+      </p:sp>
+      <p:sp>
+        <p:nvSpPr>
+          <p:cNvPr id="39" name="Rectangle: Rounded Corners 38">
+            <a:extLst>
+              <a:ext uri="{FF2B5EF4-FFF2-40B4-BE49-F238E27FC236}">
+                <a16:creationId xmlns:a16="http://schemas.microsoft.com/office/drawing/2014/main" id="{1AC5359A-834F-ADD7-42C6-EC3260AAA23D}"/>
+              </a:ext>
+            </a:extLst>
+          </p:cNvPr>
+          <p:cNvSpPr/>
+          <p:nvPr/>
+        </p:nvSpPr>
+        <p:spPr>
+          <a:xfrm>
+            <a:off x="8080144" y="1727179"/>
+            <a:ext cx="2996838" cy="533400"/>
+          </a:xfrm>
+          <a:prstGeom prst="roundRect">
+            <a:avLst/>
+          </a:prstGeom>
+        </p:spPr>
+        <p:style>
+          <a:lnRef idx="2">
+            <a:schemeClr val="accent1">
+              <a:shade val="15000"/>
+            </a:schemeClr>
+          </a:lnRef>
+          <a:fillRef idx="1">
+            <a:schemeClr val="accent1"/>
+          </a:fillRef>
+          <a:effectRef idx="0">
+            <a:schemeClr val="accent1"/>
+          </a:effectRef>
+          <a:fontRef idx="minor">
+            <a:schemeClr val="lt1"/>
+          </a:fontRef>
+        </p:style>
+        <p:txBody>
+          <a:bodyPr rtlCol="0" anchor="ctr"/>
+          <a:lstStyle/>
+          <a:p>
+            <a:pPr algn="ctr"/>
+            <a:r>
+              <a:rPr lang="en-US" dirty="0" err="1"/>
+              <a:t>GuiRemoteRendererSingle</a:t>
+            </a:r>
+            <a:endParaRPr lang="en-US" dirty="0"/>
+          </a:p>
+        </p:txBody>
+      </p:sp>
+      <p:sp>
+        <p:nvSpPr>
+          <p:cNvPr id="40" name="Rectangle: Rounded Corners 39">
+            <a:extLst>
+              <a:ext uri="{FF2B5EF4-FFF2-40B4-BE49-F238E27FC236}">
+                <a16:creationId xmlns:a16="http://schemas.microsoft.com/office/drawing/2014/main" id="{649E1AAD-1C6A-B4C7-8866-A43A19E37CD3}"/>
+              </a:ext>
+            </a:extLst>
+          </p:cNvPr>
+          <p:cNvSpPr/>
+          <p:nvPr/>
+        </p:nvSpPr>
+        <p:spPr>
+          <a:xfrm>
+            <a:off x="9678062" y="125437"/>
+            <a:ext cx="2317750" cy="533400"/>
+          </a:xfrm>
+          <a:prstGeom prst="roundRect">
+            <a:avLst/>
+          </a:prstGeom>
+        </p:spPr>
+        <p:style>
+          <a:lnRef idx="2">
+            <a:schemeClr val="accent6">
+              <a:shade val="15000"/>
+            </a:schemeClr>
+          </a:lnRef>
+          <a:fillRef idx="1">
+            <a:schemeClr val="accent6"/>
+          </a:fillRef>
+          <a:effectRef idx="0">
+            <a:schemeClr val="accent6"/>
+          </a:effectRef>
+          <a:fontRef idx="minor">
+            <a:schemeClr val="lt1"/>
+          </a:fontRef>
+        </p:style>
+        <p:txBody>
+          <a:bodyPr rtlCol="0" anchor="ctr"/>
+          <a:lstStyle/>
+          <a:p>
+            <a:pPr algn="ctr"/>
+            <a:r>
+              <a:rPr lang="en-US" dirty="0"/>
+              <a:t>Windows/Direct2D</a:t>
+            </a:r>
+          </a:p>
+        </p:txBody>
+      </p:sp>
+      <p:sp>
+        <p:nvSpPr>
+          <p:cNvPr id="41" name="Rectangle: Rounded Corners 40">
+            <a:extLst>
+              <a:ext uri="{FF2B5EF4-FFF2-40B4-BE49-F238E27FC236}">
+                <a16:creationId xmlns:a16="http://schemas.microsoft.com/office/drawing/2014/main" id="{C389BF2E-3199-9AB7-4CB8-7A2CDE53A3D6}"/>
+              </a:ext>
+            </a:extLst>
+          </p:cNvPr>
+          <p:cNvSpPr/>
+          <p:nvPr/>
+        </p:nvSpPr>
+        <p:spPr>
+          <a:xfrm>
+            <a:off x="7163488" y="125437"/>
+            <a:ext cx="2317750" cy="533400"/>
+          </a:xfrm>
+          <a:prstGeom prst="roundRect">
+            <a:avLst/>
+          </a:prstGeom>
+        </p:spPr>
+        <p:style>
+          <a:lnRef idx="2">
+            <a:schemeClr val="accent6">
+              <a:shade val="15000"/>
+            </a:schemeClr>
+          </a:lnRef>
+          <a:fillRef idx="1">
+            <a:schemeClr val="accent6"/>
+          </a:fillRef>
+          <a:effectRef idx="0">
+            <a:schemeClr val="accent6"/>
+          </a:effectRef>
+          <a:fontRef idx="minor">
+            <a:schemeClr val="lt1"/>
+          </a:fontRef>
+        </p:style>
+        <p:txBody>
+          <a:bodyPr rtlCol="0" anchor="ctr"/>
+          <a:lstStyle/>
+          <a:p>
+            <a:pPr algn="ctr"/>
+            <a:r>
+              <a:rPr lang="en-US" dirty="0"/>
+              <a:t>Windows/GDI</a:t>
+            </a:r>
+          </a:p>
+        </p:txBody>
+      </p:sp>
+      <p:sp>
+        <p:nvSpPr>
+          <p:cNvPr id="43" name="Rectangle: Rounded Corners 42">
+            <a:extLst>
+              <a:ext uri="{FF2B5EF4-FFF2-40B4-BE49-F238E27FC236}">
+                <a16:creationId xmlns:a16="http://schemas.microsoft.com/office/drawing/2014/main" id="{8A13761D-0399-3CD6-1769-A50406A9C089}"/>
+              </a:ext>
+            </a:extLst>
+          </p:cNvPr>
+          <p:cNvSpPr/>
+          <p:nvPr/>
+        </p:nvSpPr>
+        <p:spPr>
+          <a:xfrm>
+            <a:off x="6460005" y="125437"/>
+            <a:ext cx="506659" cy="533400"/>
+          </a:xfrm>
+          <a:prstGeom prst="roundRect">
+            <a:avLst/>
+          </a:prstGeom>
+        </p:spPr>
+        <p:style>
+          <a:lnRef idx="2">
+            <a:schemeClr val="accent6">
+              <a:shade val="15000"/>
+            </a:schemeClr>
+          </a:lnRef>
+          <a:fillRef idx="1">
+            <a:schemeClr val="accent6"/>
+          </a:fillRef>
+          <a:effectRef idx="0">
+            <a:schemeClr val="accent6"/>
+          </a:effectRef>
+          <a:fontRef idx="minor">
+            <a:schemeClr val="lt1"/>
+          </a:fontRef>
+        </p:style>
+        <p:txBody>
+          <a:bodyPr rtlCol="0" anchor="ctr"/>
+          <a:lstStyle/>
+          <a:p>
+            <a:pPr algn="ctr"/>
+            <a:r>
+              <a:rPr lang="en-US" dirty="0"/>
+              <a:t>…</a:t>
+            </a:r>
+          </a:p>
+        </p:txBody>
+      </p:sp>
+      <p:cxnSp>
+        <p:nvCxnSpPr>
+          <p:cNvPr id="45" name="Connector: Curved 44">
+            <a:extLst>
+              <a:ext uri="{FF2B5EF4-FFF2-40B4-BE49-F238E27FC236}">
+                <a16:creationId xmlns:a16="http://schemas.microsoft.com/office/drawing/2014/main" id="{8374EB0D-CC4F-9624-4ABF-39AB31A7973E}"/>
+              </a:ext>
+            </a:extLst>
+          </p:cNvPr>
+          <p:cNvCxnSpPr>
+            <a:stCxn id="39" idx="0"/>
+            <a:endCxn id="38" idx="2"/>
+          </p:cNvCxnSpPr>
+          <p:nvPr/>
+        </p:nvCxnSpPr>
+        <p:spPr>
+          <a:xfrm rot="5400000" flipH="1" flipV="1">
+            <a:off x="9444828" y="1593444"/>
+            <a:ext cx="267471" cy="12700"/>
+          </a:xfrm>
+          <a:prstGeom prst="curvedConnector3">
+            <a:avLst/>
+          </a:prstGeom>
+          <a:ln w="19050">
+            <a:tailEnd type="triangle"/>
+          </a:ln>
+        </p:spPr>
+        <p:style>
+          <a:lnRef idx="1">
+            <a:schemeClr val="accent1"/>
+          </a:lnRef>
+          <a:fillRef idx="0">
+            <a:schemeClr val="accent1"/>
+          </a:fillRef>
+          <a:effectRef idx="0">
+            <a:schemeClr val="accent1"/>
+          </a:effectRef>
+          <a:fontRef idx="minor">
+            <a:schemeClr val="tx1"/>
+          </a:fontRef>
+        </p:style>
+      </p:cxnSp>
+      <p:cxnSp>
+        <p:nvCxnSpPr>
+          <p:cNvPr id="47" name="Connector: Curved 46">
+            <a:extLst>
+              <a:ext uri="{FF2B5EF4-FFF2-40B4-BE49-F238E27FC236}">
+                <a16:creationId xmlns:a16="http://schemas.microsoft.com/office/drawing/2014/main" id="{124BB287-19D5-4B7E-04AA-2D8EFB476826}"/>
+              </a:ext>
+            </a:extLst>
+          </p:cNvPr>
+          <p:cNvCxnSpPr>
+            <a:cxnSpLocks/>
+            <a:stCxn id="38" idx="3"/>
+            <a:endCxn id="40" idx="2"/>
+          </p:cNvCxnSpPr>
+          <p:nvPr/>
+        </p:nvCxnSpPr>
+        <p:spPr>
+          <a:xfrm flipV="1">
+            <a:off x="10537413" y="658837"/>
+            <a:ext cx="299524" cy="534171"/>
+          </a:xfrm>
+          <a:prstGeom prst="curvedConnector2">
+            <a:avLst/>
+          </a:prstGeom>
+          <a:ln w="19050">
+            <a:solidFill>
+              <a:schemeClr val="accent2"/>
+            </a:solidFill>
+            <a:tailEnd type="triangle"/>
+          </a:ln>
+        </p:spPr>
+        <p:style>
+          <a:lnRef idx="1">
+            <a:schemeClr val="accent6"/>
+          </a:lnRef>
+          <a:fillRef idx="0">
+            <a:schemeClr val="accent6"/>
+          </a:fillRef>
+          <a:effectRef idx="0">
+            <a:schemeClr val="accent6"/>
+          </a:effectRef>
+          <a:fontRef idx="minor">
+            <a:schemeClr val="tx1"/>
+          </a:fontRef>
+        </p:style>
+      </p:cxnSp>
+      <p:cxnSp>
+        <p:nvCxnSpPr>
+          <p:cNvPr id="49" name="Connector: Curved 48">
+            <a:extLst>
+              <a:ext uri="{FF2B5EF4-FFF2-40B4-BE49-F238E27FC236}">
+                <a16:creationId xmlns:a16="http://schemas.microsoft.com/office/drawing/2014/main" id="{84A0A5D7-5D50-608F-82F0-834948A5321F}"/>
+              </a:ext>
+            </a:extLst>
+          </p:cNvPr>
+          <p:cNvCxnSpPr>
+            <a:cxnSpLocks/>
+            <a:stCxn id="38" idx="1"/>
+            <a:endCxn id="41" idx="2"/>
+          </p:cNvCxnSpPr>
+          <p:nvPr/>
+        </p:nvCxnSpPr>
+        <p:spPr>
+          <a:xfrm rot="10800000">
+            <a:off x="8322363" y="658838"/>
+            <a:ext cx="297350" cy="534171"/>
+          </a:xfrm>
+          <a:prstGeom prst="curvedConnector2">
+            <a:avLst/>
+          </a:prstGeom>
+          <a:ln w="19050">
+            <a:solidFill>
+              <a:schemeClr val="accent2"/>
+            </a:solidFill>
+            <a:tailEnd type="triangle"/>
+          </a:ln>
+        </p:spPr>
+        <p:style>
+          <a:lnRef idx="1">
+            <a:schemeClr val="accent6"/>
+          </a:lnRef>
+          <a:fillRef idx="0">
+            <a:schemeClr val="accent6"/>
+          </a:fillRef>
+          <a:effectRef idx="0">
+            <a:schemeClr val="accent6"/>
+          </a:effectRef>
+          <a:fontRef idx="minor">
+            <a:schemeClr val="tx1"/>
+          </a:fontRef>
+        </p:style>
+      </p:cxnSp>
+      <p:cxnSp>
+        <p:nvCxnSpPr>
+          <p:cNvPr id="51" name="Connector: Curved 50">
+            <a:extLst>
+              <a:ext uri="{FF2B5EF4-FFF2-40B4-BE49-F238E27FC236}">
+                <a16:creationId xmlns:a16="http://schemas.microsoft.com/office/drawing/2014/main" id="{A2835518-41FA-6615-E608-883B97D790A9}"/>
+              </a:ext>
+            </a:extLst>
+          </p:cNvPr>
+          <p:cNvCxnSpPr>
+            <a:cxnSpLocks/>
+            <a:stCxn id="38" idx="1"/>
+            <a:endCxn id="43" idx="2"/>
+          </p:cNvCxnSpPr>
+          <p:nvPr/>
+        </p:nvCxnSpPr>
+        <p:spPr>
+          <a:xfrm rot="10800000">
+            <a:off x="6713335" y="658838"/>
+            <a:ext cx="1906378" cy="534171"/>
+          </a:xfrm>
+          <a:prstGeom prst="curvedConnector2">
+            <a:avLst/>
+          </a:prstGeom>
+          <a:ln w="19050">
+            <a:solidFill>
+              <a:schemeClr val="accent2"/>
+            </a:solidFill>
+            <a:prstDash val="dash"/>
+            <a:tailEnd type="triangle"/>
+          </a:ln>
+        </p:spPr>
+        <p:style>
+          <a:lnRef idx="1">
+            <a:schemeClr val="accent6"/>
+          </a:lnRef>
+          <a:fillRef idx="0">
+            <a:schemeClr val="accent6"/>
+          </a:fillRef>
+          <a:effectRef idx="0">
+            <a:schemeClr val="accent6"/>
+          </a:effectRef>
+          <a:fontRef idx="minor">
+            <a:schemeClr val="tx1"/>
+          </a:fontRef>
+        </p:style>
+      </p:cxnSp>
+      <p:sp>
+        <p:nvSpPr>
+          <p:cNvPr id="56" name="TextBox 55">
+            <a:extLst>
+              <a:ext uri="{FF2B5EF4-FFF2-40B4-BE49-F238E27FC236}">
+                <a16:creationId xmlns:a16="http://schemas.microsoft.com/office/drawing/2014/main" id="{9B21E324-4E0C-D465-35CB-4F5600FDFE86}"/>
+              </a:ext>
+            </a:extLst>
+          </p:cNvPr>
+          <p:cNvSpPr txBox="1"/>
+          <p:nvPr/>
+        </p:nvSpPr>
+        <p:spPr>
+          <a:xfrm>
+            <a:off x="99083" y="2089927"/>
+            <a:ext cx="6285695" cy="369332"/>
+          </a:xfrm>
+          <a:prstGeom prst="rect">
+            <a:avLst/>
+          </a:prstGeom>
+          <a:noFill/>
+        </p:spPr>
+        <p:txBody>
+          <a:bodyPr wrap="none" rtlCol="0">
+            <a:spAutoFit/>
+          </a:bodyPr>
+          <a:lstStyle/>
+          <a:p>
+            <a:r>
+              <a:rPr lang="en-US" dirty="0"/>
+              <a:t>your </a:t>
+            </a:r>
+            <a:r>
+              <a:rPr lang="en-US" dirty="0" err="1"/>
+              <a:t>IGuiRemoteProtocolChannel</a:t>
+            </a:r>
+            <a:r>
+              <a:rPr lang="en-US" dirty="0"/>
+              <a:t>&lt;U8String&gt; implementation</a:t>
+            </a:r>
+          </a:p>
+        </p:txBody>
+      </p:sp>
+      <p:sp>
+        <p:nvSpPr>
+          <p:cNvPr id="57" name="TextBox 56">
+            <a:extLst>
+              <a:ext uri="{FF2B5EF4-FFF2-40B4-BE49-F238E27FC236}">
+                <a16:creationId xmlns:a16="http://schemas.microsoft.com/office/drawing/2014/main" id="{DCCD7AF6-FA7B-6325-2909-08829AE29CBE}"/>
+              </a:ext>
+            </a:extLst>
+          </p:cNvPr>
+          <p:cNvSpPr txBox="1"/>
+          <p:nvPr/>
+        </p:nvSpPr>
+        <p:spPr>
+          <a:xfrm>
+            <a:off x="196866" y="1614355"/>
+            <a:ext cx="6187912" cy="369332"/>
+          </a:xfrm>
+          <a:prstGeom prst="rect">
+            <a:avLst/>
+          </a:prstGeom>
+          <a:noFill/>
+        </p:spPr>
+        <p:txBody>
+          <a:bodyPr wrap="none" rtlCol="0">
+            <a:spAutoFit/>
+          </a:bodyPr>
+          <a:lstStyle/>
+          <a:p>
+            <a:r>
+              <a:rPr lang="en-US" dirty="0" err="1"/>
+              <a:t>GuiRemoteUtfStringChannelDeserializer</a:t>
+            </a:r>
+            <a:r>
+              <a:rPr lang="en-US" dirty="0"/>
+              <a:t>&lt;</a:t>
+            </a:r>
+            <a:r>
+              <a:rPr lang="en-US" dirty="0" err="1"/>
+              <a:t>WString</a:t>
+            </a:r>
+            <a:r>
+              <a:rPr lang="en-US" dirty="0"/>
+              <a:t>, U8String&gt;</a:t>
+            </a:r>
+          </a:p>
+        </p:txBody>
+      </p:sp>
+      <p:sp>
+        <p:nvSpPr>
+          <p:cNvPr id="58" name="TextBox 57">
+            <a:extLst>
+              <a:ext uri="{FF2B5EF4-FFF2-40B4-BE49-F238E27FC236}">
+                <a16:creationId xmlns:a16="http://schemas.microsoft.com/office/drawing/2014/main" id="{744E2114-EB23-4757-75C3-B8CEDA6D4406}"/>
+              </a:ext>
+            </a:extLst>
+          </p:cNvPr>
+          <p:cNvSpPr txBox="1"/>
+          <p:nvPr/>
+        </p:nvSpPr>
+        <p:spPr>
+          <a:xfrm>
+            <a:off x="2091408" y="1148091"/>
+            <a:ext cx="4253087" cy="369332"/>
+          </a:xfrm>
+          <a:prstGeom prst="rect">
+            <a:avLst/>
+          </a:prstGeom>
+          <a:noFill/>
+        </p:spPr>
+        <p:txBody>
+          <a:bodyPr wrap="none" rtlCol="0">
+            <a:spAutoFit/>
+          </a:bodyPr>
+          <a:lstStyle/>
+          <a:p>
+            <a:r>
+              <a:rPr lang="en-US" dirty="0" err="1"/>
+              <a:t>GuiRemoteJsonChannelStringDeserializer</a:t>
+            </a:r>
+            <a:endParaRPr lang="en-US" dirty="0"/>
+          </a:p>
+        </p:txBody>
+      </p:sp>
+      <p:sp>
+        <p:nvSpPr>
+          <p:cNvPr id="59" name="TextBox 58">
+            <a:extLst>
+              <a:ext uri="{FF2B5EF4-FFF2-40B4-BE49-F238E27FC236}">
+                <a16:creationId xmlns:a16="http://schemas.microsoft.com/office/drawing/2014/main" id="{4C1E4B76-F2D6-6CB2-AFCC-73A1817D4252}"/>
+              </a:ext>
+            </a:extLst>
+          </p:cNvPr>
+          <p:cNvSpPr txBox="1"/>
+          <p:nvPr/>
+        </p:nvSpPr>
+        <p:spPr>
+          <a:xfrm>
+            <a:off x="2463138" y="681827"/>
+            <a:ext cx="3879588" cy="369332"/>
+          </a:xfrm>
+          <a:prstGeom prst="rect">
+            <a:avLst/>
+          </a:prstGeom>
+          <a:noFill/>
+        </p:spPr>
+        <p:txBody>
+          <a:bodyPr wrap="none" rtlCol="0">
+            <a:spAutoFit/>
+          </a:bodyPr>
+          <a:lstStyle/>
+          <a:p>
+            <a:r>
+              <a:rPr lang="en-US" dirty="0" err="1"/>
+              <a:t>GuiRemoteJsonChannelFromProtocol</a:t>
+            </a:r>
+            <a:endParaRPr lang="en-US" dirty="0"/>
+          </a:p>
+        </p:txBody>
+      </p:sp>
+      <p:cxnSp>
+        <p:nvCxnSpPr>
+          <p:cNvPr id="61" name="Connector: Curved 60">
+            <a:extLst>
+              <a:ext uri="{FF2B5EF4-FFF2-40B4-BE49-F238E27FC236}">
+                <a16:creationId xmlns:a16="http://schemas.microsoft.com/office/drawing/2014/main" id="{1923D9C3-BD1B-1C73-AD74-83D444DC1717}"/>
+              </a:ext>
+            </a:extLst>
+          </p:cNvPr>
+          <p:cNvCxnSpPr>
+            <a:stCxn id="56" idx="3"/>
+            <a:endCxn id="57" idx="3"/>
+          </p:cNvCxnSpPr>
+          <p:nvPr/>
+        </p:nvCxnSpPr>
+        <p:spPr>
+          <a:xfrm flipV="1">
+            <a:off x="6384778" y="1799021"/>
+            <a:ext cx="12700" cy="475572"/>
+          </a:xfrm>
+          <a:prstGeom prst="curvedConnector3">
+            <a:avLst>
+              <a:gd name="adj1" fmla="val 1800000"/>
+            </a:avLst>
+          </a:prstGeom>
+          <a:ln>
+            <a:tailEnd type="triangle"/>
+          </a:ln>
+        </p:spPr>
+        <p:style>
+          <a:lnRef idx="1">
+            <a:schemeClr val="accent1"/>
+          </a:lnRef>
+          <a:fillRef idx="0">
+            <a:schemeClr val="accent1"/>
+          </a:fillRef>
+          <a:effectRef idx="0">
+            <a:schemeClr val="accent1"/>
+          </a:effectRef>
+          <a:fontRef idx="minor">
+            <a:schemeClr val="tx1"/>
+          </a:fontRef>
+        </p:style>
+      </p:cxnSp>
+      <p:cxnSp>
+        <p:nvCxnSpPr>
+          <p:cNvPr id="65" name="Connector: Curved 64">
+            <a:extLst>
+              <a:ext uri="{FF2B5EF4-FFF2-40B4-BE49-F238E27FC236}">
+                <a16:creationId xmlns:a16="http://schemas.microsoft.com/office/drawing/2014/main" id="{20F6E4A5-729B-CDB7-BAED-9A9A0A435728}"/>
+              </a:ext>
+            </a:extLst>
+          </p:cNvPr>
+          <p:cNvCxnSpPr>
+            <a:stCxn id="57" idx="3"/>
+            <a:endCxn id="58" idx="3"/>
+          </p:cNvCxnSpPr>
+          <p:nvPr/>
+        </p:nvCxnSpPr>
+        <p:spPr>
+          <a:xfrm flipH="1" flipV="1">
+            <a:off x="6344495" y="1332757"/>
+            <a:ext cx="40283" cy="466264"/>
+          </a:xfrm>
+          <a:prstGeom prst="curvedConnector3">
+            <a:avLst>
+              <a:gd name="adj1" fmla="val -567485"/>
+            </a:avLst>
+          </a:prstGeom>
+          <a:ln>
+            <a:tailEnd type="triangle"/>
+          </a:ln>
+        </p:spPr>
+        <p:style>
+          <a:lnRef idx="1">
+            <a:schemeClr val="accent1"/>
+          </a:lnRef>
+          <a:fillRef idx="0">
+            <a:schemeClr val="accent1"/>
+          </a:fillRef>
+          <a:effectRef idx="0">
+            <a:schemeClr val="accent1"/>
+          </a:effectRef>
+          <a:fontRef idx="minor">
+            <a:schemeClr val="tx1"/>
+          </a:fontRef>
+        </p:style>
+      </p:cxnSp>
+      <p:cxnSp>
+        <p:nvCxnSpPr>
+          <p:cNvPr id="69" name="Connector: Curved 68">
+            <a:extLst>
+              <a:ext uri="{FF2B5EF4-FFF2-40B4-BE49-F238E27FC236}">
+                <a16:creationId xmlns:a16="http://schemas.microsoft.com/office/drawing/2014/main" id="{3C1AEB92-9DB9-8E63-D28B-C55E3D872346}"/>
+              </a:ext>
+            </a:extLst>
+          </p:cNvPr>
+          <p:cNvCxnSpPr>
+            <a:stCxn id="58" idx="3"/>
+            <a:endCxn id="59" idx="3"/>
+          </p:cNvCxnSpPr>
+          <p:nvPr/>
+        </p:nvCxnSpPr>
+        <p:spPr>
+          <a:xfrm flipH="1" flipV="1">
+            <a:off x="6342726" y="866493"/>
+            <a:ext cx="1769" cy="466264"/>
+          </a:xfrm>
+          <a:prstGeom prst="curvedConnector3">
+            <a:avLst>
+              <a:gd name="adj1" fmla="val -12922555"/>
+            </a:avLst>
+          </a:prstGeom>
+          <a:ln>
+            <a:tailEnd type="triangle"/>
+          </a:ln>
+        </p:spPr>
+        <p:style>
+          <a:lnRef idx="1">
+            <a:schemeClr val="accent1"/>
+          </a:lnRef>
+          <a:fillRef idx="0">
+            <a:schemeClr val="accent1"/>
+          </a:fillRef>
+          <a:effectRef idx="0">
+            <a:schemeClr val="accent1"/>
+          </a:effectRef>
+          <a:fontRef idx="minor">
+            <a:schemeClr val="tx1"/>
+          </a:fontRef>
+        </p:style>
+      </p:cxnSp>
+      <p:cxnSp>
+        <p:nvCxnSpPr>
+          <p:cNvPr id="76" name="Connector: Curved 75">
+            <a:extLst>
+              <a:ext uri="{FF2B5EF4-FFF2-40B4-BE49-F238E27FC236}">
+                <a16:creationId xmlns:a16="http://schemas.microsoft.com/office/drawing/2014/main" id="{BA4B4226-6B2A-D93F-C157-380DB6ABF619}"/>
+              </a:ext>
+            </a:extLst>
+          </p:cNvPr>
+          <p:cNvCxnSpPr>
+            <a:stCxn id="59" idx="3"/>
+            <a:endCxn id="39" idx="1"/>
+          </p:cNvCxnSpPr>
+          <p:nvPr/>
+        </p:nvCxnSpPr>
+        <p:spPr>
+          <a:xfrm>
+            <a:off x="6342726" y="866493"/>
+            <a:ext cx="1737418" cy="1127386"/>
+          </a:xfrm>
+          <a:prstGeom prst="curvedConnector3">
+            <a:avLst/>
+          </a:prstGeom>
+          <a:ln>
+            <a:tailEnd type="triangle"/>
+          </a:ln>
+        </p:spPr>
+        <p:style>
+          <a:lnRef idx="1">
+            <a:schemeClr val="accent1"/>
+          </a:lnRef>
+          <a:fillRef idx="0">
+            <a:schemeClr val="accent1"/>
+          </a:fillRef>
+          <a:effectRef idx="0">
+            <a:schemeClr val="accent1"/>
+          </a:effectRef>
+          <a:fontRef idx="minor">
+            <a:schemeClr val="tx1"/>
+          </a:fontRef>
+        </p:style>
+      </p:cxnSp>
+      <p:sp>
+        <p:nvSpPr>
+          <p:cNvPr id="77" name="Rectangle 76">
+            <a:extLst>
+              <a:ext uri="{FF2B5EF4-FFF2-40B4-BE49-F238E27FC236}">
+                <a16:creationId xmlns:a16="http://schemas.microsoft.com/office/drawing/2014/main" id="{65A7E0B2-1EFD-FCD3-2CC7-BAD0D217AEA2}"/>
+              </a:ext>
+            </a:extLst>
+          </p:cNvPr>
+          <p:cNvSpPr/>
+          <p:nvPr/>
+        </p:nvSpPr>
+        <p:spPr>
+          <a:xfrm>
+            <a:off x="2721821" y="2561891"/>
+            <a:ext cx="3620905" cy="361995"/>
+          </a:xfrm>
+          <a:prstGeom prst="rect">
+            <a:avLst/>
+          </a:prstGeom>
+          <a:ln w="38100">
+            <a:noFill/>
+            <a:prstDash val="dash"/>
+          </a:ln>
+        </p:spPr>
+        <p:style>
+          <a:lnRef idx="2">
+            <a:schemeClr val="accent1"/>
+          </a:lnRef>
+          <a:fillRef idx="1">
+            <a:schemeClr val="lt1"/>
+          </a:fillRef>
+          <a:effectRef idx="0">
+            <a:schemeClr val="accent1"/>
+          </a:effectRef>
+          <a:fontRef idx="minor">
+            <a:schemeClr val="dk1"/>
+          </a:fontRef>
+        </p:style>
+        <p:txBody>
+          <a:bodyPr rtlCol="0" anchor="ctr"/>
+          <a:lstStyle/>
+          <a:p>
+            <a:pPr algn="ctr"/>
+            <a:r>
+              <a:rPr lang="en-US" b="1" dirty="0">
+                <a:solidFill>
+                  <a:schemeClr val="accent1"/>
+                </a:solidFill>
+              </a:rPr>
+              <a:t>BINARY BOUNDARY</a:t>
+            </a:r>
+          </a:p>
+        </p:txBody>
+      </p:sp>
+      <p:cxnSp>
+        <p:nvCxnSpPr>
+          <p:cNvPr id="79" name="Connector: Curved 78">
+            <a:extLst>
+              <a:ext uri="{FF2B5EF4-FFF2-40B4-BE49-F238E27FC236}">
+                <a16:creationId xmlns:a16="http://schemas.microsoft.com/office/drawing/2014/main" id="{48E50EAA-98DF-0AFF-D964-2D4F9544B520}"/>
+              </a:ext>
+            </a:extLst>
+          </p:cNvPr>
+          <p:cNvCxnSpPr>
+            <a:stCxn id="21" idx="1"/>
+            <a:endCxn id="77" idx="1"/>
+          </p:cNvCxnSpPr>
+          <p:nvPr/>
+        </p:nvCxnSpPr>
+        <p:spPr>
+          <a:xfrm rot="10800000" flipH="1">
+            <a:off x="2709121" y="2742889"/>
+            <a:ext cx="12700" cy="469048"/>
+          </a:xfrm>
+          <a:prstGeom prst="curvedConnector3">
+            <a:avLst>
+              <a:gd name="adj1" fmla="val -1800000"/>
+            </a:avLst>
+          </a:prstGeom>
+          <a:ln>
+            <a:tailEnd type="triangle"/>
+          </a:ln>
+        </p:spPr>
+        <p:style>
+          <a:lnRef idx="1">
+            <a:schemeClr val="accent1"/>
+          </a:lnRef>
+          <a:fillRef idx="0">
+            <a:schemeClr val="accent1"/>
+          </a:fillRef>
+          <a:effectRef idx="0">
+            <a:schemeClr val="accent1"/>
+          </a:effectRef>
+          <a:fontRef idx="minor">
+            <a:schemeClr val="tx1"/>
+          </a:fontRef>
+        </p:style>
+      </p:cxnSp>
+      <p:cxnSp>
+        <p:nvCxnSpPr>
+          <p:cNvPr id="81" name="Connector: Curved 80">
+            <a:extLst>
+              <a:ext uri="{FF2B5EF4-FFF2-40B4-BE49-F238E27FC236}">
+                <a16:creationId xmlns:a16="http://schemas.microsoft.com/office/drawing/2014/main" id="{55393FEE-0B15-402E-98AE-CFAFDE27482E}"/>
+              </a:ext>
+            </a:extLst>
+          </p:cNvPr>
+          <p:cNvCxnSpPr>
+            <a:stCxn id="77" idx="3"/>
+            <a:endCxn id="56" idx="3"/>
+          </p:cNvCxnSpPr>
+          <p:nvPr/>
+        </p:nvCxnSpPr>
+        <p:spPr>
+          <a:xfrm flipV="1">
+            <a:off x="6342726" y="2274593"/>
+            <a:ext cx="42052" cy="468296"/>
+          </a:xfrm>
+          <a:prstGeom prst="curvedConnector3">
+            <a:avLst>
+              <a:gd name="adj1" fmla="val 643613"/>
+            </a:avLst>
+          </a:prstGeom>
+          <a:ln>
+            <a:tailEnd type="triangle"/>
+          </a:ln>
+        </p:spPr>
+        <p:style>
+          <a:lnRef idx="1">
+            <a:schemeClr val="accent1"/>
+          </a:lnRef>
+          <a:fillRef idx="0">
+            <a:schemeClr val="accent1"/>
+          </a:fillRef>
+          <a:effectRef idx="0">
+            <a:schemeClr val="accent1"/>
+          </a:effectRef>
+          <a:fontRef idx="minor">
+            <a:schemeClr val="tx1"/>
+          </a:fontRef>
+        </p:style>
+      </p:cxnSp>
+      <p:cxnSp>
+        <p:nvCxnSpPr>
+          <p:cNvPr id="83" name="Straight Connector 82">
+            <a:extLst>
+              <a:ext uri="{FF2B5EF4-FFF2-40B4-BE49-F238E27FC236}">
+                <a16:creationId xmlns:a16="http://schemas.microsoft.com/office/drawing/2014/main" id="{B5623D6E-7798-5067-5E98-2B8C91C1ED94}"/>
+              </a:ext>
+            </a:extLst>
+          </p:cNvPr>
+          <p:cNvCxnSpPr>
+            <a:cxnSpLocks/>
+          </p:cNvCxnSpPr>
+          <p:nvPr/>
+        </p:nvCxnSpPr>
+        <p:spPr>
+          <a:xfrm>
+            <a:off x="2824723" y="2923886"/>
+            <a:ext cx="3518003" cy="0"/>
+          </a:xfrm>
+          <a:prstGeom prst="line">
+            <a:avLst/>
+          </a:prstGeom>
+          <a:ln w="31750">
+            <a:prstDash val="dash"/>
+          </a:ln>
+        </p:spPr>
+        <p:style>
+          <a:lnRef idx="1">
+            <a:schemeClr val="accent1"/>
+          </a:lnRef>
+          <a:fillRef idx="0">
+            <a:schemeClr val="accent1"/>
+          </a:fillRef>
+          <a:effectRef idx="0">
+            <a:schemeClr val="accent1"/>
+          </a:effectRef>
+          <a:fontRef idx="minor">
+            <a:schemeClr val="tx1"/>
+          </a:fontRef>
+        </p:style>
+      </p:cxnSp>
+      <p:cxnSp>
+        <p:nvCxnSpPr>
+          <p:cNvPr id="84" name="Straight Connector 83">
+            <a:extLst>
+              <a:ext uri="{FF2B5EF4-FFF2-40B4-BE49-F238E27FC236}">
+                <a16:creationId xmlns:a16="http://schemas.microsoft.com/office/drawing/2014/main" id="{56E8F325-25B3-A642-5FC6-96FC9CBE2365}"/>
+              </a:ext>
+            </a:extLst>
+          </p:cNvPr>
+          <p:cNvCxnSpPr>
+            <a:cxnSpLocks/>
+          </p:cNvCxnSpPr>
+          <p:nvPr/>
+        </p:nvCxnSpPr>
+        <p:spPr>
+          <a:xfrm>
+            <a:off x="2824723" y="2561891"/>
+            <a:ext cx="3505303" cy="0"/>
+          </a:xfrm>
+          <a:prstGeom prst="line">
+            <a:avLst/>
+          </a:prstGeom>
+          <a:ln w="31750">
+            <a:prstDash val="dash"/>
+          </a:ln>
+        </p:spPr>
+        <p:style>
+          <a:lnRef idx="1">
+            <a:schemeClr val="accent1"/>
+          </a:lnRef>
+          <a:fillRef idx="0">
+            <a:schemeClr val="accent1"/>
+          </a:fillRef>
+          <a:effectRef idx="0">
+            <a:schemeClr val="accent1"/>
+          </a:effectRef>
+          <a:fontRef idx="minor">
+            <a:schemeClr val="tx1"/>
+          </a:fontRef>
+        </p:style>
+      </p:cxnSp>
+      <p:sp>
+        <p:nvSpPr>
+          <p:cNvPr id="89" name="TextBox 88">
+            <a:extLst>
+              <a:ext uri="{FF2B5EF4-FFF2-40B4-BE49-F238E27FC236}">
+                <a16:creationId xmlns:a16="http://schemas.microsoft.com/office/drawing/2014/main" id="{CC3877F9-8A05-5754-4546-61A2E4C77A7D}"/>
+              </a:ext>
+            </a:extLst>
+          </p:cNvPr>
+          <p:cNvSpPr txBox="1"/>
+          <p:nvPr/>
+        </p:nvSpPr>
+        <p:spPr>
+          <a:xfrm>
+            <a:off x="9834115" y="6207441"/>
+            <a:ext cx="2270173" cy="584775"/>
+          </a:xfrm>
+          <a:prstGeom prst="rect">
+            <a:avLst/>
+          </a:prstGeom>
+          <a:noFill/>
+        </p:spPr>
+        <p:txBody>
+          <a:bodyPr wrap="none" rtlCol="0">
+            <a:spAutoFit/>
+          </a:bodyPr>
+          <a:lstStyle/>
+          <a:p>
+            <a:r>
+              <a:rPr lang="en-US" sz="3200" b="1" dirty="0" err="1">
+                <a:solidFill>
+                  <a:schemeClr val="accent6"/>
+                </a:solidFill>
+              </a:rPr>
+              <a:t>GacUI</a:t>
+            </a:r>
+            <a:r>
+              <a:rPr lang="en-US" sz="3200" b="1" dirty="0">
+                <a:solidFill>
+                  <a:schemeClr val="accent6"/>
+                </a:solidFill>
+              </a:rPr>
+              <a:t> Core</a:t>
+            </a:r>
+          </a:p>
+        </p:txBody>
+      </p:sp>
+      <p:sp>
+        <p:nvSpPr>
+          <p:cNvPr id="90" name="TextBox 89">
+            <a:extLst>
+              <a:ext uri="{FF2B5EF4-FFF2-40B4-BE49-F238E27FC236}">
+                <a16:creationId xmlns:a16="http://schemas.microsoft.com/office/drawing/2014/main" id="{87375FBF-E847-B1A9-D651-9E9E6F119A5D}"/>
+              </a:ext>
+            </a:extLst>
+          </p:cNvPr>
+          <p:cNvSpPr txBox="1"/>
+          <p:nvPr/>
+        </p:nvSpPr>
+        <p:spPr>
+          <a:xfrm>
+            <a:off x="99083" y="132184"/>
+            <a:ext cx="3445174" cy="584775"/>
+          </a:xfrm>
+          <a:prstGeom prst="rect">
+            <a:avLst/>
+          </a:prstGeom>
+          <a:noFill/>
+        </p:spPr>
+        <p:txBody>
+          <a:bodyPr wrap="none" rtlCol="0">
+            <a:spAutoFit/>
+          </a:bodyPr>
+          <a:lstStyle/>
+          <a:p>
+            <a:r>
+              <a:rPr lang="en-US" sz="3200" b="1" dirty="0">
+                <a:solidFill>
+                  <a:schemeClr val="accent6"/>
+                </a:solidFill>
+              </a:rPr>
+              <a:t>Remote Renderer</a:t>
+            </a:r>
+          </a:p>
+        </p:txBody>
+      </p:sp>
+    </p:spTree>
+    <p:extLst>
+      <p:ext uri="{BB962C8B-B14F-4D97-AF65-F5344CB8AC3E}">
+        <p14:creationId xmlns:p14="http://schemas.microsoft.com/office/powerpoint/2010/main" val="1672674920"/>
+      </p:ext>
+    </p:extLst>
+  </p:cSld>
+  <p:clrMapOvr>
+    <a:masterClrMapping/>
+  </p:clrMapOvr>
+</p:sld>
+</file>
+
 <file path=ppt/theme/theme1.xml><?xml version="1.0" encoding="utf-8"?>
 <a:theme xmlns:a="http://schemas.openxmlformats.org/drawingml/2006/main" name="Office Theme">
   <a:themeElements>

--- a/packages/Dependencies.pptx
+++ b/packages/Dependencies.pptx
@@ -17171,588 +17171,609 @@
           <a:chExt cx="0" cy="0"/>
         </a:xfrm>
       </p:grpSpPr>
-      <p:sp>
-        <p:nvSpPr>
-          <p:cNvPr id="4" name="Rectangle: Rounded Corners 3">
+      <p:grpSp>
+        <p:nvGrpSpPr>
+          <p:cNvPr id="131" name="Group 130">
             <a:extLst>
               <a:ext uri="{FF2B5EF4-FFF2-40B4-BE49-F238E27FC236}">
-                <a16:creationId xmlns:a16="http://schemas.microsoft.com/office/drawing/2014/main" id="{F7D10FA2-CE72-3C53-8401-121823DBEDE9}"/>
+                <a16:creationId xmlns:a16="http://schemas.microsoft.com/office/drawing/2014/main" id="{C8E71990-287E-47D3-A1F8-038B1D077C8C}"/>
               </a:ext>
             </a:extLst>
           </p:cNvPr>
-          <p:cNvSpPr/>
+          <p:cNvGrpSpPr/>
           <p:nvPr/>
-        </p:nvSpPr>
-        <p:spPr>
+        </p:nvGrpSpPr>
+        <p:grpSpPr>
           <a:xfrm>
             <a:off x="1295400" y="1758950"/>
-            <a:ext cx="1917700" cy="533400"/>
+            <a:ext cx="9333360" cy="2473326"/>
+            <a:chOff x="1295400" y="1758950"/>
+            <a:chExt cx="9333360" cy="2473326"/>
           </a:xfrm>
-          <a:prstGeom prst="roundRect">
-            <a:avLst/>
-          </a:prstGeom>
-        </p:spPr>
-        <p:style>
-          <a:lnRef idx="2">
-            <a:schemeClr val="accent1">
-              <a:shade val="15000"/>
-            </a:schemeClr>
-          </a:lnRef>
-          <a:fillRef idx="1">
-            <a:schemeClr val="accent1"/>
-          </a:fillRef>
-          <a:effectRef idx="0">
-            <a:schemeClr val="accent1"/>
-          </a:effectRef>
-          <a:fontRef idx="minor">
-            <a:schemeClr val="lt1"/>
-          </a:fontRef>
-        </p:style>
-        <p:txBody>
-          <a:bodyPr rtlCol="0" anchor="ctr"/>
-          <a:lstStyle/>
-          <a:p>
-            <a:pPr algn="ctr"/>
-            <a:r>
-              <a:rPr lang="en-US" dirty="0" err="1"/>
-              <a:t>GuiApplication</a:t>
-            </a:r>
-            <a:endParaRPr lang="en-US" dirty="0"/>
-          </a:p>
-        </p:txBody>
-      </p:sp>
-      <p:sp>
-        <p:nvSpPr>
-          <p:cNvPr id="6" name="Rectangle: Rounded Corners 5">
-            <a:extLst>
-              <a:ext uri="{FF2B5EF4-FFF2-40B4-BE49-F238E27FC236}">
-                <a16:creationId xmlns:a16="http://schemas.microsoft.com/office/drawing/2014/main" id="{056178C7-5FCE-A2C0-AFC4-500EBEE43FE5}"/>
-              </a:ext>
-            </a:extLst>
-          </p:cNvPr>
-          <p:cNvSpPr/>
-          <p:nvPr/>
-        </p:nvSpPr>
-        <p:spPr>
-          <a:xfrm>
-            <a:off x="4406900" y="1762125"/>
-            <a:ext cx="2317750" cy="533400"/>
-          </a:xfrm>
-          <a:prstGeom prst="roundRect">
-            <a:avLst/>
-          </a:prstGeom>
-        </p:spPr>
-        <p:style>
-          <a:lnRef idx="2">
-            <a:schemeClr val="accent6">
-              <a:shade val="15000"/>
-            </a:schemeClr>
-          </a:lnRef>
-          <a:fillRef idx="1">
-            <a:schemeClr val="accent6"/>
-          </a:fillRef>
-          <a:effectRef idx="0">
-            <a:schemeClr val="accent6"/>
-          </a:effectRef>
-          <a:fontRef idx="minor">
-            <a:schemeClr val="lt1"/>
-          </a:fontRef>
-        </p:style>
-        <p:txBody>
-          <a:bodyPr rtlCol="0" anchor="ctr"/>
-          <a:lstStyle/>
-          <a:p>
-            <a:pPr algn="ctr"/>
-            <a:r>
-              <a:rPr lang="en-US" dirty="0"/>
-              <a:t>Windows/Direct2D</a:t>
-            </a:r>
-          </a:p>
-        </p:txBody>
-      </p:sp>
-      <p:sp>
-        <p:nvSpPr>
-          <p:cNvPr id="7" name="Rectangle: Rounded Corners 6">
-            <a:extLst>
-              <a:ext uri="{FF2B5EF4-FFF2-40B4-BE49-F238E27FC236}">
-                <a16:creationId xmlns:a16="http://schemas.microsoft.com/office/drawing/2014/main" id="{06F3D01F-8544-5311-4E38-624E147FBE40}"/>
-              </a:ext>
-            </a:extLst>
-          </p:cNvPr>
-          <p:cNvSpPr/>
-          <p:nvPr/>
-        </p:nvSpPr>
-        <p:spPr>
-          <a:xfrm>
-            <a:off x="4406900" y="2409825"/>
-            <a:ext cx="2317750" cy="533400"/>
-          </a:xfrm>
-          <a:prstGeom prst="roundRect">
-            <a:avLst/>
-          </a:prstGeom>
-        </p:spPr>
-        <p:style>
-          <a:lnRef idx="2">
-            <a:schemeClr val="accent6">
-              <a:shade val="15000"/>
-            </a:schemeClr>
-          </a:lnRef>
-          <a:fillRef idx="1">
-            <a:schemeClr val="accent6"/>
-          </a:fillRef>
-          <a:effectRef idx="0">
-            <a:schemeClr val="accent6"/>
-          </a:effectRef>
-          <a:fontRef idx="minor">
-            <a:schemeClr val="lt1"/>
-          </a:fontRef>
-        </p:style>
-        <p:txBody>
-          <a:bodyPr rtlCol="0" anchor="ctr"/>
-          <a:lstStyle/>
-          <a:p>
-            <a:pPr algn="ctr"/>
-            <a:r>
-              <a:rPr lang="en-US" dirty="0"/>
-              <a:t>Windows/GDI</a:t>
-            </a:r>
-          </a:p>
-        </p:txBody>
-      </p:sp>
-      <p:sp>
-        <p:nvSpPr>
-          <p:cNvPr id="8" name="Rectangle: Rounded Corners 7">
-            <a:extLst>
-              <a:ext uri="{FF2B5EF4-FFF2-40B4-BE49-F238E27FC236}">
-                <a16:creationId xmlns:a16="http://schemas.microsoft.com/office/drawing/2014/main" id="{B7AF31F7-2926-4DA3-4919-4E568E1AACE0}"/>
-              </a:ext>
-            </a:extLst>
-          </p:cNvPr>
-          <p:cNvSpPr/>
-          <p:nvPr/>
-        </p:nvSpPr>
-        <p:spPr>
-          <a:xfrm>
-            <a:off x="4406900" y="3057525"/>
-            <a:ext cx="2317750" cy="533400"/>
-          </a:xfrm>
-          <a:prstGeom prst="roundRect">
-            <a:avLst/>
-          </a:prstGeom>
-        </p:spPr>
-        <p:style>
-          <a:lnRef idx="2">
-            <a:schemeClr val="accent6">
-              <a:shade val="15000"/>
-            </a:schemeClr>
-          </a:lnRef>
-          <a:fillRef idx="1">
-            <a:schemeClr val="accent6"/>
-          </a:fillRef>
-          <a:effectRef idx="0">
-            <a:schemeClr val="accent6"/>
-          </a:effectRef>
-          <a:fontRef idx="minor">
-            <a:schemeClr val="lt1"/>
-          </a:fontRef>
-        </p:style>
-        <p:txBody>
-          <a:bodyPr rtlCol="0" anchor="ctr"/>
-          <a:lstStyle/>
-          <a:p>
-            <a:pPr algn="ctr"/>
-            <a:r>
-              <a:rPr lang="en-US" dirty="0"/>
-              <a:t>Linux/</a:t>
-            </a:r>
-            <a:r>
-              <a:rPr lang="en-US" dirty="0" err="1"/>
-              <a:t>Gtk</a:t>
-            </a:r>
-            <a:endParaRPr lang="en-US" dirty="0"/>
-          </a:p>
-        </p:txBody>
-      </p:sp>
-      <p:sp>
-        <p:nvSpPr>
-          <p:cNvPr id="9" name="Rectangle: Rounded Corners 8">
-            <a:extLst>
-              <a:ext uri="{FF2B5EF4-FFF2-40B4-BE49-F238E27FC236}">
-                <a16:creationId xmlns:a16="http://schemas.microsoft.com/office/drawing/2014/main" id="{4C5B87CA-98A5-80FE-BB16-828C656F3E42}"/>
-              </a:ext>
-            </a:extLst>
-          </p:cNvPr>
-          <p:cNvSpPr/>
-          <p:nvPr/>
-        </p:nvSpPr>
-        <p:spPr>
-          <a:xfrm>
-            <a:off x="4406900" y="3698876"/>
-            <a:ext cx="2317750" cy="533400"/>
-          </a:xfrm>
-          <a:prstGeom prst="roundRect">
-            <a:avLst/>
-          </a:prstGeom>
-        </p:spPr>
-        <p:style>
-          <a:lnRef idx="2">
-            <a:schemeClr val="accent6">
-              <a:shade val="15000"/>
-            </a:schemeClr>
-          </a:lnRef>
-          <a:fillRef idx="1">
-            <a:schemeClr val="accent6"/>
-          </a:fillRef>
-          <a:effectRef idx="0">
-            <a:schemeClr val="accent6"/>
-          </a:effectRef>
-          <a:fontRef idx="minor">
-            <a:schemeClr val="lt1"/>
-          </a:fontRef>
-        </p:style>
-        <p:txBody>
-          <a:bodyPr rtlCol="0" anchor="ctr"/>
-          <a:lstStyle/>
-          <a:p>
-            <a:pPr algn="ctr"/>
-            <a:r>
-              <a:rPr lang="en-US" dirty="0" err="1"/>
-              <a:t>macos</a:t>
-            </a:r>
-            <a:r>
-              <a:rPr lang="en-US" dirty="0"/>
-              <a:t>/</a:t>
-            </a:r>
-            <a:r>
-              <a:rPr lang="en-US" dirty="0" err="1"/>
-              <a:t>CoreGraphics</a:t>
-            </a:r>
-            <a:endParaRPr lang="en-US" dirty="0"/>
-          </a:p>
-        </p:txBody>
-      </p:sp>
-      <p:cxnSp>
-        <p:nvCxnSpPr>
-          <p:cNvPr id="62" name="Connector: Curved 61">
-            <a:extLst>
-              <a:ext uri="{FF2B5EF4-FFF2-40B4-BE49-F238E27FC236}">
-                <a16:creationId xmlns:a16="http://schemas.microsoft.com/office/drawing/2014/main" id="{1FF8B575-C98A-26D5-D282-C5F9A776CCF5}"/>
-              </a:ext>
-            </a:extLst>
-          </p:cNvPr>
-          <p:cNvCxnSpPr>
-            <a:stCxn id="4" idx="3"/>
-            <a:endCxn id="6" idx="1"/>
-          </p:cNvCxnSpPr>
-          <p:nvPr/>
-        </p:nvCxnSpPr>
-        <p:spPr>
-          <a:xfrm>
-            <a:off x="3213100" y="2025650"/>
-            <a:ext cx="1193800" cy="3175"/>
-          </a:xfrm>
-          <a:prstGeom prst="curvedConnector3">
-            <a:avLst/>
-          </a:prstGeom>
-          <a:ln w="19050">
-            <a:tailEnd type="triangle"/>
-          </a:ln>
-        </p:spPr>
-        <p:style>
-          <a:lnRef idx="1">
-            <a:schemeClr val="accent1"/>
-          </a:lnRef>
-          <a:fillRef idx="0">
-            <a:schemeClr val="accent1"/>
-          </a:fillRef>
-          <a:effectRef idx="0">
-            <a:schemeClr val="accent1"/>
-          </a:effectRef>
-          <a:fontRef idx="minor">
-            <a:schemeClr val="tx1"/>
-          </a:fontRef>
-        </p:style>
-      </p:cxnSp>
-      <p:cxnSp>
-        <p:nvCxnSpPr>
-          <p:cNvPr id="64" name="Connector: Curved 63">
-            <a:extLst>
-              <a:ext uri="{FF2B5EF4-FFF2-40B4-BE49-F238E27FC236}">
-                <a16:creationId xmlns:a16="http://schemas.microsoft.com/office/drawing/2014/main" id="{FAF695CD-2BE3-D7AA-E359-7B82E1E8AA9F}"/>
-              </a:ext>
-            </a:extLst>
-          </p:cNvPr>
-          <p:cNvCxnSpPr>
-            <a:stCxn id="4" idx="3"/>
-            <a:endCxn id="7" idx="1"/>
-          </p:cNvCxnSpPr>
-          <p:nvPr/>
-        </p:nvCxnSpPr>
-        <p:spPr>
-          <a:xfrm>
-            <a:off x="3213100" y="2025650"/>
-            <a:ext cx="1193800" cy="650875"/>
-          </a:xfrm>
-          <a:prstGeom prst="curvedConnector3">
-            <a:avLst/>
-          </a:prstGeom>
-          <a:ln w="19050">
-            <a:tailEnd type="triangle"/>
-          </a:ln>
-        </p:spPr>
-        <p:style>
-          <a:lnRef idx="1">
-            <a:schemeClr val="accent1"/>
-          </a:lnRef>
-          <a:fillRef idx="0">
-            <a:schemeClr val="accent1"/>
-          </a:fillRef>
-          <a:effectRef idx="0">
-            <a:schemeClr val="accent1"/>
-          </a:effectRef>
-          <a:fontRef idx="minor">
-            <a:schemeClr val="tx1"/>
-          </a:fontRef>
-        </p:style>
-      </p:cxnSp>
-      <p:cxnSp>
-        <p:nvCxnSpPr>
-          <p:cNvPr id="66" name="Connector: Curved 65">
-            <a:extLst>
-              <a:ext uri="{FF2B5EF4-FFF2-40B4-BE49-F238E27FC236}">
-                <a16:creationId xmlns:a16="http://schemas.microsoft.com/office/drawing/2014/main" id="{09048C5C-3836-E315-4C5F-9CA349434A3B}"/>
-              </a:ext>
-            </a:extLst>
-          </p:cNvPr>
-          <p:cNvCxnSpPr>
-            <a:stCxn id="4" idx="3"/>
-            <a:endCxn id="8" idx="1"/>
-          </p:cNvCxnSpPr>
-          <p:nvPr/>
-        </p:nvCxnSpPr>
-        <p:spPr>
-          <a:xfrm>
-            <a:off x="3213100" y="2025650"/>
-            <a:ext cx="1193800" cy="1298575"/>
-          </a:xfrm>
-          <a:prstGeom prst="curvedConnector3">
-            <a:avLst/>
-          </a:prstGeom>
-          <a:ln w="19050">
-            <a:tailEnd type="triangle"/>
-          </a:ln>
-        </p:spPr>
-        <p:style>
-          <a:lnRef idx="1">
-            <a:schemeClr val="accent1"/>
-          </a:lnRef>
-          <a:fillRef idx="0">
-            <a:schemeClr val="accent1"/>
-          </a:fillRef>
-          <a:effectRef idx="0">
-            <a:schemeClr val="accent1"/>
-          </a:effectRef>
-          <a:fontRef idx="minor">
-            <a:schemeClr val="tx1"/>
-          </a:fontRef>
-        </p:style>
-      </p:cxnSp>
-      <p:cxnSp>
-        <p:nvCxnSpPr>
-          <p:cNvPr id="68" name="Connector: Curved 67">
-            <a:extLst>
-              <a:ext uri="{FF2B5EF4-FFF2-40B4-BE49-F238E27FC236}">
-                <a16:creationId xmlns:a16="http://schemas.microsoft.com/office/drawing/2014/main" id="{9CE3B0DD-E8E4-C589-E02A-4A6C60881FA0}"/>
-              </a:ext>
-            </a:extLst>
-          </p:cNvPr>
-          <p:cNvCxnSpPr>
-            <a:stCxn id="4" idx="3"/>
-            <a:endCxn id="9" idx="1"/>
-          </p:cNvCxnSpPr>
-          <p:nvPr/>
-        </p:nvCxnSpPr>
-        <p:spPr>
-          <a:xfrm>
-            <a:off x="3213100" y="2025650"/>
-            <a:ext cx="1193800" cy="1939926"/>
-          </a:xfrm>
-          <a:prstGeom prst="curvedConnector3">
-            <a:avLst>
-              <a:gd name="adj1" fmla="val 50000"/>
-            </a:avLst>
-          </a:prstGeom>
-          <a:ln w="19050">
-            <a:tailEnd type="triangle"/>
-          </a:ln>
-        </p:spPr>
-        <p:style>
-          <a:lnRef idx="1">
-            <a:schemeClr val="accent1"/>
-          </a:lnRef>
-          <a:fillRef idx="0">
-            <a:schemeClr val="accent1"/>
-          </a:fillRef>
-          <a:effectRef idx="0">
-            <a:schemeClr val="accent1"/>
-          </a:effectRef>
-          <a:fontRef idx="minor">
-            <a:schemeClr val="tx1"/>
-          </a:fontRef>
-        </p:style>
-      </p:cxnSp>
-      <p:sp>
-        <p:nvSpPr>
-          <p:cNvPr id="123" name="TextBox 122">
-            <a:extLst>
-              <a:ext uri="{FF2B5EF4-FFF2-40B4-BE49-F238E27FC236}">
-                <a16:creationId xmlns:a16="http://schemas.microsoft.com/office/drawing/2014/main" id="{C8DD0CF3-6006-BA53-86BC-5CB64AA59D05}"/>
-              </a:ext>
-            </a:extLst>
-          </p:cNvPr>
-          <p:cNvSpPr txBox="1"/>
-          <p:nvPr/>
-        </p:nvSpPr>
-        <p:spPr>
-          <a:xfrm>
-            <a:off x="7004050" y="1840984"/>
-            <a:ext cx="3624710" cy="369332"/>
-          </a:xfrm>
-          <a:prstGeom prst="rect">
-            <a:avLst/>
-          </a:prstGeom>
-          <a:noFill/>
-        </p:spPr>
-        <p:txBody>
-          <a:bodyPr wrap="none" rtlCol="0">
-            <a:spAutoFit/>
-          </a:bodyPr>
-          <a:lstStyle/>
-          <a:p>
-            <a:r>
-              <a:rPr lang="en-US" dirty="0"/>
-              <a:t>SetupWindowsDirect2DRenderer();</a:t>
-            </a:r>
-          </a:p>
-        </p:txBody>
-      </p:sp>
-      <p:sp>
-        <p:nvSpPr>
-          <p:cNvPr id="124" name="TextBox 123">
-            <a:extLst>
-              <a:ext uri="{FF2B5EF4-FFF2-40B4-BE49-F238E27FC236}">
-                <a16:creationId xmlns:a16="http://schemas.microsoft.com/office/drawing/2014/main" id="{9ECFE4CC-D509-A0A5-4803-934BAB0AEA45}"/>
-              </a:ext>
-            </a:extLst>
-          </p:cNvPr>
-          <p:cNvSpPr txBox="1"/>
-          <p:nvPr/>
-        </p:nvSpPr>
-        <p:spPr>
-          <a:xfrm>
-            <a:off x="7004050" y="2490271"/>
-            <a:ext cx="3130985" cy="369332"/>
-          </a:xfrm>
-          <a:prstGeom prst="rect">
-            <a:avLst/>
-          </a:prstGeom>
-          <a:noFill/>
-        </p:spPr>
-        <p:txBody>
-          <a:bodyPr wrap="none" rtlCol="0">
-            <a:spAutoFit/>
-          </a:bodyPr>
-          <a:lstStyle/>
-          <a:p>
-            <a:r>
-              <a:rPr lang="en-US" dirty="0" err="1"/>
-              <a:t>SetupWindowsGDIRenderer</a:t>
-            </a:r>
-            <a:r>
-              <a:rPr lang="en-US" dirty="0"/>
-              <a:t>();</a:t>
-            </a:r>
-          </a:p>
-        </p:txBody>
-      </p:sp>
-      <p:sp>
-        <p:nvSpPr>
-          <p:cNvPr id="125" name="TextBox 124">
-            <a:extLst>
-              <a:ext uri="{FF2B5EF4-FFF2-40B4-BE49-F238E27FC236}">
-                <a16:creationId xmlns:a16="http://schemas.microsoft.com/office/drawing/2014/main" id="{CF19A167-D1EC-B3F5-D64C-EB103063024E}"/>
-              </a:ext>
-            </a:extLst>
-          </p:cNvPr>
-          <p:cNvSpPr txBox="1"/>
-          <p:nvPr/>
-        </p:nvSpPr>
-        <p:spPr>
-          <a:xfrm>
-            <a:off x="7004050" y="3134279"/>
-            <a:ext cx="2185214" cy="369332"/>
-          </a:xfrm>
-          <a:prstGeom prst="rect">
-            <a:avLst/>
-          </a:prstGeom>
-          <a:noFill/>
-        </p:spPr>
-        <p:txBody>
-          <a:bodyPr wrap="none" rtlCol="0">
-            <a:spAutoFit/>
-          </a:bodyPr>
-          <a:lstStyle/>
-          <a:p>
-            <a:r>
-              <a:rPr lang="en-US" dirty="0" err="1"/>
-              <a:t>SetupGtkRenderer</a:t>
-            </a:r>
-            <a:r>
-              <a:rPr lang="en-US" dirty="0"/>
-              <a:t>();</a:t>
-            </a:r>
-          </a:p>
-        </p:txBody>
-      </p:sp>
-      <p:sp>
-        <p:nvSpPr>
-          <p:cNvPr id="126" name="TextBox 125">
-            <a:extLst>
-              <a:ext uri="{FF2B5EF4-FFF2-40B4-BE49-F238E27FC236}">
-                <a16:creationId xmlns:a16="http://schemas.microsoft.com/office/drawing/2014/main" id="{02F8BC48-A04F-0087-673B-7B99E1C9D55C}"/>
-              </a:ext>
-            </a:extLst>
-          </p:cNvPr>
-          <p:cNvSpPr txBox="1"/>
-          <p:nvPr/>
-        </p:nvSpPr>
-        <p:spPr>
-          <a:xfrm>
-            <a:off x="7004050" y="3760790"/>
-            <a:ext cx="3605474" cy="369332"/>
-          </a:xfrm>
-          <a:prstGeom prst="rect">
-            <a:avLst/>
-          </a:prstGeom>
-          <a:noFill/>
-        </p:spPr>
-        <p:txBody>
-          <a:bodyPr wrap="none" rtlCol="0">
-            <a:spAutoFit/>
-          </a:bodyPr>
-          <a:lstStyle/>
-          <a:p>
-            <a:r>
-              <a:rPr lang="en-US" dirty="0" err="1"/>
-              <a:t>SetupOSXCoreGraphicsRenderer</a:t>
-            </a:r>
-            <a:r>
-              <a:rPr lang="en-US" dirty="0"/>
-              <a:t>();</a:t>
-            </a:r>
-          </a:p>
-        </p:txBody>
-      </p:sp>
+        </p:grpSpPr>
+        <p:sp>
+          <p:nvSpPr>
+            <p:cNvPr id="4" name="Rectangle: Rounded Corners 3">
+              <a:extLst>
+                <a:ext uri="{FF2B5EF4-FFF2-40B4-BE49-F238E27FC236}">
+                  <a16:creationId xmlns:a16="http://schemas.microsoft.com/office/drawing/2014/main" id="{F7D10FA2-CE72-3C53-8401-121823DBEDE9}"/>
+                </a:ext>
+              </a:extLst>
+            </p:cNvPr>
+            <p:cNvSpPr/>
+            <p:nvPr/>
+          </p:nvSpPr>
+          <p:spPr>
+            <a:xfrm>
+              <a:off x="1295400" y="1758950"/>
+              <a:ext cx="1917700" cy="533400"/>
+            </a:xfrm>
+            <a:prstGeom prst="roundRect">
+              <a:avLst/>
+            </a:prstGeom>
+          </p:spPr>
+          <p:style>
+            <a:lnRef idx="2">
+              <a:schemeClr val="accent1">
+                <a:shade val="15000"/>
+              </a:schemeClr>
+            </a:lnRef>
+            <a:fillRef idx="1">
+              <a:schemeClr val="accent1"/>
+            </a:fillRef>
+            <a:effectRef idx="0">
+              <a:schemeClr val="accent1"/>
+            </a:effectRef>
+            <a:fontRef idx="minor">
+              <a:schemeClr val="lt1"/>
+            </a:fontRef>
+          </p:style>
+          <p:txBody>
+            <a:bodyPr rtlCol="0" anchor="ctr"/>
+            <a:lstStyle/>
+            <a:p>
+              <a:pPr algn="ctr"/>
+              <a:r>
+                <a:rPr lang="en-US" dirty="0" err="1"/>
+                <a:t>GuiApplication</a:t>
+              </a:r>
+              <a:endParaRPr lang="en-US" dirty="0"/>
+            </a:p>
+          </p:txBody>
+        </p:sp>
+        <p:sp>
+          <p:nvSpPr>
+            <p:cNvPr id="6" name="Rectangle: Rounded Corners 5">
+              <a:extLst>
+                <a:ext uri="{FF2B5EF4-FFF2-40B4-BE49-F238E27FC236}">
+                  <a16:creationId xmlns:a16="http://schemas.microsoft.com/office/drawing/2014/main" id="{056178C7-5FCE-A2C0-AFC4-500EBEE43FE5}"/>
+                </a:ext>
+              </a:extLst>
+            </p:cNvPr>
+            <p:cNvSpPr/>
+            <p:nvPr/>
+          </p:nvSpPr>
+          <p:spPr>
+            <a:xfrm>
+              <a:off x="4406900" y="1762125"/>
+              <a:ext cx="2317750" cy="533400"/>
+            </a:xfrm>
+            <a:prstGeom prst="roundRect">
+              <a:avLst/>
+            </a:prstGeom>
+          </p:spPr>
+          <p:style>
+            <a:lnRef idx="2">
+              <a:schemeClr val="accent6">
+                <a:shade val="15000"/>
+              </a:schemeClr>
+            </a:lnRef>
+            <a:fillRef idx="1">
+              <a:schemeClr val="accent6"/>
+            </a:fillRef>
+            <a:effectRef idx="0">
+              <a:schemeClr val="accent6"/>
+            </a:effectRef>
+            <a:fontRef idx="minor">
+              <a:schemeClr val="lt1"/>
+            </a:fontRef>
+          </p:style>
+          <p:txBody>
+            <a:bodyPr rtlCol="0" anchor="ctr"/>
+            <a:lstStyle/>
+            <a:p>
+              <a:pPr algn="ctr"/>
+              <a:r>
+                <a:rPr lang="en-US" dirty="0"/>
+                <a:t>Windows/Direct2D</a:t>
+              </a:r>
+            </a:p>
+          </p:txBody>
+        </p:sp>
+        <p:sp>
+          <p:nvSpPr>
+            <p:cNvPr id="7" name="Rectangle: Rounded Corners 6">
+              <a:extLst>
+                <a:ext uri="{FF2B5EF4-FFF2-40B4-BE49-F238E27FC236}">
+                  <a16:creationId xmlns:a16="http://schemas.microsoft.com/office/drawing/2014/main" id="{06F3D01F-8544-5311-4E38-624E147FBE40}"/>
+                </a:ext>
+              </a:extLst>
+            </p:cNvPr>
+            <p:cNvSpPr/>
+            <p:nvPr/>
+          </p:nvSpPr>
+          <p:spPr>
+            <a:xfrm>
+              <a:off x="4406900" y="2409825"/>
+              <a:ext cx="2317750" cy="533400"/>
+            </a:xfrm>
+            <a:prstGeom prst="roundRect">
+              <a:avLst/>
+            </a:prstGeom>
+          </p:spPr>
+          <p:style>
+            <a:lnRef idx="2">
+              <a:schemeClr val="accent6">
+                <a:shade val="15000"/>
+              </a:schemeClr>
+            </a:lnRef>
+            <a:fillRef idx="1">
+              <a:schemeClr val="accent6"/>
+            </a:fillRef>
+            <a:effectRef idx="0">
+              <a:schemeClr val="accent6"/>
+            </a:effectRef>
+            <a:fontRef idx="minor">
+              <a:schemeClr val="lt1"/>
+            </a:fontRef>
+          </p:style>
+          <p:txBody>
+            <a:bodyPr rtlCol="0" anchor="ctr"/>
+            <a:lstStyle/>
+            <a:p>
+              <a:pPr algn="ctr"/>
+              <a:r>
+                <a:rPr lang="en-US" dirty="0"/>
+                <a:t>Windows/GDI</a:t>
+              </a:r>
+            </a:p>
+          </p:txBody>
+        </p:sp>
+        <p:sp>
+          <p:nvSpPr>
+            <p:cNvPr id="8" name="Rectangle: Rounded Corners 7">
+              <a:extLst>
+                <a:ext uri="{FF2B5EF4-FFF2-40B4-BE49-F238E27FC236}">
+                  <a16:creationId xmlns:a16="http://schemas.microsoft.com/office/drawing/2014/main" id="{B7AF31F7-2926-4DA3-4919-4E568E1AACE0}"/>
+                </a:ext>
+              </a:extLst>
+            </p:cNvPr>
+            <p:cNvSpPr/>
+            <p:nvPr/>
+          </p:nvSpPr>
+          <p:spPr>
+            <a:xfrm>
+              <a:off x="4406900" y="3057525"/>
+              <a:ext cx="2317750" cy="533400"/>
+            </a:xfrm>
+            <a:prstGeom prst="roundRect">
+              <a:avLst/>
+            </a:prstGeom>
+          </p:spPr>
+          <p:style>
+            <a:lnRef idx="2">
+              <a:schemeClr val="accent6">
+                <a:shade val="15000"/>
+              </a:schemeClr>
+            </a:lnRef>
+            <a:fillRef idx="1">
+              <a:schemeClr val="accent6"/>
+            </a:fillRef>
+            <a:effectRef idx="0">
+              <a:schemeClr val="accent6"/>
+            </a:effectRef>
+            <a:fontRef idx="minor">
+              <a:schemeClr val="lt1"/>
+            </a:fontRef>
+          </p:style>
+          <p:txBody>
+            <a:bodyPr rtlCol="0" anchor="ctr"/>
+            <a:lstStyle/>
+            <a:p>
+              <a:pPr algn="ctr"/>
+              <a:r>
+                <a:rPr lang="en-US" dirty="0"/>
+                <a:t>Linux/</a:t>
+              </a:r>
+              <a:r>
+                <a:rPr lang="en-US" dirty="0" err="1"/>
+                <a:t>Gtk</a:t>
+              </a:r>
+              <a:endParaRPr lang="en-US" dirty="0"/>
+            </a:p>
+          </p:txBody>
+        </p:sp>
+        <p:sp>
+          <p:nvSpPr>
+            <p:cNvPr id="9" name="Rectangle: Rounded Corners 8">
+              <a:extLst>
+                <a:ext uri="{FF2B5EF4-FFF2-40B4-BE49-F238E27FC236}">
+                  <a16:creationId xmlns:a16="http://schemas.microsoft.com/office/drawing/2014/main" id="{4C5B87CA-98A5-80FE-BB16-828C656F3E42}"/>
+                </a:ext>
+              </a:extLst>
+            </p:cNvPr>
+            <p:cNvSpPr/>
+            <p:nvPr/>
+          </p:nvSpPr>
+          <p:spPr>
+            <a:xfrm>
+              <a:off x="4406900" y="3698876"/>
+              <a:ext cx="2317750" cy="533400"/>
+            </a:xfrm>
+            <a:prstGeom prst="roundRect">
+              <a:avLst/>
+            </a:prstGeom>
+          </p:spPr>
+          <p:style>
+            <a:lnRef idx="2">
+              <a:schemeClr val="accent6">
+                <a:shade val="15000"/>
+              </a:schemeClr>
+            </a:lnRef>
+            <a:fillRef idx="1">
+              <a:schemeClr val="accent6"/>
+            </a:fillRef>
+            <a:effectRef idx="0">
+              <a:schemeClr val="accent6"/>
+            </a:effectRef>
+            <a:fontRef idx="minor">
+              <a:schemeClr val="lt1"/>
+            </a:fontRef>
+          </p:style>
+          <p:txBody>
+            <a:bodyPr rtlCol="0" anchor="ctr"/>
+            <a:lstStyle/>
+            <a:p>
+              <a:pPr algn="ctr"/>
+              <a:r>
+                <a:rPr lang="en-US" dirty="0" err="1"/>
+                <a:t>macos</a:t>
+              </a:r>
+              <a:r>
+                <a:rPr lang="en-US" dirty="0"/>
+                <a:t>/</a:t>
+              </a:r>
+              <a:r>
+                <a:rPr lang="en-US" dirty="0" err="1"/>
+                <a:t>CoreGraphics</a:t>
+              </a:r>
+              <a:endParaRPr lang="en-US" dirty="0"/>
+            </a:p>
+          </p:txBody>
+        </p:sp>
+        <p:cxnSp>
+          <p:nvCxnSpPr>
+            <p:cNvPr id="62" name="Connector: Curved 61">
+              <a:extLst>
+                <a:ext uri="{FF2B5EF4-FFF2-40B4-BE49-F238E27FC236}">
+                  <a16:creationId xmlns:a16="http://schemas.microsoft.com/office/drawing/2014/main" id="{1FF8B575-C98A-26D5-D282-C5F9A776CCF5}"/>
+                </a:ext>
+              </a:extLst>
+            </p:cNvPr>
+            <p:cNvCxnSpPr>
+              <a:stCxn id="4" idx="3"/>
+              <a:endCxn id="6" idx="1"/>
+            </p:cNvCxnSpPr>
+            <p:nvPr/>
+          </p:nvCxnSpPr>
+          <p:spPr>
+            <a:xfrm>
+              <a:off x="3213100" y="2025650"/>
+              <a:ext cx="1193800" cy="3175"/>
+            </a:xfrm>
+            <a:prstGeom prst="curvedConnector3">
+              <a:avLst/>
+            </a:prstGeom>
+            <a:ln w="19050">
+              <a:tailEnd type="triangle"/>
+            </a:ln>
+          </p:spPr>
+          <p:style>
+            <a:lnRef idx="1">
+              <a:schemeClr val="accent1"/>
+            </a:lnRef>
+            <a:fillRef idx="0">
+              <a:schemeClr val="accent1"/>
+            </a:fillRef>
+            <a:effectRef idx="0">
+              <a:schemeClr val="accent1"/>
+            </a:effectRef>
+            <a:fontRef idx="minor">
+              <a:schemeClr val="tx1"/>
+            </a:fontRef>
+          </p:style>
+        </p:cxnSp>
+        <p:cxnSp>
+          <p:nvCxnSpPr>
+            <p:cNvPr id="64" name="Connector: Curved 63">
+              <a:extLst>
+                <a:ext uri="{FF2B5EF4-FFF2-40B4-BE49-F238E27FC236}">
+                  <a16:creationId xmlns:a16="http://schemas.microsoft.com/office/drawing/2014/main" id="{FAF695CD-2BE3-D7AA-E359-7B82E1E8AA9F}"/>
+                </a:ext>
+              </a:extLst>
+            </p:cNvPr>
+            <p:cNvCxnSpPr>
+              <a:stCxn id="4" idx="3"/>
+              <a:endCxn id="7" idx="1"/>
+            </p:cNvCxnSpPr>
+            <p:nvPr/>
+          </p:nvCxnSpPr>
+          <p:spPr>
+            <a:xfrm>
+              <a:off x="3213100" y="2025650"/>
+              <a:ext cx="1193800" cy="650875"/>
+            </a:xfrm>
+            <a:prstGeom prst="curvedConnector3">
+              <a:avLst/>
+            </a:prstGeom>
+            <a:ln w="19050">
+              <a:tailEnd type="triangle"/>
+            </a:ln>
+          </p:spPr>
+          <p:style>
+            <a:lnRef idx="1">
+              <a:schemeClr val="accent1"/>
+            </a:lnRef>
+            <a:fillRef idx="0">
+              <a:schemeClr val="accent1"/>
+            </a:fillRef>
+            <a:effectRef idx="0">
+              <a:schemeClr val="accent1"/>
+            </a:effectRef>
+            <a:fontRef idx="minor">
+              <a:schemeClr val="tx1"/>
+            </a:fontRef>
+          </p:style>
+        </p:cxnSp>
+        <p:cxnSp>
+          <p:nvCxnSpPr>
+            <p:cNvPr id="66" name="Connector: Curved 65">
+              <a:extLst>
+                <a:ext uri="{FF2B5EF4-FFF2-40B4-BE49-F238E27FC236}">
+                  <a16:creationId xmlns:a16="http://schemas.microsoft.com/office/drawing/2014/main" id="{09048C5C-3836-E315-4C5F-9CA349434A3B}"/>
+                </a:ext>
+              </a:extLst>
+            </p:cNvPr>
+            <p:cNvCxnSpPr>
+              <a:stCxn id="4" idx="3"/>
+              <a:endCxn id="8" idx="1"/>
+            </p:cNvCxnSpPr>
+            <p:nvPr/>
+          </p:nvCxnSpPr>
+          <p:spPr>
+            <a:xfrm>
+              <a:off x="3213100" y="2025650"/>
+              <a:ext cx="1193800" cy="1298575"/>
+            </a:xfrm>
+            <a:prstGeom prst="curvedConnector3">
+              <a:avLst/>
+            </a:prstGeom>
+            <a:ln w="19050">
+              <a:tailEnd type="triangle"/>
+            </a:ln>
+          </p:spPr>
+          <p:style>
+            <a:lnRef idx="1">
+              <a:schemeClr val="accent1"/>
+            </a:lnRef>
+            <a:fillRef idx="0">
+              <a:schemeClr val="accent1"/>
+            </a:fillRef>
+            <a:effectRef idx="0">
+              <a:schemeClr val="accent1"/>
+            </a:effectRef>
+            <a:fontRef idx="minor">
+              <a:schemeClr val="tx1"/>
+            </a:fontRef>
+          </p:style>
+        </p:cxnSp>
+        <p:cxnSp>
+          <p:nvCxnSpPr>
+            <p:cNvPr id="68" name="Connector: Curved 67">
+              <a:extLst>
+                <a:ext uri="{FF2B5EF4-FFF2-40B4-BE49-F238E27FC236}">
+                  <a16:creationId xmlns:a16="http://schemas.microsoft.com/office/drawing/2014/main" id="{9CE3B0DD-E8E4-C589-E02A-4A6C60881FA0}"/>
+                </a:ext>
+              </a:extLst>
+            </p:cNvPr>
+            <p:cNvCxnSpPr>
+              <a:stCxn id="4" idx="3"/>
+              <a:endCxn id="9" idx="1"/>
+            </p:cNvCxnSpPr>
+            <p:nvPr/>
+          </p:nvCxnSpPr>
+          <p:spPr>
+            <a:xfrm>
+              <a:off x="3213100" y="2025650"/>
+              <a:ext cx="1193800" cy="1939926"/>
+            </a:xfrm>
+            <a:prstGeom prst="curvedConnector3">
+              <a:avLst>
+                <a:gd name="adj1" fmla="val 50000"/>
+              </a:avLst>
+            </a:prstGeom>
+            <a:ln w="19050">
+              <a:tailEnd type="triangle"/>
+            </a:ln>
+          </p:spPr>
+          <p:style>
+            <a:lnRef idx="1">
+              <a:schemeClr val="accent1"/>
+            </a:lnRef>
+            <a:fillRef idx="0">
+              <a:schemeClr val="accent1"/>
+            </a:fillRef>
+            <a:effectRef idx="0">
+              <a:schemeClr val="accent1"/>
+            </a:effectRef>
+            <a:fontRef idx="minor">
+              <a:schemeClr val="tx1"/>
+            </a:fontRef>
+          </p:style>
+        </p:cxnSp>
+        <p:sp>
+          <p:nvSpPr>
+            <p:cNvPr id="123" name="TextBox 122">
+              <a:extLst>
+                <a:ext uri="{FF2B5EF4-FFF2-40B4-BE49-F238E27FC236}">
+                  <a16:creationId xmlns:a16="http://schemas.microsoft.com/office/drawing/2014/main" id="{C8DD0CF3-6006-BA53-86BC-5CB64AA59D05}"/>
+                </a:ext>
+              </a:extLst>
+            </p:cNvPr>
+            <p:cNvSpPr txBox="1"/>
+            <p:nvPr/>
+          </p:nvSpPr>
+          <p:spPr>
+            <a:xfrm>
+              <a:off x="7004050" y="1840984"/>
+              <a:ext cx="3624710" cy="369332"/>
+            </a:xfrm>
+            <a:prstGeom prst="rect">
+              <a:avLst/>
+            </a:prstGeom>
+            <a:noFill/>
+          </p:spPr>
+          <p:txBody>
+            <a:bodyPr wrap="none" rtlCol="0">
+              <a:spAutoFit/>
+            </a:bodyPr>
+            <a:lstStyle/>
+            <a:p>
+              <a:r>
+                <a:rPr lang="en-US" dirty="0"/>
+                <a:t>SetupWindowsDirect2DRenderer();</a:t>
+              </a:r>
+            </a:p>
+          </p:txBody>
+        </p:sp>
+        <p:sp>
+          <p:nvSpPr>
+            <p:cNvPr id="124" name="TextBox 123">
+              <a:extLst>
+                <a:ext uri="{FF2B5EF4-FFF2-40B4-BE49-F238E27FC236}">
+                  <a16:creationId xmlns:a16="http://schemas.microsoft.com/office/drawing/2014/main" id="{9ECFE4CC-D509-A0A5-4803-934BAB0AEA45}"/>
+                </a:ext>
+              </a:extLst>
+            </p:cNvPr>
+            <p:cNvSpPr txBox="1"/>
+            <p:nvPr/>
+          </p:nvSpPr>
+          <p:spPr>
+            <a:xfrm>
+              <a:off x="7004050" y="2490271"/>
+              <a:ext cx="3130985" cy="369332"/>
+            </a:xfrm>
+            <a:prstGeom prst="rect">
+              <a:avLst/>
+            </a:prstGeom>
+            <a:noFill/>
+          </p:spPr>
+          <p:txBody>
+            <a:bodyPr wrap="none" rtlCol="0">
+              <a:spAutoFit/>
+            </a:bodyPr>
+            <a:lstStyle/>
+            <a:p>
+              <a:r>
+                <a:rPr lang="en-US" dirty="0" err="1"/>
+                <a:t>SetupWindowsGDIRenderer</a:t>
+              </a:r>
+              <a:r>
+                <a:rPr lang="en-US" dirty="0"/>
+                <a:t>();</a:t>
+              </a:r>
+            </a:p>
+          </p:txBody>
+        </p:sp>
+        <p:sp>
+          <p:nvSpPr>
+            <p:cNvPr id="125" name="TextBox 124">
+              <a:extLst>
+                <a:ext uri="{FF2B5EF4-FFF2-40B4-BE49-F238E27FC236}">
+                  <a16:creationId xmlns:a16="http://schemas.microsoft.com/office/drawing/2014/main" id="{CF19A167-D1EC-B3F5-D64C-EB103063024E}"/>
+                </a:ext>
+              </a:extLst>
+            </p:cNvPr>
+            <p:cNvSpPr txBox="1"/>
+            <p:nvPr/>
+          </p:nvSpPr>
+          <p:spPr>
+            <a:xfrm>
+              <a:off x="7004050" y="3134279"/>
+              <a:ext cx="2185214" cy="369332"/>
+            </a:xfrm>
+            <a:prstGeom prst="rect">
+              <a:avLst/>
+            </a:prstGeom>
+            <a:noFill/>
+          </p:spPr>
+          <p:txBody>
+            <a:bodyPr wrap="none" rtlCol="0">
+              <a:spAutoFit/>
+            </a:bodyPr>
+            <a:lstStyle/>
+            <a:p>
+              <a:r>
+                <a:rPr lang="en-US" dirty="0" err="1"/>
+                <a:t>SetupGtkRenderer</a:t>
+              </a:r>
+              <a:r>
+                <a:rPr lang="en-US" dirty="0"/>
+                <a:t>();</a:t>
+              </a:r>
+            </a:p>
+          </p:txBody>
+        </p:sp>
+        <p:sp>
+          <p:nvSpPr>
+            <p:cNvPr id="126" name="TextBox 125">
+              <a:extLst>
+                <a:ext uri="{FF2B5EF4-FFF2-40B4-BE49-F238E27FC236}">
+                  <a16:creationId xmlns:a16="http://schemas.microsoft.com/office/drawing/2014/main" id="{02F8BC48-A04F-0087-673B-7B99E1C9D55C}"/>
+                </a:ext>
+              </a:extLst>
+            </p:cNvPr>
+            <p:cNvSpPr txBox="1"/>
+            <p:nvPr/>
+          </p:nvSpPr>
+          <p:spPr>
+            <a:xfrm>
+              <a:off x="7004050" y="3760790"/>
+              <a:ext cx="3605474" cy="369332"/>
+            </a:xfrm>
+            <a:prstGeom prst="rect">
+              <a:avLst/>
+            </a:prstGeom>
+            <a:noFill/>
+          </p:spPr>
+          <p:txBody>
+            <a:bodyPr wrap="none" rtlCol="0">
+              <a:spAutoFit/>
+            </a:bodyPr>
+            <a:lstStyle/>
+            <a:p>
+              <a:r>
+                <a:rPr lang="en-US" dirty="0" err="1"/>
+                <a:t>SetupOSXCoreGraphicsRenderer</a:t>
+              </a:r>
+              <a:r>
+                <a:rPr lang="en-US" dirty="0"/>
+                <a:t>();</a:t>
+              </a:r>
+            </a:p>
+          </p:txBody>
+        </p:sp>
+      </p:grpSp>
     </p:spTree>
     <p:extLst>
       <p:ext uri="{BB962C8B-B14F-4D97-AF65-F5344CB8AC3E}">
@@ -17789,604 +17810,625 @@
           <a:chExt cx="0" cy="0"/>
         </a:xfrm>
       </p:grpSpPr>
-      <p:sp>
-        <p:nvSpPr>
-          <p:cNvPr id="4" name="Rectangle: Rounded Corners 3">
+      <p:grpSp>
+        <p:nvGrpSpPr>
+          <p:cNvPr id="32" name="Group 31">
             <a:extLst>
               <a:ext uri="{FF2B5EF4-FFF2-40B4-BE49-F238E27FC236}">
-                <a16:creationId xmlns:a16="http://schemas.microsoft.com/office/drawing/2014/main" id="{C4F67F50-5F2D-A5B3-796B-96DDCCEC1704}"/>
+                <a16:creationId xmlns:a16="http://schemas.microsoft.com/office/drawing/2014/main" id="{47FE39DF-3310-D12B-A8D3-B52D75CB04D3}"/>
               </a:ext>
             </a:extLst>
           </p:cNvPr>
-          <p:cNvSpPr/>
+          <p:cNvGrpSpPr/>
           <p:nvPr/>
-        </p:nvSpPr>
-        <p:spPr>
+        </p:nvGrpSpPr>
+        <p:grpSpPr>
           <a:xfrm>
-            <a:off x="1295396" y="3699380"/>
-            <a:ext cx="1917700" cy="533400"/>
+            <a:off x="1295396" y="1762125"/>
+            <a:ext cx="10046701" cy="2470655"/>
+            <a:chOff x="1295396" y="1762125"/>
+            <a:chExt cx="10046701" cy="2470655"/>
           </a:xfrm>
-          <a:prstGeom prst="roundRect">
-            <a:avLst/>
-          </a:prstGeom>
-        </p:spPr>
-        <p:style>
-          <a:lnRef idx="2">
-            <a:schemeClr val="accent2">
-              <a:shade val="15000"/>
-            </a:schemeClr>
-          </a:lnRef>
-          <a:fillRef idx="1">
-            <a:schemeClr val="accent2"/>
-          </a:fillRef>
-          <a:effectRef idx="0">
-            <a:schemeClr val="accent2"/>
-          </a:effectRef>
-          <a:fontRef idx="minor">
-            <a:schemeClr val="lt1"/>
-          </a:fontRef>
-        </p:style>
-        <p:txBody>
-          <a:bodyPr rtlCol="0" anchor="ctr"/>
-          <a:lstStyle/>
-          <a:p>
-            <a:pPr algn="ctr"/>
-            <a:r>
-              <a:rPr lang="en-US" dirty="0"/>
-              <a:t>Hosted Mode</a:t>
-            </a:r>
-          </a:p>
-        </p:txBody>
-      </p:sp>
-      <p:sp>
-        <p:nvSpPr>
-          <p:cNvPr id="6" name="Rectangle: Rounded Corners 5">
-            <a:extLst>
-              <a:ext uri="{FF2B5EF4-FFF2-40B4-BE49-F238E27FC236}">
-                <a16:creationId xmlns:a16="http://schemas.microsoft.com/office/drawing/2014/main" id="{FE65AAC9-755D-5D6D-44B1-E98347D3A816}"/>
-              </a:ext>
-            </a:extLst>
-          </p:cNvPr>
-          <p:cNvSpPr/>
-          <p:nvPr/>
-        </p:nvSpPr>
-        <p:spPr>
-          <a:xfrm>
-            <a:off x="4406900" y="1762125"/>
-            <a:ext cx="2317750" cy="533400"/>
-          </a:xfrm>
-          <a:prstGeom prst="roundRect">
-            <a:avLst/>
-          </a:prstGeom>
-        </p:spPr>
-        <p:style>
-          <a:lnRef idx="2">
-            <a:schemeClr val="accent6">
-              <a:shade val="15000"/>
-            </a:schemeClr>
-          </a:lnRef>
-          <a:fillRef idx="1">
-            <a:schemeClr val="accent6"/>
-          </a:fillRef>
-          <a:effectRef idx="0">
-            <a:schemeClr val="accent6"/>
-          </a:effectRef>
-          <a:fontRef idx="minor">
-            <a:schemeClr val="lt1"/>
-          </a:fontRef>
-        </p:style>
-        <p:txBody>
-          <a:bodyPr rtlCol="0" anchor="ctr"/>
-          <a:lstStyle/>
-          <a:p>
-            <a:pPr algn="ctr"/>
-            <a:r>
-              <a:rPr lang="en-US" dirty="0"/>
-              <a:t>Windows/Direct2D</a:t>
-            </a:r>
-          </a:p>
-        </p:txBody>
-      </p:sp>
-      <p:sp>
-        <p:nvSpPr>
-          <p:cNvPr id="7" name="Rectangle: Rounded Corners 6">
-            <a:extLst>
-              <a:ext uri="{FF2B5EF4-FFF2-40B4-BE49-F238E27FC236}">
-                <a16:creationId xmlns:a16="http://schemas.microsoft.com/office/drawing/2014/main" id="{3E295067-2176-E4AE-DED0-15FDBD8D8624}"/>
-              </a:ext>
-            </a:extLst>
-          </p:cNvPr>
-          <p:cNvSpPr/>
-          <p:nvPr/>
-        </p:nvSpPr>
-        <p:spPr>
-          <a:xfrm>
-            <a:off x="4406900" y="2409825"/>
-            <a:ext cx="2317750" cy="533400"/>
-          </a:xfrm>
-          <a:prstGeom prst="roundRect">
-            <a:avLst/>
-          </a:prstGeom>
-        </p:spPr>
-        <p:style>
-          <a:lnRef idx="2">
-            <a:schemeClr val="accent6">
-              <a:shade val="15000"/>
-            </a:schemeClr>
-          </a:lnRef>
-          <a:fillRef idx="1">
-            <a:schemeClr val="accent6"/>
-          </a:fillRef>
-          <a:effectRef idx="0">
-            <a:schemeClr val="accent6"/>
-          </a:effectRef>
-          <a:fontRef idx="minor">
-            <a:schemeClr val="lt1"/>
-          </a:fontRef>
-        </p:style>
-        <p:txBody>
-          <a:bodyPr rtlCol="0" anchor="ctr"/>
-          <a:lstStyle/>
-          <a:p>
-            <a:pPr algn="ctr"/>
-            <a:r>
-              <a:rPr lang="en-US" dirty="0"/>
-              <a:t>Windows/GDI</a:t>
-            </a:r>
-          </a:p>
-        </p:txBody>
-      </p:sp>
-      <p:sp>
-        <p:nvSpPr>
-          <p:cNvPr id="8" name="Rectangle: Rounded Corners 7">
-            <a:extLst>
-              <a:ext uri="{FF2B5EF4-FFF2-40B4-BE49-F238E27FC236}">
-                <a16:creationId xmlns:a16="http://schemas.microsoft.com/office/drawing/2014/main" id="{C1F57318-89B7-B867-D665-62C4A9635325}"/>
-              </a:ext>
-            </a:extLst>
-          </p:cNvPr>
-          <p:cNvSpPr/>
-          <p:nvPr/>
-        </p:nvSpPr>
-        <p:spPr>
-          <a:xfrm>
-            <a:off x="4406900" y="3057525"/>
-            <a:ext cx="2317750" cy="533400"/>
-          </a:xfrm>
-          <a:prstGeom prst="roundRect">
-            <a:avLst/>
-          </a:prstGeom>
-        </p:spPr>
-        <p:style>
-          <a:lnRef idx="2">
-            <a:schemeClr val="accent6">
-              <a:shade val="15000"/>
-            </a:schemeClr>
-          </a:lnRef>
-          <a:fillRef idx="1">
-            <a:schemeClr val="accent6"/>
-          </a:fillRef>
-          <a:effectRef idx="0">
-            <a:schemeClr val="accent6"/>
-          </a:effectRef>
-          <a:fontRef idx="minor">
-            <a:schemeClr val="lt1"/>
-          </a:fontRef>
-        </p:style>
-        <p:txBody>
-          <a:bodyPr rtlCol="0" anchor="ctr"/>
-          <a:lstStyle/>
-          <a:p>
-            <a:pPr algn="ctr"/>
-            <a:r>
-              <a:rPr lang="en-US" dirty="0"/>
-              <a:t>Linux/</a:t>
-            </a:r>
-            <a:r>
-              <a:rPr lang="en-US" dirty="0" err="1"/>
-              <a:t>Gtk</a:t>
-            </a:r>
-            <a:endParaRPr lang="en-US" dirty="0"/>
-          </a:p>
-        </p:txBody>
-      </p:sp>
-      <p:sp>
-        <p:nvSpPr>
-          <p:cNvPr id="9" name="Rectangle: Rounded Corners 8">
-            <a:extLst>
-              <a:ext uri="{FF2B5EF4-FFF2-40B4-BE49-F238E27FC236}">
-                <a16:creationId xmlns:a16="http://schemas.microsoft.com/office/drawing/2014/main" id="{3DFA41CE-6388-A99F-0241-4E619743F017}"/>
-              </a:ext>
-            </a:extLst>
-          </p:cNvPr>
-          <p:cNvSpPr/>
-          <p:nvPr/>
-        </p:nvSpPr>
-        <p:spPr>
-          <a:xfrm>
-            <a:off x="4406900" y="3698876"/>
-            <a:ext cx="2317750" cy="533400"/>
-          </a:xfrm>
-          <a:prstGeom prst="roundRect">
-            <a:avLst/>
-          </a:prstGeom>
-        </p:spPr>
-        <p:style>
-          <a:lnRef idx="2">
-            <a:schemeClr val="accent6">
-              <a:shade val="15000"/>
-            </a:schemeClr>
-          </a:lnRef>
-          <a:fillRef idx="1">
-            <a:schemeClr val="accent6"/>
-          </a:fillRef>
-          <a:effectRef idx="0">
-            <a:schemeClr val="accent6"/>
-          </a:effectRef>
-          <a:fontRef idx="minor">
-            <a:schemeClr val="lt1"/>
-          </a:fontRef>
-        </p:style>
-        <p:txBody>
-          <a:bodyPr rtlCol="0" anchor="ctr"/>
-          <a:lstStyle/>
-          <a:p>
-            <a:pPr algn="ctr"/>
-            <a:r>
-              <a:rPr lang="en-US" dirty="0" err="1"/>
-              <a:t>macos</a:t>
-            </a:r>
-            <a:r>
-              <a:rPr lang="en-US" dirty="0"/>
-              <a:t>/</a:t>
-            </a:r>
-            <a:r>
-              <a:rPr lang="en-US" dirty="0" err="1"/>
-              <a:t>CoreGraphics</a:t>
-            </a:r>
-            <a:endParaRPr lang="en-US" dirty="0"/>
-          </a:p>
-        </p:txBody>
-      </p:sp>
-      <p:cxnSp>
-        <p:nvCxnSpPr>
-          <p:cNvPr id="62" name="Connector: Curved 61">
-            <a:extLst>
-              <a:ext uri="{FF2B5EF4-FFF2-40B4-BE49-F238E27FC236}">
-                <a16:creationId xmlns:a16="http://schemas.microsoft.com/office/drawing/2014/main" id="{A1698E0C-0D6F-89DA-CD05-3B6382F6C717}"/>
-              </a:ext>
-            </a:extLst>
-          </p:cNvPr>
-          <p:cNvCxnSpPr>
-            <a:stCxn id="4" idx="3"/>
-            <a:endCxn id="6" idx="1"/>
-          </p:cNvCxnSpPr>
-          <p:nvPr/>
-        </p:nvCxnSpPr>
-        <p:spPr>
-          <a:xfrm flipV="1">
-            <a:off x="3213096" y="2028825"/>
-            <a:ext cx="1193804" cy="1937255"/>
-          </a:xfrm>
-          <a:prstGeom prst="curvedConnector3">
-            <a:avLst/>
-          </a:prstGeom>
-          <a:ln>
-            <a:tailEnd type="triangle"/>
-          </a:ln>
-        </p:spPr>
-        <p:style>
-          <a:lnRef idx="2">
-            <a:schemeClr val="accent2"/>
-          </a:lnRef>
-          <a:fillRef idx="0">
-            <a:schemeClr val="accent2"/>
-          </a:fillRef>
-          <a:effectRef idx="1">
-            <a:schemeClr val="accent2"/>
-          </a:effectRef>
-          <a:fontRef idx="minor">
-            <a:schemeClr val="tx1"/>
-          </a:fontRef>
-        </p:style>
-      </p:cxnSp>
-      <p:cxnSp>
-        <p:nvCxnSpPr>
-          <p:cNvPr id="64" name="Connector: Curved 63">
-            <a:extLst>
-              <a:ext uri="{FF2B5EF4-FFF2-40B4-BE49-F238E27FC236}">
-                <a16:creationId xmlns:a16="http://schemas.microsoft.com/office/drawing/2014/main" id="{1EE9CF07-F03E-D166-C463-F9B906D78187}"/>
-              </a:ext>
-            </a:extLst>
-          </p:cNvPr>
-          <p:cNvCxnSpPr>
-            <a:stCxn id="4" idx="3"/>
-            <a:endCxn id="7" idx="1"/>
-          </p:cNvCxnSpPr>
-          <p:nvPr/>
-        </p:nvCxnSpPr>
-        <p:spPr>
-          <a:xfrm flipV="1">
-            <a:off x="3213096" y="2676525"/>
-            <a:ext cx="1193804" cy="1289555"/>
-          </a:xfrm>
-          <a:prstGeom prst="curvedConnector3">
-            <a:avLst/>
-          </a:prstGeom>
-          <a:ln>
-            <a:tailEnd type="triangle"/>
-          </a:ln>
-        </p:spPr>
-        <p:style>
-          <a:lnRef idx="2">
-            <a:schemeClr val="accent2"/>
-          </a:lnRef>
-          <a:fillRef idx="0">
-            <a:schemeClr val="accent2"/>
-          </a:fillRef>
-          <a:effectRef idx="1">
-            <a:schemeClr val="accent2"/>
-          </a:effectRef>
-          <a:fontRef idx="minor">
-            <a:schemeClr val="tx1"/>
-          </a:fontRef>
-        </p:style>
-      </p:cxnSp>
-      <p:cxnSp>
-        <p:nvCxnSpPr>
-          <p:cNvPr id="66" name="Connector: Curved 65">
-            <a:extLst>
-              <a:ext uri="{FF2B5EF4-FFF2-40B4-BE49-F238E27FC236}">
-                <a16:creationId xmlns:a16="http://schemas.microsoft.com/office/drawing/2014/main" id="{A7195A5D-4CE5-B555-A3AF-D9F6F91BCED4}"/>
-              </a:ext>
-            </a:extLst>
-          </p:cNvPr>
-          <p:cNvCxnSpPr>
-            <a:stCxn id="4" idx="3"/>
-            <a:endCxn id="8" idx="1"/>
-          </p:cNvCxnSpPr>
-          <p:nvPr/>
-        </p:nvCxnSpPr>
-        <p:spPr>
-          <a:xfrm flipV="1">
-            <a:off x="3213096" y="3324225"/>
-            <a:ext cx="1193804" cy="641855"/>
-          </a:xfrm>
-          <a:prstGeom prst="curvedConnector3">
-            <a:avLst/>
-          </a:prstGeom>
-          <a:ln>
-            <a:prstDash val="dash"/>
-            <a:tailEnd type="triangle"/>
-          </a:ln>
-        </p:spPr>
-        <p:style>
-          <a:lnRef idx="2">
-            <a:schemeClr val="accent2"/>
-          </a:lnRef>
-          <a:fillRef idx="0">
-            <a:schemeClr val="accent2"/>
-          </a:fillRef>
-          <a:effectRef idx="1">
-            <a:schemeClr val="accent2"/>
-          </a:effectRef>
-          <a:fontRef idx="minor">
-            <a:schemeClr val="tx1"/>
-          </a:fontRef>
-        </p:style>
-      </p:cxnSp>
-      <p:cxnSp>
-        <p:nvCxnSpPr>
-          <p:cNvPr id="68" name="Connector: Curved 67">
-            <a:extLst>
-              <a:ext uri="{FF2B5EF4-FFF2-40B4-BE49-F238E27FC236}">
-                <a16:creationId xmlns:a16="http://schemas.microsoft.com/office/drawing/2014/main" id="{AF6ABD99-CEBF-A161-D4C3-263709AD3843}"/>
-              </a:ext>
-            </a:extLst>
-          </p:cNvPr>
-          <p:cNvCxnSpPr>
-            <a:stCxn id="4" idx="3"/>
-            <a:endCxn id="9" idx="1"/>
-          </p:cNvCxnSpPr>
-          <p:nvPr/>
-        </p:nvCxnSpPr>
-        <p:spPr>
-          <a:xfrm flipV="1">
-            <a:off x="3213096" y="3965576"/>
-            <a:ext cx="1193804" cy="504"/>
-          </a:xfrm>
-          <a:prstGeom prst="curvedConnector3">
-            <a:avLst>
-              <a:gd name="adj1" fmla="val 50000"/>
-            </a:avLst>
-          </a:prstGeom>
-          <a:ln>
-            <a:prstDash val="dash"/>
-            <a:tailEnd type="triangle"/>
-          </a:ln>
-        </p:spPr>
-        <p:style>
-          <a:lnRef idx="2">
-            <a:schemeClr val="accent2"/>
-          </a:lnRef>
-          <a:fillRef idx="0">
-            <a:schemeClr val="accent2"/>
-          </a:fillRef>
-          <a:effectRef idx="1">
-            <a:schemeClr val="accent2"/>
-          </a:effectRef>
-          <a:fontRef idx="minor">
-            <a:schemeClr val="tx1"/>
-          </a:fontRef>
-        </p:style>
-      </p:cxnSp>
-      <p:sp>
-        <p:nvSpPr>
-          <p:cNvPr id="123" name="TextBox 122">
-            <a:extLst>
-              <a:ext uri="{FF2B5EF4-FFF2-40B4-BE49-F238E27FC236}">
-                <a16:creationId xmlns:a16="http://schemas.microsoft.com/office/drawing/2014/main" id="{7D927736-E368-0DDD-819E-AFE3EA762D75}"/>
-              </a:ext>
-            </a:extLst>
-          </p:cNvPr>
-          <p:cNvSpPr txBox="1"/>
-          <p:nvPr/>
-        </p:nvSpPr>
-        <p:spPr>
-          <a:xfrm>
-            <a:off x="7004050" y="1840984"/>
-            <a:ext cx="4338047" cy="369332"/>
-          </a:xfrm>
-          <a:prstGeom prst="rect">
-            <a:avLst/>
-          </a:prstGeom>
-          <a:noFill/>
-        </p:spPr>
-        <p:txBody>
-          <a:bodyPr wrap="none" rtlCol="0">
-            <a:spAutoFit/>
-          </a:bodyPr>
-          <a:lstStyle/>
-          <a:p>
-            <a:r>
-              <a:rPr lang="en-US" dirty="0"/>
-              <a:t>SetupHostedWindowsDirect2DRenderer();</a:t>
-            </a:r>
-          </a:p>
-        </p:txBody>
-      </p:sp>
-      <p:sp>
-        <p:nvSpPr>
-          <p:cNvPr id="124" name="TextBox 123">
-            <a:extLst>
-              <a:ext uri="{FF2B5EF4-FFF2-40B4-BE49-F238E27FC236}">
-                <a16:creationId xmlns:a16="http://schemas.microsoft.com/office/drawing/2014/main" id="{B3F952FC-4240-40A0-7B81-D01F973E9F9D}"/>
-              </a:ext>
-            </a:extLst>
-          </p:cNvPr>
-          <p:cNvSpPr txBox="1"/>
-          <p:nvPr/>
-        </p:nvSpPr>
-        <p:spPr>
-          <a:xfrm>
-            <a:off x="7004050" y="2490271"/>
-            <a:ext cx="3844322" cy="369332"/>
-          </a:xfrm>
-          <a:prstGeom prst="rect">
-            <a:avLst/>
-          </a:prstGeom>
-          <a:noFill/>
-        </p:spPr>
-        <p:txBody>
-          <a:bodyPr wrap="none" rtlCol="0">
-            <a:spAutoFit/>
-          </a:bodyPr>
-          <a:lstStyle/>
-          <a:p>
-            <a:r>
-              <a:rPr lang="en-US" dirty="0" err="1"/>
-              <a:t>SetupHostedWindowsGDIRenderer</a:t>
-            </a:r>
-            <a:r>
-              <a:rPr lang="en-US" dirty="0"/>
-              <a:t>();</a:t>
-            </a:r>
-          </a:p>
-        </p:txBody>
-      </p:sp>
-      <p:sp>
-        <p:nvSpPr>
-          <p:cNvPr id="20" name="Rectangle: Rounded Corners 19">
-            <a:extLst>
-              <a:ext uri="{FF2B5EF4-FFF2-40B4-BE49-F238E27FC236}">
-                <a16:creationId xmlns:a16="http://schemas.microsoft.com/office/drawing/2014/main" id="{A2A5AB62-ED73-2501-F453-84EBD62CE94B}"/>
-              </a:ext>
-            </a:extLst>
-          </p:cNvPr>
-          <p:cNvSpPr/>
-          <p:nvPr/>
-        </p:nvSpPr>
-        <p:spPr>
-          <a:xfrm>
-            <a:off x="1295396" y="1765748"/>
-            <a:ext cx="1917700" cy="533400"/>
-          </a:xfrm>
-          <a:prstGeom prst="roundRect">
-            <a:avLst/>
-          </a:prstGeom>
-        </p:spPr>
-        <p:style>
-          <a:lnRef idx="2">
-            <a:schemeClr val="accent1">
-              <a:shade val="15000"/>
-            </a:schemeClr>
-          </a:lnRef>
-          <a:fillRef idx="1">
-            <a:schemeClr val="accent1"/>
-          </a:fillRef>
-          <a:effectRef idx="0">
-            <a:schemeClr val="accent1"/>
-          </a:effectRef>
-          <a:fontRef idx="minor">
-            <a:schemeClr val="lt1"/>
-          </a:fontRef>
-        </p:style>
-        <p:txBody>
-          <a:bodyPr rtlCol="0" anchor="ctr"/>
-          <a:lstStyle/>
-          <a:p>
-            <a:pPr algn="ctr"/>
-            <a:r>
-              <a:rPr lang="en-US" dirty="0" err="1"/>
-              <a:t>GuiApplication</a:t>
-            </a:r>
-            <a:endParaRPr lang="en-US" dirty="0"/>
-          </a:p>
-        </p:txBody>
-      </p:sp>
-      <p:cxnSp>
-        <p:nvCxnSpPr>
-          <p:cNvPr id="30" name="Connector: Curved 29">
-            <a:extLst>
-              <a:ext uri="{FF2B5EF4-FFF2-40B4-BE49-F238E27FC236}">
-                <a16:creationId xmlns:a16="http://schemas.microsoft.com/office/drawing/2014/main" id="{77EE5519-16E6-0267-4863-00F1E5ED7343}"/>
-              </a:ext>
-            </a:extLst>
-          </p:cNvPr>
-          <p:cNvCxnSpPr>
-            <a:cxnSpLocks/>
-            <a:stCxn id="20" idx="2"/>
-            <a:endCxn id="4" idx="0"/>
-          </p:cNvCxnSpPr>
-          <p:nvPr/>
-        </p:nvCxnSpPr>
-        <p:spPr>
-          <a:xfrm rot="5400000">
-            <a:off x="1554130" y="2999264"/>
-            <a:ext cx="1400232" cy="12700"/>
-          </a:xfrm>
-          <a:prstGeom prst="curvedConnector3">
-            <a:avLst/>
-          </a:prstGeom>
-          <a:ln w="19050">
-            <a:tailEnd type="triangle"/>
-          </a:ln>
-        </p:spPr>
-        <p:style>
-          <a:lnRef idx="1">
-            <a:schemeClr val="accent1"/>
-          </a:lnRef>
-          <a:fillRef idx="0">
-            <a:schemeClr val="accent1"/>
-          </a:fillRef>
-          <a:effectRef idx="0">
-            <a:schemeClr val="accent1"/>
-          </a:effectRef>
-          <a:fontRef idx="minor">
-            <a:schemeClr val="tx1"/>
-          </a:fontRef>
-        </p:style>
-      </p:cxnSp>
+        </p:grpSpPr>
+        <p:sp>
+          <p:nvSpPr>
+            <p:cNvPr id="4" name="Rectangle: Rounded Corners 3">
+              <a:extLst>
+                <a:ext uri="{FF2B5EF4-FFF2-40B4-BE49-F238E27FC236}">
+                  <a16:creationId xmlns:a16="http://schemas.microsoft.com/office/drawing/2014/main" id="{C4F67F50-5F2D-A5B3-796B-96DDCCEC1704}"/>
+                </a:ext>
+              </a:extLst>
+            </p:cNvPr>
+            <p:cNvSpPr/>
+            <p:nvPr/>
+          </p:nvSpPr>
+          <p:spPr>
+            <a:xfrm>
+              <a:off x="1295396" y="3699380"/>
+              <a:ext cx="1917700" cy="533400"/>
+            </a:xfrm>
+            <a:prstGeom prst="roundRect">
+              <a:avLst/>
+            </a:prstGeom>
+          </p:spPr>
+          <p:style>
+            <a:lnRef idx="2">
+              <a:schemeClr val="accent2">
+                <a:shade val="15000"/>
+              </a:schemeClr>
+            </a:lnRef>
+            <a:fillRef idx="1">
+              <a:schemeClr val="accent2"/>
+            </a:fillRef>
+            <a:effectRef idx="0">
+              <a:schemeClr val="accent2"/>
+            </a:effectRef>
+            <a:fontRef idx="minor">
+              <a:schemeClr val="lt1"/>
+            </a:fontRef>
+          </p:style>
+          <p:txBody>
+            <a:bodyPr rtlCol="0" anchor="ctr"/>
+            <a:lstStyle/>
+            <a:p>
+              <a:pPr algn="ctr"/>
+              <a:r>
+                <a:rPr lang="en-US" dirty="0"/>
+                <a:t>Hosted Mode</a:t>
+              </a:r>
+            </a:p>
+          </p:txBody>
+        </p:sp>
+        <p:sp>
+          <p:nvSpPr>
+            <p:cNvPr id="6" name="Rectangle: Rounded Corners 5">
+              <a:extLst>
+                <a:ext uri="{FF2B5EF4-FFF2-40B4-BE49-F238E27FC236}">
+                  <a16:creationId xmlns:a16="http://schemas.microsoft.com/office/drawing/2014/main" id="{FE65AAC9-755D-5D6D-44B1-E98347D3A816}"/>
+                </a:ext>
+              </a:extLst>
+            </p:cNvPr>
+            <p:cNvSpPr/>
+            <p:nvPr/>
+          </p:nvSpPr>
+          <p:spPr>
+            <a:xfrm>
+              <a:off x="4406900" y="1762125"/>
+              <a:ext cx="2317750" cy="533400"/>
+            </a:xfrm>
+            <a:prstGeom prst="roundRect">
+              <a:avLst/>
+            </a:prstGeom>
+          </p:spPr>
+          <p:style>
+            <a:lnRef idx="2">
+              <a:schemeClr val="accent6">
+                <a:shade val="15000"/>
+              </a:schemeClr>
+            </a:lnRef>
+            <a:fillRef idx="1">
+              <a:schemeClr val="accent6"/>
+            </a:fillRef>
+            <a:effectRef idx="0">
+              <a:schemeClr val="accent6"/>
+            </a:effectRef>
+            <a:fontRef idx="minor">
+              <a:schemeClr val="lt1"/>
+            </a:fontRef>
+          </p:style>
+          <p:txBody>
+            <a:bodyPr rtlCol="0" anchor="ctr"/>
+            <a:lstStyle/>
+            <a:p>
+              <a:pPr algn="ctr"/>
+              <a:r>
+                <a:rPr lang="en-US" dirty="0"/>
+                <a:t>Windows/Direct2D</a:t>
+              </a:r>
+            </a:p>
+          </p:txBody>
+        </p:sp>
+        <p:sp>
+          <p:nvSpPr>
+            <p:cNvPr id="7" name="Rectangle: Rounded Corners 6">
+              <a:extLst>
+                <a:ext uri="{FF2B5EF4-FFF2-40B4-BE49-F238E27FC236}">
+                  <a16:creationId xmlns:a16="http://schemas.microsoft.com/office/drawing/2014/main" id="{3E295067-2176-E4AE-DED0-15FDBD8D8624}"/>
+                </a:ext>
+              </a:extLst>
+            </p:cNvPr>
+            <p:cNvSpPr/>
+            <p:nvPr/>
+          </p:nvSpPr>
+          <p:spPr>
+            <a:xfrm>
+              <a:off x="4406900" y="2409825"/>
+              <a:ext cx="2317750" cy="533400"/>
+            </a:xfrm>
+            <a:prstGeom prst="roundRect">
+              <a:avLst/>
+            </a:prstGeom>
+          </p:spPr>
+          <p:style>
+            <a:lnRef idx="2">
+              <a:schemeClr val="accent6">
+                <a:shade val="15000"/>
+              </a:schemeClr>
+            </a:lnRef>
+            <a:fillRef idx="1">
+              <a:schemeClr val="accent6"/>
+            </a:fillRef>
+            <a:effectRef idx="0">
+              <a:schemeClr val="accent6"/>
+            </a:effectRef>
+            <a:fontRef idx="minor">
+              <a:schemeClr val="lt1"/>
+            </a:fontRef>
+          </p:style>
+          <p:txBody>
+            <a:bodyPr rtlCol="0" anchor="ctr"/>
+            <a:lstStyle/>
+            <a:p>
+              <a:pPr algn="ctr"/>
+              <a:r>
+                <a:rPr lang="en-US" dirty="0"/>
+                <a:t>Windows/GDI</a:t>
+              </a:r>
+            </a:p>
+          </p:txBody>
+        </p:sp>
+        <p:sp>
+          <p:nvSpPr>
+            <p:cNvPr id="8" name="Rectangle: Rounded Corners 7">
+              <a:extLst>
+                <a:ext uri="{FF2B5EF4-FFF2-40B4-BE49-F238E27FC236}">
+                  <a16:creationId xmlns:a16="http://schemas.microsoft.com/office/drawing/2014/main" id="{C1F57318-89B7-B867-D665-62C4A9635325}"/>
+                </a:ext>
+              </a:extLst>
+            </p:cNvPr>
+            <p:cNvSpPr/>
+            <p:nvPr/>
+          </p:nvSpPr>
+          <p:spPr>
+            <a:xfrm>
+              <a:off x="4406900" y="3057525"/>
+              <a:ext cx="2317750" cy="533400"/>
+            </a:xfrm>
+            <a:prstGeom prst="roundRect">
+              <a:avLst/>
+            </a:prstGeom>
+          </p:spPr>
+          <p:style>
+            <a:lnRef idx="2">
+              <a:schemeClr val="accent6">
+                <a:shade val="15000"/>
+              </a:schemeClr>
+            </a:lnRef>
+            <a:fillRef idx="1">
+              <a:schemeClr val="accent6"/>
+            </a:fillRef>
+            <a:effectRef idx="0">
+              <a:schemeClr val="accent6"/>
+            </a:effectRef>
+            <a:fontRef idx="minor">
+              <a:schemeClr val="lt1"/>
+            </a:fontRef>
+          </p:style>
+          <p:txBody>
+            <a:bodyPr rtlCol="0" anchor="ctr"/>
+            <a:lstStyle/>
+            <a:p>
+              <a:pPr algn="ctr"/>
+              <a:r>
+                <a:rPr lang="en-US" dirty="0"/>
+                <a:t>Linux/</a:t>
+              </a:r>
+              <a:r>
+                <a:rPr lang="en-US" dirty="0" err="1"/>
+                <a:t>Gtk</a:t>
+              </a:r>
+              <a:endParaRPr lang="en-US" dirty="0"/>
+            </a:p>
+          </p:txBody>
+        </p:sp>
+        <p:sp>
+          <p:nvSpPr>
+            <p:cNvPr id="9" name="Rectangle: Rounded Corners 8">
+              <a:extLst>
+                <a:ext uri="{FF2B5EF4-FFF2-40B4-BE49-F238E27FC236}">
+                  <a16:creationId xmlns:a16="http://schemas.microsoft.com/office/drawing/2014/main" id="{3DFA41CE-6388-A99F-0241-4E619743F017}"/>
+                </a:ext>
+              </a:extLst>
+            </p:cNvPr>
+            <p:cNvSpPr/>
+            <p:nvPr/>
+          </p:nvSpPr>
+          <p:spPr>
+            <a:xfrm>
+              <a:off x="4406900" y="3698876"/>
+              <a:ext cx="2317750" cy="533400"/>
+            </a:xfrm>
+            <a:prstGeom prst="roundRect">
+              <a:avLst/>
+            </a:prstGeom>
+          </p:spPr>
+          <p:style>
+            <a:lnRef idx="2">
+              <a:schemeClr val="accent6">
+                <a:shade val="15000"/>
+              </a:schemeClr>
+            </a:lnRef>
+            <a:fillRef idx="1">
+              <a:schemeClr val="accent6"/>
+            </a:fillRef>
+            <a:effectRef idx="0">
+              <a:schemeClr val="accent6"/>
+            </a:effectRef>
+            <a:fontRef idx="minor">
+              <a:schemeClr val="lt1"/>
+            </a:fontRef>
+          </p:style>
+          <p:txBody>
+            <a:bodyPr rtlCol="0" anchor="ctr"/>
+            <a:lstStyle/>
+            <a:p>
+              <a:pPr algn="ctr"/>
+              <a:r>
+                <a:rPr lang="en-US" dirty="0" err="1"/>
+                <a:t>macos</a:t>
+              </a:r>
+              <a:r>
+                <a:rPr lang="en-US" dirty="0"/>
+                <a:t>/</a:t>
+              </a:r>
+              <a:r>
+                <a:rPr lang="en-US" dirty="0" err="1"/>
+                <a:t>CoreGraphics</a:t>
+              </a:r>
+              <a:endParaRPr lang="en-US" dirty="0"/>
+            </a:p>
+          </p:txBody>
+        </p:sp>
+        <p:cxnSp>
+          <p:nvCxnSpPr>
+            <p:cNvPr id="62" name="Connector: Curved 61">
+              <a:extLst>
+                <a:ext uri="{FF2B5EF4-FFF2-40B4-BE49-F238E27FC236}">
+                  <a16:creationId xmlns:a16="http://schemas.microsoft.com/office/drawing/2014/main" id="{A1698E0C-0D6F-89DA-CD05-3B6382F6C717}"/>
+                </a:ext>
+              </a:extLst>
+            </p:cNvPr>
+            <p:cNvCxnSpPr>
+              <a:stCxn id="4" idx="3"/>
+              <a:endCxn id="6" idx="1"/>
+            </p:cNvCxnSpPr>
+            <p:nvPr/>
+          </p:nvCxnSpPr>
+          <p:spPr>
+            <a:xfrm flipV="1">
+              <a:off x="3213096" y="2028825"/>
+              <a:ext cx="1193804" cy="1937255"/>
+            </a:xfrm>
+            <a:prstGeom prst="curvedConnector3">
+              <a:avLst/>
+            </a:prstGeom>
+            <a:ln>
+              <a:tailEnd type="triangle"/>
+            </a:ln>
+          </p:spPr>
+          <p:style>
+            <a:lnRef idx="2">
+              <a:schemeClr val="accent2"/>
+            </a:lnRef>
+            <a:fillRef idx="0">
+              <a:schemeClr val="accent2"/>
+            </a:fillRef>
+            <a:effectRef idx="1">
+              <a:schemeClr val="accent2"/>
+            </a:effectRef>
+            <a:fontRef idx="minor">
+              <a:schemeClr val="tx1"/>
+            </a:fontRef>
+          </p:style>
+        </p:cxnSp>
+        <p:cxnSp>
+          <p:nvCxnSpPr>
+            <p:cNvPr id="64" name="Connector: Curved 63">
+              <a:extLst>
+                <a:ext uri="{FF2B5EF4-FFF2-40B4-BE49-F238E27FC236}">
+                  <a16:creationId xmlns:a16="http://schemas.microsoft.com/office/drawing/2014/main" id="{1EE9CF07-F03E-D166-C463-F9B906D78187}"/>
+                </a:ext>
+              </a:extLst>
+            </p:cNvPr>
+            <p:cNvCxnSpPr>
+              <a:stCxn id="4" idx="3"/>
+              <a:endCxn id="7" idx="1"/>
+            </p:cNvCxnSpPr>
+            <p:nvPr/>
+          </p:nvCxnSpPr>
+          <p:spPr>
+            <a:xfrm flipV="1">
+              <a:off x="3213096" y="2676525"/>
+              <a:ext cx="1193804" cy="1289555"/>
+            </a:xfrm>
+            <a:prstGeom prst="curvedConnector3">
+              <a:avLst/>
+            </a:prstGeom>
+            <a:ln>
+              <a:tailEnd type="triangle"/>
+            </a:ln>
+          </p:spPr>
+          <p:style>
+            <a:lnRef idx="2">
+              <a:schemeClr val="accent2"/>
+            </a:lnRef>
+            <a:fillRef idx="0">
+              <a:schemeClr val="accent2"/>
+            </a:fillRef>
+            <a:effectRef idx="1">
+              <a:schemeClr val="accent2"/>
+            </a:effectRef>
+            <a:fontRef idx="minor">
+              <a:schemeClr val="tx1"/>
+            </a:fontRef>
+          </p:style>
+        </p:cxnSp>
+        <p:cxnSp>
+          <p:nvCxnSpPr>
+            <p:cNvPr id="66" name="Connector: Curved 65">
+              <a:extLst>
+                <a:ext uri="{FF2B5EF4-FFF2-40B4-BE49-F238E27FC236}">
+                  <a16:creationId xmlns:a16="http://schemas.microsoft.com/office/drawing/2014/main" id="{A7195A5D-4CE5-B555-A3AF-D9F6F91BCED4}"/>
+                </a:ext>
+              </a:extLst>
+            </p:cNvPr>
+            <p:cNvCxnSpPr>
+              <a:stCxn id="4" idx="3"/>
+              <a:endCxn id="8" idx="1"/>
+            </p:cNvCxnSpPr>
+            <p:nvPr/>
+          </p:nvCxnSpPr>
+          <p:spPr>
+            <a:xfrm flipV="1">
+              <a:off x="3213096" y="3324225"/>
+              <a:ext cx="1193804" cy="641855"/>
+            </a:xfrm>
+            <a:prstGeom prst="curvedConnector3">
+              <a:avLst/>
+            </a:prstGeom>
+            <a:ln>
+              <a:prstDash val="dash"/>
+              <a:tailEnd type="triangle"/>
+            </a:ln>
+          </p:spPr>
+          <p:style>
+            <a:lnRef idx="2">
+              <a:schemeClr val="accent2"/>
+            </a:lnRef>
+            <a:fillRef idx="0">
+              <a:schemeClr val="accent2"/>
+            </a:fillRef>
+            <a:effectRef idx="1">
+              <a:schemeClr val="accent2"/>
+            </a:effectRef>
+            <a:fontRef idx="minor">
+              <a:schemeClr val="tx1"/>
+            </a:fontRef>
+          </p:style>
+        </p:cxnSp>
+        <p:cxnSp>
+          <p:nvCxnSpPr>
+            <p:cNvPr id="68" name="Connector: Curved 67">
+              <a:extLst>
+                <a:ext uri="{FF2B5EF4-FFF2-40B4-BE49-F238E27FC236}">
+                  <a16:creationId xmlns:a16="http://schemas.microsoft.com/office/drawing/2014/main" id="{AF6ABD99-CEBF-A161-D4C3-263709AD3843}"/>
+                </a:ext>
+              </a:extLst>
+            </p:cNvPr>
+            <p:cNvCxnSpPr>
+              <a:stCxn id="4" idx="3"/>
+              <a:endCxn id="9" idx="1"/>
+            </p:cNvCxnSpPr>
+            <p:nvPr/>
+          </p:nvCxnSpPr>
+          <p:spPr>
+            <a:xfrm flipV="1">
+              <a:off x="3213096" y="3965576"/>
+              <a:ext cx="1193804" cy="504"/>
+            </a:xfrm>
+            <a:prstGeom prst="curvedConnector3">
+              <a:avLst>
+                <a:gd name="adj1" fmla="val 50000"/>
+              </a:avLst>
+            </a:prstGeom>
+            <a:ln>
+              <a:prstDash val="dash"/>
+              <a:tailEnd type="triangle"/>
+            </a:ln>
+          </p:spPr>
+          <p:style>
+            <a:lnRef idx="2">
+              <a:schemeClr val="accent2"/>
+            </a:lnRef>
+            <a:fillRef idx="0">
+              <a:schemeClr val="accent2"/>
+            </a:fillRef>
+            <a:effectRef idx="1">
+              <a:schemeClr val="accent2"/>
+            </a:effectRef>
+            <a:fontRef idx="minor">
+              <a:schemeClr val="tx1"/>
+            </a:fontRef>
+          </p:style>
+        </p:cxnSp>
+        <p:sp>
+          <p:nvSpPr>
+            <p:cNvPr id="123" name="TextBox 122">
+              <a:extLst>
+                <a:ext uri="{FF2B5EF4-FFF2-40B4-BE49-F238E27FC236}">
+                  <a16:creationId xmlns:a16="http://schemas.microsoft.com/office/drawing/2014/main" id="{7D927736-E368-0DDD-819E-AFE3EA762D75}"/>
+                </a:ext>
+              </a:extLst>
+            </p:cNvPr>
+            <p:cNvSpPr txBox="1"/>
+            <p:nvPr/>
+          </p:nvSpPr>
+          <p:spPr>
+            <a:xfrm>
+              <a:off x="7004050" y="1840984"/>
+              <a:ext cx="4338047" cy="369332"/>
+            </a:xfrm>
+            <a:prstGeom prst="rect">
+              <a:avLst/>
+            </a:prstGeom>
+            <a:noFill/>
+          </p:spPr>
+          <p:txBody>
+            <a:bodyPr wrap="none" rtlCol="0">
+              <a:spAutoFit/>
+            </a:bodyPr>
+            <a:lstStyle/>
+            <a:p>
+              <a:r>
+                <a:rPr lang="en-US" dirty="0"/>
+                <a:t>SetupHostedWindowsDirect2DRenderer();</a:t>
+              </a:r>
+            </a:p>
+          </p:txBody>
+        </p:sp>
+        <p:sp>
+          <p:nvSpPr>
+            <p:cNvPr id="124" name="TextBox 123">
+              <a:extLst>
+                <a:ext uri="{FF2B5EF4-FFF2-40B4-BE49-F238E27FC236}">
+                  <a16:creationId xmlns:a16="http://schemas.microsoft.com/office/drawing/2014/main" id="{B3F952FC-4240-40A0-7B81-D01F973E9F9D}"/>
+                </a:ext>
+              </a:extLst>
+            </p:cNvPr>
+            <p:cNvSpPr txBox="1"/>
+            <p:nvPr/>
+          </p:nvSpPr>
+          <p:spPr>
+            <a:xfrm>
+              <a:off x="7004050" y="2490271"/>
+              <a:ext cx="3844322" cy="369332"/>
+            </a:xfrm>
+            <a:prstGeom prst="rect">
+              <a:avLst/>
+            </a:prstGeom>
+            <a:noFill/>
+          </p:spPr>
+          <p:txBody>
+            <a:bodyPr wrap="none" rtlCol="0">
+              <a:spAutoFit/>
+            </a:bodyPr>
+            <a:lstStyle/>
+            <a:p>
+              <a:r>
+                <a:rPr lang="en-US" dirty="0" err="1"/>
+                <a:t>SetupHostedWindowsGDIRenderer</a:t>
+              </a:r>
+              <a:r>
+                <a:rPr lang="en-US" dirty="0"/>
+                <a:t>();</a:t>
+              </a:r>
+            </a:p>
+          </p:txBody>
+        </p:sp>
+        <p:sp>
+          <p:nvSpPr>
+            <p:cNvPr id="20" name="Rectangle: Rounded Corners 19">
+              <a:extLst>
+                <a:ext uri="{FF2B5EF4-FFF2-40B4-BE49-F238E27FC236}">
+                  <a16:creationId xmlns:a16="http://schemas.microsoft.com/office/drawing/2014/main" id="{A2A5AB62-ED73-2501-F453-84EBD62CE94B}"/>
+                </a:ext>
+              </a:extLst>
+            </p:cNvPr>
+            <p:cNvSpPr/>
+            <p:nvPr/>
+          </p:nvSpPr>
+          <p:spPr>
+            <a:xfrm>
+              <a:off x="1295396" y="1765748"/>
+              <a:ext cx="1917700" cy="533400"/>
+            </a:xfrm>
+            <a:prstGeom prst="roundRect">
+              <a:avLst/>
+            </a:prstGeom>
+          </p:spPr>
+          <p:style>
+            <a:lnRef idx="2">
+              <a:schemeClr val="accent1">
+                <a:shade val="15000"/>
+              </a:schemeClr>
+            </a:lnRef>
+            <a:fillRef idx="1">
+              <a:schemeClr val="accent1"/>
+            </a:fillRef>
+            <a:effectRef idx="0">
+              <a:schemeClr val="accent1"/>
+            </a:effectRef>
+            <a:fontRef idx="minor">
+              <a:schemeClr val="lt1"/>
+            </a:fontRef>
+          </p:style>
+          <p:txBody>
+            <a:bodyPr rtlCol="0" anchor="ctr"/>
+            <a:lstStyle/>
+            <a:p>
+              <a:pPr algn="ctr"/>
+              <a:r>
+                <a:rPr lang="en-US" dirty="0" err="1"/>
+                <a:t>GuiApplication</a:t>
+              </a:r>
+              <a:endParaRPr lang="en-US" dirty="0"/>
+            </a:p>
+          </p:txBody>
+        </p:sp>
+        <p:cxnSp>
+          <p:nvCxnSpPr>
+            <p:cNvPr id="30" name="Connector: Curved 29">
+              <a:extLst>
+                <a:ext uri="{FF2B5EF4-FFF2-40B4-BE49-F238E27FC236}">
+                  <a16:creationId xmlns:a16="http://schemas.microsoft.com/office/drawing/2014/main" id="{77EE5519-16E6-0267-4863-00F1E5ED7343}"/>
+                </a:ext>
+              </a:extLst>
+            </p:cNvPr>
+            <p:cNvCxnSpPr>
+              <a:cxnSpLocks/>
+              <a:stCxn id="20" idx="2"/>
+              <a:endCxn id="4" idx="0"/>
+            </p:cNvCxnSpPr>
+            <p:nvPr/>
+          </p:nvCxnSpPr>
+          <p:spPr>
+            <a:xfrm rot="5400000">
+              <a:off x="1554130" y="2999264"/>
+              <a:ext cx="1400232" cy="12700"/>
+            </a:xfrm>
+            <a:prstGeom prst="curvedConnector3">
+              <a:avLst/>
+            </a:prstGeom>
+            <a:ln w="19050">
+              <a:tailEnd type="triangle"/>
+            </a:ln>
+          </p:spPr>
+          <p:style>
+            <a:lnRef idx="1">
+              <a:schemeClr val="accent1"/>
+            </a:lnRef>
+            <a:fillRef idx="0">
+              <a:schemeClr val="accent1"/>
+            </a:fillRef>
+            <a:effectRef idx="0">
+              <a:schemeClr val="accent1"/>
+            </a:effectRef>
+            <a:fontRef idx="minor">
+              <a:schemeClr val="tx1"/>
+            </a:fontRef>
+          </p:style>
+        </p:cxnSp>
+      </p:grpSp>
     </p:spTree>
     <p:extLst>
       <p:ext uri="{BB962C8B-B14F-4D97-AF65-F5344CB8AC3E}">
@@ -18423,881 +18465,623 @@
           <a:chExt cx="0" cy="0"/>
         </a:xfrm>
       </p:grpSpPr>
-      <p:sp>
-        <p:nvSpPr>
-          <p:cNvPr id="4" name="Rectangle: Rounded Corners 3">
+      <p:grpSp>
+        <p:nvGrpSpPr>
+          <p:cNvPr id="29" name="Group 28">
             <a:extLst>
               <a:ext uri="{FF2B5EF4-FFF2-40B4-BE49-F238E27FC236}">
-                <a16:creationId xmlns:a16="http://schemas.microsoft.com/office/drawing/2014/main" id="{4C4030E4-83D1-81F8-E3F2-083324AEBBD9}"/>
+                <a16:creationId xmlns:a16="http://schemas.microsoft.com/office/drawing/2014/main" id="{FA78DAF0-758C-8C53-6408-967AAC90545F}"/>
               </a:ext>
             </a:extLst>
           </p:cNvPr>
-          <p:cNvSpPr/>
+          <p:cNvGrpSpPr/>
           <p:nvPr/>
-        </p:nvSpPr>
-        <p:spPr>
+        </p:nvGrpSpPr>
+        <p:grpSpPr>
           <a:xfrm>
-            <a:off x="2282159" y="6126162"/>
-            <a:ext cx="1917700" cy="533400"/>
+            <a:off x="606119" y="4188907"/>
+            <a:ext cx="11419773" cy="2470655"/>
+            <a:chOff x="606119" y="4188907"/>
+            <a:chExt cx="11419773" cy="2470655"/>
           </a:xfrm>
-          <a:prstGeom prst="roundRect">
-            <a:avLst/>
-          </a:prstGeom>
-        </p:spPr>
-        <p:style>
-          <a:lnRef idx="2">
-            <a:schemeClr val="accent2">
-              <a:shade val="15000"/>
-            </a:schemeClr>
-          </a:lnRef>
-          <a:fillRef idx="1">
-            <a:schemeClr val="accent2"/>
-          </a:fillRef>
-          <a:effectRef idx="0">
-            <a:schemeClr val="accent2"/>
-          </a:effectRef>
-          <a:fontRef idx="minor">
-            <a:schemeClr val="lt1"/>
-          </a:fontRef>
-        </p:style>
-        <p:txBody>
-          <a:bodyPr rtlCol="0" anchor="ctr"/>
-          <a:lstStyle/>
-          <a:p>
-            <a:pPr algn="ctr"/>
-            <a:r>
-              <a:rPr lang="en-US" dirty="0"/>
-              <a:t>Hosted Mode</a:t>
-            </a:r>
-          </a:p>
-        </p:txBody>
-      </p:sp>
-      <p:sp>
-        <p:nvSpPr>
-          <p:cNvPr id="6" name="Rectangle: Rounded Corners 5">
-            <a:extLst>
-              <a:ext uri="{FF2B5EF4-FFF2-40B4-BE49-F238E27FC236}">
-                <a16:creationId xmlns:a16="http://schemas.microsoft.com/office/drawing/2014/main" id="{A8272C19-4061-4625-990E-653723D0EB91}"/>
-              </a:ext>
-            </a:extLst>
-          </p:cNvPr>
-          <p:cNvSpPr/>
-          <p:nvPr/>
-        </p:nvSpPr>
-        <p:spPr>
-          <a:xfrm>
-            <a:off x="5393663" y="4188907"/>
-            <a:ext cx="2317750" cy="533400"/>
-          </a:xfrm>
-          <a:prstGeom prst="roundRect">
-            <a:avLst/>
-          </a:prstGeom>
-        </p:spPr>
-        <p:style>
-          <a:lnRef idx="2">
-            <a:schemeClr val="accent6">
-              <a:shade val="15000"/>
-            </a:schemeClr>
-          </a:lnRef>
-          <a:fillRef idx="1">
-            <a:schemeClr val="accent6"/>
-          </a:fillRef>
-          <a:effectRef idx="0">
-            <a:schemeClr val="accent6"/>
-          </a:effectRef>
-          <a:fontRef idx="minor">
-            <a:schemeClr val="lt1"/>
-          </a:fontRef>
-        </p:style>
-        <p:txBody>
-          <a:bodyPr rtlCol="0" anchor="ctr"/>
-          <a:lstStyle/>
-          <a:p>
-            <a:pPr algn="ctr"/>
-            <a:r>
-              <a:rPr lang="en-US" dirty="0"/>
-              <a:t>Windows/Direct2D</a:t>
-            </a:r>
-          </a:p>
-        </p:txBody>
-      </p:sp>
-      <p:sp>
-        <p:nvSpPr>
-          <p:cNvPr id="7" name="Rectangle: Rounded Corners 6">
-            <a:extLst>
-              <a:ext uri="{FF2B5EF4-FFF2-40B4-BE49-F238E27FC236}">
-                <a16:creationId xmlns:a16="http://schemas.microsoft.com/office/drawing/2014/main" id="{09B8ED85-85FC-2798-6827-D052FD95E635}"/>
-              </a:ext>
-            </a:extLst>
-          </p:cNvPr>
-          <p:cNvSpPr/>
-          <p:nvPr/>
-        </p:nvSpPr>
-        <p:spPr>
-          <a:xfrm>
-            <a:off x="5393663" y="4836607"/>
-            <a:ext cx="2317750" cy="533400"/>
-          </a:xfrm>
-          <a:prstGeom prst="roundRect">
-            <a:avLst/>
-          </a:prstGeom>
-        </p:spPr>
-        <p:style>
-          <a:lnRef idx="2">
-            <a:schemeClr val="accent6">
-              <a:shade val="15000"/>
-            </a:schemeClr>
-          </a:lnRef>
-          <a:fillRef idx="1">
-            <a:schemeClr val="accent6"/>
-          </a:fillRef>
-          <a:effectRef idx="0">
-            <a:schemeClr val="accent6"/>
-          </a:effectRef>
-          <a:fontRef idx="minor">
-            <a:schemeClr val="lt1"/>
-          </a:fontRef>
-        </p:style>
-        <p:txBody>
-          <a:bodyPr rtlCol="0" anchor="ctr"/>
-          <a:lstStyle/>
-          <a:p>
-            <a:pPr algn="ctr"/>
-            <a:r>
-              <a:rPr lang="en-US" dirty="0"/>
-              <a:t>Windows/GDI</a:t>
-            </a:r>
-          </a:p>
-        </p:txBody>
-      </p:sp>
-      <p:sp>
-        <p:nvSpPr>
-          <p:cNvPr id="8" name="Rectangle: Rounded Corners 7">
-            <a:extLst>
-              <a:ext uri="{FF2B5EF4-FFF2-40B4-BE49-F238E27FC236}">
-                <a16:creationId xmlns:a16="http://schemas.microsoft.com/office/drawing/2014/main" id="{F1590ACC-1DFB-A1F3-1703-6EBB16DDD7CD}"/>
-              </a:ext>
-            </a:extLst>
-          </p:cNvPr>
-          <p:cNvSpPr/>
-          <p:nvPr/>
-        </p:nvSpPr>
-        <p:spPr>
-          <a:xfrm>
-            <a:off x="5393663" y="5484307"/>
-            <a:ext cx="2317750" cy="533400"/>
-          </a:xfrm>
-          <a:prstGeom prst="roundRect">
-            <a:avLst/>
-          </a:prstGeom>
-        </p:spPr>
-        <p:style>
-          <a:lnRef idx="2">
-            <a:schemeClr val="accent6">
-              <a:shade val="15000"/>
-            </a:schemeClr>
-          </a:lnRef>
-          <a:fillRef idx="1">
-            <a:schemeClr val="accent6"/>
-          </a:fillRef>
-          <a:effectRef idx="0">
-            <a:schemeClr val="accent6"/>
-          </a:effectRef>
-          <a:fontRef idx="minor">
-            <a:schemeClr val="lt1"/>
-          </a:fontRef>
-        </p:style>
-        <p:txBody>
-          <a:bodyPr rtlCol="0" anchor="ctr"/>
-          <a:lstStyle/>
-          <a:p>
-            <a:pPr algn="ctr"/>
-            <a:r>
-              <a:rPr lang="en-US" dirty="0"/>
-              <a:t>Linux/</a:t>
-            </a:r>
-            <a:r>
-              <a:rPr lang="en-US" dirty="0" err="1"/>
-              <a:t>Gtk</a:t>
-            </a:r>
-            <a:endParaRPr lang="en-US" dirty="0"/>
-          </a:p>
-        </p:txBody>
-      </p:sp>
-      <p:sp>
-        <p:nvSpPr>
-          <p:cNvPr id="9" name="Rectangle: Rounded Corners 8">
-            <a:extLst>
-              <a:ext uri="{FF2B5EF4-FFF2-40B4-BE49-F238E27FC236}">
-                <a16:creationId xmlns:a16="http://schemas.microsoft.com/office/drawing/2014/main" id="{F1EB2146-55A3-F57D-F816-6CE7BC70CE9D}"/>
-              </a:ext>
-            </a:extLst>
-          </p:cNvPr>
-          <p:cNvSpPr/>
-          <p:nvPr/>
-        </p:nvSpPr>
-        <p:spPr>
-          <a:xfrm>
-            <a:off x="5393663" y="6125658"/>
-            <a:ext cx="2317750" cy="533400"/>
-          </a:xfrm>
-          <a:prstGeom prst="roundRect">
-            <a:avLst/>
-          </a:prstGeom>
-        </p:spPr>
-        <p:style>
-          <a:lnRef idx="2">
-            <a:schemeClr val="accent6">
-              <a:shade val="15000"/>
-            </a:schemeClr>
-          </a:lnRef>
-          <a:fillRef idx="1">
-            <a:schemeClr val="accent6"/>
-          </a:fillRef>
-          <a:effectRef idx="0">
-            <a:schemeClr val="accent6"/>
-          </a:effectRef>
-          <a:fontRef idx="minor">
-            <a:schemeClr val="lt1"/>
-          </a:fontRef>
-        </p:style>
-        <p:txBody>
-          <a:bodyPr rtlCol="0" anchor="ctr"/>
-          <a:lstStyle/>
-          <a:p>
-            <a:pPr algn="ctr"/>
-            <a:r>
-              <a:rPr lang="en-US" dirty="0" err="1"/>
-              <a:t>macos</a:t>
-            </a:r>
-            <a:r>
-              <a:rPr lang="en-US" dirty="0"/>
-              <a:t>/</a:t>
-            </a:r>
-            <a:r>
-              <a:rPr lang="en-US" dirty="0" err="1"/>
-              <a:t>CoreGraphics</a:t>
-            </a:r>
-            <a:endParaRPr lang="en-US" dirty="0"/>
-          </a:p>
-        </p:txBody>
-      </p:sp>
-      <p:cxnSp>
-        <p:nvCxnSpPr>
-          <p:cNvPr id="62" name="Connector: Curved 61">
-            <a:extLst>
-              <a:ext uri="{FF2B5EF4-FFF2-40B4-BE49-F238E27FC236}">
-                <a16:creationId xmlns:a16="http://schemas.microsoft.com/office/drawing/2014/main" id="{5F5A2450-08EA-C5B5-4DAA-F172AF41F009}"/>
-              </a:ext>
-            </a:extLst>
-          </p:cNvPr>
-          <p:cNvCxnSpPr>
-            <a:stCxn id="4" idx="3"/>
-            <a:endCxn id="6" idx="1"/>
-          </p:cNvCxnSpPr>
-          <p:nvPr/>
-        </p:nvCxnSpPr>
-        <p:spPr>
-          <a:xfrm flipV="1">
-            <a:off x="4199859" y="4455607"/>
-            <a:ext cx="1193804" cy="1937255"/>
-          </a:xfrm>
-          <a:prstGeom prst="curvedConnector3">
-            <a:avLst/>
-          </a:prstGeom>
-          <a:ln>
-            <a:tailEnd type="triangle"/>
-          </a:ln>
-        </p:spPr>
-        <p:style>
-          <a:lnRef idx="2">
-            <a:schemeClr val="accent2"/>
-          </a:lnRef>
-          <a:fillRef idx="0">
-            <a:schemeClr val="accent2"/>
-          </a:fillRef>
-          <a:effectRef idx="1">
-            <a:schemeClr val="accent2"/>
-          </a:effectRef>
-          <a:fontRef idx="minor">
-            <a:schemeClr val="tx1"/>
-          </a:fontRef>
-        </p:style>
-      </p:cxnSp>
-      <p:cxnSp>
-        <p:nvCxnSpPr>
-          <p:cNvPr id="64" name="Connector: Curved 63">
-            <a:extLst>
-              <a:ext uri="{FF2B5EF4-FFF2-40B4-BE49-F238E27FC236}">
-                <a16:creationId xmlns:a16="http://schemas.microsoft.com/office/drawing/2014/main" id="{6188A4D1-3E20-2B53-C7E9-6B019C4D12C4}"/>
-              </a:ext>
-            </a:extLst>
-          </p:cNvPr>
-          <p:cNvCxnSpPr>
-            <a:stCxn id="4" idx="3"/>
-            <a:endCxn id="7" idx="1"/>
-          </p:cNvCxnSpPr>
-          <p:nvPr/>
-        </p:nvCxnSpPr>
-        <p:spPr>
-          <a:xfrm flipV="1">
-            <a:off x="4199859" y="5103307"/>
-            <a:ext cx="1193804" cy="1289555"/>
-          </a:xfrm>
-          <a:prstGeom prst="curvedConnector3">
-            <a:avLst/>
-          </a:prstGeom>
-          <a:ln>
-            <a:tailEnd type="triangle"/>
-          </a:ln>
-        </p:spPr>
-        <p:style>
-          <a:lnRef idx="2">
-            <a:schemeClr val="accent2"/>
-          </a:lnRef>
-          <a:fillRef idx="0">
-            <a:schemeClr val="accent2"/>
-          </a:fillRef>
-          <a:effectRef idx="1">
-            <a:schemeClr val="accent2"/>
-          </a:effectRef>
-          <a:fontRef idx="minor">
-            <a:schemeClr val="tx1"/>
-          </a:fontRef>
-        </p:style>
-      </p:cxnSp>
-      <p:cxnSp>
-        <p:nvCxnSpPr>
-          <p:cNvPr id="66" name="Connector: Curved 65">
-            <a:extLst>
-              <a:ext uri="{FF2B5EF4-FFF2-40B4-BE49-F238E27FC236}">
-                <a16:creationId xmlns:a16="http://schemas.microsoft.com/office/drawing/2014/main" id="{E7943C92-55EA-3F97-A64E-27CAF3A287BA}"/>
-              </a:ext>
-            </a:extLst>
-          </p:cNvPr>
-          <p:cNvCxnSpPr>
-            <a:stCxn id="4" idx="3"/>
-            <a:endCxn id="8" idx="1"/>
-          </p:cNvCxnSpPr>
-          <p:nvPr/>
-        </p:nvCxnSpPr>
-        <p:spPr>
-          <a:xfrm flipV="1">
-            <a:off x="4199859" y="5751007"/>
-            <a:ext cx="1193804" cy="641855"/>
-          </a:xfrm>
-          <a:prstGeom prst="curvedConnector3">
-            <a:avLst/>
-          </a:prstGeom>
-          <a:ln>
-            <a:prstDash val="dash"/>
-            <a:tailEnd type="triangle"/>
-          </a:ln>
-        </p:spPr>
-        <p:style>
-          <a:lnRef idx="2">
-            <a:schemeClr val="accent2"/>
-          </a:lnRef>
-          <a:fillRef idx="0">
-            <a:schemeClr val="accent2"/>
-          </a:fillRef>
-          <a:effectRef idx="1">
-            <a:schemeClr val="accent2"/>
-          </a:effectRef>
-          <a:fontRef idx="minor">
-            <a:schemeClr val="tx1"/>
-          </a:fontRef>
-        </p:style>
-      </p:cxnSp>
-      <p:cxnSp>
-        <p:nvCxnSpPr>
-          <p:cNvPr id="68" name="Connector: Curved 67">
-            <a:extLst>
-              <a:ext uri="{FF2B5EF4-FFF2-40B4-BE49-F238E27FC236}">
-                <a16:creationId xmlns:a16="http://schemas.microsoft.com/office/drawing/2014/main" id="{58A70CB7-B297-222D-97E4-DF520C4E40DF}"/>
-              </a:ext>
-            </a:extLst>
-          </p:cNvPr>
-          <p:cNvCxnSpPr>
-            <a:stCxn id="4" idx="3"/>
-            <a:endCxn id="9" idx="1"/>
-          </p:cNvCxnSpPr>
-          <p:nvPr/>
-        </p:nvCxnSpPr>
-        <p:spPr>
-          <a:xfrm flipV="1">
-            <a:off x="4199859" y="6392358"/>
-            <a:ext cx="1193804" cy="504"/>
-          </a:xfrm>
-          <a:prstGeom prst="curvedConnector3">
-            <a:avLst>
-              <a:gd name="adj1" fmla="val 50000"/>
-            </a:avLst>
-          </a:prstGeom>
-          <a:ln>
-            <a:prstDash val="dash"/>
-            <a:tailEnd type="triangle"/>
-          </a:ln>
-        </p:spPr>
-        <p:style>
-          <a:lnRef idx="2">
-            <a:schemeClr val="accent2"/>
-          </a:lnRef>
-          <a:fillRef idx="0">
-            <a:schemeClr val="accent2"/>
-          </a:fillRef>
-          <a:effectRef idx="1">
-            <a:schemeClr val="accent2"/>
-          </a:effectRef>
-          <a:fontRef idx="minor">
-            <a:schemeClr val="tx1"/>
-          </a:fontRef>
-        </p:style>
-      </p:cxnSp>
-      <p:sp>
-        <p:nvSpPr>
-          <p:cNvPr id="123" name="TextBox 122">
-            <a:extLst>
-              <a:ext uri="{FF2B5EF4-FFF2-40B4-BE49-F238E27FC236}">
-                <a16:creationId xmlns:a16="http://schemas.microsoft.com/office/drawing/2014/main" id="{9EC65D63-66D7-78A6-0CBB-585E8C54D959}"/>
-              </a:ext>
-            </a:extLst>
-          </p:cNvPr>
-          <p:cNvSpPr txBox="1"/>
-          <p:nvPr/>
-        </p:nvSpPr>
-        <p:spPr>
-          <a:xfrm>
-            <a:off x="7990813" y="4267766"/>
-            <a:ext cx="4035079" cy="369332"/>
-          </a:xfrm>
-          <a:prstGeom prst="rect">
-            <a:avLst/>
-          </a:prstGeom>
-          <a:noFill/>
-        </p:spPr>
-        <p:txBody>
-          <a:bodyPr wrap="none" rtlCol="0">
-            <a:spAutoFit/>
-          </a:bodyPr>
-          <a:lstStyle/>
-          <a:p>
-            <a:r>
-              <a:rPr lang="en-US" dirty="0"/>
-              <a:t>SetupRawWindowsDirect2DRenderer();</a:t>
-            </a:r>
-          </a:p>
-        </p:txBody>
-      </p:sp>
-      <p:sp>
-        <p:nvSpPr>
-          <p:cNvPr id="124" name="TextBox 123">
-            <a:extLst>
-              <a:ext uri="{FF2B5EF4-FFF2-40B4-BE49-F238E27FC236}">
-                <a16:creationId xmlns:a16="http://schemas.microsoft.com/office/drawing/2014/main" id="{95BAC3A5-0DFA-E805-8D1D-7782C1DD196B}"/>
-              </a:ext>
-            </a:extLst>
-          </p:cNvPr>
-          <p:cNvSpPr txBox="1"/>
-          <p:nvPr/>
-        </p:nvSpPr>
-        <p:spPr>
-          <a:xfrm>
-            <a:off x="7990813" y="4917053"/>
-            <a:ext cx="3541354" cy="369332"/>
-          </a:xfrm>
-          <a:prstGeom prst="rect">
-            <a:avLst/>
-          </a:prstGeom>
-          <a:noFill/>
-        </p:spPr>
-        <p:txBody>
-          <a:bodyPr wrap="none" rtlCol="0">
-            <a:spAutoFit/>
-          </a:bodyPr>
-          <a:lstStyle/>
-          <a:p>
-            <a:r>
-              <a:rPr lang="en-US" dirty="0" err="1"/>
-              <a:t>SetupRawWindowsGDIRenderer</a:t>
-            </a:r>
-            <a:r>
-              <a:rPr lang="en-US" dirty="0"/>
-              <a:t>();</a:t>
-            </a:r>
-          </a:p>
-        </p:txBody>
-      </p:sp>
-      <p:sp>
-        <p:nvSpPr>
-          <p:cNvPr id="20" name="Rectangle: Rounded Corners 19">
-            <a:extLst>
-              <a:ext uri="{FF2B5EF4-FFF2-40B4-BE49-F238E27FC236}">
-                <a16:creationId xmlns:a16="http://schemas.microsoft.com/office/drawing/2014/main" id="{0C7DD046-A75D-8129-F936-39CACE491DF0}"/>
-              </a:ext>
-            </a:extLst>
-          </p:cNvPr>
-          <p:cNvSpPr/>
-          <p:nvPr/>
-        </p:nvSpPr>
-        <p:spPr>
-          <a:xfrm>
-            <a:off x="3469613" y="511195"/>
-            <a:ext cx="1917700" cy="533400"/>
-          </a:xfrm>
-          <a:prstGeom prst="roundRect">
-            <a:avLst/>
-          </a:prstGeom>
-        </p:spPr>
-        <p:style>
-          <a:lnRef idx="2">
-            <a:schemeClr val="accent1">
-              <a:shade val="15000"/>
-            </a:schemeClr>
-          </a:lnRef>
-          <a:fillRef idx="1">
-            <a:schemeClr val="accent1"/>
-          </a:fillRef>
-          <a:effectRef idx="0">
-            <a:schemeClr val="accent1"/>
-          </a:effectRef>
-          <a:fontRef idx="minor">
-            <a:schemeClr val="lt1"/>
-          </a:fontRef>
-        </p:style>
-        <p:txBody>
-          <a:bodyPr rtlCol="0" anchor="ctr"/>
-          <a:lstStyle/>
-          <a:p>
-            <a:pPr algn="ctr"/>
-            <a:r>
-              <a:rPr lang="en-US" dirty="0" err="1"/>
-              <a:t>GuiApplication</a:t>
-            </a:r>
-            <a:endParaRPr lang="en-US" dirty="0"/>
-          </a:p>
-        </p:txBody>
-      </p:sp>
-      <p:sp>
-        <p:nvSpPr>
-          <p:cNvPr id="2" name="Rectangle: Rounded Corners 1">
-            <a:extLst>
-              <a:ext uri="{FF2B5EF4-FFF2-40B4-BE49-F238E27FC236}">
-                <a16:creationId xmlns:a16="http://schemas.microsoft.com/office/drawing/2014/main" id="{A494B565-203A-F33A-0010-E372ED1BD6FF}"/>
-              </a:ext>
-            </a:extLst>
-          </p:cNvPr>
-          <p:cNvSpPr/>
-          <p:nvPr/>
-        </p:nvSpPr>
-        <p:spPr>
-          <a:xfrm>
-            <a:off x="606119" y="5101719"/>
-            <a:ext cx="2996838" cy="533400"/>
-          </a:xfrm>
-          <a:prstGeom prst="roundRect">
-            <a:avLst/>
-          </a:prstGeom>
-        </p:spPr>
-        <p:style>
-          <a:lnRef idx="2">
-            <a:schemeClr val="accent1">
-              <a:shade val="15000"/>
-            </a:schemeClr>
-          </a:lnRef>
-          <a:fillRef idx="1">
-            <a:schemeClr val="accent1"/>
-          </a:fillRef>
-          <a:effectRef idx="0">
-            <a:schemeClr val="accent1"/>
-          </a:effectRef>
-          <a:fontRef idx="minor">
-            <a:schemeClr val="lt1"/>
-          </a:fontRef>
-        </p:style>
-        <p:txBody>
-          <a:bodyPr rtlCol="0" anchor="ctr"/>
-          <a:lstStyle/>
-          <a:p>
-            <a:pPr algn="ctr"/>
-            <a:r>
-              <a:rPr lang="en-US" dirty="0" err="1"/>
-              <a:t>GuiRemoteRendererSingle</a:t>
-            </a:r>
-            <a:endParaRPr lang="en-US" dirty="0"/>
-          </a:p>
-        </p:txBody>
-      </p:sp>
-      <p:cxnSp>
-        <p:nvCxnSpPr>
-          <p:cNvPr id="5" name="Connector: Curved 4">
-            <a:extLst>
-              <a:ext uri="{FF2B5EF4-FFF2-40B4-BE49-F238E27FC236}">
-                <a16:creationId xmlns:a16="http://schemas.microsoft.com/office/drawing/2014/main" id="{2D668C16-B710-C90D-2634-85E55448676A}"/>
-              </a:ext>
-            </a:extLst>
-          </p:cNvPr>
-          <p:cNvCxnSpPr>
-            <a:endCxn id="4" idx="1"/>
-          </p:cNvCxnSpPr>
-          <p:nvPr/>
-        </p:nvCxnSpPr>
-        <p:spPr>
-          <a:xfrm rot="16200000" flipH="1">
-            <a:off x="1814477" y="5925179"/>
-            <a:ext cx="757743" cy="177621"/>
-          </a:xfrm>
-          <a:prstGeom prst="curvedConnector2">
-            <a:avLst/>
-          </a:prstGeom>
-          <a:ln w="19050">
-            <a:tailEnd type="triangle"/>
-          </a:ln>
-        </p:spPr>
-        <p:style>
-          <a:lnRef idx="1">
-            <a:schemeClr val="accent1"/>
-          </a:lnRef>
-          <a:fillRef idx="0">
-            <a:schemeClr val="accent1"/>
-          </a:fillRef>
-          <a:effectRef idx="0">
-            <a:schemeClr val="accent1"/>
-          </a:effectRef>
-          <a:fontRef idx="minor">
-            <a:schemeClr val="tx1"/>
-          </a:fontRef>
-        </p:style>
-      </p:cxnSp>
-      <p:sp>
-        <p:nvSpPr>
-          <p:cNvPr id="10" name="Rectangle: Rounded Corners 9">
-            <a:extLst>
-              <a:ext uri="{FF2B5EF4-FFF2-40B4-BE49-F238E27FC236}">
-                <a16:creationId xmlns:a16="http://schemas.microsoft.com/office/drawing/2014/main" id="{1CA20086-336A-2EB8-69AE-A22FFCD11815}"/>
-              </a:ext>
-            </a:extLst>
-          </p:cNvPr>
-          <p:cNvSpPr/>
-          <p:nvPr/>
-        </p:nvSpPr>
-        <p:spPr>
-          <a:xfrm>
-            <a:off x="3469613" y="1427189"/>
-            <a:ext cx="1917700" cy="533400"/>
-          </a:xfrm>
-          <a:prstGeom prst="roundRect">
-            <a:avLst/>
-          </a:prstGeom>
-        </p:spPr>
-        <p:style>
-          <a:lnRef idx="2">
-            <a:schemeClr val="accent2">
-              <a:shade val="15000"/>
-            </a:schemeClr>
-          </a:lnRef>
-          <a:fillRef idx="1">
-            <a:schemeClr val="accent2"/>
-          </a:fillRef>
-          <a:effectRef idx="0">
-            <a:schemeClr val="accent2"/>
-          </a:effectRef>
-          <a:fontRef idx="minor">
-            <a:schemeClr val="lt1"/>
-          </a:fontRef>
-        </p:style>
-        <p:txBody>
-          <a:bodyPr rtlCol="0" anchor="ctr"/>
-          <a:lstStyle/>
-          <a:p>
-            <a:pPr algn="ctr"/>
-            <a:r>
-              <a:rPr lang="en-US" dirty="0"/>
-              <a:t>Hosted Mode</a:t>
-            </a:r>
-          </a:p>
-        </p:txBody>
-      </p:sp>
-      <p:sp>
-        <p:nvSpPr>
-          <p:cNvPr id="11" name="Rectangle: Rounded Corners 10">
-            <a:extLst>
-              <a:ext uri="{FF2B5EF4-FFF2-40B4-BE49-F238E27FC236}">
-                <a16:creationId xmlns:a16="http://schemas.microsoft.com/office/drawing/2014/main" id="{050A93D4-F113-F041-FFB7-FEA424720AAD}"/>
-              </a:ext>
-            </a:extLst>
-          </p:cNvPr>
-          <p:cNvSpPr/>
-          <p:nvPr/>
-        </p:nvSpPr>
-        <p:spPr>
-          <a:xfrm>
-            <a:off x="3275938" y="2343183"/>
-            <a:ext cx="2317750" cy="533400"/>
-          </a:xfrm>
-          <a:prstGeom prst="roundRect">
-            <a:avLst/>
-          </a:prstGeom>
-        </p:spPr>
-        <p:style>
-          <a:lnRef idx="2">
-            <a:schemeClr val="accent4">
-              <a:shade val="15000"/>
-            </a:schemeClr>
-          </a:lnRef>
-          <a:fillRef idx="1">
-            <a:schemeClr val="accent4"/>
-          </a:fillRef>
-          <a:effectRef idx="0">
-            <a:schemeClr val="accent4"/>
-          </a:effectRef>
-          <a:fontRef idx="minor">
-            <a:schemeClr val="lt1"/>
-          </a:fontRef>
-        </p:style>
-        <p:txBody>
-          <a:bodyPr rtlCol="0" anchor="ctr"/>
-          <a:lstStyle/>
-          <a:p>
-            <a:pPr algn="ctr"/>
-            <a:r>
-              <a:rPr lang="en-US" dirty="0"/>
-              <a:t>Remote Protocol</a:t>
-            </a:r>
-          </a:p>
-        </p:txBody>
-      </p:sp>
-      <p:sp>
-        <p:nvSpPr>
-          <p:cNvPr id="12" name="TextBox 11">
-            <a:extLst>
-              <a:ext uri="{FF2B5EF4-FFF2-40B4-BE49-F238E27FC236}">
-                <a16:creationId xmlns:a16="http://schemas.microsoft.com/office/drawing/2014/main" id="{8747468B-751E-51B9-0756-97F531EA4064}"/>
-              </a:ext>
-            </a:extLst>
-          </p:cNvPr>
-          <p:cNvSpPr txBox="1"/>
-          <p:nvPr/>
-        </p:nvSpPr>
-        <p:spPr>
-          <a:xfrm>
-            <a:off x="5839671" y="2425217"/>
-            <a:ext cx="5424883" cy="369332"/>
-          </a:xfrm>
-          <a:prstGeom prst="rect">
-            <a:avLst/>
-          </a:prstGeom>
-          <a:noFill/>
-        </p:spPr>
-        <p:txBody>
-          <a:bodyPr wrap="none" rtlCol="0">
-            <a:spAutoFit/>
-          </a:bodyPr>
-          <a:lstStyle/>
-          <a:p>
-            <a:r>
-              <a:rPr lang="en-US" dirty="0" err="1"/>
-              <a:t>SetupRemoteNativeController</a:t>
-            </a:r>
-            <a:r>
-              <a:rPr lang="en-US" dirty="0"/>
-              <a:t>(</a:t>
-            </a:r>
-            <a:r>
-              <a:rPr lang="en-US" dirty="0" err="1"/>
-              <a:t>IGuiRemoteProtocol</a:t>
-            </a:r>
-            <a:r>
-              <a:rPr lang="en-US" dirty="0"/>
-              <a:t>*);</a:t>
-            </a:r>
-          </a:p>
-        </p:txBody>
-      </p:sp>
-      <p:cxnSp>
-        <p:nvCxnSpPr>
-          <p:cNvPr id="14" name="Connector: Curved 13">
-            <a:extLst>
-              <a:ext uri="{FF2B5EF4-FFF2-40B4-BE49-F238E27FC236}">
-                <a16:creationId xmlns:a16="http://schemas.microsoft.com/office/drawing/2014/main" id="{76C301D5-6F80-6B01-B407-2058BDFE49FA}"/>
-              </a:ext>
-            </a:extLst>
-          </p:cNvPr>
-          <p:cNvCxnSpPr>
-            <a:stCxn id="20" idx="2"/>
-            <a:endCxn id="10" idx="0"/>
-          </p:cNvCxnSpPr>
-          <p:nvPr/>
-        </p:nvCxnSpPr>
-        <p:spPr>
-          <a:xfrm rot="5400000">
-            <a:off x="4237166" y="1235892"/>
-            <a:ext cx="382594" cy="12700"/>
-          </a:xfrm>
-          <a:prstGeom prst="curvedConnector3">
-            <a:avLst/>
-          </a:prstGeom>
-          <a:ln w="19050">
-            <a:tailEnd type="triangle"/>
-          </a:ln>
-        </p:spPr>
-        <p:style>
-          <a:lnRef idx="1">
-            <a:schemeClr val="accent1"/>
-          </a:lnRef>
-          <a:fillRef idx="0">
-            <a:schemeClr val="accent1"/>
-          </a:fillRef>
-          <a:effectRef idx="0">
-            <a:schemeClr val="accent1"/>
-          </a:effectRef>
-          <a:fontRef idx="minor">
-            <a:schemeClr val="tx1"/>
-          </a:fontRef>
-        </p:style>
-      </p:cxnSp>
-      <p:cxnSp>
-        <p:nvCxnSpPr>
-          <p:cNvPr id="18" name="Connector: Curved 17">
-            <a:extLst>
-              <a:ext uri="{FF2B5EF4-FFF2-40B4-BE49-F238E27FC236}">
-                <a16:creationId xmlns:a16="http://schemas.microsoft.com/office/drawing/2014/main" id="{E7512DF5-BDB3-74BD-C18D-BA90A1AB537F}"/>
-              </a:ext>
-            </a:extLst>
-          </p:cNvPr>
-          <p:cNvCxnSpPr>
-            <a:stCxn id="10" idx="2"/>
-            <a:endCxn id="11" idx="0"/>
-          </p:cNvCxnSpPr>
-          <p:nvPr/>
-        </p:nvCxnSpPr>
-        <p:spPr>
-          <a:xfrm rot="16200000" flipH="1">
-            <a:off x="4240341" y="2148711"/>
-            <a:ext cx="382594" cy="6350"/>
-          </a:xfrm>
-          <a:prstGeom prst="curvedConnector3">
-            <a:avLst/>
-          </a:prstGeom>
-          <a:ln w="19050">
-            <a:tailEnd type="triangle"/>
-          </a:ln>
-        </p:spPr>
-        <p:style>
-          <a:lnRef idx="1">
-            <a:schemeClr val="accent2"/>
-          </a:lnRef>
-          <a:fillRef idx="0">
-            <a:schemeClr val="accent2"/>
-          </a:fillRef>
-          <a:effectRef idx="0">
-            <a:schemeClr val="accent2"/>
-          </a:effectRef>
-          <a:fontRef idx="minor">
-            <a:schemeClr val="tx1"/>
-          </a:fontRef>
-        </p:style>
-      </p:cxnSp>
+        </p:grpSpPr>
+        <p:sp>
+          <p:nvSpPr>
+            <p:cNvPr id="4" name="Rectangle: Rounded Corners 3">
+              <a:extLst>
+                <a:ext uri="{FF2B5EF4-FFF2-40B4-BE49-F238E27FC236}">
+                  <a16:creationId xmlns:a16="http://schemas.microsoft.com/office/drawing/2014/main" id="{4C4030E4-83D1-81F8-E3F2-083324AEBBD9}"/>
+                </a:ext>
+              </a:extLst>
+            </p:cNvPr>
+            <p:cNvSpPr/>
+            <p:nvPr/>
+          </p:nvSpPr>
+          <p:spPr>
+            <a:xfrm>
+              <a:off x="2282159" y="6126162"/>
+              <a:ext cx="1917700" cy="533400"/>
+            </a:xfrm>
+            <a:prstGeom prst="roundRect">
+              <a:avLst/>
+            </a:prstGeom>
+          </p:spPr>
+          <p:style>
+            <a:lnRef idx="2">
+              <a:schemeClr val="accent2">
+                <a:shade val="15000"/>
+              </a:schemeClr>
+            </a:lnRef>
+            <a:fillRef idx="1">
+              <a:schemeClr val="accent2"/>
+            </a:fillRef>
+            <a:effectRef idx="0">
+              <a:schemeClr val="accent2"/>
+            </a:effectRef>
+            <a:fontRef idx="minor">
+              <a:schemeClr val="lt1"/>
+            </a:fontRef>
+          </p:style>
+          <p:txBody>
+            <a:bodyPr rtlCol="0" anchor="ctr"/>
+            <a:lstStyle/>
+            <a:p>
+              <a:pPr algn="ctr"/>
+              <a:r>
+                <a:rPr lang="en-US" dirty="0"/>
+                <a:t>Hosted Mode</a:t>
+              </a:r>
+            </a:p>
+          </p:txBody>
+        </p:sp>
+        <p:sp>
+          <p:nvSpPr>
+            <p:cNvPr id="6" name="Rectangle: Rounded Corners 5">
+              <a:extLst>
+                <a:ext uri="{FF2B5EF4-FFF2-40B4-BE49-F238E27FC236}">
+                  <a16:creationId xmlns:a16="http://schemas.microsoft.com/office/drawing/2014/main" id="{A8272C19-4061-4625-990E-653723D0EB91}"/>
+                </a:ext>
+              </a:extLst>
+            </p:cNvPr>
+            <p:cNvSpPr/>
+            <p:nvPr/>
+          </p:nvSpPr>
+          <p:spPr>
+            <a:xfrm>
+              <a:off x="5393663" y="4188907"/>
+              <a:ext cx="2317750" cy="533400"/>
+            </a:xfrm>
+            <a:prstGeom prst="roundRect">
+              <a:avLst/>
+            </a:prstGeom>
+          </p:spPr>
+          <p:style>
+            <a:lnRef idx="2">
+              <a:schemeClr val="accent6">
+                <a:shade val="15000"/>
+              </a:schemeClr>
+            </a:lnRef>
+            <a:fillRef idx="1">
+              <a:schemeClr val="accent6"/>
+            </a:fillRef>
+            <a:effectRef idx="0">
+              <a:schemeClr val="accent6"/>
+            </a:effectRef>
+            <a:fontRef idx="minor">
+              <a:schemeClr val="lt1"/>
+            </a:fontRef>
+          </p:style>
+          <p:txBody>
+            <a:bodyPr rtlCol="0" anchor="ctr"/>
+            <a:lstStyle/>
+            <a:p>
+              <a:pPr algn="ctr"/>
+              <a:r>
+                <a:rPr lang="en-US" dirty="0"/>
+                <a:t>Windows/Direct2D</a:t>
+              </a:r>
+            </a:p>
+          </p:txBody>
+        </p:sp>
+        <p:sp>
+          <p:nvSpPr>
+            <p:cNvPr id="7" name="Rectangle: Rounded Corners 6">
+              <a:extLst>
+                <a:ext uri="{FF2B5EF4-FFF2-40B4-BE49-F238E27FC236}">
+                  <a16:creationId xmlns:a16="http://schemas.microsoft.com/office/drawing/2014/main" id="{09B8ED85-85FC-2798-6827-D052FD95E635}"/>
+                </a:ext>
+              </a:extLst>
+            </p:cNvPr>
+            <p:cNvSpPr/>
+            <p:nvPr/>
+          </p:nvSpPr>
+          <p:spPr>
+            <a:xfrm>
+              <a:off x="5393663" y="4836607"/>
+              <a:ext cx="2317750" cy="533400"/>
+            </a:xfrm>
+            <a:prstGeom prst="roundRect">
+              <a:avLst/>
+            </a:prstGeom>
+          </p:spPr>
+          <p:style>
+            <a:lnRef idx="2">
+              <a:schemeClr val="accent6">
+                <a:shade val="15000"/>
+              </a:schemeClr>
+            </a:lnRef>
+            <a:fillRef idx="1">
+              <a:schemeClr val="accent6"/>
+            </a:fillRef>
+            <a:effectRef idx="0">
+              <a:schemeClr val="accent6"/>
+            </a:effectRef>
+            <a:fontRef idx="minor">
+              <a:schemeClr val="lt1"/>
+            </a:fontRef>
+          </p:style>
+          <p:txBody>
+            <a:bodyPr rtlCol="0" anchor="ctr"/>
+            <a:lstStyle/>
+            <a:p>
+              <a:pPr algn="ctr"/>
+              <a:r>
+                <a:rPr lang="en-US" dirty="0"/>
+                <a:t>Windows/GDI</a:t>
+              </a:r>
+            </a:p>
+          </p:txBody>
+        </p:sp>
+        <p:sp>
+          <p:nvSpPr>
+            <p:cNvPr id="8" name="Rectangle: Rounded Corners 7">
+              <a:extLst>
+                <a:ext uri="{FF2B5EF4-FFF2-40B4-BE49-F238E27FC236}">
+                  <a16:creationId xmlns:a16="http://schemas.microsoft.com/office/drawing/2014/main" id="{F1590ACC-1DFB-A1F3-1703-6EBB16DDD7CD}"/>
+                </a:ext>
+              </a:extLst>
+            </p:cNvPr>
+            <p:cNvSpPr/>
+            <p:nvPr/>
+          </p:nvSpPr>
+          <p:spPr>
+            <a:xfrm>
+              <a:off x="5393663" y="5484307"/>
+              <a:ext cx="2317750" cy="533400"/>
+            </a:xfrm>
+            <a:prstGeom prst="roundRect">
+              <a:avLst/>
+            </a:prstGeom>
+          </p:spPr>
+          <p:style>
+            <a:lnRef idx="2">
+              <a:schemeClr val="accent6">
+                <a:shade val="15000"/>
+              </a:schemeClr>
+            </a:lnRef>
+            <a:fillRef idx="1">
+              <a:schemeClr val="accent6"/>
+            </a:fillRef>
+            <a:effectRef idx="0">
+              <a:schemeClr val="accent6"/>
+            </a:effectRef>
+            <a:fontRef idx="minor">
+              <a:schemeClr val="lt1"/>
+            </a:fontRef>
+          </p:style>
+          <p:txBody>
+            <a:bodyPr rtlCol="0" anchor="ctr"/>
+            <a:lstStyle/>
+            <a:p>
+              <a:pPr algn="ctr"/>
+              <a:r>
+                <a:rPr lang="en-US" dirty="0"/>
+                <a:t>Linux/</a:t>
+              </a:r>
+              <a:r>
+                <a:rPr lang="en-US" dirty="0" err="1"/>
+                <a:t>Gtk</a:t>
+              </a:r>
+              <a:endParaRPr lang="en-US" dirty="0"/>
+            </a:p>
+          </p:txBody>
+        </p:sp>
+        <p:sp>
+          <p:nvSpPr>
+            <p:cNvPr id="9" name="Rectangle: Rounded Corners 8">
+              <a:extLst>
+                <a:ext uri="{FF2B5EF4-FFF2-40B4-BE49-F238E27FC236}">
+                  <a16:creationId xmlns:a16="http://schemas.microsoft.com/office/drawing/2014/main" id="{F1EB2146-55A3-F57D-F816-6CE7BC70CE9D}"/>
+                </a:ext>
+              </a:extLst>
+            </p:cNvPr>
+            <p:cNvSpPr/>
+            <p:nvPr/>
+          </p:nvSpPr>
+          <p:spPr>
+            <a:xfrm>
+              <a:off x="5393663" y="6125658"/>
+              <a:ext cx="2317750" cy="533400"/>
+            </a:xfrm>
+            <a:prstGeom prst="roundRect">
+              <a:avLst/>
+            </a:prstGeom>
+          </p:spPr>
+          <p:style>
+            <a:lnRef idx="2">
+              <a:schemeClr val="accent6">
+                <a:shade val="15000"/>
+              </a:schemeClr>
+            </a:lnRef>
+            <a:fillRef idx="1">
+              <a:schemeClr val="accent6"/>
+            </a:fillRef>
+            <a:effectRef idx="0">
+              <a:schemeClr val="accent6"/>
+            </a:effectRef>
+            <a:fontRef idx="minor">
+              <a:schemeClr val="lt1"/>
+            </a:fontRef>
+          </p:style>
+          <p:txBody>
+            <a:bodyPr rtlCol="0" anchor="ctr"/>
+            <a:lstStyle/>
+            <a:p>
+              <a:pPr algn="ctr"/>
+              <a:r>
+                <a:rPr lang="en-US" dirty="0" err="1"/>
+                <a:t>macos</a:t>
+              </a:r>
+              <a:r>
+                <a:rPr lang="en-US" dirty="0"/>
+                <a:t>/</a:t>
+              </a:r>
+              <a:r>
+                <a:rPr lang="en-US" dirty="0" err="1"/>
+                <a:t>CoreGraphics</a:t>
+              </a:r>
+              <a:endParaRPr lang="en-US" dirty="0"/>
+            </a:p>
+          </p:txBody>
+        </p:sp>
+        <p:cxnSp>
+          <p:nvCxnSpPr>
+            <p:cNvPr id="62" name="Connector: Curved 61">
+              <a:extLst>
+                <a:ext uri="{FF2B5EF4-FFF2-40B4-BE49-F238E27FC236}">
+                  <a16:creationId xmlns:a16="http://schemas.microsoft.com/office/drawing/2014/main" id="{5F5A2450-08EA-C5B5-4DAA-F172AF41F009}"/>
+                </a:ext>
+              </a:extLst>
+            </p:cNvPr>
+            <p:cNvCxnSpPr>
+              <a:stCxn id="4" idx="3"/>
+              <a:endCxn id="6" idx="1"/>
+            </p:cNvCxnSpPr>
+            <p:nvPr/>
+          </p:nvCxnSpPr>
+          <p:spPr>
+            <a:xfrm flipV="1">
+              <a:off x="4199859" y="4455607"/>
+              <a:ext cx="1193804" cy="1937255"/>
+            </a:xfrm>
+            <a:prstGeom prst="curvedConnector3">
+              <a:avLst/>
+            </a:prstGeom>
+            <a:ln>
+              <a:tailEnd type="triangle"/>
+            </a:ln>
+          </p:spPr>
+          <p:style>
+            <a:lnRef idx="2">
+              <a:schemeClr val="accent2"/>
+            </a:lnRef>
+            <a:fillRef idx="0">
+              <a:schemeClr val="accent2"/>
+            </a:fillRef>
+            <a:effectRef idx="1">
+              <a:schemeClr val="accent2"/>
+            </a:effectRef>
+            <a:fontRef idx="minor">
+              <a:schemeClr val="tx1"/>
+            </a:fontRef>
+          </p:style>
+        </p:cxnSp>
+        <p:cxnSp>
+          <p:nvCxnSpPr>
+            <p:cNvPr id="64" name="Connector: Curved 63">
+              <a:extLst>
+                <a:ext uri="{FF2B5EF4-FFF2-40B4-BE49-F238E27FC236}">
+                  <a16:creationId xmlns:a16="http://schemas.microsoft.com/office/drawing/2014/main" id="{6188A4D1-3E20-2B53-C7E9-6B019C4D12C4}"/>
+                </a:ext>
+              </a:extLst>
+            </p:cNvPr>
+            <p:cNvCxnSpPr>
+              <a:stCxn id="4" idx="3"/>
+              <a:endCxn id="7" idx="1"/>
+            </p:cNvCxnSpPr>
+            <p:nvPr/>
+          </p:nvCxnSpPr>
+          <p:spPr>
+            <a:xfrm flipV="1">
+              <a:off x="4199859" y="5103307"/>
+              <a:ext cx="1193804" cy="1289555"/>
+            </a:xfrm>
+            <a:prstGeom prst="curvedConnector3">
+              <a:avLst/>
+            </a:prstGeom>
+            <a:ln>
+              <a:tailEnd type="triangle"/>
+            </a:ln>
+          </p:spPr>
+          <p:style>
+            <a:lnRef idx="2">
+              <a:schemeClr val="accent2"/>
+            </a:lnRef>
+            <a:fillRef idx="0">
+              <a:schemeClr val="accent2"/>
+            </a:fillRef>
+            <a:effectRef idx="1">
+              <a:schemeClr val="accent2"/>
+            </a:effectRef>
+            <a:fontRef idx="minor">
+              <a:schemeClr val="tx1"/>
+            </a:fontRef>
+          </p:style>
+        </p:cxnSp>
+        <p:cxnSp>
+          <p:nvCxnSpPr>
+            <p:cNvPr id="66" name="Connector: Curved 65">
+              <a:extLst>
+                <a:ext uri="{FF2B5EF4-FFF2-40B4-BE49-F238E27FC236}">
+                  <a16:creationId xmlns:a16="http://schemas.microsoft.com/office/drawing/2014/main" id="{E7943C92-55EA-3F97-A64E-27CAF3A287BA}"/>
+                </a:ext>
+              </a:extLst>
+            </p:cNvPr>
+            <p:cNvCxnSpPr>
+              <a:stCxn id="4" idx="3"/>
+              <a:endCxn id="8" idx="1"/>
+            </p:cNvCxnSpPr>
+            <p:nvPr/>
+          </p:nvCxnSpPr>
+          <p:spPr>
+            <a:xfrm flipV="1">
+              <a:off x="4199859" y="5751007"/>
+              <a:ext cx="1193804" cy="641855"/>
+            </a:xfrm>
+            <a:prstGeom prst="curvedConnector3">
+              <a:avLst/>
+            </a:prstGeom>
+            <a:ln>
+              <a:prstDash val="dash"/>
+              <a:tailEnd type="triangle"/>
+            </a:ln>
+          </p:spPr>
+          <p:style>
+            <a:lnRef idx="2">
+              <a:schemeClr val="accent2"/>
+            </a:lnRef>
+            <a:fillRef idx="0">
+              <a:schemeClr val="accent2"/>
+            </a:fillRef>
+            <a:effectRef idx="1">
+              <a:schemeClr val="accent2"/>
+            </a:effectRef>
+            <a:fontRef idx="minor">
+              <a:schemeClr val="tx1"/>
+            </a:fontRef>
+          </p:style>
+        </p:cxnSp>
+        <p:cxnSp>
+          <p:nvCxnSpPr>
+            <p:cNvPr id="68" name="Connector: Curved 67">
+              <a:extLst>
+                <a:ext uri="{FF2B5EF4-FFF2-40B4-BE49-F238E27FC236}">
+                  <a16:creationId xmlns:a16="http://schemas.microsoft.com/office/drawing/2014/main" id="{58A70CB7-B297-222D-97E4-DF520C4E40DF}"/>
+                </a:ext>
+              </a:extLst>
+            </p:cNvPr>
+            <p:cNvCxnSpPr>
+              <a:stCxn id="4" idx="3"/>
+              <a:endCxn id="9" idx="1"/>
+            </p:cNvCxnSpPr>
+            <p:nvPr/>
+          </p:nvCxnSpPr>
+          <p:spPr>
+            <a:xfrm flipV="1">
+              <a:off x="4199859" y="6392358"/>
+              <a:ext cx="1193804" cy="504"/>
+            </a:xfrm>
+            <a:prstGeom prst="curvedConnector3">
+              <a:avLst>
+                <a:gd name="adj1" fmla="val 50000"/>
+              </a:avLst>
+            </a:prstGeom>
+            <a:ln>
+              <a:prstDash val="dash"/>
+              <a:tailEnd type="triangle"/>
+            </a:ln>
+          </p:spPr>
+          <p:style>
+            <a:lnRef idx="2">
+              <a:schemeClr val="accent2"/>
+            </a:lnRef>
+            <a:fillRef idx="0">
+              <a:schemeClr val="accent2"/>
+            </a:fillRef>
+            <a:effectRef idx="1">
+              <a:schemeClr val="accent2"/>
+            </a:effectRef>
+            <a:fontRef idx="minor">
+              <a:schemeClr val="tx1"/>
+            </a:fontRef>
+          </p:style>
+        </p:cxnSp>
+        <p:sp>
+          <p:nvSpPr>
+            <p:cNvPr id="123" name="TextBox 122">
+              <a:extLst>
+                <a:ext uri="{FF2B5EF4-FFF2-40B4-BE49-F238E27FC236}">
+                  <a16:creationId xmlns:a16="http://schemas.microsoft.com/office/drawing/2014/main" id="{9EC65D63-66D7-78A6-0CBB-585E8C54D959}"/>
+                </a:ext>
+              </a:extLst>
+            </p:cNvPr>
+            <p:cNvSpPr txBox="1"/>
+            <p:nvPr/>
+          </p:nvSpPr>
+          <p:spPr>
+            <a:xfrm>
+              <a:off x="7990813" y="4267766"/>
+              <a:ext cx="4035079" cy="369332"/>
+            </a:xfrm>
+            <a:prstGeom prst="rect">
+              <a:avLst/>
+            </a:prstGeom>
+            <a:noFill/>
+          </p:spPr>
+          <p:txBody>
+            <a:bodyPr wrap="none" rtlCol="0">
+              <a:spAutoFit/>
+            </a:bodyPr>
+            <a:lstStyle/>
+            <a:p>
+              <a:r>
+                <a:rPr lang="en-US" dirty="0"/>
+                <a:t>SetupRawWindowsDirect2DRenderer();</a:t>
+              </a:r>
+            </a:p>
+          </p:txBody>
+        </p:sp>
+        <p:sp>
+          <p:nvSpPr>
+            <p:cNvPr id="124" name="TextBox 123">
+              <a:extLst>
+                <a:ext uri="{FF2B5EF4-FFF2-40B4-BE49-F238E27FC236}">
+                  <a16:creationId xmlns:a16="http://schemas.microsoft.com/office/drawing/2014/main" id="{95BAC3A5-0DFA-E805-8D1D-7782C1DD196B}"/>
+                </a:ext>
+              </a:extLst>
+            </p:cNvPr>
+            <p:cNvSpPr txBox="1"/>
+            <p:nvPr/>
+          </p:nvSpPr>
+          <p:spPr>
+            <a:xfrm>
+              <a:off x="7990813" y="4917053"/>
+              <a:ext cx="3541354" cy="369332"/>
+            </a:xfrm>
+            <a:prstGeom prst="rect">
+              <a:avLst/>
+            </a:prstGeom>
+            <a:noFill/>
+          </p:spPr>
+          <p:txBody>
+            <a:bodyPr wrap="none" rtlCol="0">
+              <a:spAutoFit/>
+            </a:bodyPr>
+            <a:lstStyle/>
+            <a:p>
+              <a:r>
+                <a:rPr lang="en-US" dirty="0" err="1"/>
+                <a:t>SetupRawWindowsGDIRenderer</a:t>
+              </a:r>
+              <a:r>
+                <a:rPr lang="en-US" dirty="0"/>
+                <a:t>();</a:t>
+              </a:r>
+            </a:p>
+          </p:txBody>
+        </p:sp>
+        <p:sp>
+          <p:nvSpPr>
+            <p:cNvPr id="2" name="Rectangle: Rounded Corners 1">
+              <a:extLst>
+                <a:ext uri="{FF2B5EF4-FFF2-40B4-BE49-F238E27FC236}">
+                  <a16:creationId xmlns:a16="http://schemas.microsoft.com/office/drawing/2014/main" id="{A494B565-203A-F33A-0010-E372ED1BD6FF}"/>
+                </a:ext>
+              </a:extLst>
+            </p:cNvPr>
+            <p:cNvSpPr/>
+            <p:nvPr/>
+          </p:nvSpPr>
+          <p:spPr>
+            <a:xfrm>
+              <a:off x="606119" y="5101719"/>
+              <a:ext cx="2996838" cy="533400"/>
+            </a:xfrm>
+            <a:prstGeom prst="roundRect">
+              <a:avLst/>
+            </a:prstGeom>
+          </p:spPr>
+          <p:style>
+            <a:lnRef idx="2">
+              <a:schemeClr val="accent1">
+                <a:shade val="15000"/>
+              </a:schemeClr>
+            </a:lnRef>
+            <a:fillRef idx="1">
+              <a:schemeClr val="accent1"/>
+            </a:fillRef>
+            <a:effectRef idx="0">
+              <a:schemeClr val="accent1"/>
+            </a:effectRef>
+            <a:fontRef idx="minor">
+              <a:schemeClr val="lt1"/>
+            </a:fontRef>
+          </p:style>
+          <p:txBody>
+            <a:bodyPr rtlCol="0" anchor="ctr"/>
+            <a:lstStyle/>
+            <a:p>
+              <a:pPr algn="ctr"/>
+              <a:r>
+                <a:rPr lang="en-US" dirty="0" err="1"/>
+                <a:t>GuiRemoteRendererSingle</a:t>
+              </a:r>
+              <a:endParaRPr lang="en-US" dirty="0"/>
+            </a:p>
+          </p:txBody>
+        </p:sp>
+        <p:cxnSp>
+          <p:nvCxnSpPr>
+            <p:cNvPr id="5" name="Connector: Curved 4">
+              <a:extLst>
+                <a:ext uri="{FF2B5EF4-FFF2-40B4-BE49-F238E27FC236}">
+                  <a16:creationId xmlns:a16="http://schemas.microsoft.com/office/drawing/2014/main" id="{2D668C16-B710-C90D-2634-85E55448676A}"/>
+                </a:ext>
+              </a:extLst>
+            </p:cNvPr>
+            <p:cNvCxnSpPr>
+              <a:endCxn id="4" idx="1"/>
+            </p:cNvCxnSpPr>
+            <p:nvPr/>
+          </p:nvCxnSpPr>
+          <p:spPr>
+            <a:xfrm rot="16200000" flipH="1">
+              <a:off x="1814477" y="5925179"/>
+              <a:ext cx="757743" cy="177621"/>
+            </a:xfrm>
+            <a:prstGeom prst="curvedConnector2">
+              <a:avLst/>
+            </a:prstGeom>
+            <a:ln w="19050">
+              <a:tailEnd type="triangle"/>
+            </a:ln>
+          </p:spPr>
+          <p:style>
+            <a:lnRef idx="1">
+              <a:schemeClr val="accent1"/>
+            </a:lnRef>
+            <a:fillRef idx="0">
+              <a:schemeClr val="accent1"/>
+            </a:fillRef>
+            <a:effectRef idx="0">
+              <a:schemeClr val="accent1"/>
+            </a:effectRef>
+            <a:fontRef idx="minor">
+              <a:schemeClr val="tx1"/>
+            </a:fontRef>
+          </p:style>
+        </p:cxnSp>
+      </p:grpSp>
       <p:cxnSp>
         <p:nvCxnSpPr>
           <p:cNvPr id="26" name="Connector: Curved 25">
@@ -19343,45 +19127,345 @@
           </a:fontRef>
         </p:style>
       </p:cxnSp>
-      <p:sp>
-        <p:nvSpPr>
-          <p:cNvPr id="27" name="TextBox 26">
+      <p:grpSp>
+        <p:nvGrpSpPr>
+          <p:cNvPr id="28" name="Group 27">
             <a:extLst>
               <a:ext uri="{FF2B5EF4-FFF2-40B4-BE49-F238E27FC236}">
-                <a16:creationId xmlns:a16="http://schemas.microsoft.com/office/drawing/2014/main" id="{EDDF35C8-2B56-933E-642C-67338C1C0DF4}"/>
+                <a16:creationId xmlns:a16="http://schemas.microsoft.com/office/drawing/2014/main" id="{62F27215-2B46-508B-D410-B4E91E03A673}"/>
               </a:ext>
             </a:extLst>
           </p:cNvPr>
-          <p:cNvSpPr txBox="1"/>
+          <p:cNvGrpSpPr/>
           <p:nvPr/>
-        </p:nvSpPr>
-        <p:spPr>
+        </p:nvGrpSpPr>
+        <p:grpSpPr>
           <a:xfrm>
-            <a:off x="2690237" y="3028469"/>
-            <a:ext cx="5508239" cy="369332"/>
+            <a:off x="2690237" y="511195"/>
+            <a:ext cx="8574317" cy="2886606"/>
+            <a:chOff x="2690237" y="511195"/>
+            <a:chExt cx="8574317" cy="2886606"/>
           </a:xfrm>
-          <a:prstGeom prst="rect">
-            <a:avLst/>
-          </a:prstGeom>
-          <a:noFill/>
-        </p:spPr>
-        <p:txBody>
-          <a:bodyPr wrap="none" rtlCol="0">
-            <a:spAutoFit/>
-          </a:bodyPr>
-          <a:lstStyle/>
-          <a:p>
-            <a:r>
-              <a:rPr lang="en-US" u="sng" dirty="0">
-                <a:solidFill>
-                  <a:schemeClr val="accent4"/>
-                </a:solidFill>
-              </a:rPr>
-              <a:t>You define your own cross-binary-boundary protocol</a:t>
-            </a:r>
-          </a:p>
-        </p:txBody>
-      </p:sp>
+        </p:grpSpPr>
+        <p:sp>
+          <p:nvSpPr>
+            <p:cNvPr id="20" name="Rectangle: Rounded Corners 19">
+              <a:extLst>
+                <a:ext uri="{FF2B5EF4-FFF2-40B4-BE49-F238E27FC236}">
+                  <a16:creationId xmlns:a16="http://schemas.microsoft.com/office/drawing/2014/main" id="{0C7DD046-A75D-8129-F936-39CACE491DF0}"/>
+                </a:ext>
+              </a:extLst>
+            </p:cNvPr>
+            <p:cNvSpPr/>
+            <p:nvPr/>
+          </p:nvSpPr>
+          <p:spPr>
+            <a:xfrm>
+              <a:off x="3469613" y="511195"/>
+              <a:ext cx="1917700" cy="533400"/>
+            </a:xfrm>
+            <a:prstGeom prst="roundRect">
+              <a:avLst/>
+            </a:prstGeom>
+          </p:spPr>
+          <p:style>
+            <a:lnRef idx="2">
+              <a:schemeClr val="accent1">
+                <a:shade val="15000"/>
+              </a:schemeClr>
+            </a:lnRef>
+            <a:fillRef idx="1">
+              <a:schemeClr val="accent1"/>
+            </a:fillRef>
+            <a:effectRef idx="0">
+              <a:schemeClr val="accent1"/>
+            </a:effectRef>
+            <a:fontRef idx="minor">
+              <a:schemeClr val="lt1"/>
+            </a:fontRef>
+          </p:style>
+          <p:txBody>
+            <a:bodyPr rtlCol="0" anchor="ctr"/>
+            <a:lstStyle/>
+            <a:p>
+              <a:pPr algn="ctr"/>
+              <a:r>
+                <a:rPr lang="en-US" dirty="0" err="1"/>
+                <a:t>GuiApplication</a:t>
+              </a:r>
+              <a:endParaRPr lang="en-US" dirty="0"/>
+            </a:p>
+          </p:txBody>
+        </p:sp>
+        <p:sp>
+          <p:nvSpPr>
+            <p:cNvPr id="10" name="Rectangle: Rounded Corners 9">
+              <a:extLst>
+                <a:ext uri="{FF2B5EF4-FFF2-40B4-BE49-F238E27FC236}">
+                  <a16:creationId xmlns:a16="http://schemas.microsoft.com/office/drawing/2014/main" id="{1CA20086-336A-2EB8-69AE-A22FFCD11815}"/>
+                </a:ext>
+              </a:extLst>
+            </p:cNvPr>
+            <p:cNvSpPr/>
+            <p:nvPr/>
+          </p:nvSpPr>
+          <p:spPr>
+            <a:xfrm>
+              <a:off x="3469613" y="1427189"/>
+              <a:ext cx="1917700" cy="533400"/>
+            </a:xfrm>
+            <a:prstGeom prst="roundRect">
+              <a:avLst/>
+            </a:prstGeom>
+          </p:spPr>
+          <p:style>
+            <a:lnRef idx="2">
+              <a:schemeClr val="accent2">
+                <a:shade val="15000"/>
+              </a:schemeClr>
+            </a:lnRef>
+            <a:fillRef idx="1">
+              <a:schemeClr val="accent2"/>
+            </a:fillRef>
+            <a:effectRef idx="0">
+              <a:schemeClr val="accent2"/>
+            </a:effectRef>
+            <a:fontRef idx="minor">
+              <a:schemeClr val="lt1"/>
+            </a:fontRef>
+          </p:style>
+          <p:txBody>
+            <a:bodyPr rtlCol="0" anchor="ctr"/>
+            <a:lstStyle/>
+            <a:p>
+              <a:pPr algn="ctr"/>
+              <a:r>
+                <a:rPr lang="en-US" dirty="0"/>
+                <a:t>Hosted Mode</a:t>
+              </a:r>
+            </a:p>
+          </p:txBody>
+        </p:sp>
+        <p:sp>
+          <p:nvSpPr>
+            <p:cNvPr id="11" name="Rectangle: Rounded Corners 10">
+              <a:extLst>
+                <a:ext uri="{FF2B5EF4-FFF2-40B4-BE49-F238E27FC236}">
+                  <a16:creationId xmlns:a16="http://schemas.microsoft.com/office/drawing/2014/main" id="{050A93D4-F113-F041-FFB7-FEA424720AAD}"/>
+                </a:ext>
+              </a:extLst>
+            </p:cNvPr>
+            <p:cNvSpPr/>
+            <p:nvPr/>
+          </p:nvSpPr>
+          <p:spPr>
+            <a:xfrm>
+              <a:off x="3275938" y="2343183"/>
+              <a:ext cx="2317750" cy="533400"/>
+            </a:xfrm>
+            <a:prstGeom prst="roundRect">
+              <a:avLst/>
+            </a:prstGeom>
+          </p:spPr>
+          <p:style>
+            <a:lnRef idx="2">
+              <a:schemeClr val="accent4">
+                <a:shade val="15000"/>
+              </a:schemeClr>
+            </a:lnRef>
+            <a:fillRef idx="1">
+              <a:schemeClr val="accent4"/>
+            </a:fillRef>
+            <a:effectRef idx="0">
+              <a:schemeClr val="accent4"/>
+            </a:effectRef>
+            <a:fontRef idx="minor">
+              <a:schemeClr val="lt1"/>
+            </a:fontRef>
+          </p:style>
+          <p:txBody>
+            <a:bodyPr rtlCol="0" anchor="ctr"/>
+            <a:lstStyle/>
+            <a:p>
+              <a:pPr algn="ctr"/>
+              <a:r>
+                <a:rPr lang="en-US" dirty="0"/>
+                <a:t>Remote Protocol</a:t>
+              </a:r>
+            </a:p>
+          </p:txBody>
+        </p:sp>
+        <p:sp>
+          <p:nvSpPr>
+            <p:cNvPr id="12" name="TextBox 11">
+              <a:extLst>
+                <a:ext uri="{FF2B5EF4-FFF2-40B4-BE49-F238E27FC236}">
+                  <a16:creationId xmlns:a16="http://schemas.microsoft.com/office/drawing/2014/main" id="{8747468B-751E-51B9-0756-97F531EA4064}"/>
+                </a:ext>
+              </a:extLst>
+            </p:cNvPr>
+            <p:cNvSpPr txBox="1"/>
+            <p:nvPr/>
+          </p:nvSpPr>
+          <p:spPr>
+            <a:xfrm>
+              <a:off x="5839671" y="2425217"/>
+              <a:ext cx="5424883" cy="369332"/>
+            </a:xfrm>
+            <a:prstGeom prst="rect">
+              <a:avLst/>
+            </a:prstGeom>
+            <a:noFill/>
+          </p:spPr>
+          <p:txBody>
+            <a:bodyPr wrap="none" rtlCol="0">
+              <a:spAutoFit/>
+            </a:bodyPr>
+            <a:lstStyle/>
+            <a:p>
+              <a:r>
+                <a:rPr lang="en-US" dirty="0" err="1"/>
+                <a:t>SetupRemoteNativeController</a:t>
+              </a:r>
+              <a:r>
+                <a:rPr lang="en-US" dirty="0"/>
+                <a:t>(</a:t>
+              </a:r>
+              <a:r>
+                <a:rPr lang="en-US" dirty="0" err="1"/>
+                <a:t>IGuiRemoteProtocol</a:t>
+              </a:r>
+              <a:r>
+                <a:rPr lang="en-US" dirty="0"/>
+                <a:t>*);</a:t>
+              </a:r>
+            </a:p>
+          </p:txBody>
+        </p:sp>
+        <p:cxnSp>
+          <p:nvCxnSpPr>
+            <p:cNvPr id="14" name="Connector: Curved 13">
+              <a:extLst>
+                <a:ext uri="{FF2B5EF4-FFF2-40B4-BE49-F238E27FC236}">
+                  <a16:creationId xmlns:a16="http://schemas.microsoft.com/office/drawing/2014/main" id="{76C301D5-6F80-6B01-B407-2058BDFE49FA}"/>
+                </a:ext>
+              </a:extLst>
+            </p:cNvPr>
+            <p:cNvCxnSpPr>
+              <a:stCxn id="20" idx="2"/>
+              <a:endCxn id="10" idx="0"/>
+            </p:cNvCxnSpPr>
+            <p:nvPr/>
+          </p:nvCxnSpPr>
+          <p:spPr>
+            <a:xfrm rot="5400000">
+              <a:off x="4237166" y="1235892"/>
+              <a:ext cx="382594" cy="12700"/>
+            </a:xfrm>
+            <a:prstGeom prst="curvedConnector3">
+              <a:avLst/>
+            </a:prstGeom>
+            <a:ln w="19050">
+              <a:tailEnd type="triangle"/>
+            </a:ln>
+          </p:spPr>
+          <p:style>
+            <a:lnRef idx="1">
+              <a:schemeClr val="accent1"/>
+            </a:lnRef>
+            <a:fillRef idx="0">
+              <a:schemeClr val="accent1"/>
+            </a:fillRef>
+            <a:effectRef idx="0">
+              <a:schemeClr val="accent1"/>
+            </a:effectRef>
+            <a:fontRef idx="minor">
+              <a:schemeClr val="tx1"/>
+            </a:fontRef>
+          </p:style>
+        </p:cxnSp>
+        <p:cxnSp>
+          <p:nvCxnSpPr>
+            <p:cNvPr id="18" name="Connector: Curved 17">
+              <a:extLst>
+                <a:ext uri="{FF2B5EF4-FFF2-40B4-BE49-F238E27FC236}">
+                  <a16:creationId xmlns:a16="http://schemas.microsoft.com/office/drawing/2014/main" id="{E7512DF5-BDB3-74BD-C18D-BA90A1AB537F}"/>
+                </a:ext>
+              </a:extLst>
+            </p:cNvPr>
+            <p:cNvCxnSpPr>
+              <a:stCxn id="10" idx="2"/>
+              <a:endCxn id="11" idx="0"/>
+            </p:cNvCxnSpPr>
+            <p:nvPr/>
+          </p:nvCxnSpPr>
+          <p:spPr>
+            <a:xfrm rot="16200000" flipH="1">
+              <a:off x="4240341" y="2148711"/>
+              <a:ext cx="382594" cy="6350"/>
+            </a:xfrm>
+            <a:prstGeom prst="curvedConnector3">
+              <a:avLst/>
+            </a:prstGeom>
+            <a:ln w="19050">
+              <a:tailEnd type="triangle"/>
+            </a:ln>
+          </p:spPr>
+          <p:style>
+            <a:lnRef idx="1">
+              <a:schemeClr val="accent2"/>
+            </a:lnRef>
+            <a:fillRef idx="0">
+              <a:schemeClr val="accent2"/>
+            </a:fillRef>
+            <a:effectRef idx="0">
+              <a:schemeClr val="accent2"/>
+            </a:effectRef>
+            <a:fontRef idx="minor">
+              <a:schemeClr val="tx1"/>
+            </a:fontRef>
+          </p:style>
+        </p:cxnSp>
+        <p:sp>
+          <p:nvSpPr>
+            <p:cNvPr id="27" name="TextBox 26">
+              <a:extLst>
+                <a:ext uri="{FF2B5EF4-FFF2-40B4-BE49-F238E27FC236}">
+                  <a16:creationId xmlns:a16="http://schemas.microsoft.com/office/drawing/2014/main" id="{EDDF35C8-2B56-933E-642C-67338C1C0DF4}"/>
+                </a:ext>
+              </a:extLst>
+            </p:cNvPr>
+            <p:cNvSpPr txBox="1"/>
+            <p:nvPr/>
+          </p:nvSpPr>
+          <p:spPr>
+            <a:xfrm>
+              <a:off x="2690237" y="3028469"/>
+              <a:ext cx="5508239" cy="369332"/>
+            </a:xfrm>
+            <a:prstGeom prst="rect">
+              <a:avLst/>
+            </a:prstGeom>
+            <a:noFill/>
+          </p:spPr>
+          <p:txBody>
+            <a:bodyPr wrap="none" rtlCol="0">
+              <a:spAutoFit/>
+            </a:bodyPr>
+            <a:lstStyle/>
+            <a:p>
+              <a:r>
+                <a:rPr lang="en-US" u="sng" dirty="0">
+                  <a:solidFill>
+                    <a:schemeClr val="accent4"/>
+                  </a:solidFill>
+                </a:rPr>
+                <a:t>You define your own cross-binary-boundary protocol</a:t>
+              </a:r>
+            </a:p>
+          </p:txBody>
+        </p:sp>
+      </p:grpSp>
     </p:spTree>
     <p:extLst>
       <p:ext uri="{BB962C8B-B14F-4D97-AF65-F5344CB8AC3E}">
@@ -19418,2043 +19502,2121 @@
           <a:chExt cx="0" cy="0"/>
         </a:xfrm>
       </p:grpSpPr>
-      <p:sp>
-        <p:nvSpPr>
-          <p:cNvPr id="88" name="Rectangle 87">
+      <p:grpSp>
+        <p:nvGrpSpPr>
+          <p:cNvPr id="95" name="Group 94">
             <a:extLst>
               <a:ext uri="{FF2B5EF4-FFF2-40B4-BE49-F238E27FC236}">
-                <a16:creationId xmlns:a16="http://schemas.microsoft.com/office/drawing/2014/main" id="{F4925BF7-9C07-3729-8CF6-8E17703030DB}"/>
+                <a16:creationId xmlns:a16="http://schemas.microsoft.com/office/drawing/2014/main" id="{F8AB5AE7-C38C-7177-07E3-0B7201BE1B63}"/>
               </a:ext>
             </a:extLst>
           </p:cNvPr>
-          <p:cNvSpPr/>
+          <p:cNvGrpSpPr/>
           <p:nvPr/>
-        </p:nvSpPr>
-        <p:spPr>
+        </p:nvGrpSpPr>
+        <p:grpSpPr>
           <a:xfrm>
-            <a:off x="52627" y="65784"/>
-            <a:ext cx="12051661" cy="2343023"/>
+            <a:off x="2709121" y="2274593"/>
+            <a:ext cx="3675657" cy="937344"/>
+            <a:chOff x="2709121" y="2274593"/>
+            <a:chExt cx="3675657" cy="937344"/>
           </a:xfrm>
-          <a:prstGeom prst="rect">
-            <a:avLst/>
-          </a:prstGeom>
-          <a:noFill/>
-          <a:ln w="38100">
-            <a:solidFill>
-              <a:schemeClr val="accent6"/>
-            </a:solidFill>
-            <a:prstDash val="sysDot"/>
-          </a:ln>
-        </p:spPr>
-        <p:style>
-          <a:lnRef idx="2">
-            <a:schemeClr val="accent1">
-              <a:shade val="15000"/>
-            </a:schemeClr>
-          </a:lnRef>
-          <a:fillRef idx="1">
-            <a:schemeClr val="accent1"/>
-          </a:fillRef>
-          <a:effectRef idx="0">
-            <a:schemeClr val="accent1"/>
-          </a:effectRef>
-          <a:fontRef idx="minor">
-            <a:schemeClr val="lt1"/>
-          </a:fontRef>
-        </p:style>
-        <p:txBody>
-          <a:bodyPr rtlCol="0" anchor="ctr"/>
-          <a:lstStyle/>
-          <a:p>
-            <a:pPr algn="ctr"/>
-            <a:endParaRPr lang="en-US"/>
-          </a:p>
-        </p:txBody>
-      </p:sp>
-      <p:sp>
-        <p:nvSpPr>
-          <p:cNvPr id="87" name="Rectangle 86">
+        </p:grpSpPr>
+        <p:sp>
+          <p:nvSpPr>
+            <p:cNvPr id="77" name="Rectangle 76">
+              <a:extLst>
+                <a:ext uri="{FF2B5EF4-FFF2-40B4-BE49-F238E27FC236}">
+                  <a16:creationId xmlns:a16="http://schemas.microsoft.com/office/drawing/2014/main" id="{65A7E0B2-1EFD-FCD3-2CC7-BAD0D217AEA2}"/>
+                </a:ext>
+              </a:extLst>
+            </p:cNvPr>
+            <p:cNvSpPr/>
+            <p:nvPr/>
+          </p:nvSpPr>
+          <p:spPr>
+            <a:xfrm>
+              <a:off x="2721821" y="2561891"/>
+              <a:ext cx="3620905" cy="361995"/>
+            </a:xfrm>
+            <a:prstGeom prst="rect">
+              <a:avLst/>
+            </a:prstGeom>
+            <a:ln w="38100">
+              <a:noFill/>
+              <a:prstDash val="dash"/>
+            </a:ln>
+          </p:spPr>
+          <p:style>
+            <a:lnRef idx="2">
+              <a:schemeClr val="accent1"/>
+            </a:lnRef>
+            <a:fillRef idx="1">
+              <a:schemeClr val="lt1"/>
+            </a:fillRef>
+            <a:effectRef idx="0">
+              <a:schemeClr val="accent1"/>
+            </a:effectRef>
+            <a:fontRef idx="minor">
+              <a:schemeClr val="dk1"/>
+            </a:fontRef>
+          </p:style>
+          <p:txBody>
+            <a:bodyPr rtlCol="0" anchor="ctr"/>
+            <a:lstStyle/>
+            <a:p>
+              <a:pPr algn="ctr"/>
+              <a:r>
+                <a:rPr lang="en-US" b="1" dirty="0">
+                  <a:solidFill>
+                    <a:schemeClr val="accent1"/>
+                  </a:solidFill>
+                </a:rPr>
+                <a:t>BINARY BOUNDARY</a:t>
+              </a:r>
+            </a:p>
+          </p:txBody>
+        </p:sp>
+        <p:cxnSp>
+          <p:nvCxnSpPr>
+            <p:cNvPr id="79" name="Connector: Curved 78">
+              <a:extLst>
+                <a:ext uri="{FF2B5EF4-FFF2-40B4-BE49-F238E27FC236}">
+                  <a16:creationId xmlns:a16="http://schemas.microsoft.com/office/drawing/2014/main" id="{48E50EAA-98DF-0AFF-D964-2D4F9544B520}"/>
+                </a:ext>
+              </a:extLst>
+            </p:cNvPr>
+            <p:cNvCxnSpPr>
+              <a:stCxn id="21" idx="1"/>
+              <a:endCxn id="77" idx="1"/>
+            </p:cNvCxnSpPr>
+            <p:nvPr/>
+          </p:nvCxnSpPr>
+          <p:spPr>
+            <a:xfrm rot="10800000" flipH="1">
+              <a:off x="2709121" y="2742889"/>
+              <a:ext cx="12700" cy="469048"/>
+            </a:xfrm>
+            <a:prstGeom prst="curvedConnector3">
+              <a:avLst>
+                <a:gd name="adj1" fmla="val -1800000"/>
+              </a:avLst>
+            </a:prstGeom>
+            <a:ln>
+              <a:tailEnd type="triangle"/>
+            </a:ln>
+          </p:spPr>
+          <p:style>
+            <a:lnRef idx="1">
+              <a:schemeClr val="accent1"/>
+            </a:lnRef>
+            <a:fillRef idx="0">
+              <a:schemeClr val="accent1"/>
+            </a:fillRef>
+            <a:effectRef idx="0">
+              <a:schemeClr val="accent1"/>
+            </a:effectRef>
+            <a:fontRef idx="minor">
+              <a:schemeClr val="tx1"/>
+            </a:fontRef>
+          </p:style>
+        </p:cxnSp>
+        <p:cxnSp>
+          <p:nvCxnSpPr>
+            <p:cNvPr id="81" name="Connector: Curved 80">
+              <a:extLst>
+                <a:ext uri="{FF2B5EF4-FFF2-40B4-BE49-F238E27FC236}">
+                  <a16:creationId xmlns:a16="http://schemas.microsoft.com/office/drawing/2014/main" id="{55393FEE-0B15-402E-98AE-CFAFDE27482E}"/>
+                </a:ext>
+              </a:extLst>
+            </p:cNvPr>
+            <p:cNvCxnSpPr>
+              <a:stCxn id="77" idx="3"/>
+              <a:endCxn id="56" idx="3"/>
+            </p:cNvCxnSpPr>
+            <p:nvPr/>
+          </p:nvCxnSpPr>
+          <p:spPr>
+            <a:xfrm flipV="1">
+              <a:off x="6342726" y="2274593"/>
+              <a:ext cx="42052" cy="468296"/>
+            </a:xfrm>
+            <a:prstGeom prst="curvedConnector3">
+              <a:avLst>
+                <a:gd name="adj1" fmla="val 643613"/>
+              </a:avLst>
+            </a:prstGeom>
+            <a:ln>
+              <a:tailEnd type="triangle"/>
+            </a:ln>
+          </p:spPr>
+          <p:style>
+            <a:lnRef idx="1">
+              <a:schemeClr val="accent1"/>
+            </a:lnRef>
+            <a:fillRef idx="0">
+              <a:schemeClr val="accent1"/>
+            </a:fillRef>
+            <a:effectRef idx="0">
+              <a:schemeClr val="accent1"/>
+            </a:effectRef>
+            <a:fontRef idx="minor">
+              <a:schemeClr val="tx1"/>
+            </a:fontRef>
+          </p:style>
+        </p:cxnSp>
+        <p:cxnSp>
+          <p:nvCxnSpPr>
+            <p:cNvPr id="83" name="Straight Connector 82">
+              <a:extLst>
+                <a:ext uri="{FF2B5EF4-FFF2-40B4-BE49-F238E27FC236}">
+                  <a16:creationId xmlns:a16="http://schemas.microsoft.com/office/drawing/2014/main" id="{B5623D6E-7798-5067-5E98-2B8C91C1ED94}"/>
+                </a:ext>
+              </a:extLst>
+            </p:cNvPr>
+            <p:cNvCxnSpPr>
+              <a:cxnSpLocks/>
+            </p:cNvCxnSpPr>
+            <p:nvPr/>
+          </p:nvCxnSpPr>
+          <p:spPr>
+            <a:xfrm>
+              <a:off x="2824723" y="2923886"/>
+              <a:ext cx="3518003" cy="0"/>
+            </a:xfrm>
+            <a:prstGeom prst="line">
+              <a:avLst/>
+            </a:prstGeom>
+            <a:ln w="31750">
+              <a:prstDash val="dash"/>
+            </a:ln>
+          </p:spPr>
+          <p:style>
+            <a:lnRef idx="1">
+              <a:schemeClr val="accent1"/>
+            </a:lnRef>
+            <a:fillRef idx="0">
+              <a:schemeClr val="accent1"/>
+            </a:fillRef>
+            <a:effectRef idx="0">
+              <a:schemeClr val="accent1"/>
+            </a:effectRef>
+            <a:fontRef idx="minor">
+              <a:schemeClr val="tx1"/>
+            </a:fontRef>
+          </p:style>
+        </p:cxnSp>
+        <p:cxnSp>
+          <p:nvCxnSpPr>
+            <p:cNvPr id="84" name="Straight Connector 83">
+              <a:extLst>
+                <a:ext uri="{FF2B5EF4-FFF2-40B4-BE49-F238E27FC236}">
+                  <a16:creationId xmlns:a16="http://schemas.microsoft.com/office/drawing/2014/main" id="{56E8F325-25B3-A642-5FC6-96FC9CBE2365}"/>
+                </a:ext>
+              </a:extLst>
+            </p:cNvPr>
+            <p:cNvCxnSpPr>
+              <a:cxnSpLocks/>
+            </p:cNvCxnSpPr>
+            <p:nvPr/>
+          </p:nvCxnSpPr>
+          <p:spPr>
+            <a:xfrm>
+              <a:off x="2824723" y="2561891"/>
+              <a:ext cx="3505303" cy="0"/>
+            </a:xfrm>
+            <a:prstGeom prst="line">
+              <a:avLst/>
+            </a:prstGeom>
+            <a:ln w="31750">
+              <a:prstDash val="dash"/>
+            </a:ln>
+          </p:spPr>
+          <p:style>
+            <a:lnRef idx="1">
+              <a:schemeClr val="accent1"/>
+            </a:lnRef>
+            <a:fillRef idx="0">
+              <a:schemeClr val="accent1"/>
+            </a:fillRef>
+            <a:effectRef idx="0">
+              <a:schemeClr val="accent1"/>
+            </a:effectRef>
+            <a:fontRef idx="minor">
+              <a:schemeClr val="tx1"/>
+            </a:fontRef>
+          </p:style>
+        </p:cxnSp>
+      </p:grpSp>
+      <p:grpSp>
+        <p:nvGrpSpPr>
+          <p:cNvPr id="94" name="Group 93">
             <a:extLst>
               <a:ext uri="{FF2B5EF4-FFF2-40B4-BE49-F238E27FC236}">
-                <a16:creationId xmlns:a16="http://schemas.microsoft.com/office/drawing/2014/main" id="{24020F41-36BB-394F-C967-3C240A72E99D}"/>
+                <a16:creationId xmlns:a16="http://schemas.microsoft.com/office/drawing/2014/main" id="{AB16FE05-AFCF-E09A-D14D-71B1DAB9162B}"/>
               </a:ext>
             </a:extLst>
           </p:cNvPr>
-          <p:cNvSpPr/>
+          <p:cNvGrpSpPr/>
           <p:nvPr/>
-        </p:nvSpPr>
-        <p:spPr>
+        </p:nvGrpSpPr>
+        <p:grpSpPr>
           <a:xfrm>
-            <a:off x="52627" y="3078699"/>
-            <a:ext cx="12051661" cy="3723384"/>
+            <a:off x="52627" y="3027271"/>
+            <a:ext cx="12051661" cy="3774812"/>
+            <a:chOff x="52627" y="3027271"/>
+            <a:chExt cx="12051661" cy="3774812"/>
           </a:xfrm>
-          <a:prstGeom prst="rect">
-            <a:avLst/>
-          </a:prstGeom>
-          <a:noFill/>
-          <a:ln w="38100">
-            <a:solidFill>
-              <a:schemeClr val="accent6"/>
-            </a:solidFill>
-            <a:prstDash val="sysDot"/>
-          </a:ln>
-        </p:spPr>
-        <p:style>
-          <a:lnRef idx="2">
-            <a:schemeClr val="accent1">
-              <a:shade val="15000"/>
-            </a:schemeClr>
-          </a:lnRef>
-          <a:fillRef idx="1">
-            <a:schemeClr val="accent1"/>
-          </a:fillRef>
-          <a:effectRef idx="0">
-            <a:schemeClr val="accent1"/>
-          </a:effectRef>
-          <a:fontRef idx="minor">
-            <a:schemeClr val="lt1"/>
-          </a:fontRef>
-        </p:style>
-        <p:txBody>
-          <a:bodyPr rtlCol="0" anchor="ctr"/>
-          <a:lstStyle/>
-          <a:p>
-            <a:pPr algn="ctr"/>
-            <a:endParaRPr lang="en-US"/>
-          </a:p>
-        </p:txBody>
-      </p:sp>
-      <p:sp>
-        <p:nvSpPr>
-          <p:cNvPr id="20" name="Rectangle: Rounded Corners 19">
+        </p:grpSpPr>
+        <p:sp>
+          <p:nvSpPr>
+            <p:cNvPr id="87" name="Rectangle 86">
+              <a:extLst>
+                <a:ext uri="{FF2B5EF4-FFF2-40B4-BE49-F238E27FC236}">
+                  <a16:creationId xmlns:a16="http://schemas.microsoft.com/office/drawing/2014/main" id="{24020F41-36BB-394F-C967-3C240A72E99D}"/>
+                </a:ext>
+              </a:extLst>
+            </p:cNvPr>
+            <p:cNvSpPr/>
+            <p:nvPr/>
+          </p:nvSpPr>
+          <p:spPr>
+            <a:xfrm>
+              <a:off x="52627" y="3078699"/>
+              <a:ext cx="12051661" cy="3723384"/>
+            </a:xfrm>
+            <a:prstGeom prst="rect">
+              <a:avLst/>
+            </a:prstGeom>
+            <a:noFill/>
+            <a:ln w="38100">
+              <a:solidFill>
+                <a:schemeClr val="accent6"/>
+              </a:solidFill>
+              <a:prstDash val="sysDot"/>
+            </a:ln>
+          </p:spPr>
+          <p:style>
+            <a:lnRef idx="2">
+              <a:schemeClr val="accent1">
+                <a:shade val="15000"/>
+              </a:schemeClr>
+            </a:lnRef>
+            <a:fillRef idx="1">
+              <a:schemeClr val="accent1"/>
+            </a:fillRef>
+            <a:effectRef idx="0">
+              <a:schemeClr val="accent1"/>
+            </a:effectRef>
+            <a:fontRef idx="minor">
+              <a:schemeClr val="lt1"/>
+            </a:fontRef>
+          </p:style>
+          <p:txBody>
+            <a:bodyPr rtlCol="0" anchor="ctr"/>
+            <a:lstStyle/>
+            <a:p>
+              <a:pPr algn="ctr"/>
+              <a:endParaRPr lang="en-US"/>
+            </a:p>
+          </p:txBody>
+        </p:sp>
+        <p:sp>
+          <p:nvSpPr>
+            <p:cNvPr id="20" name="Rectangle: Rounded Corners 19">
+              <a:extLst>
+                <a:ext uri="{FF2B5EF4-FFF2-40B4-BE49-F238E27FC236}">
+                  <a16:creationId xmlns:a16="http://schemas.microsoft.com/office/drawing/2014/main" id="{DBBA7CBF-91C4-9A58-8620-43DB56A846CC}"/>
+                </a:ext>
+              </a:extLst>
+            </p:cNvPr>
+            <p:cNvSpPr/>
+            <p:nvPr/>
+          </p:nvSpPr>
+          <p:spPr>
+            <a:xfrm>
+              <a:off x="339063" y="4365645"/>
+              <a:ext cx="1917700" cy="533400"/>
+            </a:xfrm>
+            <a:prstGeom prst="roundRect">
+              <a:avLst/>
+            </a:prstGeom>
+          </p:spPr>
+          <p:style>
+            <a:lnRef idx="2">
+              <a:schemeClr val="accent1">
+                <a:shade val="15000"/>
+              </a:schemeClr>
+            </a:lnRef>
+            <a:fillRef idx="1">
+              <a:schemeClr val="accent1"/>
+            </a:fillRef>
+            <a:effectRef idx="0">
+              <a:schemeClr val="accent1"/>
+            </a:effectRef>
+            <a:fontRef idx="minor">
+              <a:schemeClr val="lt1"/>
+            </a:fontRef>
+          </p:style>
+          <p:txBody>
+            <a:bodyPr rtlCol="0" anchor="ctr"/>
+            <a:lstStyle/>
+            <a:p>
+              <a:pPr algn="ctr"/>
+              <a:r>
+                <a:rPr lang="en-US" dirty="0" err="1"/>
+                <a:t>GuiApplication</a:t>
+              </a:r>
+              <a:endParaRPr lang="en-US" dirty="0"/>
+            </a:p>
+          </p:txBody>
+        </p:sp>
+        <p:sp>
+          <p:nvSpPr>
+            <p:cNvPr id="10" name="Rectangle: Rounded Corners 9">
+              <a:extLst>
+                <a:ext uri="{FF2B5EF4-FFF2-40B4-BE49-F238E27FC236}">
+                  <a16:creationId xmlns:a16="http://schemas.microsoft.com/office/drawing/2014/main" id="{8DD677EE-879A-05E1-2FEF-553A7751915A}"/>
+                </a:ext>
+              </a:extLst>
+            </p:cNvPr>
+            <p:cNvSpPr/>
+            <p:nvPr/>
+          </p:nvSpPr>
+          <p:spPr>
+            <a:xfrm>
+              <a:off x="339063" y="5281639"/>
+              <a:ext cx="1917700" cy="533400"/>
+            </a:xfrm>
+            <a:prstGeom prst="roundRect">
+              <a:avLst/>
+            </a:prstGeom>
+          </p:spPr>
+          <p:style>
+            <a:lnRef idx="2">
+              <a:schemeClr val="accent2">
+                <a:shade val="15000"/>
+              </a:schemeClr>
+            </a:lnRef>
+            <a:fillRef idx="1">
+              <a:schemeClr val="accent2"/>
+            </a:fillRef>
+            <a:effectRef idx="0">
+              <a:schemeClr val="accent2"/>
+            </a:effectRef>
+            <a:fontRef idx="minor">
+              <a:schemeClr val="lt1"/>
+            </a:fontRef>
+          </p:style>
+          <p:txBody>
+            <a:bodyPr rtlCol="0" anchor="ctr"/>
+            <a:lstStyle/>
+            <a:p>
+              <a:pPr algn="ctr"/>
+              <a:r>
+                <a:rPr lang="en-US" dirty="0"/>
+                <a:t>Hosted Mode</a:t>
+              </a:r>
+            </a:p>
+          </p:txBody>
+        </p:sp>
+        <p:sp>
+          <p:nvSpPr>
+            <p:cNvPr id="11" name="Rectangle: Rounded Corners 10">
+              <a:extLst>
+                <a:ext uri="{FF2B5EF4-FFF2-40B4-BE49-F238E27FC236}">
+                  <a16:creationId xmlns:a16="http://schemas.microsoft.com/office/drawing/2014/main" id="{4B2761DE-12BF-C00C-A219-F57AB54704CF}"/>
+                </a:ext>
+              </a:extLst>
+            </p:cNvPr>
+            <p:cNvSpPr/>
+            <p:nvPr/>
+          </p:nvSpPr>
+          <p:spPr>
+            <a:xfrm>
+              <a:off x="145388" y="6197633"/>
+              <a:ext cx="2317750" cy="533400"/>
+            </a:xfrm>
+            <a:prstGeom prst="roundRect">
+              <a:avLst/>
+            </a:prstGeom>
+          </p:spPr>
+          <p:style>
+            <a:lnRef idx="2">
+              <a:schemeClr val="accent4">
+                <a:shade val="15000"/>
+              </a:schemeClr>
+            </a:lnRef>
+            <a:fillRef idx="1">
+              <a:schemeClr val="accent4"/>
+            </a:fillRef>
+            <a:effectRef idx="0">
+              <a:schemeClr val="accent4"/>
+            </a:effectRef>
+            <a:fontRef idx="minor">
+              <a:schemeClr val="lt1"/>
+            </a:fontRef>
+          </p:style>
+          <p:txBody>
+            <a:bodyPr rtlCol="0" anchor="ctr"/>
+            <a:lstStyle/>
+            <a:p>
+              <a:pPr algn="ctr"/>
+              <a:r>
+                <a:rPr lang="en-US" dirty="0"/>
+                <a:t>Remote Protocol</a:t>
+              </a:r>
+            </a:p>
+          </p:txBody>
+        </p:sp>
+        <p:sp>
+          <p:nvSpPr>
+            <p:cNvPr id="12" name="TextBox 11">
+              <a:extLst>
+                <a:ext uri="{FF2B5EF4-FFF2-40B4-BE49-F238E27FC236}">
+                  <a16:creationId xmlns:a16="http://schemas.microsoft.com/office/drawing/2014/main" id="{DB00A47A-BFFB-48AA-7857-016082613D2D}"/>
+                </a:ext>
+              </a:extLst>
+            </p:cNvPr>
+            <p:cNvSpPr txBox="1"/>
+            <p:nvPr/>
+          </p:nvSpPr>
+          <p:spPr>
+            <a:xfrm>
+              <a:off x="2709121" y="6279667"/>
+              <a:ext cx="5424883" cy="369332"/>
+            </a:xfrm>
+            <a:prstGeom prst="rect">
+              <a:avLst/>
+            </a:prstGeom>
+            <a:noFill/>
+          </p:spPr>
+          <p:txBody>
+            <a:bodyPr wrap="none" rtlCol="0">
+              <a:spAutoFit/>
+            </a:bodyPr>
+            <a:lstStyle/>
+            <a:p>
+              <a:r>
+                <a:rPr lang="en-US" dirty="0" err="1"/>
+                <a:t>SetupRemoteNativeController</a:t>
+              </a:r>
+              <a:r>
+                <a:rPr lang="en-US" dirty="0"/>
+                <a:t>(</a:t>
+              </a:r>
+              <a:r>
+                <a:rPr lang="en-US" dirty="0" err="1"/>
+                <a:t>IGuiRemoteProtocol</a:t>
+              </a:r>
+              <a:r>
+                <a:rPr lang="en-US" dirty="0"/>
+                <a:t>*);</a:t>
+              </a:r>
+            </a:p>
+          </p:txBody>
+        </p:sp>
+        <p:cxnSp>
+          <p:nvCxnSpPr>
+            <p:cNvPr id="14" name="Connector: Curved 13">
+              <a:extLst>
+                <a:ext uri="{FF2B5EF4-FFF2-40B4-BE49-F238E27FC236}">
+                  <a16:creationId xmlns:a16="http://schemas.microsoft.com/office/drawing/2014/main" id="{2CCF4A96-4567-8B98-8924-B5988B2C4616}"/>
+                </a:ext>
+              </a:extLst>
+            </p:cNvPr>
+            <p:cNvCxnSpPr>
+              <a:stCxn id="20" idx="2"/>
+              <a:endCxn id="10" idx="0"/>
+            </p:cNvCxnSpPr>
+            <p:nvPr/>
+          </p:nvCxnSpPr>
+          <p:spPr>
+            <a:xfrm rot="5400000">
+              <a:off x="1106616" y="5090342"/>
+              <a:ext cx="382594" cy="12700"/>
+            </a:xfrm>
+            <a:prstGeom prst="curvedConnector3">
+              <a:avLst/>
+            </a:prstGeom>
+            <a:ln w="19050">
+              <a:tailEnd type="triangle"/>
+            </a:ln>
+          </p:spPr>
+          <p:style>
+            <a:lnRef idx="1">
+              <a:schemeClr val="accent1"/>
+            </a:lnRef>
+            <a:fillRef idx="0">
+              <a:schemeClr val="accent1"/>
+            </a:fillRef>
+            <a:effectRef idx="0">
+              <a:schemeClr val="accent1"/>
+            </a:effectRef>
+            <a:fontRef idx="minor">
+              <a:schemeClr val="tx1"/>
+            </a:fontRef>
+          </p:style>
+        </p:cxnSp>
+        <p:cxnSp>
+          <p:nvCxnSpPr>
+            <p:cNvPr id="18" name="Connector: Curved 17">
+              <a:extLst>
+                <a:ext uri="{FF2B5EF4-FFF2-40B4-BE49-F238E27FC236}">
+                  <a16:creationId xmlns:a16="http://schemas.microsoft.com/office/drawing/2014/main" id="{2EE207E8-B499-3968-1175-18304DD69849}"/>
+                </a:ext>
+              </a:extLst>
+            </p:cNvPr>
+            <p:cNvCxnSpPr>
+              <a:stCxn id="10" idx="2"/>
+              <a:endCxn id="11" idx="0"/>
+            </p:cNvCxnSpPr>
+            <p:nvPr/>
+          </p:nvCxnSpPr>
+          <p:spPr>
+            <a:xfrm rot="16200000" flipH="1">
+              <a:off x="1109791" y="6003161"/>
+              <a:ext cx="382594" cy="6350"/>
+            </a:xfrm>
+            <a:prstGeom prst="curvedConnector3">
+              <a:avLst/>
+            </a:prstGeom>
+            <a:ln w="19050">
+              <a:tailEnd type="triangle"/>
+            </a:ln>
+          </p:spPr>
+          <p:style>
+            <a:lnRef idx="1">
+              <a:schemeClr val="accent2"/>
+            </a:lnRef>
+            <a:fillRef idx="0">
+              <a:schemeClr val="accent2"/>
+            </a:fillRef>
+            <a:effectRef idx="0">
+              <a:schemeClr val="accent2"/>
+            </a:effectRef>
+            <a:fontRef idx="minor">
+              <a:schemeClr val="tx1"/>
+            </a:fontRef>
+          </p:style>
+        </p:cxnSp>
+        <p:sp>
+          <p:nvSpPr>
+            <p:cNvPr id="3" name="TextBox 2">
+              <a:extLst>
+                <a:ext uri="{FF2B5EF4-FFF2-40B4-BE49-F238E27FC236}">
+                  <a16:creationId xmlns:a16="http://schemas.microsoft.com/office/drawing/2014/main" id="{0AE8AD24-004D-D1AE-460F-8734022BE910}"/>
+                </a:ext>
+              </a:extLst>
+            </p:cNvPr>
+            <p:cNvSpPr txBox="1"/>
+            <p:nvPr/>
+          </p:nvSpPr>
+          <p:spPr>
+            <a:xfrm>
+              <a:off x="2709121" y="5815039"/>
+              <a:ext cx="3930884" cy="369332"/>
+            </a:xfrm>
+            <a:prstGeom prst="rect">
+              <a:avLst/>
+            </a:prstGeom>
+            <a:noFill/>
+          </p:spPr>
+          <p:txBody>
+            <a:bodyPr wrap="none" rtlCol="0">
+              <a:spAutoFit/>
+            </a:bodyPr>
+            <a:lstStyle/>
+            <a:p>
+              <a:r>
+                <a:rPr lang="en-US" dirty="0" err="1"/>
+                <a:t>GuiRemoteProtocolDomDiffConverter</a:t>
+              </a:r>
+              <a:endParaRPr lang="en-US" dirty="0"/>
+            </a:p>
+          </p:txBody>
+        </p:sp>
+        <p:sp>
+          <p:nvSpPr>
+            <p:cNvPr id="13" name="TextBox 12">
+              <a:extLst>
+                <a:ext uri="{FF2B5EF4-FFF2-40B4-BE49-F238E27FC236}">
+                  <a16:creationId xmlns:a16="http://schemas.microsoft.com/office/drawing/2014/main" id="{F13B7F3E-1E1A-F5C4-EAE1-3306C7528763}"/>
+                </a:ext>
+              </a:extLst>
+            </p:cNvPr>
+            <p:cNvSpPr txBox="1"/>
+            <p:nvPr/>
+          </p:nvSpPr>
+          <p:spPr>
+            <a:xfrm>
+              <a:off x="2709121" y="5350411"/>
+              <a:ext cx="2606804" cy="369332"/>
+            </a:xfrm>
+            <a:prstGeom prst="rect">
+              <a:avLst/>
+            </a:prstGeom>
+            <a:noFill/>
+          </p:spPr>
+          <p:txBody>
+            <a:bodyPr wrap="none" rtlCol="0">
+              <a:spAutoFit/>
+            </a:bodyPr>
+            <a:lstStyle/>
+            <a:p>
+              <a:r>
+                <a:rPr lang="en-US" dirty="0" err="1"/>
+                <a:t>GuiRemoteProtocolFilter</a:t>
+              </a:r>
+              <a:endParaRPr lang="en-US" dirty="0"/>
+            </a:p>
+          </p:txBody>
+        </p:sp>
+        <p:sp>
+          <p:nvSpPr>
+            <p:cNvPr id="15" name="TextBox 14">
+              <a:extLst>
+                <a:ext uri="{FF2B5EF4-FFF2-40B4-BE49-F238E27FC236}">
+                  <a16:creationId xmlns:a16="http://schemas.microsoft.com/office/drawing/2014/main" id="{5446B715-57EA-0CC3-FCCF-D27BAB21239D}"/>
+                </a:ext>
+              </a:extLst>
+            </p:cNvPr>
+            <p:cNvSpPr txBox="1"/>
+            <p:nvPr/>
+          </p:nvSpPr>
+          <p:spPr>
+            <a:xfrm>
+              <a:off x="2709121" y="4885783"/>
+              <a:ext cx="3879588" cy="369332"/>
+            </a:xfrm>
+            <a:prstGeom prst="rect">
+              <a:avLst/>
+            </a:prstGeom>
+            <a:noFill/>
+          </p:spPr>
+          <p:txBody>
+            <a:bodyPr wrap="none" rtlCol="0">
+              <a:spAutoFit/>
+            </a:bodyPr>
+            <a:lstStyle/>
+            <a:p>
+              <a:r>
+                <a:rPr lang="en-US" dirty="0" err="1"/>
+                <a:t>GuiRemoteProtocolFromJsonChannel</a:t>
+              </a:r>
+              <a:endParaRPr lang="en-US" dirty="0"/>
+            </a:p>
+          </p:txBody>
+        </p:sp>
+        <p:sp>
+          <p:nvSpPr>
+            <p:cNvPr id="16" name="TextBox 15">
+              <a:extLst>
+                <a:ext uri="{FF2B5EF4-FFF2-40B4-BE49-F238E27FC236}">
+                  <a16:creationId xmlns:a16="http://schemas.microsoft.com/office/drawing/2014/main" id="{98B76AB7-F3AE-D563-76DA-7A1AD4BFE4B7}"/>
+                </a:ext>
+              </a:extLst>
+            </p:cNvPr>
+            <p:cNvSpPr txBox="1"/>
+            <p:nvPr/>
+          </p:nvSpPr>
+          <p:spPr>
+            <a:xfrm>
+              <a:off x="2709121" y="4421155"/>
+              <a:ext cx="6553397" cy="369332"/>
+            </a:xfrm>
+            <a:prstGeom prst="rect">
+              <a:avLst/>
+            </a:prstGeom>
+            <a:noFill/>
+          </p:spPr>
+          <p:txBody>
+            <a:bodyPr wrap="none" rtlCol="0">
+              <a:spAutoFit/>
+            </a:bodyPr>
+            <a:lstStyle/>
+            <a:p>
+              <a:r>
+                <a:rPr lang="en-US" dirty="0" err="1"/>
+                <a:t>GuiRemoteProtocolAsyncChannelSerializer</a:t>
+              </a:r>
+              <a:r>
+                <a:rPr lang="en-US" dirty="0"/>
+                <a:t>&lt;</a:t>
+              </a:r>
+              <a:r>
+                <a:rPr lang="en-US" dirty="0" err="1"/>
+                <a:t>JsonObject</a:t>
+              </a:r>
+              <a:r>
+                <a:rPr lang="en-US" dirty="0"/>
+                <a:t>&gt;  </a:t>
+              </a:r>
+              <a:r>
+                <a:rPr lang="en-US" sz="1200" dirty="0"/>
+                <a:t>(optional)</a:t>
+              </a:r>
+            </a:p>
+          </p:txBody>
+        </p:sp>
+        <p:sp>
+          <p:nvSpPr>
+            <p:cNvPr id="17" name="TextBox 16">
+              <a:extLst>
+                <a:ext uri="{FF2B5EF4-FFF2-40B4-BE49-F238E27FC236}">
+                  <a16:creationId xmlns:a16="http://schemas.microsoft.com/office/drawing/2014/main" id="{05D687EE-68F3-2782-5DBA-97AAB1E2DBF3}"/>
+                </a:ext>
+              </a:extLst>
+            </p:cNvPr>
+            <p:cNvSpPr txBox="1"/>
+            <p:nvPr/>
+          </p:nvSpPr>
+          <p:spPr>
+            <a:xfrm>
+              <a:off x="2709121" y="3956527"/>
+              <a:ext cx="3999813" cy="369332"/>
+            </a:xfrm>
+            <a:prstGeom prst="rect">
+              <a:avLst/>
+            </a:prstGeom>
+            <a:noFill/>
+          </p:spPr>
+          <p:txBody>
+            <a:bodyPr wrap="none" rtlCol="0">
+              <a:spAutoFit/>
+            </a:bodyPr>
+            <a:lstStyle/>
+            <a:p>
+              <a:r>
+                <a:rPr lang="en-US" dirty="0" err="1"/>
+                <a:t>GuiRemoteJsonChannelStringSerializer</a:t>
+              </a:r>
+              <a:endParaRPr lang="en-US" dirty="0"/>
+            </a:p>
+          </p:txBody>
+        </p:sp>
+        <p:sp>
+          <p:nvSpPr>
+            <p:cNvPr id="19" name="TextBox 18">
+              <a:extLst>
+                <a:ext uri="{FF2B5EF4-FFF2-40B4-BE49-F238E27FC236}">
+                  <a16:creationId xmlns:a16="http://schemas.microsoft.com/office/drawing/2014/main" id="{C29BE5D2-7025-1726-805C-EEBE507F3365}"/>
+                </a:ext>
+              </a:extLst>
+            </p:cNvPr>
+            <p:cNvSpPr txBox="1"/>
+            <p:nvPr/>
+          </p:nvSpPr>
+          <p:spPr>
+            <a:xfrm>
+              <a:off x="2709121" y="3491899"/>
+              <a:ext cx="5910592" cy="369332"/>
+            </a:xfrm>
+            <a:prstGeom prst="rect">
+              <a:avLst/>
+            </a:prstGeom>
+            <a:noFill/>
+          </p:spPr>
+          <p:txBody>
+            <a:bodyPr wrap="none" rtlCol="0">
+              <a:spAutoFit/>
+            </a:bodyPr>
+            <a:lstStyle/>
+            <a:p>
+              <a:r>
+                <a:rPr lang="en-US" dirty="0" err="1"/>
+                <a:t>GuiRemoteUtfStringChannelSerializer</a:t>
+              </a:r>
+              <a:r>
+                <a:rPr lang="en-US" dirty="0"/>
+                <a:t>&lt;</a:t>
+              </a:r>
+              <a:r>
+                <a:rPr lang="en-US" dirty="0" err="1"/>
+                <a:t>WString</a:t>
+              </a:r>
+              <a:r>
+                <a:rPr lang="en-US" dirty="0"/>
+                <a:t>, U8String&gt;</a:t>
+              </a:r>
+            </a:p>
+          </p:txBody>
+        </p:sp>
+        <p:sp>
+          <p:nvSpPr>
+            <p:cNvPr id="21" name="TextBox 20">
+              <a:extLst>
+                <a:ext uri="{FF2B5EF4-FFF2-40B4-BE49-F238E27FC236}">
+                  <a16:creationId xmlns:a16="http://schemas.microsoft.com/office/drawing/2014/main" id="{A2CB1C0C-AB8B-CD3B-0195-B0BE1DEEB229}"/>
+                </a:ext>
+              </a:extLst>
+            </p:cNvPr>
+            <p:cNvSpPr txBox="1"/>
+            <p:nvPr/>
+          </p:nvSpPr>
+          <p:spPr>
+            <a:xfrm>
+              <a:off x="2709121" y="3027271"/>
+              <a:ext cx="6285695" cy="369332"/>
+            </a:xfrm>
+            <a:prstGeom prst="rect">
+              <a:avLst/>
+            </a:prstGeom>
+            <a:noFill/>
+          </p:spPr>
+          <p:txBody>
+            <a:bodyPr wrap="none" rtlCol="0">
+              <a:spAutoFit/>
+            </a:bodyPr>
+            <a:lstStyle/>
+            <a:p>
+              <a:r>
+                <a:rPr lang="en-US" dirty="0"/>
+                <a:t>your </a:t>
+              </a:r>
+              <a:r>
+                <a:rPr lang="en-US" dirty="0" err="1"/>
+                <a:t>IGuiRemoteProtocolChannel</a:t>
+              </a:r>
+              <a:r>
+                <a:rPr lang="en-US" dirty="0"/>
+                <a:t>&lt;U8String&gt; implementation</a:t>
+              </a:r>
+            </a:p>
+          </p:txBody>
+        </p:sp>
+        <p:cxnSp>
+          <p:nvCxnSpPr>
+            <p:cNvPr id="23" name="Connector: Curved 22">
+              <a:extLst>
+                <a:ext uri="{FF2B5EF4-FFF2-40B4-BE49-F238E27FC236}">
+                  <a16:creationId xmlns:a16="http://schemas.microsoft.com/office/drawing/2014/main" id="{81227BEA-3757-522B-696C-CBC9773029BE}"/>
+                </a:ext>
+              </a:extLst>
+            </p:cNvPr>
+            <p:cNvCxnSpPr>
+              <a:stCxn id="12" idx="1"/>
+              <a:endCxn id="3" idx="1"/>
+            </p:cNvCxnSpPr>
+            <p:nvPr/>
+          </p:nvCxnSpPr>
+          <p:spPr>
+            <a:xfrm rot="10800000">
+              <a:off x="2709121" y="5999705"/>
+              <a:ext cx="12700" cy="464628"/>
+            </a:xfrm>
+            <a:prstGeom prst="curvedConnector3">
+              <a:avLst>
+                <a:gd name="adj1" fmla="val 1800000"/>
+              </a:avLst>
+            </a:prstGeom>
+            <a:ln>
+              <a:tailEnd type="triangle"/>
+            </a:ln>
+          </p:spPr>
+          <p:style>
+            <a:lnRef idx="1">
+              <a:schemeClr val="accent1"/>
+            </a:lnRef>
+            <a:fillRef idx="0">
+              <a:schemeClr val="accent1"/>
+            </a:fillRef>
+            <a:effectRef idx="0">
+              <a:schemeClr val="accent1"/>
+            </a:effectRef>
+            <a:fontRef idx="minor">
+              <a:schemeClr val="tx1"/>
+            </a:fontRef>
+          </p:style>
+        </p:cxnSp>
+        <p:cxnSp>
+          <p:nvCxnSpPr>
+            <p:cNvPr id="25" name="Connector: Curved 24">
+              <a:extLst>
+                <a:ext uri="{FF2B5EF4-FFF2-40B4-BE49-F238E27FC236}">
+                  <a16:creationId xmlns:a16="http://schemas.microsoft.com/office/drawing/2014/main" id="{335EBB75-3AB3-E6E8-4354-020557B7DB90}"/>
+                </a:ext>
+              </a:extLst>
+            </p:cNvPr>
+            <p:cNvCxnSpPr>
+              <a:stCxn id="3" idx="1"/>
+              <a:endCxn id="13" idx="1"/>
+            </p:cNvCxnSpPr>
+            <p:nvPr/>
+          </p:nvCxnSpPr>
+          <p:spPr>
+            <a:xfrm rot="10800000">
+              <a:off x="2709121" y="5535077"/>
+              <a:ext cx="12700" cy="464628"/>
+            </a:xfrm>
+            <a:prstGeom prst="curvedConnector3">
+              <a:avLst>
+                <a:gd name="adj1" fmla="val 1800000"/>
+              </a:avLst>
+            </a:prstGeom>
+            <a:ln>
+              <a:tailEnd type="triangle"/>
+            </a:ln>
+          </p:spPr>
+          <p:style>
+            <a:lnRef idx="1">
+              <a:schemeClr val="accent1"/>
+            </a:lnRef>
+            <a:fillRef idx="0">
+              <a:schemeClr val="accent1"/>
+            </a:fillRef>
+            <a:effectRef idx="0">
+              <a:schemeClr val="accent1"/>
+            </a:effectRef>
+            <a:fontRef idx="minor">
+              <a:schemeClr val="tx1"/>
+            </a:fontRef>
+          </p:style>
+        </p:cxnSp>
+        <p:cxnSp>
+          <p:nvCxnSpPr>
+            <p:cNvPr id="29" name="Connector: Curved 28">
+              <a:extLst>
+                <a:ext uri="{FF2B5EF4-FFF2-40B4-BE49-F238E27FC236}">
+                  <a16:creationId xmlns:a16="http://schemas.microsoft.com/office/drawing/2014/main" id="{D4707DA8-625C-5885-6CE8-6ABF9F546678}"/>
+                </a:ext>
+              </a:extLst>
+            </p:cNvPr>
+            <p:cNvCxnSpPr>
+              <a:stCxn id="13" idx="1"/>
+              <a:endCxn id="15" idx="1"/>
+            </p:cNvCxnSpPr>
+            <p:nvPr/>
+          </p:nvCxnSpPr>
+          <p:spPr>
+            <a:xfrm rot="10800000">
+              <a:off x="2709121" y="5070449"/>
+              <a:ext cx="12700" cy="464628"/>
+            </a:xfrm>
+            <a:prstGeom prst="curvedConnector3">
+              <a:avLst>
+                <a:gd name="adj1" fmla="val 1800000"/>
+              </a:avLst>
+            </a:prstGeom>
+            <a:ln>
+              <a:tailEnd type="triangle"/>
+            </a:ln>
+          </p:spPr>
+          <p:style>
+            <a:lnRef idx="1">
+              <a:schemeClr val="accent1"/>
+            </a:lnRef>
+            <a:fillRef idx="0">
+              <a:schemeClr val="accent1"/>
+            </a:fillRef>
+            <a:effectRef idx="0">
+              <a:schemeClr val="accent1"/>
+            </a:effectRef>
+            <a:fontRef idx="minor">
+              <a:schemeClr val="tx1"/>
+            </a:fontRef>
+          </p:style>
+        </p:cxnSp>
+        <p:cxnSp>
+          <p:nvCxnSpPr>
+            <p:cNvPr id="31" name="Connector: Curved 30">
+              <a:extLst>
+                <a:ext uri="{FF2B5EF4-FFF2-40B4-BE49-F238E27FC236}">
+                  <a16:creationId xmlns:a16="http://schemas.microsoft.com/office/drawing/2014/main" id="{D64803A3-E8F6-6AE3-906D-9E074F24343A}"/>
+                </a:ext>
+              </a:extLst>
+            </p:cNvPr>
+            <p:cNvCxnSpPr>
+              <a:stCxn id="15" idx="1"/>
+              <a:endCxn id="16" idx="1"/>
+            </p:cNvCxnSpPr>
+            <p:nvPr/>
+          </p:nvCxnSpPr>
+          <p:spPr>
+            <a:xfrm rot="10800000">
+              <a:off x="2709121" y="4605821"/>
+              <a:ext cx="12700" cy="464628"/>
+            </a:xfrm>
+            <a:prstGeom prst="curvedConnector3">
+              <a:avLst>
+                <a:gd name="adj1" fmla="val 1800000"/>
+              </a:avLst>
+            </a:prstGeom>
+            <a:ln>
+              <a:tailEnd type="triangle"/>
+            </a:ln>
+          </p:spPr>
+          <p:style>
+            <a:lnRef idx="1">
+              <a:schemeClr val="accent1"/>
+            </a:lnRef>
+            <a:fillRef idx="0">
+              <a:schemeClr val="accent1"/>
+            </a:fillRef>
+            <a:effectRef idx="0">
+              <a:schemeClr val="accent1"/>
+            </a:effectRef>
+            <a:fontRef idx="minor">
+              <a:schemeClr val="tx1"/>
+            </a:fontRef>
+          </p:style>
+        </p:cxnSp>
+        <p:cxnSp>
+          <p:nvCxnSpPr>
+            <p:cNvPr id="33" name="Connector: Curved 32">
+              <a:extLst>
+                <a:ext uri="{FF2B5EF4-FFF2-40B4-BE49-F238E27FC236}">
+                  <a16:creationId xmlns:a16="http://schemas.microsoft.com/office/drawing/2014/main" id="{853313B3-D611-F4D6-8AB4-BB24187293B8}"/>
+                </a:ext>
+              </a:extLst>
+            </p:cNvPr>
+            <p:cNvCxnSpPr>
+              <a:stCxn id="16" idx="1"/>
+              <a:endCxn id="17" idx="1"/>
+            </p:cNvCxnSpPr>
+            <p:nvPr/>
+          </p:nvCxnSpPr>
+          <p:spPr>
+            <a:xfrm rot="10800000">
+              <a:off x="2709121" y="4141193"/>
+              <a:ext cx="12700" cy="464628"/>
+            </a:xfrm>
+            <a:prstGeom prst="curvedConnector3">
+              <a:avLst>
+                <a:gd name="adj1" fmla="val 1800000"/>
+              </a:avLst>
+            </a:prstGeom>
+            <a:ln>
+              <a:tailEnd type="triangle"/>
+            </a:ln>
+          </p:spPr>
+          <p:style>
+            <a:lnRef idx="1">
+              <a:schemeClr val="accent1"/>
+            </a:lnRef>
+            <a:fillRef idx="0">
+              <a:schemeClr val="accent1"/>
+            </a:fillRef>
+            <a:effectRef idx="0">
+              <a:schemeClr val="accent1"/>
+            </a:effectRef>
+            <a:fontRef idx="minor">
+              <a:schemeClr val="tx1"/>
+            </a:fontRef>
+          </p:style>
+        </p:cxnSp>
+        <p:cxnSp>
+          <p:nvCxnSpPr>
+            <p:cNvPr id="35" name="Connector: Curved 34">
+              <a:extLst>
+                <a:ext uri="{FF2B5EF4-FFF2-40B4-BE49-F238E27FC236}">
+                  <a16:creationId xmlns:a16="http://schemas.microsoft.com/office/drawing/2014/main" id="{29476E5D-2FD2-3079-D65E-2DB94DE26F0F}"/>
+                </a:ext>
+              </a:extLst>
+            </p:cNvPr>
+            <p:cNvCxnSpPr>
+              <a:stCxn id="17" idx="1"/>
+              <a:endCxn id="19" idx="1"/>
+            </p:cNvCxnSpPr>
+            <p:nvPr/>
+          </p:nvCxnSpPr>
+          <p:spPr>
+            <a:xfrm rot="10800000">
+              <a:off x="2709121" y="3676565"/>
+              <a:ext cx="12700" cy="464628"/>
+            </a:xfrm>
+            <a:prstGeom prst="curvedConnector3">
+              <a:avLst>
+                <a:gd name="adj1" fmla="val 1800000"/>
+              </a:avLst>
+            </a:prstGeom>
+            <a:ln>
+              <a:tailEnd type="triangle"/>
+            </a:ln>
+          </p:spPr>
+          <p:style>
+            <a:lnRef idx="1">
+              <a:schemeClr val="accent1"/>
+            </a:lnRef>
+            <a:fillRef idx="0">
+              <a:schemeClr val="accent1"/>
+            </a:fillRef>
+            <a:effectRef idx="0">
+              <a:schemeClr val="accent1"/>
+            </a:effectRef>
+            <a:fontRef idx="minor">
+              <a:schemeClr val="tx1"/>
+            </a:fontRef>
+          </p:style>
+        </p:cxnSp>
+        <p:cxnSp>
+          <p:nvCxnSpPr>
+            <p:cNvPr id="37" name="Connector: Curved 36">
+              <a:extLst>
+                <a:ext uri="{FF2B5EF4-FFF2-40B4-BE49-F238E27FC236}">
+                  <a16:creationId xmlns:a16="http://schemas.microsoft.com/office/drawing/2014/main" id="{592C3748-5028-3530-1A97-045897A8FCA7}"/>
+                </a:ext>
+              </a:extLst>
+            </p:cNvPr>
+            <p:cNvCxnSpPr>
+              <a:stCxn id="19" idx="1"/>
+              <a:endCxn id="21" idx="1"/>
+            </p:cNvCxnSpPr>
+            <p:nvPr/>
+          </p:nvCxnSpPr>
+          <p:spPr>
+            <a:xfrm rot="10800000">
+              <a:off x="2709121" y="3211937"/>
+              <a:ext cx="12700" cy="464628"/>
+            </a:xfrm>
+            <a:prstGeom prst="curvedConnector3">
+              <a:avLst>
+                <a:gd name="adj1" fmla="val 1800000"/>
+              </a:avLst>
+            </a:prstGeom>
+            <a:ln>
+              <a:tailEnd type="triangle"/>
+            </a:ln>
+          </p:spPr>
+          <p:style>
+            <a:lnRef idx="1">
+              <a:schemeClr val="accent1"/>
+            </a:lnRef>
+            <a:fillRef idx="0">
+              <a:schemeClr val="accent1"/>
+            </a:fillRef>
+            <a:effectRef idx="0">
+              <a:schemeClr val="accent1"/>
+            </a:effectRef>
+            <a:fontRef idx="minor">
+              <a:schemeClr val="tx1"/>
+            </a:fontRef>
+          </p:style>
+        </p:cxnSp>
+        <p:sp>
+          <p:nvSpPr>
+            <p:cNvPr id="89" name="TextBox 88">
+              <a:extLst>
+                <a:ext uri="{FF2B5EF4-FFF2-40B4-BE49-F238E27FC236}">
+                  <a16:creationId xmlns:a16="http://schemas.microsoft.com/office/drawing/2014/main" id="{CC3877F9-8A05-5754-4546-61A2E4C77A7D}"/>
+                </a:ext>
+              </a:extLst>
+            </p:cNvPr>
+            <p:cNvSpPr txBox="1"/>
+            <p:nvPr/>
+          </p:nvSpPr>
+          <p:spPr>
+            <a:xfrm>
+              <a:off x="9834115" y="6207441"/>
+              <a:ext cx="2270173" cy="584775"/>
+            </a:xfrm>
+            <a:prstGeom prst="rect">
+              <a:avLst/>
+            </a:prstGeom>
+            <a:noFill/>
+          </p:spPr>
+          <p:txBody>
+            <a:bodyPr wrap="none" rtlCol="0">
+              <a:spAutoFit/>
+            </a:bodyPr>
+            <a:lstStyle/>
+            <a:p>
+              <a:r>
+                <a:rPr lang="en-US" sz="3200" b="1" dirty="0" err="1">
+                  <a:solidFill>
+                    <a:schemeClr val="accent6"/>
+                  </a:solidFill>
+                </a:rPr>
+                <a:t>GacUI</a:t>
+              </a:r>
+              <a:r>
+                <a:rPr lang="en-US" sz="3200" b="1" dirty="0">
+                  <a:solidFill>
+                    <a:schemeClr val="accent6"/>
+                  </a:solidFill>
+                </a:rPr>
+                <a:t> Core</a:t>
+              </a:r>
+            </a:p>
+          </p:txBody>
+        </p:sp>
+      </p:grpSp>
+      <p:grpSp>
+        <p:nvGrpSpPr>
+          <p:cNvPr id="93" name="Group 92">
             <a:extLst>
               <a:ext uri="{FF2B5EF4-FFF2-40B4-BE49-F238E27FC236}">
-                <a16:creationId xmlns:a16="http://schemas.microsoft.com/office/drawing/2014/main" id="{DBBA7CBF-91C4-9A58-8620-43DB56A846CC}"/>
+                <a16:creationId xmlns:a16="http://schemas.microsoft.com/office/drawing/2014/main" id="{2F42197D-3649-CEF3-C370-7508D37B73EF}"/>
               </a:ext>
             </a:extLst>
           </p:cNvPr>
-          <p:cNvSpPr/>
+          <p:cNvGrpSpPr/>
           <p:nvPr/>
-        </p:nvSpPr>
-        <p:spPr>
+        </p:nvGrpSpPr>
+        <p:grpSpPr>
           <a:xfrm>
-            <a:off x="339063" y="4365645"/>
-            <a:ext cx="1917700" cy="533400"/>
+            <a:off x="52627" y="65784"/>
+            <a:ext cx="12051661" cy="2393475"/>
+            <a:chOff x="52627" y="65784"/>
+            <a:chExt cx="12051661" cy="2393475"/>
           </a:xfrm>
-          <a:prstGeom prst="roundRect">
-            <a:avLst/>
-          </a:prstGeom>
-        </p:spPr>
-        <p:style>
-          <a:lnRef idx="2">
-            <a:schemeClr val="accent1">
-              <a:shade val="15000"/>
-            </a:schemeClr>
-          </a:lnRef>
-          <a:fillRef idx="1">
-            <a:schemeClr val="accent1"/>
-          </a:fillRef>
-          <a:effectRef idx="0">
-            <a:schemeClr val="accent1"/>
-          </a:effectRef>
-          <a:fontRef idx="minor">
-            <a:schemeClr val="lt1"/>
-          </a:fontRef>
-        </p:style>
-        <p:txBody>
-          <a:bodyPr rtlCol="0" anchor="ctr"/>
-          <a:lstStyle/>
-          <a:p>
-            <a:pPr algn="ctr"/>
-            <a:r>
-              <a:rPr lang="en-US" dirty="0" err="1"/>
-              <a:t>GuiApplication</a:t>
-            </a:r>
-            <a:endParaRPr lang="en-US" dirty="0"/>
-          </a:p>
-        </p:txBody>
-      </p:sp>
-      <p:sp>
-        <p:nvSpPr>
-          <p:cNvPr id="10" name="Rectangle: Rounded Corners 9">
-            <a:extLst>
-              <a:ext uri="{FF2B5EF4-FFF2-40B4-BE49-F238E27FC236}">
-                <a16:creationId xmlns:a16="http://schemas.microsoft.com/office/drawing/2014/main" id="{8DD677EE-879A-05E1-2FEF-553A7751915A}"/>
-              </a:ext>
-            </a:extLst>
-          </p:cNvPr>
-          <p:cNvSpPr/>
-          <p:nvPr/>
-        </p:nvSpPr>
-        <p:spPr>
-          <a:xfrm>
-            <a:off x="339063" y="5281639"/>
-            <a:ext cx="1917700" cy="533400"/>
-          </a:xfrm>
-          <a:prstGeom prst="roundRect">
-            <a:avLst/>
-          </a:prstGeom>
-        </p:spPr>
-        <p:style>
-          <a:lnRef idx="2">
-            <a:schemeClr val="accent2">
-              <a:shade val="15000"/>
-            </a:schemeClr>
-          </a:lnRef>
-          <a:fillRef idx="1">
-            <a:schemeClr val="accent2"/>
-          </a:fillRef>
-          <a:effectRef idx="0">
-            <a:schemeClr val="accent2"/>
-          </a:effectRef>
-          <a:fontRef idx="minor">
-            <a:schemeClr val="lt1"/>
-          </a:fontRef>
-        </p:style>
-        <p:txBody>
-          <a:bodyPr rtlCol="0" anchor="ctr"/>
-          <a:lstStyle/>
-          <a:p>
-            <a:pPr algn="ctr"/>
-            <a:r>
-              <a:rPr lang="en-US" dirty="0"/>
-              <a:t>Hosted Mode</a:t>
-            </a:r>
-          </a:p>
-        </p:txBody>
-      </p:sp>
-      <p:sp>
-        <p:nvSpPr>
-          <p:cNvPr id="11" name="Rectangle: Rounded Corners 10">
-            <a:extLst>
-              <a:ext uri="{FF2B5EF4-FFF2-40B4-BE49-F238E27FC236}">
-                <a16:creationId xmlns:a16="http://schemas.microsoft.com/office/drawing/2014/main" id="{4B2761DE-12BF-C00C-A219-F57AB54704CF}"/>
-              </a:ext>
-            </a:extLst>
-          </p:cNvPr>
-          <p:cNvSpPr/>
-          <p:nvPr/>
-        </p:nvSpPr>
-        <p:spPr>
-          <a:xfrm>
-            <a:off x="145388" y="6197633"/>
-            <a:ext cx="2317750" cy="533400"/>
-          </a:xfrm>
-          <a:prstGeom prst="roundRect">
-            <a:avLst/>
-          </a:prstGeom>
-        </p:spPr>
-        <p:style>
-          <a:lnRef idx="2">
-            <a:schemeClr val="accent4">
-              <a:shade val="15000"/>
-            </a:schemeClr>
-          </a:lnRef>
-          <a:fillRef idx="1">
-            <a:schemeClr val="accent4"/>
-          </a:fillRef>
-          <a:effectRef idx="0">
-            <a:schemeClr val="accent4"/>
-          </a:effectRef>
-          <a:fontRef idx="minor">
-            <a:schemeClr val="lt1"/>
-          </a:fontRef>
-        </p:style>
-        <p:txBody>
-          <a:bodyPr rtlCol="0" anchor="ctr"/>
-          <a:lstStyle/>
-          <a:p>
-            <a:pPr algn="ctr"/>
-            <a:r>
-              <a:rPr lang="en-US" dirty="0"/>
-              <a:t>Remote Protocol</a:t>
-            </a:r>
-          </a:p>
-        </p:txBody>
-      </p:sp>
-      <p:sp>
-        <p:nvSpPr>
-          <p:cNvPr id="12" name="TextBox 11">
-            <a:extLst>
-              <a:ext uri="{FF2B5EF4-FFF2-40B4-BE49-F238E27FC236}">
-                <a16:creationId xmlns:a16="http://schemas.microsoft.com/office/drawing/2014/main" id="{DB00A47A-BFFB-48AA-7857-016082613D2D}"/>
-              </a:ext>
-            </a:extLst>
-          </p:cNvPr>
-          <p:cNvSpPr txBox="1"/>
-          <p:nvPr/>
-        </p:nvSpPr>
-        <p:spPr>
-          <a:xfrm>
-            <a:off x="2709121" y="6279667"/>
-            <a:ext cx="5424883" cy="369332"/>
-          </a:xfrm>
-          <a:prstGeom prst="rect">
-            <a:avLst/>
-          </a:prstGeom>
-          <a:noFill/>
-        </p:spPr>
-        <p:txBody>
-          <a:bodyPr wrap="none" rtlCol="0">
-            <a:spAutoFit/>
-          </a:bodyPr>
-          <a:lstStyle/>
-          <a:p>
-            <a:r>
-              <a:rPr lang="en-US" dirty="0" err="1"/>
-              <a:t>SetupRemoteNativeController</a:t>
-            </a:r>
-            <a:r>
-              <a:rPr lang="en-US" dirty="0"/>
-              <a:t>(</a:t>
-            </a:r>
-            <a:r>
-              <a:rPr lang="en-US" dirty="0" err="1"/>
-              <a:t>IGuiRemoteProtocol</a:t>
-            </a:r>
-            <a:r>
-              <a:rPr lang="en-US" dirty="0"/>
-              <a:t>*);</a:t>
-            </a:r>
-          </a:p>
-        </p:txBody>
-      </p:sp>
-      <p:cxnSp>
-        <p:nvCxnSpPr>
-          <p:cNvPr id="14" name="Connector: Curved 13">
-            <a:extLst>
-              <a:ext uri="{FF2B5EF4-FFF2-40B4-BE49-F238E27FC236}">
-                <a16:creationId xmlns:a16="http://schemas.microsoft.com/office/drawing/2014/main" id="{2CCF4A96-4567-8B98-8924-B5988B2C4616}"/>
-              </a:ext>
-            </a:extLst>
-          </p:cNvPr>
-          <p:cNvCxnSpPr>
-            <a:stCxn id="20" idx="2"/>
-            <a:endCxn id="10" idx="0"/>
-          </p:cNvCxnSpPr>
-          <p:nvPr/>
-        </p:nvCxnSpPr>
-        <p:spPr>
-          <a:xfrm rot="5400000">
-            <a:off x="1106616" y="5090342"/>
-            <a:ext cx="382594" cy="12700"/>
-          </a:xfrm>
-          <a:prstGeom prst="curvedConnector3">
-            <a:avLst/>
-          </a:prstGeom>
-          <a:ln w="19050">
-            <a:tailEnd type="triangle"/>
-          </a:ln>
-        </p:spPr>
-        <p:style>
-          <a:lnRef idx="1">
-            <a:schemeClr val="accent1"/>
-          </a:lnRef>
-          <a:fillRef idx="0">
-            <a:schemeClr val="accent1"/>
-          </a:fillRef>
-          <a:effectRef idx="0">
-            <a:schemeClr val="accent1"/>
-          </a:effectRef>
-          <a:fontRef idx="minor">
-            <a:schemeClr val="tx1"/>
-          </a:fontRef>
-        </p:style>
-      </p:cxnSp>
-      <p:cxnSp>
-        <p:nvCxnSpPr>
-          <p:cNvPr id="18" name="Connector: Curved 17">
-            <a:extLst>
-              <a:ext uri="{FF2B5EF4-FFF2-40B4-BE49-F238E27FC236}">
-                <a16:creationId xmlns:a16="http://schemas.microsoft.com/office/drawing/2014/main" id="{2EE207E8-B499-3968-1175-18304DD69849}"/>
-              </a:ext>
-            </a:extLst>
-          </p:cNvPr>
-          <p:cNvCxnSpPr>
-            <a:stCxn id="10" idx="2"/>
-            <a:endCxn id="11" idx="0"/>
-          </p:cNvCxnSpPr>
-          <p:nvPr/>
-        </p:nvCxnSpPr>
-        <p:spPr>
-          <a:xfrm rot="16200000" flipH="1">
-            <a:off x="1109791" y="6003161"/>
-            <a:ext cx="382594" cy="6350"/>
-          </a:xfrm>
-          <a:prstGeom prst="curvedConnector3">
-            <a:avLst/>
-          </a:prstGeom>
-          <a:ln w="19050">
-            <a:tailEnd type="triangle"/>
-          </a:ln>
-        </p:spPr>
-        <p:style>
-          <a:lnRef idx="1">
-            <a:schemeClr val="accent2"/>
-          </a:lnRef>
-          <a:fillRef idx="0">
-            <a:schemeClr val="accent2"/>
-          </a:fillRef>
-          <a:effectRef idx="0">
-            <a:schemeClr val="accent2"/>
-          </a:effectRef>
-          <a:fontRef idx="minor">
-            <a:schemeClr val="tx1"/>
-          </a:fontRef>
-        </p:style>
-      </p:cxnSp>
-      <p:sp>
-        <p:nvSpPr>
-          <p:cNvPr id="3" name="TextBox 2">
-            <a:extLst>
-              <a:ext uri="{FF2B5EF4-FFF2-40B4-BE49-F238E27FC236}">
-                <a16:creationId xmlns:a16="http://schemas.microsoft.com/office/drawing/2014/main" id="{0AE8AD24-004D-D1AE-460F-8734022BE910}"/>
-              </a:ext>
-            </a:extLst>
-          </p:cNvPr>
-          <p:cNvSpPr txBox="1"/>
-          <p:nvPr/>
-        </p:nvSpPr>
-        <p:spPr>
-          <a:xfrm>
-            <a:off x="2709121" y="5815039"/>
-            <a:ext cx="3930884" cy="369332"/>
-          </a:xfrm>
-          <a:prstGeom prst="rect">
-            <a:avLst/>
-          </a:prstGeom>
-          <a:noFill/>
-        </p:spPr>
-        <p:txBody>
-          <a:bodyPr wrap="none" rtlCol="0">
-            <a:spAutoFit/>
-          </a:bodyPr>
-          <a:lstStyle/>
-          <a:p>
-            <a:r>
-              <a:rPr lang="en-US" dirty="0" err="1"/>
-              <a:t>GuiRemoteProtocolDomDiffConverter</a:t>
-            </a:r>
-            <a:endParaRPr lang="en-US" dirty="0"/>
-          </a:p>
-        </p:txBody>
-      </p:sp>
-      <p:sp>
-        <p:nvSpPr>
-          <p:cNvPr id="13" name="TextBox 12">
-            <a:extLst>
-              <a:ext uri="{FF2B5EF4-FFF2-40B4-BE49-F238E27FC236}">
-                <a16:creationId xmlns:a16="http://schemas.microsoft.com/office/drawing/2014/main" id="{F13B7F3E-1E1A-F5C4-EAE1-3306C7528763}"/>
-              </a:ext>
-            </a:extLst>
-          </p:cNvPr>
-          <p:cNvSpPr txBox="1"/>
-          <p:nvPr/>
-        </p:nvSpPr>
-        <p:spPr>
-          <a:xfrm>
-            <a:off x="2709121" y="5350411"/>
-            <a:ext cx="2606804" cy="369332"/>
-          </a:xfrm>
-          <a:prstGeom prst="rect">
-            <a:avLst/>
-          </a:prstGeom>
-          <a:noFill/>
-        </p:spPr>
-        <p:txBody>
-          <a:bodyPr wrap="none" rtlCol="0">
-            <a:spAutoFit/>
-          </a:bodyPr>
-          <a:lstStyle/>
-          <a:p>
-            <a:r>
-              <a:rPr lang="en-US" dirty="0" err="1"/>
-              <a:t>GuiRemoteProtocolFilter</a:t>
-            </a:r>
-            <a:endParaRPr lang="en-US" dirty="0"/>
-          </a:p>
-        </p:txBody>
-      </p:sp>
-      <p:sp>
-        <p:nvSpPr>
-          <p:cNvPr id="15" name="TextBox 14">
-            <a:extLst>
-              <a:ext uri="{FF2B5EF4-FFF2-40B4-BE49-F238E27FC236}">
-                <a16:creationId xmlns:a16="http://schemas.microsoft.com/office/drawing/2014/main" id="{5446B715-57EA-0CC3-FCCF-D27BAB21239D}"/>
-              </a:ext>
-            </a:extLst>
-          </p:cNvPr>
-          <p:cNvSpPr txBox="1"/>
-          <p:nvPr/>
-        </p:nvSpPr>
-        <p:spPr>
-          <a:xfrm>
-            <a:off x="2709121" y="4885783"/>
-            <a:ext cx="3879588" cy="369332"/>
-          </a:xfrm>
-          <a:prstGeom prst="rect">
-            <a:avLst/>
-          </a:prstGeom>
-          <a:noFill/>
-        </p:spPr>
-        <p:txBody>
-          <a:bodyPr wrap="none" rtlCol="0">
-            <a:spAutoFit/>
-          </a:bodyPr>
-          <a:lstStyle/>
-          <a:p>
-            <a:r>
-              <a:rPr lang="en-US" dirty="0" err="1"/>
-              <a:t>GuiRemoteProtocolFromJsonChannel</a:t>
-            </a:r>
-            <a:endParaRPr lang="en-US" dirty="0"/>
-          </a:p>
-        </p:txBody>
-      </p:sp>
-      <p:sp>
-        <p:nvSpPr>
-          <p:cNvPr id="16" name="TextBox 15">
-            <a:extLst>
-              <a:ext uri="{FF2B5EF4-FFF2-40B4-BE49-F238E27FC236}">
-                <a16:creationId xmlns:a16="http://schemas.microsoft.com/office/drawing/2014/main" id="{98B76AB7-F3AE-D563-76DA-7A1AD4BFE4B7}"/>
-              </a:ext>
-            </a:extLst>
-          </p:cNvPr>
-          <p:cNvSpPr txBox="1"/>
-          <p:nvPr/>
-        </p:nvSpPr>
-        <p:spPr>
-          <a:xfrm>
-            <a:off x="2709121" y="4421155"/>
-            <a:ext cx="4831772" cy="369332"/>
-          </a:xfrm>
-          <a:prstGeom prst="rect">
-            <a:avLst/>
-          </a:prstGeom>
-          <a:noFill/>
-        </p:spPr>
-        <p:txBody>
-          <a:bodyPr wrap="none" rtlCol="0">
-            <a:spAutoFit/>
-          </a:bodyPr>
-          <a:lstStyle/>
-          <a:p>
-            <a:r>
-              <a:rPr lang="en-US" dirty="0" err="1"/>
-              <a:t>GuiRemoteProtocolAsyncJsonChannelSerializer</a:t>
-            </a:r>
-            <a:endParaRPr lang="en-US" dirty="0"/>
-          </a:p>
-        </p:txBody>
-      </p:sp>
-      <p:sp>
-        <p:nvSpPr>
-          <p:cNvPr id="17" name="TextBox 16">
-            <a:extLst>
-              <a:ext uri="{FF2B5EF4-FFF2-40B4-BE49-F238E27FC236}">
-                <a16:creationId xmlns:a16="http://schemas.microsoft.com/office/drawing/2014/main" id="{05D687EE-68F3-2782-5DBA-97AAB1E2DBF3}"/>
-              </a:ext>
-            </a:extLst>
-          </p:cNvPr>
-          <p:cNvSpPr txBox="1"/>
-          <p:nvPr/>
-        </p:nvSpPr>
-        <p:spPr>
-          <a:xfrm>
-            <a:off x="2709121" y="3956527"/>
-            <a:ext cx="3999813" cy="369332"/>
-          </a:xfrm>
-          <a:prstGeom prst="rect">
-            <a:avLst/>
-          </a:prstGeom>
-          <a:noFill/>
-        </p:spPr>
-        <p:txBody>
-          <a:bodyPr wrap="none" rtlCol="0">
-            <a:spAutoFit/>
-          </a:bodyPr>
-          <a:lstStyle/>
-          <a:p>
-            <a:r>
-              <a:rPr lang="en-US" dirty="0" err="1"/>
-              <a:t>GuiRemoteJsonChannelStringSerializer</a:t>
-            </a:r>
-            <a:endParaRPr lang="en-US" dirty="0"/>
-          </a:p>
-        </p:txBody>
-      </p:sp>
-      <p:sp>
-        <p:nvSpPr>
-          <p:cNvPr id="19" name="TextBox 18">
-            <a:extLst>
-              <a:ext uri="{FF2B5EF4-FFF2-40B4-BE49-F238E27FC236}">
-                <a16:creationId xmlns:a16="http://schemas.microsoft.com/office/drawing/2014/main" id="{C29BE5D2-7025-1726-805C-EEBE507F3365}"/>
-              </a:ext>
-            </a:extLst>
-          </p:cNvPr>
-          <p:cNvSpPr txBox="1"/>
-          <p:nvPr/>
-        </p:nvSpPr>
-        <p:spPr>
-          <a:xfrm>
-            <a:off x="2709121" y="3491899"/>
-            <a:ext cx="5910592" cy="369332"/>
-          </a:xfrm>
-          <a:prstGeom prst="rect">
-            <a:avLst/>
-          </a:prstGeom>
-          <a:noFill/>
-        </p:spPr>
-        <p:txBody>
-          <a:bodyPr wrap="none" rtlCol="0">
-            <a:spAutoFit/>
-          </a:bodyPr>
-          <a:lstStyle/>
-          <a:p>
-            <a:r>
-              <a:rPr lang="en-US" dirty="0" err="1"/>
-              <a:t>GuiRemoteUtfStringChannelSerializer</a:t>
-            </a:r>
-            <a:r>
-              <a:rPr lang="en-US" dirty="0"/>
-              <a:t>&lt;</a:t>
-            </a:r>
-            <a:r>
-              <a:rPr lang="en-US" dirty="0" err="1"/>
-              <a:t>WString</a:t>
-            </a:r>
-            <a:r>
-              <a:rPr lang="en-US" dirty="0"/>
-              <a:t>, U8String&gt;</a:t>
-            </a:r>
-          </a:p>
-        </p:txBody>
-      </p:sp>
-      <p:sp>
-        <p:nvSpPr>
-          <p:cNvPr id="21" name="TextBox 20">
-            <a:extLst>
-              <a:ext uri="{FF2B5EF4-FFF2-40B4-BE49-F238E27FC236}">
-                <a16:creationId xmlns:a16="http://schemas.microsoft.com/office/drawing/2014/main" id="{A2CB1C0C-AB8B-CD3B-0195-B0BE1DEEB229}"/>
-              </a:ext>
-            </a:extLst>
-          </p:cNvPr>
-          <p:cNvSpPr txBox="1"/>
-          <p:nvPr/>
-        </p:nvSpPr>
-        <p:spPr>
-          <a:xfrm>
-            <a:off x="2709121" y="3027271"/>
-            <a:ext cx="6285695" cy="369332"/>
-          </a:xfrm>
-          <a:prstGeom prst="rect">
-            <a:avLst/>
-          </a:prstGeom>
-          <a:noFill/>
-        </p:spPr>
-        <p:txBody>
-          <a:bodyPr wrap="none" rtlCol="0">
-            <a:spAutoFit/>
-          </a:bodyPr>
-          <a:lstStyle/>
-          <a:p>
-            <a:r>
-              <a:rPr lang="en-US" dirty="0"/>
-              <a:t>your </a:t>
-            </a:r>
-            <a:r>
-              <a:rPr lang="en-US" dirty="0" err="1"/>
-              <a:t>IGuiRemoteProtocolChannel</a:t>
-            </a:r>
-            <a:r>
-              <a:rPr lang="en-US" dirty="0"/>
-              <a:t>&lt;U8String&gt; implementation</a:t>
-            </a:r>
-          </a:p>
-        </p:txBody>
-      </p:sp>
-      <p:cxnSp>
-        <p:nvCxnSpPr>
-          <p:cNvPr id="23" name="Connector: Curved 22">
-            <a:extLst>
-              <a:ext uri="{FF2B5EF4-FFF2-40B4-BE49-F238E27FC236}">
-                <a16:creationId xmlns:a16="http://schemas.microsoft.com/office/drawing/2014/main" id="{81227BEA-3757-522B-696C-CBC9773029BE}"/>
-              </a:ext>
-            </a:extLst>
-          </p:cNvPr>
-          <p:cNvCxnSpPr>
-            <a:stCxn id="12" idx="1"/>
-            <a:endCxn id="3" idx="1"/>
-          </p:cNvCxnSpPr>
-          <p:nvPr/>
-        </p:nvCxnSpPr>
-        <p:spPr>
-          <a:xfrm rot="10800000">
-            <a:off x="2709121" y="5999705"/>
-            <a:ext cx="12700" cy="464628"/>
-          </a:xfrm>
-          <a:prstGeom prst="curvedConnector3">
-            <a:avLst>
-              <a:gd name="adj1" fmla="val 1800000"/>
-            </a:avLst>
-          </a:prstGeom>
-          <a:ln>
-            <a:tailEnd type="triangle"/>
-          </a:ln>
-        </p:spPr>
-        <p:style>
-          <a:lnRef idx="1">
-            <a:schemeClr val="accent1"/>
-          </a:lnRef>
-          <a:fillRef idx="0">
-            <a:schemeClr val="accent1"/>
-          </a:fillRef>
-          <a:effectRef idx="0">
-            <a:schemeClr val="accent1"/>
-          </a:effectRef>
-          <a:fontRef idx="minor">
-            <a:schemeClr val="tx1"/>
-          </a:fontRef>
-        </p:style>
-      </p:cxnSp>
-      <p:cxnSp>
-        <p:nvCxnSpPr>
-          <p:cNvPr id="25" name="Connector: Curved 24">
-            <a:extLst>
-              <a:ext uri="{FF2B5EF4-FFF2-40B4-BE49-F238E27FC236}">
-                <a16:creationId xmlns:a16="http://schemas.microsoft.com/office/drawing/2014/main" id="{335EBB75-3AB3-E6E8-4354-020557B7DB90}"/>
-              </a:ext>
-            </a:extLst>
-          </p:cNvPr>
-          <p:cNvCxnSpPr>
-            <a:stCxn id="3" idx="1"/>
-            <a:endCxn id="13" idx="1"/>
-          </p:cNvCxnSpPr>
-          <p:nvPr/>
-        </p:nvCxnSpPr>
-        <p:spPr>
-          <a:xfrm rot="10800000">
-            <a:off x="2709121" y="5535077"/>
-            <a:ext cx="12700" cy="464628"/>
-          </a:xfrm>
-          <a:prstGeom prst="curvedConnector3">
-            <a:avLst>
-              <a:gd name="adj1" fmla="val 1800000"/>
-            </a:avLst>
-          </a:prstGeom>
-          <a:ln>
-            <a:tailEnd type="triangle"/>
-          </a:ln>
-        </p:spPr>
-        <p:style>
-          <a:lnRef idx="1">
-            <a:schemeClr val="accent1"/>
-          </a:lnRef>
-          <a:fillRef idx="0">
-            <a:schemeClr val="accent1"/>
-          </a:fillRef>
-          <a:effectRef idx="0">
-            <a:schemeClr val="accent1"/>
-          </a:effectRef>
-          <a:fontRef idx="minor">
-            <a:schemeClr val="tx1"/>
-          </a:fontRef>
-        </p:style>
-      </p:cxnSp>
-      <p:cxnSp>
-        <p:nvCxnSpPr>
-          <p:cNvPr id="29" name="Connector: Curved 28">
-            <a:extLst>
-              <a:ext uri="{FF2B5EF4-FFF2-40B4-BE49-F238E27FC236}">
-                <a16:creationId xmlns:a16="http://schemas.microsoft.com/office/drawing/2014/main" id="{D4707DA8-625C-5885-6CE8-6ABF9F546678}"/>
-              </a:ext>
-            </a:extLst>
-          </p:cNvPr>
-          <p:cNvCxnSpPr>
-            <a:stCxn id="13" idx="1"/>
-            <a:endCxn id="15" idx="1"/>
-          </p:cNvCxnSpPr>
-          <p:nvPr/>
-        </p:nvCxnSpPr>
-        <p:spPr>
-          <a:xfrm rot="10800000">
-            <a:off x="2709121" y="5070449"/>
-            <a:ext cx="12700" cy="464628"/>
-          </a:xfrm>
-          <a:prstGeom prst="curvedConnector3">
-            <a:avLst>
-              <a:gd name="adj1" fmla="val 1800000"/>
-            </a:avLst>
-          </a:prstGeom>
-          <a:ln>
-            <a:tailEnd type="triangle"/>
-          </a:ln>
-        </p:spPr>
-        <p:style>
-          <a:lnRef idx="1">
-            <a:schemeClr val="accent1"/>
-          </a:lnRef>
-          <a:fillRef idx="0">
-            <a:schemeClr val="accent1"/>
-          </a:fillRef>
-          <a:effectRef idx="0">
-            <a:schemeClr val="accent1"/>
-          </a:effectRef>
-          <a:fontRef idx="minor">
-            <a:schemeClr val="tx1"/>
-          </a:fontRef>
-        </p:style>
-      </p:cxnSp>
-      <p:cxnSp>
-        <p:nvCxnSpPr>
-          <p:cNvPr id="31" name="Connector: Curved 30">
-            <a:extLst>
-              <a:ext uri="{FF2B5EF4-FFF2-40B4-BE49-F238E27FC236}">
-                <a16:creationId xmlns:a16="http://schemas.microsoft.com/office/drawing/2014/main" id="{D64803A3-E8F6-6AE3-906D-9E074F24343A}"/>
-              </a:ext>
-            </a:extLst>
-          </p:cNvPr>
-          <p:cNvCxnSpPr>
-            <a:stCxn id="15" idx="1"/>
-            <a:endCxn id="16" idx="1"/>
-          </p:cNvCxnSpPr>
-          <p:nvPr/>
-        </p:nvCxnSpPr>
-        <p:spPr>
-          <a:xfrm rot="10800000">
-            <a:off x="2709121" y="4605821"/>
-            <a:ext cx="12700" cy="464628"/>
-          </a:xfrm>
-          <a:prstGeom prst="curvedConnector3">
-            <a:avLst>
-              <a:gd name="adj1" fmla="val 1800000"/>
-            </a:avLst>
-          </a:prstGeom>
-          <a:ln>
-            <a:tailEnd type="triangle"/>
-          </a:ln>
-        </p:spPr>
-        <p:style>
-          <a:lnRef idx="1">
-            <a:schemeClr val="accent1"/>
-          </a:lnRef>
-          <a:fillRef idx="0">
-            <a:schemeClr val="accent1"/>
-          </a:fillRef>
-          <a:effectRef idx="0">
-            <a:schemeClr val="accent1"/>
-          </a:effectRef>
-          <a:fontRef idx="minor">
-            <a:schemeClr val="tx1"/>
-          </a:fontRef>
-        </p:style>
-      </p:cxnSp>
-      <p:cxnSp>
-        <p:nvCxnSpPr>
-          <p:cNvPr id="33" name="Connector: Curved 32">
-            <a:extLst>
-              <a:ext uri="{FF2B5EF4-FFF2-40B4-BE49-F238E27FC236}">
-                <a16:creationId xmlns:a16="http://schemas.microsoft.com/office/drawing/2014/main" id="{853313B3-D611-F4D6-8AB4-BB24187293B8}"/>
-              </a:ext>
-            </a:extLst>
-          </p:cNvPr>
-          <p:cNvCxnSpPr>
-            <a:stCxn id="16" idx="1"/>
-            <a:endCxn id="17" idx="1"/>
-          </p:cNvCxnSpPr>
-          <p:nvPr/>
-        </p:nvCxnSpPr>
-        <p:spPr>
-          <a:xfrm rot="10800000">
-            <a:off x="2709121" y="4141193"/>
-            <a:ext cx="12700" cy="464628"/>
-          </a:xfrm>
-          <a:prstGeom prst="curvedConnector3">
-            <a:avLst>
-              <a:gd name="adj1" fmla="val 1800000"/>
-            </a:avLst>
-          </a:prstGeom>
-          <a:ln>
-            <a:tailEnd type="triangle"/>
-          </a:ln>
-        </p:spPr>
-        <p:style>
-          <a:lnRef idx="1">
-            <a:schemeClr val="accent1"/>
-          </a:lnRef>
-          <a:fillRef idx="0">
-            <a:schemeClr val="accent1"/>
-          </a:fillRef>
-          <a:effectRef idx="0">
-            <a:schemeClr val="accent1"/>
-          </a:effectRef>
-          <a:fontRef idx="minor">
-            <a:schemeClr val="tx1"/>
-          </a:fontRef>
-        </p:style>
-      </p:cxnSp>
-      <p:cxnSp>
-        <p:nvCxnSpPr>
-          <p:cNvPr id="35" name="Connector: Curved 34">
-            <a:extLst>
-              <a:ext uri="{FF2B5EF4-FFF2-40B4-BE49-F238E27FC236}">
-                <a16:creationId xmlns:a16="http://schemas.microsoft.com/office/drawing/2014/main" id="{29476E5D-2FD2-3079-D65E-2DB94DE26F0F}"/>
-              </a:ext>
-            </a:extLst>
-          </p:cNvPr>
-          <p:cNvCxnSpPr>
-            <a:stCxn id="17" idx="1"/>
-            <a:endCxn id="19" idx="1"/>
-          </p:cNvCxnSpPr>
-          <p:nvPr/>
-        </p:nvCxnSpPr>
-        <p:spPr>
-          <a:xfrm rot="10800000">
-            <a:off x="2709121" y="3676565"/>
-            <a:ext cx="12700" cy="464628"/>
-          </a:xfrm>
-          <a:prstGeom prst="curvedConnector3">
-            <a:avLst>
-              <a:gd name="adj1" fmla="val 1800000"/>
-            </a:avLst>
-          </a:prstGeom>
-          <a:ln>
-            <a:tailEnd type="triangle"/>
-          </a:ln>
-        </p:spPr>
-        <p:style>
-          <a:lnRef idx="1">
-            <a:schemeClr val="accent1"/>
-          </a:lnRef>
-          <a:fillRef idx="0">
-            <a:schemeClr val="accent1"/>
-          </a:fillRef>
-          <a:effectRef idx="0">
-            <a:schemeClr val="accent1"/>
-          </a:effectRef>
-          <a:fontRef idx="minor">
-            <a:schemeClr val="tx1"/>
-          </a:fontRef>
-        </p:style>
-      </p:cxnSp>
-      <p:cxnSp>
-        <p:nvCxnSpPr>
-          <p:cNvPr id="37" name="Connector: Curved 36">
-            <a:extLst>
-              <a:ext uri="{FF2B5EF4-FFF2-40B4-BE49-F238E27FC236}">
-                <a16:creationId xmlns:a16="http://schemas.microsoft.com/office/drawing/2014/main" id="{592C3748-5028-3530-1A97-045897A8FCA7}"/>
-              </a:ext>
-            </a:extLst>
-          </p:cNvPr>
-          <p:cNvCxnSpPr>
-            <a:stCxn id="19" idx="1"/>
-            <a:endCxn id="21" idx="1"/>
-          </p:cNvCxnSpPr>
-          <p:nvPr/>
-        </p:nvCxnSpPr>
-        <p:spPr>
-          <a:xfrm rot="10800000">
-            <a:off x="2709121" y="3211937"/>
-            <a:ext cx="12700" cy="464628"/>
-          </a:xfrm>
-          <a:prstGeom prst="curvedConnector3">
-            <a:avLst>
-              <a:gd name="adj1" fmla="val 1800000"/>
-            </a:avLst>
-          </a:prstGeom>
-          <a:ln>
-            <a:tailEnd type="triangle"/>
-          </a:ln>
-        </p:spPr>
-        <p:style>
-          <a:lnRef idx="1">
-            <a:schemeClr val="accent1"/>
-          </a:lnRef>
-          <a:fillRef idx="0">
-            <a:schemeClr val="accent1"/>
-          </a:fillRef>
-          <a:effectRef idx="0">
-            <a:schemeClr val="accent1"/>
-          </a:effectRef>
-          <a:fontRef idx="minor">
-            <a:schemeClr val="tx1"/>
-          </a:fontRef>
-        </p:style>
-      </p:cxnSp>
-      <p:sp>
-        <p:nvSpPr>
-          <p:cNvPr id="38" name="Rectangle: Rounded Corners 37">
-            <a:extLst>
-              <a:ext uri="{FF2B5EF4-FFF2-40B4-BE49-F238E27FC236}">
-                <a16:creationId xmlns:a16="http://schemas.microsoft.com/office/drawing/2014/main" id="{32348C4E-BAA7-2B74-304A-69FF4E8C8DAC}"/>
-              </a:ext>
-            </a:extLst>
-          </p:cNvPr>
-          <p:cNvSpPr/>
-          <p:nvPr/>
-        </p:nvSpPr>
-        <p:spPr>
-          <a:xfrm>
-            <a:off x="8619713" y="926308"/>
-            <a:ext cx="1917700" cy="533400"/>
-          </a:xfrm>
-          <a:prstGeom prst="roundRect">
-            <a:avLst/>
-          </a:prstGeom>
-        </p:spPr>
-        <p:style>
-          <a:lnRef idx="2">
-            <a:schemeClr val="accent2">
-              <a:shade val="15000"/>
-            </a:schemeClr>
-          </a:lnRef>
-          <a:fillRef idx="1">
-            <a:schemeClr val="accent2"/>
-          </a:fillRef>
-          <a:effectRef idx="0">
-            <a:schemeClr val="accent2"/>
-          </a:effectRef>
-          <a:fontRef idx="minor">
-            <a:schemeClr val="lt1"/>
-          </a:fontRef>
-        </p:style>
-        <p:txBody>
-          <a:bodyPr rtlCol="0" anchor="ctr"/>
-          <a:lstStyle/>
-          <a:p>
-            <a:pPr algn="ctr"/>
-            <a:r>
-              <a:rPr lang="en-US" dirty="0"/>
-              <a:t>Hosted Mode</a:t>
-            </a:r>
-          </a:p>
-        </p:txBody>
-      </p:sp>
-      <p:sp>
-        <p:nvSpPr>
-          <p:cNvPr id="39" name="Rectangle: Rounded Corners 38">
-            <a:extLst>
-              <a:ext uri="{FF2B5EF4-FFF2-40B4-BE49-F238E27FC236}">
-                <a16:creationId xmlns:a16="http://schemas.microsoft.com/office/drawing/2014/main" id="{1AC5359A-834F-ADD7-42C6-EC3260AAA23D}"/>
-              </a:ext>
-            </a:extLst>
-          </p:cNvPr>
-          <p:cNvSpPr/>
-          <p:nvPr/>
-        </p:nvSpPr>
-        <p:spPr>
-          <a:xfrm>
-            <a:off x="8080144" y="1727179"/>
-            <a:ext cx="2996838" cy="533400"/>
-          </a:xfrm>
-          <a:prstGeom prst="roundRect">
-            <a:avLst/>
-          </a:prstGeom>
-        </p:spPr>
-        <p:style>
-          <a:lnRef idx="2">
-            <a:schemeClr val="accent1">
-              <a:shade val="15000"/>
-            </a:schemeClr>
-          </a:lnRef>
-          <a:fillRef idx="1">
-            <a:schemeClr val="accent1"/>
-          </a:fillRef>
-          <a:effectRef idx="0">
-            <a:schemeClr val="accent1"/>
-          </a:effectRef>
-          <a:fontRef idx="minor">
-            <a:schemeClr val="lt1"/>
-          </a:fontRef>
-        </p:style>
-        <p:txBody>
-          <a:bodyPr rtlCol="0" anchor="ctr"/>
-          <a:lstStyle/>
-          <a:p>
-            <a:pPr algn="ctr"/>
-            <a:r>
-              <a:rPr lang="en-US" dirty="0" err="1"/>
-              <a:t>GuiRemoteRendererSingle</a:t>
-            </a:r>
-            <a:endParaRPr lang="en-US" dirty="0"/>
-          </a:p>
-        </p:txBody>
-      </p:sp>
-      <p:sp>
-        <p:nvSpPr>
-          <p:cNvPr id="40" name="Rectangle: Rounded Corners 39">
-            <a:extLst>
-              <a:ext uri="{FF2B5EF4-FFF2-40B4-BE49-F238E27FC236}">
-                <a16:creationId xmlns:a16="http://schemas.microsoft.com/office/drawing/2014/main" id="{649E1AAD-1C6A-B4C7-8866-A43A19E37CD3}"/>
-              </a:ext>
-            </a:extLst>
-          </p:cNvPr>
-          <p:cNvSpPr/>
-          <p:nvPr/>
-        </p:nvSpPr>
-        <p:spPr>
-          <a:xfrm>
-            <a:off x="9678062" y="125437"/>
-            <a:ext cx="2317750" cy="533400"/>
-          </a:xfrm>
-          <a:prstGeom prst="roundRect">
-            <a:avLst/>
-          </a:prstGeom>
-        </p:spPr>
-        <p:style>
-          <a:lnRef idx="2">
-            <a:schemeClr val="accent6">
-              <a:shade val="15000"/>
-            </a:schemeClr>
-          </a:lnRef>
-          <a:fillRef idx="1">
-            <a:schemeClr val="accent6"/>
-          </a:fillRef>
-          <a:effectRef idx="0">
-            <a:schemeClr val="accent6"/>
-          </a:effectRef>
-          <a:fontRef idx="minor">
-            <a:schemeClr val="lt1"/>
-          </a:fontRef>
-        </p:style>
-        <p:txBody>
-          <a:bodyPr rtlCol="0" anchor="ctr"/>
-          <a:lstStyle/>
-          <a:p>
-            <a:pPr algn="ctr"/>
-            <a:r>
-              <a:rPr lang="en-US" dirty="0"/>
-              <a:t>Windows/Direct2D</a:t>
-            </a:r>
-          </a:p>
-        </p:txBody>
-      </p:sp>
-      <p:sp>
-        <p:nvSpPr>
-          <p:cNvPr id="41" name="Rectangle: Rounded Corners 40">
-            <a:extLst>
-              <a:ext uri="{FF2B5EF4-FFF2-40B4-BE49-F238E27FC236}">
-                <a16:creationId xmlns:a16="http://schemas.microsoft.com/office/drawing/2014/main" id="{C389BF2E-3199-9AB7-4CB8-7A2CDE53A3D6}"/>
-              </a:ext>
-            </a:extLst>
-          </p:cNvPr>
-          <p:cNvSpPr/>
-          <p:nvPr/>
-        </p:nvSpPr>
-        <p:spPr>
-          <a:xfrm>
-            <a:off x="7163488" y="125437"/>
-            <a:ext cx="2317750" cy="533400"/>
-          </a:xfrm>
-          <a:prstGeom prst="roundRect">
-            <a:avLst/>
-          </a:prstGeom>
-        </p:spPr>
-        <p:style>
-          <a:lnRef idx="2">
-            <a:schemeClr val="accent6">
-              <a:shade val="15000"/>
-            </a:schemeClr>
-          </a:lnRef>
-          <a:fillRef idx="1">
-            <a:schemeClr val="accent6"/>
-          </a:fillRef>
-          <a:effectRef idx="0">
-            <a:schemeClr val="accent6"/>
-          </a:effectRef>
-          <a:fontRef idx="minor">
-            <a:schemeClr val="lt1"/>
-          </a:fontRef>
-        </p:style>
-        <p:txBody>
-          <a:bodyPr rtlCol="0" anchor="ctr"/>
-          <a:lstStyle/>
-          <a:p>
-            <a:pPr algn="ctr"/>
-            <a:r>
-              <a:rPr lang="en-US" dirty="0"/>
-              <a:t>Windows/GDI</a:t>
-            </a:r>
-          </a:p>
-        </p:txBody>
-      </p:sp>
-      <p:sp>
-        <p:nvSpPr>
-          <p:cNvPr id="43" name="Rectangle: Rounded Corners 42">
-            <a:extLst>
-              <a:ext uri="{FF2B5EF4-FFF2-40B4-BE49-F238E27FC236}">
-                <a16:creationId xmlns:a16="http://schemas.microsoft.com/office/drawing/2014/main" id="{8A13761D-0399-3CD6-1769-A50406A9C089}"/>
-              </a:ext>
-            </a:extLst>
-          </p:cNvPr>
-          <p:cNvSpPr/>
-          <p:nvPr/>
-        </p:nvSpPr>
-        <p:spPr>
-          <a:xfrm>
-            <a:off x="6460005" y="125437"/>
-            <a:ext cx="506659" cy="533400"/>
-          </a:xfrm>
-          <a:prstGeom prst="roundRect">
-            <a:avLst/>
-          </a:prstGeom>
-        </p:spPr>
-        <p:style>
-          <a:lnRef idx="2">
-            <a:schemeClr val="accent6">
-              <a:shade val="15000"/>
-            </a:schemeClr>
-          </a:lnRef>
-          <a:fillRef idx="1">
-            <a:schemeClr val="accent6"/>
-          </a:fillRef>
-          <a:effectRef idx="0">
-            <a:schemeClr val="accent6"/>
-          </a:effectRef>
-          <a:fontRef idx="minor">
-            <a:schemeClr val="lt1"/>
-          </a:fontRef>
-        </p:style>
-        <p:txBody>
-          <a:bodyPr rtlCol="0" anchor="ctr"/>
-          <a:lstStyle/>
-          <a:p>
-            <a:pPr algn="ctr"/>
-            <a:r>
-              <a:rPr lang="en-US" dirty="0"/>
-              <a:t>…</a:t>
-            </a:r>
-          </a:p>
-        </p:txBody>
-      </p:sp>
-      <p:cxnSp>
-        <p:nvCxnSpPr>
-          <p:cNvPr id="45" name="Connector: Curved 44">
-            <a:extLst>
-              <a:ext uri="{FF2B5EF4-FFF2-40B4-BE49-F238E27FC236}">
-                <a16:creationId xmlns:a16="http://schemas.microsoft.com/office/drawing/2014/main" id="{8374EB0D-CC4F-9624-4ABF-39AB31A7973E}"/>
-              </a:ext>
-            </a:extLst>
-          </p:cNvPr>
-          <p:cNvCxnSpPr>
-            <a:stCxn id="39" idx="0"/>
-            <a:endCxn id="38" idx="2"/>
-          </p:cNvCxnSpPr>
-          <p:nvPr/>
-        </p:nvCxnSpPr>
-        <p:spPr>
-          <a:xfrm rot="5400000" flipH="1" flipV="1">
-            <a:off x="9444828" y="1593444"/>
-            <a:ext cx="267471" cy="12700"/>
-          </a:xfrm>
-          <a:prstGeom prst="curvedConnector3">
-            <a:avLst/>
-          </a:prstGeom>
-          <a:ln w="19050">
-            <a:tailEnd type="triangle"/>
-          </a:ln>
-        </p:spPr>
-        <p:style>
-          <a:lnRef idx="1">
-            <a:schemeClr val="accent1"/>
-          </a:lnRef>
-          <a:fillRef idx="0">
-            <a:schemeClr val="accent1"/>
-          </a:fillRef>
-          <a:effectRef idx="0">
-            <a:schemeClr val="accent1"/>
-          </a:effectRef>
-          <a:fontRef idx="minor">
-            <a:schemeClr val="tx1"/>
-          </a:fontRef>
-        </p:style>
-      </p:cxnSp>
-      <p:cxnSp>
-        <p:nvCxnSpPr>
-          <p:cNvPr id="47" name="Connector: Curved 46">
-            <a:extLst>
-              <a:ext uri="{FF2B5EF4-FFF2-40B4-BE49-F238E27FC236}">
-                <a16:creationId xmlns:a16="http://schemas.microsoft.com/office/drawing/2014/main" id="{124BB287-19D5-4B7E-04AA-2D8EFB476826}"/>
-              </a:ext>
-            </a:extLst>
-          </p:cNvPr>
-          <p:cNvCxnSpPr>
-            <a:cxnSpLocks/>
-            <a:stCxn id="38" idx="3"/>
-            <a:endCxn id="40" idx="2"/>
-          </p:cNvCxnSpPr>
-          <p:nvPr/>
-        </p:nvCxnSpPr>
-        <p:spPr>
-          <a:xfrm flipV="1">
-            <a:off x="10537413" y="658837"/>
-            <a:ext cx="299524" cy="534171"/>
-          </a:xfrm>
-          <a:prstGeom prst="curvedConnector2">
-            <a:avLst/>
-          </a:prstGeom>
-          <a:ln w="19050">
-            <a:solidFill>
+        </p:grpSpPr>
+        <p:sp>
+          <p:nvSpPr>
+            <p:cNvPr id="88" name="Rectangle 87">
+              <a:extLst>
+                <a:ext uri="{FF2B5EF4-FFF2-40B4-BE49-F238E27FC236}">
+                  <a16:creationId xmlns:a16="http://schemas.microsoft.com/office/drawing/2014/main" id="{F4925BF7-9C07-3729-8CF6-8E17703030DB}"/>
+                </a:ext>
+              </a:extLst>
+            </p:cNvPr>
+            <p:cNvSpPr/>
+            <p:nvPr/>
+          </p:nvSpPr>
+          <p:spPr>
+            <a:xfrm>
+              <a:off x="52627" y="65784"/>
+              <a:ext cx="12051661" cy="2343023"/>
+            </a:xfrm>
+            <a:prstGeom prst="rect">
+              <a:avLst/>
+            </a:prstGeom>
+            <a:noFill/>
+            <a:ln w="38100">
+              <a:solidFill>
+                <a:schemeClr val="accent6"/>
+              </a:solidFill>
+              <a:prstDash val="sysDot"/>
+            </a:ln>
+          </p:spPr>
+          <p:style>
+            <a:lnRef idx="2">
+              <a:schemeClr val="accent1">
+                <a:shade val="15000"/>
+              </a:schemeClr>
+            </a:lnRef>
+            <a:fillRef idx="1">
+              <a:schemeClr val="accent1"/>
+            </a:fillRef>
+            <a:effectRef idx="0">
+              <a:schemeClr val="accent1"/>
+            </a:effectRef>
+            <a:fontRef idx="minor">
+              <a:schemeClr val="lt1"/>
+            </a:fontRef>
+          </p:style>
+          <p:txBody>
+            <a:bodyPr rtlCol="0" anchor="ctr"/>
+            <a:lstStyle/>
+            <a:p>
+              <a:pPr algn="ctr"/>
+              <a:endParaRPr lang="en-US"/>
+            </a:p>
+          </p:txBody>
+        </p:sp>
+        <p:sp>
+          <p:nvSpPr>
+            <p:cNvPr id="38" name="Rectangle: Rounded Corners 37">
+              <a:extLst>
+                <a:ext uri="{FF2B5EF4-FFF2-40B4-BE49-F238E27FC236}">
+                  <a16:creationId xmlns:a16="http://schemas.microsoft.com/office/drawing/2014/main" id="{32348C4E-BAA7-2B74-304A-69FF4E8C8DAC}"/>
+                </a:ext>
+              </a:extLst>
+            </p:cNvPr>
+            <p:cNvSpPr/>
+            <p:nvPr/>
+          </p:nvSpPr>
+          <p:spPr>
+            <a:xfrm>
+              <a:off x="8619713" y="926308"/>
+              <a:ext cx="1917700" cy="533400"/>
+            </a:xfrm>
+            <a:prstGeom prst="roundRect">
+              <a:avLst/>
+            </a:prstGeom>
+          </p:spPr>
+          <p:style>
+            <a:lnRef idx="2">
+              <a:schemeClr val="accent2">
+                <a:shade val="15000"/>
+              </a:schemeClr>
+            </a:lnRef>
+            <a:fillRef idx="1">
               <a:schemeClr val="accent2"/>
-            </a:solidFill>
-            <a:tailEnd type="triangle"/>
-          </a:ln>
-        </p:spPr>
-        <p:style>
-          <a:lnRef idx="1">
-            <a:schemeClr val="accent6"/>
-          </a:lnRef>
-          <a:fillRef idx="0">
-            <a:schemeClr val="accent6"/>
-          </a:fillRef>
-          <a:effectRef idx="0">
-            <a:schemeClr val="accent6"/>
-          </a:effectRef>
-          <a:fontRef idx="minor">
-            <a:schemeClr val="tx1"/>
-          </a:fontRef>
-        </p:style>
-      </p:cxnSp>
-      <p:cxnSp>
-        <p:nvCxnSpPr>
-          <p:cNvPr id="49" name="Connector: Curved 48">
-            <a:extLst>
-              <a:ext uri="{FF2B5EF4-FFF2-40B4-BE49-F238E27FC236}">
-                <a16:creationId xmlns:a16="http://schemas.microsoft.com/office/drawing/2014/main" id="{84A0A5D7-5D50-608F-82F0-834948A5321F}"/>
-              </a:ext>
-            </a:extLst>
-          </p:cNvPr>
-          <p:cNvCxnSpPr>
-            <a:cxnSpLocks/>
-            <a:stCxn id="38" idx="1"/>
-            <a:endCxn id="41" idx="2"/>
-          </p:cNvCxnSpPr>
-          <p:nvPr/>
-        </p:nvCxnSpPr>
-        <p:spPr>
-          <a:xfrm rot="10800000">
-            <a:off x="8322363" y="658838"/>
-            <a:ext cx="297350" cy="534171"/>
-          </a:xfrm>
-          <a:prstGeom prst="curvedConnector2">
-            <a:avLst/>
-          </a:prstGeom>
-          <a:ln w="19050">
-            <a:solidFill>
+            </a:fillRef>
+            <a:effectRef idx="0">
               <a:schemeClr val="accent2"/>
-            </a:solidFill>
-            <a:tailEnd type="triangle"/>
-          </a:ln>
-        </p:spPr>
-        <p:style>
-          <a:lnRef idx="1">
-            <a:schemeClr val="accent6"/>
-          </a:lnRef>
-          <a:fillRef idx="0">
-            <a:schemeClr val="accent6"/>
-          </a:fillRef>
-          <a:effectRef idx="0">
-            <a:schemeClr val="accent6"/>
-          </a:effectRef>
-          <a:fontRef idx="minor">
-            <a:schemeClr val="tx1"/>
-          </a:fontRef>
-        </p:style>
-      </p:cxnSp>
-      <p:cxnSp>
-        <p:nvCxnSpPr>
-          <p:cNvPr id="51" name="Connector: Curved 50">
-            <a:extLst>
-              <a:ext uri="{FF2B5EF4-FFF2-40B4-BE49-F238E27FC236}">
-                <a16:creationId xmlns:a16="http://schemas.microsoft.com/office/drawing/2014/main" id="{A2835518-41FA-6615-E608-883B97D790A9}"/>
-              </a:ext>
-            </a:extLst>
-          </p:cNvPr>
-          <p:cNvCxnSpPr>
-            <a:cxnSpLocks/>
-            <a:stCxn id="38" idx="1"/>
-            <a:endCxn id="43" idx="2"/>
-          </p:cNvCxnSpPr>
-          <p:nvPr/>
-        </p:nvCxnSpPr>
-        <p:spPr>
-          <a:xfrm rot="10800000">
-            <a:off x="6713335" y="658838"/>
-            <a:ext cx="1906378" cy="534171"/>
-          </a:xfrm>
-          <a:prstGeom prst="curvedConnector2">
-            <a:avLst/>
-          </a:prstGeom>
-          <a:ln w="19050">
-            <a:solidFill>
-              <a:schemeClr val="accent2"/>
-            </a:solidFill>
-            <a:prstDash val="dash"/>
-            <a:tailEnd type="triangle"/>
-          </a:ln>
-        </p:spPr>
-        <p:style>
-          <a:lnRef idx="1">
-            <a:schemeClr val="accent6"/>
-          </a:lnRef>
-          <a:fillRef idx="0">
-            <a:schemeClr val="accent6"/>
-          </a:fillRef>
-          <a:effectRef idx="0">
-            <a:schemeClr val="accent6"/>
-          </a:effectRef>
-          <a:fontRef idx="minor">
-            <a:schemeClr val="tx1"/>
-          </a:fontRef>
-        </p:style>
-      </p:cxnSp>
-      <p:sp>
-        <p:nvSpPr>
-          <p:cNvPr id="56" name="TextBox 55">
-            <a:extLst>
-              <a:ext uri="{FF2B5EF4-FFF2-40B4-BE49-F238E27FC236}">
-                <a16:creationId xmlns:a16="http://schemas.microsoft.com/office/drawing/2014/main" id="{9B21E324-4E0C-D465-35CB-4F5600FDFE86}"/>
-              </a:ext>
-            </a:extLst>
-          </p:cNvPr>
-          <p:cNvSpPr txBox="1"/>
-          <p:nvPr/>
-        </p:nvSpPr>
-        <p:spPr>
-          <a:xfrm>
-            <a:off x="99083" y="2089927"/>
-            <a:ext cx="6285695" cy="369332"/>
-          </a:xfrm>
-          <a:prstGeom prst="rect">
-            <a:avLst/>
-          </a:prstGeom>
-          <a:noFill/>
-        </p:spPr>
-        <p:txBody>
-          <a:bodyPr wrap="none" rtlCol="0">
-            <a:spAutoFit/>
-          </a:bodyPr>
-          <a:lstStyle/>
-          <a:p>
-            <a:r>
-              <a:rPr lang="en-US" dirty="0"/>
-              <a:t>your </a:t>
-            </a:r>
-            <a:r>
-              <a:rPr lang="en-US" dirty="0" err="1"/>
-              <a:t>IGuiRemoteProtocolChannel</a:t>
-            </a:r>
-            <a:r>
-              <a:rPr lang="en-US" dirty="0"/>
-              <a:t>&lt;U8String&gt; implementation</a:t>
-            </a:r>
-          </a:p>
-        </p:txBody>
-      </p:sp>
-      <p:sp>
-        <p:nvSpPr>
-          <p:cNvPr id="57" name="TextBox 56">
-            <a:extLst>
-              <a:ext uri="{FF2B5EF4-FFF2-40B4-BE49-F238E27FC236}">
-                <a16:creationId xmlns:a16="http://schemas.microsoft.com/office/drawing/2014/main" id="{DCCD7AF6-FA7B-6325-2909-08829AE29CBE}"/>
-              </a:ext>
-            </a:extLst>
-          </p:cNvPr>
-          <p:cNvSpPr txBox="1"/>
-          <p:nvPr/>
-        </p:nvSpPr>
-        <p:spPr>
-          <a:xfrm>
-            <a:off x="196866" y="1614355"/>
-            <a:ext cx="6187912" cy="369332"/>
-          </a:xfrm>
-          <a:prstGeom prst="rect">
-            <a:avLst/>
-          </a:prstGeom>
-          <a:noFill/>
-        </p:spPr>
-        <p:txBody>
-          <a:bodyPr wrap="none" rtlCol="0">
-            <a:spAutoFit/>
-          </a:bodyPr>
-          <a:lstStyle/>
-          <a:p>
-            <a:r>
-              <a:rPr lang="en-US" dirty="0" err="1"/>
-              <a:t>GuiRemoteUtfStringChannelDeserializer</a:t>
-            </a:r>
-            <a:r>
-              <a:rPr lang="en-US" dirty="0"/>
-              <a:t>&lt;</a:t>
-            </a:r>
-            <a:r>
-              <a:rPr lang="en-US" dirty="0" err="1"/>
-              <a:t>WString</a:t>
-            </a:r>
-            <a:r>
-              <a:rPr lang="en-US" dirty="0"/>
-              <a:t>, U8String&gt;</a:t>
-            </a:r>
-          </a:p>
-        </p:txBody>
-      </p:sp>
-      <p:sp>
-        <p:nvSpPr>
-          <p:cNvPr id="58" name="TextBox 57">
-            <a:extLst>
-              <a:ext uri="{FF2B5EF4-FFF2-40B4-BE49-F238E27FC236}">
-                <a16:creationId xmlns:a16="http://schemas.microsoft.com/office/drawing/2014/main" id="{744E2114-EB23-4757-75C3-B8CEDA6D4406}"/>
-              </a:ext>
-            </a:extLst>
-          </p:cNvPr>
-          <p:cNvSpPr txBox="1"/>
-          <p:nvPr/>
-        </p:nvSpPr>
-        <p:spPr>
-          <a:xfrm>
-            <a:off x="2091408" y="1148091"/>
-            <a:ext cx="4253087" cy="369332"/>
-          </a:xfrm>
-          <a:prstGeom prst="rect">
-            <a:avLst/>
-          </a:prstGeom>
-          <a:noFill/>
-        </p:spPr>
-        <p:txBody>
-          <a:bodyPr wrap="none" rtlCol="0">
-            <a:spAutoFit/>
-          </a:bodyPr>
-          <a:lstStyle/>
-          <a:p>
-            <a:r>
-              <a:rPr lang="en-US" dirty="0" err="1"/>
-              <a:t>GuiRemoteJsonChannelStringDeserializer</a:t>
-            </a:r>
-            <a:endParaRPr lang="en-US" dirty="0"/>
-          </a:p>
-        </p:txBody>
-      </p:sp>
-      <p:sp>
-        <p:nvSpPr>
-          <p:cNvPr id="59" name="TextBox 58">
-            <a:extLst>
-              <a:ext uri="{FF2B5EF4-FFF2-40B4-BE49-F238E27FC236}">
-                <a16:creationId xmlns:a16="http://schemas.microsoft.com/office/drawing/2014/main" id="{4C1E4B76-F2D6-6CB2-AFCC-73A1817D4252}"/>
-              </a:ext>
-            </a:extLst>
-          </p:cNvPr>
-          <p:cNvSpPr txBox="1"/>
-          <p:nvPr/>
-        </p:nvSpPr>
-        <p:spPr>
-          <a:xfrm>
-            <a:off x="2463138" y="681827"/>
-            <a:ext cx="3879588" cy="369332"/>
-          </a:xfrm>
-          <a:prstGeom prst="rect">
-            <a:avLst/>
-          </a:prstGeom>
-          <a:noFill/>
-        </p:spPr>
-        <p:txBody>
-          <a:bodyPr wrap="none" rtlCol="0">
-            <a:spAutoFit/>
-          </a:bodyPr>
-          <a:lstStyle/>
-          <a:p>
-            <a:r>
-              <a:rPr lang="en-US" dirty="0" err="1"/>
-              <a:t>GuiRemoteJsonChannelFromProtocol</a:t>
-            </a:r>
-            <a:endParaRPr lang="en-US" dirty="0"/>
-          </a:p>
-        </p:txBody>
-      </p:sp>
-      <p:cxnSp>
-        <p:nvCxnSpPr>
-          <p:cNvPr id="61" name="Connector: Curved 60">
-            <a:extLst>
-              <a:ext uri="{FF2B5EF4-FFF2-40B4-BE49-F238E27FC236}">
-                <a16:creationId xmlns:a16="http://schemas.microsoft.com/office/drawing/2014/main" id="{1923D9C3-BD1B-1C73-AD74-83D444DC1717}"/>
-              </a:ext>
-            </a:extLst>
-          </p:cNvPr>
-          <p:cNvCxnSpPr>
-            <a:stCxn id="56" idx="3"/>
-            <a:endCxn id="57" idx="3"/>
-          </p:cNvCxnSpPr>
-          <p:nvPr/>
-        </p:nvCxnSpPr>
-        <p:spPr>
-          <a:xfrm flipV="1">
-            <a:off x="6384778" y="1799021"/>
-            <a:ext cx="12700" cy="475572"/>
-          </a:xfrm>
-          <a:prstGeom prst="curvedConnector3">
-            <a:avLst>
-              <a:gd name="adj1" fmla="val 1800000"/>
-            </a:avLst>
-          </a:prstGeom>
-          <a:ln>
-            <a:tailEnd type="triangle"/>
-          </a:ln>
-        </p:spPr>
-        <p:style>
-          <a:lnRef idx="1">
-            <a:schemeClr val="accent1"/>
-          </a:lnRef>
-          <a:fillRef idx="0">
-            <a:schemeClr val="accent1"/>
-          </a:fillRef>
-          <a:effectRef idx="0">
-            <a:schemeClr val="accent1"/>
-          </a:effectRef>
-          <a:fontRef idx="minor">
-            <a:schemeClr val="tx1"/>
-          </a:fontRef>
-        </p:style>
-      </p:cxnSp>
-      <p:cxnSp>
-        <p:nvCxnSpPr>
-          <p:cNvPr id="65" name="Connector: Curved 64">
-            <a:extLst>
-              <a:ext uri="{FF2B5EF4-FFF2-40B4-BE49-F238E27FC236}">
-                <a16:creationId xmlns:a16="http://schemas.microsoft.com/office/drawing/2014/main" id="{20F6E4A5-729B-CDB7-BAED-9A9A0A435728}"/>
-              </a:ext>
-            </a:extLst>
-          </p:cNvPr>
-          <p:cNvCxnSpPr>
-            <a:stCxn id="57" idx="3"/>
-            <a:endCxn id="58" idx="3"/>
-          </p:cNvCxnSpPr>
-          <p:nvPr/>
-        </p:nvCxnSpPr>
-        <p:spPr>
-          <a:xfrm flipH="1" flipV="1">
-            <a:off x="6344495" y="1332757"/>
-            <a:ext cx="40283" cy="466264"/>
-          </a:xfrm>
-          <a:prstGeom prst="curvedConnector3">
-            <a:avLst>
-              <a:gd name="adj1" fmla="val -567485"/>
-            </a:avLst>
-          </a:prstGeom>
-          <a:ln>
-            <a:tailEnd type="triangle"/>
-          </a:ln>
-        </p:spPr>
-        <p:style>
-          <a:lnRef idx="1">
-            <a:schemeClr val="accent1"/>
-          </a:lnRef>
-          <a:fillRef idx="0">
-            <a:schemeClr val="accent1"/>
-          </a:fillRef>
-          <a:effectRef idx="0">
-            <a:schemeClr val="accent1"/>
-          </a:effectRef>
-          <a:fontRef idx="minor">
-            <a:schemeClr val="tx1"/>
-          </a:fontRef>
-        </p:style>
-      </p:cxnSp>
-      <p:cxnSp>
-        <p:nvCxnSpPr>
-          <p:cNvPr id="69" name="Connector: Curved 68">
-            <a:extLst>
-              <a:ext uri="{FF2B5EF4-FFF2-40B4-BE49-F238E27FC236}">
-                <a16:creationId xmlns:a16="http://schemas.microsoft.com/office/drawing/2014/main" id="{3C1AEB92-9DB9-8E63-D28B-C55E3D872346}"/>
-              </a:ext>
-            </a:extLst>
-          </p:cNvPr>
-          <p:cNvCxnSpPr>
-            <a:stCxn id="58" idx="3"/>
-            <a:endCxn id="59" idx="3"/>
-          </p:cNvCxnSpPr>
-          <p:nvPr/>
-        </p:nvCxnSpPr>
-        <p:spPr>
-          <a:xfrm flipH="1" flipV="1">
-            <a:off x="6342726" y="866493"/>
-            <a:ext cx="1769" cy="466264"/>
-          </a:xfrm>
-          <a:prstGeom prst="curvedConnector3">
-            <a:avLst>
-              <a:gd name="adj1" fmla="val -12922555"/>
-            </a:avLst>
-          </a:prstGeom>
-          <a:ln>
-            <a:tailEnd type="triangle"/>
-          </a:ln>
-        </p:spPr>
-        <p:style>
-          <a:lnRef idx="1">
-            <a:schemeClr val="accent1"/>
-          </a:lnRef>
-          <a:fillRef idx="0">
-            <a:schemeClr val="accent1"/>
-          </a:fillRef>
-          <a:effectRef idx="0">
-            <a:schemeClr val="accent1"/>
-          </a:effectRef>
-          <a:fontRef idx="minor">
-            <a:schemeClr val="tx1"/>
-          </a:fontRef>
-        </p:style>
-      </p:cxnSp>
-      <p:cxnSp>
-        <p:nvCxnSpPr>
-          <p:cNvPr id="76" name="Connector: Curved 75">
-            <a:extLst>
-              <a:ext uri="{FF2B5EF4-FFF2-40B4-BE49-F238E27FC236}">
-                <a16:creationId xmlns:a16="http://schemas.microsoft.com/office/drawing/2014/main" id="{BA4B4226-6B2A-D93F-C157-380DB6ABF619}"/>
-              </a:ext>
-            </a:extLst>
-          </p:cNvPr>
-          <p:cNvCxnSpPr>
-            <a:stCxn id="59" idx="3"/>
-            <a:endCxn id="39" idx="1"/>
-          </p:cNvCxnSpPr>
-          <p:nvPr/>
-        </p:nvCxnSpPr>
-        <p:spPr>
-          <a:xfrm>
-            <a:off x="6342726" y="866493"/>
-            <a:ext cx="1737418" cy="1127386"/>
-          </a:xfrm>
-          <a:prstGeom prst="curvedConnector3">
-            <a:avLst/>
-          </a:prstGeom>
-          <a:ln>
-            <a:tailEnd type="triangle"/>
-          </a:ln>
-        </p:spPr>
-        <p:style>
-          <a:lnRef idx="1">
-            <a:schemeClr val="accent1"/>
-          </a:lnRef>
-          <a:fillRef idx="0">
-            <a:schemeClr val="accent1"/>
-          </a:fillRef>
-          <a:effectRef idx="0">
-            <a:schemeClr val="accent1"/>
-          </a:effectRef>
-          <a:fontRef idx="minor">
-            <a:schemeClr val="tx1"/>
-          </a:fontRef>
-        </p:style>
-      </p:cxnSp>
-      <p:sp>
-        <p:nvSpPr>
-          <p:cNvPr id="77" name="Rectangle 76">
-            <a:extLst>
-              <a:ext uri="{FF2B5EF4-FFF2-40B4-BE49-F238E27FC236}">
-                <a16:creationId xmlns:a16="http://schemas.microsoft.com/office/drawing/2014/main" id="{65A7E0B2-1EFD-FCD3-2CC7-BAD0D217AEA2}"/>
-              </a:ext>
-            </a:extLst>
-          </p:cNvPr>
-          <p:cNvSpPr/>
-          <p:nvPr/>
-        </p:nvSpPr>
-        <p:spPr>
-          <a:xfrm>
-            <a:off x="2721821" y="2561891"/>
-            <a:ext cx="3620905" cy="361995"/>
-          </a:xfrm>
-          <a:prstGeom prst="rect">
-            <a:avLst/>
-          </a:prstGeom>
-          <a:ln w="38100">
+            </a:effectRef>
+            <a:fontRef idx="minor">
+              <a:schemeClr val="lt1"/>
+            </a:fontRef>
+          </p:style>
+          <p:txBody>
+            <a:bodyPr rtlCol="0" anchor="ctr"/>
+            <a:lstStyle/>
+            <a:p>
+              <a:pPr algn="ctr"/>
+              <a:r>
+                <a:rPr lang="en-US" dirty="0"/>
+                <a:t>Hosted Mode</a:t>
+              </a:r>
+            </a:p>
+          </p:txBody>
+        </p:sp>
+        <p:sp>
+          <p:nvSpPr>
+            <p:cNvPr id="39" name="Rectangle: Rounded Corners 38">
+              <a:extLst>
+                <a:ext uri="{FF2B5EF4-FFF2-40B4-BE49-F238E27FC236}">
+                  <a16:creationId xmlns:a16="http://schemas.microsoft.com/office/drawing/2014/main" id="{1AC5359A-834F-ADD7-42C6-EC3260AAA23D}"/>
+                </a:ext>
+              </a:extLst>
+            </p:cNvPr>
+            <p:cNvSpPr/>
+            <p:nvPr/>
+          </p:nvSpPr>
+          <p:spPr>
+            <a:xfrm>
+              <a:off x="8080144" y="1727179"/>
+              <a:ext cx="2996838" cy="533400"/>
+            </a:xfrm>
+            <a:prstGeom prst="roundRect">
+              <a:avLst/>
+            </a:prstGeom>
+          </p:spPr>
+          <p:style>
+            <a:lnRef idx="2">
+              <a:schemeClr val="accent1">
+                <a:shade val="15000"/>
+              </a:schemeClr>
+            </a:lnRef>
+            <a:fillRef idx="1">
+              <a:schemeClr val="accent1"/>
+            </a:fillRef>
+            <a:effectRef idx="0">
+              <a:schemeClr val="accent1"/>
+            </a:effectRef>
+            <a:fontRef idx="minor">
+              <a:schemeClr val="lt1"/>
+            </a:fontRef>
+          </p:style>
+          <p:txBody>
+            <a:bodyPr rtlCol="0" anchor="ctr"/>
+            <a:lstStyle/>
+            <a:p>
+              <a:pPr algn="ctr"/>
+              <a:r>
+                <a:rPr lang="en-US" dirty="0" err="1"/>
+                <a:t>GuiRemoteRendererSingle</a:t>
+              </a:r>
+              <a:endParaRPr lang="en-US" dirty="0"/>
+            </a:p>
+          </p:txBody>
+        </p:sp>
+        <p:sp>
+          <p:nvSpPr>
+            <p:cNvPr id="40" name="Rectangle: Rounded Corners 39">
+              <a:extLst>
+                <a:ext uri="{FF2B5EF4-FFF2-40B4-BE49-F238E27FC236}">
+                  <a16:creationId xmlns:a16="http://schemas.microsoft.com/office/drawing/2014/main" id="{649E1AAD-1C6A-B4C7-8866-A43A19E37CD3}"/>
+                </a:ext>
+              </a:extLst>
+            </p:cNvPr>
+            <p:cNvSpPr/>
+            <p:nvPr/>
+          </p:nvSpPr>
+          <p:spPr>
+            <a:xfrm>
+              <a:off x="9678062" y="125437"/>
+              <a:ext cx="2317750" cy="533400"/>
+            </a:xfrm>
+            <a:prstGeom prst="roundRect">
+              <a:avLst/>
+            </a:prstGeom>
+          </p:spPr>
+          <p:style>
+            <a:lnRef idx="2">
+              <a:schemeClr val="accent6">
+                <a:shade val="15000"/>
+              </a:schemeClr>
+            </a:lnRef>
+            <a:fillRef idx="1">
+              <a:schemeClr val="accent6"/>
+            </a:fillRef>
+            <a:effectRef idx="0">
+              <a:schemeClr val="accent6"/>
+            </a:effectRef>
+            <a:fontRef idx="minor">
+              <a:schemeClr val="lt1"/>
+            </a:fontRef>
+          </p:style>
+          <p:txBody>
+            <a:bodyPr rtlCol="0" anchor="ctr"/>
+            <a:lstStyle/>
+            <a:p>
+              <a:pPr algn="ctr"/>
+              <a:r>
+                <a:rPr lang="en-US" dirty="0"/>
+                <a:t>Windows/Direct2D</a:t>
+              </a:r>
+            </a:p>
+          </p:txBody>
+        </p:sp>
+        <p:sp>
+          <p:nvSpPr>
+            <p:cNvPr id="41" name="Rectangle: Rounded Corners 40">
+              <a:extLst>
+                <a:ext uri="{FF2B5EF4-FFF2-40B4-BE49-F238E27FC236}">
+                  <a16:creationId xmlns:a16="http://schemas.microsoft.com/office/drawing/2014/main" id="{C389BF2E-3199-9AB7-4CB8-7A2CDE53A3D6}"/>
+                </a:ext>
+              </a:extLst>
+            </p:cNvPr>
+            <p:cNvSpPr/>
+            <p:nvPr/>
+          </p:nvSpPr>
+          <p:spPr>
+            <a:xfrm>
+              <a:off x="7163488" y="125437"/>
+              <a:ext cx="2317750" cy="533400"/>
+            </a:xfrm>
+            <a:prstGeom prst="roundRect">
+              <a:avLst/>
+            </a:prstGeom>
+          </p:spPr>
+          <p:style>
+            <a:lnRef idx="2">
+              <a:schemeClr val="accent6">
+                <a:shade val="15000"/>
+              </a:schemeClr>
+            </a:lnRef>
+            <a:fillRef idx="1">
+              <a:schemeClr val="accent6"/>
+            </a:fillRef>
+            <a:effectRef idx="0">
+              <a:schemeClr val="accent6"/>
+            </a:effectRef>
+            <a:fontRef idx="minor">
+              <a:schemeClr val="lt1"/>
+            </a:fontRef>
+          </p:style>
+          <p:txBody>
+            <a:bodyPr rtlCol="0" anchor="ctr"/>
+            <a:lstStyle/>
+            <a:p>
+              <a:pPr algn="ctr"/>
+              <a:r>
+                <a:rPr lang="en-US" dirty="0"/>
+                <a:t>Windows/GDI</a:t>
+              </a:r>
+            </a:p>
+          </p:txBody>
+        </p:sp>
+        <p:sp>
+          <p:nvSpPr>
+            <p:cNvPr id="43" name="Rectangle: Rounded Corners 42">
+              <a:extLst>
+                <a:ext uri="{FF2B5EF4-FFF2-40B4-BE49-F238E27FC236}">
+                  <a16:creationId xmlns:a16="http://schemas.microsoft.com/office/drawing/2014/main" id="{8A13761D-0399-3CD6-1769-A50406A9C089}"/>
+                </a:ext>
+              </a:extLst>
+            </p:cNvPr>
+            <p:cNvSpPr/>
+            <p:nvPr/>
+          </p:nvSpPr>
+          <p:spPr>
+            <a:xfrm>
+              <a:off x="6460005" y="125437"/>
+              <a:ext cx="506659" cy="533400"/>
+            </a:xfrm>
+            <a:prstGeom prst="roundRect">
+              <a:avLst/>
+            </a:prstGeom>
+          </p:spPr>
+          <p:style>
+            <a:lnRef idx="2">
+              <a:schemeClr val="accent6">
+                <a:shade val="15000"/>
+              </a:schemeClr>
+            </a:lnRef>
+            <a:fillRef idx="1">
+              <a:schemeClr val="accent6"/>
+            </a:fillRef>
+            <a:effectRef idx="0">
+              <a:schemeClr val="accent6"/>
+            </a:effectRef>
+            <a:fontRef idx="minor">
+              <a:schemeClr val="lt1"/>
+            </a:fontRef>
+          </p:style>
+          <p:txBody>
+            <a:bodyPr rtlCol="0" anchor="ctr"/>
+            <a:lstStyle/>
+            <a:p>
+              <a:pPr algn="ctr"/>
+              <a:r>
+                <a:rPr lang="en-US" dirty="0"/>
+                <a:t>…</a:t>
+              </a:r>
+            </a:p>
+          </p:txBody>
+        </p:sp>
+        <p:cxnSp>
+          <p:nvCxnSpPr>
+            <p:cNvPr id="45" name="Connector: Curved 44">
+              <a:extLst>
+                <a:ext uri="{FF2B5EF4-FFF2-40B4-BE49-F238E27FC236}">
+                  <a16:creationId xmlns:a16="http://schemas.microsoft.com/office/drawing/2014/main" id="{8374EB0D-CC4F-9624-4ABF-39AB31A7973E}"/>
+                </a:ext>
+              </a:extLst>
+            </p:cNvPr>
+            <p:cNvCxnSpPr>
+              <a:stCxn id="39" idx="0"/>
+              <a:endCxn id="38" idx="2"/>
+            </p:cNvCxnSpPr>
+            <p:nvPr/>
+          </p:nvCxnSpPr>
+          <p:spPr>
+            <a:xfrm rot="5400000" flipH="1" flipV="1">
+              <a:off x="9444828" y="1593444"/>
+              <a:ext cx="267471" cy="12700"/>
+            </a:xfrm>
+            <a:prstGeom prst="curvedConnector3">
+              <a:avLst/>
+            </a:prstGeom>
+            <a:ln w="19050">
+              <a:tailEnd type="triangle"/>
+            </a:ln>
+          </p:spPr>
+          <p:style>
+            <a:lnRef idx="1">
+              <a:schemeClr val="accent1"/>
+            </a:lnRef>
+            <a:fillRef idx="0">
+              <a:schemeClr val="accent1"/>
+            </a:fillRef>
+            <a:effectRef idx="0">
+              <a:schemeClr val="accent1"/>
+            </a:effectRef>
+            <a:fontRef idx="minor">
+              <a:schemeClr val="tx1"/>
+            </a:fontRef>
+          </p:style>
+        </p:cxnSp>
+        <p:cxnSp>
+          <p:nvCxnSpPr>
+            <p:cNvPr id="47" name="Connector: Curved 46">
+              <a:extLst>
+                <a:ext uri="{FF2B5EF4-FFF2-40B4-BE49-F238E27FC236}">
+                  <a16:creationId xmlns:a16="http://schemas.microsoft.com/office/drawing/2014/main" id="{124BB287-19D5-4B7E-04AA-2D8EFB476826}"/>
+                </a:ext>
+              </a:extLst>
+            </p:cNvPr>
+            <p:cNvCxnSpPr>
+              <a:cxnSpLocks/>
+              <a:stCxn id="38" idx="3"/>
+              <a:endCxn id="40" idx="2"/>
+            </p:cNvCxnSpPr>
+            <p:nvPr/>
+          </p:nvCxnSpPr>
+          <p:spPr>
+            <a:xfrm flipV="1">
+              <a:off x="10537413" y="658837"/>
+              <a:ext cx="299524" cy="534171"/>
+            </a:xfrm>
+            <a:prstGeom prst="curvedConnector2">
+              <a:avLst/>
+            </a:prstGeom>
+            <a:ln w="19050">
+              <a:solidFill>
+                <a:schemeClr val="accent2"/>
+              </a:solidFill>
+              <a:tailEnd type="triangle"/>
+            </a:ln>
+          </p:spPr>
+          <p:style>
+            <a:lnRef idx="1">
+              <a:schemeClr val="accent6"/>
+            </a:lnRef>
+            <a:fillRef idx="0">
+              <a:schemeClr val="accent6"/>
+            </a:fillRef>
+            <a:effectRef idx="0">
+              <a:schemeClr val="accent6"/>
+            </a:effectRef>
+            <a:fontRef idx="minor">
+              <a:schemeClr val="tx1"/>
+            </a:fontRef>
+          </p:style>
+        </p:cxnSp>
+        <p:cxnSp>
+          <p:nvCxnSpPr>
+            <p:cNvPr id="49" name="Connector: Curved 48">
+              <a:extLst>
+                <a:ext uri="{FF2B5EF4-FFF2-40B4-BE49-F238E27FC236}">
+                  <a16:creationId xmlns:a16="http://schemas.microsoft.com/office/drawing/2014/main" id="{84A0A5D7-5D50-608F-82F0-834948A5321F}"/>
+                </a:ext>
+              </a:extLst>
+            </p:cNvPr>
+            <p:cNvCxnSpPr>
+              <a:cxnSpLocks/>
+              <a:stCxn id="38" idx="1"/>
+              <a:endCxn id="41" idx="2"/>
+            </p:cNvCxnSpPr>
+            <p:nvPr/>
+          </p:nvCxnSpPr>
+          <p:spPr>
+            <a:xfrm rot="10800000">
+              <a:off x="8322363" y="658838"/>
+              <a:ext cx="297350" cy="534171"/>
+            </a:xfrm>
+            <a:prstGeom prst="curvedConnector2">
+              <a:avLst/>
+            </a:prstGeom>
+            <a:ln w="19050">
+              <a:solidFill>
+                <a:schemeClr val="accent2"/>
+              </a:solidFill>
+              <a:tailEnd type="triangle"/>
+            </a:ln>
+          </p:spPr>
+          <p:style>
+            <a:lnRef idx="1">
+              <a:schemeClr val="accent6"/>
+            </a:lnRef>
+            <a:fillRef idx="0">
+              <a:schemeClr val="accent6"/>
+            </a:fillRef>
+            <a:effectRef idx="0">
+              <a:schemeClr val="accent6"/>
+            </a:effectRef>
+            <a:fontRef idx="minor">
+              <a:schemeClr val="tx1"/>
+            </a:fontRef>
+          </p:style>
+        </p:cxnSp>
+        <p:cxnSp>
+          <p:nvCxnSpPr>
+            <p:cNvPr id="51" name="Connector: Curved 50">
+              <a:extLst>
+                <a:ext uri="{FF2B5EF4-FFF2-40B4-BE49-F238E27FC236}">
+                  <a16:creationId xmlns:a16="http://schemas.microsoft.com/office/drawing/2014/main" id="{A2835518-41FA-6615-E608-883B97D790A9}"/>
+                </a:ext>
+              </a:extLst>
+            </p:cNvPr>
+            <p:cNvCxnSpPr>
+              <a:cxnSpLocks/>
+              <a:stCxn id="38" idx="1"/>
+              <a:endCxn id="43" idx="2"/>
+            </p:cNvCxnSpPr>
+            <p:nvPr/>
+          </p:nvCxnSpPr>
+          <p:spPr>
+            <a:xfrm rot="10800000">
+              <a:off x="6713335" y="658838"/>
+              <a:ext cx="1906378" cy="534171"/>
+            </a:xfrm>
+            <a:prstGeom prst="curvedConnector2">
+              <a:avLst/>
+            </a:prstGeom>
+            <a:ln w="19050">
+              <a:solidFill>
+                <a:schemeClr val="accent2"/>
+              </a:solidFill>
+              <a:prstDash val="dash"/>
+              <a:tailEnd type="triangle"/>
+            </a:ln>
+          </p:spPr>
+          <p:style>
+            <a:lnRef idx="1">
+              <a:schemeClr val="accent6"/>
+            </a:lnRef>
+            <a:fillRef idx="0">
+              <a:schemeClr val="accent6"/>
+            </a:fillRef>
+            <a:effectRef idx="0">
+              <a:schemeClr val="accent6"/>
+            </a:effectRef>
+            <a:fontRef idx="minor">
+              <a:schemeClr val="tx1"/>
+            </a:fontRef>
+          </p:style>
+        </p:cxnSp>
+        <p:sp>
+          <p:nvSpPr>
+            <p:cNvPr id="56" name="TextBox 55">
+              <a:extLst>
+                <a:ext uri="{FF2B5EF4-FFF2-40B4-BE49-F238E27FC236}">
+                  <a16:creationId xmlns:a16="http://schemas.microsoft.com/office/drawing/2014/main" id="{9B21E324-4E0C-D465-35CB-4F5600FDFE86}"/>
+                </a:ext>
+              </a:extLst>
+            </p:cNvPr>
+            <p:cNvSpPr txBox="1"/>
+            <p:nvPr/>
+          </p:nvSpPr>
+          <p:spPr>
+            <a:xfrm>
+              <a:off x="99083" y="2089927"/>
+              <a:ext cx="6285695" cy="369332"/>
+            </a:xfrm>
+            <a:prstGeom prst="rect">
+              <a:avLst/>
+            </a:prstGeom>
             <a:noFill/>
-            <a:prstDash val="dash"/>
-          </a:ln>
-        </p:spPr>
-        <p:style>
-          <a:lnRef idx="2">
-            <a:schemeClr val="accent1"/>
-          </a:lnRef>
-          <a:fillRef idx="1">
-            <a:schemeClr val="lt1"/>
-          </a:fillRef>
-          <a:effectRef idx="0">
-            <a:schemeClr val="accent1"/>
-          </a:effectRef>
-          <a:fontRef idx="minor">
-            <a:schemeClr val="dk1"/>
-          </a:fontRef>
-        </p:style>
-        <p:txBody>
-          <a:bodyPr rtlCol="0" anchor="ctr"/>
-          <a:lstStyle/>
-          <a:p>
-            <a:pPr algn="ctr"/>
-            <a:r>
-              <a:rPr lang="en-US" b="1" dirty="0">
-                <a:solidFill>
-                  <a:schemeClr val="accent1"/>
-                </a:solidFill>
-              </a:rPr>
-              <a:t>BINARY BOUNDARY</a:t>
-            </a:r>
-          </a:p>
-        </p:txBody>
-      </p:sp>
-      <p:cxnSp>
-        <p:nvCxnSpPr>
-          <p:cNvPr id="79" name="Connector: Curved 78">
-            <a:extLst>
-              <a:ext uri="{FF2B5EF4-FFF2-40B4-BE49-F238E27FC236}">
-                <a16:creationId xmlns:a16="http://schemas.microsoft.com/office/drawing/2014/main" id="{48E50EAA-98DF-0AFF-D964-2D4F9544B520}"/>
-              </a:ext>
-            </a:extLst>
-          </p:cNvPr>
-          <p:cNvCxnSpPr>
-            <a:stCxn id="21" idx="1"/>
-            <a:endCxn id="77" idx="1"/>
-          </p:cNvCxnSpPr>
-          <p:nvPr/>
-        </p:nvCxnSpPr>
-        <p:spPr>
-          <a:xfrm rot="10800000" flipH="1">
-            <a:off x="2709121" y="2742889"/>
-            <a:ext cx="12700" cy="469048"/>
-          </a:xfrm>
-          <a:prstGeom prst="curvedConnector3">
-            <a:avLst>
-              <a:gd name="adj1" fmla="val -1800000"/>
-            </a:avLst>
-          </a:prstGeom>
-          <a:ln>
-            <a:tailEnd type="triangle"/>
-          </a:ln>
-        </p:spPr>
-        <p:style>
-          <a:lnRef idx="1">
-            <a:schemeClr val="accent1"/>
-          </a:lnRef>
-          <a:fillRef idx="0">
-            <a:schemeClr val="accent1"/>
-          </a:fillRef>
-          <a:effectRef idx="0">
-            <a:schemeClr val="accent1"/>
-          </a:effectRef>
-          <a:fontRef idx="minor">
-            <a:schemeClr val="tx1"/>
-          </a:fontRef>
-        </p:style>
-      </p:cxnSp>
-      <p:cxnSp>
-        <p:nvCxnSpPr>
-          <p:cNvPr id="81" name="Connector: Curved 80">
-            <a:extLst>
-              <a:ext uri="{FF2B5EF4-FFF2-40B4-BE49-F238E27FC236}">
-                <a16:creationId xmlns:a16="http://schemas.microsoft.com/office/drawing/2014/main" id="{55393FEE-0B15-402E-98AE-CFAFDE27482E}"/>
-              </a:ext>
-            </a:extLst>
-          </p:cNvPr>
-          <p:cNvCxnSpPr>
-            <a:stCxn id="77" idx="3"/>
-            <a:endCxn id="56" idx="3"/>
-          </p:cNvCxnSpPr>
-          <p:nvPr/>
-        </p:nvCxnSpPr>
-        <p:spPr>
-          <a:xfrm flipV="1">
-            <a:off x="6342726" y="2274593"/>
-            <a:ext cx="42052" cy="468296"/>
-          </a:xfrm>
-          <a:prstGeom prst="curvedConnector3">
-            <a:avLst>
-              <a:gd name="adj1" fmla="val 643613"/>
-            </a:avLst>
-          </a:prstGeom>
-          <a:ln>
-            <a:tailEnd type="triangle"/>
-          </a:ln>
-        </p:spPr>
-        <p:style>
-          <a:lnRef idx="1">
-            <a:schemeClr val="accent1"/>
-          </a:lnRef>
-          <a:fillRef idx="0">
-            <a:schemeClr val="accent1"/>
-          </a:fillRef>
-          <a:effectRef idx="0">
-            <a:schemeClr val="accent1"/>
-          </a:effectRef>
-          <a:fontRef idx="minor">
-            <a:schemeClr val="tx1"/>
-          </a:fontRef>
-        </p:style>
-      </p:cxnSp>
-      <p:cxnSp>
-        <p:nvCxnSpPr>
-          <p:cNvPr id="83" name="Straight Connector 82">
-            <a:extLst>
-              <a:ext uri="{FF2B5EF4-FFF2-40B4-BE49-F238E27FC236}">
-                <a16:creationId xmlns:a16="http://schemas.microsoft.com/office/drawing/2014/main" id="{B5623D6E-7798-5067-5E98-2B8C91C1ED94}"/>
-              </a:ext>
-            </a:extLst>
-          </p:cNvPr>
-          <p:cNvCxnSpPr>
-            <a:cxnSpLocks/>
-          </p:cNvCxnSpPr>
-          <p:nvPr/>
-        </p:nvCxnSpPr>
-        <p:spPr>
-          <a:xfrm>
-            <a:off x="2824723" y="2923886"/>
-            <a:ext cx="3518003" cy="0"/>
-          </a:xfrm>
-          <a:prstGeom prst="line">
-            <a:avLst/>
-          </a:prstGeom>
-          <a:ln w="31750">
-            <a:prstDash val="dash"/>
-          </a:ln>
-        </p:spPr>
-        <p:style>
-          <a:lnRef idx="1">
-            <a:schemeClr val="accent1"/>
-          </a:lnRef>
-          <a:fillRef idx="0">
-            <a:schemeClr val="accent1"/>
-          </a:fillRef>
-          <a:effectRef idx="0">
-            <a:schemeClr val="accent1"/>
-          </a:effectRef>
-          <a:fontRef idx="minor">
-            <a:schemeClr val="tx1"/>
-          </a:fontRef>
-        </p:style>
-      </p:cxnSp>
-      <p:cxnSp>
-        <p:nvCxnSpPr>
-          <p:cNvPr id="84" name="Straight Connector 83">
-            <a:extLst>
-              <a:ext uri="{FF2B5EF4-FFF2-40B4-BE49-F238E27FC236}">
-                <a16:creationId xmlns:a16="http://schemas.microsoft.com/office/drawing/2014/main" id="{56E8F325-25B3-A642-5FC6-96FC9CBE2365}"/>
-              </a:ext>
-            </a:extLst>
-          </p:cNvPr>
-          <p:cNvCxnSpPr>
-            <a:cxnSpLocks/>
-          </p:cNvCxnSpPr>
-          <p:nvPr/>
-        </p:nvCxnSpPr>
-        <p:spPr>
-          <a:xfrm>
-            <a:off x="2824723" y="2561891"/>
-            <a:ext cx="3505303" cy="0"/>
-          </a:xfrm>
-          <a:prstGeom prst="line">
-            <a:avLst/>
-          </a:prstGeom>
-          <a:ln w="31750">
-            <a:prstDash val="dash"/>
-          </a:ln>
-        </p:spPr>
-        <p:style>
-          <a:lnRef idx="1">
-            <a:schemeClr val="accent1"/>
-          </a:lnRef>
-          <a:fillRef idx="0">
-            <a:schemeClr val="accent1"/>
-          </a:fillRef>
-          <a:effectRef idx="0">
-            <a:schemeClr val="accent1"/>
-          </a:effectRef>
-          <a:fontRef idx="minor">
-            <a:schemeClr val="tx1"/>
-          </a:fontRef>
-        </p:style>
-      </p:cxnSp>
-      <p:sp>
-        <p:nvSpPr>
-          <p:cNvPr id="89" name="TextBox 88">
-            <a:extLst>
-              <a:ext uri="{FF2B5EF4-FFF2-40B4-BE49-F238E27FC236}">
-                <a16:creationId xmlns:a16="http://schemas.microsoft.com/office/drawing/2014/main" id="{CC3877F9-8A05-5754-4546-61A2E4C77A7D}"/>
-              </a:ext>
-            </a:extLst>
-          </p:cNvPr>
-          <p:cNvSpPr txBox="1"/>
-          <p:nvPr/>
-        </p:nvSpPr>
-        <p:spPr>
-          <a:xfrm>
-            <a:off x="9834115" y="6207441"/>
-            <a:ext cx="2270173" cy="584775"/>
-          </a:xfrm>
-          <a:prstGeom prst="rect">
-            <a:avLst/>
-          </a:prstGeom>
-          <a:noFill/>
-        </p:spPr>
-        <p:txBody>
-          <a:bodyPr wrap="none" rtlCol="0">
-            <a:spAutoFit/>
-          </a:bodyPr>
-          <a:lstStyle/>
-          <a:p>
-            <a:r>
-              <a:rPr lang="en-US" sz="3200" b="1" dirty="0" err="1">
-                <a:solidFill>
-                  <a:schemeClr val="accent6"/>
-                </a:solidFill>
-              </a:rPr>
-              <a:t>GacUI</a:t>
-            </a:r>
-            <a:r>
-              <a:rPr lang="en-US" sz="3200" b="1" dirty="0">
-                <a:solidFill>
-                  <a:schemeClr val="accent6"/>
-                </a:solidFill>
-              </a:rPr>
-              <a:t> Core</a:t>
-            </a:r>
-          </a:p>
-        </p:txBody>
-      </p:sp>
-      <p:sp>
-        <p:nvSpPr>
-          <p:cNvPr id="90" name="TextBox 89">
-            <a:extLst>
-              <a:ext uri="{FF2B5EF4-FFF2-40B4-BE49-F238E27FC236}">
-                <a16:creationId xmlns:a16="http://schemas.microsoft.com/office/drawing/2014/main" id="{87375FBF-E847-B1A9-D651-9E9E6F119A5D}"/>
-              </a:ext>
-            </a:extLst>
-          </p:cNvPr>
-          <p:cNvSpPr txBox="1"/>
-          <p:nvPr/>
-        </p:nvSpPr>
-        <p:spPr>
-          <a:xfrm>
-            <a:off x="99083" y="132184"/>
-            <a:ext cx="3445174" cy="584775"/>
-          </a:xfrm>
-          <a:prstGeom prst="rect">
-            <a:avLst/>
-          </a:prstGeom>
-          <a:noFill/>
-        </p:spPr>
-        <p:txBody>
-          <a:bodyPr wrap="none" rtlCol="0">
-            <a:spAutoFit/>
-          </a:bodyPr>
-          <a:lstStyle/>
-          <a:p>
-            <a:r>
-              <a:rPr lang="en-US" sz="3200" b="1" dirty="0">
-                <a:solidFill>
-                  <a:schemeClr val="accent6"/>
-                </a:solidFill>
-              </a:rPr>
-              <a:t>Remote Renderer</a:t>
-            </a:r>
-          </a:p>
-        </p:txBody>
-      </p:sp>
+          </p:spPr>
+          <p:txBody>
+            <a:bodyPr wrap="none" rtlCol="0">
+              <a:spAutoFit/>
+            </a:bodyPr>
+            <a:lstStyle/>
+            <a:p>
+              <a:r>
+                <a:rPr lang="en-US" dirty="0"/>
+                <a:t>your </a:t>
+              </a:r>
+              <a:r>
+                <a:rPr lang="en-US" dirty="0" err="1"/>
+                <a:t>IGuiRemoteProtocolChannel</a:t>
+              </a:r>
+              <a:r>
+                <a:rPr lang="en-US" dirty="0"/>
+                <a:t>&lt;U8String&gt; implementation</a:t>
+              </a:r>
+            </a:p>
+          </p:txBody>
+        </p:sp>
+        <p:sp>
+          <p:nvSpPr>
+            <p:cNvPr id="57" name="TextBox 56">
+              <a:extLst>
+                <a:ext uri="{FF2B5EF4-FFF2-40B4-BE49-F238E27FC236}">
+                  <a16:creationId xmlns:a16="http://schemas.microsoft.com/office/drawing/2014/main" id="{DCCD7AF6-FA7B-6325-2909-08829AE29CBE}"/>
+                </a:ext>
+              </a:extLst>
+            </p:cNvPr>
+            <p:cNvSpPr txBox="1"/>
+            <p:nvPr/>
+          </p:nvSpPr>
+          <p:spPr>
+            <a:xfrm>
+              <a:off x="196866" y="1614355"/>
+              <a:ext cx="6187912" cy="369332"/>
+            </a:xfrm>
+            <a:prstGeom prst="rect">
+              <a:avLst/>
+            </a:prstGeom>
+            <a:noFill/>
+          </p:spPr>
+          <p:txBody>
+            <a:bodyPr wrap="none" rtlCol="0">
+              <a:spAutoFit/>
+            </a:bodyPr>
+            <a:lstStyle/>
+            <a:p>
+              <a:r>
+                <a:rPr lang="en-US" dirty="0" err="1"/>
+                <a:t>GuiRemoteUtfStringChannelDeserializer</a:t>
+              </a:r>
+              <a:r>
+                <a:rPr lang="en-US" dirty="0"/>
+                <a:t>&lt;</a:t>
+              </a:r>
+              <a:r>
+                <a:rPr lang="en-US" dirty="0" err="1"/>
+                <a:t>WString</a:t>
+              </a:r>
+              <a:r>
+                <a:rPr lang="en-US" dirty="0"/>
+                <a:t>, U8String&gt;</a:t>
+              </a:r>
+            </a:p>
+          </p:txBody>
+        </p:sp>
+        <p:sp>
+          <p:nvSpPr>
+            <p:cNvPr id="58" name="TextBox 57">
+              <a:extLst>
+                <a:ext uri="{FF2B5EF4-FFF2-40B4-BE49-F238E27FC236}">
+                  <a16:creationId xmlns:a16="http://schemas.microsoft.com/office/drawing/2014/main" id="{744E2114-EB23-4757-75C3-B8CEDA6D4406}"/>
+                </a:ext>
+              </a:extLst>
+            </p:cNvPr>
+            <p:cNvSpPr txBox="1"/>
+            <p:nvPr/>
+          </p:nvSpPr>
+          <p:spPr>
+            <a:xfrm>
+              <a:off x="2091408" y="1148091"/>
+              <a:ext cx="4253087" cy="369332"/>
+            </a:xfrm>
+            <a:prstGeom prst="rect">
+              <a:avLst/>
+            </a:prstGeom>
+            <a:noFill/>
+          </p:spPr>
+          <p:txBody>
+            <a:bodyPr wrap="none" rtlCol="0">
+              <a:spAutoFit/>
+            </a:bodyPr>
+            <a:lstStyle/>
+            <a:p>
+              <a:r>
+                <a:rPr lang="en-US" dirty="0" err="1"/>
+                <a:t>GuiRemoteJsonChannelStringDeserializer</a:t>
+              </a:r>
+              <a:endParaRPr lang="en-US" dirty="0"/>
+            </a:p>
+          </p:txBody>
+        </p:sp>
+        <p:sp>
+          <p:nvSpPr>
+            <p:cNvPr id="59" name="TextBox 58">
+              <a:extLst>
+                <a:ext uri="{FF2B5EF4-FFF2-40B4-BE49-F238E27FC236}">
+                  <a16:creationId xmlns:a16="http://schemas.microsoft.com/office/drawing/2014/main" id="{4C1E4B76-F2D6-6CB2-AFCC-73A1817D4252}"/>
+                </a:ext>
+              </a:extLst>
+            </p:cNvPr>
+            <p:cNvSpPr txBox="1"/>
+            <p:nvPr/>
+          </p:nvSpPr>
+          <p:spPr>
+            <a:xfrm>
+              <a:off x="2463138" y="681827"/>
+              <a:ext cx="3879588" cy="369332"/>
+            </a:xfrm>
+            <a:prstGeom prst="rect">
+              <a:avLst/>
+            </a:prstGeom>
+            <a:noFill/>
+          </p:spPr>
+          <p:txBody>
+            <a:bodyPr wrap="none" rtlCol="0">
+              <a:spAutoFit/>
+            </a:bodyPr>
+            <a:lstStyle/>
+            <a:p>
+              <a:r>
+                <a:rPr lang="en-US" dirty="0" err="1"/>
+                <a:t>GuiRemoteJsonChannelFromProtocol</a:t>
+              </a:r>
+              <a:endParaRPr lang="en-US" dirty="0"/>
+            </a:p>
+          </p:txBody>
+        </p:sp>
+        <p:cxnSp>
+          <p:nvCxnSpPr>
+            <p:cNvPr id="61" name="Connector: Curved 60">
+              <a:extLst>
+                <a:ext uri="{FF2B5EF4-FFF2-40B4-BE49-F238E27FC236}">
+                  <a16:creationId xmlns:a16="http://schemas.microsoft.com/office/drawing/2014/main" id="{1923D9C3-BD1B-1C73-AD74-83D444DC1717}"/>
+                </a:ext>
+              </a:extLst>
+            </p:cNvPr>
+            <p:cNvCxnSpPr>
+              <a:stCxn id="56" idx="3"/>
+              <a:endCxn id="57" idx="3"/>
+            </p:cNvCxnSpPr>
+            <p:nvPr/>
+          </p:nvCxnSpPr>
+          <p:spPr>
+            <a:xfrm flipV="1">
+              <a:off x="6384778" y="1799021"/>
+              <a:ext cx="12700" cy="475572"/>
+            </a:xfrm>
+            <a:prstGeom prst="curvedConnector3">
+              <a:avLst>
+                <a:gd name="adj1" fmla="val 1800000"/>
+              </a:avLst>
+            </a:prstGeom>
+            <a:ln>
+              <a:tailEnd type="triangle"/>
+            </a:ln>
+          </p:spPr>
+          <p:style>
+            <a:lnRef idx="1">
+              <a:schemeClr val="accent1"/>
+            </a:lnRef>
+            <a:fillRef idx="0">
+              <a:schemeClr val="accent1"/>
+            </a:fillRef>
+            <a:effectRef idx="0">
+              <a:schemeClr val="accent1"/>
+            </a:effectRef>
+            <a:fontRef idx="minor">
+              <a:schemeClr val="tx1"/>
+            </a:fontRef>
+          </p:style>
+        </p:cxnSp>
+        <p:cxnSp>
+          <p:nvCxnSpPr>
+            <p:cNvPr id="65" name="Connector: Curved 64">
+              <a:extLst>
+                <a:ext uri="{FF2B5EF4-FFF2-40B4-BE49-F238E27FC236}">
+                  <a16:creationId xmlns:a16="http://schemas.microsoft.com/office/drawing/2014/main" id="{20F6E4A5-729B-CDB7-BAED-9A9A0A435728}"/>
+                </a:ext>
+              </a:extLst>
+            </p:cNvPr>
+            <p:cNvCxnSpPr>
+              <a:stCxn id="57" idx="3"/>
+              <a:endCxn id="58" idx="3"/>
+            </p:cNvCxnSpPr>
+            <p:nvPr/>
+          </p:nvCxnSpPr>
+          <p:spPr>
+            <a:xfrm flipH="1" flipV="1">
+              <a:off x="6344495" y="1332757"/>
+              <a:ext cx="40283" cy="466264"/>
+            </a:xfrm>
+            <a:prstGeom prst="curvedConnector3">
+              <a:avLst>
+                <a:gd name="adj1" fmla="val -567485"/>
+              </a:avLst>
+            </a:prstGeom>
+            <a:ln>
+              <a:tailEnd type="triangle"/>
+            </a:ln>
+          </p:spPr>
+          <p:style>
+            <a:lnRef idx="1">
+              <a:schemeClr val="accent1"/>
+            </a:lnRef>
+            <a:fillRef idx="0">
+              <a:schemeClr val="accent1"/>
+            </a:fillRef>
+            <a:effectRef idx="0">
+              <a:schemeClr val="accent1"/>
+            </a:effectRef>
+            <a:fontRef idx="minor">
+              <a:schemeClr val="tx1"/>
+            </a:fontRef>
+          </p:style>
+        </p:cxnSp>
+        <p:cxnSp>
+          <p:nvCxnSpPr>
+            <p:cNvPr id="69" name="Connector: Curved 68">
+              <a:extLst>
+                <a:ext uri="{FF2B5EF4-FFF2-40B4-BE49-F238E27FC236}">
+                  <a16:creationId xmlns:a16="http://schemas.microsoft.com/office/drawing/2014/main" id="{3C1AEB92-9DB9-8E63-D28B-C55E3D872346}"/>
+                </a:ext>
+              </a:extLst>
+            </p:cNvPr>
+            <p:cNvCxnSpPr>
+              <a:stCxn id="58" idx="3"/>
+              <a:endCxn id="59" idx="3"/>
+            </p:cNvCxnSpPr>
+            <p:nvPr/>
+          </p:nvCxnSpPr>
+          <p:spPr>
+            <a:xfrm flipH="1" flipV="1">
+              <a:off x="6342726" y="866493"/>
+              <a:ext cx="1769" cy="466264"/>
+            </a:xfrm>
+            <a:prstGeom prst="curvedConnector3">
+              <a:avLst>
+                <a:gd name="adj1" fmla="val -12922555"/>
+              </a:avLst>
+            </a:prstGeom>
+            <a:ln>
+              <a:tailEnd type="triangle"/>
+            </a:ln>
+          </p:spPr>
+          <p:style>
+            <a:lnRef idx="1">
+              <a:schemeClr val="accent1"/>
+            </a:lnRef>
+            <a:fillRef idx="0">
+              <a:schemeClr val="accent1"/>
+            </a:fillRef>
+            <a:effectRef idx="0">
+              <a:schemeClr val="accent1"/>
+            </a:effectRef>
+            <a:fontRef idx="minor">
+              <a:schemeClr val="tx1"/>
+            </a:fontRef>
+          </p:style>
+        </p:cxnSp>
+        <p:cxnSp>
+          <p:nvCxnSpPr>
+            <p:cNvPr id="76" name="Connector: Curved 75">
+              <a:extLst>
+                <a:ext uri="{FF2B5EF4-FFF2-40B4-BE49-F238E27FC236}">
+                  <a16:creationId xmlns:a16="http://schemas.microsoft.com/office/drawing/2014/main" id="{BA4B4226-6B2A-D93F-C157-380DB6ABF619}"/>
+                </a:ext>
+              </a:extLst>
+            </p:cNvPr>
+            <p:cNvCxnSpPr>
+              <a:stCxn id="59" idx="3"/>
+              <a:endCxn id="39" idx="1"/>
+            </p:cNvCxnSpPr>
+            <p:nvPr/>
+          </p:nvCxnSpPr>
+          <p:spPr>
+            <a:xfrm>
+              <a:off x="6342726" y="866493"/>
+              <a:ext cx="1737418" cy="1127386"/>
+            </a:xfrm>
+            <a:prstGeom prst="curvedConnector3">
+              <a:avLst/>
+            </a:prstGeom>
+            <a:ln>
+              <a:tailEnd type="triangle"/>
+            </a:ln>
+          </p:spPr>
+          <p:style>
+            <a:lnRef idx="1">
+              <a:schemeClr val="accent1"/>
+            </a:lnRef>
+            <a:fillRef idx="0">
+              <a:schemeClr val="accent1"/>
+            </a:fillRef>
+            <a:effectRef idx="0">
+              <a:schemeClr val="accent1"/>
+            </a:effectRef>
+            <a:fontRef idx="minor">
+              <a:schemeClr val="tx1"/>
+            </a:fontRef>
+          </p:style>
+        </p:cxnSp>
+        <p:sp>
+          <p:nvSpPr>
+            <p:cNvPr id="90" name="TextBox 89">
+              <a:extLst>
+                <a:ext uri="{FF2B5EF4-FFF2-40B4-BE49-F238E27FC236}">
+                  <a16:creationId xmlns:a16="http://schemas.microsoft.com/office/drawing/2014/main" id="{87375FBF-E847-B1A9-D651-9E9E6F119A5D}"/>
+                </a:ext>
+              </a:extLst>
+            </p:cNvPr>
+            <p:cNvSpPr txBox="1"/>
+            <p:nvPr/>
+          </p:nvSpPr>
+          <p:spPr>
+            <a:xfrm>
+              <a:off x="99083" y="132184"/>
+              <a:ext cx="3445174" cy="584775"/>
+            </a:xfrm>
+            <a:prstGeom prst="rect">
+              <a:avLst/>
+            </a:prstGeom>
+            <a:noFill/>
+          </p:spPr>
+          <p:txBody>
+            <a:bodyPr wrap="none" rtlCol="0">
+              <a:spAutoFit/>
+            </a:bodyPr>
+            <a:lstStyle/>
+            <a:p>
+              <a:r>
+                <a:rPr lang="en-US" sz="3200" b="1" dirty="0">
+                  <a:solidFill>
+                    <a:schemeClr val="accent6"/>
+                  </a:solidFill>
+                </a:rPr>
+                <a:t>Remote Renderer</a:t>
+              </a:r>
+            </a:p>
+          </p:txBody>
+        </p:sp>
+      </p:grpSp>
     </p:spTree>
     <p:extLst>
       <p:ext uri="{BB962C8B-B14F-4D97-AF65-F5344CB8AC3E}">
